--- a/Lectures/Lecture 6 Linear models.pptx
+++ b/Lectures/Lecture 6 Linear models.pptx
@@ -5,7 +5,7 @@
     <p:sldMasterId id="2147483648" r:id="rId1"/>
   </p:sldMasterIdLst>
   <p:notesMasterIdLst>
-    <p:notesMasterId r:id="rId13"/>
+    <p:notesMasterId r:id="rId23"/>
   </p:notesMasterIdLst>
   <p:sldIdLst>
     <p:sldId id="256" r:id="rId2"/>
@@ -19,6 +19,16 @@
     <p:sldId id="690" r:id="rId10"/>
     <p:sldId id="691" r:id="rId11"/>
     <p:sldId id="692" r:id="rId12"/>
+    <p:sldId id="701" r:id="rId13"/>
+    <p:sldId id="702" r:id="rId14"/>
+    <p:sldId id="694" r:id="rId15"/>
+    <p:sldId id="696" r:id="rId16"/>
+    <p:sldId id="697" r:id="rId17"/>
+    <p:sldId id="695" r:id="rId18"/>
+    <p:sldId id="693" r:id="rId19"/>
+    <p:sldId id="698" r:id="rId20"/>
+    <p:sldId id="699" r:id="rId21"/>
+    <p:sldId id="700" r:id="rId22"/>
   </p:sldIdLst>
   <p:sldSz cx="12192000" cy="6858000"/>
   <p:notesSz cx="6858000" cy="9144000"/>
@@ -3685,7 +3695,7 @@
           <a:p>
             <a:r>
               <a:rPr lang="en-US" dirty="0"/>
-              <a:t>Posteriors converge to something</a:t>
+              <a:t>Posteriors are distributions</a:t>
             </a:r>
             <a:endParaRPr lang="he-IL" dirty="0"/>
           </a:p>
@@ -3782,25 +3792,25 @@
           <p:nvPr>
             <p:extLst>
               <p:ext uri="{D42A27DB-BD31-4B8C-83A1-F6EECF244321}">
-                <p14:modId xmlns:p14="http://schemas.microsoft.com/office/powerpoint/2010/main" val="2412515928"/>
+                <p14:modId xmlns:p14="http://schemas.microsoft.com/office/powerpoint/2010/main" val="2480452531"/>
               </p:ext>
             </p:extLst>
           </p:nvPr>
         </p:nvGraphicFramePr>
         <p:xfrm>
-          <a:off x="8718191" y="2278627"/>
-          <a:ext cx="1930707" cy="541953"/>
+          <a:off x="8701088" y="2278063"/>
+          <a:ext cx="1965325" cy="542925"/>
         </p:xfrm>
         <a:graphic>
           <a:graphicData uri="http://schemas.openxmlformats.org/presentationml/2006/ole">
             <mc:AlternateContent xmlns:mc="http://schemas.openxmlformats.org/markup-compatibility/2006">
               <mc:Choice xmlns:v="urn:schemas-microsoft-com:vml" Requires="v">
-                <p:oleObj name="Equation" r:id="rId3" imgW="723600" imgH="203040" progId="Equation.DSMT4">
+                <p:oleObj name="Equation" r:id="rId3" imgW="736560" imgH="203040" progId="Equation.DSMT4">
                   <p:embed/>
                 </p:oleObj>
               </mc:Choice>
               <mc:Fallback>
-                <p:oleObj name="Equation" r:id="rId3" imgW="723600" imgH="203040" progId="Equation.DSMT4">
+                <p:oleObj name="Equation" r:id="rId3" imgW="736560" imgH="203040" progId="Equation.DSMT4">
                   <p:embed/>
                   <p:pic>
                     <p:nvPicPr>
@@ -3816,8 +3826,8 @@
                     </p:blipFill>
                     <p:spPr>
                       <a:xfrm>
-                        <a:off x="8718191" y="2278627"/>
-                        <a:ext cx="1930707" cy="541953"/>
+                        <a:off x="8701088" y="2278063"/>
+                        <a:ext cx="1965325" cy="542925"/>
                       </a:xfrm>
                       <a:prstGeom prst="rect">
                         <a:avLst/>
@@ -3881,25 +3891,25 @@
           <p:nvPr>
             <p:extLst>
               <p:ext uri="{D42A27DB-BD31-4B8C-83A1-F6EECF244321}">
-                <p14:modId xmlns:p14="http://schemas.microsoft.com/office/powerpoint/2010/main" val="3094716666"/>
+                <p14:modId xmlns:p14="http://schemas.microsoft.com/office/powerpoint/2010/main" val="4281262310"/>
               </p:ext>
             </p:extLst>
           </p:nvPr>
         </p:nvGraphicFramePr>
         <p:xfrm>
-          <a:off x="9043767" y="3293378"/>
-          <a:ext cx="1930707" cy="468050"/>
+          <a:off x="9029700" y="3294063"/>
+          <a:ext cx="1960563" cy="466725"/>
         </p:xfrm>
         <a:graphic>
           <a:graphicData uri="http://schemas.openxmlformats.org/presentationml/2006/ole">
             <mc:AlternateContent xmlns:mc="http://schemas.openxmlformats.org/markup-compatibility/2006">
               <mc:Choice xmlns:v="urn:schemas-microsoft-com:vml" Requires="v">
-                <p:oleObj name="Equation" r:id="rId5" imgW="838080" imgH="203040" progId="Equation.DSMT4">
+                <p:oleObj name="Equation" r:id="rId5" imgW="850680" imgH="203040" progId="Equation.DSMT4">
                   <p:embed/>
                 </p:oleObj>
               </mc:Choice>
               <mc:Fallback>
-                <p:oleObj name="Equation" r:id="rId5" imgW="838080" imgH="203040" progId="Equation.DSMT4">
+                <p:oleObj name="Equation" r:id="rId5" imgW="850680" imgH="203040" progId="Equation.DSMT4">
                   <p:embed/>
                   <p:pic>
                     <p:nvPicPr>
@@ -3915,8 +3925,8 @@
                     </p:blipFill>
                     <p:spPr>
                       <a:xfrm>
-                        <a:off x="9043767" y="3293378"/>
-                        <a:ext cx="1930707" cy="468050"/>
+                        <a:off x="9029700" y="3294063"/>
+                        <a:ext cx="1960563" cy="466725"/>
                       </a:xfrm>
                       <a:prstGeom prst="rect">
                         <a:avLst/>
@@ -3944,25 +3954,25 @@
           <p:nvPr>
             <p:extLst>
               <p:ext uri="{D42A27DB-BD31-4B8C-83A1-F6EECF244321}">
-                <p14:modId xmlns:p14="http://schemas.microsoft.com/office/powerpoint/2010/main" val="1778368006"/>
+                <p14:modId xmlns:p14="http://schemas.microsoft.com/office/powerpoint/2010/main" val="4234365191"/>
               </p:ext>
             </p:extLst>
           </p:nvPr>
         </p:nvGraphicFramePr>
         <p:xfrm>
-          <a:off x="9043767" y="3753036"/>
-          <a:ext cx="1896093" cy="459659"/>
+          <a:off x="9029700" y="3752850"/>
+          <a:ext cx="1924050" cy="460375"/>
         </p:xfrm>
         <a:graphic>
           <a:graphicData uri="http://schemas.openxmlformats.org/presentationml/2006/ole">
             <mc:AlternateContent xmlns:mc="http://schemas.openxmlformats.org/markup-compatibility/2006">
               <mc:Choice xmlns:v="urn:schemas-microsoft-com:vml" Requires="v">
-                <p:oleObj name="Equation" r:id="rId7" imgW="838080" imgH="203040" progId="Equation.DSMT4">
+                <p:oleObj name="Equation" r:id="rId7" imgW="850680" imgH="203040" progId="Equation.DSMT4">
                   <p:embed/>
                 </p:oleObj>
               </mc:Choice>
               <mc:Fallback>
-                <p:oleObj name="Equation" r:id="rId7" imgW="838080" imgH="203040" progId="Equation.DSMT4">
+                <p:oleObj name="Equation" r:id="rId7" imgW="850680" imgH="203040" progId="Equation.DSMT4">
                   <p:embed/>
                   <p:pic>
                     <p:nvPicPr>
@@ -3978,8 +3988,8 @@
                     </p:blipFill>
                     <p:spPr>
                       <a:xfrm>
-                        <a:off x="9043767" y="3753036"/>
-                        <a:ext cx="1896093" cy="459659"/>
+                        <a:off x="9029700" y="3752850"/>
+                        <a:ext cx="1924050" cy="460375"/>
                       </a:xfrm>
                       <a:prstGeom prst="rect">
                         <a:avLst/>
@@ -4002,6 +4012,7445 @@
   <p:clrMapOvr>
     <a:masterClrMapping/>
   </p:clrMapOvr>
+</p:sld>
+</file>
+
+<file path=ppt/slides/slide12.xml><?xml version="1.0" encoding="utf-8"?>
+<p:sld xmlns:a="http://schemas.openxmlformats.org/drawingml/2006/main" xmlns:r="http://schemas.openxmlformats.org/officeDocument/2006/relationships" xmlns:p="http://schemas.openxmlformats.org/presentationml/2006/main">
+  <p:cSld>
+    <p:spTree>
+      <p:nvGrpSpPr>
+        <p:cNvPr id="1" name=""/>
+        <p:cNvGrpSpPr/>
+        <p:nvPr/>
+      </p:nvGrpSpPr>
+      <p:grpSpPr>
+        <a:xfrm>
+          <a:off x="0" y="0"/>
+          <a:ext cx="0" cy="0"/>
+          <a:chOff x="0" y="0"/>
+          <a:chExt cx="0" cy="0"/>
+        </a:xfrm>
+      </p:grpSpPr>
+      <p:sp>
+        <p:nvSpPr>
+          <p:cNvPr id="2" name="Title 1">
+            <a:extLst>
+              <a:ext uri="{FF2B5EF4-FFF2-40B4-BE49-F238E27FC236}">
+                <a16:creationId xmlns:a16="http://schemas.microsoft.com/office/drawing/2014/main" id="{3EBB539F-4B3D-EBDA-8BA4-0533ADB28A60}"/>
+              </a:ext>
+            </a:extLst>
+          </p:cNvPr>
+          <p:cNvSpPr>
+            <a:spLocks noGrp="1"/>
+          </p:cNvSpPr>
+          <p:nvPr>
+            <p:ph type="title"/>
+          </p:nvPr>
+        </p:nvSpPr>
+        <p:spPr/>
+        <p:txBody>
+          <a:bodyPr/>
+          <a:lstStyle/>
+          <a:p>
+            <a:r>
+              <a:rPr lang="en-US" dirty="0"/>
+              <a:t>Joint distribution figure</a:t>
+            </a:r>
+            <a:endParaRPr lang="he-IL" dirty="0"/>
+          </a:p>
+        </p:txBody>
+      </p:sp>
+      <p:sp>
+        <p:nvSpPr>
+          <p:cNvPr id="3" name="Content Placeholder 2">
+            <a:extLst>
+              <a:ext uri="{FF2B5EF4-FFF2-40B4-BE49-F238E27FC236}">
+                <a16:creationId xmlns:a16="http://schemas.microsoft.com/office/drawing/2014/main" id="{546A06E6-7286-844C-3A29-C9C808D379D1}"/>
+              </a:ext>
+            </a:extLst>
+          </p:cNvPr>
+          <p:cNvSpPr>
+            <a:spLocks noGrp="1"/>
+          </p:cNvSpPr>
+          <p:nvPr>
+            <p:ph idx="1"/>
+          </p:nvPr>
+        </p:nvSpPr>
+        <p:spPr/>
+        <p:txBody>
+          <a:bodyPr/>
+          <a:lstStyle/>
+          <a:p>
+            <a:endParaRPr lang="he-IL"/>
+          </a:p>
+        </p:txBody>
+      </p:sp>
+      <p:pic>
+        <p:nvPicPr>
+          <p:cNvPr id="4" name="Picture 3">
+            <a:extLst>
+              <a:ext uri="{FF2B5EF4-FFF2-40B4-BE49-F238E27FC236}">
+                <a16:creationId xmlns:a16="http://schemas.microsoft.com/office/drawing/2014/main" id="{7C95DC8C-F526-3A1E-3939-5720E55516DA}"/>
+              </a:ext>
+            </a:extLst>
+          </p:cNvPr>
+          <p:cNvPicPr>
+            <a:picLocks noChangeAspect="1"/>
+          </p:cNvPicPr>
+          <p:nvPr/>
+        </p:nvPicPr>
+        <p:blipFill>
+          <a:blip r:embed="rId2"/>
+          <a:stretch>
+            <a:fillRect/>
+          </a:stretch>
+        </p:blipFill>
+        <p:spPr>
+          <a:xfrm>
+            <a:off x="6268839" y="2506661"/>
+            <a:ext cx="3779958" cy="3715657"/>
+          </a:xfrm>
+          <a:prstGeom prst="rect">
+            <a:avLst/>
+          </a:prstGeom>
+        </p:spPr>
+      </p:pic>
+    </p:spTree>
+    <p:extLst>
+      <p:ext uri="{BB962C8B-B14F-4D97-AF65-F5344CB8AC3E}">
+        <p14:creationId xmlns:p14="http://schemas.microsoft.com/office/powerpoint/2010/main" val="3748357743"/>
+      </p:ext>
+    </p:extLst>
+  </p:cSld>
+  <p:clrMapOvr>
+    <a:masterClrMapping/>
+  </p:clrMapOvr>
+</p:sld>
+</file>
+
+<file path=ppt/slides/slide13.xml><?xml version="1.0" encoding="utf-8"?>
+<p:sld xmlns:a="http://schemas.openxmlformats.org/drawingml/2006/main" xmlns:r="http://schemas.openxmlformats.org/officeDocument/2006/relationships" xmlns:p="http://schemas.openxmlformats.org/presentationml/2006/main">
+  <p:cSld>
+    <p:spTree>
+      <p:nvGrpSpPr>
+        <p:cNvPr id="1" name=""/>
+        <p:cNvGrpSpPr/>
+        <p:nvPr/>
+      </p:nvGrpSpPr>
+      <p:grpSpPr>
+        <a:xfrm>
+          <a:off x="0" y="0"/>
+          <a:ext cx="0" cy="0"/>
+          <a:chOff x="0" y="0"/>
+          <a:chExt cx="0" cy="0"/>
+        </a:xfrm>
+      </p:grpSpPr>
+      <p:sp>
+        <p:nvSpPr>
+          <p:cNvPr id="2" name="Title 1">
+            <a:extLst>
+              <a:ext uri="{FF2B5EF4-FFF2-40B4-BE49-F238E27FC236}">
+                <a16:creationId xmlns:a16="http://schemas.microsoft.com/office/drawing/2014/main" id="{2A0E64EC-B6F9-B139-E80D-2AB0A6518CEE}"/>
+              </a:ext>
+            </a:extLst>
+          </p:cNvPr>
+          <p:cNvSpPr>
+            <a:spLocks noGrp="1"/>
+          </p:cNvSpPr>
+          <p:nvPr>
+            <p:ph type="title"/>
+          </p:nvPr>
+        </p:nvSpPr>
+        <p:spPr/>
+        <p:txBody>
+          <a:bodyPr/>
+          <a:lstStyle/>
+          <a:p>
+            <a:r>
+              <a:rPr lang="en-US" dirty="0"/>
+              <a:t>Picture of distribution of </a:t>
+            </a:r>
+            <a:r>
+              <a:rPr lang="en-US" dirty="0" err="1"/>
+              <a:t>mus</a:t>
+            </a:r>
+            <a:r>
+              <a:rPr lang="en-US" dirty="0"/>
+              <a:t> for different x</a:t>
+            </a:r>
+            <a:endParaRPr lang="he-IL" dirty="0"/>
+          </a:p>
+        </p:txBody>
+      </p:sp>
+      <p:sp>
+        <p:nvSpPr>
+          <p:cNvPr id="3" name="Content Placeholder 2">
+            <a:extLst>
+              <a:ext uri="{FF2B5EF4-FFF2-40B4-BE49-F238E27FC236}">
+                <a16:creationId xmlns:a16="http://schemas.microsoft.com/office/drawing/2014/main" id="{7B273014-3843-0A25-2F19-F45FEFACC1CE}"/>
+              </a:ext>
+            </a:extLst>
+          </p:cNvPr>
+          <p:cNvSpPr>
+            <a:spLocks noGrp="1"/>
+          </p:cNvSpPr>
+          <p:nvPr>
+            <p:ph idx="1"/>
+          </p:nvPr>
+        </p:nvSpPr>
+        <p:spPr/>
+        <p:txBody>
+          <a:bodyPr/>
+          <a:lstStyle/>
+          <a:p>
+            <a:endParaRPr lang="he-IL"/>
+          </a:p>
+        </p:txBody>
+      </p:sp>
+    </p:spTree>
+    <p:extLst>
+      <p:ext uri="{BB962C8B-B14F-4D97-AF65-F5344CB8AC3E}">
+        <p14:creationId xmlns:p14="http://schemas.microsoft.com/office/powerpoint/2010/main" val="3269324598"/>
+      </p:ext>
+    </p:extLst>
+  </p:cSld>
+  <p:clrMapOvr>
+    <a:masterClrMapping/>
+  </p:clrMapOvr>
+</p:sld>
+</file>
+
+<file path=ppt/slides/slide14.xml><?xml version="1.0" encoding="utf-8"?>
+<p:sld xmlns:a="http://schemas.openxmlformats.org/drawingml/2006/main" xmlns:r="http://schemas.openxmlformats.org/officeDocument/2006/relationships" xmlns:p="http://schemas.openxmlformats.org/presentationml/2006/main">
+  <p:cSld>
+    <p:spTree>
+      <p:nvGrpSpPr>
+        <p:cNvPr id="1" name=""/>
+        <p:cNvGrpSpPr/>
+        <p:nvPr/>
+      </p:nvGrpSpPr>
+      <p:grpSpPr>
+        <a:xfrm>
+          <a:off x="0" y="0"/>
+          <a:ext cx="0" cy="0"/>
+          <a:chOff x="0" y="0"/>
+          <a:chExt cx="0" cy="0"/>
+        </a:xfrm>
+      </p:grpSpPr>
+      <p:sp>
+        <p:nvSpPr>
+          <p:cNvPr id="2" name="Title 1">
+            <a:extLst>
+              <a:ext uri="{FF2B5EF4-FFF2-40B4-BE49-F238E27FC236}">
+                <a16:creationId xmlns:a16="http://schemas.microsoft.com/office/drawing/2014/main" id="{F7C2D6D5-E581-417F-0550-015CA3516D06}"/>
+              </a:ext>
+            </a:extLst>
+          </p:cNvPr>
+          <p:cNvSpPr>
+            <a:spLocks noGrp="1"/>
+          </p:cNvSpPr>
+          <p:nvPr>
+            <p:ph type="title"/>
+          </p:nvPr>
+        </p:nvSpPr>
+        <p:spPr/>
+        <p:txBody>
+          <a:bodyPr/>
+          <a:lstStyle/>
+          <a:p>
+            <a:r>
+              <a:rPr lang="en-US" dirty="0"/>
+              <a:t>Showing the uncertainty</a:t>
+            </a:r>
+            <a:endParaRPr lang="he-IL" dirty="0"/>
+          </a:p>
+        </p:txBody>
+      </p:sp>
+      <p:sp>
+        <p:nvSpPr>
+          <p:cNvPr id="3" name="Content Placeholder 2">
+            <a:extLst>
+              <a:ext uri="{FF2B5EF4-FFF2-40B4-BE49-F238E27FC236}">
+                <a16:creationId xmlns:a16="http://schemas.microsoft.com/office/drawing/2014/main" id="{0D2CB6B2-1D83-8D02-AA33-8FCF5874333B}"/>
+              </a:ext>
+            </a:extLst>
+          </p:cNvPr>
+          <p:cNvSpPr>
+            <a:spLocks noGrp="1"/>
+          </p:cNvSpPr>
+          <p:nvPr>
+            <p:ph idx="1"/>
+          </p:nvPr>
+        </p:nvSpPr>
+        <p:spPr>
+          <a:xfrm>
+            <a:off x="838200" y="1825625"/>
+            <a:ext cx="10515600" cy="779923"/>
+          </a:xfrm>
+        </p:spPr>
+        <p:txBody>
+          <a:bodyPr>
+            <a:normAutofit fontScale="92500" lnSpcReduction="10000"/>
+          </a:bodyPr>
+          <a:lstStyle/>
+          <a:p>
+            <a:r>
+              <a:rPr lang="en-US" dirty="0"/>
+              <a:t>Using multiple samples from the posterior</a:t>
+            </a:r>
+          </a:p>
+          <a:p>
+            <a:pPr lvl="1"/>
+            <a:r>
+              <a:rPr lang="en-US" dirty="0"/>
+              <a:t>Each red line is an MCMC sample</a:t>
+            </a:r>
+            <a:endParaRPr lang="he-IL" dirty="0"/>
+          </a:p>
+        </p:txBody>
+      </p:sp>
+      <p:pic>
+        <p:nvPicPr>
+          <p:cNvPr id="4" name="Picture 3">
+            <a:extLst>
+              <a:ext uri="{FF2B5EF4-FFF2-40B4-BE49-F238E27FC236}">
+                <a16:creationId xmlns:a16="http://schemas.microsoft.com/office/drawing/2014/main" id="{53E36733-24AA-BB05-0A27-14B049B7A91B}"/>
+              </a:ext>
+            </a:extLst>
+          </p:cNvPr>
+          <p:cNvPicPr>
+            <a:picLocks noChangeAspect="1"/>
+          </p:cNvPicPr>
+          <p:nvPr/>
+        </p:nvPicPr>
+        <p:blipFill>
+          <a:blip r:embed="rId2"/>
+          <a:srcRect r="50403"/>
+          <a:stretch/>
+        </p:blipFill>
+        <p:spPr>
+          <a:xfrm>
+            <a:off x="6243484" y="2539349"/>
+            <a:ext cx="5614220" cy="4161334"/>
+          </a:xfrm>
+          <a:prstGeom prst="rect">
+            <a:avLst/>
+          </a:prstGeom>
+        </p:spPr>
+      </p:pic>
+      <p:graphicFrame>
+        <p:nvGraphicFramePr>
+          <p:cNvPr id="5" name="Object 4">
+            <a:extLst>
+              <a:ext uri="{FF2B5EF4-FFF2-40B4-BE49-F238E27FC236}">
+                <a16:creationId xmlns:a16="http://schemas.microsoft.com/office/drawing/2014/main" id="{EA3C65AD-BF3A-24D8-1DBA-1F9FD73CB0B5}"/>
+              </a:ext>
+            </a:extLst>
+          </p:cNvPr>
+          <p:cNvGraphicFramePr>
+            <a:graphicFrameLocks noChangeAspect="1"/>
+          </p:cNvGraphicFramePr>
+          <p:nvPr>
+            <p:extLst>
+              <p:ext uri="{D42A27DB-BD31-4B8C-83A1-F6EECF244321}">
+                <p14:modId xmlns:p14="http://schemas.microsoft.com/office/powerpoint/2010/main" val="3165544256"/>
+              </p:ext>
+            </p:extLst>
+          </p:nvPr>
+        </p:nvGraphicFramePr>
+        <p:xfrm>
+          <a:off x="804863" y="3797300"/>
+          <a:ext cx="2447925" cy="823913"/>
+        </p:xfrm>
+        <a:graphic>
+          <a:graphicData uri="http://schemas.openxmlformats.org/presentationml/2006/ole">
+            <mc:AlternateContent xmlns:mc="http://schemas.openxmlformats.org/markup-compatibility/2006">
+              <mc:Choice xmlns:v="urn:schemas-microsoft-com:vml" Requires="v">
+                <p:oleObj name="Equation" r:id="rId3" imgW="1358640" imgH="457200" progId="Equation.DSMT4">
+                  <p:embed/>
+                </p:oleObj>
+              </mc:Choice>
+              <mc:Fallback>
+                <p:oleObj name="Equation" r:id="rId3" imgW="1358640" imgH="457200" progId="Equation.DSMT4">
+                  <p:embed/>
+                  <p:pic>
+                    <p:nvPicPr>
+                      <p:cNvPr id="0" name=""/>
+                      <p:cNvPicPr/>
+                      <p:nvPr/>
+                    </p:nvPicPr>
+                    <p:blipFill>
+                      <a:blip r:embed="rId4"/>
+                      <a:stretch>
+                        <a:fillRect/>
+                      </a:stretch>
+                    </p:blipFill>
+                    <p:spPr>
+                      <a:xfrm>
+                        <a:off x="804863" y="3797300"/>
+                        <a:ext cx="2447925" cy="823913"/>
+                      </a:xfrm>
+                      <a:prstGeom prst="rect">
+                        <a:avLst/>
+                      </a:prstGeom>
+                    </p:spPr>
+                  </p:pic>
+                </p:oleObj>
+              </mc:Fallback>
+            </mc:AlternateContent>
+          </a:graphicData>
+        </a:graphic>
+      </p:graphicFrame>
+      <p:graphicFrame>
+        <p:nvGraphicFramePr>
+          <p:cNvPr id="6" name="Object 5">
+            <a:extLst>
+              <a:ext uri="{FF2B5EF4-FFF2-40B4-BE49-F238E27FC236}">
+                <a16:creationId xmlns:a16="http://schemas.microsoft.com/office/drawing/2014/main" id="{181E040C-EA31-74BB-4A1F-69D7434BDF99}"/>
+              </a:ext>
+            </a:extLst>
+          </p:cNvPr>
+          <p:cNvGraphicFramePr>
+            <a:graphicFrameLocks noChangeAspect="1"/>
+          </p:cNvGraphicFramePr>
+          <p:nvPr>
+            <p:extLst>
+              <p:ext uri="{D42A27DB-BD31-4B8C-83A1-F6EECF244321}">
+                <p14:modId xmlns:p14="http://schemas.microsoft.com/office/powerpoint/2010/main" val="1026322083"/>
+              </p:ext>
+            </p:extLst>
+          </p:nvPr>
+        </p:nvGraphicFramePr>
+        <p:xfrm>
+          <a:off x="500063" y="3133725"/>
+          <a:ext cx="4106862" cy="465138"/>
+        </p:xfrm>
+        <a:graphic>
+          <a:graphicData uri="http://schemas.openxmlformats.org/presentationml/2006/ole">
+            <mc:AlternateContent xmlns:mc="http://schemas.openxmlformats.org/markup-compatibility/2006">
+              <mc:Choice xmlns:v="urn:schemas-microsoft-com:vml" Requires="v">
+                <p:oleObj name="Equation" r:id="rId5" imgW="2247840" imgH="253800" progId="Equation.DSMT4">
+                  <p:embed/>
+                </p:oleObj>
+              </mc:Choice>
+              <mc:Fallback>
+                <p:oleObj name="Equation" r:id="rId5" imgW="2247840" imgH="253800" progId="Equation.DSMT4">
+                  <p:embed/>
+                  <p:pic>
+                    <p:nvPicPr>
+                      <p:cNvPr id="0" name=""/>
+                      <p:cNvPicPr/>
+                      <p:nvPr/>
+                    </p:nvPicPr>
+                    <p:blipFill>
+                      <a:blip r:embed="rId6"/>
+                      <a:stretch>
+                        <a:fillRect/>
+                      </a:stretch>
+                    </p:blipFill>
+                    <p:spPr>
+                      <a:xfrm>
+                        <a:off x="500063" y="3133725"/>
+                        <a:ext cx="4106862" cy="465138"/>
+                      </a:xfrm>
+                      <a:prstGeom prst="rect">
+                        <a:avLst/>
+                      </a:prstGeom>
+                    </p:spPr>
+                  </p:pic>
+                </p:oleObj>
+              </mc:Fallback>
+            </mc:AlternateContent>
+          </a:graphicData>
+        </a:graphic>
+      </p:graphicFrame>
+      <p:graphicFrame>
+        <p:nvGraphicFramePr>
+          <p:cNvPr id="7" name="Object 6">
+            <a:extLst>
+              <a:ext uri="{FF2B5EF4-FFF2-40B4-BE49-F238E27FC236}">
+                <a16:creationId xmlns:a16="http://schemas.microsoft.com/office/drawing/2014/main" id="{F4DD5D81-0370-3CB4-9A99-DFEAD75BB08E}"/>
+              </a:ext>
+            </a:extLst>
+          </p:cNvPr>
+          <p:cNvGraphicFramePr>
+            <a:graphicFrameLocks noChangeAspect="1"/>
+          </p:cNvGraphicFramePr>
+          <p:nvPr>
+            <p:extLst>
+              <p:ext uri="{D42A27DB-BD31-4B8C-83A1-F6EECF244321}">
+                <p14:modId xmlns:p14="http://schemas.microsoft.com/office/powerpoint/2010/main" val="3989036237"/>
+              </p:ext>
+            </p:extLst>
+          </p:nvPr>
+        </p:nvGraphicFramePr>
+        <p:xfrm>
+          <a:off x="1722365" y="4690291"/>
+          <a:ext cx="1440795" cy="670137"/>
+        </p:xfrm>
+        <a:graphic>
+          <a:graphicData uri="http://schemas.openxmlformats.org/presentationml/2006/ole">
+            <mc:AlternateContent xmlns:mc="http://schemas.openxmlformats.org/markup-compatibility/2006">
+              <mc:Choice xmlns:v="urn:schemas-microsoft-com:vml" Requires="v">
+                <p:oleObj name="Equation" r:id="rId7" imgW="545760" imgH="253800" progId="Equation.DSMT4">
+                  <p:embed/>
+                </p:oleObj>
+              </mc:Choice>
+              <mc:Fallback>
+                <p:oleObj name="Equation" r:id="rId7" imgW="545760" imgH="253800" progId="Equation.DSMT4">
+                  <p:embed/>
+                  <p:pic>
+                    <p:nvPicPr>
+                      <p:cNvPr id="0" name=""/>
+                      <p:cNvPicPr/>
+                      <p:nvPr/>
+                    </p:nvPicPr>
+                    <p:blipFill>
+                      <a:blip r:embed="rId8"/>
+                      <a:stretch>
+                        <a:fillRect/>
+                      </a:stretch>
+                    </p:blipFill>
+                    <p:spPr>
+                      <a:xfrm>
+                        <a:off x="1722365" y="4690291"/>
+                        <a:ext cx="1440795" cy="670137"/>
+                      </a:xfrm>
+                      <a:prstGeom prst="rect">
+                        <a:avLst/>
+                      </a:prstGeom>
+                    </p:spPr>
+                  </p:pic>
+                </p:oleObj>
+              </mc:Fallback>
+            </mc:AlternateContent>
+          </a:graphicData>
+        </a:graphic>
+      </p:graphicFrame>
+      <p:sp>
+        <p:nvSpPr>
+          <p:cNvPr id="8" name="TextBox 7">
+            <a:extLst>
+              <a:ext uri="{FF2B5EF4-FFF2-40B4-BE49-F238E27FC236}">
+                <a16:creationId xmlns:a16="http://schemas.microsoft.com/office/drawing/2014/main" id="{78023565-6F20-AEBE-A02C-66B23833CC84}"/>
+              </a:ext>
+            </a:extLst>
+          </p:cNvPr>
+          <p:cNvSpPr txBox="1"/>
+          <p:nvPr/>
+        </p:nvSpPr>
+        <p:spPr>
+          <a:xfrm>
+            <a:off x="534219" y="4994015"/>
+            <a:ext cx="1188146" cy="369332"/>
+          </a:xfrm>
+          <a:prstGeom prst="rect">
+            <a:avLst/>
+          </a:prstGeom>
+          <a:noFill/>
+        </p:spPr>
+        <p:txBody>
+          <a:bodyPr wrap="none" rtlCol="1">
+            <a:spAutoFit/>
+          </a:bodyPr>
+          <a:lstStyle/>
+          <a:p>
+            <a:r>
+              <a:rPr lang="en-US" dirty="0"/>
+              <a:t>Mean line:</a:t>
+            </a:r>
+            <a:endParaRPr lang="he-IL" dirty="0"/>
+          </a:p>
+        </p:txBody>
+      </p:sp>
+      <p:graphicFrame>
+        <p:nvGraphicFramePr>
+          <p:cNvPr id="9" name="Object 8">
+            <a:extLst>
+              <a:ext uri="{FF2B5EF4-FFF2-40B4-BE49-F238E27FC236}">
+                <a16:creationId xmlns:a16="http://schemas.microsoft.com/office/drawing/2014/main" id="{8A78CE24-4858-DD07-398E-AEB8C0C2E6DC}"/>
+              </a:ext>
+            </a:extLst>
+          </p:cNvPr>
+          <p:cNvGraphicFramePr>
+            <a:graphicFrameLocks noChangeAspect="1"/>
+          </p:cNvGraphicFramePr>
+          <p:nvPr>
+            <p:extLst>
+              <p:ext uri="{D42A27DB-BD31-4B8C-83A1-F6EECF244321}">
+                <p14:modId xmlns:p14="http://schemas.microsoft.com/office/powerpoint/2010/main" val="774834855"/>
+              </p:ext>
+            </p:extLst>
+          </p:nvPr>
+        </p:nvGraphicFramePr>
+        <p:xfrm>
+          <a:off x="1158875" y="5867400"/>
+          <a:ext cx="3686175" cy="571500"/>
+        </p:xfrm>
+        <a:graphic>
+          <a:graphicData uri="http://schemas.openxmlformats.org/presentationml/2006/ole">
+            <mc:AlternateContent xmlns:mc="http://schemas.openxmlformats.org/markup-compatibility/2006">
+              <mc:Choice xmlns:v="urn:schemas-microsoft-com:vml" Requires="v">
+                <p:oleObj name="Equation" r:id="rId9" imgW="1638000" imgH="253800" progId="Equation.DSMT4">
+                  <p:embed/>
+                </p:oleObj>
+              </mc:Choice>
+              <mc:Fallback>
+                <p:oleObj name="Equation" r:id="rId9" imgW="1638000" imgH="253800" progId="Equation.DSMT4">
+                  <p:embed/>
+                  <p:pic>
+                    <p:nvPicPr>
+                      <p:cNvPr id="7" name="Object 6">
+                        <a:extLst>
+                          <a:ext uri="{FF2B5EF4-FFF2-40B4-BE49-F238E27FC236}">
+                            <a16:creationId xmlns:a16="http://schemas.microsoft.com/office/drawing/2014/main" id="{F4DD5D81-0370-3CB4-9A99-DFEAD75BB08E}"/>
+                          </a:ext>
+                        </a:extLst>
+                      </p:cNvPr>
+                      <p:cNvPicPr/>
+                      <p:nvPr/>
+                    </p:nvPicPr>
+                    <p:blipFill>
+                      <a:blip r:embed="rId10"/>
+                      <a:stretch>
+                        <a:fillRect/>
+                      </a:stretch>
+                    </p:blipFill>
+                    <p:spPr>
+                      <a:xfrm>
+                        <a:off x="1158875" y="5867400"/>
+                        <a:ext cx="3686175" cy="571500"/>
+                      </a:xfrm>
+                      <a:prstGeom prst="rect">
+                        <a:avLst/>
+                      </a:prstGeom>
+                    </p:spPr>
+                  </p:pic>
+                </p:oleObj>
+              </mc:Fallback>
+            </mc:AlternateContent>
+          </a:graphicData>
+        </a:graphic>
+      </p:graphicFrame>
+      <p:sp>
+        <p:nvSpPr>
+          <p:cNvPr id="10" name="TextBox 9">
+            <a:extLst>
+              <a:ext uri="{FF2B5EF4-FFF2-40B4-BE49-F238E27FC236}">
+                <a16:creationId xmlns:a16="http://schemas.microsoft.com/office/drawing/2014/main" id="{B5354441-1B47-176B-CD0F-8A40A450C5DA}"/>
+              </a:ext>
+            </a:extLst>
+          </p:cNvPr>
+          <p:cNvSpPr txBox="1"/>
+          <p:nvPr/>
+        </p:nvSpPr>
+        <p:spPr>
+          <a:xfrm>
+            <a:off x="534219" y="5967876"/>
+            <a:ext cx="724878" cy="369332"/>
+          </a:xfrm>
+          <a:prstGeom prst="rect">
+            <a:avLst/>
+          </a:prstGeom>
+          <a:noFill/>
+        </p:spPr>
+        <p:txBody>
+          <a:bodyPr wrap="none" rtlCol="1">
+            <a:spAutoFit/>
+          </a:bodyPr>
+          <a:lstStyle/>
+          <a:p>
+            <a:r>
+              <a:rPr lang="en-US" dirty="0"/>
+              <a:t>Lines:</a:t>
+            </a:r>
+            <a:endParaRPr lang="he-IL" dirty="0"/>
+          </a:p>
+        </p:txBody>
+      </p:sp>
+    </p:spTree>
+    <p:extLst>
+      <p:ext uri="{BB962C8B-B14F-4D97-AF65-F5344CB8AC3E}">
+        <p14:creationId xmlns:p14="http://schemas.microsoft.com/office/powerpoint/2010/main" val="1131520601"/>
+      </p:ext>
+    </p:extLst>
+  </p:cSld>
+  <p:clrMapOvr>
+    <a:masterClrMapping/>
+  </p:clrMapOvr>
+  <p:timing>
+    <p:tnLst>
+      <p:par>
+        <p:cTn id="1" dur="indefinite" restart="never" nodeType="tmRoot">
+          <p:childTnLst>
+            <p:seq concurrent="1" nextAc="seek">
+              <p:cTn id="2" dur="indefinite" nodeType="mainSeq">
+                <p:childTnLst>
+                  <p:par>
+                    <p:cTn id="3" fill="hold">
+                      <p:stCondLst>
+                        <p:cond delay="indefinite"/>
+                      </p:stCondLst>
+                      <p:childTnLst>
+                        <p:par>
+                          <p:cTn id="4" fill="hold">
+                            <p:stCondLst>
+                              <p:cond delay="0"/>
+                            </p:stCondLst>
+                            <p:childTnLst>
+                              <p:par>
+                                <p:cTn id="5" presetID="1" presetClass="entr" presetSubtype="0" fill="hold" nodeType="clickEffect">
+                                  <p:stCondLst>
+                                    <p:cond delay="0"/>
+                                  </p:stCondLst>
+                                  <p:childTnLst>
+                                    <p:set>
+                                      <p:cBhvr>
+                                        <p:cTn id="6" dur="1" fill="hold">
+                                          <p:stCondLst>
+                                            <p:cond delay="0"/>
+                                          </p:stCondLst>
+                                        </p:cTn>
+                                        <p:tgtEl>
+                                          <p:spTgt spid="6"/>
+                                        </p:tgtEl>
+                                        <p:attrNameLst>
+                                          <p:attrName>style.visibility</p:attrName>
+                                        </p:attrNameLst>
+                                      </p:cBhvr>
+                                      <p:to>
+                                        <p:strVal val="visible"/>
+                                      </p:to>
+                                    </p:set>
+                                  </p:childTnLst>
+                                </p:cTn>
+                              </p:par>
+                            </p:childTnLst>
+                          </p:cTn>
+                        </p:par>
+                      </p:childTnLst>
+                    </p:cTn>
+                  </p:par>
+                  <p:par>
+                    <p:cTn id="7" fill="hold">
+                      <p:stCondLst>
+                        <p:cond delay="indefinite"/>
+                      </p:stCondLst>
+                      <p:childTnLst>
+                        <p:par>
+                          <p:cTn id="8" fill="hold">
+                            <p:stCondLst>
+                              <p:cond delay="0"/>
+                            </p:stCondLst>
+                            <p:childTnLst>
+                              <p:par>
+                                <p:cTn id="9" presetID="1" presetClass="entr" presetSubtype="0" fill="hold" nodeType="clickEffect">
+                                  <p:stCondLst>
+                                    <p:cond delay="0"/>
+                                  </p:stCondLst>
+                                  <p:childTnLst>
+                                    <p:set>
+                                      <p:cBhvr>
+                                        <p:cTn id="10" dur="1" fill="hold">
+                                          <p:stCondLst>
+                                            <p:cond delay="0"/>
+                                          </p:stCondLst>
+                                        </p:cTn>
+                                        <p:tgtEl>
+                                          <p:spTgt spid="5"/>
+                                        </p:tgtEl>
+                                        <p:attrNameLst>
+                                          <p:attrName>style.visibility</p:attrName>
+                                        </p:attrNameLst>
+                                      </p:cBhvr>
+                                      <p:to>
+                                        <p:strVal val="visible"/>
+                                      </p:to>
+                                    </p:set>
+                                  </p:childTnLst>
+                                </p:cTn>
+                              </p:par>
+                            </p:childTnLst>
+                          </p:cTn>
+                        </p:par>
+                      </p:childTnLst>
+                    </p:cTn>
+                  </p:par>
+                  <p:par>
+                    <p:cTn id="11" fill="hold">
+                      <p:stCondLst>
+                        <p:cond delay="indefinite"/>
+                      </p:stCondLst>
+                      <p:childTnLst>
+                        <p:par>
+                          <p:cTn id="12" fill="hold">
+                            <p:stCondLst>
+                              <p:cond delay="0"/>
+                            </p:stCondLst>
+                            <p:childTnLst>
+                              <p:par>
+                                <p:cTn id="13" presetID="1" presetClass="entr" presetSubtype="0" fill="hold" grpId="0" nodeType="clickEffect">
+                                  <p:stCondLst>
+                                    <p:cond delay="0"/>
+                                  </p:stCondLst>
+                                  <p:childTnLst>
+                                    <p:set>
+                                      <p:cBhvr>
+                                        <p:cTn id="14" dur="1" fill="hold">
+                                          <p:stCondLst>
+                                            <p:cond delay="0"/>
+                                          </p:stCondLst>
+                                        </p:cTn>
+                                        <p:tgtEl>
+                                          <p:spTgt spid="8"/>
+                                        </p:tgtEl>
+                                        <p:attrNameLst>
+                                          <p:attrName>style.visibility</p:attrName>
+                                        </p:attrNameLst>
+                                      </p:cBhvr>
+                                      <p:to>
+                                        <p:strVal val="visible"/>
+                                      </p:to>
+                                    </p:set>
+                                  </p:childTnLst>
+                                </p:cTn>
+                              </p:par>
+                              <p:par>
+                                <p:cTn id="15" presetID="1" presetClass="entr" presetSubtype="0" fill="hold" nodeType="withEffect">
+                                  <p:stCondLst>
+                                    <p:cond delay="0"/>
+                                  </p:stCondLst>
+                                  <p:childTnLst>
+                                    <p:set>
+                                      <p:cBhvr>
+                                        <p:cTn id="16" dur="1" fill="hold">
+                                          <p:stCondLst>
+                                            <p:cond delay="0"/>
+                                          </p:stCondLst>
+                                        </p:cTn>
+                                        <p:tgtEl>
+                                          <p:spTgt spid="7"/>
+                                        </p:tgtEl>
+                                        <p:attrNameLst>
+                                          <p:attrName>style.visibility</p:attrName>
+                                        </p:attrNameLst>
+                                      </p:cBhvr>
+                                      <p:to>
+                                        <p:strVal val="visible"/>
+                                      </p:to>
+                                    </p:set>
+                                  </p:childTnLst>
+                                </p:cTn>
+                              </p:par>
+                            </p:childTnLst>
+                          </p:cTn>
+                        </p:par>
+                      </p:childTnLst>
+                    </p:cTn>
+                  </p:par>
+                  <p:par>
+                    <p:cTn id="17" fill="hold">
+                      <p:stCondLst>
+                        <p:cond delay="indefinite"/>
+                      </p:stCondLst>
+                      <p:childTnLst>
+                        <p:par>
+                          <p:cTn id="18" fill="hold">
+                            <p:stCondLst>
+                              <p:cond delay="0"/>
+                            </p:stCondLst>
+                            <p:childTnLst>
+                              <p:par>
+                                <p:cTn id="19" presetID="1" presetClass="entr" presetSubtype="0" fill="hold" grpId="0" nodeType="clickEffect">
+                                  <p:stCondLst>
+                                    <p:cond delay="0"/>
+                                  </p:stCondLst>
+                                  <p:childTnLst>
+                                    <p:set>
+                                      <p:cBhvr>
+                                        <p:cTn id="20" dur="1" fill="hold">
+                                          <p:stCondLst>
+                                            <p:cond delay="0"/>
+                                          </p:stCondLst>
+                                        </p:cTn>
+                                        <p:tgtEl>
+                                          <p:spTgt spid="10"/>
+                                        </p:tgtEl>
+                                        <p:attrNameLst>
+                                          <p:attrName>style.visibility</p:attrName>
+                                        </p:attrNameLst>
+                                      </p:cBhvr>
+                                      <p:to>
+                                        <p:strVal val="visible"/>
+                                      </p:to>
+                                    </p:set>
+                                  </p:childTnLst>
+                                </p:cTn>
+                              </p:par>
+                              <p:par>
+                                <p:cTn id="21" presetID="1" presetClass="entr" presetSubtype="0" fill="hold" nodeType="withEffect">
+                                  <p:stCondLst>
+                                    <p:cond delay="0"/>
+                                  </p:stCondLst>
+                                  <p:childTnLst>
+                                    <p:set>
+                                      <p:cBhvr>
+                                        <p:cTn id="22" dur="1" fill="hold">
+                                          <p:stCondLst>
+                                            <p:cond delay="0"/>
+                                          </p:stCondLst>
+                                        </p:cTn>
+                                        <p:tgtEl>
+                                          <p:spTgt spid="9"/>
+                                        </p:tgtEl>
+                                        <p:attrNameLst>
+                                          <p:attrName>style.visibility</p:attrName>
+                                        </p:attrNameLst>
+                                      </p:cBhvr>
+                                      <p:to>
+                                        <p:strVal val="visible"/>
+                                      </p:to>
+                                    </p:set>
+                                  </p:childTnLst>
+                                </p:cTn>
+                              </p:par>
+                            </p:childTnLst>
+                          </p:cTn>
+                        </p:par>
+                      </p:childTnLst>
+                    </p:cTn>
+                  </p:par>
+                </p:childTnLst>
+              </p:cTn>
+              <p:prevCondLst>
+                <p:cond evt="onPrev" delay="0">
+                  <p:tgtEl>
+                    <p:sldTgt/>
+                  </p:tgtEl>
+                </p:cond>
+              </p:prevCondLst>
+              <p:nextCondLst>
+                <p:cond evt="onNext" delay="0">
+                  <p:tgtEl>
+                    <p:sldTgt/>
+                  </p:tgtEl>
+                </p:cond>
+              </p:nextCondLst>
+            </p:seq>
+          </p:childTnLst>
+        </p:cTn>
+      </p:par>
+    </p:tnLst>
+    <p:bldLst>
+      <p:bldP spid="8" grpId="0"/>
+      <p:bldP spid="10" grpId="0"/>
+    </p:bldLst>
+  </p:timing>
+</p:sld>
+</file>
+
+<file path=ppt/slides/slide15.xml><?xml version="1.0" encoding="utf-8"?>
+<p:sld xmlns:a="http://schemas.openxmlformats.org/drawingml/2006/main" xmlns:r="http://schemas.openxmlformats.org/officeDocument/2006/relationships" xmlns:p="http://schemas.openxmlformats.org/presentationml/2006/main">
+  <p:cSld>
+    <p:spTree>
+      <p:nvGrpSpPr>
+        <p:cNvPr id="1" name="">
+          <a:extLst>
+            <a:ext uri="{FF2B5EF4-FFF2-40B4-BE49-F238E27FC236}">
+              <a16:creationId xmlns:a16="http://schemas.microsoft.com/office/drawing/2014/main" id="{4858A13F-3258-0175-86AC-B449AAD1A0F5}"/>
+            </a:ext>
+          </a:extLst>
+        </p:cNvPr>
+        <p:cNvGrpSpPr/>
+        <p:nvPr/>
+      </p:nvGrpSpPr>
+      <p:grpSpPr>
+        <a:xfrm>
+          <a:off x="0" y="0"/>
+          <a:ext cx="0" cy="0"/>
+          <a:chOff x="0" y="0"/>
+          <a:chExt cx="0" cy="0"/>
+        </a:xfrm>
+      </p:grpSpPr>
+      <p:sp>
+        <p:nvSpPr>
+          <p:cNvPr id="2" name="Title 1">
+            <a:extLst>
+              <a:ext uri="{FF2B5EF4-FFF2-40B4-BE49-F238E27FC236}">
+                <a16:creationId xmlns:a16="http://schemas.microsoft.com/office/drawing/2014/main" id="{11F08350-1517-DF66-2DA6-7AD9349F9BBB}"/>
+              </a:ext>
+            </a:extLst>
+          </p:cNvPr>
+          <p:cNvSpPr>
+            <a:spLocks noGrp="1"/>
+          </p:cNvSpPr>
+          <p:nvPr>
+            <p:ph type="title"/>
+          </p:nvPr>
+        </p:nvSpPr>
+        <p:spPr/>
+        <p:txBody>
+          <a:bodyPr/>
+          <a:lstStyle/>
+          <a:p>
+            <a:r>
+              <a:rPr lang="en-US" dirty="0"/>
+              <a:t>Showing the uncertainty</a:t>
+            </a:r>
+            <a:endParaRPr lang="he-IL" dirty="0"/>
+          </a:p>
+        </p:txBody>
+      </p:sp>
+      <p:sp>
+        <p:nvSpPr>
+          <p:cNvPr id="3" name="Content Placeholder 2">
+            <a:extLst>
+              <a:ext uri="{FF2B5EF4-FFF2-40B4-BE49-F238E27FC236}">
+                <a16:creationId xmlns:a16="http://schemas.microsoft.com/office/drawing/2014/main" id="{86533268-AABB-3A04-B402-740386E4AF21}"/>
+              </a:ext>
+            </a:extLst>
+          </p:cNvPr>
+          <p:cNvSpPr>
+            <a:spLocks noGrp="1"/>
+          </p:cNvSpPr>
+          <p:nvPr>
+            <p:ph idx="1"/>
+          </p:nvPr>
+        </p:nvSpPr>
+        <p:spPr>
+          <a:xfrm>
+            <a:off x="838200" y="1825625"/>
+            <a:ext cx="10515600" cy="779923"/>
+          </a:xfrm>
+        </p:spPr>
+        <p:txBody>
+          <a:bodyPr>
+            <a:normAutofit fontScale="92500" lnSpcReduction="10000"/>
+          </a:bodyPr>
+          <a:lstStyle/>
+          <a:p>
+            <a:r>
+              <a:rPr lang="en-US" dirty="0"/>
+              <a:t>Using multiple samples from the posterior</a:t>
+            </a:r>
+          </a:p>
+          <a:p>
+            <a:pPr lvl="1"/>
+            <a:r>
+              <a:rPr lang="en-US" dirty="0"/>
+              <a:t>Each red line is an MCMC sample</a:t>
+            </a:r>
+            <a:endParaRPr lang="he-IL" dirty="0"/>
+          </a:p>
+        </p:txBody>
+      </p:sp>
+      <p:pic>
+        <p:nvPicPr>
+          <p:cNvPr id="4" name="Picture 3">
+            <a:extLst>
+              <a:ext uri="{FF2B5EF4-FFF2-40B4-BE49-F238E27FC236}">
+                <a16:creationId xmlns:a16="http://schemas.microsoft.com/office/drawing/2014/main" id="{F0040577-AA7B-3C9C-9CA9-3AC93015C891}"/>
+              </a:ext>
+            </a:extLst>
+          </p:cNvPr>
+          <p:cNvPicPr>
+            <a:picLocks noChangeAspect="1"/>
+          </p:cNvPicPr>
+          <p:nvPr/>
+        </p:nvPicPr>
+        <p:blipFill>
+          <a:blip r:embed="rId2"/>
+          <a:srcRect r="50403"/>
+          <a:stretch/>
+        </p:blipFill>
+        <p:spPr>
+          <a:xfrm>
+            <a:off x="7775600" y="2539349"/>
+            <a:ext cx="4082103" cy="3025709"/>
+          </a:xfrm>
+          <a:prstGeom prst="rect">
+            <a:avLst/>
+          </a:prstGeom>
+        </p:spPr>
+      </p:pic>
+      <p:sp>
+        <p:nvSpPr>
+          <p:cNvPr id="12" name="TextBox 11">
+            <a:extLst>
+              <a:ext uri="{FF2B5EF4-FFF2-40B4-BE49-F238E27FC236}">
+                <a16:creationId xmlns:a16="http://schemas.microsoft.com/office/drawing/2014/main" id="{C19780C6-D4C4-8F00-4EB6-B21FC356C3B3}"/>
+              </a:ext>
+            </a:extLst>
+          </p:cNvPr>
+          <p:cNvSpPr txBox="1"/>
+          <p:nvPr/>
+        </p:nvSpPr>
+        <p:spPr>
+          <a:xfrm>
+            <a:off x="216309" y="3021139"/>
+            <a:ext cx="6951407" cy="1815882"/>
+          </a:xfrm>
+          <a:prstGeom prst="rect">
+            <a:avLst/>
+          </a:prstGeom>
+          <a:noFill/>
+        </p:spPr>
+        <p:txBody>
+          <a:bodyPr wrap="square">
+            <a:spAutoFit/>
+          </a:bodyPr>
+          <a:lstStyle/>
+          <a:p>
+            <a:pPr>
+              <a:buNone/>
+            </a:pPr>
+            <a:r>
+              <a:rPr lang="en-US" sz="1400" b="0" dirty="0">
+                <a:solidFill>
+                  <a:srgbClr val="7A3E9D"/>
+                </a:solidFill>
+                <a:effectLst/>
+                <a:latin typeface="Consolas" panose="020B0609020204030204" pitchFamily="49" charset="0"/>
+              </a:rPr>
+              <a:t>posterior</a:t>
+            </a:r>
+            <a:r>
+              <a:rPr lang="en-US" sz="1400" b="0" dirty="0">
+                <a:solidFill>
+                  <a:srgbClr val="333333"/>
+                </a:solidFill>
+                <a:effectLst/>
+                <a:latin typeface="Consolas" panose="020B0609020204030204" pitchFamily="49" charset="0"/>
+              </a:rPr>
+              <a:t> </a:t>
+            </a:r>
+            <a:r>
+              <a:rPr lang="en-US" sz="1400" b="0" dirty="0">
+                <a:solidFill>
+                  <a:srgbClr val="777777"/>
+                </a:solidFill>
+                <a:effectLst/>
+                <a:latin typeface="Consolas" panose="020B0609020204030204" pitchFamily="49" charset="0"/>
+              </a:rPr>
+              <a:t>=</a:t>
+            </a:r>
+            <a:r>
+              <a:rPr lang="en-US" sz="1400" b="0" dirty="0">
+                <a:solidFill>
+                  <a:srgbClr val="333333"/>
+                </a:solidFill>
+                <a:effectLst/>
+                <a:latin typeface="Consolas" panose="020B0609020204030204" pitchFamily="49" charset="0"/>
+              </a:rPr>
+              <a:t> </a:t>
+            </a:r>
+            <a:r>
+              <a:rPr lang="en-US" sz="1400" b="1" dirty="0" err="1">
+                <a:solidFill>
+                  <a:srgbClr val="7A3E9D"/>
+                </a:solidFill>
+                <a:effectLst/>
+                <a:latin typeface="Consolas" panose="020B0609020204030204" pitchFamily="49" charset="0"/>
+              </a:rPr>
+              <a:t>az</a:t>
+            </a:r>
+            <a:r>
+              <a:rPr lang="en-US" sz="1400" b="0" dirty="0" err="1">
+                <a:solidFill>
+                  <a:srgbClr val="777777"/>
+                </a:solidFill>
+                <a:effectLst/>
+                <a:latin typeface="Consolas" panose="020B0609020204030204" pitchFamily="49" charset="0"/>
+              </a:rPr>
+              <a:t>.</a:t>
+            </a:r>
+            <a:r>
+              <a:rPr lang="en-US" sz="1400" b="1" dirty="0" err="1">
+                <a:solidFill>
+                  <a:srgbClr val="AA3731"/>
+                </a:solidFill>
+                <a:effectLst/>
+                <a:latin typeface="Consolas" panose="020B0609020204030204" pitchFamily="49" charset="0"/>
+              </a:rPr>
+              <a:t>extract</a:t>
+            </a:r>
+            <a:r>
+              <a:rPr lang="en-US" sz="1400" b="0" dirty="0">
+                <a:solidFill>
+                  <a:srgbClr val="777777"/>
+                </a:solidFill>
+                <a:effectLst/>
+                <a:latin typeface="Consolas" panose="020B0609020204030204" pitchFamily="49" charset="0"/>
+              </a:rPr>
+              <a:t>(</a:t>
+            </a:r>
+            <a:r>
+              <a:rPr lang="en-US" sz="1400" b="0" dirty="0" err="1">
+                <a:solidFill>
+                  <a:srgbClr val="7A3E9D"/>
+                </a:solidFill>
+                <a:effectLst/>
+                <a:latin typeface="Consolas" panose="020B0609020204030204" pitchFamily="49" charset="0"/>
+              </a:rPr>
+              <a:t>idata_lb</a:t>
+            </a:r>
+            <a:r>
+              <a:rPr lang="en-US" sz="1400" b="0" dirty="0">
+                <a:solidFill>
+                  <a:srgbClr val="777777"/>
+                </a:solidFill>
+                <a:effectLst/>
+                <a:latin typeface="Consolas" panose="020B0609020204030204" pitchFamily="49" charset="0"/>
+              </a:rPr>
+              <a:t>,</a:t>
+            </a:r>
+            <a:r>
+              <a:rPr lang="en-US" sz="1400" b="0" dirty="0">
+                <a:solidFill>
+                  <a:srgbClr val="333333"/>
+                </a:solidFill>
+                <a:effectLst/>
+                <a:latin typeface="Consolas" panose="020B0609020204030204" pitchFamily="49" charset="0"/>
+              </a:rPr>
+              <a:t> </a:t>
+            </a:r>
+            <a:r>
+              <a:rPr lang="en-US" sz="1400" b="0" dirty="0" err="1">
+                <a:solidFill>
+                  <a:srgbClr val="7A3E9D"/>
+                </a:solidFill>
+                <a:effectLst/>
+                <a:latin typeface="Consolas" panose="020B0609020204030204" pitchFamily="49" charset="0"/>
+              </a:rPr>
+              <a:t>num_samples</a:t>
+            </a:r>
+            <a:r>
+              <a:rPr lang="en-US" sz="1400" b="0" dirty="0">
+                <a:solidFill>
+                  <a:srgbClr val="777777"/>
+                </a:solidFill>
+                <a:effectLst/>
+                <a:latin typeface="Consolas" panose="020B0609020204030204" pitchFamily="49" charset="0"/>
+              </a:rPr>
+              <a:t>=</a:t>
+            </a:r>
+            <a:r>
+              <a:rPr lang="en-US" sz="1400" b="0" dirty="0">
+                <a:solidFill>
+                  <a:srgbClr val="9C5D27"/>
+                </a:solidFill>
+                <a:effectLst/>
+                <a:latin typeface="Consolas" panose="020B0609020204030204" pitchFamily="49" charset="0"/>
+              </a:rPr>
+              <a:t>50</a:t>
+            </a:r>
+            <a:r>
+              <a:rPr lang="en-US" sz="1400" b="0" dirty="0">
+                <a:solidFill>
+                  <a:srgbClr val="777777"/>
+                </a:solidFill>
+                <a:effectLst/>
+                <a:latin typeface="Consolas" panose="020B0609020204030204" pitchFamily="49" charset="0"/>
+              </a:rPr>
+              <a:t>)</a:t>
+            </a:r>
+            <a:endParaRPr lang="en-US" sz="1400" b="0" dirty="0">
+              <a:solidFill>
+                <a:srgbClr val="333333"/>
+              </a:solidFill>
+              <a:effectLst/>
+              <a:latin typeface="Consolas" panose="020B0609020204030204" pitchFamily="49" charset="0"/>
+            </a:endParaRPr>
+          </a:p>
+          <a:p>
+            <a:pPr>
+              <a:buNone/>
+            </a:pPr>
+            <a:r>
+              <a:rPr lang="en-US" sz="1400" b="0" dirty="0" err="1">
+                <a:solidFill>
+                  <a:srgbClr val="7A3E9D"/>
+                </a:solidFill>
+                <a:effectLst/>
+                <a:latin typeface="Consolas" panose="020B0609020204030204" pitchFamily="49" charset="0"/>
+              </a:rPr>
+              <a:t>x_plot</a:t>
+            </a:r>
+            <a:r>
+              <a:rPr lang="en-US" sz="1400" b="0" dirty="0">
+                <a:solidFill>
+                  <a:srgbClr val="333333"/>
+                </a:solidFill>
+                <a:effectLst/>
+                <a:latin typeface="Consolas" panose="020B0609020204030204" pitchFamily="49" charset="0"/>
+              </a:rPr>
+              <a:t> </a:t>
+            </a:r>
+            <a:r>
+              <a:rPr lang="en-US" sz="1400" b="0" dirty="0">
+                <a:solidFill>
+                  <a:srgbClr val="777777"/>
+                </a:solidFill>
+                <a:effectLst/>
+                <a:latin typeface="Consolas" panose="020B0609020204030204" pitchFamily="49" charset="0"/>
+              </a:rPr>
+              <a:t>=</a:t>
+            </a:r>
+            <a:r>
+              <a:rPr lang="en-US" sz="1400" b="0" dirty="0">
+                <a:solidFill>
+                  <a:srgbClr val="333333"/>
+                </a:solidFill>
+                <a:effectLst/>
+                <a:latin typeface="Consolas" panose="020B0609020204030204" pitchFamily="49" charset="0"/>
+              </a:rPr>
+              <a:t> </a:t>
+            </a:r>
+            <a:r>
+              <a:rPr lang="en-US" sz="1400" b="1" dirty="0" err="1">
+                <a:solidFill>
+                  <a:srgbClr val="7A3E9D"/>
+                </a:solidFill>
+                <a:effectLst/>
+                <a:latin typeface="Consolas" panose="020B0609020204030204" pitchFamily="49" charset="0"/>
+              </a:rPr>
+              <a:t>xr</a:t>
+            </a:r>
+            <a:r>
+              <a:rPr lang="en-US" sz="1400" b="0" dirty="0" err="1">
+                <a:solidFill>
+                  <a:srgbClr val="777777"/>
+                </a:solidFill>
+                <a:effectLst/>
+                <a:latin typeface="Consolas" panose="020B0609020204030204" pitchFamily="49" charset="0"/>
+              </a:rPr>
+              <a:t>.</a:t>
+            </a:r>
+            <a:r>
+              <a:rPr lang="en-US" sz="1400" b="1" dirty="0" err="1">
+                <a:solidFill>
+                  <a:srgbClr val="7A3E9D"/>
+                </a:solidFill>
+                <a:effectLst/>
+                <a:latin typeface="Consolas" panose="020B0609020204030204" pitchFamily="49" charset="0"/>
+              </a:rPr>
+              <a:t>DataArray</a:t>
+            </a:r>
+            <a:r>
+              <a:rPr lang="en-US" sz="1400" b="0" dirty="0">
+                <a:solidFill>
+                  <a:srgbClr val="777777"/>
+                </a:solidFill>
+                <a:effectLst/>
+                <a:latin typeface="Consolas" panose="020B0609020204030204" pitchFamily="49" charset="0"/>
+              </a:rPr>
+              <a:t>(</a:t>
+            </a:r>
+            <a:endParaRPr lang="en-US" sz="1400" b="0" dirty="0">
+              <a:solidFill>
+                <a:srgbClr val="333333"/>
+              </a:solidFill>
+              <a:effectLst/>
+              <a:latin typeface="Consolas" panose="020B0609020204030204" pitchFamily="49" charset="0"/>
+            </a:endParaRPr>
+          </a:p>
+          <a:p>
+            <a:pPr>
+              <a:buNone/>
+            </a:pPr>
+            <a:r>
+              <a:rPr lang="en-US" sz="1400" b="0" dirty="0">
+                <a:solidFill>
+                  <a:srgbClr val="333333"/>
+                </a:solidFill>
+                <a:effectLst/>
+                <a:latin typeface="Consolas" panose="020B0609020204030204" pitchFamily="49" charset="0"/>
+              </a:rPr>
+              <a:t>  </a:t>
+            </a:r>
+            <a:r>
+              <a:rPr lang="en-US" sz="1400" b="1" dirty="0" err="1">
+                <a:solidFill>
+                  <a:srgbClr val="7A3E9D"/>
+                </a:solidFill>
+                <a:effectLst/>
+                <a:latin typeface="Consolas" panose="020B0609020204030204" pitchFamily="49" charset="0"/>
+              </a:rPr>
+              <a:t>np</a:t>
+            </a:r>
+            <a:r>
+              <a:rPr lang="en-US" sz="1400" b="0" dirty="0" err="1">
+                <a:solidFill>
+                  <a:srgbClr val="777777"/>
+                </a:solidFill>
+                <a:effectLst/>
+                <a:latin typeface="Consolas" panose="020B0609020204030204" pitchFamily="49" charset="0"/>
+              </a:rPr>
+              <a:t>.</a:t>
+            </a:r>
+            <a:r>
+              <a:rPr lang="en-US" sz="1400" b="1" dirty="0" err="1">
+                <a:solidFill>
+                  <a:srgbClr val="AA3731"/>
+                </a:solidFill>
+                <a:effectLst/>
+                <a:latin typeface="Consolas" panose="020B0609020204030204" pitchFamily="49" charset="0"/>
+              </a:rPr>
+              <a:t>linspace</a:t>
+            </a:r>
+            <a:r>
+              <a:rPr lang="en-US" sz="1400" b="0" dirty="0">
+                <a:solidFill>
+                  <a:srgbClr val="777777"/>
+                </a:solidFill>
+                <a:effectLst/>
+                <a:latin typeface="Consolas" panose="020B0609020204030204" pitchFamily="49" charset="0"/>
+              </a:rPr>
+              <a:t>(</a:t>
+            </a:r>
+          </a:p>
+          <a:p>
+            <a:pPr>
+              <a:buNone/>
+            </a:pPr>
+            <a:r>
+              <a:rPr lang="en-US" sz="1400" dirty="0">
+                <a:solidFill>
+                  <a:srgbClr val="777777"/>
+                </a:solidFill>
+                <a:latin typeface="Consolas" panose="020B0609020204030204" pitchFamily="49" charset="0"/>
+              </a:rPr>
+              <a:t>     </a:t>
+            </a:r>
+            <a:r>
+              <a:rPr lang="en-US" sz="1400" b="0" dirty="0" err="1">
+                <a:solidFill>
+                  <a:srgbClr val="7A3E9D"/>
+                </a:solidFill>
+                <a:effectLst/>
+                <a:latin typeface="Consolas" panose="020B0609020204030204" pitchFamily="49" charset="0"/>
+              </a:rPr>
+              <a:t>bikes</a:t>
+            </a:r>
+            <a:r>
+              <a:rPr lang="en-US" sz="1400" b="0" dirty="0" err="1">
+                <a:solidFill>
+                  <a:srgbClr val="777777"/>
+                </a:solidFill>
+                <a:effectLst/>
+                <a:latin typeface="Consolas" panose="020B0609020204030204" pitchFamily="49" charset="0"/>
+              </a:rPr>
+              <a:t>.</a:t>
+            </a:r>
+            <a:r>
+              <a:rPr lang="en-US" sz="1400" b="0" dirty="0" err="1">
+                <a:solidFill>
+                  <a:srgbClr val="333333"/>
+                </a:solidFill>
+                <a:effectLst/>
+                <a:latin typeface="Consolas" panose="020B0609020204030204" pitchFamily="49" charset="0"/>
+              </a:rPr>
+              <a:t>temperature</a:t>
+            </a:r>
+            <a:r>
+              <a:rPr lang="en-US" sz="1400" b="0" dirty="0" err="1">
+                <a:solidFill>
+                  <a:srgbClr val="777777"/>
+                </a:solidFill>
+                <a:effectLst/>
+                <a:latin typeface="Consolas" panose="020B0609020204030204" pitchFamily="49" charset="0"/>
+              </a:rPr>
+              <a:t>.</a:t>
+            </a:r>
+            <a:r>
+              <a:rPr lang="en-US" sz="1400" b="1" dirty="0" err="1">
+                <a:solidFill>
+                  <a:srgbClr val="AA3731"/>
+                </a:solidFill>
+                <a:effectLst/>
+                <a:latin typeface="Consolas" panose="020B0609020204030204" pitchFamily="49" charset="0"/>
+              </a:rPr>
+              <a:t>min</a:t>
+            </a:r>
+            <a:r>
+              <a:rPr lang="en-US" sz="1400" b="0" dirty="0">
+                <a:solidFill>
+                  <a:srgbClr val="777777"/>
+                </a:solidFill>
+                <a:effectLst/>
+                <a:latin typeface="Consolas" panose="020B0609020204030204" pitchFamily="49" charset="0"/>
+              </a:rPr>
+              <a:t>(),</a:t>
+            </a:r>
+            <a:r>
+              <a:rPr lang="en-US" sz="1400" b="0" dirty="0">
+                <a:solidFill>
+                  <a:srgbClr val="333333"/>
+                </a:solidFill>
+                <a:effectLst/>
+                <a:latin typeface="Consolas" panose="020B0609020204030204" pitchFamily="49" charset="0"/>
+              </a:rPr>
+              <a:t> </a:t>
+            </a:r>
+            <a:r>
+              <a:rPr lang="en-US" sz="1400" b="0" dirty="0" err="1">
+                <a:solidFill>
+                  <a:srgbClr val="7A3E9D"/>
+                </a:solidFill>
+                <a:effectLst/>
+                <a:latin typeface="Consolas" panose="020B0609020204030204" pitchFamily="49" charset="0"/>
+              </a:rPr>
+              <a:t>bikes</a:t>
+            </a:r>
+            <a:r>
+              <a:rPr lang="en-US" sz="1400" b="0" dirty="0" err="1">
+                <a:solidFill>
+                  <a:srgbClr val="777777"/>
+                </a:solidFill>
+                <a:effectLst/>
+                <a:latin typeface="Consolas" panose="020B0609020204030204" pitchFamily="49" charset="0"/>
+              </a:rPr>
+              <a:t>.</a:t>
+            </a:r>
+            <a:r>
+              <a:rPr lang="en-US" sz="1400" b="0" dirty="0" err="1">
+                <a:solidFill>
+                  <a:srgbClr val="333333"/>
+                </a:solidFill>
+                <a:effectLst/>
+                <a:latin typeface="Consolas" panose="020B0609020204030204" pitchFamily="49" charset="0"/>
+              </a:rPr>
+              <a:t>temperature</a:t>
+            </a:r>
+            <a:r>
+              <a:rPr lang="en-US" sz="1400" b="0" dirty="0" err="1">
+                <a:solidFill>
+                  <a:srgbClr val="777777"/>
+                </a:solidFill>
+                <a:effectLst/>
+                <a:latin typeface="Consolas" panose="020B0609020204030204" pitchFamily="49" charset="0"/>
+              </a:rPr>
+              <a:t>.</a:t>
+            </a:r>
+            <a:r>
+              <a:rPr lang="en-US" sz="1400" b="1" dirty="0" err="1">
+                <a:solidFill>
+                  <a:srgbClr val="AA3731"/>
+                </a:solidFill>
+                <a:effectLst/>
+                <a:latin typeface="Consolas" panose="020B0609020204030204" pitchFamily="49" charset="0"/>
+              </a:rPr>
+              <a:t>max</a:t>
+            </a:r>
+            <a:r>
+              <a:rPr lang="en-US" sz="1400" b="0" dirty="0">
+                <a:solidFill>
+                  <a:srgbClr val="777777"/>
+                </a:solidFill>
+                <a:effectLst/>
+                <a:latin typeface="Consolas" panose="020B0609020204030204" pitchFamily="49" charset="0"/>
+              </a:rPr>
+              <a:t>(),</a:t>
+            </a:r>
+            <a:r>
+              <a:rPr lang="en-US" sz="1400" b="0" dirty="0">
+                <a:solidFill>
+                  <a:srgbClr val="333333"/>
+                </a:solidFill>
+                <a:effectLst/>
+                <a:latin typeface="Consolas" panose="020B0609020204030204" pitchFamily="49" charset="0"/>
+              </a:rPr>
+              <a:t> </a:t>
+            </a:r>
+            <a:r>
+              <a:rPr lang="en-US" sz="1400" b="0" dirty="0">
+                <a:solidFill>
+                  <a:srgbClr val="9C5D27"/>
+                </a:solidFill>
+                <a:effectLst/>
+                <a:latin typeface="Consolas" panose="020B0609020204030204" pitchFamily="49" charset="0"/>
+              </a:rPr>
+              <a:t>50</a:t>
+            </a:r>
+            <a:r>
+              <a:rPr lang="en-US" sz="1400" b="0" dirty="0">
+                <a:solidFill>
+                  <a:srgbClr val="777777"/>
+                </a:solidFill>
+                <a:effectLst/>
+                <a:latin typeface="Consolas" panose="020B0609020204030204" pitchFamily="49" charset="0"/>
+              </a:rPr>
+              <a:t>),</a:t>
+            </a:r>
+            <a:r>
+              <a:rPr lang="en-US" sz="1400" b="0" dirty="0">
+                <a:solidFill>
+                  <a:srgbClr val="333333"/>
+                </a:solidFill>
+                <a:effectLst/>
+                <a:latin typeface="Consolas" panose="020B0609020204030204" pitchFamily="49" charset="0"/>
+              </a:rPr>
+              <a:t> </a:t>
+            </a:r>
+          </a:p>
+          <a:p>
+            <a:pPr>
+              <a:buNone/>
+            </a:pPr>
+            <a:r>
+              <a:rPr lang="en-US" sz="1400" dirty="0">
+                <a:solidFill>
+                  <a:srgbClr val="333333"/>
+                </a:solidFill>
+                <a:latin typeface="Consolas" panose="020B0609020204030204" pitchFamily="49" charset="0"/>
+              </a:rPr>
+              <a:t>     </a:t>
+            </a:r>
+            <a:r>
+              <a:rPr lang="en-US" sz="1400" b="0" dirty="0">
+                <a:solidFill>
+                  <a:srgbClr val="7A3E9D"/>
+                </a:solidFill>
+                <a:effectLst/>
+                <a:latin typeface="Consolas" panose="020B0609020204030204" pitchFamily="49" charset="0"/>
+              </a:rPr>
+              <a:t>dims</a:t>
+            </a:r>
+            <a:r>
+              <a:rPr lang="en-US" sz="1400" b="0" dirty="0">
+                <a:solidFill>
+                  <a:srgbClr val="777777"/>
+                </a:solidFill>
+                <a:effectLst/>
+                <a:latin typeface="Consolas" panose="020B0609020204030204" pitchFamily="49" charset="0"/>
+              </a:rPr>
+              <a:t>="</a:t>
+            </a:r>
+            <a:r>
+              <a:rPr lang="en-US" sz="1400" b="0" dirty="0" err="1">
+                <a:solidFill>
+                  <a:srgbClr val="448C27"/>
+                </a:solidFill>
+                <a:effectLst/>
+                <a:latin typeface="Consolas" panose="020B0609020204030204" pitchFamily="49" charset="0"/>
+              </a:rPr>
+              <a:t>plot_id</a:t>
+            </a:r>
+            <a:r>
+              <a:rPr lang="en-US" sz="1400" b="0" dirty="0">
+                <a:solidFill>
+                  <a:srgbClr val="777777"/>
+                </a:solidFill>
+                <a:effectLst/>
+                <a:latin typeface="Consolas" panose="020B0609020204030204" pitchFamily="49" charset="0"/>
+              </a:rPr>
+              <a:t>"</a:t>
+            </a:r>
+            <a:endParaRPr lang="en-US" sz="1400" b="0" dirty="0">
+              <a:solidFill>
+                <a:srgbClr val="333333"/>
+              </a:solidFill>
+              <a:effectLst/>
+              <a:latin typeface="Consolas" panose="020B0609020204030204" pitchFamily="49" charset="0"/>
+            </a:endParaRPr>
+          </a:p>
+          <a:p>
+            <a:pPr>
+              <a:buNone/>
+            </a:pPr>
+            <a:r>
+              <a:rPr lang="en-US" sz="1400" b="0" dirty="0">
+                <a:solidFill>
+                  <a:srgbClr val="777777"/>
+                </a:solidFill>
+                <a:effectLst/>
+                <a:latin typeface="Consolas" panose="020B0609020204030204" pitchFamily="49" charset="0"/>
+              </a:rPr>
+              <a:t>)</a:t>
+            </a:r>
+            <a:endParaRPr lang="en-US" sz="1400" b="0" dirty="0">
+              <a:solidFill>
+                <a:srgbClr val="333333"/>
+              </a:solidFill>
+              <a:effectLst/>
+              <a:latin typeface="Consolas" panose="020B0609020204030204" pitchFamily="49" charset="0"/>
+            </a:endParaRPr>
+          </a:p>
+          <a:p>
+            <a:pPr>
+              <a:buNone/>
+            </a:pPr>
+            <a:r>
+              <a:rPr lang="en-US" sz="1400" b="0" dirty="0" err="1">
+                <a:solidFill>
+                  <a:srgbClr val="7A3E9D"/>
+                </a:solidFill>
+                <a:effectLst/>
+                <a:latin typeface="Consolas" panose="020B0609020204030204" pitchFamily="49" charset="0"/>
+              </a:rPr>
+              <a:t>mean_line</a:t>
+            </a:r>
+            <a:r>
+              <a:rPr lang="en-US" sz="1400" b="0" dirty="0">
+                <a:solidFill>
+                  <a:srgbClr val="333333"/>
+                </a:solidFill>
+                <a:effectLst/>
+                <a:latin typeface="Consolas" panose="020B0609020204030204" pitchFamily="49" charset="0"/>
+              </a:rPr>
+              <a:t> </a:t>
+            </a:r>
+            <a:r>
+              <a:rPr lang="en-US" sz="1400" b="0" dirty="0">
+                <a:solidFill>
+                  <a:srgbClr val="777777"/>
+                </a:solidFill>
+                <a:effectLst/>
+                <a:latin typeface="Consolas" panose="020B0609020204030204" pitchFamily="49" charset="0"/>
+              </a:rPr>
+              <a:t>=</a:t>
+            </a:r>
+            <a:r>
+              <a:rPr lang="en-US" sz="1400" b="0" dirty="0">
+                <a:solidFill>
+                  <a:srgbClr val="333333"/>
+                </a:solidFill>
+                <a:effectLst/>
+                <a:latin typeface="Consolas" panose="020B0609020204030204" pitchFamily="49" charset="0"/>
+              </a:rPr>
+              <a:t> </a:t>
+            </a:r>
+            <a:r>
+              <a:rPr lang="en-US" sz="1400" b="0" dirty="0">
+                <a:solidFill>
+                  <a:srgbClr val="7A3E9D"/>
+                </a:solidFill>
+                <a:effectLst/>
+                <a:latin typeface="Consolas" panose="020B0609020204030204" pitchFamily="49" charset="0"/>
+              </a:rPr>
+              <a:t>posterior</a:t>
+            </a:r>
+            <a:r>
+              <a:rPr lang="en-US" sz="1400" b="0" dirty="0">
+                <a:solidFill>
+                  <a:srgbClr val="777777"/>
+                </a:solidFill>
+                <a:effectLst/>
+                <a:latin typeface="Consolas" panose="020B0609020204030204" pitchFamily="49" charset="0"/>
+              </a:rPr>
+              <a:t>["</a:t>
+            </a:r>
+            <a:r>
+              <a:rPr lang="el-GR" sz="1400" b="0" dirty="0">
+                <a:solidFill>
+                  <a:srgbClr val="448C27"/>
+                </a:solidFill>
+                <a:effectLst/>
+                <a:latin typeface="Consolas" panose="020B0609020204030204" pitchFamily="49" charset="0"/>
+              </a:rPr>
+              <a:t>β0</a:t>
+            </a:r>
+            <a:r>
+              <a:rPr lang="el-GR" sz="1400" b="0" dirty="0">
+                <a:solidFill>
+                  <a:srgbClr val="777777"/>
+                </a:solidFill>
+                <a:effectLst/>
+                <a:latin typeface="Consolas" panose="020B0609020204030204" pitchFamily="49" charset="0"/>
+              </a:rPr>
+              <a:t>"].</a:t>
+            </a:r>
+            <a:r>
+              <a:rPr lang="en-US" sz="1400" b="0" dirty="0">
+                <a:solidFill>
+                  <a:srgbClr val="333333"/>
+                </a:solidFill>
+                <a:effectLst/>
+                <a:latin typeface="Consolas" panose="020B0609020204030204" pitchFamily="49" charset="0"/>
+              </a:rPr>
+              <a:t>mean</a:t>
+            </a:r>
+            <a:r>
+              <a:rPr lang="en-US" sz="1400" b="0" dirty="0">
+                <a:solidFill>
+                  <a:srgbClr val="777777"/>
+                </a:solidFill>
+                <a:effectLst/>
+                <a:latin typeface="Consolas" panose="020B0609020204030204" pitchFamily="49" charset="0"/>
+              </a:rPr>
+              <a:t>()</a:t>
+            </a:r>
+            <a:r>
+              <a:rPr lang="en-US" sz="1400" b="0" dirty="0">
+                <a:solidFill>
+                  <a:srgbClr val="333333"/>
+                </a:solidFill>
+                <a:effectLst/>
+                <a:latin typeface="Consolas" panose="020B0609020204030204" pitchFamily="49" charset="0"/>
+              </a:rPr>
+              <a:t> </a:t>
+            </a:r>
+            <a:r>
+              <a:rPr lang="en-US" sz="1400" b="0" dirty="0">
+                <a:solidFill>
+                  <a:srgbClr val="777777"/>
+                </a:solidFill>
+                <a:effectLst/>
+                <a:latin typeface="Consolas" panose="020B0609020204030204" pitchFamily="49" charset="0"/>
+              </a:rPr>
+              <a:t>+</a:t>
+            </a:r>
+            <a:r>
+              <a:rPr lang="en-US" sz="1400" b="0" dirty="0">
+                <a:solidFill>
+                  <a:srgbClr val="333333"/>
+                </a:solidFill>
+                <a:effectLst/>
+                <a:latin typeface="Consolas" panose="020B0609020204030204" pitchFamily="49" charset="0"/>
+              </a:rPr>
+              <a:t> </a:t>
+            </a:r>
+            <a:r>
+              <a:rPr lang="en-US" sz="1400" b="0" dirty="0">
+                <a:solidFill>
+                  <a:srgbClr val="7A3E9D"/>
+                </a:solidFill>
+                <a:effectLst/>
+                <a:latin typeface="Consolas" panose="020B0609020204030204" pitchFamily="49" charset="0"/>
+              </a:rPr>
+              <a:t>posterior</a:t>
+            </a:r>
+            <a:r>
+              <a:rPr lang="en-US" sz="1400" b="0" dirty="0">
+                <a:solidFill>
+                  <a:srgbClr val="777777"/>
+                </a:solidFill>
+                <a:effectLst/>
+                <a:latin typeface="Consolas" panose="020B0609020204030204" pitchFamily="49" charset="0"/>
+              </a:rPr>
+              <a:t>["</a:t>
+            </a:r>
+            <a:r>
+              <a:rPr lang="el-GR" sz="1400" b="0" dirty="0">
+                <a:solidFill>
+                  <a:srgbClr val="448C27"/>
+                </a:solidFill>
+                <a:effectLst/>
+                <a:latin typeface="Consolas" panose="020B0609020204030204" pitchFamily="49" charset="0"/>
+              </a:rPr>
+              <a:t>β1</a:t>
+            </a:r>
+            <a:r>
+              <a:rPr lang="el-GR" sz="1400" b="0" dirty="0">
+                <a:solidFill>
+                  <a:srgbClr val="777777"/>
+                </a:solidFill>
+                <a:effectLst/>
+                <a:latin typeface="Consolas" panose="020B0609020204030204" pitchFamily="49" charset="0"/>
+              </a:rPr>
+              <a:t>"].</a:t>
+            </a:r>
+            <a:r>
+              <a:rPr lang="en-US" sz="1400" b="0" dirty="0">
+                <a:solidFill>
+                  <a:srgbClr val="333333"/>
+                </a:solidFill>
+                <a:effectLst/>
+                <a:latin typeface="Consolas" panose="020B0609020204030204" pitchFamily="49" charset="0"/>
+              </a:rPr>
+              <a:t>mean</a:t>
+            </a:r>
+            <a:r>
+              <a:rPr lang="en-US" sz="1400" b="0" dirty="0">
+                <a:solidFill>
+                  <a:srgbClr val="777777"/>
+                </a:solidFill>
+                <a:effectLst/>
+                <a:latin typeface="Consolas" panose="020B0609020204030204" pitchFamily="49" charset="0"/>
+              </a:rPr>
+              <a:t>()</a:t>
+            </a:r>
+            <a:r>
+              <a:rPr lang="en-US" sz="1400" b="0" dirty="0">
+                <a:solidFill>
+                  <a:srgbClr val="333333"/>
+                </a:solidFill>
+                <a:effectLst/>
+                <a:latin typeface="Consolas" panose="020B0609020204030204" pitchFamily="49" charset="0"/>
+              </a:rPr>
+              <a:t> </a:t>
+            </a:r>
+            <a:r>
+              <a:rPr lang="en-US" sz="1400" b="1" dirty="0">
+                <a:solidFill>
+                  <a:srgbClr val="AA3731"/>
+                </a:solidFill>
+                <a:effectLst/>
+                <a:latin typeface="Consolas" panose="020B0609020204030204" pitchFamily="49" charset="0"/>
+              </a:rPr>
+              <a:t>*</a:t>
+            </a:r>
+            <a:r>
+              <a:rPr lang="en-US" sz="1400" b="0" dirty="0">
+                <a:solidFill>
+                  <a:srgbClr val="333333"/>
+                </a:solidFill>
+                <a:effectLst/>
+                <a:latin typeface="Consolas" panose="020B0609020204030204" pitchFamily="49" charset="0"/>
+              </a:rPr>
+              <a:t> </a:t>
+            </a:r>
+            <a:r>
+              <a:rPr lang="en-US" sz="1400" b="0" dirty="0" err="1">
+                <a:solidFill>
+                  <a:srgbClr val="7A3E9D"/>
+                </a:solidFill>
+                <a:effectLst/>
+                <a:latin typeface="Consolas" panose="020B0609020204030204" pitchFamily="49" charset="0"/>
+              </a:rPr>
+              <a:t>x_plot</a:t>
+            </a:r>
+            <a:endParaRPr lang="en-US" sz="1400" b="0" dirty="0">
+              <a:solidFill>
+                <a:srgbClr val="333333"/>
+              </a:solidFill>
+              <a:effectLst/>
+              <a:latin typeface="Consolas" panose="020B0609020204030204" pitchFamily="49" charset="0"/>
+            </a:endParaRPr>
+          </a:p>
+          <a:p>
+            <a:r>
+              <a:rPr lang="en-US" sz="1400" b="0" dirty="0">
+                <a:solidFill>
+                  <a:srgbClr val="7A3E9D"/>
+                </a:solidFill>
+                <a:effectLst/>
+                <a:latin typeface="Consolas" panose="020B0609020204030204" pitchFamily="49" charset="0"/>
+              </a:rPr>
+              <a:t>lines</a:t>
+            </a:r>
+            <a:r>
+              <a:rPr lang="en-US" sz="1400" b="0" dirty="0">
+                <a:solidFill>
+                  <a:srgbClr val="333333"/>
+                </a:solidFill>
+                <a:effectLst/>
+                <a:latin typeface="Consolas" panose="020B0609020204030204" pitchFamily="49" charset="0"/>
+              </a:rPr>
+              <a:t> </a:t>
+            </a:r>
+            <a:r>
+              <a:rPr lang="en-US" sz="1400" b="0" dirty="0">
+                <a:solidFill>
+                  <a:srgbClr val="777777"/>
+                </a:solidFill>
+                <a:effectLst/>
+                <a:latin typeface="Consolas" panose="020B0609020204030204" pitchFamily="49" charset="0"/>
+              </a:rPr>
+              <a:t>=</a:t>
+            </a:r>
+            <a:r>
+              <a:rPr lang="en-US" sz="1400" b="0" dirty="0">
+                <a:solidFill>
+                  <a:srgbClr val="333333"/>
+                </a:solidFill>
+                <a:effectLst/>
+                <a:latin typeface="Consolas" panose="020B0609020204030204" pitchFamily="49" charset="0"/>
+              </a:rPr>
+              <a:t> </a:t>
+            </a:r>
+            <a:r>
+              <a:rPr lang="en-US" sz="1400" b="0" dirty="0">
+                <a:solidFill>
+                  <a:srgbClr val="7A3E9D"/>
+                </a:solidFill>
+                <a:effectLst/>
+                <a:latin typeface="Consolas" panose="020B0609020204030204" pitchFamily="49" charset="0"/>
+              </a:rPr>
+              <a:t>posterior</a:t>
+            </a:r>
+            <a:r>
+              <a:rPr lang="en-US" sz="1400" b="0" dirty="0">
+                <a:solidFill>
+                  <a:srgbClr val="777777"/>
+                </a:solidFill>
+                <a:effectLst/>
+                <a:latin typeface="Consolas" panose="020B0609020204030204" pitchFamily="49" charset="0"/>
+              </a:rPr>
+              <a:t>["</a:t>
+            </a:r>
+            <a:r>
+              <a:rPr lang="el-GR" sz="1400" b="0" dirty="0">
+                <a:solidFill>
+                  <a:srgbClr val="448C27"/>
+                </a:solidFill>
+                <a:effectLst/>
+                <a:latin typeface="Consolas" panose="020B0609020204030204" pitchFamily="49" charset="0"/>
+              </a:rPr>
+              <a:t>β0</a:t>
+            </a:r>
+            <a:r>
+              <a:rPr lang="el-GR" sz="1400" b="0" dirty="0">
+                <a:solidFill>
+                  <a:srgbClr val="777777"/>
+                </a:solidFill>
+                <a:effectLst/>
+                <a:latin typeface="Consolas" panose="020B0609020204030204" pitchFamily="49" charset="0"/>
+              </a:rPr>
+              <a:t>"]</a:t>
+            </a:r>
+            <a:r>
+              <a:rPr lang="el-GR" sz="1400" b="0" dirty="0">
+                <a:solidFill>
+                  <a:srgbClr val="333333"/>
+                </a:solidFill>
+                <a:effectLst/>
+                <a:latin typeface="Consolas" panose="020B0609020204030204" pitchFamily="49" charset="0"/>
+              </a:rPr>
+              <a:t> </a:t>
+            </a:r>
+            <a:r>
+              <a:rPr lang="el-GR" sz="1400" b="0" dirty="0">
+                <a:solidFill>
+                  <a:srgbClr val="777777"/>
+                </a:solidFill>
+                <a:effectLst/>
+                <a:latin typeface="Consolas" panose="020B0609020204030204" pitchFamily="49" charset="0"/>
+              </a:rPr>
+              <a:t>+</a:t>
+            </a:r>
+            <a:r>
+              <a:rPr lang="el-GR" sz="1400" b="0" dirty="0">
+                <a:solidFill>
+                  <a:srgbClr val="333333"/>
+                </a:solidFill>
+                <a:effectLst/>
+                <a:latin typeface="Consolas" panose="020B0609020204030204" pitchFamily="49" charset="0"/>
+              </a:rPr>
+              <a:t> </a:t>
+            </a:r>
+            <a:r>
+              <a:rPr lang="en-US" sz="1400" b="0" dirty="0">
+                <a:solidFill>
+                  <a:srgbClr val="7A3E9D"/>
+                </a:solidFill>
+                <a:effectLst/>
+                <a:latin typeface="Consolas" panose="020B0609020204030204" pitchFamily="49" charset="0"/>
+              </a:rPr>
+              <a:t>posterior</a:t>
+            </a:r>
+            <a:r>
+              <a:rPr lang="en-US" sz="1400" b="0" dirty="0">
+                <a:solidFill>
+                  <a:srgbClr val="777777"/>
+                </a:solidFill>
+                <a:effectLst/>
+                <a:latin typeface="Consolas" panose="020B0609020204030204" pitchFamily="49" charset="0"/>
+              </a:rPr>
+              <a:t>["</a:t>
+            </a:r>
+            <a:r>
+              <a:rPr lang="el-GR" sz="1400" b="0" dirty="0">
+                <a:solidFill>
+                  <a:srgbClr val="448C27"/>
+                </a:solidFill>
+                <a:effectLst/>
+                <a:latin typeface="Consolas" panose="020B0609020204030204" pitchFamily="49" charset="0"/>
+              </a:rPr>
+              <a:t>β1</a:t>
+            </a:r>
+            <a:r>
+              <a:rPr lang="el-GR" sz="1400" b="0" dirty="0">
+                <a:solidFill>
+                  <a:srgbClr val="777777"/>
+                </a:solidFill>
+                <a:effectLst/>
+                <a:latin typeface="Consolas" panose="020B0609020204030204" pitchFamily="49" charset="0"/>
+              </a:rPr>
+              <a:t>"]</a:t>
+            </a:r>
+            <a:r>
+              <a:rPr lang="el-GR" sz="1400" b="0" dirty="0">
+                <a:solidFill>
+                  <a:srgbClr val="333333"/>
+                </a:solidFill>
+                <a:effectLst/>
+                <a:latin typeface="Consolas" panose="020B0609020204030204" pitchFamily="49" charset="0"/>
+              </a:rPr>
+              <a:t> </a:t>
+            </a:r>
+            <a:r>
+              <a:rPr lang="el-GR" sz="1400" b="1" dirty="0">
+                <a:solidFill>
+                  <a:srgbClr val="AA3731"/>
+                </a:solidFill>
+                <a:effectLst/>
+                <a:latin typeface="Consolas" panose="020B0609020204030204" pitchFamily="49" charset="0"/>
+              </a:rPr>
+              <a:t>*</a:t>
+            </a:r>
+            <a:r>
+              <a:rPr lang="el-GR" sz="1400" b="0" dirty="0">
+                <a:solidFill>
+                  <a:srgbClr val="333333"/>
+                </a:solidFill>
+                <a:effectLst/>
+                <a:latin typeface="Consolas" panose="020B0609020204030204" pitchFamily="49" charset="0"/>
+              </a:rPr>
+              <a:t> </a:t>
+            </a:r>
+            <a:r>
+              <a:rPr lang="en-US" sz="1400" b="0" dirty="0" err="1">
+                <a:solidFill>
+                  <a:srgbClr val="7A3E9D"/>
+                </a:solidFill>
+                <a:effectLst/>
+                <a:latin typeface="Consolas" panose="020B0609020204030204" pitchFamily="49" charset="0"/>
+              </a:rPr>
+              <a:t>x_plot</a:t>
+            </a:r>
+            <a:endParaRPr lang="en-US" sz="1400" b="0" dirty="0">
+              <a:solidFill>
+                <a:srgbClr val="333333"/>
+              </a:solidFill>
+              <a:effectLst/>
+              <a:latin typeface="Consolas" panose="020B0609020204030204" pitchFamily="49" charset="0"/>
+            </a:endParaRPr>
+          </a:p>
+        </p:txBody>
+      </p:sp>
+    </p:spTree>
+    <p:extLst>
+      <p:ext uri="{BB962C8B-B14F-4D97-AF65-F5344CB8AC3E}">
+        <p14:creationId xmlns:p14="http://schemas.microsoft.com/office/powerpoint/2010/main" val="4229448243"/>
+      </p:ext>
+    </p:extLst>
+  </p:cSld>
+  <p:clrMapOvr>
+    <a:masterClrMapping/>
+  </p:clrMapOvr>
+</p:sld>
+</file>
+
+<file path=ppt/slides/slide16.xml><?xml version="1.0" encoding="utf-8"?>
+<p:sld xmlns:a="http://schemas.openxmlformats.org/drawingml/2006/main" xmlns:r="http://schemas.openxmlformats.org/officeDocument/2006/relationships" xmlns:p="http://schemas.openxmlformats.org/presentationml/2006/main">
+  <p:cSld>
+    <p:spTree>
+      <p:nvGrpSpPr>
+        <p:cNvPr id="1" name="">
+          <a:extLst>
+            <a:ext uri="{FF2B5EF4-FFF2-40B4-BE49-F238E27FC236}">
+              <a16:creationId xmlns:a16="http://schemas.microsoft.com/office/drawing/2014/main" id="{AD97A873-C2B1-3492-7A1E-ADC643A5D4D4}"/>
+            </a:ext>
+          </a:extLst>
+        </p:cNvPr>
+        <p:cNvGrpSpPr/>
+        <p:nvPr/>
+      </p:nvGrpSpPr>
+      <p:grpSpPr>
+        <a:xfrm>
+          <a:off x="0" y="0"/>
+          <a:ext cx="0" cy="0"/>
+          <a:chOff x="0" y="0"/>
+          <a:chExt cx="0" cy="0"/>
+        </a:xfrm>
+      </p:grpSpPr>
+      <p:sp>
+        <p:nvSpPr>
+          <p:cNvPr id="2" name="Title 1">
+            <a:extLst>
+              <a:ext uri="{FF2B5EF4-FFF2-40B4-BE49-F238E27FC236}">
+                <a16:creationId xmlns:a16="http://schemas.microsoft.com/office/drawing/2014/main" id="{079C81B3-ABB9-FEE7-B37C-AB9EF8A1B031}"/>
+              </a:ext>
+            </a:extLst>
+          </p:cNvPr>
+          <p:cNvSpPr>
+            <a:spLocks noGrp="1"/>
+          </p:cNvSpPr>
+          <p:nvPr>
+            <p:ph type="title"/>
+          </p:nvPr>
+        </p:nvSpPr>
+        <p:spPr/>
+        <p:txBody>
+          <a:bodyPr/>
+          <a:lstStyle/>
+          <a:p>
+            <a:r>
+              <a:rPr lang="en-US" dirty="0"/>
+              <a:t>Showing the uncertainty</a:t>
+            </a:r>
+            <a:endParaRPr lang="he-IL" dirty="0"/>
+          </a:p>
+        </p:txBody>
+      </p:sp>
+      <p:sp>
+        <p:nvSpPr>
+          <p:cNvPr id="3" name="Content Placeholder 2">
+            <a:extLst>
+              <a:ext uri="{FF2B5EF4-FFF2-40B4-BE49-F238E27FC236}">
+                <a16:creationId xmlns:a16="http://schemas.microsoft.com/office/drawing/2014/main" id="{1FF59C96-0223-418E-AE2E-29457A84EBAD}"/>
+              </a:ext>
+            </a:extLst>
+          </p:cNvPr>
+          <p:cNvSpPr>
+            <a:spLocks noGrp="1"/>
+          </p:cNvSpPr>
+          <p:nvPr>
+            <p:ph idx="1"/>
+          </p:nvPr>
+        </p:nvSpPr>
+        <p:spPr>
+          <a:xfrm>
+            <a:off x="838200" y="1465007"/>
+            <a:ext cx="10515600" cy="1140542"/>
+          </a:xfrm>
+        </p:spPr>
+        <p:txBody>
+          <a:bodyPr>
+            <a:normAutofit/>
+          </a:bodyPr>
+          <a:lstStyle/>
+          <a:p>
+            <a:r>
+              <a:rPr lang="en-US" dirty="0"/>
+              <a:t>Using multiple samples from the posterior</a:t>
+            </a:r>
+          </a:p>
+          <a:p>
+            <a:pPr lvl="1"/>
+            <a:r>
+              <a:rPr lang="en-US" dirty="0"/>
+              <a:t>It can all be calculated from the </a:t>
+            </a:r>
+            <a:r>
+              <a:rPr lang="en-US" dirty="0" err="1"/>
+              <a:t>idata</a:t>
+            </a:r>
+            <a:r>
+              <a:rPr lang="en-US" dirty="0"/>
+              <a:t> object</a:t>
+            </a:r>
+            <a:endParaRPr lang="he-IL" dirty="0"/>
+          </a:p>
+          <a:p>
+            <a:endParaRPr lang="he-IL" dirty="0"/>
+          </a:p>
+        </p:txBody>
+      </p:sp>
+      <p:pic>
+        <p:nvPicPr>
+          <p:cNvPr id="4" name="Picture 3">
+            <a:extLst>
+              <a:ext uri="{FF2B5EF4-FFF2-40B4-BE49-F238E27FC236}">
+                <a16:creationId xmlns:a16="http://schemas.microsoft.com/office/drawing/2014/main" id="{2ADBFFA0-192F-643A-6639-2985A9C862F3}"/>
+              </a:ext>
+            </a:extLst>
+          </p:cNvPr>
+          <p:cNvPicPr>
+            <a:picLocks noChangeAspect="1"/>
+          </p:cNvPicPr>
+          <p:nvPr/>
+        </p:nvPicPr>
+        <p:blipFill>
+          <a:blip r:embed="rId2"/>
+          <a:srcRect r="50403"/>
+          <a:stretch/>
+        </p:blipFill>
+        <p:spPr>
+          <a:xfrm>
+            <a:off x="7775600" y="2539349"/>
+            <a:ext cx="4082103" cy="3025709"/>
+          </a:xfrm>
+          <a:prstGeom prst="rect">
+            <a:avLst/>
+          </a:prstGeom>
+        </p:spPr>
+      </p:pic>
+      <p:sp>
+        <p:nvSpPr>
+          <p:cNvPr id="12" name="TextBox 11">
+            <a:extLst>
+              <a:ext uri="{FF2B5EF4-FFF2-40B4-BE49-F238E27FC236}">
+                <a16:creationId xmlns:a16="http://schemas.microsoft.com/office/drawing/2014/main" id="{9BB7F78B-A576-6D5F-D4A9-5CA35C7A2E3F}"/>
+              </a:ext>
+            </a:extLst>
+          </p:cNvPr>
+          <p:cNvSpPr txBox="1"/>
+          <p:nvPr/>
+        </p:nvSpPr>
+        <p:spPr>
+          <a:xfrm>
+            <a:off x="216309" y="3021139"/>
+            <a:ext cx="6951407" cy="1815882"/>
+          </a:xfrm>
+          <a:prstGeom prst="rect">
+            <a:avLst/>
+          </a:prstGeom>
+          <a:noFill/>
+        </p:spPr>
+        <p:txBody>
+          <a:bodyPr wrap="square">
+            <a:spAutoFit/>
+          </a:bodyPr>
+          <a:lstStyle/>
+          <a:p>
+            <a:pPr>
+              <a:buNone/>
+            </a:pPr>
+            <a:r>
+              <a:rPr lang="en-US" sz="1400" b="0" dirty="0">
+                <a:solidFill>
+                  <a:srgbClr val="7A3E9D"/>
+                </a:solidFill>
+                <a:effectLst/>
+                <a:latin typeface="Consolas" panose="020B0609020204030204" pitchFamily="49" charset="0"/>
+              </a:rPr>
+              <a:t>posterior</a:t>
+            </a:r>
+            <a:r>
+              <a:rPr lang="en-US" sz="1400" b="0" dirty="0">
+                <a:solidFill>
+                  <a:srgbClr val="333333"/>
+                </a:solidFill>
+                <a:effectLst/>
+                <a:latin typeface="Consolas" panose="020B0609020204030204" pitchFamily="49" charset="0"/>
+              </a:rPr>
+              <a:t> </a:t>
+            </a:r>
+            <a:r>
+              <a:rPr lang="en-US" sz="1400" b="0" dirty="0">
+                <a:solidFill>
+                  <a:srgbClr val="777777"/>
+                </a:solidFill>
+                <a:effectLst/>
+                <a:latin typeface="Consolas" panose="020B0609020204030204" pitchFamily="49" charset="0"/>
+              </a:rPr>
+              <a:t>=</a:t>
+            </a:r>
+            <a:r>
+              <a:rPr lang="en-US" sz="1400" b="0" dirty="0">
+                <a:solidFill>
+                  <a:srgbClr val="333333"/>
+                </a:solidFill>
+                <a:effectLst/>
+                <a:latin typeface="Consolas" panose="020B0609020204030204" pitchFamily="49" charset="0"/>
+              </a:rPr>
+              <a:t> </a:t>
+            </a:r>
+            <a:r>
+              <a:rPr lang="en-US" sz="1400" b="1" dirty="0" err="1">
+                <a:solidFill>
+                  <a:srgbClr val="7A3E9D"/>
+                </a:solidFill>
+                <a:effectLst/>
+                <a:latin typeface="Consolas" panose="020B0609020204030204" pitchFamily="49" charset="0"/>
+              </a:rPr>
+              <a:t>az</a:t>
+            </a:r>
+            <a:r>
+              <a:rPr lang="en-US" sz="1400" b="0" dirty="0" err="1">
+                <a:solidFill>
+                  <a:srgbClr val="777777"/>
+                </a:solidFill>
+                <a:effectLst/>
+                <a:latin typeface="Consolas" panose="020B0609020204030204" pitchFamily="49" charset="0"/>
+              </a:rPr>
+              <a:t>.</a:t>
+            </a:r>
+            <a:r>
+              <a:rPr lang="en-US" sz="1400" b="1" dirty="0" err="1">
+                <a:solidFill>
+                  <a:srgbClr val="AA3731"/>
+                </a:solidFill>
+                <a:effectLst/>
+                <a:latin typeface="Consolas" panose="020B0609020204030204" pitchFamily="49" charset="0"/>
+              </a:rPr>
+              <a:t>extract</a:t>
+            </a:r>
+            <a:r>
+              <a:rPr lang="en-US" sz="1400" b="0" dirty="0">
+                <a:solidFill>
+                  <a:srgbClr val="777777"/>
+                </a:solidFill>
+                <a:effectLst/>
+                <a:latin typeface="Consolas" panose="020B0609020204030204" pitchFamily="49" charset="0"/>
+              </a:rPr>
+              <a:t>(</a:t>
+            </a:r>
+            <a:r>
+              <a:rPr lang="en-US" sz="1400" b="0" dirty="0" err="1">
+                <a:solidFill>
+                  <a:srgbClr val="7A3E9D"/>
+                </a:solidFill>
+                <a:effectLst/>
+                <a:latin typeface="Consolas" panose="020B0609020204030204" pitchFamily="49" charset="0"/>
+              </a:rPr>
+              <a:t>idata_lb</a:t>
+            </a:r>
+            <a:r>
+              <a:rPr lang="en-US" sz="1400" b="0" dirty="0">
+                <a:solidFill>
+                  <a:srgbClr val="777777"/>
+                </a:solidFill>
+                <a:effectLst/>
+                <a:latin typeface="Consolas" panose="020B0609020204030204" pitchFamily="49" charset="0"/>
+              </a:rPr>
+              <a:t>,</a:t>
+            </a:r>
+            <a:r>
+              <a:rPr lang="en-US" sz="1400" b="0" dirty="0">
+                <a:solidFill>
+                  <a:srgbClr val="333333"/>
+                </a:solidFill>
+                <a:effectLst/>
+                <a:latin typeface="Consolas" panose="020B0609020204030204" pitchFamily="49" charset="0"/>
+              </a:rPr>
+              <a:t> </a:t>
+            </a:r>
+            <a:r>
+              <a:rPr lang="en-US" sz="1400" b="0" dirty="0" err="1">
+                <a:solidFill>
+                  <a:srgbClr val="7A3E9D"/>
+                </a:solidFill>
+                <a:effectLst/>
+                <a:latin typeface="Consolas" panose="020B0609020204030204" pitchFamily="49" charset="0"/>
+              </a:rPr>
+              <a:t>num_samples</a:t>
+            </a:r>
+            <a:r>
+              <a:rPr lang="en-US" sz="1400" b="0" dirty="0">
+                <a:solidFill>
+                  <a:srgbClr val="777777"/>
+                </a:solidFill>
+                <a:effectLst/>
+                <a:latin typeface="Consolas" panose="020B0609020204030204" pitchFamily="49" charset="0"/>
+              </a:rPr>
+              <a:t>=</a:t>
+            </a:r>
+            <a:r>
+              <a:rPr lang="en-US" sz="1400" b="0" dirty="0">
+                <a:solidFill>
+                  <a:srgbClr val="9C5D27"/>
+                </a:solidFill>
+                <a:effectLst/>
+                <a:latin typeface="Consolas" panose="020B0609020204030204" pitchFamily="49" charset="0"/>
+              </a:rPr>
+              <a:t>50</a:t>
+            </a:r>
+            <a:r>
+              <a:rPr lang="en-US" sz="1400" b="0" dirty="0">
+                <a:solidFill>
+                  <a:srgbClr val="777777"/>
+                </a:solidFill>
+                <a:effectLst/>
+                <a:latin typeface="Consolas" panose="020B0609020204030204" pitchFamily="49" charset="0"/>
+              </a:rPr>
+              <a:t>)</a:t>
+            </a:r>
+            <a:endParaRPr lang="en-US" sz="1400" b="0" dirty="0">
+              <a:solidFill>
+                <a:srgbClr val="333333"/>
+              </a:solidFill>
+              <a:effectLst/>
+              <a:latin typeface="Consolas" panose="020B0609020204030204" pitchFamily="49" charset="0"/>
+            </a:endParaRPr>
+          </a:p>
+          <a:p>
+            <a:pPr>
+              <a:buNone/>
+            </a:pPr>
+            <a:r>
+              <a:rPr lang="en-US" sz="1400" b="0" dirty="0" err="1">
+                <a:solidFill>
+                  <a:srgbClr val="7A3E9D"/>
+                </a:solidFill>
+                <a:effectLst/>
+                <a:latin typeface="Consolas" panose="020B0609020204030204" pitchFamily="49" charset="0"/>
+              </a:rPr>
+              <a:t>x_plot</a:t>
+            </a:r>
+            <a:r>
+              <a:rPr lang="en-US" sz="1400" b="0" dirty="0">
+                <a:solidFill>
+                  <a:srgbClr val="333333"/>
+                </a:solidFill>
+                <a:effectLst/>
+                <a:latin typeface="Consolas" panose="020B0609020204030204" pitchFamily="49" charset="0"/>
+              </a:rPr>
+              <a:t> </a:t>
+            </a:r>
+            <a:r>
+              <a:rPr lang="en-US" sz="1400" b="0" dirty="0">
+                <a:solidFill>
+                  <a:srgbClr val="777777"/>
+                </a:solidFill>
+                <a:effectLst/>
+                <a:latin typeface="Consolas" panose="020B0609020204030204" pitchFamily="49" charset="0"/>
+              </a:rPr>
+              <a:t>=</a:t>
+            </a:r>
+            <a:r>
+              <a:rPr lang="en-US" sz="1400" b="0" dirty="0">
+                <a:solidFill>
+                  <a:srgbClr val="333333"/>
+                </a:solidFill>
+                <a:effectLst/>
+                <a:latin typeface="Consolas" panose="020B0609020204030204" pitchFamily="49" charset="0"/>
+              </a:rPr>
+              <a:t> </a:t>
+            </a:r>
+            <a:r>
+              <a:rPr lang="en-US" sz="1400" b="1" dirty="0" err="1">
+                <a:solidFill>
+                  <a:srgbClr val="7A3E9D"/>
+                </a:solidFill>
+                <a:effectLst/>
+                <a:latin typeface="Consolas" panose="020B0609020204030204" pitchFamily="49" charset="0"/>
+              </a:rPr>
+              <a:t>xr</a:t>
+            </a:r>
+            <a:r>
+              <a:rPr lang="en-US" sz="1400" b="0" dirty="0" err="1">
+                <a:solidFill>
+                  <a:srgbClr val="777777"/>
+                </a:solidFill>
+                <a:effectLst/>
+                <a:latin typeface="Consolas" panose="020B0609020204030204" pitchFamily="49" charset="0"/>
+              </a:rPr>
+              <a:t>.</a:t>
+            </a:r>
+            <a:r>
+              <a:rPr lang="en-US" sz="1400" b="1" dirty="0" err="1">
+                <a:solidFill>
+                  <a:srgbClr val="7A3E9D"/>
+                </a:solidFill>
+                <a:effectLst/>
+                <a:latin typeface="Consolas" panose="020B0609020204030204" pitchFamily="49" charset="0"/>
+              </a:rPr>
+              <a:t>DataArray</a:t>
+            </a:r>
+            <a:r>
+              <a:rPr lang="en-US" sz="1400" b="0" dirty="0">
+                <a:solidFill>
+                  <a:srgbClr val="777777"/>
+                </a:solidFill>
+                <a:effectLst/>
+                <a:latin typeface="Consolas" panose="020B0609020204030204" pitchFamily="49" charset="0"/>
+              </a:rPr>
+              <a:t>(</a:t>
+            </a:r>
+            <a:endParaRPr lang="en-US" sz="1400" b="0" dirty="0">
+              <a:solidFill>
+                <a:srgbClr val="333333"/>
+              </a:solidFill>
+              <a:effectLst/>
+              <a:latin typeface="Consolas" panose="020B0609020204030204" pitchFamily="49" charset="0"/>
+            </a:endParaRPr>
+          </a:p>
+          <a:p>
+            <a:pPr>
+              <a:buNone/>
+            </a:pPr>
+            <a:r>
+              <a:rPr lang="en-US" sz="1400" b="0" dirty="0">
+                <a:solidFill>
+                  <a:srgbClr val="333333"/>
+                </a:solidFill>
+                <a:effectLst/>
+                <a:latin typeface="Consolas" panose="020B0609020204030204" pitchFamily="49" charset="0"/>
+              </a:rPr>
+              <a:t>  </a:t>
+            </a:r>
+            <a:r>
+              <a:rPr lang="en-US" sz="1400" b="1" dirty="0" err="1">
+                <a:solidFill>
+                  <a:srgbClr val="7A3E9D"/>
+                </a:solidFill>
+                <a:effectLst/>
+                <a:latin typeface="Consolas" panose="020B0609020204030204" pitchFamily="49" charset="0"/>
+              </a:rPr>
+              <a:t>np</a:t>
+            </a:r>
+            <a:r>
+              <a:rPr lang="en-US" sz="1400" b="0" dirty="0" err="1">
+                <a:solidFill>
+                  <a:srgbClr val="777777"/>
+                </a:solidFill>
+                <a:effectLst/>
+                <a:latin typeface="Consolas" panose="020B0609020204030204" pitchFamily="49" charset="0"/>
+              </a:rPr>
+              <a:t>.</a:t>
+            </a:r>
+            <a:r>
+              <a:rPr lang="en-US" sz="1400" b="1" dirty="0" err="1">
+                <a:solidFill>
+                  <a:srgbClr val="AA3731"/>
+                </a:solidFill>
+                <a:effectLst/>
+                <a:latin typeface="Consolas" panose="020B0609020204030204" pitchFamily="49" charset="0"/>
+              </a:rPr>
+              <a:t>linspace</a:t>
+            </a:r>
+            <a:r>
+              <a:rPr lang="en-US" sz="1400" b="0" dirty="0">
+                <a:solidFill>
+                  <a:srgbClr val="777777"/>
+                </a:solidFill>
+                <a:effectLst/>
+                <a:latin typeface="Consolas" panose="020B0609020204030204" pitchFamily="49" charset="0"/>
+              </a:rPr>
+              <a:t>(</a:t>
+            </a:r>
+          </a:p>
+          <a:p>
+            <a:pPr>
+              <a:buNone/>
+            </a:pPr>
+            <a:r>
+              <a:rPr lang="en-US" sz="1400" dirty="0">
+                <a:solidFill>
+                  <a:srgbClr val="777777"/>
+                </a:solidFill>
+                <a:latin typeface="Consolas" panose="020B0609020204030204" pitchFamily="49" charset="0"/>
+              </a:rPr>
+              <a:t>     </a:t>
+            </a:r>
+            <a:r>
+              <a:rPr lang="en-US" sz="1400" b="0" dirty="0" err="1">
+                <a:solidFill>
+                  <a:srgbClr val="7A3E9D"/>
+                </a:solidFill>
+                <a:effectLst/>
+                <a:latin typeface="Consolas" panose="020B0609020204030204" pitchFamily="49" charset="0"/>
+              </a:rPr>
+              <a:t>bikes</a:t>
+            </a:r>
+            <a:r>
+              <a:rPr lang="en-US" sz="1400" b="0" dirty="0" err="1">
+                <a:solidFill>
+                  <a:srgbClr val="777777"/>
+                </a:solidFill>
+                <a:effectLst/>
+                <a:latin typeface="Consolas" panose="020B0609020204030204" pitchFamily="49" charset="0"/>
+              </a:rPr>
+              <a:t>.</a:t>
+            </a:r>
+            <a:r>
+              <a:rPr lang="en-US" sz="1400" b="0" dirty="0" err="1">
+                <a:solidFill>
+                  <a:srgbClr val="333333"/>
+                </a:solidFill>
+                <a:effectLst/>
+                <a:latin typeface="Consolas" panose="020B0609020204030204" pitchFamily="49" charset="0"/>
+              </a:rPr>
+              <a:t>temperature</a:t>
+            </a:r>
+            <a:r>
+              <a:rPr lang="en-US" sz="1400" b="0" dirty="0" err="1">
+                <a:solidFill>
+                  <a:srgbClr val="777777"/>
+                </a:solidFill>
+                <a:effectLst/>
+                <a:latin typeface="Consolas" panose="020B0609020204030204" pitchFamily="49" charset="0"/>
+              </a:rPr>
+              <a:t>.</a:t>
+            </a:r>
+            <a:r>
+              <a:rPr lang="en-US" sz="1400" b="1" dirty="0" err="1">
+                <a:solidFill>
+                  <a:srgbClr val="AA3731"/>
+                </a:solidFill>
+                <a:effectLst/>
+                <a:latin typeface="Consolas" panose="020B0609020204030204" pitchFamily="49" charset="0"/>
+              </a:rPr>
+              <a:t>min</a:t>
+            </a:r>
+            <a:r>
+              <a:rPr lang="en-US" sz="1400" b="0" dirty="0">
+                <a:solidFill>
+                  <a:srgbClr val="777777"/>
+                </a:solidFill>
+                <a:effectLst/>
+                <a:latin typeface="Consolas" panose="020B0609020204030204" pitchFamily="49" charset="0"/>
+              </a:rPr>
+              <a:t>(),</a:t>
+            </a:r>
+            <a:r>
+              <a:rPr lang="en-US" sz="1400" b="0" dirty="0">
+                <a:solidFill>
+                  <a:srgbClr val="333333"/>
+                </a:solidFill>
+                <a:effectLst/>
+                <a:latin typeface="Consolas" panose="020B0609020204030204" pitchFamily="49" charset="0"/>
+              </a:rPr>
+              <a:t> </a:t>
+            </a:r>
+            <a:r>
+              <a:rPr lang="en-US" sz="1400" b="0" dirty="0" err="1">
+                <a:solidFill>
+                  <a:srgbClr val="7A3E9D"/>
+                </a:solidFill>
+                <a:effectLst/>
+                <a:latin typeface="Consolas" panose="020B0609020204030204" pitchFamily="49" charset="0"/>
+              </a:rPr>
+              <a:t>bikes</a:t>
+            </a:r>
+            <a:r>
+              <a:rPr lang="en-US" sz="1400" b="0" dirty="0" err="1">
+                <a:solidFill>
+                  <a:srgbClr val="777777"/>
+                </a:solidFill>
+                <a:effectLst/>
+                <a:latin typeface="Consolas" panose="020B0609020204030204" pitchFamily="49" charset="0"/>
+              </a:rPr>
+              <a:t>.</a:t>
+            </a:r>
+            <a:r>
+              <a:rPr lang="en-US" sz="1400" b="0" dirty="0" err="1">
+                <a:solidFill>
+                  <a:srgbClr val="333333"/>
+                </a:solidFill>
+                <a:effectLst/>
+                <a:latin typeface="Consolas" panose="020B0609020204030204" pitchFamily="49" charset="0"/>
+              </a:rPr>
+              <a:t>temperature</a:t>
+            </a:r>
+            <a:r>
+              <a:rPr lang="en-US" sz="1400" b="0" dirty="0" err="1">
+                <a:solidFill>
+                  <a:srgbClr val="777777"/>
+                </a:solidFill>
+                <a:effectLst/>
+                <a:latin typeface="Consolas" panose="020B0609020204030204" pitchFamily="49" charset="0"/>
+              </a:rPr>
+              <a:t>.</a:t>
+            </a:r>
+            <a:r>
+              <a:rPr lang="en-US" sz="1400" b="1" dirty="0" err="1">
+                <a:solidFill>
+                  <a:srgbClr val="AA3731"/>
+                </a:solidFill>
+                <a:effectLst/>
+                <a:latin typeface="Consolas" panose="020B0609020204030204" pitchFamily="49" charset="0"/>
+              </a:rPr>
+              <a:t>max</a:t>
+            </a:r>
+            <a:r>
+              <a:rPr lang="en-US" sz="1400" b="0" dirty="0">
+                <a:solidFill>
+                  <a:srgbClr val="777777"/>
+                </a:solidFill>
+                <a:effectLst/>
+                <a:latin typeface="Consolas" panose="020B0609020204030204" pitchFamily="49" charset="0"/>
+              </a:rPr>
+              <a:t>(),</a:t>
+            </a:r>
+            <a:r>
+              <a:rPr lang="en-US" sz="1400" b="0" dirty="0">
+                <a:solidFill>
+                  <a:srgbClr val="333333"/>
+                </a:solidFill>
+                <a:effectLst/>
+                <a:latin typeface="Consolas" panose="020B0609020204030204" pitchFamily="49" charset="0"/>
+              </a:rPr>
+              <a:t> </a:t>
+            </a:r>
+            <a:r>
+              <a:rPr lang="en-US" sz="1400" b="0" dirty="0">
+                <a:solidFill>
+                  <a:srgbClr val="9C5D27"/>
+                </a:solidFill>
+                <a:effectLst/>
+                <a:latin typeface="Consolas" panose="020B0609020204030204" pitchFamily="49" charset="0"/>
+              </a:rPr>
+              <a:t>50</a:t>
+            </a:r>
+            <a:r>
+              <a:rPr lang="en-US" sz="1400" b="0" dirty="0">
+                <a:solidFill>
+                  <a:srgbClr val="777777"/>
+                </a:solidFill>
+                <a:effectLst/>
+                <a:latin typeface="Consolas" panose="020B0609020204030204" pitchFamily="49" charset="0"/>
+              </a:rPr>
+              <a:t>),</a:t>
+            </a:r>
+            <a:r>
+              <a:rPr lang="en-US" sz="1400" b="0" dirty="0">
+                <a:solidFill>
+                  <a:srgbClr val="333333"/>
+                </a:solidFill>
+                <a:effectLst/>
+                <a:latin typeface="Consolas" panose="020B0609020204030204" pitchFamily="49" charset="0"/>
+              </a:rPr>
+              <a:t> </a:t>
+            </a:r>
+          </a:p>
+          <a:p>
+            <a:pPr>
+              <a:buNone/>
+            </a:pPr>
+            <a:r>
+              <a:rPr lang="en-US" sz="1400" dirty="0">
+                <a:solidFill>
+                  <a:srgbClr val="333333"/>
+                </a:solidFill>
+                <a:latin typeface="Consolas" panose="020B0609020204030204" pitchFamily="49" charset="0"/>
+              </a:rPr>
+              <a:t>     </a:t>
+            </a:r>
+            <a:r>
+              <a:rPr lang="en-US" sz="1400" b="0" dirty="0">
+                <a:solidFill>
+                  <a:srgbClr val="7A3E9D"/>
+                </a:solidFill>
+                <a:effectLst/>
+                <a:latin typeface="Consolas" panose="020B0609020204030204" pitchFamily="49" charset="0"/>
+              </a:rPr>
+              <a:t>dims</a:t>
+            </a:r>
+            <a:r>
+              <a:rPr lang="en-US" sz="1400" b="0" dirty="0">
+                <a:solidFill>
+                  <a:srgbClr val="777777"/>
+                </a:solidFill>
+                <a:effectLst/>
+                <a:latin typeface="Consolas" panose="020B0609020204030204" pitchFamily="49" charset="0"/>
+              </a:rPr>
+              <a:t>="</a:t>
+            </a:r>
+            <a:r>
+              <a:rPr lang="en-US" sz="1400" b="0" dirty="0" err="1">
+                <a:solidFill>
+                  <a:srgbClr val="448C27"/>
+                </a:solidFill>
+                <a:effectLst/>
+                <a:latin typeface="Consolas" panose="020B0609020204030204" pitchFamily="49" charset="0"/>
+              </a:rPr>
+              <a:t>plot_id</a:t>
+            </a:r>
+            <a:r>
+              <a:rPr lang="en-US" sz="1400" b="0" dirty="0">
+                <a:solidFill>
+                  <a:srgbClr val="777777"/>
+                </a:solidFill>
+                <a:effectLst/>
+                <a:latin typeface="Consolas" panose="020B0609020204030204" pitchFamily="49" charset="0"/>
+              </a:rPr>
+              <a:t>"</a:t>
+            </a:r>
+            <a:endParaRPr lang="en-US" sz="1400" b="0" dirty="0">
+              <a:solidFill>
+                <a:srgbClr val="333333"/>
+              </a:solidFill>
+              <a:effectLst/>
+              <a:latin typeface="Consolas" panose="020B0609020204030204" pitchFamily="49" charset="0"/>
+            </a:endParaRPr>
+          </a:p>
+          <a:p>
+            <a:pPr>
+              <a:buNone/>
+            </a:pPr>
+            <a:r>
+              <a:rPr lang="en-US" sz="1400" b="0" dirty="0">
+                <a:solidFill>
+                  <a:srgbClr val="777777"/>
+                </a:solidFill>
+                <a:effectLst/>
+                <a:latin typeface="Consolas" panose="020B0609020204030204" pitchFamily="49" charset="0"/>
+              </a:rPr>
+              <a:t>)</a:t>
+            </a:r>
+            <a:endParaRPr lang="en-US" sz="1400" b="0" dirty="0">
+              <a:solidFill>
+                <a:srgbClr val="333333"/>
+              </a:solidFill>
+              <a:effectLst/>
+              <a:latin typeface="Consolas" panose="020B0609020204030204" pitchFamily="49" charset="0"/>
+            </a:endParaRPr>
+          </a:p>
+          <a:p>
+            <a:pPr>
+              <a:buNone/>
+            </a:pPr>
+            <a:r>
+              <a:rPr lang="en-US" sz="1400" b="0" dirty="0" err="1">
+                <a:solidFill>
+                  <a:srgbClr val="7A3E9D"/>
+                </a:solidFill>
+                <a:effectLst/>
+                <a:latin typeface="Consolas" panose="020B0609020204030204" pitchFamily="49" charset="0"/>
+              </a:rPr>
+              <a:t>mean_line</a:t>
+            </a:r>
+            <a:r>
+              <a:rPr lang="en-US" sz="1400" b="0" dirty="0">
+                <a:solidFill>
+                  <a:srgbClr val="333333"/>
+                </a:solidFill>
+                <a:effectLst/>
+                <a:latin typeface="Consolas" panose="020B0609020204030204" pitchFamily="49" charset="0"/>
+              </a:rPr>
+              <a:t> </a:t>
+            </a:r>
+            <a:r>
+              <a:rPr lang="en-US" sz="1400" b="0" dirty="0">
+                <a:solidFill>
+                  <a:srgbClr val="777777"/>
+                </a:solidFill>
+                <a:effectLst/>
+                <a:latin typeface="Consolas" panose="020B0609020204030204" pitchFamily="49" charset="0"/>
+              </a:rPr>
+              <a:t>=</a:t>
+            </a:r>
+            <a:r>
+              <a:rPr lang="en-US" sz="1400" b="0" dirty="0">
+                <a:solidFill>
+                  <a:srgbClr val="333333"/>
+                </a:solidFill>
+                <a:effectLst/>
+                <a:latin typeface="Consolas" panose="020B0609020204030204" pitchFamily="49" charset="0"/>
+              </a:rPr>
+              <a:t> </a:t>
+            </a:r>
+            <a:r>
+              <a:rPr lang="en-US" sz="1400" b="0" dirty="0">
+                <a:solidFill>
+                  <a:srgbClr val="7A3E9D"/>
+                </a:solidFill>
+                <a:effectLst/>
+                <a:latin typeface="Consolas" panose="020B0609020204030204" pitchFamily="49" charset="0"/>
+              </a:rPr>
+              <a:t>posterior</a:t>
+            </a:r>
+            <a:r>
+              <a:rPr lang="en-US" sz="1400" b="0" dirty="0">
+                <a:solidFill>
+                  <a:srgbClr val="777777"/>
+                </a:solidFill>
+                <a:effectLst/>
+                <a:latin typeface="Consolas" panose="020B0609020204030204" pitchFamily="49" charset="0"/>
+              </a:rPr>
+              <a:t>["</a:t>
+            </a:r>
+            <a:r>
+              <a:rPr lang="el-GR" sz="1400" b="0" dirty="0">
+                <a:solidFill>
+                  <a:srgbClr val="448C27"/>
+                </a:solidFill>
+                <a:effectLst/>
+                <a:latin typeface="Consolas" panose="020B0609020204030204" pitchFamily="49" charset="0"/>
+              </a:rPr>
+              <a:t>β0</a:t>
+            </a:r>
+            <a:r>
+              <a:rPr lang="el-GR" sz="1400" b="0" dirty="0">
+                <a:solidFill>
+                  <a:srgbClr val="777777"/>
+                </a:solidFill>
+                <a:effectLst/>
+                <a:latin typeface="Consolas" panose="020B0609020204030204" pitchFamily="49" charset="0"/>
+              </a:rPr>
+              <a:t>"].</a:t>
+            </a:r>
+            <a:r>
+              <a:rPr lang="en-US" sz="1400" b="0" dirty="0">
+                <a:solidFill>
+                  <a:srgbClr val="333333"/>
+                </a:solidFill>
+                <a:effectLst/>
+                <a:latin typeface="Consolas" panose="020B0609020204030204" pitchFamily="49" charset="0"/>
+              </a:rPr>
+              <a:t>mean</a:t>
+            </a:r>
+            <a:r>
+              <a:rPr lang="en-US" sz="1400" b="0" dirty="0">
+                <a:solidFill>
+                  <a:srgbClr val="777777"/>
+                </a:solidFill>
+                <a:effectLst/>
+                <a:latin typeface="Consolas" panose="020B0609020204030204" pitchFamily="49" charset="0"/>
+              </a:rPr>
+              <a:t>()</a:t>
+            </a:r>
+            <a:r>
+              <a:rPr lang="en-US" sz="1400" b="0" dirty="0">
+                <a:solidFill>
+                  <a:srgbClr val="333333"/>
+                </a:solidFill>
+                <a:effectLst/>
+                <a:latin typeface="Consolas" panose="020B0609020204030204" pitchFamily="49" charset="0"/>
+              </a:rPr>
+              <a:t> </a:t>
+            </a:r>
+            <a:r>
+              <a:rPr lang="en-US" sz="1400" b="0" dirty="0">
+                <a:solidFill>
+                  <a:srgbClr val="777777"/>
+                </a:solidFill>
+                <a:effectLst/>
+                <a:latin typeface="Consolas" panose="020B0609020204030204" pitchFamily="49" charset="0"/>
+              </a:rPr>
+              <a:t>+</a:t>
+            </a:r>
+            <a:r>
+              <a:rPr lang="en-US" sz="1400" b="0" dirty="0">
+                <a:solidFill>
+                  <a:srgbClr val="333333"/>
+                </a:solidFill>
+                <a:effectLst/>
+                <a:latin typeface="Consolas" panose="020B0609020204030204" pitchFamily="49" charset="0"/>
+              </a:rPr>
+              <a:t> </a:t>
+            </a:r>
+            <a:r>
+              <a:rPr lang="en-US" sz="1400" b="0" dirty="0">
+                <a:solidFill>
+                  <a:srgbClr val="7A3E9D"/>
+                </a:solidFill>
+                <a:effectLst/>
+                <a:latin typeface="Consolas" panose="020B0609020204030204" pitchFamily="49" charset="0"/>
+              </a:rPr>
+              <a:t>posterior</a:t>
+            </a:r>
+            <a:r>
+              <a:rPr lang="en-US" sz="1400" b="0" dirty="0">
+                <a:solidFill>
+                  <a:srgbClr val="777777"/>
+                </a:solidFill>
+                <a:effectLst/>
+                <a:latin typeface="Consolas" panose="020B0609020204030204" pitchFamily="49" charset="0"/>
+              </a:rPr>
+              <a:t>["</a:t>
+            </a:r>
+            <a:r>
+              <a:rPr lang="el-GR" sz="1400" b="0" dirty="0">
+                <a:solidFill>
+                  <a:srgbClr val="448C27"/>
+                </a:solidFill>
+                <a:effectLst/>
+                <a:latin typeface="Consolas" panose="020B0609020204030204" pitchFamily="49" charset="0"/>
+              </a:rPr>
+              <a:t>β1</a:t>
+            </a:r>
+            <a:r>
+              <a:rPr lang="el-GR" sz="1400" b="0" dirty="0">
+                <a:solidFill>
+                  <a:srgbClr val="777777"/>
+                </a:solidFill>
+                <a:effectLst/>
+                <a:latin typeface="Consolas" panose="020B0609020204030204" pitchFamily="49" charset="0"/>
+              </a:rPr>
+              <a:t>"].</a:t>
+            </a:r>
+            <a:r>
+              <a:rPr lang="en-US" sz="1400" b="0" dirty="0">
+                <a:solidFill>
+                  <a:srgbClr val="333333"/>
+                </a:solidFill>
+                <a:effectLst/>
+                <a:latin typeface="Consolas" panose="020B0609020204030204" pitchFamily="49" charset="0"/>
+              </a:rPr>
+              <a:t>mean</a:t>
+            </a:r>
+            <a:r>
+              <a:rPr lang="en-US" sz="1400" b="0" dirty="0">
+                <a:solidFill>
+                  <a:srgbClr val="777777"/>
+                </a:solidFill>
+                <a:effectLst/>
+                <a:latin typeface="Consolas" panose="020B0609020204030204" pitchFamily="49" charset="0"/>
+              </a:rPr>
+              <a:t>()</a:t>
+            </a:r>
+            <a:r>
+              <a:rPr lang="en-US" sz="1400" b="0" dirty="0">
+                <a:solidFill>
+                  <a:srgbClr val="333333"/>
+                </a:solidFill>
+                <a:effectLst/>
+                <a:latin typeface="Consolas" panose="020B0609020204030204" pitchFamily="49" charset="0"/>
+              </a:rPr>
+              <a:t> </a:t>
+            </a:r>
+            <a:r>
+              <a:rPr lang="en-US" sz="1400" b="1" dirty="0">
+                <a:solidFill>
+                  <a:srgbClr val="AA3731"/>
+                </a:solidFill>
+                <a:effectLst/>
+                <a:latin typeface="Consolas" panose="020B0609020204030204" pitchFamily="49" charset="0"/>
+              </a:rPr>
+              <a:t>*</a:t>
+            </a:r>
+            <a:r>
+              <a:rPr lang="en-US" sz="1400" b="0" dirty="0">
+                <a:solidFill>
+                  <a:srgbClr val="333333"/>
+                </a:solidFill>
+                <a:effectLst/>
+                <a:latin typeface="Consolas" panose="020B0609020204030204" pitchFamily="49" charset="0"/>
+              </a:rPr>
+              <a:t> </a:t>
+            </a:r>
+            <a:r>
+              <a:rPr lang="en-US" sz="1400" b="0" dirty="0" err="1">
+                <a:solidFill>
+                  <a:srgbClr val="7A3E9D"/>
+                </a:solidFill>
+                <a:effectLst/>
+                <a:latin typeface="Consolas" panose="020B0609020204030204" pitchFamily="49" charset="0"/>
+              </a:rPr>
+              <a:t>x_plot</a:t>
+            </a:r>
+            <a:endParaRPr lang="en-US" sz="1400" b="0" dirty="0">
+              <a:solidFill>
+                <a:srgbClr val="333333"/>
+              </a:solidFill>
+              <a:effectLst/>
+              <a:latin typeface="Consolas" panose="020B0609020204030204" pitchFamily="49" charset="0"/>
+            </a:endParaRPr>
+          </a:p>
+          <a:p>
+            <a:r>
+              <a:rPr lang="en-US" sz="1400" b="0" dirty="0">
+                <a:solidFill>
+                  <a:srgbClr val="7A3E9D"/>
+                </a:solidFill>
+                <a:effectLst/>
+                <a:latin typeface="Consolas" panose="020B0609020204030204" pitchFamily="49" charset="0"/>
+              </a:rPr>
+              <a:t>lines</a:t>
+            </a:r>
+            <a:r>
+              <a:rPr lang="en-US" sz="1400" b="0" dirty="0">
+                <a:solidFill>
+                  <a:srgbClr val="333333"/>
+                </a:solidFill>
+                <a:effectLst/>
+                <a:latin typeface="Consolas" panose="020B0609020204030204" pitchFamily="49" charset="0"/>
+              </a:rPr>
+              <a:t> </a:t>
+            </a:r>
+            <a:r>
+              <a:rPr lang="en-US" sz="1400" b="0" dirty="0">
+                <a:solidFill>
+                  <a:srgbClr val="777777"/>
+                </a:solidFill>
+                <a:effectLst/>
+                <a:latin typeface="Consolas" panose="020B0609020204030204" pitchFamily="49" charset="0"/>
+              </a:rPr>
+              <a:t>=</a:t>
+            </a:r>
+            <a:r>
+              <a:rPr lang="en-US" sz="1400" b="0" dirty="0">
+                <a:solidFill>
+                  <a:srgbClr val="333333"/>
+                </a:solidFill>
+                <a:effectLst/>
+                <a:latin typeface="Consolas" panose="020B0609020204030204" pitchFamily="49" charset="0"/>
+              </a:rPr>
+              <a:t> </a:t>
+            </a:r>
+            <a:r>
+              <a:rPr lang="en-US" sz="1400" b="0" dirty="0">
+                <a:solidFill>
+                  <a:srgbClr val="7A3E9D"/>
+                </a:solidFill>
+                <a:effectLst/>
+                <a:latin typeface="Consolas" panose="020B0609020204030204" pitchFamily="49" charset="0"/>
+              </a:rPr>
+              <a:t>posterior</a:t>
+            </a:r>
+            <a:r>
+              <a:rPr lang="en-US" sz="1400" b="0" dirty="0">
+                <a:solidFill>
+                  <a:srgbClr val="777777"/>
+                </a:solidFill>
+                <a:effectLst/>
+                <a:latin typeface="Consolas" panose="020B0609020204030204" pitchFamily="49" charset="0"/>
+              </a:rPr>
+              <a:t>["</a:t>
+            </a:r>
+            <a:r>
+              <a:rPr lang="el-GR" sz="1400" b="0" dirty="0">
+                <a:solidFill>
+                  <a:srgbClr val="448C27"/>
+                </a:solidFill>
+                <a:effectLst/>
+                <a:latin typeface="Consolas" panose="020B0609020204030204" pitchFamily="49" charset="0"/>
+              </a:rPr>
+              <a:t>β0</a:t>
+            </a:r>
+            <a:r>
+              <a:rPr lang="el-GR" sz="1400" b="0" dirty="0">
+                <a:solidFill>
+                  <a:srgbClr val="777777"/>
+                </a:solidFill>
+                <a:effectLst/>
+                <a:latin typeface="Consolas" panose="020B0609020204030204" pitchFamily="49" charset="0"/>
+              </a:rPr>
+              <a:t>"]</a:t>
+            </a:r>
+            <a:r>
+              <a:rPr lang="el-GR" sz="1400" b="0" dirty="0">
+                <a:solidFill>
+                  <a:srgbClr val="333333"/>
+                </a:solidFill>
+                <a:effectLst/>
+                <a:latin typeface="Consolas" panose="020B0609020204030204" pitchFamily="49" charset="0"/>
+              </a:rPr>
+              <a:t> </a:t>
+            </a:r>
+            <a:r>
+              <a:rPr lang="el-GR" sz="1400" b="0" dirty="0">
+                <a:solidFill>
+                  <a:srgbClr val="777777"/>
+                </a:solidFill>
+                <a:effectLst/>
+                <a:latin typeface="Consolas" panose="020B0609020204030204" pitchFamily="49" charset="0"/>
+              </a:rPr>
+              <a:t>+</a:t>
+            </a:r>
+            <a:r>
+              <a:rPr lang="el-GR" sz="1400" b="0" dirty="0">
+                <a:solidFill>
+                  <a:srgbClr val="333333"/>
+                </a:solidFill>
+                <a:effectLst/>
+                <a:latin typeface="Consolas" panose="020B0609020204030204" pitchFamily="49" charset="0"/>
+              </a:rPr>
+              <a:t> </a:t>
+            </a:r>
+            <a:r>
+              <a:rPr lang="en-US" sz="1400" b="0" dirty="0">
+                <a:solidFill>
+                  <a:srgbClr val="7A3E9D"/>
+                </a:solidFill>
+                <a:effectLst/>
+                <a:latin typeface="Consolas" panose="020B0609020204030204" pitchFamily="49" charset="0"/>
+              </a:rPr>
+              <a:t>posterior</a:t>
+            </a:r>
+            <a:r>
+              <a:rPr lang="en-US" sz="1400" b="0" dirty="0">
+                <a:solidFill>
+                  <a:srgbClr val="777777"/>
+                </a:solidFill>
+                <a:effectLst/>
+                <a:latin typeface="Consolas" panose="020B0609020204030204" pitchFamily="49" charset="0"/>
+              </a:rPr>
+              <a:t>["</a:t>
+            </a:r>
+            <a:r>
+              <a:rPr lang="el-GR" sz="1400" b="0" dirty="0">
+                <a:solidFill>
+                  <a:srgbClr val="448C27"/>
+                </a:solidFill>
+                <a:effectLst/>
+                <a:latin typeface="Consolas" panose="020B0609020204030204" pitchFamily="49" charset="0"/>
+              </a:rPr>
+              <a:t>β1</a:t>
+            </a:r>
+            <a:r>
+              <a:rPr lang="el-GR" sz="1400" b="0" dirty="0">
+                <a:solidFill>
+                  <a:srgbClr val="777777"/>
+                </a:solidFill>
+                <a:effectLst/>
+                <a:latin typeface="Consolas" panose="020B0609020204030204" pitchFamily="49" charset="0"/>
+              </a:rPr>
+              <a:t>"]</a:t>
+            </a:r>
+            <a:r>
+              <a:rPr lang="el-GR" sz="1400" b="0" dirty="0">
+                <a:solidFill>
+                  <a:srgbClr val="333333"/>
+                </a:solidFill>
+                <a:effectLst/>
+                <a:latin typeface="Consolas" panose="020B0609020204030204" pitchFamily="49" charset="0"/>
+              </a:rPr>
+              <a:t> </a:t>
+            </a:r>
+            <a:r>
+              <a:rPr lang="el-GR" sz="1400" b="1" dirty="0">
+                <a:solidFill>
+                  <a:srgbClr val="AA3731"/>
+                </a:solidFill>
+                <a:effectLst/>
+                <a:latin typeface="Consolas" panose="020B0609020204030204" pitchFamily="49" charset="0"/>
+              </a:rPr>
+              <a:t>*</a:t>
+            </a:r>
+            <a:r>
+              <a:rPr lang="el-GR" sz="1400" b="0" dirty="0">
+                <a:solidFill>
+                  <a:srgbClr val="333333"/>
+                </a:solidFill>
+                <a:effectLst/>
+                <a:latin typeface="Consolas" panose="020B0609020204030204" pitchFamily="49" charset="0"/>
+              </a:rPr>
+              <a:t> </a:t>
+            </a:r>
+            <a:r>
+              <a:rPr lang="en-US" sz="1400" b="0" dirty="0" err="1">
+                <a:solidFill>
+                  <a:srgbClr val="7A3E9D"/>
+                </a:solidFill>
+                <a:effectLst/>
+                <a:latin typeface="Consolas" panose="020B0609020204030204" pitchFamily="49" charset="0"/>
+              </a:rPr>
+              <a:t>x_plot</a:t>
+            </a:r>
+            <a:endParaRPr lang="en-US" sz="1400" b="0" dirty="0">
+              <a:solidFill>
+                <a:srgbClr val="333333"/>
+              </a:solidFill>
+              <a:effectLst/>
+              <a:latin typeface="Consolas" panose="020B0609020204030204" pitchFamily="49" charset="0"/>
+            </a:endParaRPr>
+          </a:p>
+        </p:txBody>
+      </p:sp>
+      <p:sp>
+        <p:nvSpPr>
+          <p:cNvPr id="13" name="Rectangle 12">
+            <a:extLst>
+              <a:ext uri="{FF2B5EF4-FFF2-40B4-BE49-F238E27FC236}">
+                <a16:creationId xmlns:a16="http://schemas.microsoft.com/office/drawing/2014/main" id="{5776606B-3652-53A1-A732-AEF292E3ECAF}"/>
+              </a:ext>
+            </a:extLst>
+          </p:cNvPr>
+          <p:cNvSpPr/>
+          <p:nvPr/>
+        </p:nvSpPr>
+        <p:spPr>
+          <a:xfrm>
+            <a:off x="256010" y="3021139"/>
+            <a:ext cx="6793718" cy="302164"/>
+          </a:xfrm>
+          <a:prstGeom prst="rect">
+            <a:avLst/>
+          </a:prstGeom>
+          <a:noFill/>
+          <a:ln w="38100" cap="flat" cmpd="sng" algn="ctr">
+            <a:solidFill>
+              <a:srgbClr val="FF0000"/>
+            </a:solidFill>
+            <a:prstDash val="solid"/>
+            <a:round/>
+            <a:headEnd type="none" w="med" len="med"/>
+            <a:tailEnd type="none" w="med" len="med"/>
+          </a:ln>
+        </p:spPr>
+        <p:style>
+          <a:lnRef idx="0">
+            <a:scrgbClr r="0" g="0" b="0"/>
+          </a:lnRef>
+          <a:fillRef idx="0">
+            <a:scrgbClr r="0" g="0" b="0"/>
+          </a:fillRef>
+          <a:effectRef idx="0">
+            <a:scrgbClr r="0" g="0" b="0"/>
+          </a:effectRef>
+          <a:fontRef idx="minor">
+            <a:schemeClr val="accent2"/>
+          </a:fontRef>
+        </p:style>
+        <p:txBody>
+          <a:bodyPr rtlCol="1" anchor="ctr"/>
+          <a:lstStyle/>
+          <a:p>
+            <a:pPr algn="ctr"/>
+            <a:endParaRPr lang="he-IL"/>
+          </a:p>
+        </p:txBody>
+      </p:sp>
+      <p:sp>
+        <p:nvSpPr>
+          <p:cNvPr id="5" name="Rectangle 4">
+            <a:extLst>
+              <a:ext uri="{FF2B5EF4-FFF2-40B4-BE49-F238E27FC236}">
+                <a16:creationId xmlns:a16="http://schemas.microsoft.com/office/drawing/2014/main" id="{C5EC077B-817C-C312-49F4-614EBCD2F146}"/>
+              </a:ext>
+            </a:extLst>
+          </p:cNvPr>
+          <p:cNvSpPr/>
+          <p:nvPr/>
+        </p:nvSpPr>
+        <p:spPr>
+          <a:xfrm>
+            <a:off x="256011" y="3323303"/>
+            <a:ext cx="6793718" cy="1061884"/>
+          </a:xfrm>
+          <a:prstGeom prst="rect">
+            <a:avLst/>
+          </a:prstGeom>
+          <a:noFill/>
+          <a:ln w="38100" cap="flat" cmpd="sng" algn="ctr">
+            <a:solidFill>
+              <a:srgbClr val="FF0000"/>
+            </a:solidFill>
+            <a:prstDash val="solid"/>
+            <a:round/>
+            <a:headEnd type="none" w="med" len="med"/>
+            <a:tailEnd type="none" w="med" len="med"/>
+          </a:ln>
+        </p:spPr>
+        <p:style>
+          <a:lnRef idx="0">
+            <a:scrgbClr r="0" g="0" b="0"/>
+          </a:lnRef>
+          <a:fillRef idx="0">
+            <a:scrgbClr r="0" g="0" b="0"/>
+          </a:fillRef>
+          <a:effectRef idx="0">
+            <a:scrgbClr r="0" g="0" b="0"/>
+          </a:effectRef>
+          <a:fontRef idx="minor">
+            <a:schemeClr val="accent2"/>
+          </a:fontRef>
+        </p:style>
+        <p:txBody>
+          <a:bodyPr rtlCol="1" anchor="ctr"/>
+          <a:lstStyle/>
+          <a:p>
+            <a:pPr algn="ctr"/>
+            <a:endParaRPr lang="he-IL"/>
+          </a:p>
+        </p:txBody>
+      </p:sp>
+      <p:sp>
+        <p:nvSpPr>
+          <p:cNvPr id="6" name="Rectangle 5">
+            <a:extLst>
+              <a:ext uri="{FF2B5EF4-FFF2-40B4-BE49-F238E27FC236}">
+                <a16:creationId xmlns:a16="http://schemas.microsoft.com/office/drawing/2014/main" id="{AE19DB13-5942-98F8-A7CE-36CB450F7079}"/>
+              </a:ext>
+            </a:extLst>
+          </p:cNvPr>
+          <p:cNvSpPr/>
+          <p:nvPr/>
+        </p:nvSpPr>
+        <p:spPr>
+          <a:xfrm>
+            <a:off x="256010" y="4385187"/>
+            <a:ext cx="6793718" cy="521110"/>
+          </a:xfrm>
+          <a:prstGeom prst="rect">
+            <a:avLst/>
+          </a:prstGeom>
+          <a:noFill/>
+          <a:ln w="38100" cap="flat" cmpd="sng" algn="ctr">
+            <a:solidFill>
+              <a:srgbClr val="FF0000"/>
+            </a:solidFill>
+            <a:prstDash val="solid"/>
+            <a:round/>
+            <a:headEnd type="none" w="med" len="med"/>
+            <a:tailEnd type="none" w="med" len="med"/>
+          </a:ln>
+        </p:spPr>
+        <p:style>
+          <a:lnRef idx="0">
+            <a:scrgbClr r="0" g="0" b="0"/>
+          </a:lnRef>
+          <a:fillRef idx="0">
+            <a:scrgbClr r="0" g="0" b="0"/>
+          </a:fillRef>
+          <a:effectRef idx="0">
+            <a:scrgbClr r="0" g="0" b="0"/>
+          </a:effectRef>
+          <a:fontRef idx="minor">
+            <a:schemeClr val="accent2"/>
+          </a:fontRef>
+        </p:style>
+        <p:txBody>
+          <a:bodyPr rtlCol="1" anchor="ctr"/>
+          <a:lstStyle/>
+          <a:p>
+            <a:pPr algn="ctr"/>
+            <a:endParaRPr lang="he-IL"/>
+          </a:p>
+        </p:txBody>
+      </p:sp>
+      <p:sp>
+        <p:nvSpPr>
+          <p:cNvPr id="7" name="TextBox 6">
+            <a:extLst>
+              <a:ext uri="{FF2B5EF4-FFF2-40B4-BE49-F238E27FC236}">
+                <a16:creationId xmlns:a16="http://schemas.microsoft.com/office/drawing/2014/main" id="{B301F73D-B519-F828-8DD4-84C2E4CB763B}"/>
+              </a:ext>
+            </a:extLst>
+          </p:cNvPr>
+          <p:cNvSpPr txBox="1"/>
+          <p:nvPr/>
+        </p:nvSpPr>
+        <p:spPr>
+          <a:xfrm>
+            <a:off x="2703871" y="5496232"/>
+            <a:ext cx="5417574" cy="923330"/>
+          </a:xfrm>
+          <a:prstGeom prst="rect">
+            <a:avLst/>
+          </a:prstGeom>
+          <a:noFill/>
+        </p:spPr>
+        <p:txBody>
+          <a:bodyPr wrap="square" rtlCol="1">
+            <a:spAutoFit/>
+          </a:bodyPr>
+          <a:lstStyle/>
+          <a:p>
+            <a:r>
+              <a:rPr lang="en-US" dirty="0"/>
+              <a:t>Get 50 samples</a:t>
+            </a:r>
+          </a:p>
+          <a:p>
+            <a:r>
+              <a:rPr lang="en-US" dirty="0"/>
+              <a:t>Create x values with the right dimensions</a:t>
+            </a:r>
+          </a:p>
+          <a:p>
+            <a:r>
+              <a:rPr lang="en-US" dirty="0"/>
+              <a:t>Create the lines</a:t>
+            </a:r>
+            <a:endParaRPr lang="he-IL" dirty="0"/>
+          </a:p>
+        </p:txBody>
+      </p:sp>
+    </p:spTree>
+    <p:extLst>
+      <p:ext uri="{BB962C8B-B14F-4D97-AF65-F5344CB8AC3E}">
+        <p14:creationId xmlns:p14="http://schemas.microsoft.com/office/powerpoint/2010/main" val="998867080"/>
+      </p:ext>
+    </p:extLst>
+  </p:cSld>
+  <p:clrMapOvr>
+    <a:masterClrMapping/>
+  </p:clrMapOvr>
+  <p:timing>
+    <p:tnLst>
+      <p:par>
+        <p:cTn id="1" dur="indefinite" restart="never" nodeType="tmRoot">
+          <p:childTnLst>
+            <p:seq concurrent="1" nextAc="seek">
+              <p:cTn id="2" dur="indefinite" nodeType="mainSeq">
+                <p:childTnLst>
+                  <p:par>
+                    <p:cTn id="3" fill="hold">
+                      <p:stCondLst>
+                        <p:cond delay="indefinite"/>
+                      </p:stCondLst>
+                      <p:childTnLst>
+                        <p:par>
+                          <p:cTn id="4" fill="hold">
+                            <p:stCondLst>
+                              <p:cond delay="0"/>
+                            </p:stCondLst>
+                            <p:childTnLst>
+                              <p:par>
+                                <p:cTn id="5" presetID="1" presetClass="exit" presetSubtype="0" fill="hold" grpId="0" nodeType="clickEffect">
+                                  <p:stCondLst>
+                                    <p:cond delay="0"/>
+                                  </p:stCondLst>
+                                  <p:childTnLst>
+                                    <p:set>
+                                      <p:cBhvr>
+                                        <p:cTn id="6" dur="1" fill="hold">
+                                          <p:stCondLst>
+                                            <p:cond delay="0"/>
+                                          </p:stCondLst>
+                                        </p:cTn>
+                                        <p:tgtEl>
+                                          <p:spTgt spid="13"/>
+                                        </p:tgtEl>
+                                        <p:attrNameLst>
+                                          <p:attrName>style.visibility</p:attrName>
+                                        </p:attrNameLst>
+                                      </p:cBhvr>
+                                      <p:to>
+                                        <p:strVal val="hidden"/>
+                                      </p:to>
+                                    </p:set>
+                                  </p:childTnLst>
+                                </p:cTn>
+                              </p:par>
+                              <p:par>
+                                <p:cTn id="7" presetID="1" presetClass="entr" presetSubtype="0" fill="hold" grpId="1" nodeType="withEffect">
+                                  <p:stCondLst>
+                                    <p:cond delay="0"/>
+                                  </p:stCondLst>
+                                  <p:childTnLst>
+                                    <p:set>
+                                      <p:cBhvr>
+                                        <p:cTn id="8" dur="1" fill="hold">
+                                          <p:stCondLst>
+                                            <p:cond delay="0"/>
+                                          </p:stCondLst>
+                                        </p:cTn>
+                                        <p:tgtEl>
+                                          <p:spTgt spid="5"/>
+                                        </p:tgtEl>
+                                        <p:attrNameLst>
+                                          <p:attrName>style.visibility</p:attrName>
+                                        </p:attrNameLst>
+                                      </p:cBhvr>
+                                      <p:to>
+                                        <p:strVal val="visible"/>
+                                      </p:to>
+                                    </p:set>
+                                  </p:childTnLst>
+                                </p:cTn>
+                              </p:par>
+                              <p:par>
+                                <p:cTn id="9" presetID="1" presetClass="entr" presetSubtype="0" fill="hold" nodeType="withEffect">
+                                  <p:stCondLst>
+                                    <p:cond delay="0"/>
+                                  </p:stCondLst>
+                                  <p:childTnLst>
+                                    <p:set>
+                                      <p:cBhvr>
+                                        <p:cTn id="10" dur="1" fill="hold">
+                                          <p:stCondLst>
+                                            <p:cond delay="0"/>
+                                          </p:stCondLst>
+                                        </p:cTn>
+                                        <p:tgtEl>
+                                          <p:spTgt spid="7">
+                                            <p:txEl>
+                                              <p:pRg st="1" end="1"/>
+                                            </p:txEl>
+                                          </p:spTgt>
+                                        </p:tgtEl>
+                                        <p:attrNameLst>
+                                          <p:attrName>style.visibility</p:attrName>
+                                        </p:attrNameLst>
+                                      </p:cBhvr>
+                                      <p:to>
+                                        <p:strVal val="visible"/>
+                                      </p:to>
+                                    </p:set>
+                                  </p:childTnLst>
+                                </p:cTn>
+                              </p:par>
+                            </p:childTnLst>
+                          </p:cTn>
+                        </p:par>
+                      </p:childTnLst>
+                    </p:cTn>
+                  </p:par>
+                  <p:par>
+                    <p:cTn id="11" fill="hold">
+                      <p:stCondLst>
+                        <p:cond delay="indefinite"/>
+                      </p:stCondLst>
+                      <p:childTnLst>
+                        <p:par>
+                          <p:cTn id="12" fill="hold">
+                            <p:stCondLst>
+                              <p:cond delay="0"/>
+                            </p:stCondLst>
+                            <p:childTnLst>
+                              <p:par>
+                                <p:cTn id="13" presetID="1" presetClass="exit" presetSubtype="0" fill="hold" grpId="0" nodeType="clickEffect">
+                                  <p:stCondLst>
+                                    <p:cond delay="0"/>
+                                  </p:stCondLst>
+                                  <p:childTnLst>
+                                    <p:set>
+                                      <p:cBhvr>
+                                        <p:cTn id="14" dur="1" fill="hold">
+                                          <p:stCondLst>
+                                            <p:cond delay="0"/>
+                                          </p:stCondLst>
+                                        </p:cTn>
+                                        <p:tgtEl>
+                                          <p:spTgt spid="5"/>
+                                        </p:tgtEl>
+                                        <p:attrNameLst>
+                                          <p:attrName>style.visibility</p:attrName>
+                                        </p:attrNameLst>
+                                      </p:cBhvr>
+                                      <p:to>
+                                        <p:strVal val="hidden"/>
+                                      </p:to>
+                                    </p:set>
+                                  </p:childTnLst>
+                                </p:cTn>
+                              </p:par>
+                              <p:par>
+                                <p:cTn id="15" presetID="1" presetClass="entr" presetSubtype="0" fill="hold" grpId="1" nodeType="withEffect">
+                                  <p:stCondLst>
+                                    <p:cond delay="0"/>
+                                  </p:stCondLst>
+                                  <p:childTnLst>
+                                    <p:set>
+                                      <p:cBhvr>
+                                        <p:cTn id="16" dur="1" fill="hold">
+                                          <p:stCondLst>
+                                            <p:cond delay="0"/>
+                                          </p:stCondLst>
+                                        </p:cTn>
+                                        <p:tgtEl>
+                                          <p:spTgt spid="6"/>
+                                        </p:tgtEl>
+                                        <p:attrNameLst>
+                                          <p:attrName>style.visibility</p:attrName>
+                                        </p:attrNameLst>
+                                      </p:cBhvr>
+                                      <p:to>
+                                        <p:strVal val="visible"/>
+                                      </p:to>
+                                    </p:set>
+                                  </p:childTnLst>
+                                </p:cTn>
+                              </p:par>
+                              <p:par>
+                                <p:cTn id="17" presetID="1" presetClass="entr" presetSubtype="0" fill="hold" nodeType="withEffect">
+                                  <p:stCondLst>
+                                    <p:cond delay="0"/>
+                                  </p:stCondLst>
+                                  <p:childTnLst>
+                                    <p:set>
+                                      <p:cBhvr>
+                                        <p:cTn id="18" dur="1" fill="hold">
+                                          <p:stCondLst>
+                                            <p:cond delay="0"/>
+                                          </p:stCondLst>
+                                        </p:cTn>
+                                        <p:tgtEl>
+                                          <p:spTgt spid="7">
+                                            <p:txEl>
+                                              <p:pRg st="2" end="2"/>
+                                            </p:txEl>
+                                          </p:spTgt>
+                                        </p:tgtEl>
+                                        <p:attrNameLst>
+                                          <p:attrName>style.visibility</p:attrName>
+                                        </p:attrNameLst>
+                                      </p:cBhvr>
+                                      <p:to>
+                                        <p:strVal val="visible"/>
+                                      </p:to>
+                                    </p:set>
+                                  </p:childTnLst>
+                                </p:cTn>
+                              </p:par>
+                            </p:childTnLst>
+                          </p:cTn>
+                        </p:par>
+                      </p:childTnLst>
+                    </p:cTn>
+                  </p:par>
+                </p:childTnLst>
+              </p:cTn>
+              <p:prevCondLst>
+                <p:cond evt="onPrev" delay="0">
+                  <p:tgtEl>
+                    <p:sldTgt/>
+                  </p:tgtEl>
+                </p:cond>
+              </p:prevCondLst>
+              <p:nextCondLst>
+                <p:cond evt="onNext" delay="0">
+                  <p:tgtEl>
+                    <p:sldTgt/>
+                  </p:tgtEl>
+                </p:cond>
+              </p:nextCondLst>
+            </p:seq>
+          </p:childTnLst>
+        </p:cTn>
+      </p:par>
+    </p:tnLst>
+    <p:bldLst>
+      <p:bldP spid="13" grpId="0" animBg="1"/>
+      <p:bldP spid="5" grpId="0" animBg="1"/>
+      <p:bldP spid="5" grpId="1" animBg="1"/>
+      <p:bldP spid="6" grpId="1" animBg="1"/>
+    </p:bldLst>
+  </p:timing>
+</p:sld>
+</file>
+
+<file path=ppt/slides/slide17.xml><?xml version="1.0" encoding="utf-8"?>
+<p:sld xmlns:a="http://schemas.openxmlformats.org/drawingml/2006/main" xmlns:r="http://schemas.openxmlformats.org/officeDocument/2006/relationships" xmlns:p="http://schemas.openxmlformats.org/presentationml/2006/main">
+  <p:cSld>
+    <p:spTree>
+      <p:nvGrpSpPr>
+        <p:cNvPr id="1" name="">
+          <a:extLst>
+            <a:ext uri="{FF2B5EF4-FFF2-40B4-BE49-F238E27FC236}">
+              <a16:creationId xmlns:a16="http://schemas.microsoft.com/office/drawing/2014/main" id="{3DD72780-B1AB-0A32-76CF-962BB22F776F}"/>
+            </a:ext>
+          </a:extLst>
+        </p:cNvPr>
+        <p:cNvGrpSpPr/>
+        <p:nvPr/>
+      </p:nvGrpSpPr>
+      <p:grpSpPr>
+        <a:xfrm>
+          <a:off x="0" y="0"/>
+          <a:ext cx="0" cy="0"/>
+          <a:chOff x="0" y="0"/>
+          <a:chExt cx="0" cy="0"/>
+        </a:xfrm>
+      </p:grpSpPr>
+      <p:sp>
+        <p:nvSpPr>
+          <p:cNvPr id="2" name="Title 1">
+            <a:extLst>
+              <a:ext uri="{FF2B5EF4-FFF2-40B4-BE49-F238E27FC236}">
+                <a16:creationId xmlns:a16="http://schemas.microsoft.com/office/drawing/2014/main" id="{9727AF50-4731-5D2A-2F00-ECCA99556167}"/>
+              </a:ext>
+            </a:extLst>
+          </p:cNvPr>
+          <p:cNvSpPr>
+            <a:spLocks noGrp="1"/>
+          </p:cNvSpPr>
+          <p:nvPr>
+            <p:ph type="title"/>
+          </p:nvPr>
+        </p:nvSpPr>
+        <p:spPr>
+          <a:xfrm>
+            <a:off x="838200" y="365125"/>
+            <a:ext cx="10515600" cy="779923"/>
+          </a:xfrm>
+        </p:spPr>
+        <p:txBody>
+          <a:bodyPr/>
+          <a:lstStyle/>
+          <a:p>
+            <a:r>
+              <a:rPr lang="en-US" dirty="0"/>
+              <a:t>Showing the uncertainty</a:t>
+            </a:r>
+            <a:endParaRPr lang="he-IL" dirty="0"/>
+          </a:p>
+        </p:txBody>
+      </p:sp>
+      <mc:AlternateContent xmlns:mc="http://schemas.openxmlformats.org/markup-compatibility/2006" xmlns:a14="http://schemas.microsoft.com/office/drawing/2010/main">
+        <mc:Choice Requires="a14">
+          <p:sp>
+            <p:nvSpPr>
+              <p:cNvPr id="3" name="Content Placeholder 2">
+                <a:extLst>
+                  <a:ext uri="{FF2B5EF4-FFF2-40B4-BE49-F238E27FC236}">
+                    <a16:creationId xmlns:a16="http://schemas.microsoft.com/office/drawing/2014/main" id="{10E25D01-0DA4-69DF-5955-AF157146877C}"/>
+                  </a:ext>
+                </a:extLst>
+              </p:cNvPr>
+              <p:cNvSpPr>
+                <a:spLocks noGrp="1"/>
+              </p:cNvSpPr>
+              <p:nvPr>
+                <p:ph idx="1"/>
+              </p:nvPr>
+            </p:nvSpPr>
+            <p:spPr>
+              <a:xfrm>
+                <a:off x="655484" y="1219218"/>
+                <a:ext cx="10515600" cy="1337026"/>
+              </a:xfrm>
+            </p:spPr>
+            <p:txBody>
+              <a:bodyPr>
+                <a:normAutofit fontScale="85000" lnSpcReduction="20000"/>
+              </a:bodyPr>
+              <a:lstStyle/>
+              <a:p>
+                <a:r>
+                  <a:rPr lang="en-US" dirty="0"/>
+                  <a:t>Using multiple samples from the posterior</a:t>
+                </a:r>
+              </a:p>
+              <a:p>
+                <a:r>
+                  <a:rPr lang="en-US" dirty="0"/>
+                  <a:t>Using an HDI patch</a:t>
+                </a:r>
+              </a:p>
+              <a:p>
+                <a:pPr lvl="1"/>
+                <a:r>
+                  <a:rPr lang="en-US" dirty="0"/>
+                  <a:t>We can calculate the HDI of </a:t>
+                </a:r>
+                <a14:m>
+                  <m:oMath xmlns:m="http://schemas.openxmlformats.org/officeDocument/2006/math">
+                    <m:r>
+                      <a:rPr lang="en-US" b="0" i="1" smtClean="0">
+                        <a:latin typeface="Cambria Math" panose="02040503050406030204" pitchFamily="18" charset="0"/>
+                      </a:rPr>
+                      <m:t>𝜇</m:t>
+                    </m:r>
+                  </m:oMath>
+                </a14:m>
+                <a:r>
+                  <a:rPr lang="en-US" dirty="0"/>
+                  <a:t> for any </a:t>
+                </a:r>
+                <a14:m>
+                  <m:oMath xmlns:m="http://schemas.openxmlformats.org/officeDocument/2006/math">
+                    <m:r>
+                      <a:rPr lang="en-US" b="0" i="1" smtClean="0">
+                        <a:latin typeface="Cambria Math" panose="02040503050406030204" pitchFamily="18" charset="0"/>
+                      </a:rPr>
+                      <m:t>𝑥</m:t>
+                    </m:r>
+                  </m:oMath>
+                </a14:m>
+                <a:endParaRPr lang="en-US" dirty="0"/>
+              </a:p>
+              <a:p>
+                <a:pPr lvl="1"/>
+                <a:r>
+                  <a:rPr lang="en-US" dirty="0"/>
+                  <a:t>But if we sampled </a:t>
+                </a:r>
+                <a14:m>
+                  <m:oMath xmlns:m="http://schemas.openxmlformats.org/officeDocument/2006/math">
+                    <m:r>
+                      <a:rPr lang="en-US" b="0" i="1" smtClean="0">
+                        <a:latin typeface="Cambria Math" panose="02040503050406030204" pitchFamily="18" charset="0"/>
+                      </a:rPr>
+                      <m:t>𝜇</m:t>
+                    </m:r>
+                  </m:oMath>
+                </a14:m>
+                <a:r>
+                  <a:rPr lang="en-US" dirty="0"/>
+                  <a:t> we can just use it</a:t>
+                </a:r>
+              </a:p>
+              <a:p>
+                <a:endParaRPr lang="he-IL" dirty="0"/>
+              </a:p>
+            </p:txBody>
+          </p:sp>
+        </mc:Choice>
+        <mc:Fallback xmlns="">
+          <p:sp>
+            <p:nvSpPr>
+              <p:cNvPr id="3" name="Content Placeholder 2">
+                <a:extLst>
+                  <a:ext uri="{FF2B5EF4-FFF2-40B4-BE49-F238E27FC236}">
+                    <a16:creationId xmlns:a16="http://schemas.microsoft.com/office/drawing/2014/main" id="{10E25D01-0DA4-69DF-5955-AF157146877C}"/>
+                  </a:ext>
+                </a:extLst>
+              </p:cNvPr>
+              <p:cNvSpPr>
+                <a:spLocks noGrp="1" noRot="1" noChangeAspect="1" noMove="1" noResize="1" noEditPoints="1" noAdjustHandles="1" noChangeArrowheads="1" noChangeShapeType="1" noTextEdit="1"/>
+              </p:cNvSpPr>
+              <p:nvPr>
+                <p:ph idx="1"/>
+              </p:nvPr>
+            </p:nvSpPr>
+            <p:spPr>
+              <a:xfrm>
+                <a:off x="655484" y="1219218"/>
+                <a:ext cx="10515600" cy="1337026"/>
+              </a:xfrm>
+              <a:blipFill>
+                <a:blip r:embed="rId2"/>
+                <a:stretch>
+                  <a:fillRect l="-812" t="-10502" b="-5479"/>
+                </a:stretch>
+              </a:blipFill>
+            </p:spPr>
+            <p:txBody>
+              <a:bodyPr/>
+              <a:lstStyle/>
+              <a:p>
+                <a:r>
+                  <a:rPr lang="he-IL">
+                    <a:noFill/>
+                  </a:rPr>
+                  <a:t> </a:t>
+                </a:r>
+              </a:p>
+            </p:txBody>
+          </p:sp>
+        </mc:Fallback>
+      </mc:AlternateContent>
+      <p:pic>
+        <p:nvPicPr>
+          <p:cNvPr id="4" name="Picture 3">
+            <a:extLst>
+              <a:ext uri="{FF2B5EF4-FFF2-40B4-BE49-F238E27FC236}">
+                <a16:creationId xmlns:a16="http://schemas.microsoft.com/office/drawing/2014/main" id="{D73A151C-6649-6879-03C8-663D41375089}"/>
+              </a:ext>
+            </a:extLst>
+          </p:cNvPr>
+          <p:cNvPicPr>
+            <a:picLocks noChangeAspect="1"/>
+          </p:cNvPicPr>
+          <p:nvPr/>
+        </p:nvPicPr>
+        <p:blipFill>
+          <a:blip r:embed="rId3"/>
+          <a:srcRect l="53135" t="-28" r="-2732" b="28"/>
+          <a:stretch/>
+        </p:blipFill>
+        <p:spPr>
+          <a:xfrm>
+            <a:off x="6538452" y="2757983"/>
+            <a:ext cx="5319252" cy="3942700"/>
+          </a:xfrm>
+          <a:prstGeom prst="rect">
+            <a:avLst/>
+          </a:prstGeom>
+        </p:spPr>
+      </p:pic>
+      <p:graphicFrame>
+        <p:nvGraphicFramePr>
+          <p:cNvPr id="6" name="Object 5">
+            <a:extLst>
+              <a:ext uri="{FF2B5EF4-FFF2-40B4-BE49-F238E27FC236}">
+                <a16:creationId xmlns:a16="http://schemas.microsoft.com/office/drawing/2014/main" id="{E1A7CC17-7231-116E-1497-3E28A2830849}"/>
+              </a:ext>
+            </a:extLst>
+          </p:cNvPr>
+          <p:cNvGraphicFramePr>
+            <a:graphicFrameLocks noChangeAspect="1"/>
+          </p:cNvGraphicFramePr>
+          <p:nvPr>
+            <p:extLst>
+              <p:ext uri="{D42A27DB-BD31-4B8C-83A1-F6EECF244321}">
+                <p14:modId xmlns:p14="http://schemas.microsoft.com/office/powerpoint/2010/main" val="873466410"/>
+              </p:ext>
+            </p:extLst>
+          </p:nvPr>
+        </p:nvGraphicFramePr>
+        <p:xfrm>
+          <a:off x="436563" y="2746376"/>
+          <a:ext cx="5753100" cy="465138"/>
+        </p:xfrm>
+        <a:graphic>
+          <a:graphicData uri="http://schemas.openxmlformats.org/presentationml/2006/ole">
+            <mc:AlternateContent xmlns:mc="http://schemas.openxmlformats.org/markup-compatibility/2006">
+              <mc:Choice xmlns:v="urn:schemas-microsoft-com:vml" Requires="v">
+                <p:oleObj name="Equation" r:id="rId4" imgW="3149280" imgH="253800" progId="Equation.DSMT4">
+                  <p:embed/>
+                </p:oleObj>
+              </mc:Choice>
+              <mc:Fallback>
+                <p:oleObj name="Equation" r:id="rId4" imgW="3149280" imgH="253800" progId="Equation.DSMT4">
+                  <p:embed/>
+                  <p:pic>
+                    <p:nvPicPr>
+                      <p:cNvPr id="6" name="Object 5">
+                        <a:extLst>
+                          <a:ext uri="{FF2B5EF4-FFF2-40B4-BE49-F238E27FC236}">
+                            <a16:creationId xmlns:a16="http://schemas.microsoft.com/office/drawing/2014/main" id="{181E040C-EA31-74BB-4A1F-69D7434BDF99}"/>
+                          </a:ext>
+                        </a:extLst>
+                      </p:cNvPr>
+                      <p:cNvPicPr/>
+                      <p:nvPr/>
+                    </p:nvPicPr>
+                    <p:blipFill>
+                      <a:blip r:embed="rId5"/>
+                      <a:stretch>
+                        <a:fillRect/>
+                      </a:stretch>
+                    </p:blipFill>
+                    <p:spPr>
+                      <a:xfrm>
+                        <a:off x="436563" y="2746376"/>
+                        <a:ext cx="5753100" cy="465138"/>
+                      </a:xfrm>
+                      <a:prstGeom prst="rect">
+                        <a:avLst/>
+                      </a:prstGeom>
+                    </p:spPr>
+                  </p:pic>
+                </p:oleObj>
+              </mc:Fallback>
+            </mc:AlternateContent>
+          </a:graphicData>
+        </a:graphic>
+      </p:graphicFrame>
+      <p:sp>
+        <p:nvSpPr>
+          <p:cNvPr id="12" name="TextBox 11">
+            <a:extLst>
+              <a:ext uri="{FF2B5EF4-FFF2-40B4-BE49-F238E27FC236}">
+                <a16:creationId xmlns:a16="http://schemas.microsoft.com/office/drawing/2014/main" id="{1EA6617D-4C84-FB37-57AC-A62B9E249EAC}"/>
+              </a:ext>
+            </a:extLst>
+          </p:cNvPr>
+          <p:cNvSpPr txBox="1"/>
+          <p:nvPr/>
+        </p:nvSpPr>
+        <p:spPr>
+          <a:xfrm>
+            <a:off x="655484" y="4252453"/>
+            <a:ext cx="6096000" cy="338554"/>
+          </a:xfrm>
+          <a:prstGeom prst="rect">
+            <a:avLst/>
+          </a:prstGeom>
+          <a:noFill/>
+        </p:spPr>
+        <p:txBody>
+          <a:bodyPr wrap="square">
+            <a:spAutoFit/>
+          </a:bodyPr>
+          <a:lstStyle/>
+          <a:p>
+            <a:r>
+              <a:rPr lang="en-US" sz="1600" b="0" dirty="0" err="1">
+                <a:solidFill>
+                  <a:srgbClr val="7A3E9D"/>
+                </a:solidFill>
+                <a:effectLst/>
+                <a:latin typeface="Consolas" panose="020B0609020204030204" pitchFamily="49" charset="0"/>
+              </a:rPr>
+              <a:t>hdi_lines</a:t>
+            </a:r>
+            <a:r>
+              <a:rPr lang="en-US" sz="1600" b="0" dirty="0">
+                <a:solidFill>
+                  <a:srgbClr val="333333"/>
+                </a:solidFill>
+                <a:effectLst/>
+                <a:latin typeface="Consolas" panose="020B0609020204030204" pitchFamily="49" charset="0"/>
+              </a:rPr>
+              <a:t> </a:t>
+            </a:r>
+            <a:r>
+              <a:rPr lang="en-US" sz="1600" b="0" dirty="0">
+                <a:solidFill>
+                  <a:srgbClr val="777777"/>
+                </a:solidFill>
+                <a:effectLst/>
+                <a:latin typeface="Consolas" panose="020B0609020204030204" pitchFamily="49" charset="0"/>
+              </a:rPr>
+              <a:t>=</a:t>
+            </a:r>
+            <a:r>
+              <a:rPr lang="en-US" sz="1600" b="0" dirty="0">
+                <a:solidFill>
+                  <a:srgbClr val="333333"/>
+                </a:solidFill>
+                <a:effectLst/>
+                <a:latin typeface="Consolas" panose="020B0609020204030204" pitchFamily="49" charset="0"/>
+              </a:rPr>
+              <a:t> </a:t>
+            </a:r>
+            <a:r>
+              <a:rPr lang="en-US" sz="1600" b="1" dirty="0" err="1">
+                <a:solidFill>
+                  <a:srgbClr val="7A3E9D"/>
+                </a:solidFill>
+                <a:effectLst/>
+                <a:latin typeface="Consolas" panose="020B0609020204030204" pitchFamily="49" charset="0"/>
+              </a:rPr>
+              <a:t>az</a:t>
+            </a:r>
+            <a:r>
+              <a:rPr lang="en-US" sz="1600" b="0" dirty="0" err="1">
+                <a:solidFill>
+                  <a:srgbClr val="777777"/>
+                </a:solidFill>
+                <a:effectLst/>
+                <a:latin typeface="Consolas" panose="020B0609020204030204" pitchFamily="49" charset="0"/>
+              </a:rPr>
+              <a:t>.</a:t>
+            </a:r>
+            <a:r>
+              <a:rPr lang="en-US" sz="1600" b="1" dirty="0" err="1">
+                <a:solidFill>
+                  <a:srgbClr val="AA3731"/>
+                </a:solidFill>
+                <a:effectLst/>
+                <a:latin typeface="Consolas" panose="020B0609020204030204" pitchFamily="49" charset="0"/>
+              </a:rPr>
+              <a:t>hdi</a:t>
+            </a:r>
+            <a:r>
+              <a:rPr lang="en-US" sz="1600" b="0" dirty="0">
+                <a:solidFill>
+                  <a:srgbClr val="777777"/>
+                </a:solidFill>
+                <a:effectLst/>
+                <a:latin typeface="Consolas" panose="020B0609020204030204" pitchFamily="49" charset="0"/>
+              </a:rPr>
+              <a:t>(</a:t>
+            </a:r>
+            <a:r>
+              <a:rPr lang="en-US" sz="1600" b="0" dirty="0" err="1">
+                <a:solidFill>
+                  <a:srgbClr val="7A3E9D"/>
+                </a:solidFill>
+                <a:effectLst/>
+                <a:latin typeface="Consolas" panose="020B0609020204030204" pitchFamily="49" charset="0"/>
+              </a:rPr>
+              <a:t>idata_lb</a:t>
+            </a:r>
+            <a:r>
+              <a:rPr lang="en-US" sz="1600" b="0" dirty="0" err="1">
+                <a:solidFill>
+                  <a:srgbClr val="777777"/>
+                </a:solidFill>
+                <a:effectLst/>
+                <a:latin typeface="Consolas" panose="020B0609020204030204" pitchFamily="49" charset="0"/>
+              </a:rPr>
+              <a:t>.</a:t>
+            </a:r>
+            <a:r>
+              <a:rPr lang="en-US" sz="1600" b="0" dirty="0" err="1">
+                <a:solidFill>
+                  <a:srgbClr val="333333"/>
+                </a:solidFill>
+                <a:effectLst/>
+                <a:latin typeface="Consolas" panose="020B0609020204030204" pitchFamily="49" charset="0"/>
+              </a:rPr>
+              <a:t>posterior</a:t>
+            </a:r>
+            <a:r>
+              <a:rPr lang="en-US" sz="1600" b="0" dirty="0">
+                <a:solidFill>
+                  <a:srgbClr val="777777"/>
+                </a:solidFill>
+                <a:effectLst/>
+                <a:latin typeface="Consolas" panose="020B0609020204030204" pitchFamily="49" charset="0"/>
+              </a:rPr>
+              <a:t>["</a:t>
+            </a:r>
+            <a:r>
+              <a:rPr lang="el-GR" sz="1600" b="0" dirty="0">
+                <a:solidFill>
+                  <a:srgbClr val="448C27"/>
+                </a:solidFill>
+                <a:effectLst/>
+                <a:latin typeface="Consolas" panose="020B0609020204030204" pitchFamily="49" charset="0"/>
+              </a:rPr>
+              <a:t>μ</a:t>
+            </a:r>
+            <a:r>
+              <a:rPr lang="el-GR" sz="1600" b="0" dirty="0">
+                <a:solidFill>
+                  <a:srgbClr val="777777"/>
+                </a:solidFill>
+                <a:effectLst/>
+                <a:latin typeface="Consolas" panose="020B0609020204030204" pitchFamily="49" charset="0"/>
+              </a:rPr>
+              <a:t>"])</a:t>
+            </a:r>
+            <a:endParaRPr lang="el-GR" sz="1600" b="0" dirty="0">
+              <a:solidFill>
+                <a:srgbClr val="333333"/>
+              </a:solidFill>
+              <a:effectLst/>
+              <a:latin typeface="Consolas" panose="020B0609020204030204" pitchFamily="49" charset="0"/>
+            </a:endParaRPr>
+          </a:p>
+        </p:txBody>
+      </p:sp>
+      <p:sp>
+        <p:nvSpPr>
+          <p:cNvPr id="14" name="TextBox 13">
+            <a:extLst>
+              <a:ext uri="{FF2B5EF4-FFF2-40B4-BE49-F238E27FC236}">
+                <a16:creationId xmlns:a16="http://schemas.microsoft.com/office/drawing/2014/main" id="{4EFE9FDF-A1A5-F36E-ACB1-5E329B2ADADF}"/>
+              </a:ext>
+            </a:extLst>
+          </p:cNvPr>
+          <p:cNvSpPr txBox="1"/>
+          <p:nvPr/>
+        </p:nvSpPr>
+        <p:spPr>
+          <a:xfrm>
+            <a:off x="655484" y="4781139"/>
+            <a:ext cx="6096000" cy="1323439"/>
+          </a:xfrm>
+          <a:prstGeom prst="rect">
+            <a:avLst/>
+          </a:prstGeom>
+          <a:noFill/>
+        </p:spPr>
+        <p:txBody>
+          <a:bodyPr wrap="square">
+            <a:spAutoFit/>
+          </a:bodyPr>
+          <a:lstStyle/>
+          <a:p>
+            <a:r>
+              <a:rPr lang="en-US" sz="1600" dirty="0" err="1">
+                <a:solidFill>
+                  <a:srgbClr val="7A3E9D"/>
+                </a:solidFill>
+                <a:latin typeface="Consolas" panose="020B0609020204030204" pitchFamily="49" charset="0"/>
+              </a:rPr>
+              <a:t>idx</a:t>
+            </a:r>
+            <a:r>
+              <a:rPr lang="en-US" sz="1600" dirty="0">
+                <a:solidFill>
+                  <a:srgbClr val="333333"/>
+                </a:solidFill>
+                <a:latin typeface="Consolas" panose="020B0609020204030204" pitchFamily="49" charset="0"/>
+              </a:rPr>
+              <a:t> </a:t>
+            </a:r>
+            <a:r>
+              <a:rPr lang="en-US" sz="1600" dirty="0">
+                <a:solidFill>
+                  <a:srgbClr val="777777"/>
+                </a:solidFill>
+                <a:latin typeface="Consolas" panose="020B0609020204030204" pitchFamily="49" charset="0"/>
+              </a:rPr>
+              <a:t>=</a:t>
+            </a:r>
+            <a:r>
+              <a:rPr lang="en-US" sz="1600" dirty="0">
+                <a:solidFill>
+                  <a:srgbClr val="333333"/>
+                </a:solidFill>
+                <a:latin typeface="Consolas" panose="020B0609020204030204" pitchFamily="49" charset="0"/>
+              </a:rPr>
+              <a:t> </a:t>
+            </a:r>
+            <a:r>
+              <a:rPr lang="en-US" sz="1600" b="1" dirty="0" err="1">
+                <a:solidFill>
+                  <a:srgbClr val="7A3E9D"/>
+                </a:solidFill>
+                <a:latin typeface="Consolas" panose="020B0609020204030204" pitchFamily="49" charset="0"/>
+              </a:rPr>
+              <a:t>np</a:t>
+            </a:r>
+            <a:r>
+              <a:rPr lang="en-US" sz="1600" dirty="0" err="1">
+                <a:solidFill>
+                  <a:srgbClr val="777777"/>
+                </a:solidFill>
+                <a:latin typeface="Consolas" panose="020B0609020204030204" pitchFamily="49" charset="0"/>
+              </a:rPr>
+              <a:t>.</a:t>
+            </a:r>
+            <a:r>
+              <a:rPr lang="en-US" sz="1600" b="1" dirty="0" err="1">
+                <a:solidFill>
+                  <a:srgbClr val="AA3731"/>
+                </a:solidFill>
+                <a:latin typeface="Consolas" panose="020B0609020204030204" pitchFamily="49" charset="0"/>
+              </a:rPr>
+              <a:t>argsort</a:t>
+            </a:r>
+            <a:r>
+              <a:rPr lang="en-US" sz="1600" dirty="0">
+                <a:solidFill>
+                  <a:srgbClr val="777777"/>
+                </a:solidFill>
+                <a:latin typeface="Consolas" panose="020B0609020204030204" pitchFamily="49" charset="0"/>
+              </a:rPr>
+              <a:t>(</a:t>
+            </a:r>
+            <a:r>
+              <a:rPr lang="en-US" sz="1600" dirty="0" err="1">
+                <a:solidFill>
+                  <a:srgbClr val="7A3E9D"/>
+                </a:solidFill>
+                <a:latin typeface="Consolas" panose="020B0609020204030204" pitchFamily="49" charset="0"/>
+              </a:rPr>
+              <a:t>bikes</a:t>
+            </a:r>
+            <a:r>
+              <a:rPr lang="en-US" sz="1600" dirty="0" err="1">
+                <a:solidFill>
+                  <a:srgbClr val="777777"/>
+                </a:solidFill>
+                <a:latin typeface="Consolas" panose="020B0609020204030204" pitchFamily="49" charset="0"/>
+              </a:rPr>
+              <a:t>.</a:t>
+            </a:r>
+            <a:r>
+              <a:rPr lang="en-US" sz="1600" dirty="0" err="1">
+                <a:solidFill>
+                  <a:srgbClr val="333333"/>
+                </a:solidFill>
+                <a:latin typeface="Consolas" panose="020B0609020204030204" pitchFamily="49" charset="0"/>
+              </a:rPr>
+              <a:t>temperature</a:t>
+            </a:r>
+            <a:r>
+              <a:rPr lang="en-US" sz="1600" dirty="0" err="1">
+                <a:solidFill>
+                  <a:srgbClr val="777777"/>
+                </a:solidFill>
+                <a:latin typeface="Consolas" panose="020B0609020204030204" pitchFamily="49" charset="0"/>
+              </a:rPr>
+              <a:t>.</a:t>
+            </a:r>
+            <a:r>
+              <a:rPr lang="en-US" sz="1600" dirty="0" err="1">
+                <a:solidFill>
+                  <a:srgbClr val="7A3E9D"/>
+                </a:solidFill>
+                <a:latin typeface="Consolas" panose="020B0609020204030204" pitchFamily="49" charset="0"/>
+              </a:rPr>
+              <a:t>values</a:t>
+            </a:r>
+            <a:r>
+              <a:rPr lang="en-US" sz="1600" dirty="0">
+                <a:solidFill>
+                  <a:srgbClr val="777777"/>
+                </a:solidFill>
+                <a:latin typeface="Consolas" panose="020B0609020204030204" pitchFamily="49" charset="0"/>
+              </a:rPr>
+              <a:t>)</a:t>
+            </a:r>
+            <a:endParaRPr lang="en-US" sz="1600" dirty="0">
+              <a:solidFill>
+                <a:srgbClr val="333333"/>
+              </a:solidFill>
+              <a:latin typeface="Consolas" panose="020B0609020204030204" pitchFamily="49" charset="0"/>
+            </a:endParaRPr>
+          </a:p>
+          <a:p>
+            <a:pPr>
+              <a:buNone/>
+            </a:pPr>
+            <a:r>
+              <a:rPr lang="en-US" sz="1600" b="0" dirty="0" err="1">
+                <a:solidFill>
+                  <a:srgbClr val="7A3E9D"/>
+                </a:solidFill>
+                <a:effectLst/>
+                <a:latin typeface="Consolas" panose="020B0609020204030204" pitchFamily="49" charset="0"/>
+              </a:rPr>
+              <a:t>ax</a:t>
+            </a:r>
+            <a:r>
+              <a:rPr lang="en-US" sz="1600" b="0" dirty="0" err="1">
+                <a:solidFill>
+                  <a:srgbClr val="777777"/>
+                </a:solidFill>
+                <a:effectLst/>
+                <a:latin typeface="Consolas" panose="020B0609020204030204" pitchFamily="49" charset="0"/>
+              </a:rPr>
+              <a:t>.</a:t>
+            </a:r>
+            <a:r>
+              <a:rPr lang="en-US" sz="1600" b="0" dirty="0" err="1">
+                <a:solidFill>
+                  <a:srgbClr val="333333"/>
+                </a:solidFill>
+                <a:effectLst/>
+                <a:latin typeface="Consolas" panose="020B0609020204030204" pitchFamily="49" charset="0"/>
+              </a:rPr>
+              <a:t>fill_between</a:t>
+            </a:r>
+            <a:r>
+              <a:rPr lang="en-US" sz="1600" b="0" dirty="0">
+                <a:solidFill>
+                  <a:srgbClr val="777777"/>
+                </a:solidFill>
+                <a:effectLst/>
+                <a:latin typeface="Consolas" panose="020B0609020204030204" pitchFamily="49" charset="0"/>
+              </a:rPr>
+              <a:t>(</a:t>
+            </a:r>
+            <a:endParaRPr lang="en-US" sz="1600" b="0" dirty="0">
+              <a:solidFill>
+                <a:srgbClr val="333333"/>
+              </a:solidFill>
+              <a:effectLst/>
+              <a:latin typeface="Consolas" panose="020B0609020204030204" pitchFamily="49" charset="0"/>
+            </a:endParaRPr>
+          </a:p>
+          <a:p>
+            <a:pPr>
+              <a:buNone/>
+            </a:pPr>
+            <a:r>
+              <a:rPr lang="en-US" sz="1600" b="0" dirty="0">
+                <a:solidFill>
+                  <a:srgbClr val="333333"/>
+                </a:solidFill>
+                <a:effectLst/>
+                <a:latin typeface="Consolas" panose="020B0609020204030204" pitchFamily="49" charset="0"/>
+              </a:rPr>
+              <a:t>    </a:t>
+            </a:r>
+            <a:r>
+              <a:rPr lang="en-US" sz="1600" b="0" dirty="0" err="1">
+                <a:solidFill>
+                  <a:srgbClr val="7A3E9D"/>
+                </a:solidFill>
+                <a:effectLst/>
+                <a:latin typeface="Consolas" panose="020B0609020204030204" pitchFamily="49" charset="0"/>
+              </a:rPr>
+              <a:t>bikes</a:t>
+            </a:r>
+            <a:r>
+              <a:rPr lang="en-US" sz="1600" b="0" dirty="0" err="1">
+                <a:solidFill>
+                  <a:srgbClr val="777777"/>
+                </a:solidFill>
+                <a:effectLst/>
+                <a:latin typeface="Consolas" panose="020B0609020204030204" pitchFamily="49" charset="0"/>
+              </a:rPr>
+              <a:t>.</a:t>
+            </a:r>
+            <a:r>
+              <a:rPr lang="en-US" sz="1600" b="0" dirty="0" err="1">
+                <a:solidFill>
+                  <a:srgbClr val="333333"/>
+                </a:solidFill>
+                <a:effectLst/>
+                <a:latin typeface="Consolas" panose="020B0609020204030204" pitchFamily="49" charset="0"/>
+              </a:rPr>
+              <a:t>temperature</a:t>
+            </a:r>
+            <a:r>
+              <a:rPr lang="en-US" sz="1600" b="0" dirty="0">
+                <a:solidFill>
+                  <a:srgbClr val="777777"/>
+                </a:solidFill>
+                <a:effectLst/>
+                <a:latin typeface="Consolas" panose="020B0609020204030204" pitchFamily="49" charset="0"/>
+              </a:rPr>
+              <a:t>[</a:t>
+            </a:r>
+            <a:r>
+              <a:rPr lang="en-US" sz="1600" b="0" dirty="0" err="1">
+                <a:solidFill>
+                  <a:srgbClr val="7A3E9D"/>
+                </a:solidFill>
+                <a:effectLst/>
+                <a:latin typeface="Consolas" panose="020B0609020204030204" pitchFamily="49" charset="0"/>
+              </a:rPr>
+              <a:t>idx</a:t>
+            </a:r>
+            <a:r>
+              <a:rPr lang="en-US" sz="1600" b="0" dirty="0">
+                <a:solidFill>
+                  <a:srgbClr val="777777"/>
+                </a:solidFill>
+                <a:effectLst/>
+                <a:latin typeface="Consolas" panose="020B0609020204030204" pitchFamily="49" charset="0"/>
+              </a:rPr>
+              <a:t>],</a:t>
+            </a:r>
+            <a:endParaRPr lang="en-US" sz="1600" b="0" dirty="0">
+              <a:solidFill>
+                <a:srgbClr val="333333"/>
+              </a:solidFill>
+              <a:effectLst/>
+              <a:latin typeface="Consolas" panose="020B0609020204030204" pitchFamily="49" charset="0"/>
+            </a:endParaRPr>
+          </a:p>
+          <a:p>
+            <a:pPr>
+              <a:buNone/>
+            </a:pPr>
+            <a:r>
+              <a:rPr lang="en-US" sz="1600" b="0" dirty="0">
+                <a:solidFill>
+                  <a:srgbClr val="333333"/>
+                </a:solidFill>
+                <a:effectLst/>
+                <a:latin typeface="Consolas" panose="020B0609020204030204" pitchFamily="49" charset="0"/>
+              </a:rPr>
+              <a:t>    </a:t>
+            </a:r>
+            <a:r>
+              <a:rPr lang="en-US" sz="1600" b="0" dirty="0" err="1">
+                <a:solidFill>
+                  <a:srgbClr val="7A3E9D"/>
+                </a:solidFill>
+                <a:effectLst/>
+                <a:latin typeface="Consolas" panose="020B0609020204030204" pitchFamily="49" charset="0"/>
+              </a:rPr>
+              <a:t>hdi_lines</a:t>
+            </a:r>
+            <a:r>
+              <a:rPr lang="en-US" sz="1600" b="0" dirty="0">
+                <a:solidFill>
+                  <a:srgbClr val="777777"/>
+                </a:solidFill>
+                <a:effectLst/>
+                <a:latin typeface="Consolas" panose="020B0609020204030204" pitchFamily="49" charset="0"/>
+              </a:rPr>
+              <a:t>["</a:t>
+            </a:r>
+            <a:r>
+              <a:rPr lang="el-GR" sz="1600" b="0" dirty="0">
+                <a:solidFill>
+                  <a:srgbClr val="448C27"/>
+                </a:solidFill>
+                <a:effectLst/>
+                <a:latin typeface="Consolas" panose="020B0609020204030204" pitchFamily="49" charset="0"/>
+              </a:rPr>
+              <a:t>μ</a:t>
+            </a:r>
+            <a:r>
+              <a:rPr lang="el-GR" sz="1600" b="0" dirty="0">
+                <a:solidFill>
+                  <a:srgbClr val="777777"/>
+                </a:solidFill>
+                <a:effectLst/>
+                <a:latin typeface="Consolas" panose="020B0609020204030204" pitchFamily="49" charset="0"/>
+              </a:rPr>
+              <a:t>"][:,</a:t>
+            </a:r>
+            <a:r>
+              <a:rPr lang="el-GR" sz="1600" b="0" dirty="0">
+                <a:solidFill>
+                  <a:srgbClr val="333333"/>
+                </a:solidFill>
+                <a:effectLst/>
+                <a:latin typeface="Consolas" panose="020B0609020204030204" pitchFamily="49" charset="0"/>
+              </a:rPr>
+              <a:t> </a:t>
+            </a:r>
+            <a:r>
+              <a:rPr lang="el-GR" sz="1600" b="0" dirty="0">
+                <a:solidFill>
+                  <a:srgbClr val="9C5D27"/>
+                </a:solidFill>
+                <a:effectLst/>
+                <a:latin typeface="Consolas" panose="020B0609020204030204" pitchFamily="49" charset="0"/>
+              </a:rPr>
+              <a:t>0</a:t>
+            </a:r>
+            <a:r>
+              <a:rPr lang="el-GR" sz="1600" b="0" dirty="0">
+                <a:solidFill>
+                  <a:srgbClr val="777777"/>
+                </a:solidFill>
+                <a:effectLst/>
+                <a:latin typeface="Consolas" panose="020B0609020204030204" pitchFamily="49" charset="0"/>
+              </a:rPr>
+              <a:t>][</a:t>
+            </a:r>
+            <a:r>
+              <a:rPr lang="en-US" sz="1600" b="0" dirty="0" err="1">
+                <a:solidFill>
+                  <a:srgbClr val="7A3E9D"/>
+                </a:solidFill>
+                <a:effectLst/>
+                <a:latin typeface="Consolas" panose="020B0609020204030204" pitchFamily="49" charset="0"/>
+              </a:rPr>
+              <a:t>idx</a:t>
+            </a:r>
+            <a:r>
+              <a:rPr lang="en-US" sz="1600" b="0" dirty="0">
+                <a:solidFill>
+                  <a:srgbClr val="777777"/>
+                </a:solidFill>
+                <a:effectLst/>
+                <a:latin typeface="Consolas" panose="020B0609020204030204" pitchFamily="49" charset="0"/>
+              </a:rPr>
+              <a:t>],</a:t>
+            </a:r>
+            <a:endParaRPr lang="en-US" sz="1600" b="0" dirty="0">
+              <a:solidFill>
+                <a:srgbClr val="333333"/>
+              </a:solidFill>
+              <a:effectLst/>
+              <a:latin typeface="Consolas" panose="020B0609020204030204" pitchFamily="49" charset="0"/>
+            </a:endParaRPr>
+          </a:p>
+          <a:p>
+            <a:r>
+              <a:rPr lang="en-US" sz="1600" b="0" dirty="0">
+                <a:solidFill>
+                  <a:srgbClr val="333333"/>
+                </a:solidFill>
+                <a:effectLst/>
+                <a:latin typeface="Consolas" panose="020B0609020204030204" pitchFamily="49" charset="0"/>
+              </a:rPr>
+              <a:t>    </a:t>
+            </a:r>
+            <a:r>
+              <a:rPr lang="en-US" sz="1600" b="0" dirty="0" err="1">
+                <a:solidFill>
+                  <a:srgbClr val="7A3E9D"/>
+                </a:solidFill>
+                <a:effectLst/>
+                <a:latin typeface="Consolas" panose="020B0609020204030204" pitchFamily="49" charset="0"/>
+              </a:rPr>
+              <a:t>hdi_lines</a:t>
+            </a:r>
+            <a:r>
+              <a:rPr lang="en-US" sz="1600" b="0" dirty="0">
+                <a:solidFill>
+                  <a:srgbClr val="777777"/>
+                </a:solidFill>
+                <a:effectLst/>
+                <a:latin typeface="Consolas" panose="020B0609020204030204" pitchFamily="49" charset="0"/>
+              </a:rPr>
+              <a:t>["</a:t>
+            </a:r>
+            <a:r>
+              <a:rPr lang="el-GR" sz="1600" b="0" dirty="0">
+                <a:solidFill>
+                  <a:srgbClr val="448C27"/>
+                </a:solidFill>
+                <a:effectLst/>
+                <a:latin typeface="Consolas" panose="020B0609020204030204" pitchFamily="49" charset="0"/>
+              </a:rPr>
+              <a:t>μ</a:t>
+            </a:r>
+            <a:r>
+              <a:rPr lang="el-GR" sz="1600" b="0" dirty="0">
+                <a:solidFill>
+                  <a:srgbClr val="777777"/>
+                </a:solidFill>
+                <a:effectLst/>
+                <a:latin typeface="Consolas" panose="020B0609020204030204" pitchFamily="49" charset="0"/>
+              </a:rPr>
+              <a:t>"][:,</a:t>
+            </a:r>
+            <a:r>
+              <a:rPr lang="el-GR" sz="1600" b="0" dirty="0">
+                <a:solidFill>
+                  <a:srgbClr val="333333"/>
+                </a:solidFill>
+                <a:effectLst/>
+                <a:latin typeface="Consolas" panose="020B0609020204030204" pitchFamily="49" charset="0"/>
+              </a:rPr>
+              <a:t> </a:t>
+            </a:r>
+            <a:r>
+              <a:rPr lang="el-GR" sz="1600" b="0" dirty="0">
+                <a:solidFill>
+                  <a:srgbClr val="9C5D27"/>
+                </a:solidFill>
+                <a:effectLst/>
+                <a:latin typeface="Consolas" panose="020B0609020204030204" pitchFamily="49" charset="0"/>
+              </a:rPr>
+              <a:t>1</a:t>
+            </a:r>
+            <a:r>
+              <a:rPr lang="el-GR" sz="1600" b="0" dirty="0">
+                <a:solidFill>
+                  <a:srgbClr val="777777"/>
+                </a:solidFill>
+                <a:effectLst/>
+                <a:latin typeface="Consolas" panose="020B0609020204030204" pitchFamily="49" charset="0"/>
+              </a:rPr>
+              <a:t>][</a:t>
+            </a:r>
+            <a:r>
+              <a:rPr lang="en-US" sz="1600" b="0" dirty="0" err="1">
+                <a:solidFill>
+                  <a:srgbClr val="7A3E9D"/>
+                </a:solidFill>
+                <a:effectLst/>
+                <a:latin typeface="Consolas" panose="020B0609020204030204" pitchFamily="49" charset="0"/>
+              </a:rPr>
+              <a:t>idx</a:t>
+            </a:r>
+            <a:r>
+              <a:rPr lang="en-US" sz="1600" b="0" dirty="0">
+                <a:solidFill>
+                  <a:srgbClr val="777777"/>
+                </a:solidFill>
+                <a:effectLst/>
+                <a:latin typeface="Consolas" panose="020B0609020204030204" pitchFamily="49" charset="0"/>
+              </a:rPr>
+              <a:t>],</a:t>
+            </a:r>
+            <a:endParaRPr lang="en-US" sz="1600" b="0" dirty="0">
+              <a:solidFill>
+                <a:srgbClr val="333333"/>
+              </a:solidFill>
+              <a:effectLst/>
+              <a:latin typeface="Consolas" panose="020B0609020204030204" pitchFamily="49" charset="0"/>
+            </a:endParaRPr>
+          </a:p>
+        </p:txBody>
+      </p:sp>
+      <p:graphicFrame>
+        <p:nvGraphicFramePr>
+          <p:cNvPr id="17" name="Object 16">
+            <a:extLst>
+              <a:ext uri="{FF2B5EF4-FFF2-40B4-BE49-F238E27FC236}">
+                <a16:creationId xmlns:a16="http://schemas.microsoft.com/office/drawing/2014/main" id="{7380597C-19F7-6019-25E4-5477D91C872E}"/>
+              </a:ext>
+            </a:extLst>
+          </p:cNvPr>
+          <p:cNvGraphicFramePr>
+            <a:graphicFrameLocks noChangeAspect="1"/>
+          </p:cNvGraphicFramePr>
+          <p:nvPr>
+            <p:extLst>
+              <p:ext uri="{D42A27DB-BD31-4B8C-83A1-F6EECF244321}">
+                <p14:modId xmlns:p14="http://schemas.microsoft.com/office/powerpoint/2010/main" val="3511239283"/>
+              </p:ext>
+            </p:extLst>
+          </p:nvPr>
+        </p:nvGraphicFramePr>
+        <p:xfrm>
+          <a:off x="398643" y="3364672"/>
+          <a:ext cx="6139809" cy="465137"/>
+        </p:xfrm>
+        <a:graphic>
+          <a:graphicData uri="http://schemas.openxmlformats.org/presentationml/2006/ole">
+            <mc:AlternateContent xmlns:mc="http://schemas.openxmlformats.org/markup-compatibility/2006">
+              <mc:Choice xmlns:v="urn:schemas-microsoft-com:vml" Requires="v">
+                <p:oleObj name="Equation" r:id="rId6" imgW="3352680" imgH="253800" progId="Equation.DSMT4">
+                  <p:embed/>
+                </p:oleObj>
+              </mc:Choice>
+              <mc:Fallback>
+                <p:oleObj name="Equation" r:id="rId6" imgW="3352680" imgH="253800" progId="Equation.DSMT4">
+                  <p:embed/>
+                  <p:pic>
+                    <p:nvPicPr>
+                      <p:cNvPr id="0" name=""/>
+                      <p:cNvPicPr/>
+                      <p:nvPr/>
+                    </p:nvPicPr>
+                    <p:blipFill>
+                      <a:blip r:embed="rId7"/>
+                      <a:stretch>
+                        <a:fillRect/>
+                      </a:stretch>
+                    </p:blipFill>
+                    <p:spPr>
+                      <a:xfrm>
+                        <a:off x="398643" y="3364672"/>
+                        <a:ext cx="6139809" cy="465137"/>
+                      </a:xfrm>
+                      <a:prstGeom prst="rect">
+                        <a:avLst/>
+                      </a:prstGeom>
+                    </p:spPr>
+                  </p:pic>
+                </p:oleObj>
+              </mc:Fallback>
+            </mc:AlternateContent>
+          </a:graphicData>
+        </a:graphic>
+      </p:graphicFrame>
+    </p:spTree>
+    <p:extLst>
+      <p:ext uri="{BB962C8B-B14F-4D97-AF65-F5344CB8AC3E}">
+        <p14:creationId xmlns:p14="http://schemas.microsoft.com/office/powerpoint/2010/main" val="2872350492"/>
+      </p:ext>
+    </p:extLst>
+  </p:cSld>
+  <p:clrMapOvr>
+    <a:masterClrMapping/>
+  </p:clrMapOvr>
+  <p:timing>
+    <p:tnLst>
+      <p:par>
+        <p:cTn id="1" dur="indefinite" restart="never" nodeType="tmRoot">
+          <p:childTnLst>
+            <p:seq concurrent="1" nextAc="seek">
+              <p:cTn id="2" dur="indefinite" nodeType="mainSeq">
+                <p:childTnLst>
+                  <p:par>
+                    <p:cTn id="3" fill="hold">
+                      <p:stCondLst>
+                        <p:cond delay="indefinite"/>
+                      </p:stCondLst>
+                      <p:childTnLst>
+                        <p:par>
+                          <p:cTn id="4" fill="hold">
+                            <p:stCondLst>
+                              <p:cond delay="0"/>
+                            </p:stCondLst>
+                            <p:childTnLst>
+                              <p:par>
+                                <p:cTn id="5" presetID="1" presetClass="entr" presetSubtype="0" fill="hold" nodeType="clickEffect">
+                                  <p:stCondLst>
+                                    <p:cond delay="0"/>
+                                  </p:stCondLst>
+                                  <p:childTnLst>
+                                    <p:set>
+                                      <p:cBhvr>
+                                        <p:cTn id="6" dur="1" fill="hold">
+                                          <p:stCondLst>
+                                            <p:cond delay="0"/>
+                                          </p:stCondLst>
+                                        </p:cTn>
+                                        <p:tgtEl>
+                                          <p:spTgt spid="6"/>
+                                        </p:tgtEl>
+                                        <p:attrNameLst>
+                                          <p:attrName>style.visibility</p:attrName>
+                                        </p:attrNameLst>
+                                      </p:cBhvr>
+                                      <p:to>
+                                        <p:strVal val="visible"/>
+                                      </p:to>
+                                    </p:set>
+                                  </p:childTnLst>
+                                </p:cTn>
+                              </p:par>
+                            </p:childTnLst>
+                          </p:cTn>
+                        </p:par>
+                      </p:childTnLst>
+                    </p:cTn>
+                  </p:par>
+                  <p:par>
+                    <p:cTn id="7" fill="hold">
+                      <p:stCondLst>
+                        <p:cond delay="indefinite"/>
+                      </p:stCondLst>
+                      <p:childTnLst>
+                        <p:par>
+                          <p:cTn id="8" fill="hold">
+                            <p:stCondLst>
+                              <p:cond delay="0"/>
+                            </p:stCondLst>
+                            <p:childTnLst>
+                              <p:par>
+                                <p:cTn id="9" presetID="1" presetClass="entr" presetSubtype="0" fill="hold" nodeType="clickEffect">
+                                  <p:stCondLst>
+                                    <p:cond delay="0"/>
+                                  </p:stCondLst>
+                                  <p:childTnLst>
+                                    <p:set>
+                                      <p:cBhvr>
+                                        <p:cTn id="10" dur="1" fill="hold">
+                                          <p:stCondLst>
+                                            <p:cond delay="0"/>
+                                          </p:stCondLst>
+                                        </p:cTn>
+                                        <p:tgtEl>
+                                          <p:spTgt spid="17"/>
+                                        </p:tgtEl>
+                                        <p:attrNameLst>
+                                          <p:attrName>style.visibility</p:attrName>
+                                        </p:attrNameLst>
+                                      </p:cBhvr>
+                                      <p:to>
+                                        <p:strVal val="visible"/>
+                                      </p:to>
+                                    </p:set>
+                                  </p:childTnLst>
+                                </p:cTn>
+                              </p:par>
+                              <p:par>
+                                <p:cTn id="11" presetID="1" presetClass="entr" presetSubtype="0" fill="hold" nodeType="withEffect">
+                                  <p:stCondLst>
+                                    <p:cond delay="0"/>
+                                  </p:stCondLst>
+                                  <p:childTnLst>
+                                    <p:set>
+                                      <p:cBhvr>
+                                        <p:cTn id="12" dur="1" fill="hold">
+                                          <p:stCondLst>
+                                            <p:cond delay="0"/>
+                                          </p:stCondLst>
+                                        </p:cTn>
+                                        <p:tgtEl>
+                                          <p:spTgt spid="3">
+                                            <p:txEl>
+                                              <p:pRg st="2" end="2"/>
+                                            </p:txEl>
+                                          </p:spTgt>
+                                        </p:tgtEl>
+                                        <p:attrNameLst>
+                                          <p:attrName>style.visibility</p:attrName>
+                                        </p:attrNameLst>
+                                      </p:cBhvr>
+                                      <p:to>
+                                        <p:strVal val="visible"/>
+                                      </p:to>
+                                    </p:set>
+                                  </p:childTnLst>
+                                </p:cTn>
+                              </p:par>
+                            </p:childTnLst>
+                          </p:cTn>
+                        </p:par>
+                      </p:childTnLst>
+                    </p:cTn>
+                  </p:par>
+                  <p:par>
+                    <p:cTn id="13" fill="hold">
+                      <p:stCondLst>
+                        <p:cond delay="indefinite"/>
+                      </p:stCondLst>
+                      <p:childTnLst>
+                        <p:par>
+                          <p:cTn id="14" fill="hold">
+                            <p:stCondLst>
+                              <p:cond delay="0"/>
+                            </p:stCondLst>
+                            <p:childTnLst>
+                              <p:par>
+                                <p:cTn id="15" presetID="1" presetClass="entr" presetSubtype="0" fill="hold" grpId="0" nodeType="clickEffect">
+                                  <p:stCondLst>
+                                    <p:cond delay="0"/>
+                                  </p:stCondLst>
+                                  <p:childTnLst>
+                                    <p:set>
+                                      <p:cBhvr>
+                                        <p:cTn id="16" dur="1" fill="hold">
+                                          <p:stCondLst>
+                                            <p:cond delay="0"/>
+                                          </p:stCondLst>
+                                        </p:cTn>
+                                        <p:tgtEl>
+                                          <p:spTgt spid="12"/>
+                                        </p:tgtEl>
+                                        <p:attrNameLst>
+                                          <p:attrName>style.visibility</p:attrName>
+                                        </p:attrNameLst>
+                                      </p:cBhvr>
+                                      <p:to>
+                                        <p:strVal val="visible"/>
+                                      </p:to>
+                                    </p:set>
+                                  </p:childTnLst>
+                                </p:cTn>
+                              </p:par>
+                              <p:par>
+                                <p:cTn id="17" presetID="1" presetClass="entr" presetSubtype="0" fill="hold" grpId="0" nodeType="withEffect">
+                                  <p:stCondLst>
+                                    <p:cond delay="0"/>
+                                  </p:stCondLst>
+                                  <p:childTnLst>
+                                    <p:set>
+                                      <p:cBhvr>
+                                        <p:cTn id="18" dur="1" fill="hold">
+                                          <p:stCondLst>
+                                            <p:cond delay="0"/>
+                                          </p:stCondLst>
+                                        </p:cTn>
+                                        <p:tgtEl>
+                                          <p:spTgt spid="14"/>
+                                        </p:tgtEl>
+                                        <p:attrNameLst>
+                                          <p:attrName>style.visibility</p:attrName>
+                                        </p:attrNameLst>
+                                      </p:cBhvr>
+                                      <p:to>
+                                        <p:strVal val="visible"/>
+                                      </p:to>
+                                    </p:set>
+                                  </p:childTnLst>
+                                </p:cTn>
+                              </p:par>
+                              <p:par>
+                                <p:cTn id="19" presetID="1" presetClass="entr" presetSubtype="0" fill="hold" nodeType="withEffect">
+                                  <p:stCondLst>
+                                    <p:cond delay="0"/>
+                                  </p:stCondLst>
+                                  <p:childTnLst>
+                                    <p:set>
+                                      <p:cBhvr>
+                                        <p:cTn id="20" dur="1" fill="hold">
+                                          <p:stCondLst>
+                                            <p:cond delay="0"/>
+                                          </p:stCondLst>
+                                        </p:cTn>
+                                        <p:tgtEl>
+                                          <p:spTgt spid="3">
+                                            <p:txEl>
+                                              <p:pRg st="3" end="3"/>
+                                            </p:txEl>
+                                          </p:spTgt>
+                                        </p:tgtEl>
+                                        <p:attrNameLst>
+                                          <p:attrName>style.visibility</p:attrName>
+                                        </p:attrNameLst>
+                                      </p:cBhvr>
+                                      <p:to>
+                                        <p:strVal val="visible"/>
+                                      </p:to>
+                                    </p:set>
+                                  </p:childTnLst>
+                                </p:cTn>
+                              </p:par>
+                            </p:childTnLst>
+                          </p:cTn>
+                        </p:par>
+                      </p:childTnLst>
+                    </p:cTn>
+                  </p:par>
+                </p:childTnLst>
+              </p:cTn>
+              <p:prevCondLst>
+                <p:cond evt="onPrev" delay="0">
+                  <p:tgtEl>
+                    <p:sldTgt/>
+                  </p:tgtEl>
+                </p:cond>
+              </p:prevCondLst>
+              <p:nextCondLst>
+                <p:cond evt="onNext" delay="0">
+                  <p:tgtEl>
+                    <p:sldTgt/>
+                  </p:tgtEl>
+                </p:cond>
+              </p:nextCondLst>
+            </p:seq>
+          </p:childTnLst>
+        </p:cTn>
+      </p:par>
+    </p:tnLst>
+    <p:bldLst>
+      <p:bldP spid="12" grpId="0"/>
+      <p:bldP spid="14" grpId="0"/>
+    </p:bldLst>
+  </p:timing>
+</p:sld>
+</file>
+
+<file path=ppt/slides/slide18.xml><?xml version="1.0" encoding="utf-8"?>
+<p:sld xmlns:a="http://schemas.openxmlformats.org/drawingml/2006/main" xmlns:r="http://schemas.openxmlformats.org/officeDocument/2006/relationships" xmlns:p="http://schemas.openxmlformats.org/presentationml/2006/main">
+  <p:cSld>
+    <p:spTree>
+      <p:nvGrpSpPr>
+        <p:cNvPr id="1" name="">
+          <a:extLst>
+            <a:ext uri="{FF2B5EF4-FFF2-40B4-BE49-F238E27FC236}">
+              <a16:creationId xmlns:a16="http://schemas.microsoft.com/office/drawing/2014/main" id="{9081D4A6-C81D-C12D-383C-271A6661BA66}"/>
+            </a:ext>
+          </a:extLst>
+        </p:cNvPr>
+        <p:cNvGrpSpPr/>
+        <p:nvPr/>
+      </p:nvGrpSpPr>
+      <p:grpSpPr>
+        <a:xfrm>
+          <a:off x="0" y="0"/>
+          <a:ext cx="0" cy="0"/>
+          <a:chOff x="0" y="0"/>
+          <a:chExt cx="0" cy="0"/>
+        </a:xfrm>
+      </p:grpSpPr>
+      <p:sp>
+        <p:nvSpPr>
+          <p:cNvPr id="2" name="Title 1">
+            <a:extLst>
+              <a:ext uri="{FF2B5EF4-FFF2-40B4-BE49-F238E27FC236}">
+                <a16:creationId xmlns:a16="http://schemas.microsoft.com/office/drawing/2014/main" id="{EE3AA4CA-A441-F041-8E93-6995C43BF3F2}"/>
+              </a:ext>
+            </a:extLst>
+          </p:cNvPr>
+          <p:cNvSpPr>
+            <a:spLocks noGrp="1"/>
+          </p:cNvSpPr>
+          <p:nvPr>
+            <p:ph type="title"/>
+          </p:nvPr>
+        </p:nvSpPr>
+        <p:spPr>
+          <a:xfrm>
+            <a:off x="838200" y="365125"/>
+            <a:ext cx="6290187" cy="1325563"/>
+          </a:xfrm>
+        </p:spPr>
+        <p:txBody>
+          <a:bodyPr/>
+          <a:lstStyle/>
+          <a:p>
+            <a:r>
+              <a:rPr lang="en-US" dirty="0"/>
+              <a:t>Uncertainty in means and values</a:t>
+            </a:r>
+            <a:endParaRPr lang="he-IL" dirty="0"/>
+          </a:p>
+        </p:txBody>
+      </p:sp>
+      <p:sp>
+        <p:nvSpPr>
+          <p:cNvPr id="3" name="Content Placeholder 2">
+            <a:extLst>
+              <a:ext uri="{FF2B5EF4-FFF2-40B4-BE49-F238E27FC236}">
+                <a16:creationId xmlns:a16="http://schemas.microsoft.com/office/drawing/2014/main" id="{954CD300-FBD7-F196-2480-E7F8928BF809}"/>
+              </a:ext>
+            </a:extLst>
+          </p:cNvPr>
+          <p:cNvSpPr>
+            <a:spLocks noGrp="1"/>
+          </p:cNvSpPr>
+          <p:nvPr>
+            <p:ph idx="1"/>
+          </p:nvPr>
+        </p:nvSpPr>
+        <p:spPr>
+          <a:xfrm>
+            <a:off x="838200" y="5161934"/>
+            <a:ext cx="5037663" cy="1325563"/>
+          </a:xfrm>
+        </p:spPr>
+        <p:txBody>
+          <a:bodyPr>
+            <a:normAutofit fontScale="92500" lnSpcReduction="20000"/>
+          </a:bodyPr>
+          <a:lstStyle/>
+          <a:p>
+            <a:r>
+              <a:rPr lang="en-US" dirty="0"/>
+              <a:t>There is uncertainty:</a:t>
+            </a:r>
+          </a:p>
+          <a:p>
+            <a:pPr lvl="1"/>
+            <a:r>
+              <a:rPr lang="en-US" dirty="0"/>
+              <a:t>In the mean</a:t>
+            </a:r>
+          </a:p>
+          <a:p>
+            <a:pPr lvl="1"/>
+            <a:r>
+              <a:rPr lang="en-US" dirty="0"/>
+              <a:t>In the spread around the mean</a:t>
+            </a:r>
+          </a:p>
+          <a:p>
+            <a:pPr lvl="1"/>
+            <a:r>
+              <a:rPr lang="en-US" dirty="0"/>
+              <a:t>In the specific values we would get</a:t>
+            </a:r>
+            <a:endParaRPr lang="he-IL" dirty="0"/>
+          </a:p>
+        </p:txBody>
+      </p:sp>
+      <p:pic>
+        <p:nvPicPr>
+          <p:cNvPr id="4" name="Picture 3">
+            <a:extLst>
+              <a:ext uri="{FF2B5EF4-FFF2-40B4-BE49-F238E27FC236}">
+                <a16:creationId xmlns:a16="http://schemas.microsoft.com/office/drawing/2014/main" id="{10965237-63FF-201F-3CFC-0ECFBE3939DB}"/>
+              </a:ext>
+            </a:extLst>
+          </p:cNvPr>
+          <p:cNvPicPr>
+            <a:picLocks noChangeAspect="1"/>
+          </p:cNvPicPr>
+          <p:nvPr/>
+        </p:nvPicPr>
+        <p:blipFill>
+          <a:blip r:embed="rId2"/>
+          <a:stretch>
+            <a:fillRect/>
+          </a:stretch>
+        </p:blipFill>
+        <p:spPr>
+          <a:xfrm>
+            <a:off x="7293531" y="299128"/>
+            <a:ext cx="4847302" cy="1526498"/>
+          </a:xfrm>
+          <a:prstGeom prst="rect">
+            <a:avLst/>
+          </a:prstGeom>
+        </p:spPr>
+      </p:pic>
+      <p:graphicFrame>
+        <p:nvGraphicFramePr>
+          <p:cNvPr id="5" name="Object 4">
+            <a:extLst>
+              <a:ext uri="{FF2B5EF4-FFF2-40B4-BE49-F238E27FC236}">
+                <a16:creationId xmlns:a16="http://schemas.microsoft.com/office/drawing/2014/main" id="{8E1D28B0-7CE4-6CB8-6F01-08C3A5BEE8FC}"/>
+              </a:ext>
+            </a:extLst>
+          </p:cNvPr>
+          <p:cNvGraphicFramePr>
+            <a:graphicFrameLocks noChangeAspect="1"/>
+          </p:cNvGraphicFramePr>
+          <p:nvPr>
+            <p:extLst>
+              <p:ext uri="{D42A27DB-BD31-4B8C-83A1-F6EECF244321}">
+                <p14:modId xmlns:p14="http://schemas.microsoft.com/office/powerpoint/2010/main" val="1219880291"/>
+              </p:ext>
+            </p:extLst>
+          </p:nvPr>
+        </p:nvGraphicFramePr>
+        <p:xfrm>
+          <a:off x="628804" y="2179637"/>
+          <a:ext cx="1965325" cy="542925"/>
+        </p:xfrm>
+        <a:graphic>
+          <a:graphicData uri="http://schemas.openxmlformats.org/presentationml/2006/ole">
+            <mc:AlternateContent xmlns:mc="http://schemas.openxmlformats.org/markup-compatibility/2006">
+              <mc:Choice xmlns:v="urn:schemas-microsoft-com:vml" Requires="v">
+                <p:oleObj name="Equation" r:id="rId3" imgW="736560" imgH="203040" progId="Equation.DSMT4">
+                  <p:embed/>
+                </p:oleObj>
+              </mc:Choice>
+              <mc:Fallback>
+                <p:oleObj name="Equation" r:id="rId3" imgW="736560" imgH="203040" progId="Equation.DSMT4">
+                  <p:embed/>
+                  <p:pic>
+                    <p:nvPicPr>
+                      <p:cNvPr id="5" name="Object 4">
+                        <a:extLst>
+                          <a:ext uri="{FF2B5EF4-FFF2-40B4-BE49-F238E27FC236}">
+                            <a16:creationId xmlns:a16="http://schemas.microsoft.com/office/drawing/2014/main" id="{8AAD97A6-87F4-D755-7358-53C08FFF18E6}"/>
+                          </a:ext>
+                        </a:extLst>
+                      </p:cNvPr>
+                      <p:cNvPicPr/>
+                      <p:nvPr/>
+                    </p:nvPicPr>
+                    <p:blipFill>
+                      <a:blip r:embed="rId4"/>
+                      <a:stretch>
+                        <a:fillRect/>
+                      </a:stretch>
+                    </p:blipFill>
+                    <p:spPr>
+                      <a:xfrm>
+                        <a:off x="628804" y="2179637"/>
+                        <a:ext cx="1965325" cy="542925"/>
+                      </a:xfrm>
+                      <a:prstGeom prst="rect">
+                        <a:avLst/>
+                      </a:prstGeom>
+                    </p:spPr>
+                  </p:pic>
+                </p:oleObj>
+              </mc:Fallback>
+            </mc:AlternateContent>
+          </a:graphicData>
+        </a:graphic>
+      </p:graphicFrame>
+      <p:sp>
+        <p:nvSpPr>
+          <p:cNvPr id="6" name="TextBox 5">
+            <a:extLst>
+              <a:ext uri="{FF2B5EF4-FFF2-40B4-BE49-F238E27FC236}">
+                <a16:creationId xmlns:a16="http://schemas.microsoft.com/office/drawing/2014/main" id="{D7D53635-0D0F-E965-7644-1E4CC96AFB12}"/>
+              </a:ext>
+            </a:extLst>
+          </p:cNvPr>
+          <p:cNvSpPr txBox="1"/>
+          <p:nvPr/>
+        </p:nvSpPr>
+        <p:spPr>
+          <a:xfrm>
+            <a:off x="645907" y="2773887"/>
+            <a:ext cx="998991" cy="369332"/>
+          </a:xfrm>
+          <a:prstGeom prst="rect">
+            <a:avLst/>
+          </a:prstGeom>
+          <a:noFill/>
+        </p:spPr>
+        <p:txBody>
+          <a:bodyPr wrap="none" rtlCol="1">
+            <a:spAutoFit/>
+          </a:bodyPr>
+          <a:lstStyle/>
+          <a:p>
+            <a:r>
+              <a:rPr lang="en-US" dirty="0"/>
+              <a:t>But also:</a:t>
+            </a:r>
+            <a:endParaRPr lang="he-IL" dirty="0"/>
+          </a:p>
+        </p:txBody>
+      </p:sp>
+      <p:graphicFrame>
+        <p:nvGraphicFramePr>
+          <p:cNvPr id="7" name="Object 6">
+            <a:extLst>
+              <a:ext uri="{FF2B5EF4-FFF2-40B4-BE49-F238E27FC236}">
+                <a16:creationId xmlns:a16="http://schemas.microsoft.com/office/drawing/2014/main" id="{4520849F-3485-B459-D24E-E62168027C37}"/>
+              </a:ext>
+            </a:extLst>
+          </p:cNvPr>
+          <p:cNvGraphicFramePr>
+            <a:graphicFrameLocks noChangeAspect="1"/>
+          </p:cNvGraphicFramePr>
+          <p:nvPr>
+            <p:extLst>
+              <p:ext uri="{D42A27DB-BD31-4B8C-83A1-F6EECF244321}">
+                <p14:modId xmlns:p14="http://schemas.microsoft.com/office/powerpoint/2010/main" val="2888261951"/>
+              </p:ext>
+            </p:extLst>
+          </p:nvPr>
+        </p:nvGraphicFramePr>
+        <p:xfrm>
+          <a:off x="957416" y="3195637"/>
+          <a:ext cx="1960563" cy="466725"/>
+        </p:xfrm>
+        <a:graphic>
+          <a:graphicData uri="http://schemas.openxmlformats.org/presentationml/2006/ole">
+            <mc:AlternateContent xmlns:mc="http://schemas.openxmlformats.org/markup-compatibility/2006">
+              <mc:Choice xmlns:v="urn:schemas-microsoft-com:vml" Requires="v">
+                <p:oleObj name="Equation" r:id="rId5" imgW="850680" imgH="203040" progId="Equation.DSMT4">
+                  <p:embed/>
+                </p:oleObj>
+              </mc:Choice>
+              <mc:Fallback>
+                <p:oleObj name="Equation" r:id="rId5" imgW="850680" imgH="203040" progId="Equation.DSMT4">
+                  <p:embed/>
+                  <p:pic>
+                    <p:nvPicPr>
+                      <p:cNvPr id="7" name="Object 6">
+                        <a:extLst>
+                          <a:ext uri="{FF2B5EF4-FFF2-40B4-BE49-F238E27FC236}">
+                            <a16:creationId xmlns:a16="http://schemas.microsoft.com/office/drawing/2014/main" id="{FCF3C71D-0202-4BBD-94C8-6CB6EE90B211}"/>
+                          </a:ext>
+                        </a:extLst>
+                      </p:cNvPr>
+                      <p:cNvPicPr/>
+                      <p:nvPr/>
+                    </p:nvPicPr>
+                    <p:blipFill>
+                      <a:blip r:embed="rId6"/>
+                      <a:stretch>
+                        <a:fillRect/>
+                      </a:stretch>
+                    </p:blipFill>
+                    <p:spPr>
+                      <a:xfrm>
+                        <a:off x="957416" y="3195637"/>
+                        <a:ext cx="1960563" cy="466725"/>
+                      </a:xfrm>
+                      <a:prstGeom prst="rect">
+                        <a:avLst/>
+                      </a:prstGeom>
+                    </p:spPr>
+                  </p:pic>
+                </p:oleObj>
+              </mc:Fallback>
+            </mc:AlternateContent>
+          </a:graphicData>
+        </a:graphic>
+      </p:graphicFrame>
+      <p:graphicFrame>
+        <p:nvGraphicFramePr>
+          <p:cNvPr id="8" name="Object 7">
+            <a:extLst>
+              <a:ext uri="{FF2B5EF4-FFF2-40B4-BE49-F238E27FC236}">
+                <a16:creationId xmlns:a16="http://schemas.microsoft.com/office/drawing/2014/main" id="{8DA14D72-067C-6B45-360E-1B80A512E3EF}"/>
+              </a:ext>
+            </a:extLst>
+          </p:cNvPr>
+          <p:cNvGraphicFramePr>
+            <a:graphicFrameLocks noChangeAspect="1"/>
+          </p:cNvGraphicFramePr>
+          <p:nvPr>
+            <p:extLst>
+              <p:ext uri="{D42A27DB-BD31-4B8C-83A1-F6EECF244321}">
+                <p14:modId xmlns:p14="http://schemas.microsoft.com/office/powerpoint/2010/main" val="2542123951"/>
+              </p:ext>
+            </p:extLst>
+          </p:nvPr>
+        </p:nvGraphicFramePr>
+        <p:xfrm>
+          <a:off x="957416" y="3654424"/>
+          <a:ext cx="1924050" cy="460375"/>
+        </p:xfrm>
+        <a:graphic>
+          <a:graphicData uri="http://schemas.openxmlformats.org/presentationml/2006/ole">
+            <mc:AlternateContent xmlns:mc="http://schemas.openxmlformats.org/markup-compatibility/2006">
+              <mc:Choice xmlns:v="urn:schemas-microsoft-com:vml" Requires="v">
+                <p:oleObj name="Equation" r:id="rId7" imgW="850680" imgH="203040" progId="Equation.DSMT4">
+                  <p:embed/>
+                </p:oleObj>
+              </mc:Choice>
+              <mc:Fallback>
+                <p:oleObj name="Equation" r:id="rId7" imgW="850680" imgH="203040" progId="Equation.DSMT4">
+                  <p:embed/>
+                  <p:pic>
+                    <p:nvPicPr>
+                      <p:cNvPr id="8" name="Object 7">
+                        <a:extLst>
+                          <a:ext uri="{FF2B5EF4-FFF2-40B4-BE49-F238E27FC236}">
+                            <a16:creationId xmlns:a16="http://schemas.microsoft.com/office/drawing/2014/main" id="{289214A8-6015-F22D-6E50-CF4742AE703E}"/>
+                          </a:ext>
+                        </a:extLst>
+                      </p:cNvPr>
+                      <p:cNvPicPr/>
+                      <p:nvPr/>
+                    </p:nvPicPr>
+                    <p:blipFill>
+                      <a:blip r:embed="rId8"/>
+                      <a:stretch>
+                        <a:fillRect/>
+                      </a:stretch>
+                    </p:blipFill>
+                    <p:spPr>
+                      <a:xfrm>
+                        <a:off x="957416" y="3654424"/>
+                        <a:ext cx="1924050" cy="460375"/>
+                      </a:xfrm>
+                      <a:prstGeom prst="rect">
+                        <a:avLst/>
+                      </a:prstGeom>
+                    </p:spPr>
+                  </p:pic>
+                </p:oleObj>
+              </mc:Fallback>
+            </mc:AlternateContent>
+          </a:graphicData>
+        </a:graphic>
+      </p:graphicFrame>
+      <p:graphicFrame>
+        <p:nvGraphicFramePr>
+          <p:cNvPr id="9" name="Object 8">
+            <a:extLst>
+              <a:ext uri="{FF2B5EF4-FFF2-40B4-BE49-F238E27FC236}">
+                <a16:creationId xmlns:a16="http://schemas.microsoft.com/office/drawing/2014/main" id="{0BA87F79-4085-AA62-4AC5-3B66F7E75E5C}"/>
+              </a:ext>
+            </a:extLst>
+          </p:cNvPr>
+          <p:cNvGraphicFramePr>
+            <a:graphicFrameLocks noChangeAspect="1"/>
+          </p:cNvGraphicFramePr>
+          <p:nvPr>
+            <p:extLst>
+              <p:ext uri="{D42A27DB-BD31-4B8C-83A1-F6EECF244321}">
+                <p14:modId xmlns:p14="http://schemas.microsoft.com/office/powerpoint/2010/main" val="3733759458"/>
+              </p:ext>
+            </p:extLst>
+          </p:nvPr>
+        </p:nvGraphicFramePr>
+        <p:xfrm>
+          <a:off x="4527550" y="2080892"/>
+          <a:ext cx="1568450" cy="542925"/>
+        </p:xfrm>
+        <a:graphic>
+          <a:graphicData uri="http://schemas.openxmlformats.org/presentationml/2006/ole">
+            <mc:AlternateContent xmlns:mc="http://schemas.openxmlformats.org/markup-compatibility/2006">
+              <mc:Choice xmlns:v="urn:schemas-microsoft-com:vml" Requires="v">
+                <p:oleObj name="Equation" r:id="rId9" imgW="660240" imgH="228600" progId="Equation.DSMT4">
+                  <p:embed/>
+                </p:oleObj>
+              </mc:Choice>
+              <mc:Fallback>
+                <p:oleObj name="Equation" r:id="rId9" imgW="660240" imgH="228600" progId="Equation.DSMT4">
+                  <p:embed/>
+                  <p:pic>
+                    <p:nvPicPr>
+                      <p:cNvPr id="0" name=""/>
+                      <p:cNvPicPr/>
+                      <p:nvPr/>
+                    </p:nvPicPr>
+                    <p:blipFill>
+                      <a:blip r:embed="rId10"/>
+                      <a:stretch>
+                        <a:fillRect/>
+                      </a:stretch>
+                    </p:blipFill>
+                    <p:spPr>
+                      <a:xfrm>
+                        <a:off x="4527550" y="2080892"/>
+                        <a:ext cx="1568450" cy="542925"/>
+                      </a:xfrm>
+                      <a:prstGeom prst="rect">
+                        <a:avLst/>
+                      </a:prstGeom>
+                    </p:spPr>
+                  </p:pic>
+                </p:oleObj>
+              </mc:Fallback>
+            </mc:AlternateContent>
+          </a:graphicData>
+        </a:graphic>
+      </p:graphicFrame>
+      <p:graphicFrame>
+        <p:nvGraphicFramePr>
+          <p:cNvPr id="10" name="Object 9">
+            <a:extLst>
+              <a:ext uri="{FF2B5EF4-FFF2-40B4-BE49-F238E27FC236}">
+                <a16:creationId xmlns:a16="http://schemas.microsoft.com/office/drawing/2014/main" id="{CC9C581B-5240-09D7-DBE9-F30214A7E0BC}"/>
+              </a:ext>
+            </a:extLst>
+          </p:cNvPr>
+          <p:cNvGraphicFramePr>
+            <a:graphicFrameLocks noChangeAspect="1"/>
+          </p:cNvGraphicFramePr>
+          <p:nvPr>
+            <p:extLst>
+              <p:ext uri="{D42A27DB-BD31-4B8C-83A1-F6EECF244321}">
+                <p14:modId xmlns:p14="http://schemas.microsoft.com/office/powerpoint/2010/main" val="3864104484"/>
+              </p:ext>
+            </p:extLst>
+          </p:nvPr>
+        </p:nvGraphicFramePr>
+        <p:xfrm>
+          <a:off x="4527550" y="3159586"/>
+          <a:ext cx="1348314" cy="466724"/>
+        </p:xfrm>
+        <a:graphic>
+          <a:graphicData uri="http://schemas.openxmlformats.org/presentationml/2006/ole">
+            <mc:AlternateContent xmlns:mc="http://schemas.openxmlformats.org/markup-compatibility/2006">
+              <mc:Choice xmlns:v="urn:schemas-microsoft-com:vml" Requires="v">
+                <p:oleObj name="Equation" r:id="rId11" imgW="660240" imgH="228600" progId="Equation.DSMT4">
+                  <p:embed/>
+                </p:oleObj>
+              </mc:Choice>
+              <mc:Fallback>
+                <p:oleObj name="Equation" r:id="rId11" imgW="660240" imgH="228600" progId="Equation.DSMT4">
+                  <p:embed/>
+                  <p:pic>
+                    <p:nvPicPr>
+                      <p:cNvPr id="0" name=""/>
+                      <p:cNvPicPr/>
+                      <p:nvPr/>
+                    </p:nvPicPr>
+                    <p:blipFill>
+                      <a:blip r:embed="rId12"/>
+                      <a:stretch>
+                        <a:fillRect/>
+                      </a:stretch>
+                    </p:blipFill>
+                    <p:spPr>
+                      <a:xfrm>
+                        <a:off x="4527550" y="3159586"/>
+                        <a:ext cx="1348314" cy="466724"/>
+                      </a:xfrm>
+                      <a:prstGeom prst="rect">
+                        <a:avLst/>
+                      </a:prstGeom>
+                    </p:spPr>
+                  </p:pic>
+                </p:oleObj>
+              </mc:Fallback>
+            </mc:AlternateContent>
+          </a:graphicData>
+        </a:graphic>
+      </p:graphicFrame>
+      <p:graphicFrame>
+        <p:nvGraphicFramePr>
+          <p:cNvPr id="11" name="Object 10">
+            <a:extLst>
+              <a:ext uri="{FF2B5EF4-FFF2-40B4-BE49-F238E27FC236}">
+                <a16:creationId xmlns:a16="http://schemas.microsoft.com/office/drawing/2014/main" id="{F55BF41F-C34B-837B-F99E-CBB119B567FD}"/>
+              </a:ext>
+            </a:extLst>
+          </p:cNvPr>
+          <p:cNvGraphicFramePr>
+            <a:graphicFrameLocks noChangeAspect="1"/>
+          </p:cNvGraphicFramePr>
+          <p:nvPr>
+            <p:extLst>
+              <p:ext uri="{D42A27DB-BD31-4B8C-83A1-F6EECF244321}">
+                <p14:modId xmlns:p14="http://schemas.microsoft.com/office/powerpoint/2010/main" val="1530415162"/>
+              </p:ext>
+            </p:extLst>
+          </p:nvPr>
+        </p:nvGraphicFramePr>
+        <p:xfrm>
+          <a:off x="4527549" y="3709404"/>
+          <a:ext cx="1348314" cy="466724"/>
+        </p:xfrm>
+        <a:graphic>
+          <a:graphicData uri="http://schemas.openxmlformats.org/presentationml/2006/ole">
+            <mc:AlternateContent xmlns:mc="http://schemas.openxmlformats.org/markup-compatibility/2006">
+              <mc:Choice xmlns:v="urn:schemas-microsoft-com:vml" Requires="v">
+                <p:oleObj name="Equation" r:id="rId13" imgW="660240" imgH="228600" progId="Equation.DSMT4">
+                  <p:embed/>
+                </p:oleObj>
+              </mc:Choice>
+              <mc:Fallback>
+                <p:oleObj name="Equation" r:id="rId13" imgW="660240" imgH="228600" progId="Equation.DSMT4">
+                  <p:embed/>
+                  <p:pic>
+                    <p:nvPicPr>
+                      <p:cNvPr id="0" name=""/>
+                      <p:cNvPicPr/>
+                      <p:nvPr/>
+                    </p:nvPicPr>
+                    <p:blipFill>
+                      <a:blip r:embed="rId14"/>
+                      <a:stretch>
+                        <a:fillRect/>
+                      </a:stretch>
+                    </p:blipFill>
+                    <p:spPr>
+                      <a:xfrm>
+                        <a:off x="4527549" y="3709404"/>
+                        <a:ext cx="1348314" cy="466724"/>
+                      </a:xfrm>
+                      <a:prstGeom prst="rect">
+                        <a:avLst/>
+                      </a:prstGeom>
+                    </p:spPr>
+                  </p:pic>
+                </p:oleObj>
+              </mc:Fallback>
+            </mc:AlternateContent>
+          </a:graphicData>
+        </a:graphic>
+      </p:graphicFrame>
+      <p:graphicFrame>
+        <p:nvGraphicFramePr>
+          <p:cNvPr id="12" name="Object 11">
+            <a:extLst>
+              <a:ext uri="{FF2B5EF4-FFF2-40B4-BE49-F238E27FC236}">
+                <a16:creationId xmlns:a16="http://schemas.microsoft.com/office/drawing/2014/main" id="{003B63C1-8E94-7169-56C2-81CE24E3D80E}"/>
+              </a:ext>
+            </a:extLst>
+          </p:cNvPr>
+          <p:cNvGraphicFramePr>
+            <a:graphicFrameLocks noChangeAspect="1"/>
+          </p:cNvGraphicFramePr>
+          <p:nvPr>
+            <p:extLst>
+              <p:ext uri="{D42A27DB-BD31-4B8C-83A1-F6EECF244321}">
+                <p14:modId xmlns:p14="http://schemas.microsoft.com/office/powerpoint/2010/main" val="1575269115"/>
+              </p:ext>
+            </p:extLst>
+          </p:nvPr>
+        </p:nvGraphicFramePr>
+        <p:xfrm>
+          <a:off x="6819696" y="2080891"/>
+          <a:ext cx="1876624" cy="433067"/>
+        </p:xfrm>
+        <a:graphic>
+          <a:graphicData uri="http://schemas.openxmlformats.org/presentationml/2006/ole">
+            <mc:AlternateContent xmlns:mc="http://schemas.openxmlformats.org/markup-compatibility/2006">
+              <mc:Choice xmlns:v="urn:schemas-microsoft-com:vml" Requires="v">
+                <p:oleObj name="Equation" r:id="rId15" imgW="990360" imgH="228600" progId="Equation.DSMT4">
+                  <p:embed/>
+                </p:oleObj>
+              </mc:Choice>
+              <mc:Fallback>
+                <p:oleObj name="Equation" r:id="rId15" imgW="990360" imgH="228600" progId="Equation.DSMT4">
+                  <p:embed/>
+                  <p:pic>
+                    <p:nvPicPr>
+                      <p:cNvPr id="0" name=""/>
+                      <p:cNvPicPr/>
+                      <p:nvPr/>
+                    </p:nvPicPr>
+                    <p:blipFill>
+                      <a:blip r:embed="rId16"/>
+                      <a:stretch>
+                        <a:fillRect/>
+                      </a:stretch>
+                    </p:blipFill>
+                    <p:spPr>
+                      <a:xfrm>
+                        <a:off x="6819696" y="2080891"/>
+                        <a:ext cx="1876624" cy="433067"/>
+                      </a:xfrm>
+                      <a:prstGeom prst="rect">
+                        <a:avLst/>
+                      </a:prstGeom>
+                    </p:spPr>
+                  </p:pic>
+                </p:oleObj>
+              </mc:Fallback>
+            </mc:AlternateContent>
+          </a:graphicData>
+        </a:graphic>
+      </p:graphicFrame>
+      <p:graphicFrame>
+        <p:nvGraphicFramePr>
+          <p:cNvPr id="13" name="Object 12">
+            <a:extLst>
+              <a:ext uri="{FF2B5EF4-FFF2-40B4-BE49-F238E27FC236}">
+                <a16:creationId xmlns:a16="http://schemas.microsoft.com/office/drawing/2014/main" id="{EED70279-D847-F191-F21C-12EAF0626A15}"/>
+              </a:ext>
+            </a:extLst>
+          </p:cNvPr>
+          <p:cNvGraphicFramePr>
+            <a:graphicFrameLocks noChangeAspect="1"/>
+          </p:cNvGraphicFramePr>
+          <p:nvPr>
+            <p:extLst>
+              <p:ext uri="{D42A27DB-BD31-4B8C-83A1-F6EECF244321}">
+                <p14:modId xmlns:p14="http://schemas.microsoft.com/office/powerpoint/2010/main" val="1240023119"/>
+              </p:ext>
+            </p:extLst>
+          </p:nvPr>
+        </p:nvGraphicFramePr>
+        <p:xfrm>
+          <a:off x="9625872" y="2084066"/>
+          <a:ext cx="1862865" cy="429892"/>
+        </p:xfrm>
+        <a:graphic>
+          <a:graphicData uri="http://schemas.openxmlformats.org/presentationml/2006/ole">
+            <mc:AlternateContent xmlns:mc="http://schemas.openxmlformats.org/markup-compatibility/2006">
+              <mc:Choice xmlns:v="urn:schemas-microsoft-com:vml" Requires="v">
+                <p:oleObj name="Equation" r:id="rId17" imgW="990360" imgH="228600" progId="Equation.DSMT4">
+                  <p:embed/>
+                </p:oleObj>
+              </mc:Choice>
+              <mc:Fallback>
+                <p:oleObj name="Equation" r:id="rId17" imgW="990360" imgH="228600" progId="Equation.DSMT4">
+                  <p:embed/>
+                  <p:pic>
+                    <p:nvPicPr>
+                      <p:cNvPr id="0" name=""/>
+                      <p:cNvPicPr/>
+                      <p:nvPr/>
+                    </p:nvPicPr>
+                    <p:blipFill>
+                      <a:blip r:embed="rId18"/>
+                      <a:stretch>
+                        <a:fillRect/>
+                      </a:stretch>
+                    </p:blipFill>
+                    <p:spPr>
+                      <a:xfrm>
+                        <a:off x="9625872" y="2084066"/>
+                        <a:ext cx="1862865" cy="429892"/>
+                      </a:xfrm>
+                      <a:prstGeom prst="rect">
+                        <a:avLst/>
+                      </a:prstGeom>
+                    </p:spPr>
+                  </p:pic>
+                </p:oleObj>
+              </mc:Fallback>
+            </mc:AlternateContent>
+          </a:graphicData>
+        </a:graphic>
+      </p:graphicFrame>
+      <p:graphicFrame>
+        <p:nvGraphicFramePr>
+          <p:cNvPr id="14" name="Object 13">
+            <a:extLst>
+              <a:ext uri="{FF2B5EF4-FFF2-40B4-BE49-F238E27FC236}">
+                <a16:creationId xmlns:a16="http://schemas.microsoft.com/office/drawing/2014/main" id="{C06523D2-2092-C296-7915-E4863CAA4F8B}"/>
+              </a:ext>
+            </a:extLst>
+          </p:cNvPr>
+          <p:cNvGraphicFramePr>
+            <a:graphicFrameLocks noChangeAspect="1"/>
+          </p:cNvGraphicFramePr>
+          <p:nvPr>
+            <p:extLst>
+              <p:ext uri="{D42A27DB-BD31-4B8C-83A1-F6EECF244321}">
+                <p14:modId xmlns:p14="http://schemas.microsoft.com/office/powerpoint/2010/main" val="2248457423"/>
+              </p:ext>
+            </p:extLst>
+          </p:nvPr>
+        </p:nvGraphicFramePr>
+        <p:xfrm>
+          <a:off x="6877052" y="3134759"/>
+          <a:ext cx="1876624" cy="433067"/>
+        </p:xfrm>
+        <a:graphic>
+          <a:graphicData uri="http://schemas.openxmlformats.org/presentationml/2006/ole">
+            <mc:AlternateContent xmlns:mc="http://schemas.openxmlformats.org/markup-compatibility/2006">
+              <mc:Choice xmlns:v="urn:schemas-microsoft-com:vml" Requires="v">
+                <p:oleObj name="Equation" r:id="rId19" imgW="990360" imgH="228600" progId="Equation.DSMT4">
+                  <p:embed/>
+                </p:oleObj>
+              </mc:Choice>
+              <mc:Fallback>
+                <p:oleObj name="Equation" r:id="rId19" imgW="990360" imgH="228600" progId="Equation.DSMT4">
+                  <p:embed/>
+                  <p:pic>
+                    <p:nvPicPr>
+                      <p:cNvPr id="12" name="Object 11">
+                        <a:extLst>
+                          <a:ext uri="{FF2B5EF4-FFF2-40B4-BE49-F238E27FC236}">
+                            <a16:creationId xmlns:a16="http://schemas.microsoft.com/office/drawing/2014/main" id="{003B63C1-8E94-7169-56C2-81CE24E3D80E}"/>
+                          </a:ext>
+                        </a:extLst>
+                      </p:cNvPr>
+                      <p:cNvPicPr/>
+                      <p:nvPr/>
+                    </p:nvPicPr>
+                    <p:blipFill>
+                      <a:blip r:embed="rId20"/>
+                      <a:stretch>
+                        <a:fillRect/>
+                      </a:stretch>
+                    </p:blipFill>
+                    <p:spPr>
+                      <a:xfrm>
+                        <a:off x="6877052" y="3134759"/>
+                        <a:ext cx="1876624" cy="433067"/>
+                      </a:xfrm>
+                      <a:prstGeom prst="rect">
+                        <a:avLst/>
+                      </a:prstGeom>
+                    </p:spPr>
+                  </p:pic>
+                </p:oleObj>
+              </mc:Fallback>
+            </mc:AlternateContent>
+          </a:graphicData>
+        </a:graphic>
+      </p:graphicFrame>
+      <p:graphicFrame>
+        <p:nvGraphicFramePr>
+          <p:cNvPr id="15" name="Object 14">
+            <a:extLst>
+              <a:ext uri="{FF2B5EF4-FFF2-40B4-BE49-F238E27FC236}">
+                <a16:creationId xmlns:a16="http://schemas.microsoft.com/office/drawing/2014/main" id="{E4646FDC-2514-8C01-4DE5-4E7A96C24D74}"/>
+              </a:ext>
+            </a:extLst>
+          </p:cNvPr>
+          <p:cNvGraphicFramePr>
+            <a:graphicFrameLocks noChangeAspect="1"/>
+          </p:cNvGraphicFramePr>
+          <p:nvPr>
+            <p:extLst>
+              <p:ext uri="{D42A27DB-BD31-4B8C-83A1-F6EECF244321}">
+                <p14:modId xmlns:p14="http://schemas.microsoft.com/office/powerpoint/2010/main" val="1512245107"/>
+              </p:ext>
+            </p:extLst>
+          </p:nvPr>
+        </p:nvGraphicFramePr>
+        <p:xfrm>
+          <a:off x="9683228" y="3137934"/>
+          <a:ext cx="1862865" cy="429892"/>
+        </p:xfrm>
+        <a:graphic>
+          <a:graphicData uri="http://schemas.openxmlformats.org/presentationml/2006/ole">
+            <mc:AlternateContent xmlns:mc="http://schemas.openxmlformats.org/markup-compatibility/2006">
+              <mc:Choice xmlns:v="urn:schemas-microsoft-com:vml" Requires="v">
+                <p:oleObj name="Equation" r:id="rId21" imgW="990360" imgH="228600" progId="Equation.DSMT4">
+                  <p:embed/>
+                </p:oleObj>
+              </mc:Choice>
+              <mc:Fallback>
+                <p:oleObj name="Equation" r:id="rId21" imgW="990360" imgH="228600" progId="Equation.DSMT4">
+                  <p:embed/>
+                  <p:pic>
+                    <p:nvPicPr>
+                      <p:cNvPr id="13" name="Object 12">
+                        <a:extLst>
+                          <a:ext uri="{FF2B5EF4-FFF2-40B4-BE49-F238E27FC236}">
+                            <a16:creationId xmlns:a16="http://schemas.microsoft.com/office/drawing/2014/main" id="{EED70279-D847-F191-F21C-12EAF0626A15}"/>
+                          </a:ext>
+                        </a:extLst>
+                      </p:cNvPr>
+                      <p:cNvPicPr/>
+                      <p:nvPr/>
+                    </p:nvPicPr>
+                    <p:blipFill>
+                      <a:blip r:embed="rId22"/>
+                      <a:stretch>
+                        <a:fillRect/>
+                      </a:stretch>
+                    </p:blipFill>
+                    <p:spPr>
+                      <a:xfrm>
+                        <a:off x="9683228" y="3137934"/>
+                        <a:ext cx="1862865" cy="429892"/>
+                      </a:xfrm>
+                      <a:prstGeom prst="rect">
+                        <a:avLst/>
+                      </a:prstGeom>
+                    </p:spPr>
+                  </p:pic>
+                </p:oleObj>
+              </mc:Fallback>
+            </mc:AlternateContent>
+          </a:graphicData>
+        </a:graphic>
+      </p:graphicFrame>
+      <p:graphicFrame>
+        <p:nvGraphicFramePr>
+          <p:cNvPr id="16" name="Object 15">
+            <a:extLst>
+              <a:ext uri="{FF2B5EF4-FFF2-40B4-BE49-F238E27FC236}">
+                <a16:creationId xmlns:a16="http://schemas.microsoft.com/office/drawing/2014/main" id="{985C4900-6D38-E9D9-150F-836065BF70E3}"/>
+              </a:ext>
+            </a:extLst>
+          </p:cNvPr>
+          <p:cNvGraphicFramePr>
+            <a:graphicFrameLocks noChangeAspect="1"/>
+          </p:cNvGraphicFramePr>
+          <p:nvPr>
+            <p:extLst>
+              <p:ext uri="{D42A27DB-BD31-4B8C-83A1-F6EECF244321}">
+                <p14:modId xmlns:p14="http://schemas.microsoft.com/office/powerpoint/2010/main" val="432036520"/>
+              </p:ext>
+            </p:extLst>
+          </p:nvPr>
+        </p:nvGraphicFramePr>
+        <p:xfrm>
+          <a:off x="6877052" y="3684874"/>
+          <a:ext cx="1876624" cy="433067"/>
+        </p:xfrm>
+        <a:graphic>
+          <a:graphicData uri="http://schemas.openxmlformats.org/presentationml/2006/ole">
+            <mc:AlternateContent xmlns:mc="http://schemas.openxmlformats.org/markup-compatibility/2006">
+              <mc:Choice xmlns:v="urn:schemas-microsoft-com:vml" Requires="v">
+                <p:oleObj name="Equation" r:id="rId23" imgW="990360" imgH="228600" progId="Equation.DSMT4">
+                  <p:embed/>
+                </p:oleObj>
+              </mc:Choice>
+              <mc:Fallback>
+                <p:oleObj name="Equation" r:id="rId23" imgW="990360" imgH="228600" progId="Equation.DSMT4">
+                  <p:embed/>
+                  <p:pic>
+                    <p:nvPicPr>
+                      <p:cNvPr id="14" name="Object 13">
+                        <a:extLst>
+                          <a:ext uri="{FF2B5EF4-FFF2-40B4-BE49-F238E27FC236}">
+                            <a16:creationId xmlns:a16="http://schemas.microsoft.com/office/drawing/2014/main" id="{C06523D2-2092-C296-7915-E4863CAA4F8B}"/>
+                          </a:ext>
+                        </a:extLst>
+                      </p:cNvPr>
+                      <p:cNvPicPr/>
+                      <p:nvPr/>
+                    </p:nvPicPr>
+                    <p:blipFill>
+                      <a:blip r:embed="rId24"/>
+                      <a:stretch>
+                        <a:fillRect/>
+                      </a:stretch>
+                    </p:blipFill>
+                    <p:spPr>
+                      <a:xfrm>
+                        <a:off x="6877052" y="3684874"/>
+                        <a:ext cx="1876624" cy="433067"/>
+                      </a:xfrm>
+                      <a:prstGeom prst="rect">
+                        <a:avLst/>
+                      </a:prstGeom>
+                    </p:spPr>
+                  </p:pic>
+                </p:oleObj>
+              </mc:Fallback>
+            </mc:AlternateContent>
+          </a:graphicData>
+        </a:graphic>
+      </p:graphicFrame>
+      <p:graphicFrame>
+        <p:nvGraphicFramePr>
+          <p:cNvPr id="17" name="Object 16">
+            <a:extLst>
+              <a:ext uri="{FF2B5EF4-FFF2-40B4-BE49-F238E27FC236}">
+                <a16:creationId xmlns:a16="http://schemas.microsoft.com/office/drawing/2014/main" id="{F5FCB0F7-94CA-58BD-1E4F-0DCE82FC3675}"/>
+              </a:ext>
+            </a:extLst>
+          </p:cNvPr>
+          <p:cNvGraphicFramePr>
+            <a:graphicFrameLocks noChangeAspect="1"/>
+          </p:cNvGraphicFramePr>
+          <p:nvPr>
+            <p:extLst>
+              <p:ext uri="{D42A27DB-BD31-4B8C-83A1-F6EECF244321}">
+                <p14:modId xmlns:p14="http://schemas.microsoft.com/office/powerpoint/2010/main" val="457754079"/>
+              </p:ext>
+            </p:extLst>
+          </p:nvPr>
+        </p:nvGraphicFramePr>
+        <p:xfrm>
+          <a:off x="9683228" y="3688049"/>
+          <a:ext cx="1862865" cy="429892"/>
+        </p:xfrm>
+        <a:graphic>
+          <a:graphicData uri="http://schemas.openxmlformats.org/presentationml/2006/ole">
+            <mc:AlternateContent xmlns:mc="http://schemas.openxmlformats.org/markup-compatibility/2006">
+              <mc:Choice xmlns:v="urn:schemas-microsoft-com:vml" Requires="v">
+                <p:oleObj name="Equation" r:id="rId25" imgW="990360" imgH="228600" progId="Equation.DSMT4">
+                  <p:embed/>
+                </p:oleObj>
+              </mc:Choice>
+              <mc:Fallback>
+                <p:oleObj name="Equation" r:id="rId25" imgW="990360" imgH="228600" progId="Equation.DSMT4">
+                  <p:embed/>
+                  <p:pic>
+                    <p:nvPicPr>
+                      <p:cNvPr id="15" name="Object 14">
+                        <a:extLst>
+                          <a:ext uri="{FF2B5EF4-FFF2-40B4-BE49-F238E27FC236}">
+                            <a16:creationId xmlns:a16="http://schemas.microsoft.com/office/drawing/2014/main" id="{E4646FDC-2514-8C01-4DE5-4E7A96C24D74}"/>
+                          </a:ext>
+                        </a:extLst>
+                      </p:cNvPr>
+                      <p:cNvPicPr/>
+                      <p:nvPr/>
+                    </p:nvPicPr>
+                    <p:blipFill>
+                      <a:blip r:embed="rId26"/>
+                      <a:stretch>
+                        <a:fillRect/>
+                      </a:stretch>
+                    </p:blipFill>
+                    <p:spPr>
+                      <a:xfrm>
+                        <a:off x="9683228" y="3688049"/>
+                        <a:ext cx="1862865" cy="429892"/>
+                      </a:xfrm>
+                      <a:prstGeom prst="rect">
+                        <a:avLst/>
+                      </a:prstGeom>
+                    </p:spPr>
+                  </p:pic>
+                </p:oleObj>
+              </mc:Fallback>
+            </mc:AlternateContent>
+          </a:graphicData>
+        </a:graphic>
+      </p:graphicFrame>
+      <p:sp>
+        <p:nvSpPr>
+          <p:cNvPr id="18" name="TextBox 17">
+            <a:extLst>
+              <a:ext uri="{FF2B5EF4-FFF2-40B4-BE49-F238E27FC236}">
+                <a16:creationId xmlns:a16="http://schemas.microsoft.com/office/drawing/2014/main" id="{995A96D9-A076-D5EB-8832-889F7D1927B0}"/>
+              </a:ext>
+            </a:extLst>
+          </p:cNvPr>
+          <p:cNvSpPr txBox="1"/>
+          <p:nvPr/>
+        </p:nvSpPr>
+        <p:spPr>
+          <a:xfrm>
+            <a:off x="6537189" y="5387353"/>
+            <a:ext cx="5064079" cy="461665"/>
+          </a:xfrm>
+          <a:prstGeom prst="rect">
+            <a:avLst/>
+          </a:prstGeom>
+          <a:noFill/>
+        </p:spPr>
+        <p:txBody>
+          <a:bodyPr wrap="none" rtlCol="1">
+            <a:spAutoFit/>
+          </a:bodyPr>
+          <a:lstStyle/>
+          <a:p>
+            <a:r>
+              <a:rPr lang="en-US" sz="2400" b="1" dirty="0"/>
+              <a:t>What value would be surprising to us?</a:t>
+            </a:r>
+            <a:endParaRPr lang="he-IL" sz="2400" b="1" dirty="0"/>
+          </a:p>
+        </p:txBody>
+      </p:sp>
+    </p:spTree>
+    <p:extLst>
+      <p:ext uri="{BB962C8B-B14F-4D97-AF65-F5344CB8AC3E}">
+        <p14:creationId xmlns:p14="http://schemas.microsoft.com/office/powerpoint/2010/main" val="4001653903"/>
+      </p:ext>
+    </p:extLst>
+  </p:cSld>
+  <p:clrMapOvr>
+    <a:masterClrMapping/>
+  </p:clrMapOvr>
+  <p:timing>
+    <p:tnLst>
+      <p:par>
+        <p:cTn id="1" dur="indefinite" restart="never" nodeType="tmRoot">
+          <p:childTnLst>
+            <p:seq concurrent="1" nextAc="seek">
+              <p:cTn id="2" dur="indefinite" nodeType="mainSeq">
+                <p:childTnLst>
+                  <p:par>
+                    <p:cTn id="3" fill="hold">
+                      <p:stCondLst>
+                        <p:cond delay="indefinite"/>
+                      </p:stCondLst>
+                      <p:childTnLst>
+                        <p:par>
+                          <p:cTn id="4" fill="hold">
+                            <p:stCondLst>
+                              <p:cond delay="0"/>
+                            </p:stCondLst>
+                            <p:childTnLst>
+                              <p:par>
+                                <p:cTn id="5" presetID="1" presetClass="entr" presetSubtype="0" fill="hold" nodeType="clickEffect">
+                                  <p:stCondLst>
+                                    <p:cond delay="0"/>
+                                  </p:stCondLst>
+                                  <p:childTnLst>
+                                    <p:set>
+                                      <p:cBhvr>
+                                        <p:cTn id="6" dur="1" fill="hold">
+                                          <p:stCondLst>
+                                            <p:cond delay="0"/>
+                                          </p:stCondLst>
+                                        </p:cTn>
+                                        <p:tgtEl>
+                                          <p:spTgt spid="9"/>
+                                        </p:tgtEl>
+                                        <p:attrNameLst>
+                                          <p:attrName>style.visibility</p:attrName>
+                                        </p:attrNameLst>
+                                      </p:cBhvr>
+                                      <p:to>
+                                        <p:strVal val="visible"/>
+                                      </p:to>
+                                    </p:set>
+                                  </p:childTnLst>
+                                </p:cTn>
+                              </p:par>
+                            </p:childTnLst>
+                          </p:cTn>
+                        </p:par>
+                      </p:childTnLst>
+                    </p:cTn>
+                  </p:par>
+                  <p:par>
+                    <p:cTn id="7" fill="hold">
+                      <p:stCondLst>
+                        <p:cond delay="indefinite"/>
+                      </p:stCondLst>
+                      <p:childTnLst>
+                        <p:par>
+                          <p:cTn id="8" fill="hold">
+                            <p:stCondLst>
+                              <p:cond delay="0"/>
+                            </p:stCondLst>
+                            <p:childTnLst>
+                              <p:par>
+                                <p:cTn id="9" presetID="1" presetClass="entr" presetSubtype="0" fill="hold" nodeType="clickEffect">
+                                  <p:stCondLst>
+                                    <p:cond delay="0"/>
+                                  </p:stCondLst>
+                                  <p:childTnLst>
+                                    <p:set>
+                                      <p:cBhvr>
+                                        <p:cTn id="10" dur="1" fill="hold">
+                                          <p:stCondLst>
+                                            <p:cond delay="0"/>
+                                          </p:stCondLst>
+                                        </p:cTn>
+                                        <p:tgtEl>
+                                          <p:spTgt spid="10"/>
+                                        </p:tgtEl>
+                                        <p:attrNameLst>
+                                          <p:attrName>style.visibility</p:attrName>
+                                        </p:attrNameLst>
+                                      </p:cBhvr>
+                                      <p:to>
+                                        <p:strVal val="visible"/>
+                                      </p:to>
+                                    </p:set>
+                                  </p:childTnLst>
+                                </p:cTn>
+                              </p:par>
+                              <p:par>
+                                <p:cTn id="11" presetID="1" presetClass="entr" presetSubtype="0" fill="hold" nodeType="withEffect">
+                                  <p:stCondLst>
+                                    <p:cond delay="0"/>
+                                  </p:stCondLst>
+                                  <p:childTnLst>
+                                    <p:set>
+                                      <p:cBhvr>
+                                        <p:cTn id="12" dur="1" fill="hold">
+                                          <p:stCondLst>
+                                            <p:cond delay="0"/>
+                                          </p:stCondLst>
+                                        </p:cTn>
+                                        <p:tgtEl>
+                                          <p:spTgt spid="11"/>
+                                        </p:tgtEl>
+                                        <p:attrNameLst>
+                                          <p:attrName>style.visibility</p:attrName>
+                                        </p:attrNameLst>
+                                      </p:cBhvr>
+                                      <p:to>
+                                        <p:strVal val="visible"/>
+                                      </p:to>
+                                    </p:set>
+                                  </p:childTnLst>
+                                </p:cTn>
+                              </p:par>
+                            </p:childTnLst>
+                          </p:cTn>
+                        </p:par>
+                      </p:childTnLst>
+                    </p:cTn>
+                  </p:par>
+                  <p:par>
+                    <p:cTn id="13" fill="hold">
+                      <p:stCondLst>
+                        <p:cond delay="indefinite"/>
+                      </p:stCondLst>
+                      <p:childTnLst>
+                        <p:par>
+                          <p:cTn id="14" fill="hold">
+                            <p:stCondLst>
+                              <p:cond delay="0"/>
+                            </p:stCondLst>
+                            <p:childTnLst>
+                              <p:par>
+                                <p:cTn id="15" presetID="1" presetClass="entr" presetSubtype="0" fill="hold" nodeType="clickEffect">
+                                  <p:stCondLst>
+                                    <p:cond delay="0"/>
+                                  </p:stCondLst>
+                                  <p:childTnLst>
+                                    <p:set>
+                                      <p:cBhvr>
+                                        <p:cTn id="16" dur="1" fill="hold">
+                                          <p:stCondLst>
+                                            <p:cond delay="0"/>
+                                          </p:stCondLst>
+                                        </p:cTn>
+                                        <p:tgtEl>
+                                          <p:spTgt spid="12"/>
+                                        </p:tgtEl>
+                                        <p:attrNameLst>
+                                          <p:attrName>style.visibility</p:attrName>
+                                        </p:attrNameLst>
+                                      </p:cBhvr>
+                                      <p:to>
+                                        <p:strVal val="visible"/>
+                                      </p:to>
+                                    </p:set>
+                                  </p:childTnLst>
+                                </p:cTn>
+                              </p:par>
+                              <p:par>
+                                <p:cTn id="17" presetID="1" presetClass="entr" presetSubtype="0" fill="hold" nodeType="withEffect">
+                                  <p:stCondLst>
+                                    <p:cond delay="0"/>
+                                  </p:stCondLst>
+                                  <p:childTnLst>
+                                    <p:set>
+                                      <p:cBhvr>
+                                        <p:cTn id="18" dur="1" fill="hold">
+                                          <p:stCondLst>
+                                            <p:cond delay="0"/>
+                                          </p:stCondLst>
+                                        </p:cTn>
+                                        <p:tgtEl>
+                                          <p:spTgt spid="13"/>
+                                        </p:tgtEl>
+                                        <p:attrNameLst>
+                                          <p:attrName>style.visibility</p:attrName>
+                                        </p:attrNameLst>
+                                      </p:cBhvr>
+                                      <p:to>
+                                        <p:strVal val="visible"/>
+                                      </p:to>
+                                    </p:set>
+                                  </p:childTnLst>
+                                </p:cTn>
+                              </p:par>
+                            </p:childTnLst>
+                          </p:cTn>
+                        </p:par>
+                      </p:childTnLst>
+                    </p:cTn>
+                  </p:par>
+                  <p:par>
+                    <p:cTn id="19" fill="hold">
+                      <p:stCondLst>
+                        <p:cond delay="indefinite"/>
+                      </p:stCondLst>
+                      <p:childTnLst>
+                        <p:par>
+                          <p:cTn id="20" fill="hold">
+                            <p:stCondLst>
+                              <p:cond delay="0"/>
+                            </p:stCondLst>
+                            <p:childTnLst>
+                              <p:par>
+                                <p:cTn id="21" presetID="1" presetClass="entr" presetSubtype="0" fill="hold" nodeType="clickEffect">
+                                  <p:stCondLst>
+                                    <p:cond delay="0"/>
+                                  </p:stCondLst>
+                                  <p:childTnLst>
+                                    <p:set>
+                                      <p:cBhvr>
+                                        <p:cTn id="22" dur="1" fill="hold">
+                                          <p:stCondLst>
+                                            <p:cond delay="0"/>
+                                          </p:stCondLst>
+                                        </p:cTn>
+                                        <p:tgtEl>
+                                          <p:spTgt spid="14"/>
+                                        </p:tgtEl>
+                                        <p:attrNameLst>
+                                          <p:attrName>style.visibility</p:attrName>
+                                        </p:attrNameLst>
+                                      </p:cBhvr>
+                                      <p:to>
+                                        <p:strVal val="visible"/>
+                                      </p:to>
+                                    </p:set>
+                                  </p:childTnLst>
+                                </p:cTn>
+                              </p:par>
+                              <p:par>
+                                <p:cTn id="23" presetID="1" presetClass="entr" presetSubtype="0" fill="hold" nodeType="withEffect">
+                                  <p:stCondLst>
+                                    <p:cond delay="0"/>
+                                  </p:stCondLst>
+                                  <p:childTnLst>
+                                    <p:set>
+                                      <p:cBhvr>
+                                        <p:cTn id="24" dur="1" fill="hold">
+                                          <p:stCondLst>
+                                            <p:cond delay="0"/>
+                                          </p:stCondLst>
+                                        </p:cTn>
+                                        <p:tgtEl>
+                                          <p:spTgt spid="16"/>
+                                        </p:tgtEl>
+                                        <p:attrNameLst>
+                                          <p:attrName>style.visibility</p:attrName>
+                                        </p:attrNameLst>
+                                      </p:cBhvr>
+                                      <p:to>
+                                        <p:strVal val="visible"/>
+                                      </p:to>
+                                    </p:set>
+                                  </p:childTnLst>
+                                </p:cTn>
+                              </p:par>
+                              <p:par>
+                                <p:cTn id="25" presetID="1" presetClass="entr" presetSubtype="0" fill="hold" nodeType="withEffect">
+                                  <p:stCondLst>
+                                    <p:cond delay="0"/>
+                                  </p:stCondLst>
+                                  <p:childTnLst>
+                                    <p:set>
+                                      <p:cBhvr>
+                                        <p:cTn id="26" dur="1" fill="hold">
+                                          <p:stCondLst>
+                                            <p:cond delay="0"/>
+                                          </p:stCondLst>
+                                        </p:cTn>
+                                        <p:tgtEl>
+                                          <p:spTgt spid="15"/>
+                                        </p:tgtEl>
+                                        <p:attrNameLst>
+                                          <p:attrName>style.visibility</p:attrName>
+                                        </p:attrNameLst>
+                                      </p:cBhvr>
+                                      <p:to>
+                                        <p:strVal val="visible"/>
+                                      </p:to>
+                                    </p:set>
+                                  </p:childTnLst>
+                                </p:cTn>
+                              </p:par>
+                              <p:par>
+                                <p:cTn id="27" presetID="1" presetClass="entr" presetSubtype="0" fill="hold" nodeType="withEffect">
+                                  <p:stCondLst>
+                                    <p:cond delay="0"/>
+                                  </p:stCondLst>
+                                  <p:childTnLst>
+                                    <p:set>
+                                      <p:cBhvr>
+                                        <p:cTn id="28" dur="1" fill="hold">
+                                          <p:stCondLst>
+                                            <p:cond delay="0"/>
+                                          </p:stCondLst>
+                                        </p:cTn>
+                                        <p:tgtEl>
+                                          <p:spTgt spid="17"/>
+                                        </p:tgtEl>
+                                        <p:attrNameLst>
+                                          <p:attrName>style.visibility</p:attrName>
+                                        </p:attrNameLst>
+                                      </p:cBhvr>
+                                      <p:to>
+                                        <p:strVal val="visible"/>
+                                      </p:to>
+                                    </p:set>
+                                  </p:childTnLst>
+                                </p:cTn>
+                              </p:par>
+                            </p:childTnLst>
+                          </p:cTn>
+                        </p:par>
+                      </p:childTnLst>
+                    </p:cTn>
+                  </p:par>
+                  <p:par>
+                    <p:cTn id="29" fill="hold">
+                      <p:stCondLst>
+                        <p:cond delay="indefinite"/>
+                      </p:stCondLst>
+                      <p:childTnLst>
+                        <p:par>
+                          <p:cTn id="30" fill="hold">
+                            <p:stCondLst>
+                              <p:cond delay="0"/>
+                            </p:stCondLst>
+                            <p:childTnLst>
+                              <p:par>
+                                <p:cTn id="31" presetID="1" presetClass="entr" presetSubtype="0" fill="hold" grpId="0" nodeType="clickEffect">
+                                  <p:stCondLst>
+                                    <p:cond delay="0"/>
+                                  </p:stCondLst>
+                                  <p:childTnLst>
+                                    <p:set>
+                                      <p:cBhvr>
+                                        <p:cTn id="32" dur="1" fill="hold">
+                                          <p:stCondLst>
+                                            <p:cond delay="0"/>
+                                          </p:stCondLst>
+                                        </p:cTn>
+                                        <p:tgtEl>
+                                          <p:spTgt spid="18"/>
+                                        </p:tgtEl>
+                                        <p:attrNameLst>
+                                          <p:attrName>style.visibility</p:attrName>
+                                        </p:attrNameLst>
+                                      </p:cBhvr>
+                                      <p:to>
+                                        <p:strVal val="visible"/>
+                                      </p:to>
+                                    </p:set>
+                                  </p:childTnLst>
+                                </p:cTn>
+                              </p:par>
+                            </p:childTnLst>
+                          </p:cTn>
+                        </p:par>
+                      </p:childTnLst>
+                    </p:cTn>
+                  </p:par>
+                </p:childTnLst>
+              </p:cTn>
+              <p:prevCondLst>
+                <p:cond evt="onPrev" delay="0">
+                  <p:tgtEl>
+                    <p:sldTgt/>
+                  </p:tgtEl>
+                </p:cond>
+              </p:prevCondLst>
+              <p:nextCondLst>
+                <p:cond evt="onNext" delay="0">
+                  <p:tgtEl>
+                    <p:sldTgt/>
+                  </p:tgtEl>
+                </p:cond>
+              </p:nextCondLst>
+            </p:seq>
+          </p:childTnLst>
+        </p:cTn>
+      </p:par>
+    </p:tnLst>
+    <p:bldLst>
+      <p:bldP spid="18" grpId="0"/>
+    </p:bldLst>
+  </p:timing>
+</p:sld>
+</file>
+
+<file path=ppt/slides/slide19.xml><?xml version="1.0" encoding="utf-8"?>
+<p:sld xmlns:a="http://schemas.openxmlformats.org/drawingml/2006/main" xmlns:r="http://schemas.openxmlformats.org/officeDocument/2006/relationships" xmlns:p="http://schemas.openxmlformats.org/presentationml/2006/main">
+  <p:cSld>
+    <p:spTree>
+      <p:nvGrpSpPr>
+        <p:cNvPr id="1" name=""/>
+        <p:cNvGrpSpPr/>
+        <p:nvPr/>
+      </p:nvGrpSpPr>
+      <p:grpSpPr>
+        <a:xfrm>
+          <a:off x="0" y="0"/>
+          <a:ext cx="0" cy="0"/>
+          <a:chOff x="0" y="0"/>
+          <a:chExt cx="0" cy="0"/>
+        </a:xfrm>
+      </p:grpSpPr>
+      <p:sp>
+        <p:nvSpPr>
+          <p:cNvPr id="2" name="Title 1">
+            <a:extLst>
+              <a:ext uri="{FF2B5EF4-FFF2-40B4-BE49-F238E27FC236}">
+                <a16:creationId xmlns:a16="http://schemas.microsoft.com/office/drawing/2014/main" id="{0D1937D3-EA9B-9416-6366-2192CE1758B0}"/>
+              </a:ext>
+            </a:extLst>
+          </p:cNvPr>
+          <p:cNvSpPr>
+            <a:spLocks noGrp="1"/>
+          </p:cNvSpPr>
+          <p:nvPr>
+            <p:ph type="title"/>
+          </p:nvPr>
+        </p:nvSpPr>
+        <p:spPr/>
+        <p:txBody>
+          <a:bodyPr/>
+          <a:lstStyle/>
+          <a:p>
+            <a:r>
+              <a:rPr lang="en-US" dirty="0"/>
+              <a:t>How many bikes will actually be rented?</a:t>
+            </a:r>
+            <a:endParaRPr lang="he-IL" dirty="0"/>
+          </a:p>
+        </p:txBody>
+      </p:sp>
+      <p:sp>
+        <p:nvSpPr>
+          <p:cNvPr id="3" name="Content Placeholder 2">
+            <a:extLst>
+              <a:ext uri="{FF2B5EF4-FFF2-40B4-BE49-F238E27FC236}">
+                <a16:creationId xmlns:a16="http://schemas.microsoft.com/office/drawing/2014/main" id="{5E2EE4BC-13FC-9B3B-4C6A-C55F2BE50068}"/>
+              </a:ext>
+            </a:extLst>
+          </p:cNvPr>
+          <p:cNvSpPr>
+            <a:spLocks noGrp="1"/>
+          </p:cNvSpPr>
+          <p:nvPr>
+            <p:ph idx="1"/>
+          </p:nvPr>
+        </p:nvSpPr>
+        <p:spPr>
+          <a:xfrm>
+            <a:off x="838200" y="1619148"/>
+            <a:ext cx="10515600" cy="907743"/>
+          </a:xfrm>
+        </p:spPr>
+        <p:txBody>
+          <a:bodyPr/>
+          <a:lstStyle/>
+          <a:p>
+            <a:r>
+              <a:rPr lang="en-US" dirty="0"/>
+              <a:t>Posterior predictive sampling</a:t>
+            </a:r>
+            <a:endParaRPr lang="he-IL" dirty="0"/>
+          </a:p>
+        </p:txBody>
+      </p:sp>
+      <p:sp>
+        <p:nvSpPr>
+          <p:cNvPr id="4" name="TextBox 3">
+            <a:extLst>
+              <a:ext uri="{FF2B5EF4-FFF2-40B4-BE49-F238E27FC236}">
+                <a16:creationId xmlns:a16="http://schemas.microsoft.com/office/drawing/2014/main" id="{FA206581-3F5A-1FE0-923F-70FB383173D1}"/>
+              </a:ext>
+            </a:extLst>
+          </p:cNvPr>
+          <p:cNvSpPr txBox="1"/>
+          <p:nvPr/>
+        </p:nvSpPr>
+        <p:spPr>
+          <a:xfrm>
+            <a:off x="1101212" y="2575379"/>
+            <a:ext cx="7511846" cy="400110"/>
+          </a:xfrm>
+          <a:prstGeom prst="rect">
+            <a:avLst/>
+          </a:prstGeom>
+          <a:noFill/>
+        </p:spPr>
+        <p:txBody>
+          <a:bodyPr wrap="square" rtlCol="1">
+            <a:spAutoFit/>
+          </a:bodyPr>
+          <a:lstStyle/>
+          <a:p>
+            <a:r>
+              <a:rPr lang="en-US" sz="2000" dirty="0"/>
+              <a:t>MCMC samples of the posterior distribution of the parameters</a:t>
+            </a:r>
+            <a:endParaRPr lang="he-IL" sz="2000" dirty="0"/>
+          </a:p>
+        </p:txBody>
+      </p:sp>
+      <p:graphicFrame>
+        <p:nvGraphicFramePr>
+          <p:cNvPr id="5" name="Object 4">
+            <a:extLst>
+              <a:ext uri="{FF2B5EF4-FFF2-40B4-BE49-F238E27FC236}">
+                <a16:creationId xmlns:a16="http://schemas.microsoft.com/office/drawing/2014/main" id="{1DB28F7A-037E-ADE4-ED2E-E446816D8592}"/>
+              </a:ext>
+            </a:extLst>
+          </p:cNvPr>
+          <p:cNvGraphicFramePr>
+            <a:graphicFrameLocks noChangeAspect="1"/>
+          </p:cNvGraphicFramePr>
+          <p:nvPr>
+            <p:extLst>
+              <p:ext uri="{D42A27DB-BD31-4B8C-83A1-F6EECF244321}">
+                <p14:modId xmlns:p14="http://schemas.microsoft.com/office/powerpoint/2010/main" val="1194943097"/>
+              </p:ext>
+            </p:extLst>
+          </p:nvPr>
+        </p:nvGraphicFramePr>
+        <p:xfrm>
+          <a:off x="1988164" y="3089041"/>
+          <a:ext cx="1738313" cy="482600"/>
+        </p:xfrm>
+        <a:graphic>
+          <a:graphicData uri="http://schemas.openxmlformats.org/presentationml/2006/ole">
+            <mc:AlternateContent xmlns:mc="http://schemas.openxmlformats.org/markup-compatibility/2006">
+              <mc:Choice xmlns:v="urn:schemas-microsoft-com:vml" Requires="v">
+                <p:oleObj name="Equation" r:id="rId2" imgW="914400" imgH="253800" progId="Equation.DSMT4">
+                  <p:embed/>
+                </p:oleObj>
+              </mc:Choice>
+              <mc:Fallback>
+                <p:oleObj name="Equation" r:id="rId2" imgW="914400" imgH="253800" progId="Equation.DSMT4">
+                  <p:embed/>
+                  <p:pic>
+                    <p:nvPicPr>
+                      <p:cNvPr id="0" name=""/>
+                      <p:cNvPicPr/>
+                      <p:nvPr/>
+                    </p:nvPicPr>
+                    <p:blipFill>
+                      <a:blip r:embed="rId3"/>
+                      <a:stretch>
+                        <a:fillRect/>
+                      </a:stretch>
+                    </p:blipFill>
+                    <p:spPr>
+                      <a:xfrm>
+                        <a:off x="1988164" y="3089041"/>
+                        <a:ext cx="1738313" cy="482600"/>
+                      </a:xfrm>
+                      <a:prstGeom prst="rect">
+                        <a:avLst/>
+                      </a:prstGeom>
+                    </p:spPr>
+                  </p:pic>
+                </p:oleObj>
+              </mc:Fallback>
+            </mc:AlternateContent>
+          </a:graphicData>
+        </a:graphic>
+      </p:graphicFrame>
+      <p:sp>
+        <p:nvSpPr>
+          <p:cNvPr id="6" name="TextBox 5">
+            <a:extLst>
+              <a:ext uri="{FF2B5EF4-FFF2-40B4-BE49-F238E27FC236}">
+                <a16:creationId xmlns:a16="http://schemas.microsoft.com/office/drawing/2014/main" id="{B5CA9E63-DF5F-8CCA-B5C9-349151460077}"/>
+              </a:ext>
+            </a:extLst>
+          </p:cNvPr>
+          <p:cNvSpPr txBox="1"/>
+          <p:nvPr/>
+        </p:nvSpPr>
+        <p:spPr>
+          <a:xfrm>
+            <a:off x="1101212" y="3780914"/>
+            <a:ext cx="7511846" cy="400110"/>
+          </a:xfrm>
+          <a:prstGeom prst="rect">
+            <a:avLst/>
+          </a:prstGeom>
+          <a:noFill/>
+        </p:spPr>
+        <p:txBody>
+          <a:bodyPr wrap="square" rtlCol="1">
+            <a:spAutoFit/>
+          </a:bodyPr>
+          <a:lstStyle/>
+          <a:p>
+            <a:r>
+              <a:rPr lang="en-US" sz="2000" dirty="0"/>
+              <a:t>Samples of posterior distributions calculated from the parameters </a:t>
+            </a:r>
+            <a:endParaRPr lang="he-IL" sz="2000" dirty="0"/>
+          </a:p>
+        </p:txBody>
+      </p:sp>
+      <p:graphicFrame>
+        <p:nvGraphicFramePr>
+          <p:cNvPr id="7" name="Object 6">
+            <a:extLst>
+              <a:ext uri="{FF2B5EF4-FFF2-40B4-BE49-F238E27FC236}">
+                <a16:creationId xmlns:a16="http://schemas.microsoft.com/office/drawing/2014/main" id="{0F7CEE98-75A4-2BFB-14A1-9BA6FF4515D7}"/>
+              </a:ext>
+            </a:extLst>
+          </p:cNvPr>
+          <p:cNvGraphicFramePr>
+            <a:graphicFrameLocks noChangeAspect="1"/>
+          </p:cNvGraphicFramePr>
+          <p:nvPr>
+            <p:extLst>
+              <p:ext uri="{D42A27DB-BD31-4B8C-83A1-F6EECF244321}">
+                <p14:modId xmlns:p14="http://schemas.microsoft.com/office/powerpoint/2010/main" val="2081918385"/>
+              </p:ext>
+            </p:extLst>
+          </p:nvPr>
+        </p:nvGraphicFramePr>
+        <p:xfrm>
+          <a:off x="1988164" y="4196061"/>
+          <a:ext cx="1860507" cy="400109"/>
+        </p:xfrm>
+        <a:graphic>
+          <a:graphicData uri="http://schemas.openxmlformats.org/presentationml/2006/ole">
+            <mc:AlternateContent xmlns:mc="http://schemas.openxmlformats.org/markup-compatibility/2006">
+              <mc:Choice xmlns:v="urn:schemas-microsoft-com:vml" Requires="v">
+                <p:oleObj name="Equation" r:id="rId4" imgW="1180800" imgH="253800" progId="Equation.DSMT4">
+                  <p:embed/>
+                </p:oleObj>
+              </mc:Choice>
+              <mc:Fallback>
+                <p:oleObj name="Equation" r:id="rId4" imgW="1180800" imgH="253800" progId="Equation.DSMT4">
+                  <p:embed/>
+                  <p:pic>
+                    <p:nvPicPr>
+                      <p:cNvPr id="0" name=""/>
+                      <p:cNvPicPr/>
+                      <p:nvPr/>
+                    </p:nvPicPr>
+                    <p:blipFill>
+                      <a:blip r:embed="rId5"/>
+                      <a:stretch>
+                        <a:fillRect/>
+                      </a:stretch>
+                    </p:blipFill>
+                    <p:spPr>
+                      <a:xfrm>
+                        <a:off x="1988164" y="4196061"/>
+                        <a:ext cx="1860507" cy="400109"/>
+                      </a:xfrm>
+                      <a:prstGeom prst="rect">
+                        <a:avLst/>
+                      </a:prstGeom>
+                    </p:spPr>
+                  </p:pic>
+                </p:oleObj>
+              </mc:Fallback>
+            </mc:AlternateContent>
+          </a:graphicData>
+        </a:graphic>
+      </p:graphicFrame>
+      <p:sp>
+        <p:nvSpPr>
+          <p:cNvPr id="8" name="TextBox 7">
+            <a:extLst>
+              <a:ext uri="{FF2B5EF4-FFF2-40B4-BE49-F238E27FC236}">
+                <a16:creationId xmlns:a16="http://schemas.microsoft.com/office/drawing/2014/main" id="{D7C9E210-7934-949A-BA54-19CAB61D668C}"/>
+              </a:ext>
+            </a:extLst>
+          </p:cNvPr>
+          <p:cNvSpPr txBox="1"/>
+          <p:nvPr/>
+        </p:nvSpPr>
+        <p:spPr>
+          <a:xfrm>
+            <a:off x="1101212" y="4948614"/>
+            <a:ext cx="7511846" cy="400110"/>
+          </a:xfrm>
+          <a:prstGeom prst="rect">
+            <a:avLst/>
+          </a:prstGeom>
+          <a:noFill/>
+        </p:spPr>
+        <p:txBody>
+          <a:bodyPr wrap="square" rtlCol="1">
+            <a:spAutoFit/>
+          </a:bodyPr>
+          <a:lstStyle/>
+          <a:p>
+            <a:r>
+              <a:rPr lang="en-US" sz="2000" dirty="0"/>
+              <a:t>Data sampled given the posterior distributions of the parameters </a:t>
+            </a:r>
+            <a:endParaRPr lang="he-IL" sz="2000" dirty="0"/>
+          </a:p>
+        </p:txBody>
+      </p:sp>
+      <p:graphicFrame>
+        <p:nvGraphicFramePr>
+          <p:cNvPr id="9" name="Object 8">
+            <a:extLst>
+              <a:ext uri="{FF2B5EF4-FFF2-40B4-BE49-F238E27FC236}">
+                <a16:creationId xmlns:a16="http://schemas.microsoft.com/office/drawing/2014/main" id="{90BF9178-1C5A-0184-E152-091D831DB25F}"/>
+              </a:ext>
+            </a:extLst>
+          </p:cNvPr>
+          <p:cNvGraphicFramePr>
+            <a:graphicFrameLocks noChangeAspect="1"/>
+          </p:cNvGraphicFramePr>
+          <p:nvPr>
+            <p:extLst>
+              <p:ext uri="{D42A27DB-BD31-4B8C-83A1-F6EECF244321}">
+                <p14:modId xmlns:p14="http://schemas.microsoft.com/office/powerpoint/2010/main" val="325788744"/>
+              </p:ext>
+            </p:extLst>
+          </p:nvPr>
+        </p:nvGraphicFramePr>
+        <p:xfrm>
+          <a:off x="1887538" y="5341938"/>
+          <a:ext cx="2060575" cy="479425"/>
+        </p:xfrm>
+        <a:graphic>
+          <a:graphicData uri="http://schemas.openxmlformats.org/presentationml/2006/ole">
+            <mc:AlternateContent xmlns:mc="http://schemas.openxmlformats.org/markup-compatibility/2006">
+              <mc:Choice xmlns:v="urn:schemas-microsoft-com:vml" Requires="v">
+                <p:oleObj name="Equation" r:id="rId6" imgW="1307880" imgH="304560" progId="Equation.DSMT4">
+                  <p:embed/>
+                </p:oleObj>
+              </mc:Choice>
+              <mc:Fallback>
+                <p:oleObj name="Equation" r:id="rId6" imgW="1307880" imgH="304560" progId="Equation.DSMT4">
+                  <p:embed/>
+                  <p:pic>
+                    <p:nvPicPr>
+                      <p:cNvPr id="7" name="Object 6">
+                        <a:extLst>
+                          <a:ext uri="{FF2B5EF4-FFF2-40B4-BE49-F238E27FC236}">
+                            <a16:creationId xmlns:a16="http://schemas.microsoft.com/office/drawing/2014/main" id="{0F7CEE98-75A4-2BFB-14A1-9BA6FF4515D7}"/>
+                          </a:ext>
+                        </a:extLst>
+                      </p:cNvPr>
+                      <p:cNvPicPr/>
+                      <p:nvPr/>
+                    </p:nvPicPr>
+                    <p:blipFill>
+                      <a:blip r:embed="rId7"/>
+                      <a:stretch>
+                        <a:fillRect/>
+                      </a:stretch>
+                    </p:blipFill>
+                    <p:spPr>
+                      <a:xfrm>
+                        <a:off x="1887538" y="5341938"/>
+                        <a:ext cx="2060575" cy="479425"/>
+                      </a:xfrm>
+                      <a:prstGeom prst="rect">
+                        <a:avLst/>
+                      </a:prstGeom>
+                    </p:spPr>
+                  </p:pic>
+                </p:oleObj>
+              </mc:Fallback>
+            </mc:AlternateContent>
+          </a:graphicData>
+        </a:graphic>
+      </p:graphicFrame>
+      <p:graphicFrame>
+        <p:nvGraphicFramePr>
+          <p:cNvPr id="10" name="Object 9">
+            <a:extLst>
+              <a:ext uri="{FF2B5EF4-FFF2-40B4-BE49-F238E27FC236}">
+                <a16:creationId xmlns:a16="http://schemas.microsoft.com/office/drawing/2014/main" id="{5A8160BF-74EC-4EBA-B303-C72D813987CD}"/>
+              </a:ext>
+            </a:extLst>
+          </p:cNvPr>
+          <p:cNvGraphicFramePr>
+            <a:graphicFrameLocks noChangeAspect="1"/>
+          </p:cNvGraphicFramePr>
+          <p:nvPr>
+            <p:extLst>
+              <p:ext uri="{D42A27DB-BD31-4B8C-83A1-F6EECF244321}">
+                <p14:modId xmlns:p14="http://schemas.microsoft.com/office/powerpoint/2010/main" val="2809070847"/>
+              </p:ext>
+            </p:extLst>
+          </p:nvPr>
+        </p:nvGraphicFramePr>
+        <p:xfrm>
+          <a:off x="3726477" y="3074003"/>
+          <a:ext cx="2051046" cy="482599"/>
+        </p:xfrm>
+        <a:graphic>
+          <a:graphicData uri="http://schemas.openxmlformats.org/presentationml/2006/ole">
+            <mc:AlternateContent xmlns:mc="http://schemas.openxmlformats.org/markup-compatibility/2006">
+              <mc:Choice xmlns:v="urn:schemas-microsoft-com:vml" Requires="v">
+                <p:oleObj name="Equation" r:id="rId8" imgW="1619119" imgH="381000" progId="Equation.DSMT4">
+                  <p:embed/>
+                </p:oleObj>
+              </mc:Choice>
+              <mc:Fallback>
+                <p:oleObj name="Equation" r:id="rId8" imgW="1619119" imgH="381000" progId="Equation.DSMT4">
+                  <p:embed/>
+                  <p:pic>
+                    <p:nvPicPr>
+                      <p:cNvPr id="0" name=""/>
+                      <p:cNvPicPr/>
+                      <p:nvPr/>
+                    </p:nvPicPr>
+                    <p:blipFill>
+                      <a:blip r:embed="rId9"/>
+                      <a:stretch>
+                        <a:fillRect/>
+                      </a:stretch>
+                    </p:blipFill>
+                    <p:spPr>
+                      <a:xfrm>
+                        <a:off x="3726477" y="3074003"/>
+                        <a:ext cx="2051046" cy="482599"/>
+                      </a:xfrm>
+                      <a:prstGeom prst="rect">
+                        <a:avLst/>
+                      </a:prstGeom>
+                    </p:spPr>
+                  </p:pic>
+                </p:oleObj>
+              </mc:Fallback>
+            </mc:AlternateContent>
+          </a:graphicData>
+        </a:graphic>
+      </p:graphicFrame>
+      <p:graphicFrame>
+        <p:nvGraphicFramePr>
+          <p:cNvPr id="11" name="Object 10">
+            <a:extLst>
+              <a:ext uri="{FF2B5EF4-FFF2-40B4-BE49-F238E27FC236}">
+                <a16:creationId xmlns:a16="http://schemas.microsoft.com/office/drawing/2014/main" id="{211AC0B2-E1DA-1EC3-1CD1-94D756DC3BC3}"/>
+              </a:ext>
+            </a:extLst>
+          </p:cNvPr>
+          <p:cNvGraphicFramePr>
+            <a:graphicFrameLocks noChangeAspect="1"/>
+          </p:cNvGraphicFramePr>
+          <p:nvPr>
+            <p:extLst>
+              <p:ext uri="{D42A27DB-BD31-4B8C-83A1-F6EECF244321}">
+                <p14:modId xmlns:p14="http://schemas.microsoft.com/office/powerpoint/2010/main" val="2285364278"/>
+              </p:ext>
+            </p:extLst>
+          </p:nvPr>
+        </p:nvGraphicFramePr>
+        <p:xfrm>
+          <a:off x="3848671" y="4181024"/>
+          <a:ext cx="1160317" cy="400109"/>
+        </p:xfrm>
+        <a:graphic>
+          <a:graphicData uri="http://schemas.openxmlformats.org/presentationml/2006/ole">
+            <mc:AlternateContent xmlns:mc="http://schemas.openxmlformats.org/markup-compatibility/2006">
+              <mc:Choice xmlns:v="urn:schemas-microsoft-com:vml" Requires="v">
+                <p:oleObj name="Equation" r:id="rId10" imgW="736560" imgH="253800" progId="Equation.DSMT4">
+                  <p:embed/>
+                </p:oleObj>
+              </mc:Choice>
+              <mc:Fallback>
+                <p:oleObj name="Equation" r:id="rId10" imgW="736560" imgH="253800" progId="Equation.DSMT4">
+                  <p:embed/>
+                  <p:pic>
+                    <p:nvPicPr>
+                      <p:cNvPr id="0" name=""/>
+                      <p:cNvPicPr/>
+                      <p:nvPr/>
+                    </p:nvPicPr>
+                    <p:blipFill>
+                      <a:blip r:embed="rId11"/>
+                      <a:stretch>
+                        <a:fillRect/>
+                      </a:stretch>
+                    </p:blipFill>
+                    <p:spPr>
+                      <a:xfrm>
+                        <a:off x="3848671" y="4181024"/>
+                        <a:ext cx="1160317" cy="400109"/>
+                      </a:xfrm>
+                      <a:prstGeom prst="rect">
+                        <a:avLst/>
+                      </a:prstGeom>
+                    </p:spPr>
+                  </p:pic>
+                </p:oleObj>
+              </mc:Fallback>
+            </mc:AlternateContent>
+          </a:graphicData>
+        </a:graphic>
+      </p:graphicFrame>
+      <p:graphicFrame>
+        <p:nvGraphicFramePr>
+          <p:cNvPr id="12" name="Object 11">
+            <a:extLst>
+              <a:ext uri="{FF2B5EF4-FFF2-40B4-BE49-F238E27FC236}">
+                <a16:creationId xmlns:a16="http://schemas.microsoft.com/office/drawing/2014/main" id="{0035190F-A77E-DE04-CB4B-50E285EF7904}"/>
+              </a:ext>
+            </a:extLst>
+          </p:cNvPr>
+          <p:cNvGraphicFramePr>
+            <a:graphicFrameLocks noChangeAspect="1"/>
+          </p:cNvGraphicFramePr>
+          <p:nvPr>
+            <p:extLst>
+              <p:ext uri="{D42A27DB-BD31-4B8C-83A1-F6EECF244321}">
+                <p14:modId xmlns:p14="http://schemas.microsoft.com/office/powerpoint/2010/main" val="675239634"/>
+              </p:ext>
+            </p:extLst>
+          </p:nvPr>
+        </p:nvGraphicFramePr>
+        <p:xfrm>
+          <a:off x="1887538" y="5876601"/>
+          <a:ext cx="2658630" cy="479425"/>
+        </p:xfrm>
+        <a:graphic>
+          <a:graphicData uri="http://schemas.openxmlformats.org/presentationml/2006/ole">
+            <mc:AlternateContent xmlns:mc="http://schemas.openxmlformats.org/markup-compatibility/2006">
+              <mc:Choice xmlns:v="urn:schemas-microsoft-com:vml" Requires="v">
+                <p:oleObj name="Equation" r:id="rId12" imgW="1549080" imgH="279360" progId="Equation.DSMT4">
+                  <p:embed/>
+                </p:oleObj>
+              </mc:Choice>
+              <mc:Fallback>
+                <p:oleObj name="Equation" r:id="rId12" imgW="1549080" imgH="279360" progId="Equation.DSMT4">
+                  <p:embed/>
+                  <p:pic>
+                    <p:nvPicPr>
+                      <p:cNvPr id="0" name=""/>
+                      <p:cNvPicPr/>
+                      <p:nvPr/>
+                    </p:nvPicPr>
+                    <p:blipFill>
+                      <a:blip r:embed="rId13"/>
+                      <a:stretch>
+                        <a:fillRect/>
+                      </a:stretch>
+                    </p:blipFill>
+                    <p:spPr>
+                      <a:xfrm>
+                        <a:off x="1887538" y="5876601"/>
+                        <a:ext cx="2658630" cy="479425"/>
+                      </a:xfrm>
+                      <a:prstGeom prst="rect">
+                        <a:avLst/>
+                      </a:prstGeom>
+                    </p:spPr>
+                  </p:pic>
+                </p:oleObj>
+              </mc:Fallback>
+            </mc:AlternateContent>
+          </a:graphicData>
+        </a:graphic>
+      </p:graphicFrame>
+      <p:graphicFrame>
+        <p:nvGraphicFramePr>
+          <p:cNvPr id="13" name="Object 12">
+            <a:extLst>
+              <a:ext uri="{FF2B5EF4-FFF2-40B4-BE49-F238E27FC236}">
+                <a16:creationId xmlns:a16="http://schemas.microsoft.com/office/drawing/2014/main" id="{FA2AAF12-AC52-4753-9577-8E677A4A2A9B}"/>
+              </a:ext>
+            </a:extLst>
+          </p:cNvPr>
+          <p:cNvGraphicFramePr>
+            <a:graphicFrameLocks noChangeAspect="1"/>
+          </p:cNvGraphicFramePr>
+          <p:nvPr>
+            <p:extLst>
+              <p:ext uri="{D42A27DB-BD31-4B8C-83A1-F6EECF244321}">
+                <p14:modId xmlns:p14="http://schemas.microsoft.com/office/powerpoint/2010/main" val="3820506279"/>
+              </p:ext>
+            </p:extLst>
+          </p:nvPr>
+        </p:nvGraphicFramePr>
+        <p:xfrm>
+          <a:off x="4612595" y="5870706"/>
+          <a:ext cx="1242147" cy="479425"/>
+        </p:xfrm>
+        <a:graphic>
+          <a:graphicData uri="http://schemas.openxmlformats.org/presentationml/2006/ole">
+            <mc:AlternateContent xmlns:mc="http://schemas.openxmlformats.org/markup-compatibility/2006">
+              <mc:Choice xmlns:v="urn:schemas-microsoft-com:vml" Requires="v">
+                <p:oleObj name="Equation" r:id="rId14" imgW="723600" imgH="279360" progId="Equation.DSMT4">
+                  <p:embed/>
+                </p:oleObj>
+              </mc:Choice>
+              <mc:Fallback>
+                <p:oleObj name="Equation" r:id="rId14" imgW="723600" imgH="279360" progId="Equation.DSMT4">
+                  <p:embed/>
+                  <p:pic>
+                    <p:nvPicPr>
+                      <p:cNvPr id="0" name=""/>
+                      <p:cNvPicPr/>
+                      <p:nvPr/>
+                    </p:nvPicPr>
+                    <p:blipFill>
+                      <a:blip r:embed="rId15"/>
+                      <a:stretch>
+                        <a:fillRect/>
+                      </a:stretch>
+                    </p:blipFill>
+                    <p:spPr>
+                      <a:xfrm>
+                        <a:off x="4612595" y="5870706"/>
+                        <a:ext cx="1242147" cy="479425"/>
+                      </a:xfrm>
+                      <a:prstGeom prst="rect">
+                        <a:avLst/>
+                      </a:prstGeom>
+                    </p:spPr>
+                  </p:pic>
+                </p:oleObj>
+              </mc:Fallback>
+            </mc:AlternateContent>
+          </a:graphicData>
+        </a:graphic>
+      </p:graphicFrame>
+    </p:spTree>
+    <p:extLst>
+      <p:ext uri="{BB962C8B-B14F-4D97-AF65-F5344CB8AC3E}">
+        <p14:creationId xmlns:p14="http://schemas.microsoft.com/office/powerpoint/2010/main" val="1989086140"/>
+      </p:ext>
+    </p:extLst>
+  </p:cSld>
+  <p:clrMapOvr>
+    <a:masterClrMapping/>
+  </p:clrMapOvr>
+  <p:timing>
+    <p:tnLst>
+      <p:par>
+        <p:cTn id="1" dur="indefinite" restart="never" nodeType="tmRoot">
+          <p:childTnLst>
+            <p:seq concurrent="1" nextAc="seek">
+              <p:cTn id="2" dur="indefinite" nodeType="mainSeq">
+                <p:childTnLst>
+                  <p:par>
+                    <p:cTn id="3" fill="hold">
+                      <p:stCondLst>
+                        <p:cond delay="indefinite"/>
+                      </p:stCondLst>
+                      <p:childTnLst>
+                        <p:par>
+                          <p:cTn id="4" fill="hold">
+                            <p:stCondLst>
+                              <p:cond delay="0"/>
+                            </p:stCondLst>
+                            <p:childTnLst>
+                              <p:par>
+                                <p:cTn id="5" presetID="1" presetClass="entr" presetSubtype="0" fill="hold" grpId="0" nodeType="clickEffect">
+                                  <p:stCondLst>
+                                    <p:cond delay="0"/>
+                                  </p:stCondLst>
+                                  <p:childTnLst>
+                                    <p:set>
+                                      <p:cBhvr>
+                                        <p:cTn id="6" dur="1" fill="hold">
+                                          <p:stCondLst>
+                                            <p:cond delay="0"/>
+                                          </p:stCondLst>
+                                        </p:cTn>
+                                        <p:tgtEl>
+                                          <p:spTgt spid="4"/>
+                                        </p:tgtEl>
+                                        <p:attrNameLst>
+                                          <p:attrName>style.visibility</p:attrName>
+                                        </p:attrNameLst>
+                                      </p:cBhvr>
+                                      <p:to>
+                                        <p:strVal val="visible"/>
+                                      </p:to>
+                                    </p:set>
+                                  </p:childTnLst>
+                                </p:cTn>
+                              </p:par>
+                              <p:par>
+                                <p:cTn id="7" presetID="1" presetClass="entr" presetSubtype="0" fill="hold" nodeType="withEffect">
+                                  <p:stCondLst>
+                                    <p:cond delay="0"/>
+                                  </p:stCondLst>
+                                  <p:childTnLst>
+                                    <p:set>
+                                      <p:cBhvr>
+                                        <p:cTn id="8" dur="1" fill="hold">
+                                          <p:stCondLst>
+                                            <p:cond delay="0"/>
+                                          </p:stCondLst>
+                                        </p:cTn>
+                                        <p:tgtEl>
+                                          <p:spTgt spid="10"/>
+                                        </p:tgtEl>
+                                        <p:attrNameLst>
+                                          <p:attrName>style.visibility</p:attrName>
+                                        </p:attrNameLst>
+                                      </p:cBhvr>
+                                      <p:to>
+                                        <p:strVal val="visible"/>
+                                      </p:to>
+                                    </p:set>
+                                  </p:childTnLst>
+                                </p:cTn>
+                              </p:par>
+                            </p:childTnLst>
+                          </p:cTn>
+                        </p:par>
+                      </p:childTnLst>
+                    </p:cTn>
+                  </p:par>
+                  <p:par>
+                    <p:cTn id="9" fill="hold">
+                      <p:stCondLst>
+                        <p:cond delay="indefinite"/>
+                      </p:stCondLst>
+                      <p:childTnLst>
+                        <p:par>
+                          <p:cTn id="10" fill="hold">
+                            <p:stCondLst>
+                              <p:cond delay="0"/>
+                            </p:stCondLst>
+                            <p:childTnLst>
+                              <p:par>
+                                <p:cTn id="11" presetID="1" presetClass="entr" presetSubtype="0" fill="hold" grpId="0" nodeType="clickEffect">
+                                  <p:stCondLst>
+                                    <p:cond delay="0"/>
+                                  </p:stCondLst>
+                                  <p:childTnLst>
+                                    <p:set>
+                                      <p:cBhvr>
+                                        <p:cTn id="12" dur="1" fill="hold">
+                                          <p:stCondLst>
+                                            <p:cond delay="0"/>
+                                          </p:stCondLst>
+                                        </p:cTn>
+                                        <p:tgtEl>
+                                          <p:spTgt spid="6"/>
+                                        </p:tgtEl>
+                                        <p:attrNameLst>
+                                          <p:attrName>style.visibility</p:attrName>
+                                        </p:attrNameLst>
+                                      </p:cBhvr>
+                                      <p:to>
+                                        <p:strVal val="visible"/>
+                                      </p:to>
+                                    </p:set>
+                                  </p:childTnLst>
+                                </p:cTn>
+                              </p:par>
+                              <p:par>
+                                <p:cTn id="13" presetID="1" presetClass="entr" presetSubtype="0" fill="hold" nodeType="withEffect">
+                                  <p:stCondLst>
+                                    <p:cond delay="0"/>
+                                  </p:stCondLst>
+                                  <p:childTnLst>
+                                    <p:set>
+                                      <p:cBhvr>
+                                        <p:cTn id="14" dur="1" fill="hold">
+                                          <p:stCondLst>
+                                            <p:cond delay="0"/>
+                                          </p:stCondLst>
+                                        </p:cTn>
+                                        <p:tgtEl>
+                                          <p:spTgt spid="11"/>
+                                        </p:tgtEl>
+                                        <p:attrNameLst>
+                                          <p:attrName>style.visibility</p:attrName>
+                                        </p:attrNameLst>
+                                      </p:cBhvr>
+                                      <p:to>
+                                        <p:strVal val="visible"/>
+                                      </p:to>
+                                    </p:set>
+                                  </p:childTnLst>
+                                </p:cTn>
+                              </p:par>
+                            </p:childTnLst>
+                          </p:cTn>
+                        </p:par>
+                      </p:childTnLst>
+                    </p:cTn>
+                  </p:par>
+                  <p:par>
+                    <p:cTn id="15" fill="hold">
+                      <p:stCondLst>
+                        <p:cond delay="indefinite"/>
+                      </p:stCondLst>
+                      <p:childTnLst>
+                        <p:par>
+                          <p:cTn id="16" fill="hold">
+                            <p:stCondLst>
+                              <p:cond delay="0"/>
+                            </p:stCondLst>
+                            <p:childTnLst>
+                              <p:par>
+                                <p:cTn id="17" presetID="1" presetClass="entr" presetSubtype="0" fill="hold" grpId="0" nodeType="clickEffect">
+                                  <p:stCondLst>
+                                    <p:cond delay="0"/>
+                                  </p:stCondLst>
+                                  <p:childTnLst>
+                                    <p:set>
+                                      <p:cBhvr>
+                                        <p:cTn id="18" dur="1" fill="hold">
+                                          <p:stCondLst>
+                                            <p:cond delay="0"/>
+                                          </p:stCondLst>
+                                        </p:cTn>
+                                        <p:tgtEl>
+                                          <p:spTgt spid="8"/>
+                                        </p:tgtEl>
+                                        <p:attrNameLst>
+                                          <p:attrName>style.visibility</p:attrName>
+                                        </p:attrNameLst>
+                                      </p:cBhvr>
+                                      <p:to>
+                                        <p:strVal val="visible"/>
+                                      </p:to>
+                                    </p:set>
+                                  </p:childTnLst>
+                                </p:cTn>
+                              </p:par>
+                              <p:par>
+                                <p:cTn id="19" presetID="1" presetClass="entr" presetSubtype="0" fill="hold" nodeType="withEffect">
+                                  <p:stCondLst>
+                                    <p:cond delay="0"/>
+                                  </p:stCondLst>
+                                  <p:childTnLst>
+                                    <p:set>
+                                      <p:cBhvr>
+                                        <p:cTn id="20" dur="1" fill="hold">
+                                          <p:stCondLst>
+                                            <p:cond delay="0"/>
+                                          </p:stCondLst>
+                                        </p:cTn>
+                                        <p:tgtEl>
+                                          <p:spTgt spid="9"/>
+                                        </p:tgtEl>
+                                        <p:attrNameLst>
+                                          <p:attrName>style.visibility</p:attrName>
+                                        </p:attrNameLst>
+                                      </p:cBhvr>
+                                      <p:to>
+                                        <p:strVal val="visible"/>
+                                      </p:to>
+                                    </p:set>
+                                  </p:childTnLst>
+                                </p:cTn>
+                              </p:par>
+                              <p:par>
+                                <p:cTn id="21" presetID="1" presetClass="entr" presetSubtype="0" fill="hold" nodeType="withEffect">
+                                  <p:stCondLst>
+                                    <p:cond delay="0"/>
+                                  </p:stCondLst>
+                                  <p:childTnLst>
+                                    <p:set>
+                                      <p:cBhvr>
+                                        <p:cTn id="22" dur="1" fill="hold">
+                                          <p:stCondLst>
+                                            <p:cond delay="0"/>
+                                          </p:stCondLst>
+                                        </p:cTn>
+                                        <p:tgtEl>
+                                          <p:spTgt spid="12"/>
+                                        </p:tgtEl>
+                                        <p:attrNameLst>
+                                          <p:attrName>style.visibility</p:attrName>
+                                        </p:attrNameLst>
+                                      </p:cBhvr>
+                                      <p:to>
+                                        <p:strVal val="visible"/>
+                                      </p:to>
+                                    </p:set>
+                                  </p:childTnLst>
+                                </p:cTn>
+                              </p:par>
+                            </p:childTnLst>
+                          </p:cTn>
+                        </p:par>
+                      </p:childTnLst>
+                    </p:cTn>
+                  </p:par>
+                </p:childTnLst>
+              </p:cTn>
+              <p:prevCondLst>
+                <p:cond evt="onPrev" delay="0">
+                  <p:tgtEl>
+                    <p:sldTgt/>
+                  </p:tgtEl>
+                </p:cond>
+              </p:prevCondLst>
+              <p:nextCondLst>
+                <p:cond evt="onNext" delay="0">
+                  <p:tgtEl>
+                    <p:sldTgt/>
+                  </p:tgtEl>
+                </p:cond>
+              </p:nextCondLst>
+            </p:seq>
+          </p:childTnLst>
+        </p:cTn>
+      </p:par>
+    </p:tnLst>
+    <p:bldLst>
+      <p:bldP spid="4" grpId="0"/>
+      <p:bldP spid="6" grpId="0"/>
+      <p:bldP spid="8" grpId="0"/>
+    </p:bldLst>
+  </p:timing>
 </p:sld>
 </file>
 
@@ -4158,6 +11607,804 @@
     <p:extLst>
       <p:ext uri="{BB962C8B-B14F-4D97-AF65-F5344CB8AC3E}">
         <p14:creationId xmlns:p14="http://schemas.microsoft.com/office/powerpoint/2010/main" val="324436810"/>
+      </p:ext>
+    </p:extLst>
+  </p:cSld>
+  <p:clrMapOvr>
+    <a:masterClrMapping/>
+  </p:clrMapOvr>
+</p:sld>
+</file>
+
+<file path=ppt/slides/slide20.xml><?xml version="1.0" encoding="utf-8"?>
+<p:sld xmlns:a="http://schemas.openxmlformats.org/drawingml/2006/main" xmlns:r="http://schemas.openxmlformats.org/officeDocument/2006/relationships" xmlns:p="http://schemas.openxmlformats.org/presentationml/2006/main">
+  <p:cSld>
+    <p:spTree>
+      <p:nvGrpSpPr>
+        <p:cNvPr id="1" name="">
+          <a:extLst>
+            <a:ext uri="{FF2B5EF4-FFF2-40B4-BE49-F238E27FC236}">
+              <a16:creationId xmlns:a16="http://schemas.microsoft.com/office/drawing/2014/main" id="{1562C6C6-4F21-0D14-8FF0-C1804706245B}"/>
+            </a:ext>
+          </a:extLst>
+        </p:cNvPr>
+        <p:cNvGrpSpPr/>
+        <p:nvPr/>
+      </p:nvGrpSpPr>
+      <p:grpSpPr>
+        <a:xfrm>
+          <a:off x="0" y="0"/>
+          <a:ext cx="0" cy="0"/>
+          <a:chOff x="0" y="0"/>
+          <a:chExt cx="0" cy="0"/>
+        </a:xfrm>
+      </p:grpSpPr>
+      <p:sp>
+        <p:nvSpPr>
+          <p:cNvPr id="2" name="Title 1">
+            <a:extLst>
+              <a:ext uri="{FF2B5EF4-FFF2-40B4-BE49-F238E27FC236}">
+                <a16:creationId xmlns:a16="http://schemas.microsoft.com/office/drawing/2014/main" id="{121136C1-47F2-7B7E-C6A8-52B043E06A12}"/>
+              </a:ext>
+            </a:extLst>
+          </p:cNvPr>
+          <p:cNvSpPr>
+            <a:spLocks noGrp="1"/>
+          </p:cNvSpPr>
+          <p:nvPr>
+            <p:ph type="title"/>
+          </p:nvPr>
+        </p:nvSpPr>
+        <p:spPr/>
+        <p:txBody>
+          <a:bodyPr/>
+          <a:lstStyle/>
+          <a:p>
+            <a:r>
+              <a:rPr lang="en-US" dirty="0"/>
+              <a:t>How many bikes will actually be rented?</a:t>
+            </a:r>
+            <a:endParaRPr lang="he-IL" dirty="0"/>
+          </a:p>
+        </p:txBody>
+      </p:sp>
+      <p:sp>
+        <p:nvSpPr>
+          <p:cNvPr id="3" name="Content Placeholder 2">
+            <a:extLst>
+              <a:ext uri="{FF2B5EF4-FFF2-40B4-BE49-F238E27FC236}">
+                <a16:creationId xmlns:a16="http://schemas.microsoft.com/office/drawing/2014/main" id="{64FF5705-F313-4B80-17CB-B8B88467FC94}"/>
+              </a:ext>
+            </a:extLst>
+          </p:cNvPr>
+          <p:cNvSpPr>
+            <a:spLocks noGrp="1"/>
+          </p:cNvSpPr>
+          <p:nvPr>
+            <p:ph idx="1"/>
+          </p:nvPr>
+        </p:nvSpPr>
+        <p:spPr>
+          <a:xfrm>
+            <a:off x="838200" y="1619147"/>
+            <a:ext cx="10515600" cy="1325563"/>
+          </a:xfrm>
+        </p:spPr>
+        <p:txBody>
+          <a:bodyPr>
+            <a:normAutofit fontScale="85000" lnSpcReduction="20000"/>
+          </a:bodyPr>
+          <a:lstStyle/>
+          <a:p>
+            <a:r>
+              <a:rPr lang="en-US" dirty="0"/>
+              <a:t>Posterior predictive sampling</a:t>
+            </a:r>
+          </a:p>
+          <a:p>
+            <a:r>
+              <a:rPr lang="en-US" dirty="0"/>
+              <a:t>Practically</a:t>
+            </a:r>
+          </a:p>
+          <a:p>
+            <a:pPr lvl="1"/>
+            <a:r>
+              <a:rPr lang="en-US" dirty="0"/>
+              <a:t>Sample from the posterior distribution of the parameters</a:t>
+            </a:r>
+          </a:p>
+          <a:p>
+            <a:pPr lvl="1"/>
+            <a:r>
+              <a:rPr lang="en-US" dirty="0"/>
+              <a:t>Sample from the likelihood given these posterior samples</a:t>
+            </a:r>
+            <a:endParaRPr lang="he-IL" dirty="0"/>
+          </a:p>
+        </p:txBody>
+      </p:sp>
+      <p:graphicFrame>
+        <p:nvGraphicFramePr>
+          <p:cNvPr id="5" name="Object 4">
+            <a:extLst>
+              <a:ext uri="{FF2B5EF4-FFF2-40B4-BE49-F238E27FC236}">
+                <a16:creationId xmlns:a16="http://schemas.microsoft.com/office/drawing/2014/main" id="{C4E5ADF0-56C3-4D4C-EDBB-4767BEE53D9F}"/>
+              </a:ext>
+            </a:extLst>
+          </p:cNvPr>
+          <p:cNvGraphicFramePr>
+            <a:graphicFrameLocks noChangeAspect="1"/>
+          </p:cNvGraphicFramePr>
+          <p:nvPr>
+            <p:extLst>
+              <p:ext uri="{D42A27DB-BD31-4B8C-83A1-F6EECF244321}">
+                <p14:modId xmlns:p14="http://schemas.microsoft.com/office/powerpoint/2010/main" val="4291780800"/>
+              </p:ext>
+            </p:extLst>
+          </p:nvPr>
+        </p:nvGraphicFramePr>
+        <p:xfrm>
+          <a:off x="1004236" y="3298314"/>
+          <a:ext cx="1738313" cy="482600"/>
+        </p:xfrm>
+        <a:graphic>
+          <a:graphicData uri="http://schemas.openxmlformats.org/presentationml/2006/ole">
+            <mc:AlternateContent xmlns:mc="http://schemas.openxmlformats.org/markup-compatibility/2006">
+              <mc:Choice xmlns:v="urn:schemas-microsoft-com:vml" Requires="v">
+                <p:oleObj name="Equation" r:id="rId2" imgW="914400" imgH="253800" progId="Equation.DSMT4">
+                  <p:embed/>
+                </p:oleObj>
+              </mc:Choice>
+              <mc:Fallback>
+                <p:oleObj name="Equation" r:id="rId2" imgW="914400" imgH="253800" progId="Equation.DSMT4">
+                  <p:embed/>
+                  <p:pic>
+                    <p:nvPicPr>
+                      <p:cNvPr id="5" name="Object 4">
+                        <a:extLst>
+                          <a:ext uri="{FF2B5EF4-FFF2-40B4-BE49-F238E27FC236}">
+                            <a16:creationId xmlns:a16="http://schemas.microsoft.com/office/drawing/2014/main" id="{1DB28F7A-037E-ADE4-ED2E-E446816D8592}"/>
+                          </a:ext>
+                        </a:extLst>
+                      </p:cNvPr>
+                      <p:cNvPicPr/>
+                      <p:nvPr/>
+                    </p:nvPicPr>
+                    <p:blipFill>
+                      <a:blip r:embed="rId3"/>
+                      <a:stretch>
+                        <a:fillRect/>
+                      </a:stretch>
+                    </p:blipFill>
+                    <p:spPr>
+                      <a:xfrm>
+                        <a:off x="1004236" y="3298314"/>
+                        <a:ext cx="1738313" cy="482600"/>
+                      </a:xfrm>
+                      <a:prstGeom prst="rect">
+                        <a:avLst/>
+                      </a:prstGeom>
+                    </p:spPr>
+                  </p:pic>
+                </p:oleObj>
+              </mc:Fallback>
+            </mc:AlternateContent>
+          </a:graphicData>
+        </a:graphic>
+      </p:graphicFrame>
+      <p:graphicFrame>
+        <p:nvGraphicFramePr>
+          <p:cNvPr id="7" name="Object 6">
+            <a:extLst>
+              <a:ext uri="{FF2B5EF4-FFF2-40B4-BE49-F238E27FC236}">
+                <a16:creationId xmlns:a16="http://schemas.microsoft.com/office/drawing/2014/main" id="{BC62EEF0-A663-7F33-DB36-6E7688A42262}"/>
+              </a:ext>
+            </a:extLst>
+          </p:cNvPr>
+          <p:cNvGraphicFramePr>
+            <a:graphicFrameLocks noChangeAspect="1"/>
+          </p:cNvGraphicFramePr>
+          <p:nvPr>
+            <p:extLst>
+              <p:ext uri="{D42A27DB-BD31-4B8C-83A1-F6EECF244321}">
+                <p14:modId xmlns:p14="http://schemas.microsoft.com/office/powerpoint/2010/main" val="3512809058"/>
+              </p:ext>
+            </p:extLst>
+          </p:nvPr>
+        </p:nvGraphicFramePr>
+        <p:xfrm>
+          <a:off x="1004236" y="3949499"/>
+          <a:ext cx="1860507" cy="400109"/>
+        </p:xfrm>
+        <a:graphic>
+          <a:graphicData uri="http://schemas.openxmlformats.org/presentationml/2006/ole">
+            <mc:AlternateContent xmlns:mc="http://schemas.openxmlformats.org/markup-compatibility/2006">
+              <mc:Choice xmlns:v="urn:schemas-microsoft-com:vml" Requires="v">
+                <p:oleObj name="Equation" r:id="rId4" imgW="1180800" imgH="253800" progId="Equation.DSMT4">
+                  <p:embed/>
+                </p:oleObj>
+              </mc:Choice>
+              <mc:Fallback>
+                <p:oleObj name="Equation" r:id="rId4" imgW="1180800" imgH="253800" progId="Equation.DSMT4">
+                  <p:embed/>
+                  <p:pic>
+                    <p:nvPicPr>
+                      <p:cNvPr id="7" name="Object 6">
+                        <a:extLst>
+                          <a:ext uri="{FF2B5EF4-FFF2-40B4-BE49-F238E27FC236}">
+                            <a16:creationId xmlns:a16="http://schemas.microsoft.com/office/drawing/2014/main" id="{0F7CEE98-75A4-2BFB-14A1-9BA6FF4515D7}"/>
+                          </a:ext>
+                        </a:extLst>
+                      </p:cNvPr>
+                      <p:cNvPicPr/>
+                      <p:nvPr/>
+                    </p:nvPicPr>
+                    <p:blipFill>
+                      <a:blip r:embed="rId5"/>
+                      <a:stretch>
+                        <a:fillRect/>
+                      </a:stretch>
+                    </p:blipFill>
+                    <p:spPr>
+                      <a:xfrm>
+                        <a:off x="1004236" y="3949499"/>
+                        <a:ext cx="1860507" cy="400109"/>
+                      </a:xfrm>
+                      <a:prstGeom prst="rect">
+                        <a:avLst/>
+                      </a:prstGeom>
+                    </p:spPr>
+                  </p:pic>
+                </p:oleObj>
+              </mc:Fallback>
+            </mc:AlternateContent>
+          </a:graphicData>
+        </a:graphic>
+      </p:graphicFrame>
+      <p:graphicFrame>
+        <p:nvGraphicFramePr>
+          <p:cNvPr id="9" name="Object 8">
+            <a:extLst>
+              <a:ext uri="{FF2B5EF4-FFF2-40B4-BE49-F238E27FC236}">
+                <a16:creationId xmlns:a16="http://schemas.microsoft.com/office/drawing/2014/main" id="{88D2266C-6527-982A-F671-C2DFAEE927D2}"/>
+              </a:ext>
+            </a:extLst>
+          </p:cNvPr>
+          <p:cNvGraphicFramePr>
+            <a:graphicFrameLocks noChangeAspect="1"/>
+          </p:cNvGraphicFramePr>
+          <p:nvPr>
+            <p:extLst>
+              <p:ext uri="{D42A27DB-BD31-4B8C-83A1-F6EECF244321}">
+                <p14:modId xmlns:p14="http://schemas.microsoft.com/office/powerpoint/2010/main" val="1038585479"/>
+              </p:ext>
+            </p:extLst>
+          </p:nvPr>
+        </p:nvGraphicFramePr>
+        <p:xfrm>
+          <a:off x="1004236" y="4533414"/>
+          <a:ext cx="2060575" cy="479425"/>
+        </p:xfrm>
+        <a:graphic>
+          <a:graphicData uri="http://schemas.openxmlformats.org/presentationml/2006/ole">
+            <mc:AlternateContent xmlns:mc="http://schemas.openxmlformats.org/markup-compatibility/2006">
+              <mc:Choice xmlns:v="urn:schemas-microsoft-com:vml" Requires="v">
+                <p:oleObj name="Equation" r:id="rId6" imgW="1307880" imgH="304560" progId="Equation.DSMT4">
+                  <p:embed/>
+                </p:oleObj>
+              </mc:Choice>
+              <mc:Fallback>
+                <p:oleObj name="Equation" r:id="rId6" imgW="1307880" imgH="304560" progId="Equation.DSMT4">
+                  <p:embed/>
+                  <p:pic>
+                    <p:nvPicPr>
+                      <p:cNvPr id="9" name="Object 8">
+                        <a:extLst>
+                          <a:ext uri="{FF2B5EF4-FFF2-40B4-BE49-F238E27FC236}">
+                            <a16:creationId xmlns:a16="http://schemas.microsoft.com/office/drawing/2014/main" id="{90BF9178-1C5A-0184-E152-091D831DB25F}"/>
+                          </a:ext>
+                        </a:extLst>
+                      </p:cNvPr>
+                      <p:cNvPicPr/>
+                      <p:nvPr/>
+                    </p:nvPicPr>
+                    <p:blipFill>
+                      <a:blip r:embed="rId7"/>
+                      <a:stretch>
+                        <a:fillRect/>
+                      </a:stretch>
+                    </p:blipFill>
+                    <p:spPr>
+                      <a:xfrm>
+                        <a:off x="1004236" y="4533414"/>
+                        <a:ext cx="2060575" cy="479425"/>
+                      </a:xfrm>
+                      <a:prstGeom prst="rect">
+                        <a:avLst/>
+                      </a:prstGeom>
+                    </p:spPr>
+                  </p:pic>
+                </p:oleObj>
+              </mc:Fallback>
+            </mc:AlternateContent>
+          </a:graphicData>
+        </a:graphic>
+      </p:graphicFrame>
+      <p:graphicFrame>
+        <p:nvGraphicFramePr>
+          <p:cNvPr id="10" name="Object 9">
+            <a:extLst>
+              <a:ext uri="{FF2B5EF4-FFF2-40B4-BE49-F238E27FC236}">
+                <a16:creationId xmlns:a16="http://schemas.microsoft.com/office/drawing/2014/main" id="{D18D1E07-1454-5634-A8F0-B178FC9DA119}"/>
+              </a:ext>
+            </a:extLst>
+          </p:cNvPr>
+          <p:cNvGraphicFramePr>
+            <a:graphicFrameLocks noChangeAspect="1"/>
+          </p:cNvGraphicFramePr>
+          <p:nvPr>
+            <p:extLst>
+              <p:ext uri="{D42A27DB-BD31-4B8C-83A1-F6EECF244321}">
+                <p14:modId xmlns:p14="http://schemas.microsoft.com/office/powerpoint/2010/main" val="3910573763"/>
+              </p:ext>
+            </p:extLst>
+          </p:nvPr>
+        </p:nvGraphicFramePr>
+        <p:xfrm>
+          <a:off x="2761297" y="3331865"/>
+          <a:ext cx="2051046" cy="482599"/>
+        </p:xfrm>
+        <a:graphic>
+          <a:graphicData uri="http://schemas.openxmlformats.org/presentationml/2006/ole">
+            <mc:AlternateContent xmlns:mc="http://schemas.openxmlformats.org/markup-compatibility/2006">
+              <mc:Choice xmlns:v="urn:schemas-microsoft-com:vml" Requires="v">
+                <p:oleObj name="Equation" r:id="rId8" imgW="1619119" imgH="381000" progId="Equation.DSMT4">
+                  <p:embed/>
+                </p:oleObj>
+              </mc:Choice>
+              <mc:Fallback>
+                <p:oleObj name="Equation" r:id="rId8" imgW="1619119" imgH="381000" progId="Equation.DSMT4">
+                  <p:embed/>
+                  <p:pic>
+                    <p:nvPicPr>
+                      <p:cNvPr id="10" name="Object 9">
+                        <a:extLst>
+                          <a:ext uri="{FF2B5EF4-FFF2-40B4-BE49-F238E27FC236}">
+                            <a16:creationId xmlns:a16="http://schemas.microsoft.com/office/drawing/2014/main" id="{5A8160BF-74EC-4EBA-B303-C72D813987CD}"/>
+                          </a:ext>
+                        </a:extLst>
+                      </p:cNvPr>
+                      <p:cNvPicPr/>
+                      <p:nvPr/>
+                    </p:nvPicPr>
+                    <p:blipFill>
+                      <a:blip r:embed="rId9"/>
+                      <a:stretch>
+                        <a:fillRect/>
+                      </a:stretch>
+                    </p:blipFill>
+                    <p:spPr>
+                      <a:xfrm>
+                        <a:off x="2761297" y="3331865"/>
+                        <a:ext cx="2051046" cy="482599"/>
+                      </a:xfrm>
+                      <a:prstGeom prst="rect">
+                        <a:avLst/>
+                      </a:prstGeom>
+                    </p:spPr>
+                  </p:pic>
+                </p:oleObj>
+              </mc:Fallback>
+            </mc:AlternateContent>
+          </a:graphicData>
+        </a:graphic>
+      </p:graphicFrame>
+      <p:graphicFrame>
+        <p:nvGraphicFramePr>
+          <p:cNvPr id="11" name="Object 10">
+            <a:extLst>
+              <a:ext uri="{FF2B5EF4-FFF2-40B4-BE49-F238E27FC236}">
+                <a16:creationId xmlns:a16="http://schemas.microsoft.com/office/drawing/2014/main" id="{848FD5FB-F110-C729-8126-4DEAE844C429}"/>
+              </a:ext>
+            </a:extLst>
+          </p:cNvPr>
+          <p:cNvGraphicFramePr>
+            <a:graphicFrameLocks noChangeAspect="1"/>
+          </p:cNvGraphicFramePr>
+          <p:nvPr>
+            <p:extLst>
+              <p:ext uri="{D42A27DB-BD31-4B8C-83A1-F6EECF244321}">
+                <p14:modId xmlns:p14="http://schemas.microsoft.com/office/powerpoint/2010/main" val="2970288244"/>
+              </p:ext>
+            </p:extLst>
+          </p:nvPr>
+        </p:nvGraphicFramePr>
+        <p:xfrm>
+          <a:off x="2864743" y="3934462"/>
+          <a:ext cx="1160317" cy="400109"/>
+        </p:xfrm>
+        <a:graphic>
+          <a:graphicData uri="http://schemas.openxmlformats.org/presentationml/2006/ole">
+            <mc:AlternateContent xmlns:mc="http://schemas.openxmlformats.org/markup-compatibility/2006">
+              <mc:Choice xmlns:v="urn:schemas-microsoft-com:vml" Requires="v">
+                <p:oleObj name="Equation" r:id="rId10" imgW="736560" imgH="253800" progId="Equation.DSMT4">
+                  <p:embed/>
+                </p:oleObj>
+              </mc:Choice>
+              <mc:Fallback>
+                <p:oleObj name="Equation" r:id="rId10" imgW="736560" imgH="253800" progId="Equation.DSMT4">
+                  <p:embed/>
+                  <p:pic>
+                    <p:nvPicPr>
+                      <p:cNvPr id="11" name="Object 10">
+                        <a:extLst>
+                          <a:ext uri="{FF2B5EF4-FFF2-40B4-BE49-F238E27FC236}">
+                            <a16:creationId xmlns:a16="http://schemas.microsoft.com/office/drawing/2014/main" id="{211AC0B2-E1DA-1EC3-1CD1-94D756DC3BC3}"/>
+                          </a:ext>
+                        </a:extLst>
+                      </p:cNvPr>
+                      <p:cNvPicPr/>
+                      <p:nvPr/>
+                    </p:nvPicPr>
+                    <p:blipFill>
+                      <a:blip r:embed="rId11"/>
+                      <a:stretch>
+                        <a:fillRect/>
+                      </a:stretch>
+                    </p:blipFill>
+                    <p:spPr>
+                      <a:xfrm>
+                        <a:off x="2864743" y="3934462"/>
+                        <a:ext cx="1160317" cy="400109"/>
+                      </a:xfrm>
+                      <a:prstGeom prst="rect">
+                        <a:avLst/>
+                      </a:prstGeom>
+                    </p:spPr>
+                  </p:pic>
+                </p:oleObj>
+              </mc:Fallback>
+            </mc:AlternateContent>
+          </a:graphicData>
+        </a:graphic>
+      </p:graphicFrame>
+      <p:sp>
+        <p:nvSpPr>
+          <p:cNvPr id="14" name="TextBox 13">
+            <a:extLst>
+              <a:ext uri="{FF2B5EF4-FFF2-40B4-BE49-F238E27FC236}">
+                <a16:creationId xmlns:a16="http://schemas.microsoft.com/office/drawing/2014/main" id="{47F1C81A-F83D-4B19-2260-93D47DECE726}"/>
+              </a:ext>
+            </a:extLst>
+          </p:cNvPr>
+          <p:cNvSpPr txBox="1"/>
+          <p:nvPr/>
+        </p:nvSpPr>
+        <p:spPr>
+          <a:xfrm>
+            <a:off x="5427405" y="3376059"/>
+            <a:ext cx="6646607" cy="452688"/>
+          </a:xfrm>
+          <a:prstGeom prst="rect">
+            <a:avLst/>
+          </a:prstGeom>
+          <a:noFill/>
+        </p:spPr>
+        <p:txBody>
+          <a:bodyPr wrap="square">
+            <a:spAutoFit/>
+          </a:bodyPr>
+          <a:lstStyle/>
+          <a:p>
+            <a:pPr>
+              <a:lnSpc>
+                <a:spcPts val="1425"/>
+              </a:lnSpc>
+            </a:pPr>
+            <a:r>
+              <a:rPr lang="en-US" sz="1400" b="1" dirty="0" err="1">
+                <a:solidFill>
+                  <a:srgbClr val="7A3E9D"/>
+                </a:solidFill>
+                <a:effectLst/>
+                <a:latin typeface="Consolas" panose="020B0609020204030204" pitchFamily="49" charset="0"/>
+              </a:rPr>
+              <a:t>pm</a:t>
+            </a:r>
+            <a:r>
+              <a:rPr lang="en-US" sz="1400" b="0" dirty="0" err="1">
+                <a:solidFill>
+                  <a:srgbClr val="777777"/>
+                </a:solidFill>
+                <a:effectLst/>
+                <a:latin typeface="Consolas" panose="020B0609020204030204" pitchFamily="49" charset="0"/>
+              </a:rPr>
+              <a:t>.</a:t>
+            </a:r>
+            <a:r>
+              <a:rPr lang="en-US" sz="1400" b="1" dirty="0" err="1">
+                <a:solidFill>
+                  <a:srgbClr val="AA3731"/>
+                </a:solidFill>
+                <a:effectLst/>
+                <a:latin typeface="Consolas" panose="020B0609020204030204" pitchFamily="49" charset="0"/>
+              </a:rPr>
+              <a:t>sample_posterior_predictive</a:t>
+            </a:r>
+            <a:r>
+              <a:rPr lang="en-US" sz="1400" b="0" dirty="0">
+                <a:solidFill>
+                  <a:srgbClr val="777777"/>
+                </a:solidFill>
+                <a:effectLst/>
+                <a:latin typeface="Consolas" panose="020B0609020204030204" pitchFamily="49" charset="0"/>
+              </a:rPr>
+              <a:t>(</a:t>
+            </a:r>
+            <a:r>
+              <a:rPr lang="en-US" sz="1400" b="0" dirty="0" err="1">
+                <a:solidFill>
+                  <a:srgbClr val="7A3E9D"/>
+                </a:solidFill>
+                <a:effectLst/>
+                <a:latin typeface="Consolas" panose="020B0609020204030204" pitchFamily="49" charset="0"/>
+              </a:rPr>
+              <a:t>idata_lb</a:t>
+            </a:r>
+            <a:r>
+              <a:rPr lang="en-US" sz="1400" b="0" dirty="0">
+                <a:solidFill>
+                  <a:srgbClr val="777777"/>
+                </a:solidFill>
+                <a:effectLst/>
+                <a:latin typeface="Consolas" panose="020B0609020204030204" pitchFamily="49" charset="0"/>
+              </a:rPr>
+              <a:t>,</a:t>
+            </a:r>
+            <a:r>
+              <a:rPr lang="en-US" sz="1400" b="0" dirty="0">
+                <a:solidFill>
+                  <a:srgbClr val="333333"/>
+                </a:solidFill>
+                <a:effectLst/>
+                <a:latin typeface="Consolas" panose="020B0609020204030204" pitchFamily="49" charset="0"/>
+              </a:rPr>
+              <a:t> </a:t>
+            </a:r>
+            <a:r>
+              <a:rPr lang="en-US" sz="1400" b="0" dirty="0">
+                <a:solidFill>
+                  <a:srgbClr val="7A3E9D"/>
+                </a:solidFill>
+                <a:effectLst/>
+                <a:latin typeface="Consolas" panose="020B0609020204030204" pitchFamily="49" charset="0"/>
+              </a:rPr>
+              <a:t>model</a:t>
+            </a:r>
+            <a:r>
+              <a:rPr lang="en-US" sz="1400" b="0" dirty="0">
+                <a:solidFill>
+                  <a:srgbClr val="777777"/>
+                </a:solidFill>
+                <a:effectLst/>
+                <a:latin typeface="Consolas" panose="020B0609020204030204" pitchFamily="49" charset="0"/>
+              </a:rPr>
+              <a:t>=</a:t>
+            </a:r>
+            <a:r>
+              <a:rPr lang="en-US" sz="1400" b="0" dirty="0" err="1">
+                <a:solidFill>
+                  <a:srgbClr val="7A3E9D"/>
+                </a:solidFill>
+                <a:effectLst/>
+                <a:latin typeface="Consolas" panose="020B0609020204030204" pitchFamily="49" charset="0"/>
+              </a:rPr>
+              <a:t>model_lb</a:t>
+            </a:r>
+            <a:r>
+              <a:rPr lang="en-US" sz="1400" b="0" dirty="0">
+                <a:solidFill>
+                  <a:srgbClr val="777777"/>
+                </a:solidFill>
+                <a:effectLst/>
+                <a:latin typeface="Consolas" panose="020B0609020204030204" pitchFamily="49" charset="0"/>
+              </a:rPr>
+              <a:t>,</a:t>
+            </a:r>
+          </a:p>
+          <a:p>
+            <a:pPr>
+              <a:lnSpc>
+                <a:spcPts val="1425"/>
+              </a:lnSpc>
+            </a:pPr>
+            <a:r>
+              <a:rPr lang="en-US" sz="1400" dirty="0">
+                <a:solidFill>
+                  <a:srgbClr val="777777"/>
+                </a:solidFill>
+                <a:latin typeface="Consolas" panose="020B0609020204030204" pitchFamily="49" charset="0"/>
+              </a:rPr>
+              <a:t>                               </a:t>
+            </a:r>
+            <a:r>
+              <a:rPr lang="en-US" sz="1400" b="0" dirty="0" err="1">
+                <a:solidFill>
+                  <a:srgbClr val="7A3E9D"/>
+                </a:solidFill>
+                <a:effectLst/>
+                <a:latin typeface="Consolas" panose="020B0609020204030204" pitchFamily="49" charset="0"/>
+              </a:rPr>
+              <a:t>extend_inferencedata</a:t>
+            </a:r>
+            <a:r>
+              <a:rPr lang="en-US" sz="1400" b="0" dirty="0">
+                <a:solidFill>
+                  <a:srgbClr val="777777"/>
+                </a:solidFill>
+                <a:effectLst/>
+                <a:latin typeface="Consolas" panose="020B0609020204030204" pitchFamily="49" charset="0"/>
+              </a:rPr>
+              <a:t>=</a:t>
+            </a:r>
+            <a:r>
+              <a:rPr lang="en-US" sz="1400" b="0" dirty="0">
+                <a:solidFill>
+                  <a:srgbClr val="9C5D27"/>
+                </a:solidFill>
+                <a:effectLst/>
+                <a:latin typeface="Consolas" panose="020B0609020204030204" pitchFamily="49" charset="0"/>
+              </a:rPr>
+              <a:t>True</a:t>
+            </a:r>
+            <a:r>
+              <a:rPr lang="en-US" sz="1400" b="0" dirty="0">
+                <a:solidFill>
+                  <a:srgbClr val="777777"/>
+                </a:solidFill>
+                <a:effectLst/>
+                <a:latin typeface="Consolas" panose="020B0609020204030204" pitchFamily="49" charset="0"/>
+              </a:rPr>
+              <a:t>)</a:t>
+            </a:r>
+            <a:endParaRPr lang="en-US" sz="1400" b="0" dirty="0">
+              <a:solidFill>
+                <a:srgbClr val="333333"/>
+              </a:solidFill>
+              <a:effectLst/>
+              <a:latin typeface="Consolas" panose="020B0609020204030204" pitchFamily="49" charset="0"/>
+            </a:endParaRPr>
+          </a:p>
+        </p:txBody>
+      </p:sp>
+      <p:pic>
+        <p:nvPicPr>
+          <p:cNvPr id="15" name="Picture 14">
+            <a:extLst>
+              <a:ext uri="{FF2B5EF4-FFF2-40B4-BE49-F238E27FC236}">
+                <a16:creationId xmlns:a16="http://schemas.microsoft.com/office/drawing/2014/main" id="{4286CA6E-CBC4-D236-2B04-FA177B02EABE}"/>
+              </a:ext>
+            </a:extLst>
+          </p:cNvPr>
+          <p:cNvPicPr>
+            <a:picLocks noChangeAspect="1"/>
+          </p:cNvPicPr>
+          <p:nvPr/>
+        </p:nvPicPr>
+        <p:blipFill>
+          <a:blip r:embed="rId12"/>
+          <a:stretch>
+            <a:fillRect/>
+          </a:stretch>
+        </p:blipFill>
+        <p:spPr>
+          <a:xfrm>
+            <a:off x="5843707" y="3949499"/>
+            <a:ext cx="5344057" cy="2796557"/>
+          </a:xfrm>
+          <a:prstGeom prst="rect">
+            <a:avLst/>
+          </a:prstGeom>
+        </p:spPr>
+      </p:pic>
+    </p:spTree>
+    <p:extLst>
+      <p:ext uri="{BB962C8B-B14F-4D97-AF65-F5344CB8AC3E}">
+        <p14:creationId xmlns:p14="http://schemas.microsoft.com/office/powerpoint/2010/main" val="1955486660"/>
+      </p:ext>
+    </p:extLst>
+  </p:cSld>
+  <p:clrMapOvr>
+    <a:masterClrMapping/>
+  </p:clrMapOvr>
+</p:sld>
+</file>
+
+<file path=ppt/slides/slide21.xml><?xml version="1.0" encoding="utf-8"?>
+<p:sld xmlns:a="http://schemas.openxmlformats.org/drawingml/2006/main" xmlns:r="http://schemas.openxmlformats.org/officeDocument/2006/relationships" xmlns:p="http://schemas.openxmlformats.org/presentationml/2006/main">
+  <p:cSld>
+    <p:spTree>
+      <p:nvGrpSpPr>
+        <p:cNvPr id="1" name=""/>
+        <p:cNvGrpSpPr/>
+        <p:nvPr/>
+      </p:nvGrpSpPr>
+      <p:grpSpPr>
+        <a:xfrm>
+          <a:off x="0" y="0"/>
+          <a:ext cx="0" cy="0"/>
+          <a:chOff x="0" y="0"/>
+          <a:chExt cx="0" cy="0"/>
+        </a:xfrm>
+      </p:grpSpPr>
+      <p:sp>
+        <p:nvSpPr>
+          <p:cNvPr id="2" name="Title 1">
+            <a:extLst>
+              <a:ext uri="{FF2B5EF4-FFF2-40B4-BE49-F238E27FC236}">
+                <a16:creationId xmlns:a16="http://schemas.microsoft.com/office/drawing/2014/main" id="{905FAC76-8653-870F-3428-F443714646CF}"/>
+              </a:ext>
+            </a:extLst>
+          </p:cNvPr>
+          <p:cNvSpPr>
+            <a:spLocks noGrp="1"/>
+          </p:cNvSpPr>
+          <p:nvPr>
+            <p:ph type="title"/>
+          </p:nvPr>
+        </p:nvSpPr>
+        <p:spPr/>
+        <p:txBody>
+          <a:bodyPr/>
+          <a:lstStyle/>
+          <a:p>
+            <a:r>
+              <a:rPr lang="en-US" dirty="0"/>
+              <a:t>Showing the posterior predictive</a:t>
+            </a:r>
+            <a:endParaRPr lang="he-IL" dirty="0"/>
+          </a:p>
+        </p:txBody>
+      </p:sp>
+      <p:sp>
+        <p:nvSpPr>
+          <p:cNvPr id="3" name="Content Placeholder 2">
+            <a:extLst>
+              <a:ext uri="{FF2B5EF4-FFF2-40B4-BE49-F238E27FC236}">
+                <a16:creationId xmlns:a16="http://schemas.microsoft.com/office/drawing/2014/main" id="{37E4F35A-1EA0-299B-88F9-C63CB4BD1547}"/>
+              </a:ext>
+            </a:extLst>
+          </p:cNvPr>
+          <p:cNvSpPr>
+            <a:spLocks noGrp="1"/>
+          </p:cNvSpPr>
+          <p:nvPr>
+            <p:ph idx="1"/>
+          </p:nvPr>
+        </p:nvSpPr>
+        <p:spPr>
+          <a:xfrm>
+            <a:off x="838200" y="1825625"/>
+            <a:ext cx="10515600" cy="986401"/>
+          </a:xfrm>
+        </p:spPr>
+        <p:txBody>
+          <a:bodyPr/>
+          <a:lstStyle/>
+          <a:p>
+            <a:r>
+              <a:rPr lang="en-US" dirty="0"/>
+              <a:t>Visualize uncertainty in both posterior mean and posterior predictive</a:t>
+            </a:r>
+            <a:endParaRPr lang="he-IL" dirty="0"/>
+          </a:p>
+        </p:txBody>
+      </p:sp>
+    </p:spTree>
+    <p:extLst>
+      <p:ext uri="{BB962C8B-B14F-4D97-AF65-F5344CB8AC3E}">
+        <p14:creationId xmlns:p14="http://schemas.microsoft.com/office/powerpoint/2010/main" val="338926894"/>
       </p:ext>
     </p:extLst>
   </p:cSld>
@@ -5126,14 +13373,14 @@
           <p:nvPr>
             <p:extLst>
               <p:ext uri="{D42A27DB-BD31-4B8C-83A1-F6EECF244321}">
-                <p14:modId xmlns:p14="http://schemas.microsoft.com/office/powerpoint/2010/main" val="623706251"/>
+                <p14:modId xmlns:p14="http://schemas.microsoft.com/office/powerpoint/2010/main" val="3704700554"/>
               </p:ext>
             </p:extLst>
           </p:nvPr>
         </p:nvGraphicFramePr>
         <p:xfrm>
-          <a:off x="8507455" y="3648024"/>
-          <a:ext cx="3050632" cy="2470759"/>
+          <a:off x="8321670" y="3008085"/>
+          <a:ext cx="3321060" cy="2689783"/>
         </p:xfrm>
         <a:graphic>
           <a:graphicData uri="http://schemas.openxmlformats.org/presentationml/2006/ole">
@@ -5160,8 +13407,8 @@
                     </p:blipFill>
                     <p:spPr>
                       <a:xfrm>
-                        <a:off x="8507455" y="3648024"/>
-                        <a:ext cx="3050632" cy="2470759"/>
+                        <a:off x="8321670" y="3008085"/>
+                        <a:ext cx="3321060" cy="2689783"/>
                       </a:xfrm>
                       <a:prstGeom prst="rect">
                         <a:avLst/>

--- a/Lectures/Lecture 6 Linear models.pptx
+++ b/Lectures/Lecture 6 Linear models.pptx
@@ -5,7 +5,7 @@
     <p:sldMasterId id="2147483648" r:id="rId1"/>
   </p:sldMasterIdLst>
   <p:notesMasterIdLst>
-    <p:notesMasterId r:id="rId23"/>
+    <p:notesMasterId r:id="rId25"/>
   </p:notesMasterIdLst>
   <p:sldIdLst>
     <p:sldId id="256" r:id="rId2"/>
@@ -29,6 +29,8 @@
     <p:sldId id="698" r:id="rId20"/>
     <p:sldId id="699" r:id="rId21"/>
     <p:sldId id="700" r:id="rId22"/>
+    <p:sldId id="703" r:id="rId23"/>
+    <p:sldId id="704" r:id="rId24"/>
   </p:sldIdLst>
   <p:sldSz cx="12192000" cy="6858000"/>
   <p:notesSz cx="6858000" cy="9144000"/>
@@ -4002,6 +4004,69 @@
           </a:graphicData>
         </a:graphic>
       </p:graphicFrame>
+      <p:graphicFrame>
+        <p:nvGraphicFramePr>
+          <p:cNvPr id="9" name="Object 8">
+            <a:extLst>
+              <a:ext uri="{FF2B5EF4-FFF2-40B4-BE49-F238E27FC236}">
+                <a16:creationId xmlns:a16="http://schemas.microsoft.com/office/drawing/2014/main" id="{54DD1EB6-2A78-3C1C-E569-E8C0BFD3D04F}"/>
+              </a:ext>
+            </a:extLst>
+          </p:cNvPr>
+          <p:cNvGraphicFramePr>
+            <a:graphicFrameLocks noChangeAspect="1"/>
+          </p:cNvGraphicFramePr>
+          <p:nvPr>
+            <p:extLst>
+              <p:ext uri="{D42A27DB-BD31-4B8C-83A1-F6EECF244321}">
+                <p14:modId xmlns:p14="http://schemas.microsoft.com/office/powerpoint/2010/main" val="517712860"/>
+              </p:ext>
+            </p:extLst>
+          </p:nvPr>
+        </p:nvGraphicFramePr>
+        <p:xfrm>
+          <a:off x="8736900" y="1603602"/>
+          <a:ext cx="1960563" cy="560161"/>
+        </p:xfrm>
+        <a:graphic>
+          <a:graphicData uri="http://schemas.openxmlformats.org/presentationml/2006/ole">
+            <mc:AlternateContent xmlns:mc="http://schemas.openxmlformats.org/markup-compatibility/2006">
+              <mc:Choice xmlns:v="urn:schemas-microsoft-com:vml" Requires="v">
+                <p:oleObj name="Equation" r:id="rId9" imgW="799920" imgH="228600" progId="Equation.DSMT4">
+                  <p:embed/>
+                </p:oleObj>
+              </mc:Choice>
+              <mc:Fallback>
+                <p:oleObj name="Equation" r:id="rId9" imgW="799920" imgH="228600" progId="Equation.DSMT4">
+                  <p:embed/>
+                  <p:pic>
+                    <p:nvPicPr>
+                      <p:cNvPr id="0" name=""/>
+                      <p:cNvPicPr/>
+                      <p:nvPr/>
+                    </p:nvPicPr>
+                    <p:blipFill>
+                      <a:blip r:embed="rId10"/>
+                      <a:stretch>
+                        <a:fillRect/>
+                      </a:stretch>
+                    </p:blipFill>
+                    <p:spPr>
+                      <a:xfrm>
+                        <a:off x="8736900" y="1603602"/>
+                        <a:ext cx="1960563" cy="560161"/>
+                      </a:xfrm>
+                      <a:prstGeom prst="rect">
+                        <a:avLst/>
+                      </a:prstGeom>
+                    </p:spPr>
+                  </p:pic>
+                </p:oleObj>
+              </mc:Fallback>
+            </mc:AlternateContent>
+          </a:graphicData>
+        </a:graphic>
+      </p:graphicFrame>
     </p:spTree>
     <p:extLst>
       <p:ext uri="{BB962C8B-B14F-4D97-AF65-F5344CB8AC3E}">
@@ -4077,12 +4142,45 @@
             <p:ph idx="1"/>
           </p:nvPr>
         </p:nvSpPr>
-        <p:spPr/>
+        <p:spPr>
+          <a:xfrm>
+            <a:off x="838200" y="3054625"/>
+            <a:ext cx="5661991" cy="3001617"/>
+          </a:xfrm>
+        </p:spPr>
         <p:txBody>
-          <a:bodyPr/>
+          <a:bodyPr>
+            <a:normAutofit/>
+          </a:bodyPr>
           <a:lstStyle/>
           <a:p>
-            <a:endParaRPr lang="he-IL"/>
+            <a:r>
+              <a:rPr lang="en-US" sz="2400" dirty="0"/>
+              <a:t>Samples are from the </a:t>
+            </a:r>
+            <a:r>
+              <a:rPr lang="en-US" sz="2400" b="1" dirty="0"/>
+              <a:t>joint</a:t>
+            </a:r>
+            <a:r>
+              <a:rPr lang="en-US" sz="2400" dirty="0"/>
+              <a:t> distribution</a:t>
+            </a:r>
+          </a:p>
+          <a:p>
+            <a:pPr lvl="1"/>
+            <a:r>
+              <a:rPr lang="en-US" sz="2000" dirty="0"/>
+              <a:t>Parameters may be correlated</a:t>
+            </a:r>
+          </a:p>
+          <a:p>
+            <a:pPr lvl="1"/>
+            <a:r>
+              <a:rPr lang="en-US" sz="2000" dirty="0"/>
+              <a:t>Pair plots show these relationships</a:t>
+            </a:r>
+            <a:endParaRPr lang="he-IL" sz="2000" dirty="0"/>
           </a:p>
         </p:txBody>
       </p:sp>
@@ -4108,14 +4206,257 @@
         </p:blipFill>
         <p:spPr>
           <a:xfrm>
-            <a:off x="6268839" y="2506661"/>
-            <a:ext cx="3779958" cy="3715657"/>
+            <a:off x="7004335" y="2232991"/>
+            <a:ext cx="4149496" cy="4078909"/>
           </a:xfrm>
           <a:prstGeom prst="rect">
             <a:avLst/>
           </a:prstGeom>
         </p:spPr>
       </p:pic>
+      <p:sp>
+        <p:nvSpPr>
+          <p:cNvPr id="6" name="TextBox 5">
+            <a:extLst>
+              <a:ext uri="{FF2B5EF4-FFF2-40B4-BE49-F238E27FC236}">
+                <a16:creationId xmlns:a16="http://schemas.microsoft.com/office/drawing/2014/main" id="{72CDDFB3-D54B-955D-9032-6C43ECF7495B}"/>
+              </a:ext>
+            </a:extLst>
+          </p:cNvPr>
+          <p:cNvSpPr txBox="1"/>
+          <p:nvPr/>
+        </p:nvSpPr>
+        <p:spPr>
+          <a:xfrm>
+            <a:off x="5719657" y="1755795"/>
+            <a:ext cx="6273560" cy="273152"/>
+          </a:xfrm>
+          <a:prstGeom prst="rect">
+            <a:avLst/>
+          </a:prstGeom>
+          <a:noFill/>
+        </p:spPr>
+        <p:txBody>
+          <a:bodyPr wrap="square">
+            <a:spAutoFit/>
+          </a:bodyPr>
+          <a:lstStyle/>
+          <a:p>
+            <a:pPr>
+              <a:lnSpc>
+                <a:spcPts val="1425"/>
+              </a:lnSpc>
+            </a:pPr>
+            <a:r>
+              <a:rPr lang="en-US" sz="1400" b="1" dirty="0" err="1">
+                <a:solidFill>
+                  <a:srgbClr val="7A3E9D"/>
+                </a:solidFill>
+                <a:effectLst/>
+                <a:latin typeface="Consolas" panose="020B0609020204030204" pitchFamily="49" charset="0"/>
+              </a:rPr>
+              <a:t>az</a:t>
+            </a:r>
+            <a:r>
+              <a:rPr lang="en-US" sz="1400" b="0" dirty="0" err="1">
+                <a:solidFill>
+                  <a:srgbClr val="777777"/>
+                </a:solidFill>
+                <a:effectLst/>
+                <a:latin typeface="Consolas" panose="020B0609020204030204" pitchFamily="49" charset="0"/>
+              </a:rPr>
+              <a:t>.</a:t>
+            </a:r>
+            <a:r>
+              <a:rPr lang="en-US" sz="1400" b="1" dirty="0" err="1">
+                <a:solidFill>
+                  <a:srgbClr val="AA3731"/>
+                </a:solidFill>
+                <a:effectLst/>
+                <a:latin typeface="Consolas" panose="020B0609020204030204" pitchFamily="49" charset="0"/>
+              </a:rPr>
+              <a:t>plot_pair</a:t>
+            </a:r>
+            <a:r>
+              <a:rPr lang="en-US" sz="1400" b="0" dirty="0">
+                <a:solidFill>
+                  <a:srgbClr val="777777"/>
+                </a:solidFill>
+                <a:effectLst/>
+                <a:latin typeface="Consolas" panose="020B0609020204030204" pitchFamily="49" charset="0"/>
+              </a:rPr>
+              <a:t>(</a:t>
+            </a:r>
+            <a:r>
+              <a:rPr lang="en-US" sz="1400" b="0" dirty="0" err="1">
+                <a:solidFill>
+                  <a:srgbClr val="7A3E9D"/>
+                </a:solidFill>
+                <a:effectLst/>
+                <a:latin typeface="Consolas" panose="020B0609020204030204" pitchFamily="49" charset="0"/>
+              </a:rPr>
+              <a:t>idata_lb</a:t>
+            </a:r>
+            <a:r>
+              <a:rPr lang="en-US" sz="1400" b="0" dirty="0">
+                <a:solidFill>
+                  <a:srgbClr val="777777"/>
+                </a:solidFill>
+                <a:effectLst/>
+                <a:latin typeface="Consolas" panose="020B0609020204030204" pitchFamily="49" charset="0"/>
+              </a:rPr>
+              <a:t>,</a:t>
+            </a:r>
+            <a:r>
+              <a:rPr lang="en-US" sz="1400" b="0" dirty="0">
+                <a:solidFill>
+                  <a:srgbClr val="333333"/>
+                </a:solidFill>
+                <a:effectLst/>
+                <a:latin typeface="Consolas" panose="020B0609020204030204" pitchFamily="49" charset="0"/>
+              </a:rPr>
+              <a:t> </a:t>
+            </a:r>
+            <a:r>
+              <a:rPr lang="en-US" sz="1400" b="0" dirty="0" err="1">
+                <a:solidFill>
+                  <a:srgbClr val="7A3E9D"/>
+                </a:solidFill>
+                <a:effectLst/>
+                <a:latin typeface="Consolas" panose="020B0609020204030204" pitchFamily="49" charset="0"/>
+              </a:rPr>
+              <a:t>var_names</a:t>
+            </a:r>
+            <a:r>
+              <a:rPr lang="en-US" sz="1400" b="0" dirty="0">
+                <a:solidFill>
+                  <a:srgbClr val="777777"/>
+                </a:solidFill>
+                <a:effectLst/>
+                <a:latin typeface="Consolas" panose="020B0609020204030204" pitchFamily="49" charset="0"/>
+              </a:rPr>
+              <a:t>=["</a:t>
+            </a:r>
+            <a:r>
+              <a:rPr lang="el-GR" sz="1400" b="0" dirty="0">
+                <a:solidFill>
+                  <a:srgbClr val="448C27"/>
+                </a:solidFill>
+                <a:effectLst/>
+                <a:latin typeface="Consolas" panose="020B0609020204030204" pitchFamily="49" charset="0"/>
+              </a:rPr>
+              <a:t>β0</a:t>
+            </a:r>
+            <a:r>
+              <a:rPr lang="el-GR" sz="1400" b="0" dirty="0">
+                <a:solidFill>
+                  <a:srgbClr val="777777"/>
+                </a:solidFill>
+                <a:effectLst/>
+                <a:latin typeface="Consolas" panose="020B0609020204030204" pitchFamily="49" charset="0"/>
+              </a:rPr>
+              <a:t>",</a:t>
+            </a:r>
+            <a:r>
+              <a:rPr lang="el-GR" sz="1400" b="0" dirty="0">
+                <a:solidFill>
+                  <a:srgbClr val="333333"/>
+                </a:solidFill>
+                <a:effectLst/>
+                <a:latin typeface="Consolas" panose="020B0609020204030204" pitchFamily="49" charset="0"/>
+              </a:rPr>
+              <a:t> </a:t>
+            </a:r>
+            <a:r>
+              <a:rPr lang="el-GR" sz="1400" b="0" dirty="0">
+                <a:solidFill>
+                  <a:srgbClr val="777777"/>
+                </a:solidFill>
+                <a:effectLst/>
+                <a:latin typeface="Consolas" panose="020B0609020204030204" pitchFamily="49" charset="0"/>
+              </a:rPr>
+              <a:t>"</a:t>
+            </a:r>
+            <a:r>
+              <a:rPr lang="el-GR" sz="1400" b="0" dirty="0">
+                <a:solidFill>
+                  <a:srgbClr val="448C27"/>
+                </a:solidFill>
+                <a:effectLst/>
+                <a:latin typeface="Consolas" panose="020B0609020204030204" pitchFamily="49" charset="0"/>
+              </a:rPr>
+              <a:t>β1</a:t>
+            </a:r>
+            <a:r>
+              <a:rPr lang="el-GR" sz="1400" b="0" dirty="0">
+                <a:solidFill>
+                  <a:srgbClr val="777777"/>
+                </a:solidFill>
+                <a:effectLst/>
+                <a:latin typeface="Consolas" panose="020B0609020204030204" pitchFamily="49" charset="0"/>
+              </a:rPr>
+              <a:t>"],</a:t>
+            </a:r>
+            <a:r>
+              <a:rPr lang="el-GR" sz="1400" b="0" dirty="0">
+                <a:solidFill>
+                  <a:srgbClr val="333333"/>
+                </a:solidFill>
+                <a:effectLst/>
+                <a:latin typeface="Consolas" panose="020B0609020204030204" pitchFamily="49" charset="0"/>
+              </a:rPr>
+              <a:t> </a:t>
+            </a:r>
+            <a:r>
+              <a:rPr lang="en-US" sz="1400" b="0" dirty="0">
+                <a:solidFill>
+                  <a:srgbClr val="7A3E9D"/>
+                </a:solidFill>
+                <a:effectLst/>
+                <a:latin typeface="Consolas" panose="020B0609020204030204" pitchFamily="49" charset="0"/>
+              </a:rPr>
+              <a:t>kind</a:t>
+            </a:r>
+            <a:r>
+              <a:rPr lang="en-US" sz="1400" b="0" dirty="0">
+                <a:solidFill>
+                  <a:srgbClr val="777777"/>
+                </a:solidFill>
+                <a:effectLst/>
+                <a:latin typeface="Consolas" panose="020B0609020204030204" pitchFamily="49" charset="0"/>
+              </a:rPr>
+              <a:t>="</a:t>
+            </a:r>
+            <a:r>
+              <a:rPr lang="en-US" sz="1400" b="0" dirty="0">
+                <a:solidFill>
+                  <a:srgbClr val="448C27"/>
+                </a:solidFill>
+                <a:effectLst/>
+                <a:latin typeface="Consolas" panose="020B0609020204030204" pitchFamily="49" charset="0"/>
+              </a:rPr>
+              <a:t>scatter</a:t>
+            </a:r>
+            <a:r>
+              <a:rPr lang="en-US" sz="1400" b="0" dirty="0">
+                <a:solidFill>
+                  <a:srgbClr val="777777"/>
+                </a:solidFill>
+                <a:effectLst/>
+                <a:latin typeface="Consolas" panose="020B0609020204030204" pitchFamily="49" charset="0"/>
+              </a:rPr>
+              <a:t>"</a:t>
+            </a:r>
+            <a:endParaRPr lang="en-US" sz="1400" b="0" dirty="0">
+              <a:solidFill>
+                <a:srgbClr val="333333"/>
+              </a:solidFill>
+              <a:effectLst/>
+              <a:latin typeface="Consolas" panose="020B0609020204030204" pitchFamily="49" charset="0"/>
+            </a:endParaRPr>
+          </a:p>
+        </p:txBody>
+      </p:sp>
     </p:spTree>
     <p:extLst>
       <p:ext uri="{BB962C8B-B14F-4D97-AF65-F5344CB8AC3E}">
@@ -4199,12 +4540,287 @@
             <p:ph idx="1"/>
           </p:nvPr>
         </p:nvSpPr>
-        <p:spPr/>
+        <p:spPr>
+          <a:xfrm>
+            <a:off x="838200" y="1377674"/>
+            <a:ext cx="10515600" cy="626027"/>
+          </a:xfrm>
+        </p:spPr>
         <p:txBody>
           <a:bodyPr/>
           <a:lstStyle/>
           <a:p>
             <a:endParaRPr lang="he-IL"/>
+          </a:p>
+        </p:txBody>
+      </p:sp>
+      <p:pic>
+        <p:nvPicPr>
+          <p:cNvPr id="4" name="Picture 3">
+            <a:extLst>
+              <a:ext uri="{FF2B5EF4-FFF2-40B4-BE49-F238E27FC236}">
+                <a16:creationId xmlns:a16="http://schemas.microsoft.com/office/drawing/2014/main" id="{02E4E79D-52E7-FBCC-4043-80FDC7AE1B86}"/>
+              </a:ext>
+            </a:extLst>
+          </p:cNvPr>
+          <p:cNvPicPr>
+            <a:picLocks noChangeAspect="1"/>
+          </p:cNvPicPr>
+          <p:nvPr/>
+        </p:nvPicPr>
+        <p:blipFill>
+          <a:blip r:embed="rId2"/>
+          <a:stretch>
+            <a:fillRect/>
+          </a:stretch>
+        </p:blipFill>
+        <p:spPr>
+          <a:xfrm>
+            <a:off x="4220817" y="2503276"/>
+            <a:ext cx="7518745" cy="3711786"/>
+          </a:xfrm>
+          <a:prstGeom prst="rect">
+            <a:avLst/>
+          </a:prstGeom>
+        </p:spPr>
+      </p:pic>
+      <p:graphicFrame>
+        <p:nvGraphicFramePr>
+          <p:cNvPr id="5" name="Object 4">
+            <a:extLst>
+              <a:ext uri="{FF2B5EF4-FFF2-40B4-BE49-F238E27FC236}">
+                <a16:creationId xmlns:a16="http://schemas.microsoft.com/office/drawing/2014/main" id="{DBD1A9A5-02C5-313E-3E12-2A238F76F2E8}"/>
+              </a:ext>
+            </a:extLst>
+          </p:cNvPr>
+          <p:cNvGraphicFramePr>
+            <a:graphicFrameLocks noChangeAspect="1"/>
+          </p:cNvGraphicFramePr>
+          <p:nvPr>
+            <p:extLst>
+              <p:ext uri="{D42A27DB-BD31-4B8C-83A1-F6EECF244321}">
+                <p14:modId xmlns:p14="http://schemas.microsoft.com/office/powerpoint/2010/main" val="1206460992"/>
+              </p:ext>
+            </p:extLst>
+          </p:nvPr>
+        </p:nvGraphicFramePr>
+        <p:xfrm>
+          <a:off x="602560" y="2886351"/>
+          <a:ext cx="2190210" cy="626027"/>
+        </p:xfrm>
+        <a:graphic>
+          <a:graphicData uri="http://schemas.openxmlformats.org/presentationml/2006/ole">
+            <mc:AlternateContent xmlns:mc="http://schemas.openxmlformats.org/markup-compatibility/2006">
+              <mc:Choice xmlns:v="urn:schemas-microsoft-com:vml" Requires="v">
+                <p:oleObj name="Equation" r:id="rId3" imgW="1959986" imgH="560900" progId="Equation.DSMT4">
+                  <p:embed/>
+                </p:oleObj>
+              </mc:Choice>
+              <mc:Fallback>
+                <p:oleObj name="Equation" r:id="rId3" imgW="1959986" imgH="560900" progId="Equation.DSMT4">
+                  <p:embed/>
+                  <p:pic>
+                    <p:nvPicPr>
+                      <p:cNvPr id="0" name=""/>
+                      <p:cNvPicPr/>
+                      <p:nvPr/>
+                    </p:nvPicPr>
+                    <p:blipFill>
+                      <a:blip r:embed="rId4"/>
+                      <a:stretch>
+                        <a:fillRect/>
+                      </a:stretch>
+                    </p:blipFill>
+                    <p:spPr>
+                      <a:xfrm>
+                        <a:off x="602560" y="2886351"/>
+                        <a:ext cx="2190210" cy="626027"/>
+                      </a:xfrm>
+                      <a:prstGeom prst="rect">
+                        <a:avLst/>
+                      </a:prstGeom>
+                    </p:spPr>
+                  </p:pic>
+                </p:oleObj>
+              </mc:Fallback>
+            </mc:AlternateContent>
+          </a:graphicData>
+        </a:graphic>
+      </p:graphicFrame>
+      <p:graphicFrame>
+        <p:nvGraphicFramePr>
+          <p:cNvPr id="6" name="Object 5">
+            <a:extLst>
+              <a:ext uri="{FF2B5EF4-FFF2-40B4-BE49-F238E27FC236}">
+                <a16:creationId xmlns:a16="http://schemas.microsoft.com/office/drawing/2014/main" id="{EEF2CC6A-E680-6111-8742-7858905704BD}"/>
+              </a:ext>
+            </a:extLst>
+          </p:cNvPr>
+          <p:cNvGraphicFramePr>
+            <a:graphicFrameLocks noChangeAspect="1"/>
+          </p:cNvGraphicFramePr>
+          <p:nvPr>
+            <p:extLst>
+              <p:ext uri="{D42A27DB-BD31-4B8C-83A1-F6EECF244321}">
+                <p14:modId xmlns:p14="http://schemas.microsoft.com/office/powerpoint/2010/main" val="3920486605"/>
+              </p:ext>
+            </p:extLst>
+          </p:nvPr>
+        </p:nvGraphicFramePr>
+        <p:xfrm>
+          <a:off x="602560" y="4241730"/>
+          <a:ext cx="2460092" cy="529052"/>
+        </p:xfrm>
+        <a:graphic>
+          <a:graphicData uri="http://schemas.openxmlformats.org/presentationml/2006/ole">
+            <mc:AlternateContent xmlns:mc="http://schemas.openxmlformats.org/markup-compatibility/2006">
+              <mc:Choice xmlns:v="urn:schemas-microsoft-com:vml" Requires="v">
+                <p:oleObj name="Equation" r:id="rId5" imgW="1180800" imgH="253800" progId="Equation.DSMT4">
+                  <p:embed/>
+                </p:oleObj>
+              </mc:Choice>
+              <mc:Fallback>
+                <p:oleObj name="Equation" r:id="rId5" imgW="1180800" imgH="253800" progId="Equation.DSMT4">
+                  <p:embed/>
+                  <p:pic>
+                    <p:nvPicPr>
+                      <p:cNvPr id="0" name=""/>
+                      <p:cNvPicPr/>
+                      <p:nvPr/>
+                    </p:nvPicPr>
+                    <p:blipFill>
+                      <a:blip r:embed="rId6"/>
+                      <a:stretch>
+                        <a:fillRect/>
+                      </a:stretch>
+                    </p:blipFill>
+                    <p:spPr>
+                      <a:xfrm>
+                        <a:off x="602560" y="4241730"/>
+                        <a:ext cx="2460092" cy="529052"/>
+                      </a:xfrm>
+                      <a:prstGeom prst="rect">
+                        <a:avLst/>
+                      </a:prstGeom>
+                    </p:spPr>
+                  </p:pic>
+                </p:oleObj>
+              </mc:Fallback>
+            </mc:AlternateContent>
+          </a:graphicData>
+        </a:graphic>
+      </p:graphicFrame>
+      <p:sp>
+        <p:nvSpPr>
+          <p:cNvPr id="8" name="TextBox 7">
+            <a:extLst>
+              <a:ext uri="{FF2B5EF4-FFF2-40B4-BE49-F238E27FC236}">
+                <a16:creationId xmlns:a16="http://schemas.microsoft.com/office/drawing/2014/main" id="{211C1252-E81B-5E4D-B756-D279EEFB55EE}"/>
+              </a:ext>
+            </a:extLst>
+          </p:cNvPr>
+          <p:cNvSpPr txBox="1"/>
+          <p:nvPr/>
+        </p:nvSpPr>
+        <p:spPr>
+          <a:xfrm>
+            <a:off x="602560" y="2503276"/>
+            <a:ext cx="1953163" cy="369332"/>
+          </a:xfrm>
+          <a:prstGeom prst="rect">
+            <a:avLst/>
+          </a:prstGeom>
+          <a:noFill/>
+        </p:spPr>
+        <p:txBody>
+          <a:bodyPr wrap="none" rtlCol="1">
+            <a:spAutoFit/>
+          </a:bodyPr>
+          <a:lstStyle/>
+          <a:p>
+            <a:r>
+              <a:rPr lang="en-US" dirty="0"/>
+              <a:t>The regression line</a:t>
+            </a:r>
+            <a:endParaRPr lang="he-IL" dirty="0"/>
+          </a:p>
+        </p:txBody>
+      </p:sp>
+      <p:sp>
+        <p:nvSpPr>
+          <p:cNvPr id="9" name="TextBox 8">
+            <a:extLst>
+              <a:ext uri="{FF2B5EF4-FFF2-40B4-BE49-F238E27FC236}">
+                <a16:creationId xmlns:a16="http://schemas.microsoft.com/office/drawing/2014/main" id="{6557CCE8-D7CA-8B4F-18A5-60D2535835EB}"/>
+              </a:ext>
+            </a:extLst>
+          </p:cNvPr>
+          <p:cNvSpPr txBox="1"/>
+          <p:nvPr/>
+        </p:nvSpPr>
+        <p:spPr>
+          <a:xfrm>
+            <a:off x="458526" y="3755258"/>
+            <a:ext cx="3750066" cy="369332"/>
+          </a:xfrm>
+          <a:prstGeom prst="rect">
+            <a:avLst/>
+          </a:prstGeom>
+          <a:noFill/>
+        </p:spPr>
+        <p:txBody>
+          <a:bodyPr wrap="none" rtlCol="1">
+            <a:spAutoFit/>
+          </a:bodyPr>
+          <a:lstStyle/>
+          <a:p>
+            <a:r>
+              <a:rPr lang="en-US" dirty="0"/>
+              <a:t>MCMC samples for the regression line</a:t>
+            </a:r>
+            <a:endParaRPr lang="he-IL" dirty="0"/>
+          </a:p>
+        </p:txBody>
+      </p:sp>
+      <p:sp>
+        <p:nvSpPr>
+          <p:cNvPr id="10" name="TextBox 9">
+            <a:extLst>
+              <a:ext uri="{FF2B5EF4-FFF2-40B4-BE49-F238E27FC236}">
+                <a16:creationId xmlns:a16="http://schemas.microsoft.com/office/drawing/2014/main" id="{AAB8E45E-78B7-098C-D006-5E2F5E20D3BA}"/>
+              </a:ext>
+            </a:extLst>
+          </p:cNvPr>
+          <p:cNvSpPr txBox="1"/>
+          <p:nvPr/>
+        </p:nvSpPr>
+        <p:spPr>
+          <a:xfrm>
+            <a:off x="602560" y="4937178"/>
+            <a:ext cx="3234860" cy="646331"/>
+          </a:xfrm>
+          <a:prstGeom prst="rect">
+            <a:avLst/>
+          </a:prstGeom>
+          <a:noFill/>
+        </p:spPr>
+        <p:txBody>
+          <a:bodyPr wrap="none" rtlCol="1">
+            <a:spAutoFit/>
+          </a:bodyPr>
+          <a:lstStyle/>
+          <a:p>
+            <a:r>
+              <a:rPr lang="en-US" dirty="0"/>
+              <a:t>Calculated from MCMC samples </a:t>
+            </a:r>
+          </a:p>
+          <a:p>
+            <a:r>
+              <a:rPr lang="en-US" dirty="0"/>
+              <a:t>of the parameters</a:t>
+            </a:r>
+            <a:endParaRPr lang="he-IL" dirty="0"/>
           </a:p>
         </p:txBody>
       </p:sp>
@@ -4480,13 +5096,13 @@
           <p:nvPr>
             <p:extLst>
               <p:ext uri="{D42A27DB-BD31-4B8C-83A1-F6EECF244321}">
-                <p14:modId xmlns:p14="http://schemas.microsoft.com/office/powerpoint/2010/main" val="3989036237"/>
+                <p14:modId xmlns:p14="http://schemas.microsoft.com/office/powerpoint/2010/main" val="2091365309"/>
               </p:ext>
             </p:extLst>
           </p:nvPr>
         </p:nvGraphicFramePr>
         <p:xfrm>
-          <a:off x="1722365" y="4690291"/>
+          <a:off x="1976331" y="4819650"/>
           <a:ext cx="1440795" cy="670137"/>
         </p:xfrm>
         <a:graphic>
@@ -4514,7 +5130,7 @@
                     </p:blipFill>
                     <p:spPr>
                       <a:xfrm>
-                        <a:off x="1722365" y="4690291"/>
+                        <a:off x="1976331" y="4819650"/>
                         <a:ext cx="1440795" cy="670137"/>
                       </a:xfrm>
                       <a:prstGeom prst="rect">
@@ -12385,7 +13001,7 @@
         </p:nvSpPr>
         <p:spPr>
           <a:xfrm>
-            <a:off x="838200" y="1825625"/>
+            <a:off x="838200" y="1481068"/>
             <a:ext cx="10515600" cy="986401"/>
           </a:xfrm>
         </p:spPr>
@@ -12397,14 +13013,520 @@
               <a:rPr lang="en-US" dirty="0"/>
               <a:t>Visualize uncertainty in both posterior mean and posterior predictive</a:t>
             </a:r>
+          </a:p>
+          <a:p>
+            <a:pPr lvl="1"/>
+            <a:r>
+              <a:rPr lang="en-US" dirty="0"/>
+              <a:t>Also show 2 different HDIs for posterior predictive</a:t>
+            </a:r>
             <a:endParaRPr lang="he-IL" dirty="0"/>
           </a:p>
         </p:txBody>
       </p:sp>
+      <p:pic>
+        <p:nvPicPr>
+          <p:cNvPr id="4" name="Picture 3">
+            <a:extLst>
+              <a:ext uri="{FF2B5EF4-FFF2-40B4-BE49-F238E27FC236}">
+                <a16:creationId xmlns:a16="http://schemas.microsoft.com/office/drawing/2014/main" id="{381B4F60-9A4F-8970-E4E3-E82C953C4F3D}"/>
+              </a:ext>
+            </a:extLst>
+          </p:cNvPr>
+          <p:cNvPicPr>
+            <a:picLocks noChangeAspect="1"/>
+          </p:cNvPicPr>
+          <p:nvPr/>
+        </p:nvPicPr>
+        <p:blipFill>
+          <a:blip r:embed="rId2" cstate="email">
+            <a:extLst>
+              <a:ext uri="{28A0092B-C50C-407E-A947-70E740481C1C}">
+                <a14:useLocalDpi xmlns:a14="http://schemas.microsoft.com/office/drawing/2010/main" val="0"/>
+              </a:ext>
+            </a:extLst>
+          </a:blip>
+          <a:srcRect/>
+          <a:stretch/>
+        </p:blipFill>
+        <p:spPr>
+          <a:xfrm>
+            <a:off x="1510747" y="2812026"/>
+            <a:ext cx="8939205" cy="3680849"/>
+          </a:xfrm>
+          <a:prstGeom prst="rect">
+            <a:avLst/>
+          </a:prstGeom>
+        </p:spPr>
+      </p:pic>
     </p:spTree>
     <p:extLst>
       <p:ext uri="{BB962C8B-B14F-4D97-AF65-F5344CB8AC3E}">
         <p14:creationId xmlns:p14="http://schemas.microsoft.com/office/powerpoint/2010/main" val="338926894"/>
+      </p:ext>
+    </p:extLst>
+  </p:cSld>
+  <p:clrMapOvr>
+    <a:masterClrMapping/>
+  </p:clrMapOvr>
+</p:sld>
+</file>
+
+<file path=ppt/slides/slide22.xml><?xml version="1.0" encoding="utf-8"?>
+<p:sld xmlns:a="http://schemas.openxmlformats.org/drawingml/2006/main" xmlns:r="http://schemas.openxmlformats.org/officeDocument/2006/relationships" xmlns:p="http://schemas.openxmlformats.org/presentationml/2006/main">
+  <p:cSld>
+    <p:spTree>
+      <p:nvGrpSpPr>
+        <p:cNvPr id="1" name="">
+          <a:extLst>
+            <a:ext uri="{FF2B5EF4-FFF2-40B4-BE49-F238E27FC236}">
+              <a16:creationId xmlns:a16="http://schemas.microsoft.com/office/drawing/2014/main" id="{C485573B-E7BF-0A81-6238-1E206A4D210F}"/>
+            </a:ext>
+          </a:extLst>
+        </p:cNvPr>
+        <p:cNvGrpSpPr/>
+        <p:nvPr/>
+      </p:nvGrpSpPr>
+      <p:grpSpPr>
+        <a:xfrm>
+          <a:off x="0" y="0"/>
+          <a:ext cx="0" cy="0"/>
+          <a:chOff x="0" y="0"/>
+          <a:chExt cx="0" cy="0"/>
+        </a:xfrm>
+      </p:grpSpPr>
+      <p:sp>
+        <p:nvSpPr>
+          <p:cNvPr id="2" name="Title 1">
+            <a:extLst>
+              <a:ext uri="{FF2B5EF4-FFF2-40B4-BE49-F238E27FC236}">
+                <a16:creationId xmlns:a16="http://schemas.microsoft.com/office/drawing/2014/main" id="{13D27F48-F3D5-60F6-1493-6E45C7AB9B5B}"/>
+              </a:ext>
+            </a:extLst>
+          </p:cNvPr>
+          <p:cNvSpPr>
+            <a:spLocks noGrp="1"/>
+          </p:cNvSpPr>
+          <p:nvPr>
+            <p:ph type="title"/>
+          </p:nvPr>
+        </p:nvSpPr>
+        <p:spPr/>
+        <p:txBody>
+          <a:bodyPr/>
+          <a:lstStyle/>
+          <a:p>
+            <a:r>
+              <a:rPr lang="en-US" dirty="0"/>
+              <a:t>The posterior predictive is also a tests</a:t>
+            </a:r>
+            <a:endParaRPr lang="he-IL" dirty="0"/>
+          </a:p>
+        </p:txBody>
+      </p:sp>
+      <p:sp>
+        <p:nvSpPr>
+          <p:cNvPr id="3" name="Content Placeholder 2">
+            <a:extLst>
+              <a:ext uri="{FF2B5EF4-FFF2-40B4-BE49-F238E27FC236}">
+                <a16:creationId xmlns:a16="http://schemas.microsoft.com/office/drawing/2014/main" id="{2D2B5EE5-1B82-7D2E-E884-54DDFCE9ECB7}"/>
+              </a:ext>
+            </a:extLst>
+          </p:cNvPr>
+          <p:cNvSpPr>
+            <a:spLocks noGrp="1"/>
+          </p:cNvSpPr>
+          <p:nvPr>
+            <p:ph idx="1"/>
+          </p:nvPr>
+        </p:nvSpPr>
+        <p:spPr>
+          <a:xfrm>
+            <a:off x="838200" y="1481068"/>
+            <a:ext cx="10515600" cy="986401"/>
+          </a:xfrm>
+        </p:spPr>
+        <p:txBody>
+          <a:bodyPr/>
+          <a:lstStyle/>
+          <a:p>
+            <a:r>
+              <a:rPr lang="en-US" dirty="0"/>
+              <a:t>Even after fitting, the model will generate negative bike rentals</a:t>
+            </a:r>
+            <a:endParaRPr lang="he-IL" dirty="0"/>
+          </a:p>
+        </p:txBody>
+      </p:sp>
+      <p:pic>
+        <p:nvPicPr>
+          <p:cNvPr id="4" name="Picture 3">
+            <a:extLst>
+              <a:ext uri="{FF2B5EF4-FFF2-40B4-BE49-F238E27FC236}">
+                <a16:creationId xmlns:a16="http://schemas.microsoft.com/office/drawing/2014/main" id="{877D7A04-4D43-F668-72E3-C482BB19EEB4}"/>
+              </a:ext>
+            </a:extLst>
+          </p:cNvPr>
+          <p:cNvPicPr>
+            <a:picLocks noChangeAspect="1"/>
+          </p:cNvPicPr>
+          <p:nvPr/>
+        </p:nvPicPr>
+        <p:blipFill>
+          <a:blip r:embed="rId2" cstate="email">
+            <a:extLst>
+              <a:ext uri="{28A0092B-C50C-407E-A947-70E740481C1C}">
+                <a14:useLocalDpi xmlns:a14="http://schemas.microsoft.com/office/drawing/2010/main" val="0"/>
+              </a:ext>
+            </a:extLst>
+          </a:blip>
+          <a:srcRect/>
+          <a:stretch/>
+        </p:blipFill>
+        <p:spPr>
+          <a:xfrm>
+            <a:off x="1510747" y="2812026"/>
+            <a:ext cx="8939205" cy="3680849"/>
+          </a:xfrm>
+          <a:prstGeom prst="rect">
+            <a:avLst/>
+          </a:prstGeom>
+        </p:spPr>
+      </p:pic>
+    </p:spTree>
+    <p:extLst>
+      <p:ext uri="{BB962C8B-B14F-4D97-AF65-F5344CB8AC3E}">
+        <p14:creationId xmlns:p14="http://schemas.microsoft.com/office/powerpoint/2010/main" val="2736481613"/>
+      </p:ext>
+    </p:extLst>
+  </p:cSld>
+  <p:clrMapOvr>
+    <a:masterClrMapping/>
+  </p:clrMapOvr>
+</p:sld>
+</file>
+
+<file path=ppt/slides/slide23.xml><?xml version="1.0" encoding="utf-8"?>
+<p:sld xmlns:a="http://schemas.openxmlformats.org/drawingml/2006/main" xmlns:r="http://schemas.openxmlformats.org/officeDocument/2006/relationships" xmlns:p="http://schemas.openxmlformats.org/presentationml/2006/main">
+  <p:cSld>
+    <p:spTree>
+      <p:nvGrpSpPr>
+        <p:cNvPr id="1" name=""/>
+        <p:cNvGrpSpPr/>
+        <p:nvPr/>
+      </p:nvGrpSpPr>
+      <p:grpSpPr>
+        <a:xfrm>
+          <a:off x="0" y="0"/>
+          <a:ext cx="0" cy="0"/>
+          <a:chOff x="0" y="0"/>
+          <a:chExt cx="0" cy="0"/>
+        </a:xfrm>
+      </p:grpSpPr>
+      <p:sp>
+        <p:nvSpPr>
+          <p:cNvPr id="2" name="Title 1">
+            <a:extLst>
+              <a:ext uri="{FF2B5EF4-FFF2-40B4-BE49-F238E27FC236}">
+                <a16:creationId xmlns:a16="http://schemas.microsoft.com/office/drawing/2014/main" id="{54D9F712-CAA6-BF28-F2DD-26316D862357}"/>
+              </a:ext>
+            </a:extLst>
+          </p:cNvPr>
+          <p:cNvSpPr>
+            <a:spLocks noGrp="1"/>
+          </p:cNvSpPr>
+          <p:nvPr>
+            <p:ph type="title"/>
+          </p:nvPr>
+        </p:nvSpPr>
+        <p:spPr/>
+        <p:txBody>
+          <a:bodyPr/>
+          <a:lstStyle/>
+          <a:p>
+            <a:r>
+              <a:rPr lang="en-US" dirty="0"/>
+              <a:t>Beyond the normal distribution: </a:t>
+            </a:r>
+            <a:br>
+              <a:rPr lang="en-US" dirty="0"/>
+            </a:br>
+            <a:r>
+              <a:rPr lang="en-US" dirty="0"/>
+              <a:t>Generalized Linear Models</a:t>
+            </a:r>
+            <a:endParaRPr lang="he-IL" dirty="0"/>
+          </a:p>
+        </p:txBody>
+      </p:sp>
+      <p:sp>
+        <p:nvSpPr>
+          <p:cNvPr id="4" name="Text Placeholder 3">
+            <a:extLst>
+              <a:ext uri="{FF2B5EF4-FFF2-40B4-BE49-F238E27FC236}">
+                <a16:creationId xmlns:a16="http://schemas.microsoft.com/office/drawing/2014/main" id="{17DA22E4-87E5-E1CE-1B62-464624A699AE}"/>
+              </a:ext>
+            </a:extLst>
+          </p:cNvPr>
+          <p:cNvSpPr>
+            <a:spLocks noGrp="1"/>
+          </p:cNvSpPr>
+          <p:nvPr>
+            <p:ph type="body" idx="1"/>
+          </p:nvPr>
+        </p:nvSpPr>
+        <p:spPr/>
+        <p:txBody>
+          <a:bodyPr/>
+          <a:lstStyle/>
+          <a:p>
+            <a:r>
+              <a:rPr lang="en-US" dirty="0"/>
+              <a:t>Normal Model</a:t>
+            </a:r>
+            <a:endParaRPr lang="he-IL" dirty="0"/>
+          </a:p>
+        </p:txBody>
+      </p:sp>
+      <p:sp>
+        <p:nvSpPr>
+          <p:cNvPr id="5" name="Content Placeholder 4">
+            <a:extLst>
+              <a:ext uri="{FF2B5EF4-FFF2-40B4-BE49-F238E27FC236}">
+                <a16:creationId xmlns:a16="http://schemas.microsoft.com/office/drawing/2014/main" id="{61DE9BF0-25B6-C2AF-242A-2584208A7E11}"/>
+              </a:ext>
+            </a:extLst>
+          </p:cNvPr>
+          <p:cNvSpPr>
+            <a:spLocks noGrp="1"/>
+          </p:cNvSpPr>
+          <p:nvPr>
+            <p:ph sz="half" idx="2"/>
+          </p:nvPr>
+        </p:nvSpPr>
+        <p:spPr>
+          <a:xfrm>
+            <a:off x="839788" y="2505075"/>
+            <a:ext cx="5157787" cy="1656108"/>
+          </a:xfrm>
+        </p:spPr>
+        <p:txBody>
+          <a:bodyPr/>
+          <a:lstStyle/>
+          <a:p>
+            <a:r>
+              <a:rPr lang="en-US" dirty="0"/>
+              <a:t>Gaussian likelihood</a:t>
+            </a:r>
+          </a:p>
+          <a:p>
+            <a:r>
+              <a:rPr lang="en-US" dirty="0"/>
+              <a:t>Linear prediction used directly</a:t>
+            </a:r>
+            <a:endParaRPr lang="he-IL" dirty="0"/>
+          </a:p>
+        </p:txBody>
+      </p:sp>
+      <p:sp>
+        <p:nvSpPr>
+          <p:cNvPr id="6" name="Text Placeholder 5">
+            <a:extLst>
+              <a:ext uri="{FF2B5EF4-FFF2-40B4-BE49-F238E27FC236}">
+                <a16:creationId xmlns:a16="http://schemas.microsoft.com/office/drawing/2014/main" id="{AB0100CB-6BE5-2EE3-1103-2ADF7F828A4A}"/>
+              </a:ext>
+            </a:extLst>
+          </p:cNvPr>
+          <p:cNvSpPr>
+            <a:spLocks noGrp="1"/>
+          </p:cNvSpPr>
+          <p:nvPr>
+            <p:ph type="body" sz="quarter" idx="3"/>
+          </p:nvPr>
+        </p:nvSpPr>
+        <p:spPr/>
+        <p:txBody>
+          <a:bodyPr/>
+          <a:lstStyle/>
+          <a:p>
+            <a:r>
+              <a:rPr lang="en-US" dirty="0"/>
+              <a:t>Generalized Linear Model</a:t>
+            </a:r>
+            <a:endParaRPr lang="he-IL" dirty="0"/>
+          </a:p>
+        </p:txBody>
+      </p:sp>
+      <p:sp>
+        <p:nvSpPr>
+          <p:cNvPr id="7" name="Content Placeholder 6">
+            <a:extLst>
+              <a:ext uri="{FF2B5EF4-FFF2-40B4-BE49-F238E27FC236}">
+                <a16:creationId xmlns:a16="http://schemas.microsoft.com/office/drawing/2014/main" id="{43B7BA00-B0A7-11B5-D8BA-821235706DBC}"/>
+              </a:ext>
+            </a:extLst>
+          </p:cNvPr>
+          <p:cNvSpPr>
+            <a:spLocks noGrp="1"/>
+          </p:cNvSpPr>
+          <p:nvPr>
+            <p:ph sz="quarter" idx="4"/>
+          </p:nvPr>
+        </p:nvSpPr>
+        <p:spPr>
+          <a:xfrm>
+            <a:off x="6172200" y="2505075"/>
+            <a:ext cx="5183188" cy="1192282"/>
+          </a:xfrm>
+        </p:spPr>
+        <p:txBody>
+          <a:bodyPr/>
+          <a:lstStyle/>
+          <a:p>
+            <a:r>
+              <a:rPr lang="en-US" dirty="0"/>
+              <a:t>Parameterized likelihood</a:t>
+            </a:r>
+          </a:p>
+          <a:p>
+            <a:r>
+              <a:rPr lang="en-US" dirty="0"/>
+              <a:t>Linear prediction transformed</a:t>
+            </a:r>
+            <a:endParaRPr lang="he-IL" dirty="0"/>
+          </a:p>
+        </p:txBody>
+      </p:sp>
+      <p:graphicFrame>
+        <p:nvGraphicFramePr>
+          <p:cNvPr id="8" name="Object 7">
+            <a:extLst>
+              <a:ext uri="{FF2B5EF4-FFF2-40B4-BE49-F238E27FC236}">
+                <a16:creationId xmlns:a16="http://schemas.microsoft.com/office/drawing/2014/main" id="{30D30A9F-F44B-772B-0A4D-ABB1D247B69F}"/>
+              </a:ext>
+            </a:extLst>
+          </p:cNvPr>
+          <p:cNvGraphicFramePr>
+            <a:graphicFrameLocks noChangeAspect="1"/>
+          </p:cNvGraphicFramePr>
+          <p:nvPr>
+            <p:extLst>
+              <p:ext uri="{D42A27DB-BD31-4B8C-83A1-F6EECF244321}">
+                <p14:modId xmlns:p14="http://schemas.microsoft.com/office/powerpoint/2010/main" val="1470344392"/>
+              </p:ext>
+            </p:extLst>
+          </p:nvPr>
+        </p:nvGraphicFramePr>
+        <p:xfrm>
+          <a:off x="1006475" y="3644900"/>
+          <a:ext cx="3063875" cy="2901950"/>
+        </p:xfrm>
+        <a:graphic>
+          <a:graphicData uri="http://schemas.openxmlformats.org/presentationml/2006/ole">
+            <mc:AlternateContent xmlns:mc="http://schemas.openxmlformats.org/markup-compatibility/2006">
+              <mc:Choice xmlns:v="urn:schemas-microsoft-com:vml" Requires="v">
+                <p:oleObj name="Equation" r:id="rId2" imgW="1447560" imgH="1371600" progId="Equation.DSMT4">
+                  <p:embed/>
+                </p:oleObj>
+              </mc:Choice>
+              <mc:Fallback>
+                <p:oleObj name="Equation" r:id="rId2" imgW="1447560" imgH="1371600" progId="Equation.DSMT4">
+                  <p:embed/>
+                  <p:pic>
+                    <p:nvPicPr>
+                      <p:cNvPr id="0" name=""/>
+                      <p:cNvPicPr/>
+                      <p:nvPr/>
+                    </p:nvPicPr>
+                    <p:blipFill>
+                      <a:blip r:embed="rId3"/>
+                      <a:stretch>
+                        <a:fillRect/>
+                      </a:stretch>
+                    </p:blipFill>
+                    <p:spPr>
+                      <a:xfrm>
+                        <a:off x="1006475" y="3644900"/>
+                        <a:ext cx="3063875" cy="2901950"/>
+                      </a:xfrm>
+                      <a:prstGeom prst="rect">
+                        <a:avLst/>
+                      </a:prstGeom>
+                    </p:spPr>
+                  </p:pic>
+                </p:oleObj>
+              </mc:Fallback>
+            </mc:AlternateContent>
+          </a:graphicData>
+        </a:graphic>
+      </p:graphicFrame>
+      <p:graphicFrame>
+        <p:nvGraphicFramePr>
+          <p:cNvPr id="9" name="Object 8">
+            <a:extLst>
+              <a:ext uri="{FF2B5EF4-FFF2-40B4-BE49-F238E27FC236}">
+                <a16:creationId xmlns:a16="http://schemas.microsoft.com/office/drawing/2014/main" id="{2D3D2DC8-8C96-07D9-C212-7AD90F901D16}"/>
+              </a:ext>
+            </a:extLst>
+          </p:cNvPr>
+          <p:cNvGraphicFramePr>
+            <a:graphicFrameLocks noChangeAspect="1"/>
+          </p:cNvGraphicFramePr>
+          <p:nvPr>
+            <p:extLst>
+              <p:ext uri="{D42A27DB-BD31-4B8C-83A1-F6EECF244321}">
+                <p14:modId xmlns:p14="http://schemas.microsoft.com/office/powerpoint/2010/main" val="1799158530"/>
+              </p:ext>
+            </p:extLst>
+          </p:nvPr>
+        </p:nvGraphicFramePr>
+        <p:xfrm>
+          <a:off x="6008688" y="3684588"/>
+          <a:ext cx="3954462" cy="2867025"/>
+        </p:xfrm>
+        <a:graphic>
+          <a:graphicData uri="http://schemas.openxmlformats.org/presentationml/2006/ole">
+            <mc:AlternateContent xmlns:mc="http://schemas.openxmlformats.org/markup-compatibility/2006">
+              <mc:Choice xmlns:v="urn:schemas-microsoft-com:vml" Requires="v">
+                <p:oleObj name="Equation" r:id="rId4" imgW="1841400" imgH="1333440" progId="Equation.DSMT4">
+                  <p:embed/>
+                </p:oleObj>
+              </mc:Choice>
+              <mc:Fallback>
+                <p:oleObj name="Equation" r:id="rId4" imgW="1841400" imgH="1333440" progId="Equation.DSMT4">
+                  <p:embed/>
+                  <p:pic>
+                    <p:nvPicPr>
+                      <p:cNvPr id="0" name=""/>
+                      <p:cNvPicPr/>
+                      <p:nvPr/>
+                    </p:nvPicPr>
+                    <p:blipFill>
+                      <a:blip r:embed="rId5"/>
+                      <a:stretch>
+                        <a:fillRect/>
+                      </a:stretch>
+                    </p:blipFill>
+                    <p:spPr>
+                      <a:xfrm>
+                        <a:off x="6008688" y="3684588"/>
+                        <a:ext cx="3954462" cy="2867025"/>
+                      </a:xfrm>
+                      <a:prstGeom prst="rect">
+                        <a:avLst/>
+                      </a:prstGeom>
+                    </p:spPr>
+                  </p:pic>
+                </p:oleObj>
+              </mc:Fallback>
+            </mc:AlternateContent>
+          </a:graphicData>
+        </a:graphic>
+      </p:graphicFrame>
+    </p:spTree>
+    <p:extLst>
+      <p:ext uri="{BB962C8B-B14F-4D97-AF65-F5344CB8AC3E}">
+        <p14:creationId xmlns:p14="http://schemas.microsoft.com/office/powerpoint/2010/main" val="3430814765"/>
       </p:ext>
     </p:extLst>
   </p:cSld>

--- a/Lectures/Lecture 6 Linear models.pptx
+++ b/Lectures/Lecture 6 Linear models.pptx
@@ -5,7 +5,7 @@
     <p:sldMasterId id="2147483648" r:id="rId1"/>
   </p:sldMasterIdLst>
   <p:notesMasterIdLst>
-    <p:notesMasterId r:id="rId25"/>
+    <p:notesMasterId r:id="rId42"/>
   </p:notesMasterIdLst>
   <p:sldIdLst>
     <p:sldId id="256" r:id="rId2"/>
@@ -30,7 +30,24 @@
     <p:sldId id="699" r:id="rId21"/>
     <p:sldId id="700" r:id="rId22"/>
     <p:sldId id="703" r:id="rId23"/>
-    <p:sldId id="704" r:id="rId24"/>
+    <p:sldId id="705" r:id="rId24"/>
+    <p:sldId id="707" r:id="rId25"/>
+    <p:sldId id="708" r:id="rId26"/>
+    <p:sldId id="710" r:id="rId27"/>
+    <p:sldId id="711" r:id="rId28"/>
+    <p:sldId id="706" r:id="rId29"/>
+    <p:sldId id="712" r:id="rId30"/>
+    <p:sldId id="718" r:id="rId31"/>
+    <p:sldId id="704" r:id="rId32"/>
+    <p:sldId id="713" r:id="rId33"/>
+    <p:sldId id="715" r:id="rId34"/>
+    <p:sldId id="714" r:id="rId35"/>
+    <p:sldId id="716" r:id="rId36"/>
+    <p:sldId id="717" r:id="rId37"/>
+    <p:sldId id="719" r:id="rId38"/>
+    <p:sldId id="720" r:id="rId39"/>
+    <p:sldId id="721" r:id="rId40"/>
+    <p:sldId id="722" r:id="rId41"/>
   </p:sldIdLst>
   <p:sldSz cx="12192000" cy="6858000"/>
   <p:notesSz cx="6858000" cy="9144000"/>
@@ -219,7 +236,7 @@
           <a:p>
             <a:fld id="{9CF176CD-15D1-4787-BBAA-B7F61FF9E394}" type="datetimeFigureOut">
               <a:rPr lang="en-GB" smtClean="0"/>
-              <a:t>30/03/2025</a:t>
+              <a:t>31/03/2025</a:t>
             </a:fld>
             <a:endParaRPr lang="en-GB"/>
           </a:p>
@@ -707,7 +724,7 @@
           <a:p>
             <a:fld id="{633AF1EE-65BA-4140-B6B9-7F82C437F84A}" type="datetimeFigureOut">
               <a:rPr lang="en-GB" smtClean="0"/>
-              <a:t>30/03/2025</a:t>
+              <a:t>31/03/2025</a:t>
             </a:fld>
             <a:endParaRPr lang="en-GB"/>
           </a:p>
@@ -877,7 +894,7 @@
           <a:p>
             <a:fld id="{633AF1EE-65BA-4140-B6B9-7F82C437F84A}" type="datetimeFigureOut">
               <a:rPr lang="en-GB" smtClean="0"/>
-              <a:t>30/03/2025</a:t>
+              <a:t>31/03/2025</a:t>
             </a:fld>
             <a:endParaRPr lang="en-GB"/>
           </a:p>
@@ -1057,7 +1074,7 @@
           <a:p>
             <a:fld id="{633AF1EE-65BA-4140-B6B9-7F82C437F84A}" type="datetimeFigureOut">
               <a:rPr lang="en-GB" smtClean="0"/>
-              <a:t>30/03/2025</a:t>
+              <a:t>31/03/2025</a:t>
             </a:fld>
             <a:endParaRPr lang="en-GB"/>
           </a:p>
@@ -1227,7 +1244,7 @@
           <a:p>
             <a:fld id="{633AF1EE-65BA-4140-B6B9-7F82C437F84A}" type="datetimeFigureOut">
               <a:rPr lang="en-GB" smtClean="0"/>
-              <a:t>30/03/2025</a:t>
+              <a:t>31/03/2025</a:t>
             </a:fld>
             <a:endParaRPr lang="en-GB"/>
           </a:p>
@@ -1473,7 +1490,7 @@
           <a:p>
             <a:fld id="{633AF1EE-65BA-4140-B6B9-7F82C437F84A}" type="datetimeFigureOut">
               <a:rPr lang="en-GB" smtClean="0"/>
-              <a:t>30/03/2025</a:t>
+              <a:t>31/03/2025</a:t>
             </a:fld>
             <a:endParaRPr lang="en-GB"/>
           </a:p>
@@ -1705,7 +1722,7 @@
           <a:p>
             <a:fld id="{633AF1EE-65BA-4140-B6B9-7F82C437F84A}" type="datetimeFigureOut">
               <a:rPr lang="en-GB" smtClean="0"/>
-              <a:t>30/03/2025</a:t>
+              <a:t>31/03/2025</a:t>
             </a:fld>
             <a:endParaRPr lang="en-GB"/>
           </a:p>
@@ -2072,7 +2089,7 @@
           <a:p>
             <a:fld id="{633AF1EE-65BA-4140-B6B9-7F82C437F84A}" type="datetimeFigureOut">
               <a:rPr lang="en-GB" smtClean="0"/>
-              <a:t>30/03/2025</a:t>
+              <a:t>31/03/2025</a:t>
             </a:fld>
             <a:endParaRPr lang="en-GB"/>
           </a:p>
@@ -2190,7 +2207,7 @@
           <a:p>
             <a:fld id="{633AF1EE-65BA-4140-B6B9-7F82C437F84A}" type="datetimeFigureOut">
               <a:rPr lang="en-GB" smtClean="0"/>
-              <a:t>30/03/2025</a:t>
+              <a:t>31/03/2025</a:t>
             </a:fld>
             <a:endParaRPr lang="en-GB"/>
           </a:p>
@@ -2285,7 +2302,7 @@
           <a:p>
             <a:fld id="{633AF1EE-65BA-4140-B6B9-7F82C437F84A}" type="datetimeFigureOut">
               <a:rPr lang="en-GB" smtClean="0"/>
-              <a:t>30/03/2025</a:t>
+              <a:t>31/03/2025</a:t>
             </a:fld>
             <a:endParaRPr lang="en-GB"/>
           </a:p>
@@ -2562,7 +2579,7 @@
           <a:p>
             <a:fld id="{633AF1EE-65BA-4140-B6B9-7F82C437F84A}" type="datetimeFigureOut">
               <a:rPr lang="en-GB" smtClean="0"/>
-              <a:t>30/03/2025</a:t>
+              <a:t>31/03/2025</a:t>
             </a:fld>
             <a:endParaRPr lang="en-GB"/>
           </a:p>
@@ -2815,7 +2832,7 @@
           <a:p>
             <a:fld id="{633AF1EE-65BA-4140-B6B9-7F82C437F84A}" type="datetimeFigureOut">
               <a:rPr lang="en-GB" smtClean="0"/>
-              <a:t>30/03/2025</a:t>
+              <a:t>31/03/2025</a:t>
             </a:fld>
             <a:endParaRPr lang="en-GB"/>
           </a:p>
@@ -3028,7 +3045,7 @@
           <a:p>
             <a:fld id="{633AF1EE-65BA-4140-B6B9-7F82C437F84A}" type="datetimeFigureOut">
               <a:rPr lang="en-GB" smtClean="0"/>
-              <a:t>30/03/2025</a:t>
+              <a:t>31/03/2025</a:t>
             </a:fld>
             <a:endParaRPr lang="en-GB"/>
           </a:p>
@@ -11374,7 +11391,7 @@
           <p:nvPr>
             <p:extLst>
               <p:ext uri="{D42A27DB-BD31-4B8C-83A1-F6EECF244321}">
-                <p14:modId xmlns:p14="http://schemas.microsoft.com/office/powerpoint/2010/main" val="2081918385"/>
+                <p14:modId xmlns:p14="http://schemas.microsoft.com/office/powerpoint/2010/main" val="2870688360"/>
               </p:ext>
             </p:extLst>
           </p:nvPr>
@@ -11473,25 +11490,25 @@
           <p:nvPr>
             <p:extLst>
               <p:ext uri="{D42A27DB-BD31-4B8C-83A1-F6EECF244321}">
-                <p14:modId xmlns:p14="http://schemas.microsoft.com/office/powerpoint/2010/main" val="325788744"/>
+                <p14:modId xmlns:p14="http://schemas.microsoft.com/office/powerpoint/2010/main" val="4274008545"/>
               </p:ext>
             </p:extLst>
           </p:nvPr>
         </p:nvGraphicFramePr>
         <p:xfrm>
-          <a:off x="1887538" y="5341938"/>
-          <a:ext cx="2060575" cy="479425"/>
+          <a:off x="1916113" y="5341938"/>
+          <a:ext cx="2001837" cy="479425"/>
         </p:xfrm>
         <a:graphic>
           <a:graphicData uri="http://schemas.openxmlformats.org/presentationml/2006/ole">
             <mc:AlternateContent xmlns:mc="http://schemas.openxmlformats.org/markup-compatibility/2006">
               <mc:Choice xmlns:v="urn:schemas-microsoft-com:vml" Requires="v">
-                <p:oleObj name="Equation" r:id="rId6" imgW="1307880" imgH="304560" progId="Equation.DSMT4">
+                <p:oleObj name="Equation" r:id="rId6" imgW="1269720" imgH="304560" progId="Equation.DSMT4">
                   <p:embed/>
                 </p:oleObj>
               </mc:Choice>
               <mc:Fallback>
-                <p:oleObj name="Equation" r:id="rId6" imgW="1307880" imgH="304560" progId="Equation.DSMT4">
+                <p:oleObj name="Equation" r:id="rId6" imgW="1269720" imgH="304560" progId="Equation.DSMT4">
                   <p:embed/>
                   <p:pic>
                     <p:nvPicPr>
@@ -11513,8 +11530,8 @@
                     </p:blipFill>
                     <p:spPr>
                       <a:xfrm>
-                        <a:off x="1887538" y="5341938"/>
-                        <a:ext cx="2060575" cy="479425"/>
+                        <a:off x="1916113" y="5341938"/>
+                        <a:ext cx="2001837" cy="479425"/>
                       </a:xfrm>
                       <a:prstGeom prst="rect">
                         <a:avLst/>
@@ -11668,25 +11685,25 @@
           <p:nvPr>
             <p:extLst>
               <p:ext uri="{D42A27DB-BD31-4B8C-83A1-F6EECF244321}">
-                <p14:modId xmlns:p14="http://schemas.microsoft.com/office/powerpoint/2010/main" val="675239634"/>
+                <p14:modId xmlns:p14="http://schemas.microsoft.com/office/powerpoint/2010/main" val="4244281377"/>
               </p:ext>
             </p:extLst>
           </p:nvPr>
         </p:nvGraphicFramePr>
         <p:xfrm>
-          <a:off x="1887538" y="5876601"/>
-          <a:ext cx="2658630" cy="479425"/>
+          <a:off x="1497013" y="5780088"/>
+          <a:ext cx="3441700" cy="674687"/>
         </p:xfrm>
         <a:graphic>
           <a:graphicData uri="http://schemas.openxmlformats.org/presentationml/2006/ole">
             <mc:AlternateContent xmlns:mc="http://schemas.openxmlformats.org/markup-compatibility/2006">
               <mc:Choice xmlns:v="urn:schemas-microsoft-com:vml" Requires="v">
-                <p:oleObj name="Equation" r:id="rId12" imgW="1549080" imgH="279360" progId="Equation.DSMT4">
+                <p:oleObj name="Equation" r:id="rId12" imgW="2006280" imgH="393480" progId="Equation.DSMT4">
                   <p:embed/>
                 </p:oleObj>
               </mc:Choice>
               <mc:Fallback>
-                <p:oleObj name="Equation" r:id="rId12" imgW="1549080" imgH="279360" progId="Equation.DSMT4">
+                <p:oleObj name="Equation" r:id="rId12" imgW="2006280" imgH="393480" progId="Equation.DSMT4">
                   <p:embed/>
                   <p:pic>
                     <p:nvPicPr>
@@ -11702,8 +11719,8 @@
                     </p:blipFill>
                     <p:spPr>
                       <a:xfrm>
-                        <a:off x="1887538" y="5876601"/>
-                        <a:ext cx="2658630" cy="479425"/>
+                        <a:off x="1497013" y="5780088"/>
+                        <a:ext cx="3441700" cy="674687"/>
                       </a:xfrm>
                       <a:prstGeom prst="rect">
                         <a:avLst/>
@@ -11731,25 +11748,25 @@
           <p:nvPr>
             <p:extLst>
               <p:ext uri="{D42A27DB-BD31-4B8C-83A1-F6EECF244321}">
-                <p14:modId xmlns:p14="http://schemas.microsoft.com/office/powerpoint/2010/main" val="3820506279"/>
+                <p14:modId xmlns:p14="http://schemas.microsoft.com/office/powerpoint/2010/main" val="1554712856"/>
               </p:ext>
             </p:extLst>
           </p:nvPr>
         </p:nvGraphicFramePr>
         <p:xfrm>
-          <a:off x="4612595" y="5870706"/>
-          <a:ext cx="1242147" cy="479425"/>
+          <a:off x="5008988" y="5821363"/>
+          <a:ext cx="1241425" cy="434975"/>
         </p:xfrm>
         <a:graphic>
           <a:graphicData uri="http://schemas.openxmlformats.org/presentationml/2006/ole">
             <mc:AlternateContent xmlns:mc="http://schemas.openxmlformats.org/markup-compatibility/2006">
               <mc:Choice xmlns:v="urn:schemas-microsoft-com:vml" Requires="v">
-                <p:oleObj name="Equation" r:id="rId14" imgW="723600" imgH="279360" progId="Equation.DSMT4">
+                <p:oleObj name="Equation" r:id="rId14" imgW="723600" imgH="253800" progId="Equation.DSMT4">
                   <p:embed/>
                 </p:oleObj>
               </mc:Choice>
               <mc:Fallback>
-                <p:oleObj name="Equation" r:id="rId14" imgW="723600" imgH="279360" progId="Equation.DSMT4">
+                <p:oleObj name="Equation" r:id="rId14" imgW="723600" imgH="253800" progId="Equation.DSMT4">
                   <p:embed/>
                   <p:pic>
                     <p:nvPicPr>
@@ -11765,8 +11782,8 @@
                     </p:blipFill>
                     <p:spPr>
                       <a:xfrm>
-                        <a:off x="4612595" y="5870706"/>
-                        <a:ext cx="1242147" cy="479425"/>
+                        <a:off x="5008988" y="5821363"/>
+                        <a:ext cx="1241425" cy="434975"/>
                       </a:xfrm>
                       <a:prstGeom prst="rect">
                         <a:avLst/>
@@ -12493,25 +12510,25 @@
           <p:nvPr>
             <p:extLst>
               <p:ext uri="{D42A27DB-BD31-4B8C-83A1-F6EECF244321}">
-                <p14:modId xmlns:p14="http://schemas.microsoft.com/office/powerpoint/2010/main" val="1038585479"/>
+                <p14:modId xmlns:p14="http://schemas.microsoft.com/office/powerpoint/2010/main" val="736420440"/>
               </p:ext>
             </p:extLst>
           </p:nvPr>
         </p:nvGraphicFramePr>
         <p:xfrm>
-          <a:off x="1004236" y="4533414"/>
-          <a:ext cx="2060575" cy="479425"/>
+          <a:off x="1035050" y="4533900"/>
+          <a:ext cx="2000250" cy="479425"/>
         </p:xfrm>
         <a:graphic>
           <a:graphicData uri="http://schemas.openxmlformats.org/presentationml/2006/ole">
             <mc:AlternateContent xmlns:mc="http://schemas.openxmlformats.org/markup-compatibility/2006">
               <mc:Choice xmlns:v="urn:schemas-microsoft-com:vml" Requires="v">
-                <p:oleObj name="Equation" r:id="rId6" imgW="1307880" imgH="304560" progId="Equation.DSMT4">
+                <p:oleObj name="Equation" r:id="rId6" imgW="1269720" imgH="304560" progId="Equation.DSMT4">
                   <p:embed/>
                 </p:oleObj>
               </mc:Choice>
               <mc:Fallback>
-                <p:oleObj name="Equation" r:id="rId6" imgW="1307880" imgH="304560" progId="Equation.DSMT4">
+                <p:oleObj name="Equation" r:id="rId6" imgW="1269720" imgH="304560" progId="Equation.DSMT4">
                   <p:embed/>
                   <p:pic>
                     <p:nvPicPr>
@@ -12533,8 +12550,8 @@
                     </p:blipFill>
                     <p:spPr>
                       <a:xfrm>
-                        <a:off x="1004236" y="4533414"/>
-                        <a:ext cx="2060575" cy="479425"/>
+                        <a:off x="1035050" y="4533900"/>
+                        <a:ext cx="2000250" cy="479425"/>
                       </a:xfrm>
                       <a:prstGeom prst="rect">
                         <a:avLst/>
@@ -13118,7 +13135,7 @@
           <a:p>
             <a:r>
               <a:rPr lang="en-US" dirty="0"/>
-              <a:t>The posterior predictive is also a tests</a:t>
+              <a:t>The posterior predictive is also a test</a:t>
             </a:r>
             <a:endParaRPr lang="he-IL" dirty="0"/>
           </a:p>
@@ -13147,12 +13164,20 @@
           </a:xfrm>
         </p:spPr>
         <p:txBody>
-          <a:bodyPr/>
+          <a:bodyPr>
+            <a:normAutofit lnSpcReduction="10000"/>
+          </a:bodyPr>
           <a:lstStyle/>
           <a:p>
             <a:r>
               <a:rPr lang="en-US" dirty="0"/>
-              <a:t>Even after fitting, the model will generate negative bike rentals</a:t>
+              <a:t>50% of the data should in the 50% posterior predictive HDI</a:t>
+            </a:r>
+          </a:p>
+          <a:p>
+            <a:r>
+              <a:rPr lang="en-US" dirty="0"/>
+              <a:t>Posterior predictive should not have empty areas</a:t>
             </a:r>
             <a:endParaRPr lang="he-IL" dirty="0"/>
           </a:p>
@@ -13207,6 +13232,3351 @@
 </file>
 
 <file path=ppt/slides/slide23.xml><?xml version="1.0" encoding="utf-8"?>
+<p:sld xmlns:a="http://schemas.openxmlformats.org/drawingml/2006/main" xmlns:r="http://schemas.openxmlformats.org/officeDocument/2006/relationships" xmlns:p="http://schemas.openxmlformats.org/presentationml/2006/main">
+  <p:cSld>
+    <p:spTree>
+      <p:nvGrpSpPr>
+        <p:cNvPr id="1" name=""/>
+        <p:cNvGrpSpPr/>
+        <p:nvPr/>
+      </p:nvGrpSpPr>
+      <p:grpSpPr>
+        <a:xfrm>
+          <a:off x="0" y="0"/>
+          <a:ext cx="0" cy="0"/>
+          <a:chOff x="0" y="0"/>
+          <a:chExt cx="0" cy="0"/>
+        </a:xfrm>
+      </p:grpSpPr>
+      <p:sp>
+        <p:nvSpPr>
+          <p:cNvPr id="2" name="Title 1">
+            <a:extLst>
+              <a:ext uri="{FF2B5EF4-FFF2-40B4-BE49-F238E27FC236}">
+                <a16:creationId xmlns:a16="http://schemas.microsoft.com/office/drawing/2014/main" id="{C6D08E6B-36EB-F817-D67E-E3553A740CF1}"/>
+              </a:ext>
+            </a:extLst>
+          </p:cNvPr>
+          <p:cNvSpPr>
+            <a:spLocks noGrp="1"/>
+          </p:cNvSpPr>
+          <p:nvPr>
+            <p:ph type="title"/>
+          </p:nvPr>
+        </p:nvSpPr>
+        <p:spPr/>
+        <p:txBody>
+          <a:bodyPr/>
+          <a:lstStyle/>
+          <a:p>
+            <a:r>
+              <a:rPr lang="en-US" dirty="0"/>
+              <a:t>Posterior predictive testing</a:t>
+            </a:r>
+            <a:endParaRPr lang="he-IL" dirty="0"/>
+          </a:p>
+        </p:txBody>
+      </p:sp>
+      <p:sp>
+        <p:nvSpPr>
+          <p:cNvPr id="3" name="Content Placeholder 2">
+            <a:extLst>
+              <a:ext uri="{FF2B5EF4-FFF2-40B4-BE49-F238E27FC236}">
+                <a16:creationId xmlns:a16="http://schemas.microsoft.com/office/drawing/2014/main" id="{CE3A90E2-3CBC-5C0B-FDC0-D9BE9ED2BAE6}"/>
+              </a:ext>
+            </a:extLst>
+          </p:cNvPr>
+          <p:cNvSpPr>
+            <a:spLocks noGrp="1"/>
+          </p:cNvSpPr>
+          <p:nvPr>
+            <p:ph idx="1"/>
+          </p:nvPr>
+        </p:nvSpPr>
+        <p:spPr>
+          <a:xfrm>
+            <a:off x="838200" y="1825625"/>
+            <a:ext cx="10515600" cy="1825349"/>
+          </a:xfrm>
+        </p:spPr>
+        <p:txBody>
+          <a:bodyPr>
+            <a:normAutofit lnSpcReduction="10000"/>
+          </a:bodyPr>
+          <a:lstStyle/>
+          <a:p>
+            <a:r>
+              <a:rPr lang="en-US" dirty="0"/>
+              <a:t>Bayesian p-values</a:t>
+            </a:r>
+          </a:p>
+          <a:p>
+            <a:pPr lvl="1"/>
+            <a:r>
+              <a:rPr lang="en-US" dirty="0"/>
+              <a:t>P-values were invented by </a:t>
+            </a:r>
+            <a:r>
+              <a:rPr lang="en-US" dirty="0" err="1"/>
+              <a:t>freqentists</a:t>
+            </a:r>
+            <a:endParaRPr lang="en-US" dirty="0"/>
+          </a:p>
+          <a:p>
+            <a:pPr lvl="2"/>
+            <a:r>
+              <a:rPr lang="en-US" dirty="0"/>
+              <a:t>And we’ll learn about them later</a:t>
+            </a:r>
+          </a:p>
+          <a:p>
+            <a:pPr lvl="1"/>
+            <a:r>
+              <a:rPr lang="en-US" dirty="0"/>
+              <a:t>What percentage of posterior predictive values are less than actual data values? </a:t>
+            </a:r>
+          </a:p>
+        </p:txBody>
+      </p:sp>
+      <p:graphicFrame>
+        <p:nvGraphicFramePr>
+          <p:cNvPr id="4" name="Object 3">
+            <a:extLst>
+              <a:ext uri="{FF2B5EF4-FFF2-40B4-BE49-F238E27FC236}">
+                <a16:creationId xmlns:a16="http://schemas.microsoft.com/office/drawing/2014/main" id="{7F4D7DBF-4142-10C8-275D-7AB760D733D7}"/>
+              </a:ext>
+            </a:extLst>
+          </p:cNvPr>
+          <p:cNvGraphicFramePr>
+            <a:graphicFrameLocks noChangeAspect="1"/>
+          </p:cNvGraphicFramePr>
+          <p:nvPr>
+            <p:extLst>
+              <p:ext uri="{D42A27DB-BD31-4B8C-83A1-F6EECF244321}">
+                <p14:modId xmlns:p14="http://schemas.microsoft.com/office/powerpoint/2010/main" val="3280521022"/>
+              </p:ext>
+            </p:extLst>
+          </p:nvPr>
+        </p:nvGraphicFramePr>
+        <p:xfrm>
+          <a:off x="6516688" y="5396084"/>
+          <a:ext cx="2808288" cy="922337"/>
+        </p:xfrm>
+        <a:graphic>
+          <a:graphicData uri="http://schemas.openxmlformats.org/presentationml/2006/ole">
+            <mc:AlternateContent xmlns:mc="http://schemas.openxmlformats.org/markup-compatibility/2006">
+              <mc:Choice xmlns:v="urn:schemas-microsoft-com:vml" Requires="v">
+                <p:oleObj name="Equation" r:id="rId2" imgW="1307880" imgH="431640" progId="Equation.DSMT4">
+                  <p:embed/>
+                </p:oleObj>
+              </mc:Choice>
+              <mc:Fallback>
+                <p:oleObj name="Equation" r:id="rId2" imgW="1307880" imgH="431640" progId="Equation.DSMT4">
+                  <p:embed/>
+                  <p:pic>
+                    <p:nvPicPr>
+                      <p:cNvPr id="0" name=""/>
+                      <p:cNvPicPr/>
+                      <p:nvPr/>
+                    </p:nvPicPr>
+                    <p:blipFill>
+                      <a:blip r:embed="rId3"/>
+                      <a:stretch>
+                        <a:fillRect/>
+                      </a:stretch>
+                    </p:blipFill>
+                    <p:spPr>
+                      <a:xfrm>
+                        <a:off x="6516688" y="5396084"/>
+                        <a:ext cx="2808288" cy="922337"/>
+                      </a:xfrm>
+                      <a:prstGeom prst="rect">
+                        <a:avLst/>
+                      </a:prstGeom>
+                    </p:spPr>
+                  </p:pic>
+                </p:oleObj>
+              </mc:Fallback>
+            </mc:AlternateContent>
+          </a:graphicData>
+        </a:graphic>
+      </p:graphicFrame>
+      <p:graphicFrame>
+        <p:nvGraphicFramePr>
+          <p:cNvPr id="5" name="Object 4">
+            <a:extLst>
+              <a:ext uri="{FF2B5EF4-FFF2-40B4-BE49-F238E27FC236}">
+                <a16:creationId xmlns:a16="http://schemas.microsoft.com/office/drawing/2014/main" id="{2169E13D-7DD3-B5FC-2FC2-790093AA1743}"/>
+              </a:ext>
+            </a:extLst>
+          </p:cNvPr>
+          <p:cNvGraphicFramePr>
+            <a:graphicFrameLocks noChangeAspect="1"/>
+          </p:cNvGraphicFramePr>
+          <p:nvPr>
+            <p:extLst>
+              <p:ext uri="{D42A27DB-BD31-4B8C-83A1-F6EECF244321}">
+                <p14:modId xmlns:p14="http://schemas.microsoft.com/office/powerpoint/2010/main" val="3461390077"/>
+              </p:ext>
+            </p:extLst>
+          </p:nvPr>
+        </p:nvGraphicFramePr>
+        <p:xfrm>
+          <a:off x="506973" y="4018756"/>
+          <a:ext cx="4532312" cy="730250"/>
+        </p:xfrm>
+        <a:graphic>
+          <a:graphicData uri="http://schemas.openxmlformats.org/presentationml/2006/ole">
+            <mc:AlternateContent xmlns:mc="http://schemas.openxmlformats.org/markup-compatibility/2006">
+              <mc:Choice xmlns:v="urn:schemas-microsoft-com:vml" Requires="v">
+                <p:oleObj name="Equation" r:id="rId4" imgW="2361960" imgH="380880" progId="Equation.DSMT4">
+                  <p:embed/>
+                </p:oleObj>
+              </mc:Choice>
+              <mc:Fallback>
+                <p:oleObj name="Equation" r:id="rId4" imgW="2361960" imgH="380880" progId="Equation.DSMT4">
+                  <p:embed/>
+                  <p:pic>
+                    <p:nvPicPr>
+                      <p:cNvPr id="0" name=""/>
+                      <p:cNvPicPr/>
+                      <p:nvPr/>
+                    </p:nvPicPr>
+                    <p:blipFill>
+                      <a:blip r:embed="rId5"/>
+                      <a:stretch>
+                        <a:fillRect/>
+                      </a:stretch>
+                    </p:blipFill>
+                    <p:spPr>
+                      <a:xfrm>
+                        <a:off x="506973" y="4018756"/>
+                        <a:ext cx="4532312" cy="730250"/>
+                      </a:xfrm>
+                      <a:prstGeom prst="rect">
+                        <a:avLst/>
+                      </a:prstGeom>
+                    </p:spPr>
+                  </p:pic>
+                </p:oleObj>
+              </mc:Fallback>
+            </mc:AlternateContent>
+          </a:graphicData>
+        </a:graphic>
+      </p:graphicFrame>
+      <p:sp>
+        <p:nvSpPr>
+          <p:cNvPr id="10" name="TextBox 9">
+            <a:extLst>
+              <a:ext uri="{FF2B5EF4-FFF2-40B4-BE49-F238E27FC236}">
+                <a16:creationId xmlns:a16="http://schemas.microsoft.com/office/drawing/2014/main" id="{AF1E840A-3C0D-C40E-E969-3B9EF49DEB38}"/>
+              </a:ext>
+            </a:extLst>
+          </p:cNvPr>
+          <p:cNvSpPr txBox="1"/>
+          <p:nvPr/>
+        </p:nvSpPr>
+        <p:spPr>
+          <a:xfrm>
+            <a:off x="5522874" y="3429000"/>
+            <a:ext cx="4657878" cy="461665"/>
+          </a:xfrm>
+          <a:prstGeom prst="rect">
+            <a:avLst/>
+          </a:prstGeom>
+          <a:noFill/>
+        </p:spPr>
+        <p:txBody>
+          <a:bodyPr wrap="none" rtlCol="1">
+            <a:spAutoFit/>
+          </a:bodyPr>
+          <a:lstStyle/>
+          <a:p>
+            <a:r>
+              <a:rPr lang="en-US" sz="2400" dirty="0"/>
+              <a:t>For one posterior predictive dataset</a:t>
+            </a:r>
+            <a:endParaRPr lang="he-IL" sz="2400" dirty="0"/>
+          </a:p>
+        </p:txBody>
+      </p:sp>
+      <p:graphicFrame>
+        <p:nvGraphicFramePr>
+          <p:cNvPr id="11" name="Object 10">
+            <a:extLst>
+              <a:ext uri="{FF2B5EF4-FFF2-40B4-BE49-F238E27FC236}">
+                <a16:creationId xmlns:a16="http://schemas.microsoft.com/office/drawing/2014/main" id="{D22389A7-7387-1B46-5C60-80BB068F148A}"/>
+              </a:ext>
+            </a:extLst>
+          </p:cNvPr>
+          <p:cNvGraphicFramePr>
+            <a:graphicFrameLocks noChangeAspect="1"/>
+          </p:cNvGraphicFramePr>
+          <p:nvPr>
+            <p:extLst>
+              <p:ext uri="{D42A27DB-BD31-4B8C-83A1-F6EECF244321}">
+                <p14:modId xmlns:p14="http://schemas.microsoft.com/office/powerpoint/2010/main" val="822546521"/>
+              </p:ext>
+            </p:extLst>
+          </p:nvPr>
+        </p:nvGraphicFramePr>
+        <p:xfrm>
+          <a:off x="6516688" y="3894138"/>
+          <a:ext cx="3351212" cy="979487"/>
+        </p:xfrm>
+        <a:graphic>
+          <a:graphicData uri="http://schemas.openxmlformats.org/presentationml/2006/ole">
+            <mc:AlternateContent xmlns:mc="http://schemas.openxmlformats.org/markup-compatibility/2006">
+              <mc:Choice xmlns:v="urn:schemas-microsoft-com:vml" Requires="v">
+                <p:oleObj name="Equation" r:id="rId6" imgW="1562040" imgH="457200" progId="Equation.DSMT4">
+                  <p:embed/>
+                </p:oleObj>
+              </mc:Choice>
+              <mc:Fallback>
+                <p:oleObj name="Equation" r:id="rId6" imgW="1562040" imgH="457200" progId="Equation.DSMT4">
+                  <p:embed/>
+                  <p:pic>
+                    <p:nvPicPr>
+                      <p:cNvPr id="0" name=""/>
+                      <p:cNvPicPr/>
+                      <p:nvPr/>
+                    </p:nvPicPr>
+                    <p:blipFill>
+                      <a:blip r:embed="rId7"/>
+                      <a:stretch>
+                        <a:fillRect/>
+                      </a:stretch>
+                    </p:blipFill>
+                    <p:spPr>
+                      <a:xfrm>
+                        <a:off x="6516688" y="3894138"/>
+                        <a:ext cx="3351212" cy="979487"/>
+                      </a:xfrm>
+                      <a:prstGeom prst="rect">
+                        <a:avLst/>
+                      </a:prstGeom>
+                    </p:spPr>
+                  </p:pic>
+                </p:oleObj>
+              </mc:Fallback>
+            </mc:AlternateContent>
+          </a:graphicData>
+        </a:graphic>
+      </p:graphicFrame>
+      <p:sp>
+        <p:nvSpPr>
+          <p:cNvPr id="12" name="TextBox 11">
+            <a:extLst>
+              <a:ext uri="{FF2B5EF4-FFF2-40B4-BE49-F238E27FC236}">
+                <a16:creationId xmlns:a16="http://schemas.microsoft.com/office/drawing/2014/main" id="{0B9CDFE4-6215-8ACB-CDDB-D1E24EA2F96E}"/>
+              </a:ext>
+            </a:extLst>
+          </p:cNvPr>
+          <p:cNvSpPr txBox="1"/>
+          <p:nvPr/>
+        </p:nvSpPr>
+        <p:spPr>
+          <a:xfrm>
+            <a:off x="5580737" y="4874293"/>
+            <a:ext cx="4637936" cy="461665"/>
+          </a:xfrm>
+          <a:prstGeom prst="rect">
+            <a:avLst/>
+          </a:prstGeom>
+          <a:noFill/>
+        </p:spPr>
+        <p:txBody>
+          <a:bodyPr wrap="none" rtlCol="1">
+            <a:spAutoFit/>
+          </a:bodyPr>
+          <a:lstStyle/>
+          <a:p>
+            <a:r>
+              <a:rPr lang="en-US" sz="2400" dirty="0"/>
+              <a:t>Across posterior predictive datasets</a:t>
+            </a:r>
+            <a:endParaRPr lang="he-IL" sz="2400" dirty="0"/>
+          </a:p>
+        </p:txBody>
+      </p:sp>
+      <p:sp>
+        <p:nvSpPr>
+          <p:cNvPr id="13" name="TextBox 12">
+            <a:extLst>
+              <a:ext uri="{FF2B5EF4-FFF2-40B4-BE49-F238E27FC236}">
+                <a16:creationId xmlns:a16="http://schemas.microsoft.com/office/drawing/2014/main" id="{C6484FAF-BFEE-1F7C-89F4-F8E169D2961D}"/>
+              </a:ext>
+            </a:extLst>
+          </p:cNvPr>
+          <p:cNvSpPr txBox="1"/>
+          <p:nvPr/>
+        </p:nvSpPr>
+        <p:spPr>
+          <a:xfrm>
+            <a:off x="6385319" y="6262042"/>
+            <a:ext cx="3531351" cy="461665"/>
+          </a:xfrm>
+          <a:prstGeom prst="rect">
+            <a:avLst/>
+          </a:prstGeom>
+          <a:noFill/>
+        </p:spPr>
+        <p:txBody>
+          <a:bodyPr wrap="none" rtlCol="1">
+            <a:spAutoFit/>
+          </a:bodyPr>
+          <a:lstStyle/>
+          <a:p>
+            <a:r>
+              <a:rPr lang="en-US" sz="2400" dirty="0"/>
+              <a:t>is a probability distribution</a:t>
+            </a:r>
+            <a:endParaRPr lang="he-IL" sz="2400" dirty="0"/>
+          </a:p>
+        </p:txBody>
+      </p:sp>
+    </p:spTree>
+    <p:extLst>
+      <p:ext uri="{BB962C8B-B14F-4D97-AF65-F5344CB8AC3E}">
+        <p14:creationId xmlns:p14="http://schemas.microsoft.com/office/powerpoint/2010/main" val="1437910790"/>
+      </p:ext>
+    </p:extLst>
+  </p:cSld>
+  <p:clrMapOvr>
+    <a:masterClrMapping/>
+  </p:clrMapOvr>
+  <p:timing>
+    <p:tnLst>
+      <p:par>
+        <p:cTn id="1" dur="indefinite" restart="never" nodeType="tmRoot">
+          <p:childTnLst>
+            <p:seq concurrent="1" nextAc="seek">
+              <p:cTn id="2" dur="indefinite" nodeType="mainSeq">
+                <p:childTnLst>
+                  <p:par>
+                    <p:cTn id="3" fill="hold">
+                      <p:stCondLst>
+                        <p:cond delay="indefinite"/>
+                      </p:stCondLst>
+                      <p:childTnLst>
+                        <p:par>
+                          <p:cTn id="4" fill="hold">
+                            <p:stCondLst>
+                              <p:cond delay="0"/>
+                            </p:stCondLst>
+                            <p:childTnLst>
+                              <p:par>
+                                <p:cTn id="5" presetID="1" presetClass="entr" presetSubtype="0" fill="hold" nodeType="clickEffect">
+                                  <p:stCondLst>
+                                    <p:cond delay="0"/>
+                                  </p:stCondLst>
+                                  <p:childTnLst>
+                                    <p:set>
+                                      <p:cBhvr>
+                                        <p:cTn id="6" dur="1" fill="hold">
+                                          <p:stCondLst>
+                                            <p:cond delay="0"/>
+                                          </p:stCondLst>
+                                        </p:cTn>
+                                        <p:tgtEl>
+                                          <p:spTgt spid="3">
+                                            <p:txEl>
+                                              <p:pRg st="3" end="3"/>
+                                            </p:txEl>
+                                          </p:spTgt>
+                                        </p:tgtEl>
+                                        <p:attrNameLst>
+                                          <p:attrName>style.visibility</p:attrName>
+                                        </p:attrNameLst>
+                                      </p:cBhvr>
+                                      <p:to>
+                                        <p:strVal val="visible"/>
+                                      </p:to>
+                                    </p:set>
+                                  </p:childTnLst>
+                                </p:cTn>
+                              </p:par>
+                              <p:par>
+                                <p:cTn id="7" presetID="1" presetClass="entr" presetSubtype="0" fill="hold" nodeType="withEffect">
+                                  <p:stCondLst>
+                                    <p:cond delay="0"/>
+                                  </p:stCondLst>
+                                  <p:childTnLst>
+                                    <p:set>
+                                      <p:cBhvr>
+                                        <p:cTn id="8" dur="1" fill="hold">
+                                          <p:stCondLst>
+                                            <p:cond delay="0"/>
+                                          </p:stCondLst>
+                                        </p:cTn>
+                                        <p:tgtEl>
+                                          <p:spTgt spid="5"/>
+                                        </p:tgtEl>
+                                        <p:attrNameLst>
+                                          <p:attrName>style.visibility</p:attrName>
+                                        </p:attrNameLst>
+                                      </p:cBhvr>
+                                      <p:to>
+                                        <p:strVal val="visible"/>
+                                      </p:to>
+                                    </p:set>
+                                  </p:childTnLst>
+                                </p:cTn>
+                              </p:par>
+                            </p:childTnLst>
+                          </p:cTn>
+                        </p:par>
+                      </p:childTnLst>
+                    </p:cTn>
+                  </p:par>
+                  <p:par>
+                    <p:cTn id="9" fill="hold">
+                      <p:stCondLst>
+                        <p:cond delay="indefinite"/>
+                      </p:stCondLst>
+                      <p:childTnLst>
+                        <p:par>
+                          <p:cTn id="10" fill="hold">
+                            <p:stCondLst>
+                              <p:cond delay="0"/>
+                            </p:stCondLst>
+                            <p:childTnLst>
+                              <p:par>
+                                <p:cTn id="11" presetID="1" presetClass="entr" presetSubtype="0" fill="hold" grpId="0" nodeType="clickEffect">
+                                  <p:stCondLst>
+                                    <p:cond delay="0"/>
+                                  </p:stCondLst>
+                                  <p:childTnLst>
+                                    <p:set>
+                                      <p:cBhvr>
+                                        <p:cTn id="12" dur="1" fill="hold">
+                                          <p:stCondLst>
+                                            <p:cond delay="0"/>
+                                          </p:stCondLst>
+                                        </p:cTn>
+                                        <p:tgtEl>
+                                          <p:spTgt spid="10"/>
+                                        </p:tgtEl>
+                                        <p:attrNameLst>
+                                          <p:attrName>style.visibility</p:attrName>
+                                        </p:attrNameLst>
+                                      </p:cBhvr>
+                                      <p:to>
+                                        <p:strVal val="visible"/>
+                                      </p:to>
+                                    </p:set>
+                                  </p:childTnLst>
+                                </p:cTn>
+                              </p:par>
+                              <p:par>
+                                <p:cTn id="13" presetID="1" presetClass="entr" presetSubtype="0" fill="hold" nodeType="withEffect">
+                                  <p:stCondLst>
+                                    <p:cond delay="0"/>
+                                  </p:stCondLst>
+                                  <p:childTnLst>
+                                    <p:set>
+                                      <p:cBhvr>
+                                        <p:cTn id="14" dur="1" fill="hold">
+                                          <p:stCondLst>
+                                            <p:cond delay="0"/>
+                                          </p:stCondLst>
+                                        </p:cTn>
+                                        <p:tgtEl>
+                                          <p:spTgt spid="11"/>
+                                        </p:tgtEl>
+                                        <p:attrNameLst>
+                                          <p:attrName>style.visibility</p:attrName>
+                                        </p:attrNameLst>
+                                      </p:cBhvr>
+                                      <p:to>
+                                        <p:strVal val="visible"/>
+                                      </p:to>
+                                    </p:set>
+                                  </p:childTnLst>
+                                </p:cTn>
+                              </p:par>
+                            </p:childTnLst>
+                          </p:cTn>
+                        </p:par>
+                      </p:childTnLst>
+                    </p:cTn>
+                  </p:par>
+                  <p:par>
+                    <p:cTn id="15" fill="hold">
+                      <p:stCondLst>
+                        <p:cond delay="indefinite"/>
+                      </p:stCondLst>
+                      <p:childTnLst>
+                        <p:par>
+                          <p:cTn id="16" fill="hold">
+                            <p:stCondLst>
+                              <p:cond delay="0"/>
+                            </p:stCondLst>
+                            <p:childTnLst>
+                              <p:par>
+                                <p:cTn id="17" presetID="1" presetClass="entr" presetSubtype="0" fill="hold" grpId="0" nodeType="clickEffect">
+                                  <p:stCondLst>
+                                    <p:cond delay="0"/>
+                                  </p:stCondLst>
+                                  <p:childTnLst>
+                                    <p:set>
+                                      <p:cBhvr>
+                                        <p:cTn id="18" dur="1" fill="hold">
+                                          <p:stCondLst>
+                                            <p:cond delay="0"/>
+                                          </p:stCondLst>
+                                        </p:cTn>
+                                        <p:tgtEl>
+                                          <p:spTgt spid="12"/>
+                                        </p:tgtEl>
+                                        <p:attrNameLst>
+                                          <p:attrName>style.visibility</p:attrName>
+                                        </p:attrNameLst>
+                                      </p:cBhvr>
+                                      <p:to>
+                                        <p:strVal val="visible"/>
+                                      </p:to>
+                                    </p:set>
+                                  </p:childTnLst>
+                                </p:cTn>
+                              </p:par>
+                              <p:par>
+                                <p:cTn id="19" presetID="1" presetClass="entr" presetSubtype="0" fill="hold" nodeType="withEffect">
+                                  <p:stCondLst>
+                                    <p:cond delay="0"/>
+                                  </p:stCondLst>
+                                  <p:childTnLst>
+                                    <p:set>
+                                      <p:cBhvr>
+                                        <p:cTn id="20" dur="1" fill="hold">
+                                          <p:stCondLst>
+                                            <p:cond delay="0"/>
+                                          </p:stCondLst>
+                                        </p:cTn>
+                                        <p:tgtEl>
+                                          <p:spTgt spid="4"/>
+                                        </p:tgtEl>
+                                        <p:attrNameLst>
+                                          <p:attrName>style.visibility</p:attrName>
+                                        </p:attrNameLst>
+                                      </p:cBhvr>
+                                      <p:to>
+                                        <p:strVal val="visible"/>
+                                      </p:to>
+                                    </p:set>
+                                  </p:childTnLst>
+                                </p:cTn>
+                              </p:par>
+                            </p:childTnLst>
+                          </p:cTn>
+                        </p:par>
+                      </p:childTnLst>
+                    </p:cTn>
+                  </p:par>
+                  <p:par>
+                    <p:cTn id="21" fill="hold">
+                      <p:stCondLst>
+                        <p:cond delay="indefinite"/>
+                      </p:stCondLst>
+                      <p:childTnLst>
+                        <p:par>
+                          <p:cTn id="22" fill="hold">
+                            <p:stCondLst>
+                              <p:cond delay="0"/>
+                            </p:stCondLst>
+                            <p:childTnLst>
+                              <p:par>
+                                <p:cTn id="23" presetID="1" presetClass="entr" presetSubtype="0" fill="hold" grpId="0" nodeType="clickEffect">
+                                  <p:stCondLst>
+                                    <p:cond delay="0"/>
+                                  </p:stCondLst>
+                                  <p:childTnLst>
+                                    <p:set>
+                                      <p:cBhvr>
+                                        <p:cTn id="24" dur="1" fill="hold">
+                                          <p:stCondLst>
+                                            <p:cond delay="0"/>
+                                          </p:stCondLst>
+                                        </p:cTn>
+                                        <p:tgtEl>
+                                          <p:spTgt spid="13"/>
+                                        </p:tgtEl>
+                                        <p:attrNameLst>
+                                          <p:attrName>style.visibility</p:attrName>
+                                        </p:attrNameLst>
+                                      </p:cBhvr>
+                                      <p:to>
+                                        <p:strVal val="visible"/>
+                                      </p:to>
+                                    </p:set>
+                                  </p:childTnLst>
+                                </p:cTn>
+                              </p:par>
+                            </p:childTnLst>
+                          </p:cTn>
+                        </p:par>
+                      </p:childTnLst>
+                    </p:cTn>
+                  </p:par>
+                </p:childTnLst>
+              </p:cTn>
+              <p:prevCondLst>
+                <p:cond evt="onPrev" delay="0">
+                  <p:tgtEl>
+                    <p:sldTgt/>
+                  </p:tgtEl>
+                </p:cond>
+              </p:prevCondLst>
+              <p:nextCondLst>
+                <p:cond evt="onNext" delay="0">
+                  <p:tgtEl>
+                    <p:sldTgt/>
+                  </p:tgtEl>
+                </p:cond>
+              </p:nextCondLst>
+            </p:seq>
+          </p:childTnLst>
+        </p:cTn>
+      </p:par>
+    </p:tnLst>
+    <p:bldLst>
+      <p:bldP spid="10" grpId="0"/>
+      <p:bldP spid="12" grpId="0"/>
+      <p:bldP spid="13" grpId="0"/>
+    </p:bldLst>
+  </p:timing>
+</p:sld>
+</file>
+
+<file path=ppt/slides/slide24.xml><?xml version="1.0" encoding="utf-8"?>
+<p:sld xmlns:a="http://schemas.openxmlformats.org/drawingml/2006/main" xmlns:r="http://schemas.openxmlformats.org/officeDocument/2006/relationships" xmlns:p="http://schemas.openxmlformats.org/presentationml/2006/main">
+  <p:cSld>
+    <p:spTree>
+      <p:nvGrpSpPr>
+        <p:cNvPr id="1" name=""/>
+        <p:cNvGrpSpPr/>
+        <p:nvPr/>
+      </p:nvGrpSpPr>
+      <p:grpSpPr>
+        <a:xfrm>
+          <a:off x="0" y="0"/>
+          <a:ext cx="0" cy="0"/>
+          <a:chOff x="0" y="0"/>
+          <a:chExt cx="0" cy="0"/>
+        </a:xfrm>
+      </p:grpSpPr>
+      <p:sp>
+        <p:nvSpPr>
+          <p:cNvPr id="2" name="Title 1">
+            <a:extLst>
+              <a:ext uri="{FF2B5EF4-FFF2-40B4-BE49-F238E27FC236}">
+                <a16:creationId xmlns:a16="http://schemas.microsoft.com/office/drawing/2014/main" id="{C18883E7-2A75-4578-A874-CDD06A87E3F4}"/>
+              </a:ext>
+            </a:extLst>
+          </p:cNvPr>
+          <p:cNvSpPr>
+            <a:spLocks noGrp="1"/>
+          </p:cNvSpPr>
+          <p:nvPr>
+            <p:ph type="title"/>
+          </p:nvPr>
+        </p:nvSpPr>
+        <p:spPr/>
+        <p:txBody>
+          <a:bodyPr/>
+          <a:lstStyle/>
+          <a:p>
+            <a:r>
+              <a:rPr lang="en-US" dirty="0"/>
+              <a:t>The distribution of Bayesian p values</a:t>
+            </a:r>
+            <a:endParaRPr lang="he-IL" dirty="0"/>
+          </a:p>
+        </p:txBody>
+      </p:sp>
+      <p:sp>
+        <p:nvSpPr>
+          <p:cNvPr id="3" name="Content Placeholder 2">
+            <a:extLst>
+              <a:ext uri="{FF2B5EF4-FFF2-40B4-BE49-F238E27FC236}">
+                <a16:creationId xmlns:a16="http://schemas.microsoft.com/office/drawing/2014/main" id="{428C666A-CFE8-F85A-6808-7742F83F87A1}"/>
+              </a:ext>
+            </a:extLst>
+          </p:cNvPr>
+          <p:cNvSpPr>
+            <a:spLocks noGrp="1"/>
+          </p:cNvSpPr>
+          <p:nvPr>
+            <p:ph idx="1"/>
+          </p:nvPr>
+        </p:nvSpPr>
+        <p:spPr>
+          <a:xfrm>
+            <a:off x="838200" y="1690688"/>
+            <a:ext cx="10515600" cy="877700"/>
+          </a:xfrm>
+        </p:spPr>
+        <p:txBody>
+          <a:bodyPr>
+            <a:normAutofit fontScale="92500" lnSpcReduction="10000"/>
+          </a:bodyPr>
+          <a:lstStyle/>
+          <a:p>
+            <a:r>
+              <a:rPr lang="en-US" dirty="0"/>
+              <a:t>Calculated for the bike data</a:t>
+            </a:r>
+          </a:p>
+          <a:p>
+            <a:r>
+              <a:rPr lang="en-US" dirty="0"/>
+              <a:t>This is a distribution over posterior predictive datasets</a:t>
+            </a:r>
+            <a:endParaRPr lang="he-IL" dirty="0"/>
+          </a:p>
+        </p:txBody>
+      </p:sp>
+      <p:pic>
+        <p:nvPicPr>
+          <p:cNvPr id="4" name="Picture 3">
+            <a:extLst>
+              <a:ext uri="{FF2B5EF4-FFF2-40B4-BE49-F238E27FC236}">
+                <a16:creationId xmlns:a16="http://schemas.microsoft.com/office/drawing/2014/main" id="{7ED25C4E-82AD-BEA4-F845-4F3A529C437E}"/>
+              </a:ext>
+            </a:extLst>
+          </p:cNvPr>
+          <p:cNvPicPr>
+            <a:picLocks noChangeAspect="1"/>
+          </p:cNvPicPr>
+          <p:nvPr/>
+        </p:nvPicPr>
+        <p:blipFill>
+          <a:blip r:embed="rId2" cstate="email">
+            <a:extLst>
+              <a:ext uri="{28A0092B-C50C-407E-A947-70E740481C1C}">
+                <a14:useLocalDpi xmlns:a14="http://schemas.microsoft.com/office/drawing/2010/main" val="0"/>
+              </a:ext>
+            </a:extLst>
+          </a:blip>
+          <a:srcRect/>
+          <a:stretch/>
+        </p:blipFill>
+        <p:spPr>
+          <a:xfrm>
+            <a:off x="5022475" y="2703325"/>
+            <a:ext cx="6229631" cy="4117891"/>
+          </a:xfrm>
+          <a:prstGeom prst="rect">
+            <a:avLst/>
+          </a:prstGeom>
+        </p:spPr>
+      </p:pic>
+      <p:graphicFrame>
+        <p:nvGraphicFramePr>
+          <p:cNvPr id="5" name="Object 4">
+            <a:extLst>
+              <a:ext uri="{FF2B5EF4-FFF2-40B4-BE49-F238E27FC236}">
+                <a16:creationId xmlns:a16="http://schemas.microsoft.com/office/drawing/2014/main" id="{46997A7B-0689-4A83-EFB9-F8A4BCDBF95F}"/>
+              </a:ext>
+            </a:extLst>
+          </p:cNvPr>
+          <p:cNvGraphicFramePr>
+            <a:graphicFrameLocks noChangeAspect="1"/>
+          </p:cNvGraphicFramePr>
+          <p:nvPr>
+            <p:extLst>
+              <p:ext uri="{D42A27DB-BD31-4B8C-83A1-F6EECF244321}">
+                <p14:modId xmlns:p14="http://schemas.microsoft.com/office/powerpoint/2010/main" val="3231485368"/>
+              </p:ext>
+            </p:extLst>
+          </p:nvPr>
+        </p:nvGraphicFramePr>
+        <p:xfrm>
+          <a:off x="838200" y="2788586"/>
+          <a:ext cx="2808288" cy="922337"/>
+        </p:xfrm>
+        <a:graphic>
+          <a:graphicData uri="http://schemas.openxmlformats.org/presentationml/2006/ole">
+            <mc:AlternateContent xmlns:mc="http://schemas.openxmlformats.org/markup-compatibility/2006">
+              <mc:Choice xmlns:v="urn:schemas-microsoft-com:vml" Requires="v">
+                <p:oleObj name="Equation" r:id="rId3" imgW="1307880" imgH="431640" progId="Equation.DSMT4">
+                  <p:embed/>
+                </p:oleObj>
+              </mc:Choice>
+              <mc:Fallback>
+                <p:oleObj name="Equation" r:id="rId3" imgW="1307880" imgH="431640" progId="Equation.DSMT4">
+                  <p:embed/>
+                  <p:pic>
+                    <p:nvPicPr>
+                      <p:cNvPr id="4" name="Object 3">
+                        <a:extLst>
+                          <a:ext uri="{FF2B5EF4-FFF2-40B4-BE49-F238E27FC236}">
+                            <a16:creationId xmlns:a16="http://schemas.microsoft.com/office/drawing/2014/main" id="{7F4D7DBF-4142-10C8-275D-7AB760D733D7}"/>
+                          </a:ext>
+                        </a:extLst>
+                      </p:cNvPr>
+                      <p:cNvPicPr/>
+                      <p:nvPr/>
+                    </p:nvPicPr>
+                    <p:blipFill>
+                      <a:blip r:embed="rId4"/>
+                      <a:stretch>
+                        <a:fillRect/>
+                      </a:stretch>
+                    </p:blipFill>
+                    <p:spPr>
+                      <a:xfrm>
+                        <a:off x="838200" y="2788586"/>
+                        <a:ext cx="2808288" cy="922337"/>
+                      </a:xfrm>
+                      <a:prstGeom prst="rect">
+                        <a:avLst/>
+                      </a:prstGeom>
+                    </p:spPr>
+                  </p:pic>
+                </p:oleObj>
+              </mc:Fallback>
+            </mc:AlternateContent>
+          </a:graphicData>
+        </a:graphic>
+      </p:graphicFrame>
+    </p:spTree>
+    <p:extLst>
+      <p:ext uri="{BB962C8B-B14F-4D97-AF65-F5344CB8AC3E}">
+        <p14:creationId xmlns:p14="http://schemas.microsoft.com/office/powerpoint/2010/main" val="4104618039"/>
+      </p:ext>
+    </p:extLst>
+  </p:cSld>
+  <p:clrMapOvr>
+    <a:masterClrMapping/>
+  </p:clrMapOvr>
+  <p:timing>
+    <p:tnLst>
+      <p:par>
+        <p:cTn id="1" dur="indefinite" restart="never" nodeType="tmRoot">
+          <p:childTnLst>
+            <p:seq concurrent="1" nextAc="seek">
+              <p:cTn id="2" dur="indefinite" nodeType="mainSeq">
+                <p:childTnLst>
+                  <p:par>
+                    <p:cTn id="3" fill="hold">
+                      <p:stCondLst>
+                        <p:cond delay="indefinite"/>
+                        <p:cond evt="onBegin" delay="0">
+                          <p:tn val="2"/>
+                        </p:cond>
+                      </p:stCondLst>
+                      <p:childTnLst>
+                        <p:par>
+                          <p:cTn id="4" fill="hold">
+                            <p:stCondLst>
+                              <p:cond delay="0"/>
+                            </p:stCondLst>
+                            <p:childTnLst>
+                              <p:par>
+                                <p:cTn id="5" presetID="1" presetClass="entr" presetSubtype="0" fill="hold" nodeType="withEffect">
+                                  <p:stCondLst>
+                                    <p:cond delay="0"/>
+                                  </p:stCondLst>
+                                  <p:childTnLst>
+                                    <p:set>
+                                      <p:cBhvr>
+                                        <p:cTn id="6" dur="1" fill="hold">
+                                          <p:stCondLst>
+                                            <p:cond delay="0"/>
+                                          </p:stCondLst>
+                                        </p:cTn>
+                                        <p:tgtEl>
+                                          <p:spTgt spid="5"/>
+                                        </p:tgtEl>
+                                        <p:attrNameLst>
+                                          <p:attrName>style.visibility</p:attrName>
+                                        </p:attrNameLst>
+                                      </p:cBhvr>
+                                      <p:to>
+                                        <p:strVal val="visible"/>
+                                      </p:to>
+                                    </p:set>
+                                  </p:childTnLst>
+                                </p:cTn>
+                              </p:par>
+                            </p:childTnLst>
+                          </p:cTn>
+                        </p:par>
+                      </p:childTnLst>
+                    </p:cTn>
+                  </p:par>
+                </p:childTnLst>
+              </p:cTn>
+              <p:prevCondLst>
+                <p:cond evt="onPrev" delay="0">
+                  <p:tgtEl>
+                    <p:sldTgt/>
+                  </p:tgtEl>
+                </p:cond>
+              </p:prevCondLst>
+              <p:nextCondLst>
+                <p:cond evt="onNext" delay="0">
+                  <p:tgtEl>
+                    <p:sldTgt/>
+                  </p:tgtEl>
+                </p:cond>
+              </p:nextCondLst>
+            </p:seq>
+          </p:childTnLst>
+        </p:cTn>
+      </p:par>
+    </p:tnLst>
+  </p:timing>
+</p:sld>
+</file>
+
+<file path=ppt/slides/slide25.xml><?xml version="1.0" encoding="utf-8"?>
+<p:sld xmlns:a="http://schemas.openxmlformats.org/drawingml/2006/main" xmlns:r="http://schemas.openxmlformats.org/officeDocument/2006/relationships" xmlns:p="http://schemas.openxmlformats.org/presentationml/2006/main">
+  <p:cSld>
+    <p:spTree>
+      <p:nvGrpSpPr>
+        <p:cNvPr id="1" name="">
+          <a:extLst>
+            <a:ext uri="{FF2B5EF4-FFF2-40B4-BE49-F238E27FC236}">
+              <a16:creationId xmlns:a16="http://schemas.microsoft.com/office/drawing/2014/main" id="{408CDB49-4A42-B73D-992C-2EB760B7ED61}"/>
+            </a:ext>
+          </a:extLst>
+        </p:cNvPr>
+        <p:cNvGrpSpPr/>
+        <p:nvPr/>
+      </p:nvGrpSpPr>
+      <p:grpSpPr>
+        <a:xfrm>
+          <a:off x="0" y="0"/>
+          <a:ext cx="0" cy="0"/>
+          <a:chOff x="0" y="0"/>
+          <a:chExt cx="0" cy="0"/>
+        </a:xfrm>
+      </p:grpSpPr>
+      <p:sp>
+        <p:nvSpPr>
+          <p:cNvPr id="2" name="Title 1">
+            <a:extLst>
+              <a:ext uri="{FF2B5EF4-FFF2-40B4-BE49-F238E27FC236}">
+                <a16:creationId xmlns:a16="http://schemas.microsoft.com/office/drawing/2014/main" id="{183DE2FF-490D-E903-FC38-BB0241C482D9}"/>
+              </a:ext>
+            </a:extLst>
+          </p:cNvPr>
+          <p:cNvSpPr>
+            <a:spLocks noGrp="1"/>
+          </p:cNvSpPr>
+          <p:nvPr>
+            <p:ph type="title"/>
+          </p:nvPr>
+        </p:nvSpPr>
+        <p:spPr/>
+        <p:txBody>
+          <a:bodyPr/>
+          <a:lstStyle/>
+          <a:p>
+            <a:r>
+              <a:rPr lang="en-US" dirty="0"/>
+              <a:t>The theoretical Bayesian p value distribution</a:t>
+            </a:r>
+            <a:endParaRPr lang="he-IL" dirty="0"/>
+          </a:p>
+        </p:txBody>
+      </p:sp>
+      <mc:AlternateContent xmlns:mc="http://schemas.openxmlformats.org/markup-compatibility/2006">
+        <mc:Choice xmlns:a14="http://schemas.microsoft.com/office/drawing/2010/main" Requires="a14">
+          <p:sp>
+            <p:nvSpPr>
+              <p:cNvPr id="3" name="Content Placeholder 2">
+                <a:extLst>
+                  <a:ext uri="{FF2B5EF4-FFF2-40B4-BE49-F238E27FC236}">
+                    <a16:creationId xmlns:a16="http://schemas.microsoft.com/office/drawing/2014/main" id="{81A44D87-9B71-5808-8CDF-D33879E2D1FE}"/>
+                  </a:ext>
+                </a:extLst>
+              </p:cNvPr>
+              <p:cNvSpPr>
+                <a:spLocks noGrp="1"/>
+              </p:cNvSpPr>
+              <p:nvPr>
+                <p:ph idx="1"/>
+              </p:nvPr>
+            </p:nvSpPr>
+            <p:spPr>
+              <a:xfrm>
+                <a:off x="838200" y="1690688"/>
+                <a:ext cx="10515600" cy="979486"/>
+              </a:xfrm>
+            </p:spPr>
+            <p:txBody>
+              <a:bodyPr>
+                <a:normAutofit lnSpcReduction="10000"/>
+              </a:bodyPr>
+              <a:lstStyle/>
+              <a:p>
+                <a:r>
+                  <a:rPr lang="en-US" dirty="0"/>
+                  <a:t>We want the distribution of </a:t>
+                </a:r>
+                <a14:m>
+                  <m:oMath xmlns:m="http://schemas.openxmlformats.org/officeDocument/2006/math">
+                    <m:sSub>
+                      <m:sSubPr>
+                        <m:ctrlPr>
+                          <a:rPr lang="en-US" b="0" i="1" smtClean="0">
+                            <a:latin typeface="Cambria Math" panose="02040503050406030204" pitchFamily="18" charset="0"/>
+                          </a:rPr>
+                        </m:ctrlPr>
+                      </m:sSubPr>
+                      <m:e>
+                        <m:r>
+                          <a:rPr lang="en-US" b="0" i="1" smtClean="0">
+                            <a:latin typeface="Cambria Math" panose="02040503050406030204" pitchFamily="18" charset="0"/>
+                          </a:rPr>
+                          <m:t>𝑝</m:t>
+                        </m:r>
+                      </m:e>
+                      <m:sub>
+                        <m:r>
+                          <a:rPr lang="en-US" b="0" i="1" smtClean="0">
+                            <a:latin typeface="Cambria Math" panose="02040503050406030204" pitchFamily="18" charset="0"/>
+                          </a:rPr>
+                          <m:t>𝐵</m:t>
+                        </m:r>
+                      </m:sub>
+                    </m:sSub>
+                  </m:oMath>
+                </a14:m>
+                <a:r>
+                  <a:rPr lang="en-US" dirty="0"/>
+                  <a:t> </a:t>
+                </a:r>
+              </a:p>
+              <a:p>
+                <a:r>
+                  <a:rPr lang="en-US" dirty="0"/>
+                  <a:t>Under the true model, we expect</a:t>
+                </a:r>
+                <a14:m>
+                  <m:oMath xmlns:m="http://schemas.openxmlformats.org/officeDocument/2006/math">
+                    <m:r>
+                      <a:rPr lang="en-US" b="0" i="0" smtClean="0">
+                        <a:latin typeface="Cambria Math" panose="02040503050406030204" pitchFamily="18" charset="0"/>
+                      </a:rPr>
+                      <m:t> </m:t>
+                    </m:r>
+                    <m:r>
+                      <a:rPr lang="en-US" b="0" i="1" smtClean="0">
+                        <a:latin typeface="Cambria Math" panose="02040503050406030204" pitchFamily="18" charset="0"/>
+                      </a:rPr>
+                      <m:t>𝑝</m:t>
+                    </m:r>
+                    <m:d>
+                      <m:dPr>
+                        <m:ctrlPr>
+                          <a:rPr lang="en-US" b="0" i="1" smtClean="0">
+                            <a:latin typeface="Cambria Math" panose="02040503050406030204" pitchFamily="18" charset="0"/>
+                          </a:rPr>
+                        </m:ctrlPr>
+                      </m:dPr>
+                      <m:e>
+                        <m:sSub>
+                          <m:sSubPr>
+                            <m:ctrlPr>
+                              <a:rPr lang="en-US" b="0" i="1" smtClean="0">
+                                <a:latin typeface="Cambria Math" panose="02040503050406030204" pitchFamily="18" charset="0"/>
+                              </a:rPr>
+                            </m:ctrlPr>
+                          </m:sSubPr>
+                          <m:e>
+                            <m:acc>
+                              <m:accPr>
+                                <m:chr m:val="̃"/>
+                                <m:ctrlPr>
+                                  <a:rPr lang="en-US" b="0" i="1" smtClean="0">
+                                    <a:latin typeface="Cambria Math" panose="02040503050406030204" pitchFamily="18" charset="0"/>
+                                  </a:rPr>
+                                </m:ctrlPr>
+                              </m:accPr>
+                              <m:e>
+                                <m:r>
+                                  <a:rPr lang="en-US" b="0" i="1" smtClean="0">
+                                    <a:latin typeface="Cambria Math" panose="02040503050406030204" pitchFamily="18" charset="0"/>
+                                  </a:rPr>
+                                  <m:t>𝑦</m:t>
+                                </m:r>
+                              </m:e>
+                            </m:acc>
+                          </m:e>
+                          <m:sub>
+                            <m:r>
+                              <a:rPr lang="en-US" b="0" i="1" smtClean="0">
+                                <a:latin typeface="Cambria Math" panose="02040503050406030204" pitchFamily="18" charset="0"/>
+                              </a:rPr>
+                              <m:t>𝑖</m:t>
+                            </m:r>
+                          </m:sub>
+                        </m:sSub>
+                        <m:r>
+                          <a:rPr lang="en-US" b="0" i="1" smtClean="0">
+                            <a:latin typeface="Cambria Math" panose="02040503050406030204" pitchFamily="18" charset="0"/>
+                          </a:rPr>
+                          <m:t>≤</m:t>
+                        </m:r>
+                        <m:sSub>
+                          <m:sSubPr>
+                            <m:ctrlPr>
+                              <a:rPr lang="en-US" b="0" i="1" smtClean="0">
+                                <a:latin typeface="Cambria Math" panose="02040503050406030204" pitchFamily="18" charset="0"/>
+                              </a:rPr>
+                            </m:ctrlPr>
+                          </m:sSubPr>
+                          <m:e>
+                            <m:r>
+                              <a:rPr lang="en-US" b="0" i="1" smtClean="0">
+                                <a:latin typeface="Cambria Math" panose="02040503050406030204" pitchFamily="18" charset="0"/>
+                              </a:rPr>
+                              <m:t>𝑦</m:t>
+                            </m:r>
+                          </m:e>
+                          <m:sub>
+                            <m:r>
+                              <a:rPr lang="en-US" b="0" i="1" smtClean="0">
+                                <a:latin typeface="Cambria Math" panose="02040503050406030204" pitchFamily="18" charset="0"/>
+                              </a:rPr>
+                              <m:t>𝑖</m:t>
+                            </m:r>
+                          </m:sub>
+                        </m:sSub>
+                      </m:e>
+                    </m:d>
+                    <m:r>
+                      <a:rPr lang="en-US" b="0" i="1" smtClean="0">
+                        <a:latin typeface="Cambria Math" panose="02040503050406030204" pitchFamily="18" charset="0"/>
+                      </a:rPr>
+                      <m:t>=</m:t>
+                    </m:r>
+                    <m:r>
+                      <a:rPr lang="en-US" b="0" i="1" smtClean="0">
+                        <a:latin typeface="Cambria Math" panose="02040503050406030204" pitchFamily="18" charset="0"/>
+                      </a:rPr>
+                      <m:t>0</m:t>
+                    </m:r>
+                    <m:r>
+                      <a:rPr lang="en-US" b="0" i="1" smtClean="0">
+                        <a:latin typeface="Cambria Math" panose="02040503050406030204" pitchFamily="18" charset="0"/>
+                      </a:rPr>
+                      <m:t>.</m:t>
+                    </m:r>
+                    <m:r>
+                      <a:rPr lang="en-US" b="0" i="1" smtClean="0">
+                        <a:latin typeface="Cambria Math" panose="02040503050406030204" pitchFamily="18" charset="0"/>
+                      </a:rPr>
+                      <m:t>5</m:t>
+                    </m:r>
+                  </m:oMath>
+                </a14:m>
+                <a:endParaRPr lang="en-US" dirty="0"/>
+              </a:p>
+            </p:txBody>
+          </p:sp>
+        </mc:Choice>
+        <mc:Fallback>
+          <p:sp>
+            <p:nvSpPr>
+              <p:cNvPr id="3" name="Content Placeholder 2">
+                <a:extLst>
+                  <a:ext uri="{FF2B5EF4-FFF2-40B4-BE49-F238E27FC236}">
+                    <a16:creationId xmlns:a16="http://schemas.microsoft.com/office/drawing/2014/main" id="{81A44D87-9B71-5808-8CDF-D33879E2D1FE}"/>
+                  </a:ext>
+                </a:extLst>
+              </p:cNvPr>
+              <p:cNvSpPr>
+                <a:spLocks noGrp="1" noRot="1" noChangeAspect="1" noMove="1" noResize="1" noEditPoints="1" noAdjustHandles="1" noChangeArrowheads="1" noChangeShapeType="1" noTextEdit="1"/>
+              </p:cNvSpPr>
+              <p:nvPr>
+                <p:ph idx="1"/>
+              </p:nvPr>
+            </p:nvSpPr>
+            <p:spPr>
+              <a:xfrm>
+                <a:off x="838200" y="1690688"/>
+                <a:ext cx="10515600" cy="979486"/>
+              </a:xfrm>
+              <a:blipFill>
+                <a:blip r:embed="rId2"/>
+                <a:stretch>
+                  <a:fillRect l="-1043" t="-13665" b="-10559"/>
+                </a:stretch>
+              </a:blipFill>
+            </p:spPr>
+            <p:txBody>
+              <a:bodyPr/>
+              <a:lstStyle/>
+              <a:p>
+                <a:r>
+                  <a:rPr lang="he-IL">
+                    <a:noFill/>
+                  </a:rPr>
+                  <a:t> </a:t>
+                </a:r>
+              </a:p>
+            </p:txBody>
+          </p:sp>
+        </mc:Fallback>
+      </mc:AlternateContent>
+      <p:graphicFrame>
+        <p:nvGraphicFramePr>
+          <p:cNvPr id="7" name="Object 6">
+            <a:extLst>
+              <a:ext uri="{FF2B5EF4-FFF2-40B4-BE49-F238E27FC236}">
+                <a16:creationId xmlns:a16="http://schemas.microsoft.com/office/drawing/2014/main" id="{0F3EE812-E4BE-FB4B-AD6C-34E50871E588}"/>
+              </a:ext>
+            </a:extLst>
+          </p:cNvPr>
+          <p:cNvGraphicFramePr>
+            <a:graphicFrameLocks noChangeAspect="1"/>
+          </p:cNvGraphicFramePr>
+          <p:nvPr>
+            <p:extLst>
+              <p:ext uri="{D42A27DB-BD31-4B8C-83A1-F6EECF244321}">
+                <p14:modId xmlns:p14="http://schemas.microsoft.com/office/powerpoint/2010/main" val="105083030"/>
+              </p:ext>
+            </p:extLst>
+          </p:nvPr>
+        </p:nvGraphicFramePr>
+        <p:xfrm>
+          <a:off x="703263" y="2954338"/>
+          <a:ext cx="3832994" cy="866100"/>
+        </p:xfrm>
+        <a:graphic>
+          <a:graphicData uri="http://schemas.openxmlformats.org/presentationml/2006/ole">
+            <mc:AlternateContent xmlns:mc="http://schemas.openxmlformats.org/markup-compatibility/2006">
+              <mc:Choice xmlns:v="urn:schemas-microsoft-com:vml" Requires="v">
+                <p:oleObj name="Equation" r:id="rId3" imgW="1968480" imgH="444240" progId="Equation.DSMT4">
+                  <p:embed/>
+                </p:oleObj>
+              </mc:Choice>
+              <mc:Fallback>
+                <p:oleObj name="Equation" r:id="rId3" imgW="1968480" imgH="444240" progId="Equation.DSMT4">
+                  <p:embed/>
+                  <p:pic>
+                    <p:nvPicPr>
+                      <p:cNvPr id="0" name=""/>
+                      <p:cNvPicPr/>
+                      <p:nvPr/>
+                    </p:nvPicPr>
+                    <p:blipFill>
+                      <a:blip r:embed="rId4"/>
+                      <a:stretch>
+                        <a:fillRect/>
+                      </a:stretch>
+                    </p:blipFill>
+                    <p:spPr>
+                      <a:xfrm>
+                        <a:off x="703263" y="2954338"/>
+                        <a:ext cx="3832994" cy="866100"/>
+                      </a:xfrm>
+                      <a:prstGeom prst="rect">
+                        <a:avLst/>
+                      </a:prstGeom>
+                    </p:spPr>
+                  </p:pic>
+                </p:oleObj>
+              </mc:Fallback>
+            </mc:AlternateContent>
+          </a:graphicData>
+        </a:graphic>
+      </p:graphicFrame>
+      <p:graphicFrame>
+        <p:nvGraphicFramePr>
+          <p:cNvPr id="8" name="Object 7">
+            <a:extLst>
+              <a:ext uri="{FF2B5EF4-FFF2-40B4-BE49-F238E27FC236}">
+                <a16:creationId xmlns:a16="http://schemas.microsoft.com/office/drawing/2014/main" id="{ECC1CDA2-D6DB-1CD3-B471-D2CDE6A31D0B}"/>
+              </a:ext>
+            </a:extLst>
+          </p:cNvPr>
+          <p:cNvGraphicFramePr>
+            <a:graphicFrameLocks noChangeAspect="1"/>
+          </p:cNvGraphicFramePr>
+          <p:nvPr>
+            <p:extLst>
+              <p:ext uri="{D42A27DB-BD31-4B8C-83A1-F6EECF244321}">
+                <p14:modId xmlns:p14="http://schemas.microsoft.com/office/powerpoint/2010/main" val="3998724448"/>
+              </p:ext>
+            </p:extLst>
+          </p:nvPr>
+        </p:nvGraphicFramePr>
+        <p:xfrm>
+          <a:off x="703262" y="4187826"/>
+          <a:ext cx="5171445" cy="884367"/>
+        </p:xfrm>
+        <a:graphic>
+          <a:graphicData uri="http://schemas.openxmlformats.org/presentationml/2006/ole">
+            <mc:AlternateContent xmlns:mc="http://schemas.openxmlformats.org/markup-compatibility/2006">
+              <mc:Choice xmlns:v="urn:schemas-microsoft-com:vml" Requires="v">
+                <p:oleObj name="Equation" r:id="rId5" imgW="2819160" imgH="482400" progId="Equation.DSMT4">
+                  <p:embed/>
+                </p:oleObj>
+              </mc:Choice>
+              <mc:Fallback>
+                <p:oleObj name="Equation" r:id="rId5" imgW="2819160" imgH="482400" progId="Equation.DSMT4">
+                  <p:embed/>
+                  <p:pic>
+                    <p:nvPicPr>
+                      <p:cNvPr id="0" name=""/>
+                      <p:cNvPicPr/>
+                      <p:nvPr/>
+                    </p:nvPicPr>
+                    <p:blipFill>
+                      <a:blip r:embed="rId6"/>
+                      <a:stretch>
+                        <a:fillRect/>
+                      </a:stretch>
+                    </p:blipFill>
+                    <p:spPr>
+                      <a:xfrm>
+                        <a:off x="703262" y="4187826"/>
+                        <a:ext cx="5171445" cy="884367"/>
+                      </a:xfrm>
+                      <a:prstGeom prst="rect">
+                        <a:avLst/>
+                      </a:prstGeom>
+                    </p:spPr>
+                  </p:pic>
+                </p:oleObj>
+              </mc:Fallback>
+            </mc:AlternateContent>
+          </a:graphicData>
+        </a:graphic>
+      </p:graphicFrame>
+      <p:graphicFrame>
+        <p:nvGraphicFramePr>
+          <p:cNvPr id="9" name="Object 8">
+            <a:extLst>
+              <a:ext uri="{FF2B5EF4-FFF2-40B4-BE49-F238E27FC236}">
+                <a16:creationId xmlns:a16="http://schemas.microsoft.com/office/drawing/2014/main" id="{A669BA63-C02D-61CB-4D2D-4AFF295CAF04}"/>
+              </a:ext>
+            </a:extLst>
+          </p:cNvPr>
+          <p:cNvGraphicFramePr>
+            <a:graphicFrameLocks noChangeAspect="1"/>
+          </p:cNvGraphicFramePr>
+          <p:nvPr>
+            <p:extLst>
+              <p:ext uri="{D42A27DB-BD31-4B8C-83A1-F6EECF244321}">
+                <p14:modId xmlns:p14="http://schemas.microsoft.com/office/powerpoint/2010/main" val="3285096864"/>
+              </p:ext>
+            </p:extLst>
+          </p:nvPr>
+        </p:nvGraphicFramePr>
+        <p:xfrm>
+          <a:off x="703262" y="5445540"/>
+          <a:ext cx="5835324" cy="872184"/>
+        </p:xfrm>
+        <a:graphic>
+          <a:graphicData uri="http://schemas.openxmlformats.org/presentationml/2006/ole">
+            <mc:AlternateContent xmlns:mc="http://schemas.openxmlformats.org/markup-compatibility/2006">
+              <mc:Choice xmlns:v="urn:schemas-microsoft-com:vml" Requires="v">
+                <p:oleObj name="Equation" r:id="rId7" imgW="3225600" imgH="482400" progId="Equation.DSMT4">
+                  <p:embed/>
+                </p:oleObj>
+              </mc:Choice>
+              <mc:Fallback>
+                <p:oleObj name="Equation" r:id="rId7" imgW="3225600" imgH="482400" progId="Equation.DSMT4">
+                  <p:embed/>
+                  <p:pic>
+                    <p:nvPicPr>
+                      <p:cNvPr id="0" name=""/>
+                      <p:cNvPicPr/>
+                      <p:nvPr/>
+                    </p:nvPicPr>
+                    <p:blipFill>
+                      <a:blip r:embed="rId8"/>
+                      <a:stretch>
+                        <a:fillRect/>
+                      </a:stretch>
+                    </p:blipFill>
+                    <p:spPr>
+                      <a:xfrm>
+                        <a:off x="703262" y="5445540"/>
+                        <a:ext cx="5835324" cy="872184"/>
+                      </a:xfrm>
+                      <a:prstGeom prst="rect">
+                        <a:avLst/>
+                      </a:prstGeom>
+                    </p:spPr>
+                  </p:pic>
+                </p:oleObj>
+              </mc:Fallback>
+            </mc:AlternateContent>
+          </a:graphicData>
+        </a:graphic>
+      </p:graphicFrame>
+      <p:graphicFrame>
+        <p:nvGraphicFramePr>
+          <p:cNvPr id="10" name="Object 9">
+            <a:extLst>
+              <a:ext uri="{FF2B5EF4-FFF2-40B4-BE49-F238E27FC236}">
+                <a16:creationId xmlns:a16="http://schemas.microsoft.com/office/drawing/2014/main" id="{BB89BACF-7E29-FE40-FEF7-72A66768F697}"/>
+              </a:ext>
+            </a:extLst>
+          </p:cNvPr>
+          <p:cNvGraphicFramePr>
+            <a:graphicFrameLocks noChangeAspect="1"/>
+          </p:cNvGraphicFramePr>
+          <p:nvPr>
+            <p:extLst>
+              <p:ext uri="{D42A27DB-BD31-4B8C-83A1-F6EECF244321}">
+                <p14:modId xmlns:p14="http://schemas.microsoft.com/office/powerpoint/2010/main" val="2908673674"/>
+              </p:ext>
+            </p:extLst>
+          </p:nvPr>
+        </p:nvGraphicFramePr>
+        <p:xfrm>
+          <a:off x="6096000" y="2836267"/>
+          <a:ext cx="5921188" cy="868042"/>
+        </p:xfrm>
+        <a:graphic>
+          <a:graphicData uri="http://schemas.openxmlformats.org/presentationml/2006/ole">
+            <mc:AlternateContent xmlns:mc="http://schemas.openxmlformats.org/markup-compatibility/2006">
+              <mc:Choice xmlns:v="urn:schemas-microsoft-com:vml" Requires="v">
+                <p:oleObj name="Equation" r:id="rId9" imgW="3288960" imgH="482400" progId="Equation.DSMT4">
+                  <p:embed/>
+                </p:oleObj>
+              </mc:Choice>
+              <mc:Fallback>
+                <p:oleObj name="Equation" r:id="rId9" imgW="3288960" imgH="482400" progId="Equation.DSMT4">
+                  <p:embed/>
+                  <p:pic>
+                    <p:nvPicPr>
+                      <p:cNvPr id="0" name=""/>
+                      <p:cNvPicPr/>
+                      <p:nvPr/>
+                    </p:nvPicPr>
+                    <p:blipFill>
+                      <a:blip r:embed="rId10"/>
+                      <a:stretch>
+                        <a:fillRect/>
+                      </a:stretch>
+                    </p:blipFill>
+                    <p:spPr>
+                      <a:xfrm>
+                        <a:off x="6096000" y="2836267"/>
+                        <a:ext cx="5921188" cy="868042"/>
+                      </a:xfrm>
+                      <a:prstGeom prst="rect">
+                        <a:avLst/>
+                      </a:prstGeom>
+                    </p:spPr>
+                  </p:pic>
+                </p:oleObj>
+              </mc:Fallback>
+            </mc:AlternateContent>
+          </a:graphicData>
+        </a:graphic>
+      </p:graphicFrame>
+      <p:graphicFrame>
+        <p:nvGraphicFramePr>
+          <p:cNvPr id="12" name="Object 11">
+            <a:extLst>
+              <a:ext uri="{FF2B5EF4-FFF2-40B4-BE49-F238E27FC236}">
+                <a16:creationId xmlns:a16="http://schemas.microsoft.com/office/drawing/2014/main" id="{552FBFEB-2E41-6402-2B8F-218CE547019C}"/>
+              </a:ext>
+            </a:extLst>
+          </p:cNvPr>
+          <p:cNvGraphicFramePr>
+            <a:graphicFrameLocks noChangeAspect="1"/>
+          </p:cNvGraphicFramePr>
+          <p:nvPr>
+            <p:extLst>
+              <p:ext uri="{D42A27DB-BD31-4B8C-83A1-F6EECF244321}">
+                <p14:modId xmlns:p14="http://schemas.microsoft.com/office/powerpoint/2010/main" val="4075559613"/>
+              </p:ext>
+            </p:extLst>
+          </p:nvPr>
+        </p:nvGraphicFramePr>
+        <p:xfrm>
+          <a:off x="7872319" y="4107181"/>
+          <a:ext cx="2348077" cy="868043"/>
+        </p:xfrm>
+        <a:graphic>
+          <a:graphicData uri="http://schemas.openxmlformats.org/presentationml/2006/ole">
+            <mc:AlternateContent xmlns:mc="http://schemas.openxmlformats.org/markup-compatibility/2006">
+              <mc:Choice xmlns:v="urn:schemas-microsoft-com:vml" Requires="v">
+                <p:oleObj name="Equation" r:id="rId11" imgW="1168200" imgH="431640" progId="Equation.DSMT4">
+                  <p:embed/>
+                </p:oleObj>
+              </mc:Choice>
+              <mc:Fallback>
+                <p:oleObj name="Equation" r:id="rId11" imgW="1168200" imgH="431640" progId="Equation.DSMT4">
+                  <p:embed/>
+                  <p:pic>
+                    <p:nvPicPr>
+                      <p:cNvPr id="0" name=""/>
+                      <p:cNvPicPr/>
+                      <p:nvPr/>
+                    </p:nvPicPr>
+                    <p:blipFill>
+                      <a:blip r:embed="rId12"/>
+                      <a:stretch>
+                        <a:fillRect/>
+                      </a:stretch>
+                    </p:blipFill>
+                    <p:spPr>
+                      <a:xfrm>
+                        <a:off x="7872319" y="4107181"/>
+                        <a:ext cx="2348077" cy="868043"/>
+                      </a:xfrm>
+                      <a:prstGeom prst="rect">
+                        <a:avLst/>
+                      </a:prstGeom>
+                    </p:spPr>
+                  </p:pic>
+                </p:oleObj>
+              </mc:Fallback>
+            </mc:AlternateContent>
+          </a:graphicData>
+        </a:graphic>
+      </p:graphicFrame>
+      <p:sp>
+        <p:nvSpPr>
+          <p:cNvPr id="13" name="TextBox 12">
+            <a:extLst>
+              <a:ext uri="{FF2B5EF4-FFF2-40B4-BE49-F238E27FC236}">
+                <a16:creationId xmlns:a16="http://schemas.microsoft.com/office/drawing/2014/main" id="{1BE2634A-4B3B-1F31-6269-FCA32292EDF4}"/>
+              </a:ext>
+            </a:extLst>
+          </p:cNvPr>
+          <p:cNvSpPr txBox="1"/>
+          <p:nvPr/>
+        </p:nvSpPr>
+        <p:spPr>
+          <a:xfrm>
+            <a:off x="7590865" y="5445540"/>
+            <a:ext cx="3845859" cy="1200329"/>
+          </a:xfrm>
+          <a:prstGeom prst="rect">
+            <a:avLst/>
+          </a:prstGeom>
+          <a:noFill/>
+        </p:spPr>
+        <p:txBody>
+          <a:bodyPr wrap="square" rtlCol="1">
+            <a:spAutoFit/>
+          </a:bodyPr>
+          <a:lstStyle/>
+          <a:p>
+            <a:r>
+              <a:rPr lang="en-US" dirty="0"/>
+              <a:t>The normalized binomial is nearly perfectly approximated by a Beta distribution. This is demonstrated in the notebook</a:t>
+            </a:r>
+            <a:endParaRPr lang="he-IL" dirty="0"/>
+          </a:p>
+        </p:txBody>
+      </p:sp>
+    </p:spTree>
+    <p:extLst>
+      <p:ext uri="{BB962C8B-B14F-4D97-AF65-F5344CB8AC3E}">
+        <p14:creationId xmlns:p14="http://schemas.microsoft.com/office/powerpoint/2010/main" val="2341731492"/>
+      </p:ext>
+    </p:extLst>
+  </p:cSld>
+  <p:clrMapOvr>
+    <a:masterClrMapping/>
+  </p:clrMapOvr>
+</p:sld>
+</file>
+
+<file path=ppt/slides/slide26.xml><?xml version="1.0" encoding="utf-8"?>
+<p:sld xmlns:a="http://schemas.openxmlformats.org/drawingml/2006/main" xmlns:r="http://schemas.openxmlformats.org/officeDocument/2006/relationships" xmlns:p="http://schemas.openxmlformats.org/presentationml/2006/main">
+  <p:cSld>
+    <p:spTree>
+      <p:nvGrpSpPr>
+        <p:cNvPr id="1" name="">
+          <a:extLst>
+            <a:ext uri="{FF2B5EF4-FFF2-40B4-BE49-F238E27FC236}">
+              <a16:creationId xmlns:a16="http://schemas.microsoft.com/office/drawing/2014/main" id="{F3602649-12D7-4AE4-1769-3935BC5F6D33}"/>
+            </a:ext>
+          </a:extLst>
+        </p:cNvPr>
+        <p:cNvGrpSpPr/>
+        <p:nvPr/>
+      </p:nvGrpSpPr>
+      <p:grpSpPr>
+        <a:xfrm>
+          <a:off x="0" y="0"/>
+          <a:ext cx="0" cy="0"/>
+          <a:chOff x="0" y="0"/>
+          <a:chExt cx="0" cy="0"/>
+        </a:xfrm>
+      </p:grpSpPr>
+      <p:sp>
+        <p:nvSpPr>
+          <p:cNvPr id="2" name="Title 1">
+            <a:extLst>
+              <a:ext uri="{FF2B5EF4-FFF2-40B4-BE49-F238E27FC236}">
+                <a16:creationId xmlns:a16="http://schemas.microsoft.com/office/drawing/2014/main" id="{B6AF566F-3C5F-443D-53BB-4483E3D495E3}"/>
+              </a:ext>
+            </a:extLst>
+          </p:cNvPr>
+          <p:cNvSpPr>
+            <a:spLocks noGrp="1"/>
+          </p:cNvSpPr>
+          <p:nvPr>
+            <p:ph type="title"/>
+          </p:nvPr>
+        </p:nvSpPr>
+        <p:spPr/>
+        <p:txBody>
+          <a:bodyPr>
+            <a:normAutofit/>
+          </a:bodyPr>
+          <a:lstStyle/>
+          <a:p>
+            <a:r>
+              <a:rPr lang="en-US" sz="4000" dirty="0"/>
+              <a:t>Compare empirical and theoretical distribution</a:t>
+            </a:r>
+            <a:endParaRPr lang="he-IL" sz="4000" dirty="0"/>
+          </a:p>
+        </p:txBody>
+      </p:sp>
+      <p:sp>
+        <p:nvSpPr>
+          <p:cNvPr id="3" name="Content Placeholder 2">
+            <a:extLst>
+              <a:ext uri="{FF2B5EF4-FFF2-40B4-BE49-F238E27FC236}">
+                <a16:creationId xmlns:a16="http://schemas.microsoft.com/office/drawing/2014/main" id="{BDCEE303-A659-CCE0-D1DA-FB45EEC83C36}"/>
+              </a:ext>
+            </a:extLst>
+          </p:cNvPr>
+          <p:cNvSpPr>
+            <a:spLocks noGrp="1"/>
+          </p:cNvSpPr>
+          <p:nvPr>
+            <p:ph idx="1"/>
+          </p:nvPr>
+        </p:nvSpPr>
+        <p:spPr>
+          <a:xfrm>
+            <a:off x="838200" y="1690688"/>
+            <a:ext cx="10515600" cy="906462"/>
+          </a:xfrm>
+        </p:spPr>
+        <p:txBody>
+          <a:bodyPr>
+            <a:normAutofit/>
+          </a:bodyPr>
+          <a:lstStyle/>
+          <a:p>
+            <a:r>
+              <a:rPr lang="en-US" dirty="0"/>
+              <a:t>Our bike rental data is not fit well by the model</a:t>
+            </a:r>
+          </a:p>
+        </p:txBody>
+      </p:sp>
+      <p:graphicFrame>
+        <p:nvGraphicFramePr>
+          <p:cNvPr id="10" name="Object 9">
+            <a:extLst>
+              <a:ext uri="{FF2B5EF4-FFF2-40B4-BE49-F238E27FC236}">
+                <a16:creationId xmlns:a16="http://schemas.microsoft.com/office/drawing/2014/main" id="{97153BC6-4819-B768-7EF9-5DFD7CEB6D73}"/>
+              </a:ext>
+            </a:extLst>
+          </p:cNvPr>
+          <p:cNvGraphicFramePr>
+            <a:graphicFrameLocks noChangeAspect="1"/>
+          </p:cNvGraphicFramePr>
+          <p:nvPr>
+            <p:extLst>
+              <p:ext uri="{D42A27DB-BD31-4B8C-83A1-F6EECF244321}">
+                <p14:modId xmlns:p14="http://schemas.microsoft.com/office/powerpoint/2010/main" val="1965579874"/>
+              </p:ext>
+            </p:extLst>
+          </p:nvPr>
+        </p:nvGraphicFramePr>
+        <p:xfrm>
+          <a:off x="1313516" y="3805800"/>
+          <a:ext cx="2879725" cy="906462"/>
+        </p:xfrm>
+        <a:graphic>
+          <a:graphicData uri="http://schemas.openxmlformats.org/presentationml/2006/ole">
+            <mc:AlternateContent xmlns:mc="http://schemas.openxmlformats.org/markup-compatibility/2006">
+              <mc:Choice xmlns:v="urn:schemas-microsoft-com:vml" Requires="v">
+                <p:oleObj name="Equation" r:id="rId2" imgW="1371600" imgH="431640" progId="Equation.DSMT4">
+                  <p:embed/>
+                </p:oleObj>
+              </mc:Choice>
+              <mc:Fallback>
+                <p:oleObj name="Equation" r:id="rId2" imgW="1371600" imgH="431640" progId="Equation.DSMT4">
+                  <p:embed/>
+                  <p:pic>
+                    <p:nvPicPr>
+                      <p:cNvPr id="10" name="Object 9">
+                        <a:extLst>
+                          <a:ext uri="{FF2B5EF4-FFF2-40B4-BE49-F238E27FC236}">
+                            <a16:creationId xmlns:a16="http://schemas.microsoft.com/office/drawing/2014/main" id="{BB89BACF-7E29-FE40-FEF7-72A66768F697}"/>
+                          </a:ext>
+                        </a:extLst>
+                      </p:cNvPr>
+                      <p:cNvPicPr/>
+                      <p:nvPr/>
+                    </p:nvPicPr>
+                    <p:blipFill>
+                      <a:blip r:embed="rId3"/>
+                      <a:stretch>
+                        <a:fillRect/>
+                      </a:stretch>
+                    </p:blipFill>
+                    <p:spPr>
+                      <a:xfrm>
+                        <a:off x="1313516" y="3805800"/>
+                        <a:ext cx="2879725" cy="906462"/>
+                      </a:xfrm>
+                      <a:prstGeom prst="rect">
+                        <a:avLst/>
+                      </a:prstGeom>
+                    </p:spPr>
+                  </p:pic>
+                </p:oleObj>
+              </mc:Fallback>
+            </mc:AlternateContent>
+          </a:graphicData>
+        </a:graphic>
+      </p:graphicFrame>
+      <p:sp>
+        <p:nvSpPr>
+          <p:cNvPr id="4" name="TextBox 3">
+            <a:extLst>
+              <a:ext uri="{FF2B5EF4-FFF2-40B4-BE49-F238E27FC236}">
+                <a16:creationId xmlns:a16="http://schemas.microsoft.com/office/drawing/2014/main" id="{B1EE4D7C-C6E5-411C-1FC4-3F85A72EAFB9}"/>
+              </a:ext>
+            </a:extLst>
+          </p:cNvPr>
+          <p:cNvSpPr txBox="1"/>
+          <p:nvPr/>
+        </p:nvSpPr>
+        <p:spPr>
+          <a:xfrm>
+            <a:off x="838200" y="3260912"/>
+            <a:ext cx="2911374" cy="461665"/>
+          </a:xfrm>
+          <a:prstGeom prst="rect">
+            <a:avLst/>
+          </a:prstGeom>
+          <a:noFill/>
+        </p:spPr>
+        <p:txBody>
+          <a:bodyPr wrap="none" rtlCol="1">
+            <a:spAutoFit/>
+          </a:bodyPr>
+          <a:lstStyle/>
+          <a:p>
+            <a:r>
+              <a:rPr lang="en-US" sz="2400" dirty="0"/>
+              <a:t>Under the true model</a:t>
+            </a:r>
+            <a:endParaRPr lang="he-IL" sz="2400" dirty="0"/>
+          </a:p>
+        </p:txBody>
+      </p:sp>
+      <p:pic>
+        <p:nvPicPr>
+          <p:cNvPr id="5" name="Picture 4">
+            <a:extLst>
+              <a:ext uri="{FF2B5EF4-FFF2-40B4-BE49-F238E27FC236}">
+                <a16:creationId xmlns:a16="http://schemas.microsoft.com/office/drawing/2014/main" id="{80182E6B-18B9-6FC7-1DB9-C9DB272852AC}"/>
+              </a:ext>
+            </a:extLst>
+          </p:cNvPr>
+          <p:cNvPicPr>
+            <a:picLocks noChangeAspect="1"/>
+          </p:cNvPicPr>
+          <p:nvPr/>
+        </p:nvPicPr>
+        <p:blipFill>
+          <a:blip r:embed="rId4"/>
+          <a:stretch>
+            <a:fillRect/>
+          </a:stretch>
+        </p:blipFill>
+        <p:spPr>
+          <a:xfrm>
+            <a:off x="5977218" y="2798533"/>
+            <a:ext cx="5717857" cy="3779600"/>
+          </a:xfrm>
+          <a:prstGeom prst="rect">
+            <a:avLst/>
+          </a:prstGeom>
+        </p:spPr>
+      </p:pic>
+    </p:spTree>
+    <p:extLst>
+      <p:ext uri="{BB962C8B-B14F-4D97-AF65-F5344CB8AC3E}">
+        <p14:creationId xmlns:p14="http://schemas.microsoft.com/office/powerpoint/2010/main" val="614736856"/>
+      </p:ext>
+    </p:extLst>
+  </p:cSld>
+  <p:clrMapOvr>
+    <a:masterClrMapping/>
+  </p:clrMapOvr>
+</p:sld>
+</file>
+
+<file path=ppt/slides/slide27.xml><?xml version="1.0" encoding="utf-8"?>
+<p:sld xmlns:a="http://schemas.openxmlformats.org/drawingml/2006/main" xmlns:r="http://schemas.openxmlformats.org/officeDocument/2006/relationships" xmlns:p="http://schemas.openxmlformats.org/presentationml/2006/main">
+  <p:cSld>
+    <p:spTree>
+      <p:nvGrpSpPr>
+        <p:cNvPr id="1" name=""/>
+        <p:cNvGrpSpPr/>
+        <p:nvPr/>
+      </p:nvGrpSpPr>
+      <p:grpSpPr>
+        <a:xfrm>
+          <a:off x="0" y="0"/>
+          <a:ext cx="0" cy="0"/>
+          <a:chOff x="0" y="0"/>
+          <a:chExt cx="0" cy="0"/>
+        </a:xfrm>
+      </p:grpSpPr>
+      <p:sp>
+        <p:nvSpPr>
+          <p:cNvPr id="2" name="Title 1">
+            <a:extLst>
+              <a:ext uri="{FF2B5EF4-FFF2-40B4-BE49-F238E27FC236}">
+                <a16:creationId xmlns:a16="http://schemas.microsoft.com/office/drawing/2014/main" id="{1B6AD61C-6E97-22FD-85BF-6550F8D4F112}"/>
+              </a:ext>
+            </a:extLst>
+          </p:cNvPr>
+          <p:cNvSpPr>
+            <a:spLocks noGrp="1"/>
+          </p:cNvSpPr>
+          <p:nvPr>
+            <p:ph type="title"/>
+          </p:nvPr>
+        </p:nvSpPr>
+        <p:spPr/>
+        <p:txBody>
+          <a:bodyPr>
+            <a:normAutofit/>
+          </a:bodyPr>
+          <a:lstStyle/>
+          <a:p>
+            <a:r>
+              <a:rPr lang="en-US" sz="4000" dirty="0" err="1"/>
+              <a:t>Arviz</a:t>
+            </a:r>
+            <a:r>
+              <a:rPr lang="en-US" sz="4000" dirty="0"/>
+              <a:t> generates a smoothed version of this plot</a:t>
+            </a:r>
+            <a:endParaRPr lang="he-IL" sz="4000" dirty="0"/>
+          </a:p>
+        </p:txBody>
+      </p:sp>
+      <p:pic>
+        <p:nvPicPr>
+          <p:cNvPr id="4" name="Picture 3">
+            <a:extLst>
+              <a:ext uri="{FF2B5EF4-FFF2-40B4-BE49-F238E27FC236}">
+                <a16:creationId xmlns:a16="http://schemas.microsoft.com/office/drawing/2014/main" id="{33DDE982-417A-3ECB-EC01-D61D87FD67E5}"/>
+              </a:ext>
+            </a:extLst>
+          </p:cNvPr>
+          <p:cNvPicPr>
+            <a:picLocks noChangeAspect="1"/>
+          </p:cNvPicPr>
+          <p:nvPr/>
+        </p:nvPicPr>
+        <p:blipFill>
+          <a:blip r:embed="rId2"/>
+          <a:stretch>
+            <a:fillRect/>
+          </a:stretch>
+        </p:blipFill>
+        <p:spPr>
+          <a:xfrm>
+            <a:off x="6688815" y="1690688"/>
+            <a:ext cx="4853828" cy="4107568"/>
+          </a:xfrm>
+          <a:prstGeom prst="rect">
+            <a:avLst/>
+          </a:prstGeom>
+        </p:spPr>
+      </p:pic>
+      <p:sp>
+        <p:nvSpPr>
+          <p:cNvPr id="6" name="TextBox 5">
+            <a:extLst>
+              <a:ext uri="{FF2B5EF4-FFF2-40B4-BE49-F238E27FC236}">
+                <a16:creationId xmlns:a16="http://schemas.microsoft.com/office/drawing/2014/main" id="{81AB5AD4-BEE2-3497-8C9E-ED35F8B3F2A4}"/>
+              </a:ext>
+            </a:extLst>
+          </p:cNvPr>
+          <p:cNvSpPr txBox="1"/>
+          <p:nvPr/>
+        </p:nvSpPr>
+        <p:spPr>
+          <a:xfrm>
+            <a:off x="901148" y="2729891"/>
+            <a:ext cx="6096000" cy="286360"/>
+          </a:xfrm>
+          <a:prstGeom prst="rect">
+            <a:avLst/>
+          </a:prstGeom>
+          <a:noFill/>
+        </p:spPr>
+        <p:txBody>
+          <a:bodyPr wrap="square">
+            <a:spAutoFit/>
+          </a:bodyPr>
+          <a:lstStyle/>
+          <a:p>
+            <a:pPr>
+              <a:lnSpc>
+                <a:spcPts val="1425"/>
+              </a:lnSpc>
+            </a:pPr>
+            <a:r>
+              <a:rPr lang="en-US" b="1" dirty="0" err="1">
+                <a:solidFill>
+                  <a:srgbClr val="7A3E9D"/>
+                </a:solidFill>
+                <a:effectLst/>
+                <a:latin typeface="Consolas" panose="020B0609020204030204" pitchFamily="49" charset="0"/>
+              </a:rPr>
+              <a:t>az</a:t>
+            </a:r>
+            <a:r>
+              <a:rPr lang="en-US" b="0" dirty="0" err="1">
+                <a:solidFill>
+                  <a:srgbClr val="777777"/>
+                </a:solidFill>
+                <a:effectLst/>
+                <a:latin typeface="Consolas" panose="020B0609020204030204" pitchFamily="49" charset="0"/>
+              </a:rPr>
+              <a:t>.</a:t>
+            </a:r>
+            <a:r>
+              <a:rPr lang="en-US" b="1" dirty="0" err="1">
+                <a:solidFill>
+                  <a:srgbClr val="AA3731"/>
+                </a:solidFill>
+                <a:effectLst/>
+                <a:latin typeface="Consolas" panose="020B0609020204030204" pitchFamily="49" charset="0"/>
+              </a:rPr>
+              <a:t>plot_bpv</a:t>
+            </a:r>
+            <a:r>
+              <a:rPr lang="en-US" b="0" dirty="0">
+                <a:solidFill>
+                  <a:srgbClr val="777777"/>
+                </a:solidFill>
+                <a:effectLst/>
+                <a:latin typeface="Consolas" panose="020B0609020204030204" pitchFamily="49" charset="0"/>
+              </a:rPr>
+              <a:t>(</a:t>
+            </a:r>
+            <a:r>
+              <a:rPr lang="en-US" b="0" dirty="0" err="1">
+                <a:solidFill>
+                  <a:srgbClr val="7A3E9D"/>
+                </a:solidFill>
+                <a:effectLst/>
+                <a:latin typeface="Consolas" panose="020B0609020204030204" pitchFamily="49" charset="0"/>
+              </a:rPr>
+              <a:t>idata_lb</a:t>
+            </a:r>
+            <a:r>
+              <a:rPr lang="en-US" b="0" dirty="0">
+                <a:solidFill>
+                  <a:srgbClr val="777777"/>
+                </a:solidFill>
+                <a:effectLst/>
+                <a:latin typeface="Consolas" panose="020B0609020204030204" pitchFamily="49" charset="0"/>
+              </a:rPr>
+              <a:t>,</a:t>
+            </a:r>
+            <a:r>
+              <a:rPr lang="en-US" b="0" dirty="0">
+                <a:solidFill>
+                  <a:srgbClr val="333333"/>
+                </a:solidFill>
+                <a:effectLst/>
+                <a:latin typeface="Consolas" panose="020B0609020204030204" pitchFamily="49" charset="0"/>
+              </a:rPr>
+              <a:t> </a:t>
+            </a:r>
+            <a:r>
+              <a:rPr lang="en-US" b="0" dirty="0">
+                <a:solidFill>
+                  <a:srgbClr val="7A3E9D"/>
+                </a:solidFill>
+                <a:effectLst/>
+                <a:latin typeface="Consolas" panose="020B0609020204030204" pitchFamily="49" charset="0"/>
+              </a:rPr>
+              <a:t>kind</a:t>
+            </a:r>
+            <a:r>
+              <a:rPr lang="en-US" b="0" dirty="0">
+                <a:solidFill>
+                  <a:srgbClr val="777777"/>
+                </a:solidFill>
+                <a:effectLst/>
+                <a:latin typeface="Consolas" panose="020B0609020204030204" pitchFamily="49" charset="0"/>
+              </a:rPr>
+              <a:t>="</a:t>
+            </a:r>
+            <a:r>
+              <a:rPr lang="en-US" b="0" dirty="0" err="1">
+                <a:solidFill>
+                  <a:srgbClr val="448C27"/>
+                </a:solidFill>
+                <a:effectLst/>
+                <a:latin typeface="Consolas" panose="020B0609020204030204" pitchFamily="49" charset="0"/>
+              </a:rPr>
+              <a:t>p_value</a:t>
+            </a:r>
+            <a:r>
+              <a:rPr lang="en-US" b="0" dirty="0">
+                <a:solidFill>
+                  <a:srgbClr val="777777"/>
+                </a:solidFill>
+                <a:effectLst/>
+                <a:latin typeface="Consolas" panose="020B0609020204030204" pitchFamily="49" charset="0"/>
+              </a:rPr>
+              <a:t>")</a:t>
+            </a:r>
+            <a:endParaRPr lang="en-US" b="0" dirty="0">
+              <a:solidFill>
+                <a:srgbClr val="333333"/>
+              </a:solidFill>
+              <a:effectLst/>
+              <a:latin typeface="Consolas" panose="020B0609020204030204" pitchFamily="49" charset="0"/>
+            </a:endParaRPr>
+          </a:p>
+        </p:txBody>
+      </p:sp>
+    </p:spTree>
+    <p:extLst>
+      <p:ext uri="{BB962C8B-B14F-4D97-AF65-F5344CB8AC3E}">
+        <p14:creationId xmlns:p14="http://schemas.microsoft.com/office/powerpoint/2010/main" val="2483510139"/>
+      </p:ext>
+    </p:extLst>
+  </p:cSld>
+  <p:clrMapOvr>
+    <a:masterClrMapping/>
+  </p:clrMapOvr>
+</p:sld>
+</file>
+
+<file path=ppt/slides/slide28.xml><?xml version="1.0" encoding="utf-8"?>
+<p:sld xmlns:a="http://schemas.openxmlformats.org/drawingml/2006/main" xmlns:r="http://schemas.openxmlformats.org/officeDocument/2006/relationships" xmlns:p="http://schemas.openxmlformats.org/presentationml/2006/main">
+  <p:cSld>
+    <p:spTree>
+      <p:nvGrpSpPr>
+        <p:cNvPr id="1" name="">
+          <a:extLst>
+            <a:ext uri="{FF2B5EF4-FFF2-40B4-BE49-F238E27FC236}">
+              <a16:creationId xmlns:a16="http://schemas.microsoft.com/office/drawing/2014/main" id="{4FE729C4-5921-711B-9711-2B77D2E5CB25}"/>
+            </a:ext>
+          </a:extLst>
+        </p:cNvPr>
+        <p:cNvGrpSpPr/>
+        <p:nvPr/>
+      </p:nvGrpSpPr>
+      <p:grpSpPr>
+        <a:xfrm>
+          <a:off x="0" y="0"/>
+          <a:ext cx="0" cy="0"/>
+          <a:chOff x="0" y="0"/>
+          <a:chExt cx="0" cy="0"/>
+        </a:xfrm>
+      </p:grpSpPr>
+      <p:sp>
+        <p:nvSpPr>
+          <p:cNvPr id="2" name="Title 1">
+            <a:extLst>
+              <a:ext uri="{FF2B5EF4-FFF2-40B4-BE49-F238E27FC236}">
+                <a16:creationId xmlns:a16="http://schemas.microsoft.com/office/drawing/2014/main" id="{7D2B9C68-D1A0-0836-1E44-3678F19A72C9}"/>
+              </a:ext>
+            </a:extLst>
+          </p:cNvPr>
+          <p:cNvSpPr>
+            <a:spLocks noGrp="1"/>
+          </p:cNvSpPr>
+          <p:nvPr>
+            <p:ph type="title"/>
+          </p:nvPr>
+        </p:nvSpPr>
+        <p:spPr/>
+        <p:txBody>
+          <a:bodyPr/>
+          <a:lstStyle/>
+          <a:p>
+            <a:r>
+              <a:rPr lang="en-US" dirty="0"/>
+              <a:t>Comparing statistics</a:t>
+            </a:r>
+            <a:endParaRPr lang="he-IL" dirty="0"/>
+          </a:p>
+        </p:txBody>
+      </p:sp>
+      <p:sp>
+        <p:nvSpPr>
+          <p:cNvPr id="3" name="Content Placeholder 2">
+            <a:extLst>
+              <a:ext uri="{FF2B5EF4-FFF2-40B4-BE49-F238E27FC236}">
+                <a16:creationId xmlns:a16="http://schemas.microsoft.com/office/drawing/2014/main" id="{9C06BEE3-DCC7-D3E8-BE18-DECB093DDB85}"/>
+              </a:ext>
+            </a:extLst>
+          </p:cNvPr>
+          <p:cNvSpPr>
+            <a:spLocks noGrp="1"/>
+          </p:cNvSpPr>
+          <p:nvPr>
+            <p:ph idx="1"/>
+          </p:nvPr>
+        </p:nvSpPr>
+        <p:spPr>
+          <a:xfrm>
+            <a:off x="838200" y="1825625"/>
+            <a:ext cx="7954617" cy="1825349"/>
+          </a:xfrm>
+        </p:spPr>
+        <p:txBody>
+          <a:bodyPr>
+            <a:normAutofit lnSpcReduction="10000"/>
+          </a:bodyPr>
+          <a:lstStyle/>
+          <a:p>
+            <a:r>
+              <a:rPr lang="en-US" dirty="0"/>
+              <a:t>Instead of comparing value by value, compare a statistic that matters</a:t>
+            </a:r>
+          </a:p>
+          <a:p>
+            <a:pPr lvl="1"/>
+            <a:r>
+              <a:rPr lang="en-US" dirty="0"/>
+              <a:t>Calculate a “statistic” from each posterior predictive dataset</a:t>
+            </a:r>
+          </a:p>
+          <a:p>
+            <a:pPr lvl="1"/>
+            <a:r>
+              <a:rPr lang="en-US" dirty="0"/>
+              <a:t>Compare with statistic from observed dataset</a:t>
+            </a:r>
+          </a:p>
+        </p:txBody>
+      </p:sp>
+      <p:graphicFrame>
+        <p:nvGraphicFramePr>
+          <p:cNvPr id="4" name="Object 3">
+            <a:extLst>
+              <a:ext uri="{FF2B5EF4-FFF2-40B4-BE49-F238E27FC236}">
+                <a16:creationId xmlns:a16="http://schemas.microsoft.com/office/drawing/2014/main" id="{08B9D44D-A045-6850-5EC9-5E1A649EDDBE}"/>
+              </a:ext>
+            </a:extLst>
+          </p:cNvPr>
+          <p:cNvGraphicFramePr>
+            <a:graphicFrameLocks noChangeAspect="1"/>
+          </p:cNvGraphicFramePr>
+          <p:nvPr>
+            <p:extLst>
+              <p:ext uri="{D42A27DB-BD31-4B8C-83A1-F6EECF244321}">
+                <p14:modId xmlns:p14="http://schemas.microsoft.com/office/powerpoint/2010/main" val="1227596584"/>
+              </p:ext>
+            </p:extLst>
+          </p:nvPr>
+        </p:nvGraphicFramePr>
+        <p:xfrm>
+          <a:off x="2301773" y="5788782"/>
+          <a:ext cx="2398713" cy="652462"/>
+        </p:xfrm>
+        <a:graphic>
+          <a:graphicData uri="http://schemas.openxmlformats.org/presentationml/2006/ole">
+            <mc:AlternateContent xmlns:mc="http://schemas.openxmlformats.org/markup-compatibility/2006">
+              <mc:Choice xmlns:v="urn:schemas-microsoft-com:vml" Requires="v">
+                <p:oleObj name="Equation" r:id="rId2" imgW="1117440" imgH="304560" progId="Equation.DSMT4">
+                  <p:embed/>
+                </p:oleObj>
+              </mc:Choice>
+              <mc:Fallback>
+                <p:oleObj name="Equation" r:id="rId2" imgW="1117440" imgH="304560" progId="Equation.DSMT4">
+                  <p:embed/>
+                  <p:pic>
+                    <p:nvPicPr>
+                      <p:cNvPr id="4" name="Object 3">
+                        <a:extLst>
+                          <a:ext uri="{FF2B5EF4-FFF2-40B4-BE49-F238E27FC236}">
+                            <a16:creationId xmlns:a16="http://schemas.microsoft.com/office/drawing/2014/main" id="{7F4D7DBF-4142-10C8-275D-7AB760D733D7}"/>
+                          </a:ext>
+                        </a:extLst>
+                      </p:cNvPr>
+                      <p:cNvPicPr/>
+                      <p:nvPr/>
+                    </p:nvPicPr>
+                    <p:blipFill>
+                      <a:blip r:embed="rId3"/>
+                      <a:stretch>
+                        <a:fillRect/>
+                      </a:stretch>
+                    </p:blipFill>
+                    <p:spPr>
+                      <a:xfrm>
+                        <a:off x="2301773" y="5788782"/>
+                        <a:ext cx="2398713" cy="652462"/>
+                      </a:xfrm>
+                      <a:prstGeom prst="rect">
+                        <a:avLst/>
+                      </a:prstGeom>
+                    </p:spPr>
+                  </p:pic>
+                </p:oleObj>
+              </mc:Fallback>
+            </mc:AlternateContent>
+          </a:graphicData>
+        </a:graphic>
+      </p:graphicFrame>
+      <p:graphicFrame>
+        <p:nvGraphicFramePr>
+          <p:cNvPr id="6" name="Object 5">
+            <a:extLst>
+              <a:ext uri="{FF2B5EF4-FFF2-40B4-BE49-F238E27FC236}">
+                <a16:creationId xmlns:a16="http://schemas.microsoft.com/office/drawing/2014/main" id="{1E11361B-43FC-2016-D03B-2622E56CD72D}"/>
+              </a:ext>
+            </a:extLst>
+          </p:cNvPr>
+          <p:cNvGraphicFramePr>
+            <a:graphicFrameLocks noChangeAspect="1"/>
+          </p:cNvGraphicFramePr>
+          <p:nvPr>
+            <p:extLst>
+              <p:ext uri="{D42A27DB-BD31-4B8C-83A1-F6EECF244321}">
+                <p14:modId xmlns:p14="http://schemas.microsoft.com/office/powerpoint/2010/main" val="3313118042"/>
+              </p:ext>
+            </p:extLst>
+          </p:nvPr>
+        </p:nvGraphicFramePr>
+        <p:xfrm>
+          <a:off x="838200" y="4110591"/>
+          <a:ext cx="1920942" cy="640314"/>
+        </p:xfrm>
+        <a:graphic>
+          <a:graphicData uri="http://schemas.openxmlformats.org/presentationml/2006/ole">
+            <mc:AlternateContent xmlns:mc="http://schemas.openxmlformats.org/markup-compatibility/2006">
+              <mc:Choice xmlns:v="urn:schemas-microsoft-com:vml" Requires="v">
+                <p:oleObj name="Equation" r:id="rId4" imgW="914400" imgH="304560" progId="Equation.DSMT4">
+                  <p:embed/>
+                </p:oleObj>
+              </mc:Choice>
+              <mc:Fallback>
+                <p:oleObj name="Equation" r:id="rId4" imgW="914400" imgH="304560" progId="Equation.DSMT4">
+                  <p:embed/>
+                  <p:pic>
+                    <p:nvPicPr>
+                      <p:cNvPr id="6" name="Object 5">
+                        <a:extLst>
+                          <a:ext uri="{FF2B5EF4-FFF2-40B4-BE49-F238E27FC236}">
+                            <a16:creationId xmlns:a16="http://schemas.microsoft.com/office/drawing/2014/main" id="{46AD9EF3-E0B7-E80F-3FCC-867EE1B4EAE1}"/>
+                          </a:ext>
+                        </a:extLst>
+                      </p:cNvPr>
+                      <p:cNvPicPr/>
+                      <p:nvPr/>
+                    </p:nvPicPr>
+                    <p:blipFill>
+                      <a:blip r:embed="rId5"/>
+                      <a:stretch>
+                        <a:fillRect/>
+                      </a:stretch>
+                    </p:blipFill>
+                    <p:spPr>
+                      <a:xfrm>
+                        <a:off x="838200" y="4110591"/>
+                        <a:ext cx="1920942" cy="640314"/>
+                      </a:xfrm>
+                      <a:prstGeom prst="rect">
+                        <a:avLst/>
+                      </a:prstGeom>
+                    </p:spPr>
+                  </p:pic>
+                </p:oleObj>
+              </mc:Fallback>
+            </mc:AlternateContent>
+          </a:graphicData>
+        </a:graphic>
+      </p:graphicFrame>
+      <p:graphicFrame>
+        <p:nvGraphicFramePr>
+          <p:cNvPr id="7" name="Object 6">
+            <a:extLst>
+              <a:ext uri="{FF2B5EF4-FFF2-40B4-BE49-F238E27FC236}">
+                <a16:creationId xmlns:a16="http://schemas.microsoft.com/office/drawing/2014/main" id="{BAC2471C-A4AD-71CD-6522-F2CE3529F817}"/>
+              </a:ext>
+            </a:extLst>
+          </p:cNvPr>
+          <p:cNvGraphicFramePr>
+            <a:graphicFrameLocks noChangeAspect="1"/>
+          </p:cNvGraphicFramePr>
+          <p:nvPr>
+            <p:extLst>
+              <p:ext uri="{D42A27DB-BD31-4B8C-83A1-F6EECF244321}">
+                <p14:modId xmlns:p14="http://schemas.microsoft.com/office/powerpoint/2010/main" val="2199424408"/>
+              </p:ext>
+            </p:extLst>
+          </p:nvPr>
+        </p:nvGraphicFramePr>
+        <p:xfrm>
+          <a:off x="838200" y="4949687"/>
+          <a:ext cx="1463573" cy="640313"/>
+        </p:xfrm>
+        <a:graphic>
+          <a:graphicData uri="http://schemas.openxmlformats.org/presentationml/2006/ole">
+            <mc:AlternateContent xmlns:mc="http://schemas.openxmlformats.org/markup-compatibility/2006">
+              <mc:Choice xmlns:v="urn:schemas-microsoft-com:vml" Requires="v">
+                <p:oleObj name="Equation" r:id="rId6" imgW="609480" imgH="266400" progId="Equation.DSMT4">
+                  <p:embed/>
+                </p:oleObj>
+              </mc:Choice>
+              <mc:Fallback>
+                <p:oleObj name="Equation" r:id="rId6" imgW="609480" imgH="266400" progId="Equation.DSMT4">
+                  <p:embed/>
+                  <p:pic>
+                    <p:nvPicPr>
+                      <p:cNvPr id="7" name="Object 6">
+                        <a:extLst>
+                          <a:ext uri="{FF2B5EF4-FFF2-40B4-BE49-F238E27FC236}">
+                            <a16:creationId xmlns:a16="http://schemas.microsoft.com/office/drawing/2014/main" id="{9FF9D4BD-1C72-8781-1298-9871A4A8B08D}"/>
+                          </a:ext>
+                        </a:extLst>
+                      </p:cNvPr>
+                      <p:cNvPicPr/>
+                      <p:nvPr/>
+                    </p:nvPicPr>
+                    <p:blipFill>
+                      <a:blip r:embed="rId7"/>
+                      <a:stretch>
+                        <a:fillRect/>
+                      </a:stretch>
+                    </p:blipFill>
+                    <p:spPr>
+                      <a:xfrm>
+                        <a:off x="838200" y="4949687"/>
+                        <a:ext cx="1463573" cy="640313"/>
+                      </a:xfrm>
+                      <a:prstGeom prst="rect">
+                        <a:avLst/>
+                      </a:prstGeom>
+                    </p:spPr>
+                  </p:pic>
+                </p:oleObj>
+              </mc:Fallback>
+            </mc:AlternateContent>
+          </a:graphicData>
+        </a:graphic>
+      </p:graphicFrame>
+      <p:graphicFrame>
+        <p:nvGraphicFramePr>
+          <p:cNvPr id="8" name="Object 7">
+            <a:extLst>
+              <a:ext uri="{FF2B5EF4-FFF2-40B4-BE49-F238E27FC236}">
+                <a16:creationId xmlns:a16="http://schemas.microsoft.com/office/drawing/2014/main" id="{EE60D31D-8236-887C-2DE3-5CA8E1A78950}"/>
+              </a:ext>
+            </a:extLst>
+          </p:cNvPr>
+          <p:cNvGraphicFramePr>
+            <a:graphicFrameLocks noChangeAspect="1"/>
+          </p:cNvGraphicFramePr>
+          <p:nvPr>
+            <p:extLst>
+              <p:ext uri="{D42A27DB-BD31-4B8C-83A1-F6EECF244321}">
+                <p14:modId xmlns:p14="http://schemas.microsoft.com/office/powerpoint/2010/main" val="687325478"/>
+              </p:ext>
+            </p:extLst>
+          </p:nvPr>
+        </p:nvGraphicFramePr>
+        <p:xfrm>
+          <a:off x="2841761" y="4121899"/>
+          <a:ext cx="1490248" cy="617697"/>
+        </p:xfrm>
+        <a:graphic>
+          <a:graphicData uri="http://schemas.openxmlformats.org/presentationml/2006/ole">
+            <mc:AlternateContent xmlns:mc="http://schemas.openxmlformats.org/markup-compatibility/2006">
+              <mc:Choice xmlns:v="urn:schemas-microsoft-com:vml" Requires="v">
+                <p:oleObj name="Equation" r:id="rId8" imgW="672840" imgH="279360" progId="Equation.DSMT4">
+                  <p:embed/>
+                </p:oleObj>
+              </mc:Choice>
+              <mc:Fallback>
+                <p:oleObj name="Equation" r:id="rId8" imgW="672840" imgH="279360" progId="Equation.DSMT4">
+                  <p:embed/>
+                  <p:pic>
+                    <p:nvPicPr>
+                      <p:cNvPr id="8" name="Object 7">
+                        <a:extLst>
+                          <a:ext uri="{FF2B5EF4-FFF2-40B4-BE49-F238E27FC236}">
+                            <a16:creationId xmlns:a16="http://schemas.microsoft.com/office/drawing/2014/main" id="{6C5E8BD7-A19F-4814-8EE3-15AD3E9AACEF}"/>
+                          </a:ext>
+                        </a:extLst>
+                      </p:cNvPr>
+                      <p:cNvPicPr/>
+                      <p:nvPr/>
+                    </p:nvPicPr>
+                    <p:blipFill>
+                      <a:blip r:embed="rId9"/>
+                      <a:stretch>
+                        <a:fillRect/>
+                      </a:stretch>
+                    </p:blipFill>
+                    <p:spPr>
+                      <a:xfrm>
+                        <a:off x="2841761" y="4121899"/>
+                        <a:ext cx="1490248" cy="617697"/>
+                      </a:xfrm>
+                      <a:prstGeom prst="rect">
+                        <a:avLst/>
+                      </a:prstGeom>
+                    </p:spPr>
+                  </p:pic>
+                </p:oleObj>
+              </mc:Fallback>
+            </mc:AlternateContent>
+          </a:graphicData>
+        </a:graphic>
+      </p:graphicFrame>
+      <p:sp>
+        <p:nvSpPr>
+          <p:cNvPr id="9" name="TextBox 8">
+            <a:extLst>
+              <a:ext uri="{FF2B5EF4-FFF2-40B4-BE49-F238E27FC236}">
+                <a16:creationId xmlns:a16="http://schemas.microsoft.com/office/drawing/2014/main" id="{9136BC97-6A87-3292-444D-33D8582847C5}"/>
+              </a:ext>
+            </a:extLst>
+          </p:cNvPr>
+          <p:cNvSpPr txBox="1"/>
+          <p:nvPr/>
+        </p:nvSpPr>
+        <p:spPr>
+          <a:xfrm>
+            <a:off x="8494059" y="2122423"/>
+            <a:ext cx="3697941" cy="2308324"/>
+          </a:xfrm>
+          <a:prstGeom prst="rect">
+            <a:avLst/>
+          </a:prstGeom>
+          <a:noFill/>
+        </p:spPr>
+        <p:txBody>
+          <a:bodyPr wrap="square" rtlCol="1">
+            <a:spAutoFit/>
+          </a:bodyPr>
+          <a:lstStyle/>
+          <a:p>
+            <a:r>
+              <a:rPr lang="en-US" dirty="0"/>
+              <a:t>Statistic:</a:t>
+            </a:r>
+          </a:p>
+          <a:p>
+            <a:pPr marL="285750" indent="-285750">
+              <a:buFontTx/>
+              <a:buChar char="-"/>
+            </a:pPr>
+            <a:r>
+              <a:rPr lang="en-US" dirty="0"/>
+              <a:t>Something we calculate on data</a:t>
+            </a:r>
+          </a:p>
+          <a:p>
+            <a:pPr marL="742950" lvl="1" indent="-285750">
+              <a:buFontTx/>
+              <a:buChar char="-"/>
+            </a:pPr>
+            <a:r>
+              <a:rPr lang="en-US" dirty="0"/>
+              <a:t>Mean</a:t>
+            </a:r>
+          </a:p>
+          <a:p>
+            <a:pPr marL="742950" lvl="1" indent="-285750">
+              <a:buFontTx/>
+              <a:buChar char="-"/>
+            </a:pPr>
+            <a:r>
+              <a:rPr lang="en-US" dirty="0"/>
+              <a:t>Median</a:t>
+            </a:r>
+          </a:p>
+          <a:p>
+            <a:pPr marL="742950" lvl="1" indent="-285750">
+              <a:buFontTx/>
+              <a:buChar char="-"/>
+            </a:pPr>
+            <a:r>
+              <a:rPr lang="en-US" dirty="0"/>
+              <a:t>Percentile</a:t>
+            </a:r>
+          </a:p>
+          <a:p>
+            <a:pPr marL="742950" lvl="1" indent="-285750">
+              <a:buFontTx/>
+              <a:buChar char="-"/>
+            </a:pPr>
+            <a:r>
+              <a:rPr lang="en-US" dirty="0"/>
+              <a:t>Standard deviation</a:t>
+            </a:r>
+          </a:p>
+          <a:p>
+            <a:pPr marL="742950" lvl="1" indent="-285750">
+              <a:buFontTx/>
+              <a:buChar char="-"/>
+            </a:pPr>
+            <a:r>
+              <a:rPr lang="en-US" dirty="0"/>
+              <a:t>Etc.</a:t>
+            </a:r>
+          </a:p>
+          <a:p>
+            <a:pPr marL="742950" lvl="1" indent="-285750">
+              <a:buFontTx/>
+              <a:buChar char="-"/>
+            </a:pPr>
+            <a:endParaRPr lang="en-US" dirty="0"/>
+          </a:p>
+        </p:txBody>
+      </p:sp>
+    </p:spTree>
+    <p:extLst>
+      <p:ext uri="{BB962C8B-B14F-4D97-AF65-F5344CB8AC3E}">
+        <p14:creationId xmlns:p14="http://schemas.microsoft.com/office/powerpoint/2010/main" val="1790129972"/>
+      </p:ext>
+    </p:extLst>
+  </p:cSld>
+  <p:clrMapOvr>
+    <a:masterClrMapping/>
+  </p:clrMapOvr>
+  <p:timing>
+    <p:tnLst>
+      <p:par>
+        <p:cTn id="1" dur="indefinite" restart="never" nodeType="tmRoot">
+          <p:childTnLst>
+            <p:seq concurrent="1" nextAc="seek">
+              <p:cTn id="2" dur="indefinite" nodeType="mainSeq">
+                <p:childTnLst>
+                  <p:par>
+                    <p:cTn id="3" fill="hold">
+                      <p:stCondLst>
+                        <p:cond delay="indefinite"/>
+                      </p:stCondLst>
+                      <p:childTnLst>
+                        <p:par>
+                          <p:cTn id="4" fill="hold">
+                            <p:stCondLst>
+                              <p:cond delay="0"/>
+                            </p:stCondLst>
+                            <p:childTnLst>
+                              <p:par>
+                                <p:cTn id="5" presetID="1" presetClass="entr" presetSubtype="0" fill="hold" nodeType="clickEffect">
+                                  <p:stCondLst>
+                                    <p:cond delay="0"/>
+                                  </p:stCondLst>
+                                  <p:childTnLst>
+                                    <p:set>
+                                      <p:cBhvr>
+                                        <p:cTn id="6" dur="1" fill="hold">
+                                          <p:stCondLst>
+                                            <p:cond delay="0"/>
+                                          </p:stCondLst>
+                                        </p:cTn>
+                                        <p:tgtEl>
+                                          <p:spTgt spid="3">
+                                            <p:txEl>
+                                              <p:pRg st="1" end="1"/>
+                                            </p:txEl>
+                                          </p:spTgt>
+                                        </p:tgtEl>
+                                        <p:attrNameLst>
+                                          <p:attrName>style.visibility</p:attrName>
+                                        </p:attrNameLst>
+                                      </p:cBhvr>
+                                      <p:to>
+                                        <p:strVal val="visible"/>
+                                      </p:to>
+                                    </p:set>
+                                  </p:childTnLst>
+                                </p:cTn>
+                              </p:par>
+                              <p:par>
+                                <p:cTn id="7" presetID="1" presetClass="entr" presetSubtype="0" fill="hold" nodeType="withEffect">
+                                  <p:stCondLst>
+                                    <p:cond delay="0"/>
+                                  </p:stCondLst>
+                                  <p:childTnLst>
+                                    <p:set>
+                                      <p:cBhvr>
+                                        <p:cTn id="8" dur="1" fill="hold">
+                                          <p:stCondLst>
+                                            <p:cond delay="0"/>
+                                          </p:stCondLst>
+                                        </p:cTn>
+                                        <p:tgtEl>
+                                          <p:spTgt spid="6"/>
+                                        </p:tgtEl>
+                                        <p:attrNameLst>
+                                          <p:attrName>style.visibility</p:attrName>
+                                        </p:attrNameLst>
+                                      </p:cBhvr>
+                                      <p:to>
+                                        <p:strVal val="visible"/>
+                                      </p:to>
+                                    </p:set>
+                                  </p:childTnLst>
+                                </p:cTn>
+                              </p:par>
+                            </p:childTnLst>
+                          </p:cTn>
+                        </p:par>
+                      </p:childTnLst>
+                    </p:cTn>
+                  </p:par>
+                  <p:par>
+                    <p:cTn id="9" fill="hold">
+                      <p:stCondLst>
+                        <p:cond delay="indefinite"/>
+                      </p:stCondLst>
+                      <p:childTnLst>
+                        <p:par>
+                          <p:cTn id="10" fill="hold">
+                            <p:stCondLst>
+                              <p:cond delay="0"/>
+                            </p:stCondLst>
+                            <p:childTnLst>
+                              <p:par>
+                                <p:cTn id="11" presetID="1" presetClass="entr" presetSubtype="0" fill="hold" grpId="0" nodeType="clickEffect">
+                                  <p:stCondLst>
+                                    <p:cond delay="0"/>
+                                  </p:stCondLst>
+                                  <p:childTnLst>
+                                    <p:set>
+                                      <p:cBhvr>
+                                        <p:cTn id="12" dur="1" fill="hold">
+                                          <p:stCondLst>
+                                            <p:cond delay="0"/>
+                                          </p:stCondLst>
+                                        </p:cTn>
+                                        <p:tgtEl>
+                                          <p:spTgt spid="9"/>
+                                        </p:tgtEl>
+                                        <p:attrNameLst>
+                                          <p:attrName>style.visibility</p:attrName>
+                                        </p:attrNameLst>
+                                      </p:cBhvr>
+                                      <p:to>
+                                        <p:strVal val="visible"/>
+                                      </p:to>
+                                    </p:set>
+                                  </p:childTnLst>
+                                </p:cTn>
+                              </p:par>
+                            </p:childTnLst>
+                          </p:cTn>
+                        </p:par>
+                      </p:childTnLst>
+                    </p:cTn>
+                  </p:par>
+                  <p:par>
+                    <p:cTn id="13" fill="hold">
+                      <p:stCondLst>
+                        <p:cond delay="indefinite"/>
+                      </p:stCondLst>
+                      <p:childTnLst>
+                        <p:par>
+                          <p:cTn id="14" fill="hold">
+                            <p:stCondLst>
+                              <p:cond delay="0"/>
+                            </p:stCondLst>
+                            <p:childTnLst>
+                              <p:par>
+                                <p:cTn id="15" presetID="1" presetClass="entr" presetSubtype="0" fill="hold" nodeType="clickEffect">
+                                  <p:stCondLst>
+                                    <p:cond delay="0"/>
+                                  </p:stCondLst>
+                                  <p:childTnLst>
+                                    <p:set>
+                                      <p:cBhvr>
+                                        <p:cTn id="16" dur="1" fill="hold">
+                                          <p:stCondLst>
+                                            <p:cond delay="0"/>
+                                          </p:stCondLst>
+                                        </p:cTn>
+                                        <p:tgtEl>
+                                          <p:spTgt spid="8"/>
+                                        </p:tgtEl>
+                                        <p:attrNameLst>
+                                          <p:attrName>style.visibility</p:attrName>
+                                        </p:attrNameLst>
+                                      </p:cBhvr>
+                                      <p:to>
+                                        <p:strVal val="visible"/>
+                                      </p:to>
+                                    </p:set>
+                                  </p:childTnLst>
+                                </p:cTn>
+                              </p:par>
+                            </p:childTnLst>
+                          </p:cTn>
+                        </p:par>
+                      </p:childTnLst>
+                    </p:cTn>
+                  </p:par>
+                  <p:par>
+                    <p:cTn id="17" fill="hold">
+                      <p:stCondLst>
+                        <p:cond delay="indefinite"/>
+                      </p:stCondLst>
+                      <p:childTnLst>
+                        <p:par>
+                          <p:cTn id="18" fill="hold">
+                            <p:stCondLst>
+                              <p:cond delay="0"/>
+                            </p:stCondLst>
+                            <p:childTnLst>
+                              <p:par>
+                                <p:cTn id="19" presetID="1" presetClass="entr" presetSubtype="0" fill="hold" nodeType="clickEffect">
+                                  <p:stCondLst>
+                                    <p:cond delay="0"/>
+                                  </p:stCondLst>
+                                  <p:childTnLst>
+                                    <p:set>
+                                      <p:cBhvr>
+                                        <p:cTn id="20" dur="1" fill="hold">
+                                          <p:stCondLst>
+                                            <p:cond delay="0"/>
+                                          </p:stCondLst>
+                                        </p:cTn>
+                                        <p:tgtEl>
+                                          <p:spTgt spid="3">
+                                            <p:txEl>
+                                              <p:pRg st="2" end="2"/>
+                                            </p:txEl>
+                                          </p:spTgt>
+                                        </p:tgtEl>
+                                        <p:attrNameLst>
+                                          <p:attrName>style.visibility</p:attrName>
+                                        </p:attrNameLst>
+                                      </p:cBhvr>
+                                      <p:to>
+                                        <p:strVal val="visible"/>
+                                      </p:to>
+                                    </p:set>
+                                  </p:childTnLst>
+                                </p:cTn>
+                              </p:par>
+                              <p:par>
+                                <p:cTn id="21" presetID="1" presetClass="entr" presetSubtype="0" fill="hold" nodeType="withEffect">
+                                  <p:stCondLst>
+                                    <p:cond delay="0"/>
+                                  </p:stCondLst>
+                                  <p:childTnLst>
+                                    <p:set>
+                                      <p:cBhvr>
+                                        <p:cTn id="22" dur="1" fill="hold">
+                                          <p:stCondLst>
+                                            <p:cond delay="0"/>
+                                          </p:stCondLst>
+                                        </p:cTn>
+                                        <p:tgtEl>
+                                          <p:spTgt spid="7"/>
+                                        </p:tgtEl>
+                                        <p:attrNameLst>
+                                          <p:attrName>style.visibility</p:attrName>
+                                        </p:attrNameLst>
+                                      </p:cBhvr>
+                                      <p:to>
+                                        <p:strVal val="visible"/>
+                                      </p:to>
+                                    </p:set>
+                                  </p:childTnLst>
+                                </p:cTn>
+                              </p:par>
+                              <p:par>
+                                <p:cTn id="23" presetID="1" presetClass="entr" presetSubtype="0" fill="hold" nodeType="withEffect">
+                                  <p:stCondLst>
+                                    <p:cond delay="0"/>
+                                  </p:stCondLst>
+                                  <p:childTnLst>
+                                    <p:set>
+                                      <p:cBhvr>
+                                        <p:cTn id="24" dur="1" fill="hold">
+                                          <p:stCondLst>
+                                            <p:cond delay="0"/>
+                                          </p:stCondLst>
+                                        </p:cTn>
+                                        <p:tgtEl>
+                                          <p:spTgt spid="4"/>
+                                        </p:tgtEl>
+                                        <p:attrNameLst>
+                                          <p:attrName>style.visibility</p:attrName>
+                                        </p:attrNameLst>
+                                      </p:cBhvr>
+                                      <p:to>
+                                        <p:strVal val="visible"/>
+                                      </p:to>
+                                    </p:set>
+                                  </p:childTnLst>
+                                </p:cTn>
+                              </p:par>
+                            </p:childTnLst>
+                          </p:cTn>
+                        </p:par>
+                      </p:childTnLst>
+                    </p:cTn>
+                  </p:par>
+                </p:childTnLst>
+              </p:cTn>
+              <p:prevCondLst>
+                <p:cond evt="onPrev" delay="0">
+                  <p:tgtEl>
+                    <p:sldTgt/>
+                  </p:tgtEl>
+                </p:cond>
+              </p:prevCondLst>
+              <p:nextCondLst>
+                <p:cond evt="onNext" delay="0">
+                  <p:tgtEl>
+                    <p:sldTgt/>
+                  </p:tgtEl>
+                </p:cond>
+              </p:nextCondLst>
+            </p:seq>
+          </p:childTnLst>
+        </p:cTn>
+      </p:par>
+    </p:tnLst>
+    <p:bldLst>
+      <p:bldP spid="9" grpId="0"/>
+    </p:bldLst>
+  </p:timing>
+</p:sld>
+</file>
+
+<file path=ppt/slides/slide29.xml><?xml version="1.0" encoding="utf-8"?>
+<p:sld xmlns:a="http://schemas.openxmlformats.org/drawingml/2006/main" xmlns:r="http://schemas.openxmlformats.org/officeDocument/2006/relationships" xmlns:p="http://schemas.openxmlformats.org/presentationml/2006/main">
+  <p:cSld>
+    <p:spTree>
+      <p:nvGrpSpPr>
+        <p:cNvPr id="1" name=""/>
+        <p:cNvGrpSpPr/>
+        <p:nvPr/>
+      </p:nvGrpSpPr>
+      <p:grpSpPr>
+        <a:xfrm>
+          <a:off x="0" y="0"/>
+          <a:ext cx="0" cy="0"/>
+          <a:chOff x="0" y="0"/>
+          <a:chExt cx="0" cy="0"/>
+        </a:xfrm>
+      </p:grpSpPr>
+      <p:sp>
+        <p:nvSpPr>
+          <p:cNvPr id="2" name="Title 1">
+            <a:extLst>
+              <a:ext uri="{FF2B5EF4-FFF2-40B4-BE49-F238E27FC236}">
+                <a16:creationId xmlns:a16="http://schemas.microsoft.com/office/drawing/2014/main" id="{A2138D4B-47BD-D82C-D12D-8DB3D0C5BB85}"/>
+              </a:ext>
+            </a:extLst>
+          </p:cNvPr>
+          <p:cNvSpPr>
+            <a:spLocks noGrp="1"/>
+          </p:cNvSpPr>
+          <p:nvPr>
+            <p:ph type="title"/>
+          </p:nvPr>
+        </p:nvSpPr>
+        <p:spPr/>
+        <p:txBody>
+          <a:bodyPr>
+            <a:normAutofit/>
+          </a:bodyPr>
+          <a:lstStyle/>
+          <a:p>
+            <a:r>
+              <a:rPr lang="en-US" sz="4000" dirty="0"/>
+              <a:t>Posterior predictive mean and std for bike data</a:t>
+            </a:r>
+            <a:endParaRPr lang="he-IL" sz="4000" dirty="0"/>
+          </a:p>
+        </p:txBody>
+      </p:sp>
+      <p:sp>
+        <p:nvSpPr>
+          <p:cNvPr id="3" name="Content Placeholder 2">
+            <a:extLst>
+              <a:ext uri="{FF2B5EF4-FFF2-40B4-BE49-F238E27FC236}">
+                <a16:creationId xmlns:a16="http://schemas.microsoft.com/office/drawing/2014/main" id="{3B1B81B4-E3F8-17D2-B31A-F226F273F02D}"/>
+              </a:ext>
+            </a:extLst>
+          </p:cNvPr>
+          <p:cNvSpPr>
+            <a:spLocks noGrp="1"/>
+          </p:cNvSpPr>
+          <p:nvPr>
+            <p:ph idx="1"/>
+          </p:nvPr>
+        </p:nvSpPr>
+        <p:spPr>
+          <a:xfrm>
+            <a:off x="838200" y="1457739"/>
+            <a:ext cx="10515600" cy="874644"/>
+          </a:xfrm>
+        </p:spPr>
+        <p:txBody>
+          <a:bodyPr>
+            <a:normAutofit fontScale="92500" lnSpcReduction="10000"/>
+          </a:bodyPr>
+          <a:lstStyle/>
+          <a:p>
+            <a:r>
+              <a:rPr lang="en-US" dirty="0"/>
+              <a:t>Dot shows value of statistic calculated on observed data</a:t>
+            </a:r>
+          </a:p>
+          <a:p>
+            <a:r>
+              <a:rPr lang="en-US" dirty="0"/>
+              <a:t>Our model captures the mean but not the width of the data</a:t>
+            </a:r>
+            <a:endParaRPr lang="he-IL" dirty="0"/>
+          </a:p>
+        </p:txBody>
+      </p:sp>
+      <p:pic>
+        <p:nvPicPr>
+          <p:cNvPr id="4" name="Picture 3">
+            <a:extLst>
+              <a:ext uri="{FF2B5EF4-FFF2-40B4-BE49-F238E27FC236}">
+                <a16:creationId xmlns:a16="http://schemas.microsoft.com/office/drawing/2014/main" id="{DF847A3C-0DAB-81A7-C438-7BE70D922CC4}"/>
+              </a:ext>
+            </a:extLst>
+          </p:cNvPr>
+          <p:cNvPicPr>
+            <a:picLocks noChangeAspect="1"/>
+          </p:cNvPicPr>
+          <p:nvPr/>
+        </p:nvPicPr>
+        <p:blipFill>
+          <a:blip r:embed="rId2"/>
+          <a:stretch>
+            <a:fillRect/>
+          </a:stretch>
+        </p:blipFill>
+        <p:spPr>
+          <a:xfrm>
+            <a:off x="1928813" y="2670351"/>
+            <a:ext cx="4493936" cy="4017834"/>
+          </a:xfrm>
+          <a:prstGeom prst="rect">
+            <a:avLst/>
+          </a:prstGeom>
+        </p:spPr>
+      </p:pic>
+      <p:pic>
+        <p:nvPicPr>
+          <p:cNvPr id="5" name="Picture 4">
+            <a:extLst>
+              <a:ext uri="{FF2B5EF4-FFF2-40B4-BE49-F238E27FC236}">
+                <a16:creationId xmlns:a16="http://schemas.microsoft.com/office/drawing/2014/main" id="{A25E9B15-B93A-6783-D106-E79D557D26A7}"/>
+              </a:ext>
+            </a:extLst>
+          </p:cNvPr>
+          <p:cNvPicPr>
+            <a:picLocks noChangeAspect="1"/>
+          </p:cNvPicPr>
+          <p:nvPr/>
+        </p:nvPicPr>
+        <p:blipFill>
+          <a:blip r:embed="rId3"/>
+          <a:stretch>
+            <a:fillRect/>
+          </a:stretch>
+        </p:blipFill>
+        <p:spPr>
+          <a:xfrm>
+            <a:off x="6533321" y="2670351"/>
+            <a:ext cx="4493936" cy="3961533"/>
+          </a:xfrm>
+          <a:prstGeom prst="rect">
+            <a:avLst/>
+          </a:prstGeom>
+        </p:spPr>
+      </p:pic>
+    </p:spTree>
+    <p:extLst>
+      <p:ext uri="{BB962C8B-B14F-4D97-AF65-F5344CB8AC3E}">
+        <p14:creationId xmlns:p14="http://schemas.microsoft.com/office/powerpoint/2010/main" val="3187137493"/>
+      </p:ext>
+    </p:extLst>
+  </p:cSld>
+  <p:clrMapOvr>
+    <a:masterClrMapping/>
+  </p:clrMapOvr>
+</p:sld>
+</file>
+
+<file path=ppt/slides/slide3.xml><?xml version="1.0" encoding="utf-8"?>
+<p:sld xmlns:a="http://schemas.openxmlformats.org/drawingml/2006/main" xmlns:r="http://schemas.openxmlformats.org/officeDocument/2006/relationships" xmlns:p="http://schemas.openxmlformats.org/presentationml/2006/main">
+  <p:cSld>
+    <p:spTree>
+      <p:nvGrpSpPr>
+        <p:cNvPr id="1" name="">
+          <a:extLst>
+            <a:ext uri="{FF2B5EF4-FFF2-40B4-BE49-F238E27FC236}">
+              <a16:creationId xmlns:a16="http://schemas.microsoft.com/office/drawing/2014/main" id="{7D2870B0-ECC8-45AE-D4E3-676E55C85E21}"/>
+            </a:ext>
+          </a:extLst>
+        </p:cNvPr>
+        <p:cNvGrpSpPr/>
+        <p:nvPr/>
+      </p:nvGrpSpPr>
+      <p:grpSpPr>
+        <a:xfrm>
+          <a:off x="0" y="0"/>
+          <a:ext cx="0" cy="0"/>
+          <a:chOff x="0" y="0"/>
+          <a:chExt cx="0" cy="0"/>
+        </a:xfrm>
+      </p:grpSpPr>
+      <p:sp>
+        <p:nvSpPr>
+          <p:cNvPr id="6" name="Title 5">
+            <a:extLst>
+              <a:ext uri="{FF2B5EF4-FFF2-40B4-BE49-F238E27FC236}">
+                <a16:creationId xmlns:a16="http://schemas.microsoft.com/office/drawing/2014/main" id="{98F5C1D7-29ED-5239-D5EF-25540F0EAF04}"/>
+              </a:ext>
+            </a:extLst>
+          </p:cNvPr>
+          <p:cNvSpPr>
+            <a:spLocks noGrp="1"/>
+          </p:cNvSpPr>
+          <p:nvPr>
+            <p:ph type="title"/>
+          </p:nvPr>
+        </p:nvSpPr>
+        <p:spPr/>
+        <p:txBody>
+          <a:bodyPr/>
+          <a:lstStyle/>
+          <a:p>
+            <a:endParaRPr lang="en-IL"/>
+          </a:p>
+        </p:txBody>
+      </p:sp>
+      <p:sp>
+        <p:nvSpPr>
+          <p:cNvPr id="7" name="Text Placeholder 6">
+            <a:extLst>
+              <a:ext uri="{FF2B5EF4-FFF2-40B4-BE49-F238E27FC236}">
+                <a16:creationId xmlns:a16="http://schemas.microsoft.com/office/drawing/2014/main" id="{3F8DF6AA-C04D-BBD6-5DAD-76574ED319AD}"/>
+              </a:ext>
+            </a:extLst>
+          </p:cNvPr>
+          <p:cNvSpPr>
+            <a:spLocks noGrp="1"/>
+          </p:cNvSpPr>
+          <p:nvPr>
+            <p:ph type="body" idx="1"/>
+          </p:nvPr>
+        </p:nvSpPr>
+        <p:spPr/>
+        <p:txBody>
+          <a:bodyPr>
+            <a:normAutofit/>
+          </a:bodyPr>
+          <a:lstStyle/>
+          <a:p>
+            <a:pPr algn="ctr"/>
+            <a:r>
+              <a:rPr lang="en-US" sz="7200" dirty="0"/>
+              <a:t>6A Linear Models</a:t>
+            </a:r>
+            <a:endParaRPr lang="en-IL" sz="7200" dirty="0"/>
+          </a:p>
+        </p:txBody>
+      </p:sp>
+      <p:sp>
+        <p:nvSpPr>
+          <p:cNvPr id="4" name="Footer Placeholder 3">
+            <a:extLst>
+              <a:ext uri="{FF2B5EF4-FFF2-40B4-BE49-F238E27FC236}">
+                <a16:creationId xmlns:a16="http://schemas.microsoft.com/office/drawing/2014/main" id="{DDDEC8F3-85B1-A364-889B-C4D467DAD72A}"/>
+              </a:ext>
+            </a:extLst>
+          </p:cNvPr>
+          <p:cNvSpPr>
+            <a:spLocks noGrp="1"/>
+          </p:cNvSpPr>
+          <p:nvPr>
+            <p:ph type="ftr" sz="quarter" idx="11"/>
+          </p:nvPr>
+        </p:nvSpPr>
+        <p:spPr/>
+        <p:txBody>
+          <a:bodyPr/>
+          <a:lstStyle/>
+          <a:p>
+            <a:pPr>
+              <a:defRPr/>
+            </a:pPr>
+            <a:r>
+              <a:rPr lang="en-US"/>
+              <a:t>Data analysis, 2022-1, Lecture 1</a:t>
+            </a:r>
+          </a:p>
+        </p:txBody>
+      </p:sp>
+      <p:sp>
+        <p:nvSpPr>
+          <p:cNvPr id="5" name="Slide Number Placeholder 4">
+            <a:extLst>
+              <a:ext uri="{FF2B5EF4-FFF2-40B4-BE49-F238E27FC236}">
+                <a16:creationId xmlns:a16="http://schemas.microsoft.com/office/drawing/2014/main" id="{FD297E67-480D-416E-8B4F-E8896A45DEAC}"/>
+              </a:ext>
+            </a:extLst>
+          </p:cNvPr>
+          <p:cNvSpPr>
+            <a:spLocks noGrp="1"/>
+          </p:cNvSpPr>
+          <p:nvPr>
+            <p:ph type="sldNum" sz="quarter" idx="12"/>
+          </p:nvPr>
+        </p:nvSpPr>
+        <p:spPr/>
+        <p:txBody>
+          <a:bodyPr/>
+          <a:lstStyle/>
+          <a:p>
+            <a:pPr>
+              <a:defRPr/>
+            </a:pPr>
+            <a:fld id="{3469EAC8-EFAD-49DA-A425-6225312A328A}" type="slidenum">
+              <a:rPr lang="he-IL" altLang="en-US" smtClean="0"/>
+              <a:pPr>
+                <a:defRPr/>
+              </a:pPr>
+              <a:t>3</a:t>
+            </a:fld>
+            <a:r>
+              <a:rPr lang="en-US" altLang="en-US"/>
+              <a:t> /  72</a:t>
+            </a:r>
+          </a:p>
+        </p:txBody>
+      </p:sp>
+    </p:spTree>
+    <p:extLst>
+      <p:ext uri="{BB962C8B-B14F-4D97-AF65-F5344CB8AC3E}">
+        <p14:creationId xmlns:p14="http://schemas.microsoft.com/office/powerpoint/2010/main" val="2529673646"/>
+      </p:ext>
+    </p:extLst>
+  </p:cSld>
+  <p:clrMapOvr>
+    <a:masterClrMapping/>
+  </p:clrMapOvr>
+</p:sld>
+</file>
+
+<file path=ppt/slides/slide30.xml><?xml version="1.0" encoding="utf-8"?>
+<p:sld xmlns:a="http://schemas.openxmlformats.org/drawingml/2006/main" xmlns:r="http://schemas.openxmlformats.org/officeDocument/2006/relationships" xmlns:p="http://schemas.openxmlformats.org/presentationml/2006/main">
+  <p:cSld>
+    <p:spTree>
+      <p:nvGrpSpPr>
+        <p:cNvPr id="1" name=""/>
+        <p:cNvGrpSpPr/>
+        <p:nvPr/>
+      </p:nvGrpSpPr>
+      <p:grpSpPr>
+        <a:xfrm>
+          <a:off x="0" y="0"/>
+          <a:ext cx="0" cy="0"/>
+          <a:chOff x="0" y="0"/>
+          <a:chExt cx="0" cy="0"/>
+        </a:xfrm>
+      </p:grpSpPr>
+      <p:sp>
+        <p:nvSpPr>
+          <p:cNvPr id="2" name="Title 1">
+            <a:extLst>
+              <a:ext uri="{FF2B5EF4-FFF2-40B4-BE49-F238E27FC236}">
+                <a16:creationId xmlns:a16="http://schemas.microsoft.com/office/drawing/2014/main" id="{2A6F07AC-E806-E21E-CBF0-98BAB94790FC}"/>
+              </a:ext>
+            </a:extLst>
+          </p:cNvPr>
+          <p:cNvSpPr>
+            <a:spLocks noGrp="1"/>
+          </p:cNvSpPr>
+          <p:nvPr>
+            <p:ph type="title"/>
+          </p:nvPr>
+        </p:nvSpPr>
+        <p:spPr/>
+        <p:txBody>
+          <a:bodyPr/>
+          <a:lstStyle/>
+          <a:p>
+            <a:r>
+              <a:rPr lang="en-US" dirty="0"/>
+              <a:t>Bayesian Workflow</a:t>
+            </a:r>
+            <a:endParaRPr lang="he-IL" dirty="0"/>
+          </a:p>
+        </p:txBody>
+      </p:sp>
+      <p:sp>
+        <p:nvSpPr>
+          <p:cNvPr id="3" name="Content Placeholder 2">
+            <a:extLst>
+              <a:ext uri="{FF2B5EF4-FFF2-40B4-BE49-F238E27FC236}">
+                <a16:creationId xmlns:a16="http://schemas.microsoft.com/office/drawing/2014/main" id="{40EDBC13-5F67-BD2A-F424-E51337CDA471}"/>
+              </a:ext>
+            </a:extLst>
+          </p:cNvPr>
+          <p:cNvSpPr>
+            <a:spLocks noGrp="1"/>
+          </p:cNvSpPr>
+          <p:nvPr>
+            <p:ph idx="1"/>
+          </p:nvPr>
+        </p:nvSpPr>
+        <p:spPr/>
+        <p:txBody>
+          <a:bodyPr/>
+          <a:lstStyle/>
+          <a:p>
+            <a:endParaRPr lang="he-IL"/>
+          </a:p>
+        </p:txBody>
+      </p:sp>
+    </p:spTree>
+    <p:extLst>
+      <p:ext uri="{BB962C8B-B14F-4D97-AF65-F5344CB8AC3E}">
+        <p14:creationId xmlns:p14="http://schemas.microsoft.com/office/powerpoint/2010/main" val="2176202597"/>
+      </p:ext>
+    </p:extLst>
+  </p:cSld>
+  <p:clrMapOvr>
+    <a:masterClrMapping/>
+  </p:clrMapOvr>
+</p:sld>
+</file>
+
+<file path=ppt/slides/slide31.xml><?xml version="1.0" encoding="utf-8"?>
 <p:sld xmlns:a="http://schemas.openxmlformats.org/drawingml/2006/main" xmlns:r="http://schemas.openxmlformats.org/officeDocument/2006/relationships" xmlns:p="http://schemas.openxmlformats.org/presentationml/2006/main">
   <p:cSld>
     <p:spTree>
@@ -13475,25 +16845,25 @@
           <p:nvPr>
             <p:extLst>
               <p:ext uri="{D42A27DB-BD31-4B8C-83A1-F6EECF244321}">
-                <p14:modId xmlns:p14="http://schemas.microsoft.com/office/powerpoint/2010/main" val="1799158530"/>
+                <p14:modId xmlns:p14="http://schemas.microsoft.com/office/powerpoint/2010/main" val="762466961"/>
               </p:ext>
             </p:extLst>
           </p:nvPr>
         </p:nvGraphicFramePr>
         <p:xfrm>
-          <a:off x="6008688" y="3684588"/>
-          <a:ext cx="3954462" cy="2867025"/>
+          <a:off x="6553200" y="3742217"/>
+          <a:ext cx="2863850" cy="2730500"/>
         </p:xfrm>
         <a:graphic>
           <a:graphicData uri="http://schemas.openxmlformats.org/presentationml/2006/ole">
             <mc:AlternateContent xmlns:mc="http://schemas.openxmlformats.org/markup-compatibility/2006">
               <mc:Choice xmlns:v="urn:schemas-microsoft-com:vml" Requires="v">
-                <p:oleObj name="Equation" r:id="rId4" imgW="1841400" imgH="1333440" progId="Equation.DSMT4">
+                <p:oleObj name="Equation" r:id="rId4" imgW="1333440" imgH="1269720" progId="Equation.DSMT4">
                   <p:embed/>
                 </p:oleObj>
               </mc:Choice>
               <mc:Fallback>
-                <p:oleObj name="Equation" r:id="rId4" imgW="1841400" imgH="1333440" progId="Equation.DSMT4">
+                <p:oleObj name="Equation" r:id="rId4" imgW="1333440" imgH="1269720" progId="Equation.DSMT4">
                   <p:embed/>
                   <p:pic>
                     <p:nvPicPr>
@@ -13509,8 +16879,8 @@
                     </p:blipFill>
                     <p:spPr>
                       <a:xfrm>
-                        <a:off x="6008688" y="3684588"/>
-                        <a:ext cx="3954462" cy="2867025"/>
+                        <a:off x="6553200" y="3742217"/>
+                        <a:ext cx="2863850" cy="2730500"/>
                       </a:xfrm>
                       <a:prstGeom prst="rect">
                         <a:avLst/>
@@ -13536,7 +16906,7 @@
 </p:sld>
 </file>
 
-<file path=ppt/slides/slide3.xml><?xml version="1.0" encoding="utf-8"?>
+<file path=ppt/slides/slide32.xml><?xml version="1.0" encoding="utf-8"?>
 <p:sld xmlns:a="http://schemas.openxmlformats.org/drawingml/2006/main" xmlns:r="http://schemas.openxmlformats.org/officeDocument/2006/relationships" xmlns:p="http://schemas.openxmlformats.org/presentationml/2006/main">
   <p:cSld>
     <p:spTree>
@@ -13544,7 +16914,7 @@
         <p:cNvPr id="1" name="">
           <a:extLst>
             <a:ext uri="{FF2B5EF4-FFF2-40B4-BE49-F238E27FC236}">
-              <a16:creationId xmlns:a16="http://schemas.microsoft.com/office/drawing/2014/main" id="{7D2870B0-ECC8-45AE-D4E3-676E55C85E21}"/>
+              <a16:creationId xmlns:a16="http://schemas.microsoft.com/office/drawing/2014/main" id="{E7563268-5FFD-82E8-0F92-A20CE81A4437}"/>
             </a:ext>
           </a:extLst>
         </p:cNvPr>
@@ -13561,10 +16931,10 @@
       </p:grpSpPr>
       <p:sp>
         <p:nvSpPr>
-          <p:cNvPr id="6" name="Title 5">
+          <p:cNvPr id="2" name="Title 1">
             <a:extLst>
               <a:ext uri="{FF2B5EF4-FFF2-40B4-BE49-F238E27FC236}">
-                <a16:creationId xmlns:a16="http://schemas.microsoft.com/office/drawing/2014/main" id="{98F5C1D7-29ED-5239-D5EF-25540F0EAF04}"/>
+                <a16:creationId xmlns:a16="http://schemas.microsoft.com/office/drawing/2014/main" id="{E9CC6C2D-07D0-AE3F-0C79-050390766781}"/>
               </a:ext>
             </a:extLst>
           </p:cNvPr>
@@ -13580,16 +16950,20 @@
           <a:bodyPr/>
           <a:lstStyle/>
           <a:p>
-            <a:endParaRPr lang="en-IL"/>
+            <a:r>
+              <a:rPr lang="en-US" dirty="0"/>
+              <a:t>Generalized Linear Model for bike data</a:t>
+            </a:r>
+            <a:endParaRPr lang="he-IL" dirty="0"/>
           </a:p>
         </p:txBody>
       </p:sp>
       <p:sp>
         <p:nvSpPr>
-          <p:cNvPr id="7" name="Text Placeholder 6">
+          <p:cNvPr id="4" name="Text Placeholder 3">
             <a:extLst>
               <a:ext uri="{FF2B5EF4-FFF2-40B4-BE49-F238E27FC236}">
-                <a16:creationId xmlns:a16="http://schemas.microsoft.com/office/drawing/2014/main" id="{3F8DF6AA-C04D-BBD6-5DAD-76574ED319AD}"/>
+                <a16:creationId xmlns:a16="http://schemas.microsoft.com/office/drawing/2014/main" id="{89275241-76D3-6052-98A1-B01296043897}"/>
               </a:ext>
             </a:extLst>
           </p:cNvPr>
@@ -13602,26 +16976,23 @@
         </p:nvSpPr>
         <p:spPr/>
         <p:txBody>
-          <a:bodyPr>
-            <a:normAutofit/>
-          </a:bodyPr>
+          <a:bodyPr/>
           <a:lstStyle/>
           <a:p>
-            <a:pPr algn="ctr"/>
-            <a:r>
-              <a:rPr lang="en-US" sz="7200" dirty="0"/>
-              <a:t>6A Linear Models</a:t>
-            </a:r>
-            <a:endParaRPr lang="en-IL" sz="7200" dirty="0"/>
+            <a:r>
+              <a:rPr lang="en-US" dirty="0"/>
+              <a:t>Normal Model</a:t>
+            </a:r>
+            <a:endParaRPr lang="he-IL" dirty="0"/>
           </a:p>
         </p:txBody>
       </p:sp>
       <p:sp>
         <p:nvSpPr>
-          <p:cNvPr id="4" name="Footer Placeholder 3">
+          <p:cNvPr id="5" name="Content Placeholder 4">
             <a:extLst>
               <a:ext uri="{FF2B5EF4-FFF2-40B4-BE49-F238E27FC236}">
-                <a16:creationId xmlns:a16="http://schemas.microsoft.com/office/drawing/2014/main" id="{DDDEC8F3-85B1-A364-889B-C4D467DAD72A}"/>
+                <a16:creationId xmlns:a16="http://schemas.microsoft.com/office/drawing/2014/main" id="{0E8660EB-8381-856D-100D-EA650CB8B37E}"/>
               </a:ext>
             </a:extLst>
           </p:cNvPr>
@@ -13629,30 +17000,39 @@
             <a:spLocks noGrp="1"/>
           </p:cNvSpPr>
           <p:nvPr>
-            <p:ph type="ftr" sz="quarter" idx="11"/>
+            <p:ph sz="half" idx="2"/>
           </p:nvPr>
         </p:nvSpPr>
-        <p:spPr/>
+        <p:spPr>
+          <a:xfrm>
+            <a:off x="839788" y="2505075"/>
+            <a:ext cx="5157787" cy="1656108"/>
+          </a:xfrm>
+        </p:spPr>
         <p:txBody>
           <a:bodyPr/>
           <a:lstStyle/>
           <a:p>
-            <a:pPr>
-              <a:defRPr/>
-            </a:pPr>
-            <a:r>
-              <a:rPr lang="en-US"/>
-              <a:t>Data analysis, 2022-1, Lecture 1</a:t>
-            </a:r>
+            <a:r>
+              <a:rPr lang="en-US" dirty="0"/>
+              <a:t>Gaussian likelihood</a:t>
+            </a:r>
+          </a:p>
+          <a:p>
+            <a:r>
+              <a:rPr lang="en-US" dirty="0"/>
+              <a:t>Linear prediction used directly</a:t>
+            </a:r>
+            <a:endParaRPr lang="he-IL" dirty="0"/>
           </a:p>
         </p:txBody>
       </p:sp>
       <p:sp>
         <p:nvSpPr>
-          <p:cNvPr id="5" name="Slide Number Placeholder 4">
+          <p:cNvPr id="6" name="Text Placeholder 5">
             <a:extLst>
               <a:ext uri="{FF2B5EF4-FFF2-40B4-BE49-F238E27FC236}">
-                <a16:creationId xmlns:a16="http://schemas.microsoft.com/office/drawing/2014/main" id="{FD297E67-480D-416E-8B4F-E8896A45DEAC}"/>
+                <a16:creationId xmlns:a16="http://schemas.microsoft.com/office/drawing/2014/main" id="{768D2165-8478-76B4-70B5-5F175DDBE05F}"/>
               </a:ext>
             </a:extLst>
           </p:cNvPr>
@@ -13660,7 +17040,7 @@
             <a:spLocks noGrp="1"/>
           </p:cNvSpPr>
           <p:nvPr>
-            <p:ph type="sldNum" sz="quarter" idx="12"/>
+            <p:ph type="body" sz="quarter" idx="3"/>
           </p:nvPr>
         </p:nvSpPr>
         <p:spPr/>
@@ -13668,27 +17048,3063 @@
           <a:bodyPr/>
           <a:lstStyle/>
           <a:p>
+            <a:r>
+              <a:rPr lang="en-US" dirty="0"/>
+              <a:t>Negative Binomial Model</a:t>
+            </a:r>
+            <a:endParaRPr lang="he-IL" dirty="0"/>
+          </a:p>
+        </p:txBody>
+      </p:sp>
+      <p:sp>
+        <p:nvSpPr>
+          <p:cNvPr id="7" name="Content Placeholder 6">
+            <a:extLst>
+              <a:ext uri="{FF2B5EF4-FFF2-40B4-BE49-F238E27FC236}">
+                <a16:creationId xmlns:a16="http://schemas.microsoft.com/office/drawing/2014/main" id="{3F316E3F-03B5-0F2F-140B-EA50849BE500}"/>
+              </a:ext>
+            </a:extLst>
+          </p:cNvPr>
+          <p:cNvSpPr>
+            <a:spLocks noGrp="1"/>
+          </p:cNvSpPr>
+          <p:nvPr>
+            <p:ph sz="quarter" idx="4"/>
+          </p:nvPr>
+        </p:nvSpPr>
+        <p:spPr>
+          <a:xfrm>
+            <a:off x="6172200" y="2505075"/>
+            <a:ext cx="5183188" cy="1192282"/>
+          </a:xfrm>
+        </p:spPr>
+        <p:txBody>
+          <a:bodyPr/>
+          <a:lstStyle/>
+          <a:p>
+            <a:r>
+              <a:rPr lang="en-US" dirty="0"/>
+              <a:t>Negative binomial likelihood</a:t>
+            </a:r>
+          </a:p>
+          <a:p>
+            <a:r>
+              <a:rPr lang="en-US" dirty="0"/>
+              <a:t>Exponential link</a:t>
+            </a:r>
+            <a:endParaRPr lang="he-IL" dirty="0"/>
+          </a:p>
+        </p:txBody>
+      </p:sp>
+      <p:graphicFrame>
+        <p:nvGraphicFramePr>
+          <p:cNvPr id="8" name="Object 7">
+            <a:extLst>
+              <a:ext uri="{FF2B5EF4-FFF2-40B4-BE49-F238E27FC236}">
+                <a16:creationId xmlns:a16="http://schemas.microsoft.com/office/drawing/2014/main" id="{CB160A19-D713-0844-6573-A10914FC912C}"/>
+              </a:ext>
+            </a:extLst>
+          </p:cNvPr>
+          <p:cNvGraphicFramePr>
+            <a:graphicFrameLocks noChangeAspect="1"/>
+          </p:cNvGraphicFramePr>
+          <p:nvPr/>
+        </p:nvGraphicFramePr>
+        <p:xfrm>
+          <a:off x="1006475" y="3644900"/>
+          <a:ext cx="3063875" cy="2901950"/>
+        </p:xfrm>
+        <a:graphic>
+          <a:graphicData uri="http://schemas.openxmlformats.org/presentationml/2006/ole">
+            <mc:AlternateContent xmlns:mc="http://schemas.openxmlformats.org/markup-compatibility/2006">
+              <mc:Choice xmlns:v="urn:schemas-microsoft-com:vml" Requires="v">
+                <p:oleObj name="Equation" r:id="rId2" imgW="1447560" imgH="1371600" progId="Equation.DSMT4">
+                  <p:embed/>
+                </p:oleObj>
+              </mc:Choice>
+              <mc:Fallback>
+                <p:oleObj name="Equation" r:id="rId2" imgW="1447560" imgH="1371600" progId="Equation.DSMT4">
+                  <p:embed/>
+                  <p:pic>
+                    <p:nvPicPr>
+                      <p:cNvPr id="8" name="Object 7">
+                        <a:extLst>
+                          <a:ext uri="{FF2B5EF4-FFF2-40B4-BE49-F238E27FC236}">
+                            <a16:creationId xmlns:a16="http://schemas.microsoft.com/office/drawing/2014/main" id="{30D30A9F-F44B-772B-0A4D-ABB1D247B69F}"/>
+                          </a:ext>
+                        </a:extLst>
+                      </p:cNvPr>
+                      <p:cNvPicPr/>
+                      <p:nvPr/>
+                    </p:nvPicPr>
+                    <p:blipFill>
+                      <a:blip r:embed="rId3"/>
+                      <a:stretch>
+                        <a:fillRect/>
+                      </a:stretch>
+                    </p:blipFill>
+                    <p:spPr>
+                      <a:xfrm>
+                        <a:off x="1006475" y="3644900"/>
+                        <a:ext cx="3063875" cy="2901950"/>
+                      </a:xfrm>
+                      <a:prstGeom prst="rect">
+                        <a:avLst/>
+                      </a:prstGeom>
+                    </p:spPr>
+                  </p:pic>
+                </p:oleObj>
+              </mc:Fallback>
+            </mc:AlternateContent>
+          </a:graphicData>
+        </a:graphic>
+      </p:graphicFrame>
+      <p:graphicFrame>
+        <p:nvGraphicFramePr>
+          <p:cNvPr id="3" name="Object 2">
+            <a:extLst>
+              <a:ext uri="{FF2B5EF4-FFF2-40B4-BE49-F238E27FC236}">
+                <a16:creationId xmlns:a16="http://schemas.microsoft.com/office/drawing/2014/main" id="{25772EB4-073A-C378-BCEE-5262772E27A4}"/>
+              </a:ext>
+            </a:extLst>
+          </p:cNvPr>
+          <p:cNvGraphicFramePr>
+            <a:graphicFrameLocks noChangeAspect="1"/>
+          </p:cNvGraphicFramePr>
+          <p:nvPr>
+            <p:extLst>
+              <p:ext uri="{D42A27DB-BD31-4B8C-83A1-F6EECF244321}">
+                <p14:modId xmlns:p14="http://schemas.microsoft.com/office/powerpoint/2010/main" val="2565567080"/>
+              </p:ext>
+            </p:extLst>
+          </p:nvPr>
+        </p:nvGraphicFramePr>
+        <p:xfrm>
+          <a:off x="6550948" y="3697357"/>
+          <a:ext cx="2916237" cy="2728913"/>
+        </p:xfrm>
+        <a:graphic>
+          <a:graphicData uri="http://schemas.openxmlformats.org/presentationml/2006/ole">
+            <mc:AlternateContent xmlns:mc="http://schemas.openxmlformats.org/markup-compatibility/2006">
+              <mc:Choice xmlns:v="urn:schemas-microsoft-com:vml" Requires="v">
+                <p:oleObj name="Equation" r:id="rId4" imgW="2916938" imgH="2729618" progId="Equation.DSMT4">
+                  <p:embed/>
+                </p:oleObj>
+              </mc:Choice>
+              <mc:Fallback>
+                <p:oleObj name="Equation" r:id="rId4" imgW="2916938" imgH="2729618" progId="Equation.DSMT4">
+                  <p:embed/>
+                  <p:pic>
+                    <p:nvPicPr>
+                      <p:cNvPr id="0" name=""/>
+                      <p:cNvPicPr/>
+                      <p:nvPr/>
+                    </p:nvPicPr>
+                    <p:blipFill>
+                      <a:blip r:embed="rId5"/>
+                      <a:stretch>
+                        <a:fillRect/>
+                      </a:stretch>
+                    </p:blipFill>
+                    <p:spPr>
+                      <a:xfrm>
+                        <a:off x="6550948" y="3697357"/>
+                        <a:ext cx="2916237" cy="2728913"/>
+                      </a:xfrm>
+                      <a:prstGeom prst="rect">
+                        <a:avLst/>
+                      </a:prstGeom>
+                    </p:spPr>
+                  </p:pic>
+                </p:oleObj>
+              </mc:Fallback>
+            </mc:AlternateContent>
+          </a:graphicData>
+        </a:graphic>
+      </p:graphicFrame>
+    </p:spTree>
+    <p:extLst>
+      <p:ext uri="{BB962C8B-B14F-4D97-AF65-F5344CB8AC3E}">
+        <p14:creationId xmlns:p14="http://schemas.microsoft.com/office/powerpoint/2010/main" val="1878271087"/>
+      </p:ext>
+    </p:extLst>
+  </p:cSld>
+  <p:clrMapOvr>
+    <a:masterClrMapping/>
+  </p:clrMapOvr>
+</p:sld>
+</file>
+
+<file path=ppt/slides/slide33.xml><?xml version="1.0" encoding="utf-8"?>
+<p:sld xmlns:a="http://schemas.openxmlformats.org/drawingml/2006/main" xmlns:r="http://schemas.openxmlformats.org/officeDocument/2006/relationships" xmlns:p="http://schemas.openxmlformats.org/presentationml/2006/main">
+  <p:cSld>
+    <p:spTree>
+      <p:nvGrpSpPr>
+        <p:cNvPr id="1" name=""/>
+        <p:cNvGrpSpPr/>
+        <p:nvPr/>
+      </p:nvGrpSpPr>
+      <p:grpSpPr>
+        <a:xfrm>
+          <a:off x="0" y="0"/>
+          <a:ext cx="0" cy="0"/>
+          <a:chOff x="0" y="0"/>
+          <a:chExt cx="0" cy="0"/>
+        </a:xfrm>
+      </p:grpSpPr>
+      <p:sp>
+        <p:nvSpPr>
+          <p:cNvPr id="7" name="Title 6">
+            <a:extLst>
+              <a:ext uri="{FF2B5EF4-FFF2-40B4-BE49-F238E27FC236}">
+                <a16:creationId xmlns:a16="http://schemas.microsoft.com/office/drawing/2014/main" id="{32BFBA65-19DA-852C-5E61-B54041B84CB4}"/>
+              </a:ext>
+            </a:extLst>
+          </p:cNvPr>
+          <p:cNvSpPr>
+            <a:spLocks noGrp="1"/>
+          </p:cNvSpPr>
+          <p:nvPr>
+            <p:ph type="title"/>
+          </p:nvPr>
+        </p:nvSpPr>
+        <p:spPr/>
+        <p:txBody>
+          <a:bodyPr>
+            <a:normAutofit/>
+          </a:bodyPr>
+          <a:lstStyle/>
+          <a:p>
+            <a:r>
+              <a:rPr lang="en-US" sz="3600" dirty="0"/>
+              <a:t>The Poisson and the negative binomial distributions</a:t>
+            </a:r>
+            <a:endParaRPr lang="he-IL" sz="3600" dirty="0"/>
+          </a:p>
+        </p:txBody>
+      </p:sp>
+      <p:sp>
+        <p:nvSpPr>
+          <p:cNvPr id="8" name="Content Placeholder 7">
+            <a:extLst>
+              <a:ext uri="{FF2B5EF4-FFF2-40B4-BE49-F238E27FC236}">
+                <a16:creationId xmlns:a16="http://schemas.microsoft.com/office/drawing/2014/main" id="{51ACC925-86E0-084B-5537-3A5B1BA61C7C}"/>
+              </a:ext>
+            </a:extLst>
+          </p:cNvPr>
+          <p:cNvSpPr>
+            <a:spLocks noGrp="1"/>
+          </p:cNvSpPr>
+          <p:nvPr>
+            <p:ph idx="1"/>
+          </p:nvPr>
+        </p:nvSpPr>
+        <p:spPr>
+          <a:xfrm>
+            <a:off x="838200" y="1825625"/>
+            <a:ext cx="10515600" cy="751923"/>
+          </a:xfrm>
+        </p:spPr>
+        <p:txBody>
+          <a:bodyPr>
+            <a:normAutofit fontScale="85000" lnSpcReduction="20000"/>
+          </a:bodyPr>
+          <a:lstStyle/>
+          <a:p>
+            <a:r>
+              <a:rPr lang="en-US" dirty="0"/>
+              <a:t>Both used for count data</a:t>
+            </a:r>
+          </a:p>
+          <a:p>
+            <a:r>
+              <a:rPr lang="en-US" dirty="0"/>
+              <a:t>Poisson distribution has only one parameter</a:t>
+            </a:r>
+            <a:endParaRPr lang="he-IL" dirty="0"/>
+          </a:p>
+        </p:txBody>
+      </p:sp>
+      <p:pic>
+        <p:nvPicPr>
+          <p:cNvPr id="9" name="Picture 8">
+            <a:extLst>
+              <a:ext uri="{FF2B5EF4-FFF2-40B4-BE49-F238E27FC236}">
+                <a16:creationId xmlns:a16="http://schemas.microsoft.com/office/drawing/2014/main" id="{33F1C3EC-E3F1-C41B-6529-56B1C264700F}"/>
+              </a:ext>
+            </a:extLst>
+          </p:cNvPr>
+          <p:cNvPicPr>
+            <a:picLocks noChangeAspect="1"/>
+          </p:cNvPicPr>
+          <p:nvPr/>
+        </p:nvPicPr>
+        <p:blipFill>
+          <a:blip r:embed="rId2"/>
+          <a:stretch>
+            <a:fillRect/>
+          </a:stretch>
+        </p:blipFill>
+        <p:spPr>
+          <a:xfrm>
+            <a:off x="6343225" y="3205153"/>
+            <a:ext cx="5672745" cy="2635907"/>
+          </a:xfrm>
+          <a:prstGeom prst="rect">
+            <a:avLst/>
+          </a:prstGeom>
+        </p:spPr>
+      </p:pic>
+      <p:pic>
+        <p:nvPicPr>
+          <p:cNvPr id="10" name="Picture 9">
+            <a:extLst>
+              <a:ext uri="{FF2B5EF4-FFF2-40B4-BE49-F238E27FC236}">
+                <a16:creationId xmlns:a16="http://schemas.microsoft.com/office/drawing/2014/main" id="{F9E149AB-2D32-1A9C-6CF6-49AA421F37E4}"/>
+              </a:ext>
+            </a:extLst>
+          </p:cNvPr>
+          <p:cNvPicPr>
+            <a:picLocks noChangeAspect="1"/>
+          </p:cNvPicPr>
+          <p:nvPr/>
+        </p:nvPicPr>
+        <p:blipFill>
+          <a:blip r:embed="rId3"/>
+          <a:stretch>
+            <a:fillRect/>
+          </a:stretch>
+        </p:blipFill>
+        <p:spPr>
+          <a:xfrm>
+            <a:off x="866775" y="3206663"/>
+            <a:ext cx="4683215" cy="2635908"/>
+          </a:xfrm>
+          <a:prstGeom prst="rect">
+            <a:avLst/>
+          </a:prstGeom>
+        </p:spPr>
+      </p:pic>
+    </p:spTree>
+    <p:extLst>
+      <p:ext uri="{BB962C8B-B14F-4D97-AF65-F5344CB8AC3E}">
+        <p14:creationId xmlns:p14="http://schemas.microsoft.com/office/powerpoint/2010/main" val="481713390"/>
+      </p:ext>
+    </p:extLst>
+  </p:cSld>
+  <p:clrMapOvr>
+    <a:masterClrMapping/>
+  </p:clrMapOvr>
+</p:sld>
+</file>
+
+<file path=ppt/slides/slide34.xml><?xml version="1.0" encoding="utf-8"?>
+<p:sld xmlns:a="http://schemas.openxmlformats.org/drawingml/2006/main" xmlns:r="http://schemas.openxmlformats.org/officeDocument/2006/relationships" xmlns:p="http://schemas.openxmlformats.org/presentationml/2006/main">
+  <p:cSld>
+    <p:spTree>
+      <p:nvGrpSpPr>
+        <p:cNvPr id="1" name=""/>
+        <p:cNvGrpSpPr/>
+        <p:nvPr/>
+      </p:nvGrpSpPr>
+      <p:grpSpPr>
+        <a:xfrm>
+          <a:off x="0" y="0"/>
+          <a:ext cx="0" cy="0"/>
+          <a:chOff x="0" y="0"/>
+          <a:chExt cx="0" cy="0"/>
+        </a:xfrm>
+      </p:grpSpPr>
+      <p:sp>
+        <p:nvSpPr>
+          <p:cNvPr id="7" name="Title 6">
+            <a:extLst>
+              <a:ext uri="{FF2B5EF4-FFF2-40B4-BE49-F238E27FC236}">
+                <a16:creationId xmlns:a16="http://schemas.microsoft.com/office/drawing/2014/main" id="{56A0B0BF-563E-0175-A1E9-3B214303ED06}"/>
+              </a:ext>
+            </a:extLst>
+          </p:cNvPr>
+          <p:cNvSpPr>
+            <a:spLocks noGrp="1"/>
+          </p:cNvSpPr>
+          <p:nvPr>
+            <p:ph type="title"/>
+          </p:nvPr>
+        </p:nvSpPr>
+        <p:spPr/>
+        <p:txBody>
+          <a:bodyPr/>
+          <a:lstStyle/>
+          <a:p>
+            <a:r>
+              <a:rPr lang="en-US" dirty="0"/>
+              <a:t>Building a GLM table</a:t>
+            </a:r>
+            <a:endParaRPr lang="he-IL" dirty="0"/>
+          </a:p>
+        </p:txBody>
+      </p:sp>
+      <p:sp>
+        <p:nvSpPr>
+          <p:cNvPr id="8" name="Content Placeholder 7">
+            <a:extLst>
+              <a:ext uri="{FF2B5EF4-FFF2-40B4-BE49-F238E27FC236}">
+                <a16:creationId xmlns:a16="http://schemas.microsoft.com/office/drawing/2014/main" id="{616900F6-2340-4CBC-D3ED-91F3AE9F0619}"/>
+              </a:ext>
+            </a:extLst>
+          </p:cNvPr>
+          <p:cNvSpPr>
+            <a:spLocks noGrp="1"/>
+          </p:cNvSpPr>
+          <p:nvPr>
+            <p:ph idx="1"/>
+          </p:nvPr>
+        </p:nvSpPr>
+        <p:spPr>
+          <a:xfrm>
+            <a:off x="838200" y="1825625"/>
+            <a:ext cx="10515600" cy="857940"/>
+          </a:xfrm>
+        </p:spPr>
+        <p:txBody>
+          <a:bodyPr>
+            <a:normAutofit fontScale="92500" lnSpcReduction="10000"/>
+          </a:bodyPr>
+          <a:lstStyle/>
+          <a:p>
+            <a:r>
+              <a:rPr lang="en-US" dirty="0"/>
+              <a:t>You can add to this or look it up</a:t>
+            </a:r>
+          </a:p>
+          <a:p>
+            <a:r>
+              <a:rPr lang="en-US" dirty="0"/>
+              <a:t>The full table has around 9 rows</a:t>
+            </a:r>
+            <a:endParaRPr lang="he-IL" dirty="0"/>
+          </a:p>
+        </p:txBody>
+      </p:sp>
+      <mc:AlternateContent xmlns:mc="http://schemas.openxmlformats.org/markup-compatibility/2006">
+        <mc:Choice xmlns:a14="http://schemas.microsoft.com/office/drawing/2010/main" Requires="a14">
+          <p:graphicFrame>
+            <p:nvGraphicFramePr>
+              <p:cNvPr id="9" name="Table 8">
+                <a:extLst>
+                  <a:ext uri="{FF2B5EF4-FFF2-40B4-BE49-F238E27FC236}">
+                    <a16:creationId xmlns:a16="http://schemas.microsoft.com/office/drawing/2014/main" id="{7378DEA5-8C22-5B58-4BB7-B033A7B06FDE}"/>
+                  </a:ext>
+                </a:extLst>
+              </p:cNvPr>
+              <p:cNvGraphicFramePr>
+                <a:graphicFrameLocks noGrp="1"/>
+              </p:cNvGraphicFramePr>
+              <p:nvPr>
+                <p:extLst>
+                  <p:ext uri="{D42A27DB-BD31-4B8C-83A1-F6EECF244321}">
+                    <p14:modId xmlns:p14="http://schemas.microsoft.com/office/powerpoint/2010/main" val="1171512427"/>
+                  </p:ext>
+                </p:extLst>
+              </p:nvPr>
+            </p:nvGraphicFramePr>
+            <p:xfrm>
+              <a:off x="1753704" y="2899649"/>
+              <a:ext cx="8128000" cy="1752600"/>
+            </p:xfrm>
+            <a:graphic>
+              <a:graphicData uri="http://schemas.openxmlformats.org/drawingml/2006/table">
+                <a:tbl>
+                  <a:tblPr firstRow="1" bandRow="1">
+                    <a:tableStyleId>{5C22544A-7EE6-4342-B048-85BDC9FD1C3A}</a:tableStyleId>
+                  </a:tblPr>
+                  <a:tblGrid>
+                    <a:gridCol w="2032000">
+                      <a:extLst>
+                        <a:ext uri="{9D8B030D-6E8A-4147-A177-3AD203B41FA5}">
+                          <a16:colId xmlns:a16="http://schemas.microsoft.com/office/drawing/2014/main" val="882356917"/>
+                        </a:ext>
+                      </a:extLst>
+                    </a:gridCol>
+                    <a:gridCol w="2032000">
+                      <a:extLst>
+                        <a:ext uri="{9D8B030D-6E8A-4147-A177-3AD203B41FA5}">
+                          <a16:colId xmlns:a16="http://schemas.microsoft.com/office/drawing/2014/main" val="2694699637"/>
+                        </a:ext>
+                      </a:extLst>
+                    </a:gridCol>
+                    <a:gridCol w="2032000">
+                      <a:extLst>
+                        <a:ext uri="{9D8B030D-6E8A-4147-A177-3AD203B41FA5}">
+                          <a16:colId xmlns:a16="http://schemas.microsoft.com/office/drawing/2014/main" val="2692734395"/>
+                        </a:ext>
+                      </a:extLst>
+                    </a:gridCol>
+                    <a:gridCol w="2032000">
+                      <a:extLst>
+                        <a:ext uri="{9D8B030D-6E8A-4147-A177-3AD203B41FA5}">
+                          <a16:colId xmlns:a16="http://schemas.microsoft.com/office/drawing/2014/main" val="515647734"/>
+                        </a:ext>
+                      </a:extLst>
+                    </a:gridCol>
+                  </a:tblGrid>
+                  <a:tr h="370840">
+                    <a:tc>
+                      <a:txBody>
+                        <a:bodyPr/>
+                        <a:lstStyle/>
+                        <a:p>
+                          <a:pPr algn="l" rtl="0"/>
+                          <a:r>
+                            <a:rPr lang="en-US" dirty="0"/>
+                            <a:t>Likelihood</a:t>
+                          </a:r>
+                          <a:endParaRPr lang="he-IL" dirty="0"/>
+                        </a:p>
+                      </a:txBody>
+                      <a:tcPr/>
+                    </a:tc>
+                    <a:tc>
+                      <a:txBody>
+                        <a:bodyPr/>
+                        <a:lstStyle/>
+                        <a:p>
+                          <a:pPr algn="l" rtl="0"/>
+                          <a:r>
+                            <a:rPr lang="en-US" dirty="0"/>
+                            <a:t>Link function</a:t>
+                          </a:r>
+                          <a:endParaRPr lang="he-IL" dirty="0"/>
+                        </a:p>
+                      </a:txBody>
+                      <a:tcPr/>
+                    </a:tc>
+                    <a:tc>
+                      <a:txBody>
+                        <a:bodyPr/>
+                        <a:lstStyle/>
+                        <a:p>
+                          <a:pPr algn="l" rtl="0"/>
+                          <a:r>
+                            <a:rPr lang="en-US" dirty="0"/>
+                            <a:t>Additional parameters</a:t>
+                          </a:r>
+                          <a:endParaRPr lang="he-IL" dirty="0"/>
+                        </a:p>
+                      </a:txBody>
+                      <a:tcPr/>
+                    </a:tc>
+                    <a:tc>
+                      <a:txBody>
+                        <a:bodyPr/>
+                        <a:lstStyle/>
+                        <a:p>
+                          <a:pPr algn="l" rtl="0"/>
+                          <a:r>
+                            <a:rPr lang="en-US" dirty="0"/>
+                            <a:t>Type of data</a:t>
+                          </a:r>
+                          <a:endParaRPr lang="he-IL" dirty="0"/>
+                        </a:p>
+                      </a:txBody>
+                      <a:tcPr/>
+                    </a:tc>
+                    <a:extLst>
+                      <a:ext uri="{0D108BD9-81ED-4DB2-BD59-A6C34878D82A}">
+                        <a16:rowId xmlns:a16="http://schemas.microsoft.com/office/drawing/2014/main" val="4143324768"/>
+                      </a:ext>
+                    </a:extLst>
+                  </a:tr>
+                  <a:tr h="370840">
+                    <a:tc>
+                      <a:txBody>
+                        <a:bodyPr/>
+                        <a:lstStyle/>
+                        <a:p>
+                          <a:pPr algn="l" rtl="0"/>
+                          <a:r>
+                            <a:rPr lang="en-US" dirty="0"/>
+                            <a:t>Normal</a:t>
+                          </a:r>
+                          <a:endParaRPr lang="he-IL" dirty="0"/>
+                        </a:p>
+                      </a:txBody>
+                      <a:tcPr/>
+                    </a:tc>
+                    <a:tc>
+                      <a:txBody>
+                        <a:bodyPr/>
+                        <a:lstStyle/>
+                        <a:p>
+                          <a:pPr algn="l" rtl="0"/>
+                          <a:r>
+                            <a:rPr lang="en-US" dirty="0"/>
+                            <a:t>Identity</a:t>
+                          </a:r>
+                          <a:endParaRPr lang="he-IL" dirty="0"/>
+                        </a:p>
+                      </a:txBody>
+                      <a:tcPr/>
+                    </a:tc>
+                    <a:tc>
+                      <a:txBody>
+                        <a:bodyPr/>
+                        <a:lstStyle/>
+                        <a:p>
+                          <a:pPr algn="l" rtl="0"/>
+                          <a14:m>
+                            <m:oMath xmlns:m="http://schemas.openxmlformats.org/officeDocument/2006/math">
+                              <m:r>
+                                <a:rPr lang="en-US" b="0" i="1" smtClean="0">
+                                  <a:latin typeface="Cambria Math" panose="02040503050406030204" pitchFamily="18" charset="0"/>
+                                </a:rPr>
+                                <m:t>𝜎</m:t>
+                              </m:r>
+                            </m:oMath>
+                          </a14:m>
+                          <a:r>
+                            <a:rPr lang="en-US" dirty="0"/>
+                            <a:t>: std</a:t>
+                          </a:r>
+                          <a:endParaRPr lang="he-IL" dirty="0"/>
+                        </a:p>
+                      </a:txBody>
+                      <a:tcPr/>
+                    </a:tc>
+                    <a:tc>
+                      <a:txBody>
+                        <a:bodyPr/>
+                        <a:lstStyle/>
+                        <a:p>
+                          <a:pPr algn="l" rtl="0"/>
+                          <a:r>
+                            <a:rPr lang="en-US" dirty="0"/>
+                            <a:t>Measures</a:t>
+                          </a:r>
+                          <a:endParaRPr lang="he-IL" dirty="0"/>
+                        </a:p>
+                      </a:txBody>
+                      <a:tcPr/>
+                    </a:tc>
+                    <a:extLst>
+                      <a:ext uri="{0D108BD9-81ED-4DB2-BD59-A6C34878D82A}">
+                        <a16:rowId xmlns:a16="http://schemas.microsoft.com/office/drawing/2014/main" val="952145733"/>
+                      </a:ext>
+                    </a:extLst>
+                  </a:tr>
+                  <a:tr h="370840">
+                    <a:tc>
+                      <a:txBody>
+                        <a:bodyPr/>
+                        <a:lstStyle/>
+                        <a:p>
+                          <a:pPr algn="l" rtl="0"/>
+                          <a:r>
+                            <a:rPr lang="en-US" dirty="0"/>
+                            <a:t>Negative binomial</a:t>
+                          </a:r>
+                          <a:endParaRPr lang="he-IL" dirty="0"/>
+                        </a:p>
+                      </a:txBody>
+                      <a:tcPr/>
+                    </a:tc>
+                    <a:tc>
+                      <a:txBody>
+                        <a:bodyPr/>
+                        <a:lstStyle/>
+                        <a:p>
+                          <a:pPr algn="l" rtl="0"/>
+                          <a:r>
+                            <a:rPr lang="en-US" dirty="0"/>
+                            <a:t>Exponential</a:t>
+                          </a:r>
+                          <a:endParaRPr lang="he-IL" dirty="0"/>
+                        </a:p>
+                      </a:txBody>
+                      <a:tcPr/>
+                    </a:tc>
+                    <a:tc>
+                      <a:txBody>
+                        <a:bodyPr/>
+                        <a:lstStyle/>
+                        <a:p>
+                          <a:pPr marL="0" marR="0" lvl="0" indent="0" algn="l" defTabSz="914400" rtl="0" eaLnBrk="1" fontAlgn="auto" latinLnBrk="0" hangingPunct="1">
+                            <a:lnSpc>
+                              <a:spcPct val="100000"/>
+                            </a:lnSpc>
+                            <a:spcBef>
+                              <a:spcPts val="0"/>
+                            </a:spcBef>
+                            <a:spcAft>
+                              <a:spcPts val="0"/>
+                            </a:spcAft>
+                            <a:buClrTx/>
+                            <a:buSzTx/>
+                            <a:buFontTx/>
+                            <a:buNone/>
+                            <a:tabLst/>
+                            <a:defRPr/>
+                          </a:pPr>
+                          <a14:m>
+                            <m:oMath xmlns:m="http://schemas.openxmlformats.org/officeDocument/2006/math">
+                              <m:r>
+                                <a:rPr lang="he-IL" b="0" i="1" smtClean="0">
+                                  <a:latin typeface="Cambria Math" panose="02040503050406030204" pitchFamily="18" charset="0"/>
+                                </a:rPr>
+                                <m:t>𝛼</m:t>
+                              </m:r>
+                            </m:oMath>
+                          </a14:m>
+                          <a:r>
+                            <a:rPr lang="he-IL" dirty="0"/>
+                            <a:t>:</a:t>
+                          </a:r>
+                          <a:r>
+                            <a:rPr lang="en-US" dirty="0"/>
+                            <a:t> shape</a:t>
+                          </a:r>
+                          <a:endParaRPr lang="he-IL" dirty="0"/>
+                        </a:p>
+                      </a:txBody>
+                      <a:tcPr/>
+                    </a:tc>
+                    <a:tc>
+                      <a:txBody>
+                        <a:bodyPr/>
+                        <a:lstStyle/>
+                        <a:p>
+                          <a:pPr algn="l" rtl="0"/>
+                          <a:r>
+                            <a:rPr lang="en-US" dirty="0"/>
+                            <a:t>Count data</a:t>
+                          </a:r>
+                          <a:endParaRPr lang="he-IL" dirty="0"/>
+                        </a:p>
+                      </a:txBody>
+                      <a:tcPr/>
+                    </a:tc>
+                    <a:extLst>
+                      <a:ext uri="{0D108BD9-81ED-4DB2-BD59-A6C34878D82A}">
+                        <a16:rowId xmlns:a16="http://schemas.microsoft.com/office/drawing/2014/main" val="1980835936"/>
+                      </a:ext>
+                    </a:extLst>
+                  </a:tr>
+                  <a:tr h="370840">
+                    <a:tc>
+                      <a:txBody>
+                        <a:bodyPr/>
+                        <a:lstStyle/>
+                        <a:p>
+                          <a:pPr algn="l" rtl="0"/>
+                          <a:r>
+                            <a:rPr lang="en-US" dirty="0"/>
+                            <a:t>Poisson</a:t>
+                          </a:r>
+                          <a:endParaRPr lang="he-IL" dirty="0"/>
+                        </a:p>
+                      </a:txBody>
+                      <a:tcPr/>
+                    </a:tc>
+                    <a:tc>
+                      <a:txBody>
+                        <a:bodyPr/>
+                        <a:lstStyle/>
+                        <a:p>
+                          <a:pPr algn="l" rtl="0"/>
+                          <a:r>
+                            <a:rPr lang="en-US" dirty="0"/>
+                            <a:t>Exponential</a:t>
+                          </a:r>
+                          <a:endParaRPr lang="he-IL" dirty="0"/>
+                        </a:p>
+                      </a:txBody>
+                      <a:tcPr/>
+                    </a:tc>
+                    <a:tc>
+                      <a:txBody>
+                        <a:bodyPr/>
+                        <a:lstStyle/>
+                        <a:p>
+                          <a:pPr marL="0" marR="0" lvl="0" indent="0" algn="l" defTabSz="914400" rtl="0" eaLnBrk="1" fontAlgn="auto" latinLnBrk="0" hangingPunct="1">
+                            <a:lnSpc>
+                              <a:spcPct val="100000"/>
+                            </a:lnSpc>
+                            <a:spcBef>
+                              <a:spcPts val="0"/>
+                            </a:spcBef>
+                            <a:spcAft>
+                              <a:spcPts val="0"/>
+                            </a:spcAft>
+                            <a:buClrTx/>
+                            <a:buSzTx/>
+                            <a:buFontTx/>
+                            <a:buNone/>
+                            <a:tabLst/>
+                            <a:defRPr/>
+                          </a:pPr>
+                          <a:r>
+                            <a:rPr lang="en-US" dirty="0"/>
+                            <a:t>None</a:t>
+                          </a:r>
+                          <a:endParaRPr lang="he-IL" dirty="0"/>
+                        </a:p>
+                      </a:txBody>
+                      <a:tcPr/>
+                    </a:tc>
+                    <a:tc>
+                      <a:txBody>
+                        <a:bodyPr/>
+                        <a:lstStyle/>
+                        <a:p>
+                          <a:pPr algn="l" rtl="0"/>
+                          <a:r>
+                            <a:rPr lang="en-US" dirty="0"/>
+                            <a:t>Count data</a:t>
+                          </a:r>
+                          <a:endParaRPr lang="he-IL" dirty="0"/>
+                        </a:p>
+                      </a:txBody>
+                      <a:tcPr/>
+                    </a:tc>
+                    <a:extLst>
+                      <a:ext uri="{0D108BD9-81ED-4DB2-BD59-A6C34878D82A}">
+                        <a16:rowId xmlns:a16="http://schemas.microsoft.com/office/drawing/2014/main" val="2757570271"/>
+                      </a:ext>
+                    </a:extLst>
+                  </a:tr>
+                </a:tbl>
+              </a:graphicData>
+            </a:graphic>
+          </p:graphicFrame>
+        </mc:Choice>
+        <mc:Fallback>
+          <p:graphicFrame>
+            <p:nvGraphicFramePr>
+              <p:cNvPr id="9" name="Table 8">
+                <a:extLst>
+                  <a:ext uri="{FF2B5EF4-FFF2-40B4-BE49-F238E27FC236}">
+                    <a16:creationId xmlns:a16="http://schemas.microsoft.com/office/drawing/2014/main" id="{7378DEA5-8C22-5B58-4BB7-B033A7B06FDE}"/>
+                  </a:ext>
+                </a:extLst>
+              </p:cNvPr>
+              <p:cNvGraphicFramePr>
+                <a:graphicFrameLocks noGrp="1"/>
+              </p:cNvGraphicFramePr>
+              <p:nvPr>
+                <p:extLst>
+                  <p:ext uri="{D42A27DB-BD31-4B8C-83A1-F6EECF244321}">
+                    <p14:modId xmlns:p14="http://schemas.microsoft.com/office/powerpoint/2010/main" val="1171512427"/>
+                  </p:ext>
+                </p:extLst>
+              </p:nvPr>
+            </p:nvGraphicFramePr>
+            <p:xfrm>
+              <a:off x="1753704" y="2899649"/>
+              <a:ext cx="8128000" cy="1752600"/>
+            </p:xfrm>
+            <a:graphic>
+              <a:graphicData uri="http://schemas.openxmlformats.org/drawingml/2006/table">
+                <a:tbl>
+                  <a:tblPr firstRow="1" bandRow="1">
+                    <a:tableStyleId>{5C22544A-7EE6-4342-B048-85BDC9FD1C3A}</a:tableStyleId>
+                  </a:tblPr>
+                  <a:tblGrid>
+                    <a:gridCol w="2032000">
+                      <a:extLst>
+                        <a:ext uri="{9D8B030D-6E8A-4147-A177-3AD203B41FA5}">
+                          <a16:colId xmlns:a16="http://schemas.microsoft.com/office/drawing/2014/main" val="882356917"/>
+                        </a:ext>
+                      </a:extLst>
+                    </a:gridCol>
+                    <a:gridCol w="2032000">
+                      <a:extLst>
+                        <a:ext uri="{9D8B030D-6E8A-4147-A177-3AD203B41FA5}">
+                          <a16:colId xmlns:a16="http://schemas.microsoft.com/office/drawing/2014/main" val="2694699637"/>
+                        </a:ext>
+                      </a:extLst>
+                    </a:gridCol>
+                    <a:gridCol w="2032000">
+                      <a:extLst>
+                        <a:ext uri="{9D8B030D-6E8A-4147-A177-3AD203B41FA5}">
+                          <a16:colId xmlns:a16="http://schemas.microsoft.com/office/drawing/2014/main" val="2692734395"/>
+                        </a:ext>
+                      </a:extLst>
+                    </a:gridCol>
+                    <a:gridCol w="2032000">
+                      <a:extLst>
+                        <a:ext uri="{9D8B030D-6E8A-4147-A177-3AD203B41FA5}">
+                          <a16:colId xmlns:a16="http://schemas.microsoft.com/office/drawing/2014/main" val="515647734"/>
+                        </a:ext>
+                      </a:extLst>
+                    </a:gridCol>
+                  </a:tblGrid>
+                  <a:tr h="640080">
+                    <a:tc>
+                      <a:txBody>
+                        <a:bodyPr/>
+                        <a:lstStyle/>
+                        <a:p>
+                          <a:pPr algn="l" rtl="0"/>
+                          <a:r>
+                            <a:rPr lang="en-US" dirty="0"/>
+                            <a:t>Likelihood</a:t>
+                          </a:r>
+                          <a:endParaRPr lang="he-IL" dirty="0"/>
+                        </a:p>
+                      </a:txBody>
+                      <a:tcPr/>
+                    </a:tc>
+                    <a:tc>
+                      <a:txBody>
+                        <a:bodyPr/>
+                        <a:lstStyle/>
+                        <a:p>
+                          <a:pPr algn="l" rtl="0"/>
+                          <a:r>
+                            <a:rPr lang="en-US" dirty="0"/>
+                            <a:t>Link function</a:t>
+                          </a:r>
+                          <a:endParaRPr lang="he-IL" dirty="0"/>
+                        </a:p>
+                      </a:txBody>
+                      <a:tcPr/>
+                    </a:tc>
+                    <a:tc>
+                      <a:txBody>
+                        <a:bodyPr/>
+                        <a:lstStyle/>
+                        <a:p>
+                          <a:pPr algn="l" rtl="0"/>
+                          <a:r>
+                            <a:rPr lang="en-US" dirty="0"/>
+                            <a:t>Additional parameters</a:t>
+                          </a:r>
+                          <a:endParaRPr lang="he-IL" dirty="0"/>
+                        </a:p>
+                      </a:txBody>
+                      <a:tcPr/>
+                    </a:tc>
+                    <a:tc>
+                      <a:txBody>
+                        <a:bodyPr/>
+                        <a:lstStyle/>
+                        <a:p>
+                          <a:pPr algn="l" rtl="0"/>
+                          <a:r>
+                            <a:rPr lang="en-US" dirty="0"/>
+                            <a:t>Type of data</a:t>
+                          </a:r>
+                          <a:endParaRPr lang="he-IL" dirty="0"/>
+                        </a:p>
+                      </a:txBody>
+                      <a:tcPr/>
+                    </a:tc>
+                    <a:extLst>
+                      <a:ext uri="{0D108BD9-81ED-4DB2-BD59-A6C34878D82A}">
+                        <a16:rowId xmlns:a16="http://schemas.microsoft.com/office/drawing/2014/main" val="4143324768"/>
+                      </a:ext>
+                    </a:extLst>
+                  </a:tr>
+                  <a:tr h="370840">
+                    <a:tc>
+                      <a:txBody>
+                        <a:bodyPr/>
+                        <a:lstStyle/>
+                        <a:p>
+                          <a:pPr algn="l" rtl="0"/>
+                          <a:r>
+                            <a:rPr lang="en-US" dirty="0"/>
+                            <a:t>Normal</a:t>
+                          </a:r>
+                          <a:endParaRPr lang="he-IL" dirty="0"/>
+                        </a:p>
+                      </a:txBody>
+                      <a:tcPr/>
+                    </a:tc>
+                    <a:tc>
+                      <a:txBody>
+                        <a:bodyPr/>
+                        <a:lstStyle/>
+                        <a:p>
+                          <a:pPr algn="l" rtl="0"/>
+                          <a:r>
+                            <a:rPr lang="en-US" dirty="0"/>
+                            <a:t>Identity</a:t>
+                          </a:r>
+                          <a:endParaRPr lang="he-IL" dirty="0"/>
+                        </a:p>
+                      </a:txBody>
+                      <a:tcPr/>
+                    </a:tc>
+                    <a:tc>
+                      <a:txBody>
+                        <a:bodyPr/>
+                        <a:lstStyle/>
+                        <a:p>
+                          <a:endParaRPr lang="he-IL"/>
+                        </a:p>
+                      </a:txBody>
+                      <a:tcPr>
+                        <a:blipFill>
+                          <a:blip r:embed="rId2"/>
+                          <a:stretch>
+                            <a:fillRect l="-200901" t="-181967" r="-101502" b="-222951"/>
+                          </a:stretch>
+                        </a:blipFill>
+                      </a:tcPr>
+                    </a:tc>
+                    <a:tc>
+                      <a:txBody>
+                        <a:bodyPr/>
+                        <a:lstStyle/>
+                        <a:p>
+                          <a:pPr algn="l" rtl="0"/>
+                          <a:r>
+                            <a:rPr lang="en-US" dirty="0"/>
+                            <a:t>Measures</a:t>
+                          </a:r>
+                          <a:endParaRPr lang="he-IL" dirty="0"/>
+                        </a:p>
+                      </a:txBody>
+                      <a:tcPr/>
+                    </a:tc>
+                    <a:extLst>
+                      <a:ext uri="{0D108BD9-81ED-4DB2-BD59-A6C34878D82A}">
+                        <a16:rowId xmlns:a16="http://schemas.microsoft.com/office/drawing/2014/main" val="952145733"/>
+                      </a:ext>
+                    </a:extLst>
+                  </a:tr>
+                  <a:tr h="370840">
+                    <a:tc>
+                      <a:txBody>
+                        <a:bodyPr/>
+                        <a:lstStyle/>
+                        <a:p>
+                          <a:pPr algn="l" rtl="0"/>
+                          <a:r>
+                            <a:rPr lang="en-US" dirty="0"/>
+                            <a:t>Negative binomial</a:t>
+                          </a:r>
+                          <a:endParaRPr lang="he-IL" dirty="0"/>
+                        </a:p>
+                      </a:txBody>
+                      <a:tcPr/>
+                    </a:tc>
+                    <a:tc>
+                      <a:txBody>
+                        <a:bodyPr/>
+                        <a:lstStyle/>
+                        <a:p>
+                          <a:pPr algn="l" rtl="0"/>
+                          <a:r>
+                            <a:rPr lang="en-US" dirty="0"/>
+                            <a:t>Exponential</a:t>
+                          </a:r>
+                          <a:endParaRPr lang="he-IL" dirty="0"/>
+                        </a:p>
+                      </a:txBody>
+                      <a:tcPr/>
+                    </a:tc>
+                    <a:tc>
+                      <a:txBody>
+                        <a:bodyPr/>
+                        <a:lstStyle/>
+                        <a:p>
+                          <a:endParaRPr lang="he-IL"/>
+                        </a:p>
+                      </a:txBody>
+                      <a:tcPr>
+                        <a:blipFill>
+                          <a:blip r:embed="rId2"/>
+                          <a:stretch>
+                            <a:fillRect l="-200901" t="-281967" r="-101502" b="-122951"/>
+                          </a:stretch>
+                        </a:blipFill>
+                      </a:tcPr>
+                    </a:tc>
+                    <a:tc>
+                      <a:txBody>
+                        <a:bodyPr/>
+                        <a:lstStyle/>
+                        <a:p>
+                          <a:pPr algn="l" rtl="0"/>
+                          <a:r>
+                            <a:rPr lang="en-US" dirty="0"/>
+                            <a:t>Count data</a:t>
+                          </a:r>
+                          <a:endParaRPr lang="he-IL" dirty="0"/>
+                        </a:p>
+                      </a:txBody>
+                      <a:tcPr/>
+                    </a:tc>
+                    <a:extLst>
+                      <a:ext uri="{0D108BD9-81ED-4DB2-BD59-A6C34878D82A}">
+                        <a16:rowId xmlns:a16="http://schemas.microsoft.com/office/drawing/2014/main" val="1980835936"/>
+                      </a:ext>
+                    </a:extLst>
+                  </a:tr>
+                  <a:tr h="370840">
+                    <a:tc>
+                      <a:txBody>
+                        <a:bodyPr/>
+                        <a:lstStyle/>
+                        <a:p>
+                          <a:pPr algn="l" rtl="0"/>
+                          <a:r>
+                            <a:rPr lang="en-US" dirty="0"/>
+                            <a:t>Poisson</a:t>
+                          </a:r>
+                          <a:endParaRPr lang="he-IL" dirty="0"/>
+                        </a:p>
+                      </a:txBody>
+                      <a:tcPr/>
+                    </a:tc>
+                    <a:tc>
+                      <a:txBody>
+                        <a:bodyPr/>
+                        <a:lstStyle/>
+                        <a:p>
+                          <a:pPr algn="l" rtl="0"/>
+                          <a:r>
+                            <a:rPr lang="en-US" dirty="0"/>
+                            <a:t>Exponential</a:t>
+                          </a:r>
+                          <a:endParaRPr lang="he-IL" dirty="0"/>
+                        </a:p>
+                      </a:txBody>
+                      <a:tcPr/>
+                    </a:tc>
+                    <a:tc>
+                      <a:txBody>
+                        <a:bodyPr/>
+                        <a:lstStyle/>
+                        <a:p>
+                          <a:pPr marL="0" marR="0" lvl="0" indent="0" algn="l" defTabSz="914400" rtl="0" eaLnBrk="1" fontAlgn="auto" latinLnBrk="0" hangingPunct="1">
+                            <a:lnSpc>
+                              <a:spcPct val="100000"/>
+                            </a:lnSpc>
+                            <a:spcBef>
+                              <a:spcPts val="0"/>
+                            </a:spcBef>
+                            <a:spcAft>
+                              <a:spcPts val="0"/>
+                            </a:spcAft>
+                            <a:buClrTx/>
+                            <a:buSzTx/>
+                            <a:buFontTx/>
+                            <a:buNone/>
+                            <a:tabLst/>
+                            <a:defRPr/>
+                          </a:pPr>
+                          <a:r>
+                            <a:rPr lang="en-US" dirty="0"/>
+                            <a:t>None</a:t>
+                          </a:r>
+                          <a:endParaRPr lang="he-IL" dirty="0"/>
+                        </a:p>
+                      </a:txBody>
+                      <a:tcPr/>
+                    </a:tc>
+                    <a:tc>
+                      <a:txBody>
+                        <a:bodyPr/>
+                        <a:lstStyle/>
+                        <a:p>
+                          <a:pPr algn="l" rtl="0"/>
+                          <a:r>
+                            <a:rPr lang="en-US" dirty="0"/>
+                            <a:t>Count data</a:t>
+                          </a:r>
+                          <a:endParaRPr lang="he-IL" dirty="0"/>
+                        </a:p>
+                      </a:txBody>
+                      <a:tcPr/>
+                    </a:tc>
+                    <a:extLst>
+                      <a:ext uri="{0D108BD9-81ED-4DB2-BD59-A6C34878D82A}">
+                        <a16:rowId xmlns:a16="http://schemas.microsoft.com/office/drawing/2014/main" val="2757570271"/>
+                      </a:ext>
+                    </a:extLst>
+                  </a:tr>
+                </a:tbl>
+              </a:graphicData>
+            </a:graphic>
+          </p:graphicFrame>
+        </mc:Fallback>
+      </mc:AlternateContent>
+    </p:spTree>
+    <p:extLst>
+      <p:ext uri="{BB962C8B-B14F-4D97-AF65-F5344CB8AC3E}">
+        <p14:creationId xmlns:p14="http://schemas.microsoft.com/office/powerpoint/2010/main" val="3619222778"/>
+      </p:ext>
+    </p:extLst>
+  </p:cSld>
+  <p:clrMapOvr>
+    <a:masterClrMapping/>
+  </p:clrMapOvr>
+</p:sld>
+</file>
+
+<file path=ppt/slides/slide35.xml><?xml version="1.0" encoding="utf-8"?>
+<p:sld xmlns:a="http://schemas.openxmlformats.org/drawingml/2006/main" xmlns:r="http://schemas.openxmlformats.org/officeDocument/2006/relationships" xmlns:p="http://schemas.openxmlformats.org/presentationml/2006/main">
+  <p:cSld>
+    <p:spTree>
+      <p:nvGrpSpPr>
+        <p:cNvPr id="1" name=""/>
+        <p:cNvGrpSpPr/>
+        <p:nvPr/>
+      </p:nvGrpSpPr>
+      <p:grpSpPr>
+        <a:xfrm>
+          <a:off x="0" y="0"/>
+          <a:ext cx="0" cy="0"/>
+          <a:chOff x="0" y="0"/>
+          <a:chExt cx="0" cy="0"/>
+        </a:xfrm>
+      </p:grpSpPr>
+      <p:sp>
+        <p:nvSpPr>
+          <p:cNvPr id="2" name="Title 1">
+            <a:extLst>
+              <a:ext uri="{FF2B5EF4-FFF2-40B4-BE49-F238E27FC236}">
+                <a16:creationId xmlns:a16="http://schemas.microsoft.com/office/drawing/2014/main" id="{FFA82F6E-69CB-01E0-FC95-C5E105F9861E}"/>
+              </a:ext>
+            </a:extLst>
+          </p:cNvPr>
+          <p:cNvSpPr>
+            <a:spLocks noGrp="1"/>
+          </p:cNvSpPr>
+          <p:nvPr>
+            <p:ph type="title"/>
+          </p:nvPr>
+        </p:nvSpPr>
+        <p:spPr/>
+        <p:txBody>
+          <a:bodyPr/>
+          <a:lstStyle/>
+          <a:p>
+            <a:r>
+              <a:rPr lang="en-US" dirty="0"/>
+              <a:t>The negative-binomial model</a:t>
+            </a:r>
+            <a:endParaRPr lang="he-IL" dirty="0"/>
+          </a:p>
+        </p:txBody>
+      </p:sp>
+      <p:graphicFrame>
+        <p:nvGraphicFramePr>
+          <p:cNvPr id="4" name="Object 3">
+            <a:extLst>
+              <a:ext uri="{FF2B5EF4-FFF2-40B4-BE49-F238E27FC236}">
+                <a16:creationId xmlns:a16="http://schemas.microsoft.com/office/drawing/2014/main" id="{CBF4A4B7-27FC-97FA-B782-B56860A6868C}"/>
+              </a:ext>
+            </a:extLst>
+          </p:cNvPr>
+          <p:cNvGraphicFramePr>
+            <a:graphicFrameLocks noChangeAspect="1"/>
+          </p:cNvGraphicFramePr>
+          <p:nvPr>
+            <p:extLst>
+              <p:ext uri="{D42A27DB-BD31-4B8C-83A1-F6EECF244321}">
+                <p14:modId xmlns:p14="http://schemas.microsoft.com/office/powerpoint/2010/main" val="4043290944"/>
+              </p:ext>
+            </p:extLst>
+          </p:nvPr>
+        </p:nvGraphicFramePr>
+        <p:xfrm>
+          <a:off x="896938" y="2655888"/>
+          <a:ext cx="2917825" cy="2730500"/>
+        </p:xfrm>
+        <a:graphic>
+          <a:graphicData uri="http://schemas.openxmlformats.org/presentationml/2006/ole">
+            <mc:AlternateContent xmlns:mc="http://schemas.openxmlformats.org/markup-compatibility/2006">
+              <mc:Choice xmlns:v="urn:schemas-microsoft-com:vml" Requires="v">
+                <p:oleObj name="Equation" r:id="rId2" imgW="1358640" imgH="1269720" progId="Equation.DSMT4">
+                  <p:embed/>
+                </p:oleObj>
+              </mc:Choice>
+              <mc:Fallback>
+                <p:oleObj name="Equation" r:id="rId2" imgW="1358640" imgH="1269720" progId="Equation.DSMT4">
+                  <p:embed/>
+                  <p:pic>
+                    <p:nvPicPr>
+                      <p:cNvPr id="9" name="Object 8">
+                        <a:extLst>
+                          <a:ext uri="{FF2B5EF4-FFF2-40B4-BE49-F238E27FC236}">
+                            <a16:creationId xmlns:a16="http://schemas.microsoft.com/office/drawing/2014/main" id="{3D6CBA1B-2DC0-D310-9AEF-5FC1BDFD2704}"/>
+                          </a:ext>
+                        </a:extLst>
+                      </p:cNvPr>
+                      <p:cNvPicPr/>
+                      <p:nvPr/>
+                    </p:nvPicPr>
+                    <p:blipFill>
+                      <a:blip r:embed="rId3"/>
+                      <a:stretch>
+                        <a:fillRect/>
+                      </a:stretch>
+                    </p:blipFill>
+                    <p:spPr>
+                      <a:xfrm>
+                        <a:off x="896938" y="2655888"/>
+                        <a:ext cx="2917825" cy="2730500"/>
+                      </a:xfrm>
+                      <a:prstGeom prst="rect">
+                        <a:avLst/>
+                      </a:prstGeom>
+                    </p:spPr>
+                  </p:pic>
+                </p:oleObj>
+              </mc:Fallback>
+            </mc:AlternateContent>
+          </a:graphicData>
+        </a:graphic>
+      </p:graphicFrame>
+      <p:pic>
+        <p:nvPicPr>
+          <p:cNvPr id="5" name="Graphic 4">
+            <a:extLst>
+              <a:ext uri="{FF2B5EF4-FFF2-40B4-BE49-F238E27FC236}">
+                <a16:creationId xmlns:a16="http://schemas.microsoft.com/office/drawing/2014/main" id="{2B9AB1E4-90DE-33FF-AFF9-816D99D8DCFA}"/>
+              </a:ext>
+            </a:extLst>
+          </p:cNvPr>
+          <p:cNvPicPr>
+            <a:picLocks noChangeAspect="1"/>
+          </p:cNvPicPr>
+          <p:nvPr/>
+        </p:nvPicPr>
+        <p:blipFill>
+          <a:blip r:embed="rId4">
+            <a:extLst>
+              <a:ext uri="{96DAC541-7B7A-43D3-8B79-37D633B846F1}">
+                <asvg:svgBlip xmlns:asvg="http://schemas.microsoft.com/office/drawing/2016/SVG/main" r:embed="rId5"/>
+              </a:ext>
+            </a:extLst>
+          </a:blip>
+          <a:stretch>
+            <a:fillRect/>
+          </a:stretch>
+        </p:blipFill>
+        <p:spPr>
+          <a:xfrm>
+            <a:off x="5849411" y="1634406"/>
+            <a:ext cx="3326530" cy="4773464"/>
+          </a:xfrm>
+          <a:prstGeom prst="rect">
+            <a:avLst/>
+          </a:prstGeom>
+        </p:spPr>
+      </p:pic>
+    </p:spTree>
+    <p:extLst>
+      <p:ext uri="{BB962C8B-B14F-4D97-AF65-F5344CB8AC3E}">
+        <p14:creationId xmlns:p14="http://schemas.microsoft.com/office/powerpoint/2010/main" val="1622978421"/>
+      </p:ext>
+    </p:extLst>
+  </p:cSld>
+  <p:clrMapOvr>
+    <a:masterClrMapping/>
+  </p:clrMapOvr>
+</p:sld>
+</file>
+
+<file path=ppt/slides/slide36.xml><?xml version="1.0" encoding="utf-8"?>
+<p:sld xmlns:a="http://schemas.openxmlformats.org/drawingml/2006/main" xmlns:r="http://schemas.openxmlformats.org/officeDocument/2006/relationships" xmlns:p="http://schemas.openxmlformats.org/presentationml/2006/main">
+  <p:cSld>
+    <p:spTree>
+      <p:nvGrpSpPr>
+        <p:cNvPr id="1" name="">
+          <a:extLst>
+            <a:ext uri="{FF2B5EF4-FFF2-40B4-BE49-F238E27FC236}">
+              <a16:creationId xmlns:a16="http://schemas.microsoft.com/office/drawing/2014/main" id="{3E980952-5BD7-A7DF-6954-BE484A12CA44}"/>
+            </a:ext>
+          </a:extLst>
+        </p:cNvPr>
+        <p:cNvGrpSpPr/>
+        <p:nvPr/>
+      </p:nvGrpSpPr>
+      <p:grpSpPr>
+        <a:xfrm>
+          <a:off x="0" y="0"/>
+          <a:ext cx="0" cy="0"/>
+          <a:chOff x="0" y="0"/>
+          <a:chExt cx="0" cy="0"/>
+        </a:xfrm>
+      </p:grpSpPr>
+      <p:sp>
+        <p:nvSpPr>
+          <p:cNvPr id="2" name="Title 1">
+            <a:extLst>
+              <a:ext uri="{FF2B5EF4-FFF2-40B4-BE49-F238E27FC236}">
+                <a16:creationId xmlns:a16="http://schemas.microsoft.com/office/drawing/2014/main" id="{4002D81E-D198-4829-6E84-2D9E846225C0}"/>
+              </a:ext>
+            </a:extLst>
+          </p:cNvPr>
+          <p:cNvSpPr>
+            <a:spLocks noGrp="1"/>
+          </p:cNvSpPr>
+          <p:nvPr>
+            <p:ph type="title"/>
+          </p:nvPr>
+        </p:nvSpPr>
+        <p:spPr/>
+        <p:txBody>
+          <a:bodyPr/>
+          <a:lstStyle/>
+          <a:p>
+            <a:r>
+              <a:rPr lang="en-US" dirty="0"/>
+              <a:t>The negative-binomial model</a:t>
+            </a:r>
+            <a:endParaRPr lang="he-IL" dirty="0"/>
+          </a:p>
+        </p:txBody>
+      </p:sp>
+      <p:pic>
+        <p:nvPicPr>
+          <p:cNvPr id="5" name="Graphic 4">
+            <a:extLst>
+              <a:ext uri="{FF2B5EF4-FFF2-40B4-BE49-F238E27FC236}">
+                <a16:creationId xmlns:a16="http://schemas.microsoft.com/office/drawing/2014/main" id="{D0BC97A9-0C6A-5204-FCAD-9321D9B5D7D1}"/>
+              </a:ext>
+            </a:extLst>
+          </p:cNvPr>
+          <p:cNvPicPr>
+            <a:picLocks noChangeAspect="1"/>
+          </p:cNvPicPr>
+          <p:nvPr/>
+        </p:nvPicPr>
+        <p:blipFill>
+          <a:blip r:embed="rId2">
+            <a:extLst>
+              <a:ext uri="{96DAC541-7B7A-43D3-8B79-37D633B846F1}">
+                <asvg:svgBlip xmlns:asvg="http://schemas.microsoft.com/office/drawing/2016/SVG/main" r:embed="rId3"/>
+              </a:ext>
+            </a:extLst>
+          </a:blip>
+          <a:stretch>
+            <a:fillRect/>
+          </a:stretch>
+        </p:blipFill>
+        <p:spPr>
+          <a:xfrm>
+            <a:off x="272859" y="1525962"/>
+            <a:ext cx="3326530" cy="4773464"/>
+          </a:xfrm>
+          <a:prstGeom prst="rect">
+            <a:avLst/>
+          </a:prstGeom>
+        </p:spPr>
+      </p:pic>
+      <p:sp>
+        <p:nvSpPr>
+          <p:cNvPr id="7" name="TextBox 6">
+            <a:extLst>
+              <a:ext uri="{FF2B5EF4-FFF2-40B4-BE49-F238E27FC236}">
+                <a16:creationId xmlns:a16="http://schemas.microsoft.com/office/drawing/2014/main" id="{4A56D039-41EC-1778-2C88-F89275C3AF0F}"/>
+              </a:ext>
+            </a:extLst>
+          </p:cNvPr>
+          <p:cNvSpPr txBox="1"/>
+          <p:nvPr/>
+        </p:nvSpPr>
+        <p:spPr>
+          <a:xfrm>
+            <a:off x="3889421" y="1822102"/>
+            <a:ext cx="8482884" cy="2308324"/>
+          </a:xfrm>
+          <a:prstGeom prst="rect">
+            <a:avLst/>
+          </a:prstGeom>
+          <a:noFill/>
+        </p:spPr>
+        <p:txBody>
+          <a:bodyPr wrap="square">
+            <a:spAutoFit/>
+          </a:bodyPr>
+          <a:lstStyle/>
+          <a:p>
             <a:pPr>
-              <a:defRPr/>
+              <a:buNone/>
             </a:pPr>
-            <a:fld id="{3469EAC8-EFAD-49DA-A425-6225312A328A}" type="slidenum">
-              <a:rPr lang="he-IL" altLang="en-US" smtClean="0"/>
-              <a:pPr>
-                <a:defRPr/>
-              </a:pPr>
-              <a:t>3</a:t>
-            </a:fld>
-            <a:r>
-              <a:rPr lang="en-US" altLang="en-US"/>
-              <a:t> /  72</a:t>
-            </a:r>
+            <a:r>
+              <a:rPr lang="en-US" b="0" dirty="0">
+                <a:solidFill>
+                  <a:srgbClr val="4B69C6"/>
+                </a:solidFill>
+                <a:effectLst/>
+                <a:latin typeface="Consolas" panose="020B0609020204030204" pitchFamily="49" charset="0"/>
+              </a:rPr>
+              <a:t>with</a:t>
+            </a:r>
+            <a:r>
+              <a:rPr lang="en-US" b="0" dirty="0">
+                <a:solidFill>
+                  <a:srgbClr val="333333"/>
+                </a:solidFill>
+                <a:effectLst/>
+                <a:latin typeface="Consolas" panose="020B0609020204030204" pitchFamily="49" charset="0"/>
+              </a:rPr>
+              <a:t> </a:t>
+            </a:r>
+            <a:r>
+              <a:rPr lang="en-US" b="1" dirty="0" err="1">
+                <a:solidFill>
+                  <a:srgbClr val="7A3E9D"/>
+                </a:solidFill>
+                <a:effectLst/>
+                <a:latin typeface="Consolas" panose="020B0609020204030204" pitchFamily="49" charset="0"/>
+              </a:rPr>
+              <a:t>pm</a:t>
+            </a:r>
+            <a:r>
+              <a:rPr lang="en-US" b="0" dirty="0" err="1">
+                <a:solidFill>
+                  <a:srgbClr val="777777"/>
+                </a:solidFill>
+                <a:effectLst/>
+                <a:latin typeface="Consolas" panose="020B0609020204030204" pitchFamily="49" charset="0"/>
+              </a:rPr>
+              <a:t>.</a:t>
+            </a:r>
+            <a:r>
+              <a:rPr lang="en-US" b="1" dirty="0" err="1">
+                <a:solidFill>
+                  <a:srgbClr val="7A3E9D"/>
+                </a:solidFill>
+                <a:effectLst/>
+                <a:latin typeface="Consolas" panose="020B0609020204030204" pitchFamily="49" charset="0"/>
+              </a:rPr>
+              <a:t>Model</a:t>
+            </a:r>
+            <a:r>
+              <a:rPr lang="en-US" b="0" dirty="0">
+                <a:solidFill>
+                  <a:srgbClr val="777777"/>
+                </a:solidFill>
+                <a:effectLst/>
+                <a:latin typeface="Consolas" panose="020B0609020204030204" pitchFamily="49" charset="0"/>
+              </a:rPr>
+              <a:t>()</a:t>
+            </a:r>
+            <a:r>
+              <a:rPr lang="en-US" b="0" dirty="0">
+                <a:solidFill>
+                  <a:srgbClr val="333333"/>
+                </a:solidFill>
+                <a:effectLst/>
+                <a:latin typeface="Consolas" panose="020B0609020204030204" pitchFamily="49" charset="0"/>
+              </a:rPr>
+              <a:t> </a:t>
+            </a:r>
+            <a:r>
+              <a:rPr lang="en-US" b="0" dirty="0">
+                <a:solidFill>
+                  <a:srgbClr val="4B69C6"/>
+                </a:solidFill>
+                <a:effectLst/>
+                <a:latin typeface="Consolas" panose="020B0609020204030204" pitchFamily="49" charset="0"/>
+              </a:rPr>
+              <a:t>as</a:t>
+            </a:r>
+            <a:r>
+              <a:rPr lang="en-US" b="0" dirty="0">
+                <a:solidFill>
+                  <a:srgbClr val="333333"/>
+                </a:solidFill>
+                <a:effectLst/>
+                <a:latin typeface="Consolas" panose="020B0609020204030204" pitchFamily="49" charset="0"/>
+              </a:rPr>
+              <a:t> </a:t>
+            </a:r>
+            <a:r>
+              <a:rPr lang="en-US" b="0" dirty="0" err="1">
+                <a:solidFill>
+                  <a:srgbClr val="7A3E9D"/>
+                </a:solidFill>
+                <a:effectLst/>
+                <a:latin typeface="Consolas" panose="020B0609020204030204" pitchFamily="49" charset="0"/>
+              </a:rPr>
+              <a:t>model_neg</a:t>
+            </a:r>
+            <a:r>
+              <a:rPr lang="en-US" b="0" dirty="0">
+                <a:solidFill>
+                  <a:srgbClr val="777777"/>
+                </a:solidFill>
+                <a:effectLst/>
+                <a:latin typeface="Consolas" panose="020B0609020204030204" pitchFamily="49" charset="0"/>
+              </a:rPr>
+              <a:t>:</a:t>
+            </a:r>
+            <a:endParaRPr lang="en-US" b="0" dirty="0">
+              <a:solidFill>
+                <a:srgbClr val="333333"/>
+              </a:solidFill>
+              <a:effectLst/>
+              <a:latin typeface="Consolas" panose="020B0609020204030204" pitchFamily="49" charset="0"/>
+            </a:endParaRPr>
+          </a:p>
+          <a:p>
+            <a:pPr>
+              <a:buNone/>
+            </a:pPr>
+            <a:r>
+              <a:rPr lang="en-US" b="0" dirty="0">
+                <a:solidFill>
+                  <a:srgbClr val="333333"/>
+                </a:solidFill>
+                <a:effectLst/>
+                <a:latin typeface="Consolas" panose="020B0609020204030204" pitchFamily="49" charset="0"/>
+              </a:rPr>
+              <a:t>    </a:t>
+            </a:r>
+            <a:r>
+              <a:rPr lang="en-US" b="0" dirty="0">
+                <a:solidFill>
+                  <a:srgbClr val="7A3E9D"/>
+                </a:solidFill>
+                <a:effectLst/>
+                <a:latin typeface="Consolas" panose="020B0609020204030204" pitchFamily="49" charset="0"/>
+              </a:rPr>
+              <a:t>beta0</a:t>
+            </a:r>
+            <a:r>
+              <a:rPr lang="en-US" b="0" dirty="0">
+                <a:solidFill>
+                  <a:srgbClr val="333333"/>
+                </a:solidFill>
+                <a:effectLst/>
+                <a:latin typeface="Consolas" panose="020B0609020204030204" pitchFamily="49" charset="0"/>
+              </a:rPr>
+              <a:t> </a:t>
+            </a:r>
+            <a:r>
+              <a:rPr lang="en-US" b="0" dirty="0">
+                <a:solidFill>
+                  <a:srgbClr val="777777"/>
+                </a:solidFill>
+                <a:effectLst/>
+                <a:latin typeface="Consolas" panose="020B0609020204030204" pitchFamily="49" charset="0"/>
+              </a:rPr>
+              <a:t>=</a:t>
+            </a:r>
+            <a:r>
+              <a:rPr lang="en-US" b="0" dirty="0">
+                <a:solidFill>
+                  <a:srgbClr val="333333"/>
+                </a:solidFill>
+                <a:effectLst/>
+                <a:latin typeface="Consolas" panose="020B0609020204030204" pitchFamily="49" charset="0"/>
+              </a:rPr>
+              <a:t> </a:t>
+            </a:r>
+            <a:r>
+              <a:rPr lang="en-US" b="1" dirty="0" err="1">
+                <a:solidFill>
+                  <a:srgbClr val="7A3E9D"/>
+                </a:solidFill>
+                <a:effectLst/>
+                <a:latin typeface="Consolas" panose="020B0609020204030204" pitchFamily="49" charset="0"/>
+              </a:rPr>
+              <a:t>pm</a:t>
+            </a:r>
+            <a:r>
+              <a:rPr lang="en-US" b="0" dirty="0" err="1">
+                <a:solidFill>
+                  <a:srgbClr val="777777"/>
+                </a:solidFill>
+                <a:effectLst/>
+                <a:latin typeface="Consolas" panose="020B0609020204030204" pitchFamily="49" charset="0"/>
+              </a:rPr>
+              <a:t>.</a:t>
+            </a:r>
+            <a:r>
+              <a:rPr lang="en-US" b="1" dirty="0" err="1">
+                <a:solidFill>
+                  <a:srgbClr val="7A3E9D"/>
+                </a:solidFill>
+                <a:effectLst/>
+                <a:latin typeface="Consolas" panose="020B0609020204030204" pitchFamily="49" charset="0"/>
+              </a:rPr>
+              <a:t>Normal</a:t>
+            </a:r>
+            <a:r>
+              <a:rPr lang="en-US" b="0" dirty="0">
+                <a:solidFill>
+                  <a:srgbClr val="777777"/>
+                </a:solidFill>
+                <a:effectLst/>
+                <a:latin typeface="Consolas" panose="020B0609020204030204" pitchFamily="49" charset="0"/>
+              </a:rPr>
+              <a:t>("</a:t>
+            </a:r>
+            <a:r>
+              <a:rPr lang="en-US" b="0" dirty="0">
+                <a:solidFill>
+                  <a:srgbClr val="448C27"/>
+                </a:solidFill>
+                <a:effectLst/>
+                <a:latin typeface="Consolas" panose="020B0609020204030204" pitchFamily="49" charset="0"/>
+              </a:rPr>
+              <a:t>beta0</a:t>
+            </a:r>
+            <a:r>
+              <a:rPr lang="en-US" b="0" dirty="0">
+                <a:solidFill>
+                  <a:srgbClr val="777777"/>
+                </a:solidFill>
+                <a:effectLst/>
+                <a:latin typeface="Consolas" panose="020B0609020204030204" pitchFamily="49" charset="0"/>
+              </a:rPr>
+              <a:t>",</a:t>
+            </a:r>
+            <a:r>
+              <a:rPr lang="en-US" b="0" dirty="0">
+                <a:solidFill>
+                  <a:srgbClr val="333333"/>
+                </a:solidFill>
+                <a:effectLst/>
+                <a:latin typeface="Consolas" panose="020B0609020204030204" pitchFamily="49" charset="0"/>
+              </a:rPr>
+              <a:t> </a:t>
+            </a:r>
+            <a:r>
+              <a:rPr lang="en-US" b="0" dirty="0">
+                <a:solidFill>
+                  <a:srgbClr val="7A3E9D"/>
+                </a:solidFill>
+                <a:effectLst/>
+                <a:latin typeface="Consolas" panose="020B0609020204030204" pitchFamily="49" charset="0"/>
+              </a:rPr>
+              <a:t>mu</a:t>
+            </a:r>
+            <a:r>
+              <a:rPr lang="en-US" b="0" dirty="0">
+                <a:solidFill>
+                  <a:srgbClr val="777777"/>
+                </a:solidFill>
+                <a:effectLst/>
+                <a:latin typeface="Consolas" panose="020B0609020204030204" pitchFamily="49" charset="0"/>
+              </a:rPr>
+              <a:t>=</a:t>
+            </a:r>
+            <a:r>
+              <a:rPr lang="en-US" b="0" dirty="0">
+                <a:solidFill>
+                  <a:srgbClr val="7A3E9D"/>
+                </a:solidFill>
+                <a:effectLst/>
+                <a:latin typeface="Consolas" panose="020B0609020204030204" pitchFamily="49" charset="0"/>
+              </a:rPr>
+              <a:t>mu_0</a:t>
+            </a:r>
+            <a:r>
+              <a:rPr lang="en-US" b="0" dirty="0">
+                <a:solidFill>
+                  <a:srgbClr val="777777"/>
+                </a:solidFill>
+                <a:effectLst/>
+                <a:latin typeface="Consolas" panose="020B0609020204030204" pitchFamily="49" charset="0"/>
+              </a:rPr>
+              <a:t>,</a:t>
+            </a:r>
+            <a:r>
+              <a:rPr lang="en-US" b="0" dirty="0">
+                <a:solidFill>
+                  <a:srgbClr val="333333"/>
+                </a:solidFill>
+                <a:effectLst/>
+                <a:latin typeface="Consolas" panose="020B0609020204030204" pitchFamily="49" charset="0"/>
+              </a:rPr>
+              <a:t> </a:t>
+            </a:r>
+            <a:r>
+              <a:rPr lang="en-US" b="0" dirty="0">
+                <a:solidFill>
+                  <a:srgbClr val="7A3E9D"/>
+                </a:solidFill>
+                <a:effectLst/>
+                <a:latin typeface="Consolas" panose="020B0609020204030204" pitchFamily="49" charset="0"/>
+              </a:rPr>
+              <a:t>sigma</a:t>
+            </a:r>
+            <a:r>
+              <a:rPr lang="en-US" b="0" dirty="0">
+                <a:solidFill>
+                  <a:srgbClr val="777777"/>
+                </a:solidFill>
+                <a:effectLst/>
+                <a:latin typeface="Consolas" panose="020B0609020204030204" pitchFamily="49" charset="0"/>
+              </a:rPr>
+              <a:t>=</a:t>
+            </a:r>
+            <a:r>
+              <a:rPr lang="en-US" b="0" dirty="0">
+                <a:solidFill>
+                  <a:srgbClr val="7A3E9D"/>
+                </a:solidFill>
+                <a:effectLst/>
+                <a:latin typeface="Consolas" panose="020B0609020204030204" pitchFamily="49" charset="0"/>
+              </a:rPr>
+              <a:t>sigma_0</a:t>
+            </a:r>
+            <a:r>
+              <a:rPr lang="en-US" b="0" dirty="0">
+                <a:solidFill>
+                  <a:srgbClr val="777777"/>
+                </a:solidFill>
+                <a:effectLst/>
+                <a:latin typeface="Consolas" panose="020B0609020204030204" pitchFamily="49" charset="0"/>
+              </a:rPr>
+              <a:t>)</a:t>
+            </a:r>
+            <a:endParaRPr lang="en-US" b="0" dirty="0">
+              <a:solidFill>
+                <a:srgbClr val="333333"/>
+              </a:solidFill>
+              <a:effectLst/>
+              <a:latin typeface="Consolas" panose="020B0609020204030204" pitchFamily="49" charset="0"/>
+            </a:endParaRPr>
+          </a:p>
+          <a:p>
+            <a:pPr>
+              <a:buNone/>
+            </a:pPr>
+            <a:r>
+              <a:rPr lang="en-US" b="0" dirty="0">
+                <a:solidFill>
+                  <a:srgbClr val="333333"/>
+                </a:solidFill>
+                <a:effectLst/>
+                <a:latin typeface="Consolas" panose="020B0609020204030204" pitchFamily="49" charset="0"/>
+              </a:rPr>
+              <a:t>    </a:t>
+            </a:r>
+            <a:r>
+              <a:rPr lang="en-US" b="0" dirty="0">
+                <a:solidFill>
+                  <a:srgbClr val="7A3E9D"/>
+                </a:solidFill>
+                <a:effectLst/>
+                <a:latin typeface="Consolas" panose="020B0609020204030204" pitchFamily="49" charset="0"/>
+              </a:rPr>
+              <a:t>beta1</a:t>
+            </a:r>
+            <a:r>
+              <a:rPr lang="en-US" b="0" dirty="0">
+                <a:solidFill>
+                  <a:srgbClr val="333333"/>
+                </a:solidFill>
+                <a:effectLst/>
+                <a:latin typeface="Consolas" panose="020B0609020204030204" pitchFamily="49" charset="0"/>
+              </a:rPr>
+              <a:t> </a:t>
+            </a:r>
+            <a:r>
+              <a:rPr lang="en-US" b="0" dirty="0">
+                <a:solidFill>
+                  <a:srgbClr val="777777"/>
+                </a:solidFill>
+                <a:effectLst/>
+                <a:latin typeface="Consolas" panose="020B0609020204030204" pitchFamily="49" charset="0"/>
+              </a:rPr>
+              <a:t>=</a:t>
+            </a:r>
+            <a:r>
+              <a:rPr lang="en-US" b="0" dirty="0">
+                <a:solidFill>
+                  <a:srgbClr val="333333"/>
+                </a:solidFill>
+                <a:effectLst/>
+                <a:latin typeface="Consolas" panose="020B0609020204030204" pitchFamily="49" charset="0"/>
+              </a:rPr>
+              <a:t> </a:t>
+            </a:r>
+            <a:r>
+              <a:rPr lang="en-US" b="1" dirty="0" err="1">
+                <a:solidFill>
+                  <a:srgbClr val="7A3E9D"/>
+                </a:solidFill>
+                <a:effectLst/>
+                <a:latin typeface="Consolas" panose="020B0609020204030204" pitchFamily="49" charset="0"/>
+              </a:rPr>
+              <a:t>pm</a:t>
+            </a:r>
+            <a:r>
+              <a:rPr lang="en-US" b="0" dirty="0" err="1">
+                <a:solidFill>
+                  <a:srgbClr val="777777"/>
+                </a:solidFill>
+                <a:effectLst/>
+                <a:latin typeface="Consolas" panose="020B0609020204030204" pitchFamily="49" charset="0"/>
+              </a:rPr>
+              <a:t>.</a:t>
+            </a:r>
+            <a:r>
+              <a:rPr lang="en-US" b="1" dirty="0" err="1">
+                <a:solidFill>
+                  <a:srgbClr val="7A3E9D"/>
+                </a:solidFill>
+                <a:effectLst/>
+                <a:latin typeface="Consolas" panose="020B0609020204030204" pitchFamily="49" charset="0"/>
+              </a:rPr>
+              <a:t>Normal</a:t>
+            </a:r>
+            <a:r>
+              <a:rPr lang="en-US" b="0" dirty="0">
+                <a:solidFill>
+                  <a:srgbClr val="777777"/>
+                </a:solidFill>
+                <a:effectLst/>
+                <a:latin typeface="Consolas" panose="020B0609020204030204" pitchFamily="49" charset="0"/>
+              </a:rPr>
+              <a:t>("</a:t>
+            </a:r>
+            <a:r>
+              <a:rPr lang="en-US" b="0" dirty="0">
+                <a:solidFill>
+                  <a:srgbClr val="448C27"/>
+                </a:solidFill>
+                <a:effectLst/>
+                <a:latin typeface="Consolas" panose="020B0609020204030204" pitchFamily="49" charset="0"/>
+              </a:rPr>
+              <a:t>beta1</a:t>
+            </a:r>
+            <a:r>
+              <a:rPr lang="en-US" b="0" dirty="0">
+                <a:solidFill>
+                  <a:srgbClr val="777777"/>
+                </a:solidFill>
+                <a:effectLst/>
+                <a:latin typeface="Consolas" panose="020B0609020204030204" pitchFamily="49" charset="0"/>
+              </a:rPr>
+              <a:t>",</a:t>
+            </a:r>
+            <a:r>
+              <a:rPr lang="en-US" b="0" dirty="0">
+                <a:solidFill>
+                  <a:srgbClr val="333333"/>
+                </a:solidFill>
+                <a:effectLst/>
+                <a:latin typeface="Consolas" panose="020B0609020204030204" pitchFamily="49" charset="0"/>
+              </a:rPr>
+              <a:t> </a:t>
+            </a:r>
+            <a:r>
+              <a:rPr lang="en-US" b="0" dirty="0">
+                <a:solidFill>
+                  <a:srgbClr val="7A3E9D"/>
+                </a:solidFill>
+                <a:effectLst/>
+                <a:latin typeface="Consolas" panose="020B0609020204030204" pitchFamily="49" charset="0"/>
+              </a:rPr>
+              <a:t>mu</a:t>
+            </a:r>
+            <a:r>
+              <a:rPr lang="en-US" b="0" dirty="0">
+                <a:solidFill>
+                  <a:srgbClr val="777777"/>
+                </a:solidFill>
+                <a:effectLst/>
+                <a:latin typeface="Consolas" panose="020B0609020204030204" pitchFamily="49" charset="0"/>
+              </a:rPr>
+              <a:t>=</a:t>
+            </a:r>
+            <a:r>
+              <a:rPr lang="en-US" b="0" dirty="0">
+                <a:solidFill>
+                  <a:srgbClr val="7A3E9D"/>
+                </a:solidFill>
+                <a:effectLst/>
+                <a:latin typeface="Consolas" panose="020B0609020204030204" pitchFamily="49" charset="0"/>
+              </a:rPr>
+              <a:t>mu_1</a:t>
+            </a:r>
+            <a:r>
+              <a:rPr lang="en-US" b="0" dirty="0">
+                <a:solidFill>
+                  <a:srgbClr val="777777"/>
+                </a:solidFill>
+                <a:effectLst/>
+                <a:latin typeface="Consolas" panose="020B0609020204030204" pitchFamily="49" charset="0"/>
+              </a:rPr>
+              <a:t>,</a:t>
+            </a:r>
+            <a:r>
+              <a:rPr lang="en-US" b="0" dirty="0">
+                <a:solidFill>
+                  <a:srgbClr val="333333"/>
+                </a:solidFill>
+                <a:effectLst/>
+                <a:latin typeface="Consolas" panose="020B0609020204030204" pitchFamily="49" charset="0"/>
+              </a:rPr>
+              <a:t> </a:t>
+            </a:r>
+            <a:r>
+              <a:rPr lang="en-US" b="0" dirty="0">
+                <a:solidFill>
+                  <a:srgbClr val="7A3E9D"/>
+                </a:solidFill>
+                <a:effectLst/>
+                <a:latin typeface="Consolas" panose="020B0609020204030204" pitchFamily="49" charset="0"/>
+              </a:rPr>
+              <a:t>sigma</a:t>
+            </a:r>
+            <a:r>
+              <a:rPr lang="en-US" b="0" dirty="0">
+                <a:solidFill>
+                  <a:srgbClr val="777777"/>
+                </a:solidFill>
+                <a:effectLst/>
+                <a:latin typeface="Consolas" panose="020B0609020204030204" pitchFamily="49" charset="0"/>
+              </a:rPr>
+              <a:t>=</a:t>
+            </a:r>
+            <a:r>
+              <a:rPr lang="en-US" b="0" dirty="0">
+                <a:solidFill>
+                  <a:srgbClr val="7A3E9D"/>
+                </a:solidFill>
+                <a:effectLst/>
+                <a:latin typeface="Consolas" panose="020B0609020204030204" pitchFamily="49" charset="0"/>
+              </a:rPr>
+              <a:t>sigma_1</a:t>
+            </a:r>
+            <a:r>
+              <a:rPr lang="en-US" b="0" dirty="0">
+                <a:solidFill>
+                  <a:srgbClr val="777777"/>
+                </a:solidFill>
+                <a:effectLst/>
+                <a:latin typeface="Consolas" panose="020B0609020204030204" pitchFamily="49" charset="0"/>
+              </a:rPr>
+              <a:t>)</a:t>
+            </a:r>
+            <a:endParaRPr lang="en-US" b="0" dirty="0">
+              <a:solidFill>
+                <a:srgbClr val="333333"/>
+              </a:solidFill>
+              <a:effectLst/>
+              <a:latin typeface="Consolas" panose="020B0609020204030204" pitchFamily="49" charset="0"/>
+            </a:endParaRPr>
+          </a:p>
+          <a:p>
+            <a:pPr>
+              <a:buNone/>
+            </a:pPr>
+            <a:r>
+              <a:rPr lang="en-US" b="0" dirty="0">
+                <a:solidFill>
+                  <a:srgbClr val="333333"/>
+                </a:solidFill>
+                <a:effectLst/>
+                <a:latin typeface="Consolas" panose="020B0609020204030204" pitchFamily="49" charset="0"/>
+              </a:rPr>
+              <a:t>    </a:t>
+            </a:r>
+            <a:r>
+              <a:rPr lang="en-US" b="0" dirty="0">
+                <a:solidFill>
+                  <a:srgbClr val="7A3E9D"/>
+                </a:solidFill>
+                <a:effectLst/>
+                <a:latin typeface="Consolas" panose="020B0609020204030204" pitchFamily="49" charset="0"/>
+              </a:rPr>
+              <a:t>alpha</a:t>
+            </a:r>
+            <a:r>
+              <a:rPr lang="en-US" b="0" dirty="0">
+                <a:solidFill>
+                  <a:srgbClr val="333333"/>
+                </a:solidFill>
+                <a:effectLst/>
+                <a:latin typeface="Consolas" panose="020B0609020204030204" pitchFamily="49" charset="0"/>
+              </a:rPr>
+              <a:t> </a:t>
+            </a:r>
+            <a:r>
+              <a:rPr lang="en-US" b="0" dirty="0">
+                <a:solidFill>
+                  <a:srgbClr val="777777"/>
+                </a:solidFill>
+                <a:effectLst/>
+                <a:latin typeface="Consolas" panose="020B0609020204030204" pitchFamily="49" charset="0"/>
+              </a:rPr>
+              <a:t>=</a:t>
+            </a:r>
+            <a:r>
+              <a:rPr lang="en-US" b="0" dirty="0">
+                <a:solidFill>
+                  <a:srgbClr val="333333"/>
+                </a:solidFill>
+                <a:effectLst/>
+                <a:latin typeface="Consolas" panose="020B0609020204030204" pitchFamily="49" charset="0"/>
+              </a:rPr>
+              <a:t> </a:t>
+            </a:r>
+            <a:r>
+              <a:rPr lang="en-US" b="1" dirty="0" err="1">
+                <a:solidFill>
+                  <a:srgbClr val="7A3E9D"/>
+                </a:solidFill>
+                <a:effectLst/>
+                <a:latin typeface="Consolas" panose="020B0609020204030204" pitchFamily="49" charset="0"/>
+              </a:rPr>
+              <a:t>pm</a:t>
+            </a:r>
+            <a:r>
+              <a:rPr lang="en-US" b="0" dirty="0" err="1">
+                <a:solidFill>
+                  <a:srgbClr val="777777"/>
+                </a:solidFill>
+                <a:effectLst/>
+                <a:latin typeface="Consolas" panose="020B0609020204030204" pitchFamily="49" charset="0"/>
+              </a:rPr>
+              <a:t>.</a:t>
+            </a:r>
+            <a:r>
+              <a:rPr lang="en-US" b="1" dirty="0" err="1">
+                <a:solidFill>
+                  <a:srgbClr val="7A3E9D"/>
+                </a:solidFill>
+                <a:effectLst/>
+                <a:latin typeface="Consolas" panose="020B0609020204030204" pitchFamily="49" charset="0"/>
+              </a:rPr>
+              <a:t>HalfNormal</a:t>
+            </a:r>
+            <a:r>
+              <a:rPr lang="en-US" b="0" dirty="0">
+                <a:solidFill>
+                  <a:srgbClr val="777777"/>
+                </a:solidFill>
+                <a:effectLst/>
+                <a:latin typeface="Consolas" panose="020B0609020204030204" pitchFamily="49" charset="0"/>
+              </a:rPr>
+              <a:t>("</a:t>
+            </a:r>
+            <a:r>
+              <a:rPr lang="en-US" b="0" dirty="0">
+                <a:solidFill>
+                  <a:srgbClr val="448C27"/>
+                </a:solidFill>
+                <a:effectLst/>
+                <a:latin typeface="Consolas" panose="020B0609020204030204" pitchFamily="49" charset="0"/>
+              </a:rPr>
+              <a:t>alpha</a:t>
+            </a:r>
+            <a:r>
+              <a:rPr lang="en-US" b="0" dirty="0">
+                <a:solidFill>
+                  <a:srgbClr val="777777"/>
+                </a:solidFill>
+                <a:effectLst/>
+                <a:latin typeface="Consolas" panose="020B0609020204030204" pitchFamily="49" charset="0"/>
+              </a:rPr>
+              <a:t>",</a:t>
+            </a:r>
+            <a:r>
+              <a:rPr lang="en-US" b="0" dirty="0">
+                <a:solidFill>
+                  <a:srgbClr val="333333"/>
+                </a:solidFill>
+                <a:effectLst/>
+                <a:latin typeface="Consolas" panose="020B0609020204030204" pitchFamily="49" charset="0"/>
+              </a:rPr>
+              <a:t> </a:t>
+            </a:r>
+            <a:r>
+              <a:rPr lang="en-US" b="0" dirty="0">
+                <a:solidFill>
+                  <a:srgbClr val="7A3E9D"/>
+                </a:solidFill>
+                <a:effectLst/>
+                <a:latin typeface="Consolas" panose="020B0609020204030204" pitchFamily="49" charset="0"/>
+              </a:rPr>
+              <a:t>sigma</a:t>
+            </a:r>
+            <a:r>
+              <a:rPr lang="en-US" b="0" dirty="0">
+                <a:solidFill>
+                  <a:srgbClr val="777777"/>
+                </a:solidFill>
+                <a:effectLst/>
+                <a:latin typeface="Consolas" panose="020B0609020204030204" pitchFamily="49" charset="0"/>
+              </a:rPr>
+              <a:t>=</a:t>
+            </a:r>
+            <a:r>
+              <a:rPr lang="en-US" b="0" dirty="0" err="1">
+                <a:solidFill>
+                  <a:srgbClr val="7A3E9D"/>
+                </a:solidFill>
+                <a:effectLst/>
+                <a:latin typeface="Consolas" panose="020B0609020204030204" pitchFamily="49" charset="0"/>
+              </a:rPr>
+              <a:t>sigma_alpha</a:t>
+            </a:r>
+            <a:r>
+              <a:rPr lang="en-US" b="0" dirty="0">
+                <a:solidFill>
+                  <a:srgbClr val="777777"/>
+                </a:solidFill>
+                <a:effectLst/>
+                <a:latin typeface="Consolas" panose="020B0609020204030204" pitchFamily="49" charset="0"/>
+              </a:rPr>
+              <a:t>)</a:t>
+            </a:r>
+            <a:endParaRPr lang="en-US" b="0" dirty="0">
+              <a:solidFill>
+                <a:srgbClr val="333333"/>
+              </a:solidFill>
+              <a:effectLst/>
+              <a:latin typeface="Consolas" panose="020B0609020204030204" pitchFamily="49" charset="0"/>
+            </a:endParaRPr>
+          </a:p>
+          <a:p>
+            <a:pPr>
+              <a:buNone/>
+            </a:pPr>
+            <a:r>
+              <a:rPr lang="en-US" b="0" dirty="0">
+                <a:solidFill>
+                  <a:srgbClr val="333333"/>
+                </a:solidFill>
+                <a:effectLst/>
+                <a:latin typeface="Consolas" panose="020B0609020204030204" pitchFamily="49" charset="0"/>
+              </a:rPr>
+              <a:t>    </a:t>
+            </a:r>
+            <a:r>
+              <a:rPr lang="en-US" b="0" dirty="0">
+                <a:solidFill>
+                  <a:srgbClr val="7A3E9D"/>
+                </a:solidFill>
+                <a:effectLst/>
+                <a:latin typeface="Consolas" panose="020B0609020204030204" pitchFamily="49" charset="0"/>
+              </a:rPr>
+              <a:t>mu</a:t>
+            </a:r>
+            <a:r>
+              <a:rPr lang="en-US" b="0" dirty="0">
+                <a:solidFill>
+                  <a:srgbClr val="333333"/>
+                </a:solidFill>
+                <a:effectLst/>
+                <a:latin typeface="Consolas" panose="020B0609020204030204" pitchFamily="49" charset="0"/>
+              </a:rPr>
+              <a:t> </a:t>
+            </a:r>
+            <a:r>
+              <a:rPr lang="en-US" b="0" dirty="0">
+                <a:solidFill>
+                  <a:srgbClr val="777777"/>
+                </a:solidFill>
+                <a:effectLst/>
+                <a:latin typeface="Consolas" panose="020B0609020204030204" pitchFamily="49" charset="0"/>
+              </a:rPr>
+              <a:t>=</a:t>
+            </a:r>
+            <a:r>
+              <a:rPr lang="en-US" b="0" dirty="0">
+                <a:solidFill>
+                  <a:srgbClr val="333333"/>
+                </a:solidFill>
+                <a:effectLst/>
+                <a:latin typeface="Consolas" panose="020B0609020204030204" pitchFamily="49" charset="0"/>
+              </a:rPr>
+              <a:t> </a:t>
+            </a:r>
+            <a:r>
+              <a:rPr lang="en-US" b="1" dirty="0" err="1">
+                <a:solidFill>
+                  <a:srgbClr val="7A3E9D"/>
+                </a:solidFill>
+                <a:effectLst/>
+                <a:latin typeface="Consolas" panose="020B0609020204030204" pitchFamily="49" charset="0"/>
+              </a:rPr>
+              <a:t>pm</a:t>
+            </a:r>
+            <a:r>
+              <a:rPr lang="en-US" b="0" dirty="0" err="1">
+                <a:solidFill>
+                  <a:srgbClr val="777777"/>
+                </a:solidFill>
+                <a:effectLst/>
+                <a:latin typeface="Consolas" panose="020B0609020204030204" pitchFamily="49" charset="0"/>
+              </a:rPr>
+              <a:t>.</a:t>
+            </a:r>
+            <a:r>
+              <a:rPr lang="en-US" b="1" dirty="0" err="1">
+                <a:solidFill>
+                  <a:srgbClr val="AA3731"/>
+                </a:solidFill>
+                <a:effectLst/>
+                <a:latin typeface="Consolas" panose="020B0609020204030204" pitchFamily="49" charset="0"/>
+              </a:rPr>
+              <a:t>Deterministic</a:t>
+            </a:r>
+            <a:r>
+              <a:rPr lang="en-US" b="0" dirty="0">
+                <a:solidFill>
+                  <a:srgbClr val="777777"/>
+                </a:solidFill>
+                <a:effectLst/>
+                <a:latin typeface="Consolas" panose="020B0609020204030204" pitchFamily="49" charset="0"/>
+              </a:rPr>
+              <a:t>("</a:t>
+            </a:r>
+            <a:r>
+              <a:rPr lang="en-US" b="0" dirty="0">
+                <a:solidFill>
+                  <a:srgbClr val="448C27"/>
+                </a:solidFill>
+                <a:effectLst/>
+                <a:latin typeface="Consolas" panose="020B0609020204030204" pitchFamily="49" charset="0"/>
+              </a:rPr>
+              <a:t>mu</a:t>
+            </a:r>
+            <a:r>
+              <a:rPr lang="en-US" b="0" dirty="0">
+                <a:solidFill>
+                  <a:srgbClr val="777777"/>
+                </a:solidFill>
+                <a:effectLst/>
+                <a:latin typeface="Consolas" panose="020B0609020204030204" pitchFamily="49" charset="0"/>
+              </a:rPr>
+              <a:t>",</a:t>
+            </a:r>
+            <a:r>
+              <a:rPr lang="en-US" b="0" dirty="0">
+                <a:solidFill>
+                  <a:srgbClr val="333333"/>
+                </a:solidFill>
+                <a:effectLst/>
+                <a:latin typeface="Consolas" panose="020B0609020204030204" pitchFamily="49" charset="0"/>
+              </a:rPr>
+              <a:t> </a:t>
+            </a:r>
+          </a:p>
+          <a:p>
+            <a:pPr>
+              <a:buNone/>
+            </a:pPr>
+            <a:r>
+              <a:rPr lang="en-US" dirty="0">
+                <a:solidFill>
+                  <a:srgbClr val="333333"/>
+                </a:solidFill>
+                <a:latin typeface="Consolas" panose="020B0609020204030204" pitchFamily="49" charset="0"/>
+              </a:rPr>
+              <a:t>                </a:t>
+            </a:r>
+            <a:r>
+              <a:rPr lang="en-US" b="1" dirty="0" err="1">
+                <a:solidFill>
+                  <a:srgbClr val="7A3E9D"/>
+                </a:solidFill>
+                <a:effectLst/>
+                <a:latin typeface="Consolas" panose="020B0609020204030204" pitchFamily="49" charset="0"/>
+              </a:rPr>
+              <a:t>pm</a:t>
+            </a:r>
+            <a:r>
+              <a:rPr lang="en-US" b="0" dirty="0" err="1">
+                <a:solidFill>
+                  <a:srgbClr val="777777"/>
+                </a:solidFill>
+                <a:effectLst/>
+                <a:latin typeface="Consolas" panose="020B0609020204030204" pitchFamily="49" charset="0"/>
+              </a:rPr>
+              <a:t>.</a:t>
+            </a:r>
+            <a:r>
+              <a:rPr lang="en-US" b="0" dirty="0" err="1">
+                <a:solidFill>
+                  <a:srgbClr val="333333"/>
+                </a:solidFill>
+                <a:effectLst/>
+                <a:latin typeface="Consolas" panose="020B0609020204030204" pitchFamily="49" charset="0"/>
+              </a:rPr>
+              <a:t>math</a:t>
+            </a:r>
+            <a:r>
+              <a:rPr lang="en-US" b="0" dirty="0" err="1">
+                <a:solidFill>
+                  <a:srgbClr val="777777"/>
+                </a:solidFill>
+                <a:effectLst/>
+                <a:latin typeface="Consolas" panose="020B0609020204030204" pitchFamily="49" charset="0"/>
+              </a:rPr>
+              <a:t>.</a:t>
+            </a:r>
+            <a:r>
+              <a:rPr lang="en-US" b="0" dirty="0" err="1">
+                <a:solidFill>
+                  <a:srgbClr val="333333"/>
+                </a:solidFill>
+                <a:effectLst/>
+                <a:latin typeface="Consolas" panose="020B0609020204030204" pitchFamily="49" charset="0"/>
+              </a:rPr>
+              <a:t>exp</a:t>
+            </a:r>
+            <a:r>
+              <a:rPr lang="en-US" b="0" dirty="0">
+                <a:solidFill>
+                  <a:srgbClr val="777777"/>
+                </a:solidFill>
+                <a:effectLst/>
+                <a:latin typeface="Consolas" panose="020B0609020204030204" pitchFamily="49" charset="0"/>
+              </a:rPr>
+              <a:t>(</a:t>
+            </a:r>
+            <a:r>
+              <a:rPr lang="en-US" b="0" dirty="0">
+                <a:solidFill>
+                  <a:srgbClr val="7A3E9D"/>
+                </a:solidFill>
+                <a:effectLst/>
+                <a:latin typeface="Consolas" panose="020B0609020204030204" pitchFamily="49" charset="0"/>
+              </a:rPr>
+              <a:t>beta0</a:t>
+            </a:r>
+            <a:r>
+              <a:rPr lang="en-US" b="0" dirty="0">
+                <a:solidFill>
+                  <a:srgbClr val="333333"/>
+                </a:solidFill>
+                <a:effectLst/>
+                <a:latin typeface="Consolas" panose="020B0609020204030204" pitchFamily="49" charset="0"/>
+              </a:rPr>
+              <a:t> </a:t>
+            </a:r>
+            <a:r>
+              <a:rPr lang="en-US" b="1" dirty="0">
+                <a:solidFill>
+                  <a:srgbClr val="AA3731"/>
+                </a:solidFill>
+                <a:effectLst/>
+                <a:latin typeface="Consolas" panose="020B0609020204030204" pitchFamily="49" charset="0"/>
+              </a:rPr>
+              <a:t>+</a:t>
+            </a:r>
+            <a:r>
+              <a:rPr lang="en-US" b="0" dirty="0">
+                <a:solidFill>
+                  <a:srgbClr val="333333"/>
+                </a:solidFill>
+                <a:effectLst/>
+                <a:latin typeface="Consolas" panose="020B0609020204030204" pitchFamily="49" charset="0"/>
+              </a:rPr>
+              <a:t> </a:t>
+            </a:r>
+            <a:r>
+              <a:rPr lang="en-US" b="0" dirty="0">
+                <a:solidFill>
+                  <a:srgbClr val="7A3E9D"/>
+                </a:solidFill>
+                <a:effectLst/>
+                <a:latin typeface="Consolas" panose="020B0609020204030204" pitchFamily="49" charset="0"/>
+              </a:rPr>
+              <a:t>beta1</a:t>
+            </a:r>
+            <a:r>
+              <a:rPr lang="en-US" b="0" dirty="0">
+                <a:solidFill>
+                  <a:srgbClr val="333333"/>
+                </a:solidFill>
+                <a:effectLst/>
+                <a:latin typeface="Consolas" panose="020B0609020204030204" pitchFamily="49" charset="0"/>
+              </a:rPr>
+              <a:t> </a:t>
+            </a:r>
+            <a:r>
+              <a:rPr lang="en-US" b="1" dirty="0">
+                <a:solidFill>
+                  <a:srgbClr val="AA3731"/>
+                </a:solidFill>
+                <a:effectLst/>
+                <a:latin typeface="Consolas" panose="020B0609020204030204" pitchFamily="49" charset="0"/>
+              </a:rPr>
+              <a:t>*</a:t>
+            </a:r>
+            <a:r>
+              <a:rPr lang="en-US" b="0" dirty="0">
+                <a:solidFill>
+                  <a:srgbClr val="333333"/>
+                </a:solidFill>
+                <a:effectLst/>
+                <a:latin typeface="Consolas" panose="020B0609020204030204" pitchFamily="49" charset="0"/>
+              </a:rPr>
+              <a:t> </a:t>
+            </a:r>
+            <a:r>
+              <a:rPr lang="en-US" b="0" dirty="0" err="1">
+                <a:solidFill>
+                  <a:srgbClr val="7A3E9D"/>
+                </a:solidFill>
+                <a:effectLst/>
+                <a:latin typeface="Consolas" panose="020B0609020204030204" pitchFamily="49" charset="0"/>
+              </a:rPr>
+              <a:t>bikes</a:t>
+            </a:r>
+            <a:r>
+              <a:rPr lang="en-US" b="0" dirty="0" err="1">
+                <a:solidFill>
+                  <a:srgbClr val="777777"/>
+                </a:solidFill>
+                <a:effectLst/>
+                <a:latin typeface="Consolas" panose="020B0609020204030204" pitchFamily="49" charset="0"/>
+              </a:rPr>
+              <a:t>.</a:t>
+            </a:r>
+            <a:r>
+              <a:rPr lang="en-US" b="0" dirty="0" err="1">
+                <a:solidFill>
+                  <a:srgbClr val="333333"/>
+                </a:solidFill>
+                <a:effectLst/>
+                <a:latin typeface="Consolas" panose="020B0609020204030204" pitchFamily="49" charset="0"/>
+              </a:rPr>
+              <a:t>temperature</a:t>
+            </a:r>
+            <a:r>
+              <a:rPr lang="en-US" b="0" dirty="0">
+                <a:solidFill>
+                  <a:srgbClr val="777777"/>
+                </a:solidFill>
+                <a:effectLst/>
+                <a:latin typeface="Consolas" panose="020B0609020204030204" pitchFamily="49" charset="0"/>
+              </a:rPr>
+              <a:t>))</a:t>
+            </a:r>
+            <a:endParaRPr lang="en-US" b="0" dirty="0">
+              <a:solidFill>
+                <a:srgbClr val="333333"/>
+              </a:solidFill>
+              <a:effectLst/>
+              <a:latin typeface="Consolas" panose="020B0609020204030204" pitchFamily="49" charset="0"/>
+            </a:endParaRPr>
+          </a:p>
+          <a:p>
+            <a:r>
+              <a:rPr lang="en-US" b="0" dirty="0">
+                <a:solidFill>
+                  <a:srgbClr val="333333"/>
+                </a:solidFill>
+                <a:effectLst/>
+                <a:latin typeface="Consolas" panose="020B0609020204030204" pitchFamily="49" charset="0"/>
+              </a:rPr>
+              <a:t>    </a:t>
+            </a:r>
+            <a:r>
+              <a:rPr lang="en-US" b="0" dirty="0" err="1">
+                <a:solidFill>
+                  <a:srgbClr val="7A3E9D"/>
+                </a:solidFill>
+                <a:effectLst/>
+                <a:latin typeface="Consolas" panose="020B0609020204030204" pitchFamily="49" charset="0"/>
+              </a:rPr>
+              <a:t>y_pred</a:t>
+            </a:r>
+            <a:r>
+              <a:rPr lang="en-US" b="0" dirty="0">
+                <a:solidFill>
+                  <a:srgbClr val="333333"/>
+                </a:solidFill>
+                <a:effectLst/>
+                <a:latin typeface="Consolas" panose="020B0609020204030204" pitchFamily="49" charset="0"/>
+              </a:rPr>
+              <a:t> </a:t>
+            </a:r>
+            <a:r>
+              <a:rPr lang="en-US" b="0" dirty="0">
+                <a:solidFill>
+                  <a:srgbClr val="777777"/>
+                </a:solidFill>
+                <a:effectLst/>
+                <a:latin typeface="Consolas" panose="020B0609020204030204" pitchFamily="49" charset="0"/>
+              </a:rPr>
+              <a:t>=</a:t>
+            </a:r>
+            <a:r>
+              <a:rPr lang="en-US" b="0" dirty="0">
+                <a:solidFill>
+                  <a:srgbClr val="333333"/>
+                </a:solidFill>
+                <a:effectLst/>
+                <a:latin typeface="Consolas" panose="020B0609020204030204" pitchFamily="49" charset="0"/>
+              </a:rPr>
+              <a:t> </a:t>
+            </a:r>
+            <a:r>
+              <a:rPr lang="en-US" b="1" dirty="0" err="1">
+                <a:solidFill>
+                  <a:srgbClr val="7A3E9D"/>
+                </a:solidFill>
+                <a:effectLst/>
+                <a:latin typeface="Consolas" panose="020B0609020204030204" pitchFamily="49" charset="0"/>
+              </a:rPr>
+              <a:t>pm</a:t>
+            </a:r>
+            <a:r>
+              <a:rPr lang="en-US" b="0" dirty="0" err="1">
+                <a:solidFill>
+                  <a:srgbClr val="777777"/>
+                </a:solidFill>
+                <a:effectLst/>
+                <a:latin typeface="Consolas" panose="020B0609020204030204" pitchFamily="49" charset="0"/>
+              </a:rPr>
+              <a:t>.</a:t>
+            </a:r>
+            <a:r>
+              <a:rPr lang="en-US" b="1" dirty="0" err="1">
+                <a:solidFill>
+                  <a:srgbClr val="7A3E9D"/>
+                </a:solidFill>
+                <a:effectLst/>
+                <a:latin typeface="Consolas" panose="020B0609020204030204" pitchFamily="49" charset="0"/>
+              </a:rPr>
+              <a:t>NegativeBinomial</a:t>
+            </a:r>
+            <a:r>
+              <a:rPr lang="en-US" b="0" dirty="0">
+                <a:solidFill>
+                  <a:srgbClr val="777777"/>
+                </a:solidFill>
+                <a:effectLst/>
+                <a:latin typeface="Consolas" panose="020B0609020204030204" pitchFamily="49" charset="0"/>
+              </a:rPr>
+              <a:t>("</a:t>
+            </a:r>
+            <a:r>
+              <a:rPr lang="en-US" b="0" dirty="0" err="1">
+                <a:solidFill>
+                  <a:srgbClr val="448C27"/>
+                </a:solidFill>
+                <a:effectLst/>
+                <a:latin typeface="Consolas" panose="020B0609020204030204" pitchFamily="49" charset="0"/>
+              </a:rPr>
+              <a:t>y_pred</a:t>
+            </a:r>
+            <a:r>
+              <a:rPr lang="en-US" b="0" dirty="0">
+                <a:solidFill>
+                  <a:srgbClr val="777777"/>
+                </a:solidFill>
+                <a:effectLst/>
+                <a:latin typeface="Consolas" panose="020B0609020204030204" pitchFamily="49" charset="0"/>
+              </a:rPr>
+              <a:t>",</a:t>
+            </a:r>
+            <a:r>
+              <a:rPr lang="en-US" b="0" dirty="0">
+                <a:solidFill>
+                  <a:srgbClr val="333333"/>
+                </a:solidFill>
+                <a:effectLst/>
+                <a:latin typeface="Consolas" panose="020B0609020204030204" pitchFamily="49" charset="0"/>
+              </a:rPr>
+              <a:t> </a:t>
+            </a:r>
+            <a:r>
+              <a:rPr lang="en-US" b="0" dirty="0">
+                <a:solidFill>
+                  <a:srgbClr val="7A3E9D"/>
+                </a:solidFill>
+                <a:effectLst/>
+                <a:latin typeface="Consolas" panose="020B0609020204030204" pitchFamily="49" charset="0"/>
+              </a:rPr>
+              <a:t>mu</a:t>
+            </a:r>
+            <a:r>
+              <a:rPr lang="en-US" b="0" dirty="0">
+                <a:solidFill>
+                  <a:srgbClr val="777777"/>
+                </a:solidFill>
+                <a:effectLst/>
+                <a:latin typeface="Consolas" panose="020B0609020204030204" pitchFamily="49" charset="0"/>
+              </a:rPr>
+              <a:t>=</a:t>
+            </a:r>
+            <a:r>
+              <a:rPr lang="en-US" b="0" dirty="0">
+                <a:solidFill>
+                  <a:srgbClr val="7A3E9D"/>
+                </a:solidFill>
+                <a:effectLst/>
+                <a:latin typeface="Consolas" panose="020B0609020204030204" pitchFamily="49" charset="0"/>
+              </a:rPr>
+              <a:t>mu</a:t>
+            </a:r>
+            <a:r>
+              <a:rPr lang="en-US" b="0" dirty="0">
+                <a:solidFill>
+                  <a:srgbClr val="777777"/>
+                </a:solidFill>
+                <a:effectLst/>
+                <a:latin typeface="Consolas" panose="020B0609020204030204" pitchFamily="49" charset="0"/>
+              </a:rPr>
+              <a:t>,</a:t>
+            </a:r>
+            <a:r>
+              <a:rPr lang="en-US" b="0" dirty="0">
+                <a:solidFill>
+                  <a:srgbClr val="333333"/>
+                </a:solidFill>
+                <a:effectLst/>
+                <a:latin typeface="Consolas" panose="020B0609020204030204" pitchFamily="49" charset="0"/>
+              </a:rPr>
+              <a:t> </a:t>
+            </a:r>
+            <a:r>
+              <a:rPr lang="en-US" b="0" dirty="0">
+                <a:solidFill>
+                  <a:srgbClr val="7A3E9D"/>
+                </a:solidFill>
+                <a:effectLst/>
+                <a:latin typeface="Consolas" panose="020B0609020204030204" pitchFamily="49" charset="0"/>
+              </a:rPr>
+              <a:t>alpha</a:t>
+            </a:r>
+            <a:r>
+              <a:rPr lang="en-US" b="0" dirty="0">
+                <a:solidFill>
+                  <a:srgbClr val="777777"/>
+                </a:solidFill>
+                <a:effectLst/>
+                <a:latin typeface="Consolas" panose="020B0609020204030204" pitchFamily="49" charset="0"/>
+              </a:rPr>
+              <a:t>=</a:t>
+            </a:r>
+            <a:r>
+              <a:rPr lang="en-US" b="0" dirty="0">
+                <a:solidFill>
+                  <a:srgbClr val="7A3E9D"/>
+                </a:solidFill>
+                <a:effectLst/>
+                <a:latin typeface="Consolas" panose="020B0609020204030204" pitchFamily="49" charset="0"/>
+              </a:rPr>
+              <a:t>alpha</a:t>
+            </a:r>
+            <a:r>
+              <a:rPr lang="en-US" b="0" dirty="0">
+                <a:solidFill>
+                  <a:srgbClr val="777777"/>
+                </a:solidFill>
+                <a:effectLst/>
+                <a:latin typeface="Consolas" panose="020B0609020204030204" pitchFamily="49" charset="0"/>
+              </a:rPr>
+              <a:t>,</a:t>
+            </a:r>
+            <a:r>
+              <a:rPr lang="en-US" b="0" dirty="0">
+                <a:solidFill>
+                  <a:srgbClr val="333333"/>
+                </a:solidFill>
+                <a:effectLst/>
+                <a:latin typeface="Consolas" panose="020B0609020204030204" pitchFamily="49" charset="0"/>
+              </a:rPr>
+              <a:t> </a:t>
+            </a:r>
+          </a:p>
+          <a:p>
+            <a:r>
+              <a:rPr lang="en-US" dirty="0">
+                <a:solidFill>
+                  <a:srgbClr val="333333"/>
+                </a:solidFill>
+                <a:latin typeface="Consolas" panose="020B0609020204030204" pitchFamily="49" charset="0"/>
+              </a:rPr>
+              <a:t>                </a:t>
+            </a:r>
+            <a:r>
+              <a:rPr lang="en-US" b="0" dirty="0">
+                <a:solidFill>
+                  <a:srgbClr val="7A3E9D"/>
+                </a:solidFill>
+                <a:effectLst/>
+                <a:latin typeface="Consolas" panose="020B0609020204030204" pitchFamily="49" charset="0"/>
+              </a:rPr>
+              <a:t>observed</a:t>
+            </a:r>
+            <a:r>
+              <a:rPr lang="en-US" b="0" dirty="0">
+                <a:solidFill>
+                  <a:srgbClr val="777777"/>
+                </a:solidFill>
+                <a:effectLst/>
+                <a:latin typeface="Consolas" panose="020B0609020204030204" pitchFamily="49" charset="0"/>
+              </a:rPr>
+              <a:t>=</a:t>
+            </a:r>
+            <a:r>
+              <a:rPr lang="en-US" b="0" dirty="0" err="1">
+                <a:solidFill>
+                  <a:srgbClr val="7A3E9D"/>
+                </a:solidFill>
+                <a:effectLst/>
+                <a:latin typeface="Consolas" panose="020B0609020204030204" pitchFamily="49" charset="0"/>
+              </a:rPr>
+              <a:t>bikes</a:t>
+            </a:r>
+            <a:r>
+              <a:rPr lang="en-US" b="0" dirty="0" err="1">
+                <a:solidFill>
+                  <a:srgbClr val="777777"/>
+                </a:solidFill>
+                <a:effectLst/>
+                <a:latin typeface="Consolas" panose="020B0609020204030204" pitchFamily="49" charset="0"/>
+              </a:rPr>
+              <a:t>.</a:t>
+            </a:r>
+            <a:r>
+              <a:rPr lang="en-US" b="0" dirty="0" err="1">
+                <a:solidFill>
+                  <a:srgbClr val="333333"/>
+                </a:solidFill>
+                <a:effectLst/>
+                <a:latin typeface="Consolas" panose="020B0609020204030204" pitchFamily="49" charset="0"/>
+              </a:rPr>
+              <a:t>rented</a:t>
+            </a:r>
+            <a:r>
+              <a:rPr lang="en-US" b="0" dirty="0">
+                <a:solidFill>
+                  <a:srgbClr val="777777"/>
+                </a:solidFill>
+                <a:effectLst/>
+                <a:latin typeface="Consolas" panose="020B0609020204030204" pitchFamily="49" charset="0"/>
+              </a:rPr>
+              <a:t>)</a:t>
+            </a:r>
+            <a:endParaRPr lang="en-US" b="0" dirty="0">
+              <a:solidFill>
+                <a:srgbClr val="333333"/>
+              </a:solidFill>
+              <a:effectLst/>
+              <a:latin typeface="Consolas" panose="020B0609020204030204" pitchFamily="49" charset="0"/>
+            </a:endParaRPr>
           </a:p>
         </p:txBody>
       </p:sp>
     </p:spTree>
     <p:extLst>
       <p:ext uri="{BB962C8B-B14F-4D97-AF65-F5344CB8AC3E}">
-        <p14:creationId xmlns:p14="http://schemas.microsoft.com/office/powerpoint/2010/main" val="2529673646"/>
+        <p14:creationId xmlns:p14="http://schemas.microsoft.com/office/powerpoint/2010/main" val="509930756"/>
+      </p:ext>
+    </p:extLst>
+  </p:cSld>
+  <p:clrMapOvr>
+    <a:masterClrMapping/>
+  </p:clrMapOvr>
+</p:sld>
+</file>
+
+<file path=ppt/slides/slide37.xml><?xml version="1.0" encoding="utf-8"?>
+<p:sld xmlns:a="http://schemas.openxmlformats.org/drawingml/2006/main" xmlns:r="http://schemas.openxmlformats.org/officeDocument/2006/relationships" xmlns:p="http://schemas.openxmlformats.org/presentationml/2006/main">
+  <p:cSld>
+    <p:spTree>
+      <p:nvGrpSpPr>
+        <p:cNvPr id="1" name=""/>
+        <p:cNvGrpSpPr/>
+        <p:nvPr/>
+      </p:nvGrpSpPr>
+      <p:grpSpPr>
+        <a:xfrm>
+          <a:off x="0" y="0"/>
+          <a:ext cx="0" cy="0"/>
+          <a:chOff x="0" y="0"/>
+          <a:chExt cx="0" cy="0"/>
+        </a:xfrm>
+      </p:grpSpPr>
+      <p:sp>
+        <p:nvSpPr>
+          <p:cNvPr id="2" name="Title 1">
+            <a:extLst>
+              <a:ext uri="{FF2B5EF4-FFF2-40B4-BE49-F238E27FC236}">
+                <a16:creationId xmlns:a16="http://schemas.microsoft.com/office/drawing/2014/main" id="{0FF24907-5B58-8E83-9A00-A87589509D6D}"/>
+              </a:ext>
+            </a:extLst>
+          </p:cNvPr>
+          <p:cNvSpPr>
+            <a:spLocks noGrp="1"/>
+          </p:cNvSpPr>
+          <p:nvPr>
+            <p:ph type="title"/>
+          </p:nvPr>
+        </p:nvSpPr>
+        <p:spPr/>
+        <p:txBody>
+          <a:bodyPr/>
+          <a:lstStyle/>
+          <a:p>
+            <a:endParaRPr lang="he-IL"/>
+          </a:p>
+        </p:txBody>
+      </p:sp>
+      <p:pic>
+        <p:nvPicPr>
+          <p:cNvPr id="3" name="Picture 2">
+            <a:extLst>
+              <a:ext uri="{FF2B5EF4-FFF2-40B4-BE49-F238E27FC236}">
+                <a16:creationId xmlns:a16="http://schemas.microsoft.com/office/drawing/2014/main" id="{6994D758-EABC-9859-B110-C3DA307C129F}"/>
+              </a:ext>
+            </a:extLst>
+          </p:cNvPr>
+          <p:cNvPicPr>
+            <a:picLocks noChangeAspect="1"/>
+          </p:cNvPicPr>
+          <p:nvPr/>
+        </p:nvPicPr>
+        <p:blipFill>
+          <a:blip r:embed="rId2"/>
+          <a:stretch>
+            <a:fillRect/>
+          </a:stretch>
+        </p:blipFill>
+        <p:spPr>
+          <a:xfrm>
+            <a:off x="914399" y="2007279"/>
+            <a:ext cx="10238509" cy="4215856"/>
+          </a:xfrm>
+          <a:prstGeom prst="rect">
+            <a:avLst/>
+          </a:prstGeom>
+        </p:spPr>
+      </p:pic>
+    </p:spTree>
+    <p:extLst>
+      <p:ext uri="{BB962C8B-B14F-4D97-AF65-F5344CB8AC3E}">
+        <p14:creationId xmlns:p14="http://schemas.microsoft.com/office/powerpoint/2010/main" val="1266911267"/>
+      </p:ext>
+    </p:extLst>
+  </p:cSld>
+  <p:clrMapOvr>
+    <a:masterClrMapping/>
+  </p:clrMapOvr>
+</p:sld>
+</file>
+
+<file path=ppt/slides/slide38.xml><?xml version="1.0" encoding="utf-8"?>
+<p:sld xmlns:a="http://schemas.openxmlformats.org/drawingml/2006/main" xmlns:r="http://schemas.openxmlformats.org/officeDocument/2006/relationships" xmlns:p="http://schemas.openxmlformats.org/presentationml/2006/main">
+  <p:cSld>
+    <p:spTree>
+      <p:nvGrpSpPr>
+        <p:cNvPr id="1" name=""/>
+        <p:cNvGrpSpPr/>
+        <p:nvPr/>
+      </p:nvGrpSpPr>
+      <p:grpSpPr>
+        <a:xfrm>
+          <a:off x="0" y="0"/>
+          <a:ext cx="0" cy="0"/>
+          <a:chOff x="0" y="0"/>
+          <a:chExt cx="0" cy="0"/>
+        </a:xfrm>
+      </p:grpSpPr>
+      <p:sp>
+        <p:nvSpPr>
+          <p:cNvPr id="2" name="Title 1">
+            <a:extLst>
+              <a:ext uri="{FF2B5EF4-FFF2-40B4-BE49-F238E27FC236}">
+                <a16:creationId xmlns:a16="http://schemas.microsoft.com/office/drawing/2014/main" id="{8D231D11-F073-2ADE-4CD9-95F3E88ED327}"/>
+              </a:ext>
+            </a:extLst>
+          </p:cNvPr>
+          <p:cNvSpPr>
+            <a:spLocks noGrp="1"/>
+          </p:cNvSpPr>
+          <p:nvPr>
+            <p:ph type="title"/>
+          </p:nvPr>
+        </p:nvSpPr>
+        <p:spPr/>
+        <p:txBody>
+          <a:bodyPr/>
+          <a:lstStyle/>
+          <a:p>
+            <a:r>
+              <a:rPr lang="en-US" dirty="0"/>
+              <a:t>Posterior </a:t>
+            </a:r>
+            <a:r>
+              <a:rPr lang="en-US" dirty="0" err="1"/>
+              <a:t>predictives</a:t>
+            </a:r>
+            <a:r>
+              <a:rPr lang="en-US" dirty="0"/>
+              <a:t> comparison</a:t>
+            </a:r>
+            <a:endParaRPr lang="he-IL" dirty="0"/>
+          </a:p>
+        </p:txBody>
+      </p:sp>
+    </p:spTree>
+    <p:extLst>
+      <p:ext uri="{BB962C8B-B14F-4D97-AF65-F5344CB8AC3E}">
+        <p14:creationId xmlns:p14="http://schemas.microsoft.com/office/powerpoint/2010/main" val="1309673304"/>
+      </p:ext>
+    </p:extLst>
+  </p:cSld>
+  <p:clrMapOvr>
+    <a:masterClrMapping/>
+  </p:clrMapOvr>
+</p:sld>
+</file>
+
+<file path=ppt/slides/slide39.xml><?xml version="1.0" encoding="utf-8"?>
+<p:sld xmlns:a="http://schemas.openxmlformats.org/drawingml/2006/main" xmlns:r="http://schemas.openxmlformats.org/officeDocument/2006/relationships" xmlns:p="http://schemas.openxmlformats.org/presentationml/2006/main">
+  <p:cSld>
+    <p:spTree>
+      <p:nvGrpSpPr>
+        <p:cNvPr id="1" name=""/>
+        <p:cNvGrpSpPr/>
+        <p:nvPr/>
+      </p:nvGrpSpPr>
+      <p:grpSpPr>
+        <a:xfrm>
+          <a:off x="0" y="0"/>
+          <a:ext cx="0" cy="0"/>
+          <a:chOff x="0" y="0"/>
+          <a:chExt cx="0" cy="0"/>
+        </a:xfrm>
+      </p:grpSpPr>
+      <p:sp>
+        <p:nvSpPr>
+          <p:cNvPr id="2" name="Title 1">
+            <a:extLst>
+              <a:ext uri="{FF2B5EF4-FFF2-40B4-BE49-F238E27FC236}">
+                <a16:creationId xmlns:a16="http://schemas.microsoft.com/office/drawing/2014/main" id="{0C91F4B6-9062-9D98-BE88-F1086A70C222}"/>
+              </a:ext>
+            </a:extLst>
+          </p:cNvPr>
+          <p:cNvSpPr>
+            <a:spLocks noGrp="1"/>
+          </p:cNvSpPr>
+          <p:nvPr>
+            <p:ph type="title"/>
+          </p:nvPr>
+        </p:nvSpPr>
+        <p:spPr/>
+        <p:txBody>
+          <a:bodyPr/>
+          <a:lstStyle/>
+          <a:p>
+            <a:r>
+              <a:rPr lang="en-US" dirty="0"/>
+              <a:t>Robust regression</a:t>
+            </a:r>
+            <a:endParaRPr lang="he-IL" dirty="0"/>
+          </a:p>
+        </p:txBody>
+      </p:sp>
+    </p:spTree>
+    <p:extLst>
+      <p:ext uri="{BB962C8B-B14F-4D97-AF65-F5344CB8AC3E}">
+        <p14:creationId xmlns:p14="http://schemas.microsoft.com/office/powerpoint/2010/main" val="2458408805"/>
       </p:ext>
     </p:extLst>
   </p:cSld>
@@ -14103,6 +20519,65 @@
       </p:par>
     </p:tnLst>
   </p:timing>
+</p:sld>
+</file>
+
+<file path=ppt/slides/slide40.xml><?xml version="1.0" encoding="utf-8"?>
+<p:sld xmlns:a="http://schemas.openxmlformats.org/drawingml/2006/main" xmlns:r="http://schemas.openxmlformats.org/officeDocument/2006/relationships" xmlns:p="http://schemas.openxmlformats.org/presentationml/2006/main">
+  <p:cSld>
+    <p:spTree>
+      <p:nvGrpSpPr>
+        <p:cNvPr id="1" name=""/>
+        <p:cNvGrpSpPr/>
+        <p:nvPr/>
+      </p:nvGrpSpPr>
+      <p:grpSpPr>
+        <a:xfrm>
+          <a:off x="0" y="0"/>
+          <a:ext cx="0" cy="0"/>
+          <a:chOff x="0" y="0"/>
+          <a:chExt cx="0" cy="0"/>
+        </a:xfrm>
+      </p:grpSpPr>
+      <p:sp>
+        <p:nvSpPr>
+          <p:cNvPr id="2" name="Title 1">
+            <a:extLst>
+              <a:ext uri="{FF2B5EF4-FFF2-40B4-BE49-F238E27FC236}">
+                <a16:creationId xmlns:a16="http://schemas.microsoft.com/office/drawing/2014/main" id="{AACF9AF5-127B-1E6A-64E1-C113503B738C}"/>
+              </a:ext>
+            </a:extLst>
+          </p:cNvPr>
+          <p:cNvSpPr>
+            <a:spLocks noGrp="1"/>
+          </p:cNvSpPr>
+          <p:nvPr>
+            <p:ph type="title"/>
+          </p:nvPr>
+        </p:nvSpPr>
+        <p:spPr/>
+        <p:txBody>
+          <a:bodyPr/>
+          <a:lstStyle/>
+          <a:p>
+            <a:r>
+              <a:rPr lang="en-US"/>
+              <a:t>Variable variance</a:t>
+            </a:r>
+            <a:endParaRPr lang="he-IL"/>
+          </a:p>
+        </p:txBody>
+      </p:sp>
+    </p:spTree>
+    <p:extLst>
+      <p:ext uri="{BB962C8B-B14F-4D97-AF65-F5344CB8AC3E}">
+        <p14:creationId xmlns:p14="http://schemas.microsoft.com/office/powerpoint/2010/main" val="146674486"/>
+      </p:ext>
+    </p:extLst>
+  </p:cSld>
+  <p:clrMapOvr>
+    <a:masterClrMapping/>
+  </p:clrMapOvr>
 </p:sld>
 </file>
 

--- a/Lectures/Lecture 6 Linear models.pptx
+++ b/Lectures/Lecture 6 Linear models.pptx
@@ -5,7 +5,7 @@
     <p:sldMasterId id="2147483648" r:id="rId1"/>
   </p:sldMasterIdLst>
   <p:notesMasterIdLst>
-    <p:notesMasterId r:id="rId42"/>
+    <p:notesMasterId r:id="rId45"/>
   </p:notesMasterIdLst>
   <p:sldIdLst>
     <p:sldId id="256" r:id="rId2"/>
@@ -38,16 +38,19 @@
     <p:sldId id="706" r:id="rId29"/>
     <p:sldId id="712" r:id="rId30"/>
     <p:sldId id="718" r:id="rId31"/>
-    <p:sldId id="704" r:id="rId32"/>
-    <p:sldId id="713" r:id="rId33"/>
-    <p:sldId id="715" r:id="rId34"/>
-    <p:sldId id="714" r:id="rId35"/>
-    <p:sldId id="716" r:id="rId36"/>
-    <p:sldId id="717" r:id="rId37"/>
-    <p:sldId id="719" r:id="rId38"/>
-    <p:sldId id="720" r:id="rId39"/>
-    <p:sldId id="721" r:id="rId40"/>
-    <p:sldId id="722" r:id="rId41"/>
+    <p:sldId id="413" r:id="rId32"/>
+    <p:sldId id="723" r:id="rId33"/>
+    <p:sldId id="724" r:id="rId34"/>
+    <p:sldId id="704" r:id="rId35"/>
+    <p:sldId id="713" r:id="rId36"/>
+    <p:sldId id="715" r:id="rId37"/>
+    <p:sldId id="714" r:id="rId38"/>
+    <p:sldId id="716" r:id="rId39"/>
+    <p:sldId id="717" r:id="rId40"/>
+    <p:sldId id="719" r:id="rId41"/>
+    <p:sldId id="720" r:id="rId42"/>
+    <p:sldId id="721" r:id="rId43"/>
+    <p:sldId id="722" r:id="rId44"/>
   </p:sldIdLst>
   <p:sldSz cx="12192000" cy="6858000"/>
   <p:notesSz cx="6858000" cy="9144000"/>
@@ -236,7 +239,7 @@
           <a:p>
             <a:fld id="{9CF176CD-15D1-4787-BBAA-B7F61FF9E394}" type="datetimeFigureOut">
               <a:rPr lang="en-GB" smtClean="0"/>
-              <a:t>31/03/2025</a:t>
+              <a:t>02/04/2025</a:t>
             </a:fld>
             <a:endParaRPr lang="en-GB"/>
           </a:p>
@@ -724,7 +727,7 @@
           <a:p>
             <a:fld id="{633AF1EE-65BA-4140-B6B9-7F82C437F84A}" type="datetimeFigureOut">
               <a:rPr lang="en-GB" smtClean="0"/>
-              <a:t>31/03/2025</a:t>
+              <a:t>02/04/2025</a:t>
             </a:fld>
             <a:endParaRPr lang="en-GB"/>
           </a:p>
@@ -894,7 +897,7 @@
           <a:p>
             <a:fld id="{633AF1EE-65BA-4140-B6B9-7F82C437F84A}" type="datetimeFigureOut">
               <a:rPr lang="en-GB" smtClean="0"/>
-              <a:t>31/03/2025</a:t>
+              <a:t>02/04/2025</a:t>
             </a:fld>
             <a:endParaRPr lang="en-GB"/>
           </a:p>
@@ -1074,7 +1077,7 @@
           <a:p>
             <a:fld id="{633AF1EE-65BA-4140-B6B9-7F82C437F84A}" type="datetimeFigureOut">
               <a:rPr lang="en-GB" smtClean="0"/>
-              <a:t>31/03/2025</a:t>
+              <a:t>02/04/2025</a:t>
             </a:fld>
             <a:endParaRPr lang="en-GB"/>
           </a:p>
@@ -1244,7 +1247,7 @@
           <a:p>
             <a:fld id="{633AF1EE-65BA-4140-B6B9-7F82C437F84A}" type="datetimeFigureOut">
               <a:rPr lang="en-GB" smtClean="0"/>
-              <a:t>31/03/2025</a:t>
+              <a:t>02/04/2025</a:t>
             </a:fld>
             <a:endParaRPr lang="en-GB"/>
           </a:p>
@@ -1490,7 +1493,7 @@
           <a:p>
             <a:fld id="{633AF1EE-65BA-4140-B6B9-7F82C437F84A}" type="datetimeFigureOut">
               <a:rPr lang="en-GB" smtClean="0"/>
-              <a:t>31/03/2025</a:t>
+              <a:t>02/04/2025</a:t>
             </a:fld>
             <a:endParaRPr lang="en-GB"/>
           </a:p>
@@ -1722,7 +1725,7 @@
           <a:p>
             <a:fld id="{633AF1EE-65BA-4140-B6B9-7F82C437F84A}" type="datetimeFigureOut">
               <a:rPr lang="en-GB" smtClean="0"/>
-              <a:t>31/03/2025</a:t>
+              <a:t>02/04/2025</a:t>
             </a:fld>
             <a:endParaRPr lang="en-GB"/>
           </a:p>
@@ -2089,7 +2092,7 @@
           <a:p>
             <a:fld id="{633AF1EE-65BA-4140-B6B9-7F82C437F84A}" type="datetimeFigureOut">
               <a:rPr lang="en-GB" smtClean="0"/>
-              <a:t>31/03/2025</a:t>
+              <a:t>02/04/2025</a:t>
             </a:fld>
             <a:endParaRPr lang="en-GB"/>
           </a:p>
@@ -2207,7 +2210,7 @@
           <a:p>
             <a:fld id="{633AF1EE-65BA-4140-B6B9-7F82C437F84A}" type="datetimeFigureOut">
               <a:rPr lang="en-GB" smtClean="0"/>
-              <a:t>31/03/2025</a:t>
+              <a:t>02/04/2025</a:t>
             </a:fld>
             <a:endParaRPr lang="en-GB"/>
           </a:p>
@@ -2302,7 +2305,7 @@
           <a:p>
             <a:fld id="{633AF1EE-65BA-4140-B6B9-7F82C437F84A}" type="datetimeFigureOut">
               <a:rPr lang="en-GB" smtClean="0"/>
-              <a:t>31/03/2025</a:t>
+              <a:t>02/04/2025</a:t>
             </a:fld>
             <a:endParaRPr lang="en-GB"/>
           </a:p>
@@ -2579,7 +2582,7 @@
           <a:p>
             <a:fld id="{633AF1EE-65BA-4140-B6B9-7F82C437F84A}" type="datetimeFigureOut">
               <a:rPr lang="en-GB" smtClean="0"/>
-              <a:t>31/03/2025</a:t>
+              <a:t>02/04/2025</a:t>
             </a:fld>
             <a:endParaRPr lang="en-GB"/>
           </a:p>
@@ -2832,7 +2835,7 @@
           <a:p>
             <a:fld id="{633AF1EE-65BA-4140-B6B9-7F82C437F84A}" type="datetimeFigureOut">
               <a:rPr lang="en-GB" smtClean="0"/>
-              <a:t>31/03/2025</a:t>
+              <a:t>02/04/2025</a:t>
             </a:fld>
             <a:endParaRPr lang="en-GB"/>
           </a:p>
@@ -3045,7 +3048,7 @@
           <a:p>
             <a:fld id="{633AF1EE-65BA-4140-B6B9-7F82C437F84A}" type="datetimeFigureOut">
               <a:rPr lang="en-GB" smtClean="0"/>
-              <a:t>31/03/2025</a:t>
+              <a:t>02/04/2025</a:t>
             </a:fld>
             <a:endParaRPr lang="en-GB"/>
           </a:p>
@@ -14283,8 +14286,8 @@
           </a:p>
         </p:txBody>
       </p:sp>
-      <mc:AlternateContent xmlns:mc="http://schemas.openxmlformats.org/markup-compatibility/2006">
-        <mc:Choice xmlns:a14="http://schemas.microsoft.com/office/drawing/2010/main" Requires="a14">
+      <mc:AlternateContent xmlns:mc="http://schemas.openxmlformats.org/markup-compatibility/2006" xmlns:a14="http://schemas.microsoft.com/office/drawing/2010/main">
+        <mc:Choice Requires="a14">
           <p:sp>
             <p:nvSpPr>
               <p:cNvPr id="3" name="Content Placeholder 2">
@@ -14480,7 +14483,7 @@
             </p:txBody>
           </p:sp>
         </mc:Choice>
-        <mc:Fallback>
+        <mc:Fallback xmlns="">
           <p:sp>
             <p:nvSpPr>
               <p:cNvPr id="3" name="Content Placeholder 2">
@@ -16598,6 +16601,2145 @@
           <p:cNvPr id="2" name="Title 1">
             <a:extLst>
               <a:ext uri="{FF2B5EF4-FFF2-40B4-BE49-F238E27FC236}">
+                <a16:creationId xmlns:a16="http://schemas.microsoft.com/office/drawing/2014/main" id="{81B8B506-5F26-9A4C-3D41-07D696B17153}"/>
+              </a:ext>
+            </a:extLst>
+          </p:cNvPr>
+          <p:cNvSpPr>
+            <a:spLocks noGrp="1"/>
+          </p:cNvSpPr>
+          <p:nvPr>
+            <p:ph type="title"/>
+          </p:nvPr>
+        </p:nvSpPr>
+        <p:spPr>
+          <a:xfrm>
+            <a:off x="838200" y="365126"/>
+            <a:ext cx="10515600" cy="886618"/>
+          </a:xfrm>
+        </p:spPr>
+        <p:txBody>
+          <a:bodyPr>
+            <a:normAutofit fontScale="90000"/>
+          </a:bodyPr>
+          <a:lstStyle/>
+          <a:p>
+            <a:br>
+              <a:rPr lang="en-US" dirty="0"/>
+            </a:br>
+            <a:r>
+              <a:rPr lang="en-US" dirty="0"/>
+              <a:t>Bayesian workflow</a:t>
+            </a:r>
+            <a:endParaRPr lang="en-IL" dirty="0"/>
+          </a:p>
+        </p:txBody>
+      </p:sp>
+      <p:sp>
+        <p:nvSpPr>
+          <p:cNvPr id="4" name="Oval 3">
+            <a:extLst>
+              <a:ext uri="{FF2B5EF4-FFF2-40B4-BE49-F238E27FC236}">
+                <a16:creationId xmlns:a16="http://schemas.microsoft.com/office/drawing/2014/main" id="{E34F7726-086F-6345-3F94-5A75B585351F}"/>
+              </a:ext>
+            </a:extLst>
+          </p:cNvPr>
+          <p:cNvSpPr/>
+          <p:nvPr/>
+        </p:nvSpPr>
+        <p:spPr>
+          <a:xfrm>
+            <a:off x="387350" y="3657600"/>
+            <a:ext cx="1333500" cy="577850"/>
+          </a:xfrm>
+          <a:prstGeom prst="ellipse">
+            <a:avLst/>
+          </a:prstGeom>
+        </p:spPr>
+        <p:style>
+          <a:lnRef idx="1">
+            <a:schemeClr val="accent1"/>
+          </a:lnRef>
+          <a:fillRef idx="2">
+            <a:schemeClr val="accent1"/>
+          </a:fillRef>
+          <a:effectRef idx="1">
+            <a:schemeClr val="accent1"/>
+          </a:effectRef>
+          <a:fontRef idx="minor">
+            <a:schemeClr val="dk1"/>
+          </a:fontRef>
+        </p:style>
+        <p:txBody>
+          <a:bodyPr rtlCol="0" anchor="ctr"/>
+          <a:lstStyle/>
+          <a:p>
+            <a:pPr algn="ctr"/>
+            <a:r>
+              <a:rPr lang="en-US" dirty="0"/>
+              <a:t>Data</a:t>
+            </a:r>
+            <a:endParaRPr lang="en-IL" dirty="0"/>
+          </a:p>
+        </p:txBody>
+      </p:sp>
+      <p:sp>
+        <p:nvSpPr>
+          <p:cNvPr id="5" name="Oval 4">
+            <a:extLst>
+              <a:ext uri="{FF2B5EF4-FFF2-40B4-BE49-F238E27FC236}">
+                <a16:creationId xmlns:a16="http://schemas.microsoft.com/office/drawing/2014/main" id="{19AB2854-8907-CEDF-4A35-C9BE0D1CD706}"/>
+              </a:ext>
+            </a:extLst>
+          </p:cNvPr>
+          <p:cNvSpPr/>
+          <p:nvPr/>
+        </p:nvSpPr>
+        <p:spPr>
+          <a:xfrm>
+            <a:off x="2781300" y="3657600"/>
+            <a:ext cx="1333500" cy="577850"/>
+          </a:xfrm>
+          <a:prstGeom prst="ellipse">
+            <a:avLst/>
+          </a:prstGeom>
+        </p:spPr>
+        <p:style>
+          <a:lnRef idx="1">
+            <a:schemeClr val="accent1"/>
+          </a:lnRef>
+          <a:fillRef idx="2">
+            <a:schemeClr val="accent1"/>
+          </a:fillRef>
+          <a:effectRef idx="1">
+            <a:schemeClr val="accent1"/>
+          </a:effectRef>
+          <a:fontRef idx="minor">
+            <a:schemeClr val="dk1"/>
+          </a:fontRef>
+        </p:style>
+        <p:txBody>
+          <a:bodyPr rtlCol="0" anchor="ctr"/>
+          <a:lstStyle/>
+          <a:p>
+            <a:pPr algn="ctr"/>
+            <a:r>
+              <a:rPr lang="en-US" dirty="0"/>
+              <a:t>Model</a:t>
+            </a:r>
+            <a:endParaRPr lang="en-IL" dirty="0"/>
+          </a:p>
+        </p:txBody>
+      </p:sp>
+      <p:cxnSp>
+        <p:nvCxnSpPr>
+          <p:cNvPr id="7" name="Straight Arrow Connector 6">
+            <a:extLst>
+              <a:ext uri="{FF2B5EF4-FFF2-40B4-BE49-F238E27FC236}">
+                <a16:creationId xmlns:a16="http://schemas.microsoft.com/office/drawing/2014/main" id="{BCE8C766-2C52-D8FC-1079-28BC40CDA46C}"/>
+              </a:ext>
+            </a:extLst>
+          </p:cNvPr>
+          <p:cNvCxnSpPr>
+            <a:stCxn id="4" idx="6"/>
+            <a:endCxn id="5" idx="2"/>
+          </p:cNvCxnSpPr>
+          <p:nvPr/>
+        </p:nvCxnSpPr>
+        <p:spPr>
+          <a:xfrm>
+            <a:off x="1720850" y="3946525"/>
+            <a:ext cx="1060450" cy="0"/>
+          </a:xfrm>
+          <a:prstGeom prst="straightConnector1">
+            <a:avLst/>
+          </a:prstGeom>
+          <a:ln w="38100" cap="flat" cmpd="sng" algn="ctr">
+            <a:solidFill>
+              <a:schemeClr val="accent5"/>
+            </a:solidFill>
+            <a:prstDash val="solid"/>
+            <a:round/>
+            <a:headEnd type="none" w="med" len="med"/>
+            <a:tailEnd type="arrow" w="med" len="med"/>
+          </a:ln>
+        </p:spPr>
+        <p:style>
+          <a:lnRef idx="0">
+            <a:scrgbClr r="0" g="0" b="0"/>
+          </a:lnRef>
+          <a:fillRef idx="0">
+            <a:scrgbClr r="0" g="0" b="0"/>
+          </a:fillRef>
+          <a:effectRef idx="0">
+            <a:scrgbClr r="0" g="0" b="0"/>
+          </a:effectRef>
+          <a:fontRef idx="minor">
+            <a:schemeClr val="tx1"/>
+          </a:fontRef>
+        </p:style>
+      </p:cxnSp>
+      <p:sp>
+        <p:nvSpPr>
+          <p:cNvPr id="8" name="Oval 7">
+            <a:extLst>
+              <a:ext uri="{FF2B5EF4-FFF2-40B4-BE49-F238E27FC236}">
+                <a16:creationId xmlns:a16="http://schemas.microsoft.com/office/drawing/2014/main" id="{E84BFF07-A956-92D8-4421-9A466E18CC35}"/>
+              </a:ext>
+            </a:extLst>
+          </p:cNvPr>
+          <p:cNvSpPr/>
+          <p:nvPr/>
+        </p:nvSpPr>
+        <p:spPr>
+          <a:xfrm>
+            <a:off x="2606675" y="4835127"/>
+            <a:ext cx="1682750" cy="939800"/>
+          </a:xfrm>
+          <a:prstGeom prst="ellipse">
+            <a:avLst/>
+          </a:prstGeom>
+        </p:spPr>
+        <p:style>
+          <a:lnRef idx="1">
+            <a:schemeClr val="accent4"/>
+          </a:lnRef>
+          <a:fillRef idx="2">
+            <a:schemeClr val="accent4"/>
+          </a:fillRef>
+          <a:effectRef idx="1">
+            <a:schemeClr val="accent4"/>
+          </a:effectRef>
+          <a:fontRef idx="minor">
+            <a:schemeClr val="dk1"/>
+          </a:fontRef>
+        </p:style>
+        <p:txBody>
+          <a:bodyPr rtlCol="0" anchor="ctr"/>
+          <a:lstStyle/>
+          <a:p>
+            <a:pPr algn="ctr"/>
+            <a:r>
+              <a:rPr lang="en-US" sz="1600" dirty="0"/>
+              <a:t>Prior predictive sampling</a:t>
+            </a:r>
+            <a:endParaRPr lang="en-IL" sz="1600" dirty="0"/>
+          </a:p>
+        </p:txBody>
+      </p:sp>
+      <p:cxnSp>
+        <p:nvCxnSpPr>
+          <p:cNvPr id="9" name="Straight Arrow Connector 8">
+            <a:extLst>
+              <a:ext uri="{FF2B5EF4-FFF2-40B4-BE49-F238E27FC236}">
+                <a16:creationId xmlns:a16="http://schemas.microsoft.com/office/drawing/2014/main" id="{7E614D93-EAEC-1580-65CB-64A98F59D802}"/>
+              </a:ext>
+            </a:extLst>
+          </p:cNvPr>
+          <p:cNvCxnSpPr>
+            <a:cxnSpLocks/>
+            <a:stCxn id="5" idx="4"/>
+            <a:endCxn id="8" idx="0"/>
+          </p:cNvCxnSpPr>
+          <p:nvPr/>
+        </p:nvCxnSpPr>
+        <p:spPr>
+          <a:xfrm>
+            <a:off x="3448050" y="4235450"/>
+            <a:ext cx="0" cy="599677"/>
+          </a:xfrm>
+          <a:prstGeom prst="straightConnector1">
+            <a:avLst/>
+          </a:prstGeom>
+          <a:ln w="38100" cap="flat" cmpd="sng" algn="ctr">
+            <a:solidFill>
+              <a:srgbClr val="FFC000"/>
+            </a:solidFill>
+            <a:prstDash val="solid"/>
+            <a:round/>
+            <a:headEnd type="none" w="med" len="med"/>
+            <a:tailEnd type="arrow" w="med" len="med"/>
+          </a:ln>
+        </p:spPr>
+        <p:style>
+          <a:lnRef idx="0">
+            <a:scrgbClr r="0" g="0" b="0"/>
+          </a:lnRef>
+          <a:fillRef idx="0">
+            <a:scrgbClr r="0" g="0" b="0"/>
+          </a:fillRef>
+          <a:effectRef idx="0">
+            <a:scrgbClr r="0" g="0" b="0"/>
+          </a:effectRef>
+          <a:fontRef idx="minor">
+            <a:schemeClr val="tx1"/>
+          </a:fontRef>
+        </p:style>
+      </p:cxnSp>
+      <p:cxnSp>
+        <p:nvCxnSpPr>
+          <p:cNvPr id="13" name="Connector: Elbow 12">
+            <a:extLst>
+              <a:ext uri="{FF2B5EF4-FFF2-40B4-BE49-F238E27FC236}">
+                <a16:creationId xmlns:a16="http://schemas.microsoft.com/office/drawing/2014/main" id="{8045D070-4782-282D-4D62-DD4FA4361A4B}"/>
+              </a:ext>
+            </a:extLst>
+          </p:cNvPr>
+          <p:cNvCxnSpPr>
+            <a:cxnSpLocks/>
+            <a:stCxn id="8" idx="2"/>
+            <a:endCxn id="5" idx="3"/>
+          </p:cNvCxnSpPr>
+          <p:nvPr/>
+        </p:nvCxnSpPr>
+        <p:spPr>
+          <a:xfrm rot="10800000" flipH="1">
+            <a:off x="2606675" y="4150827"/>
+            <a:ext cx="369912" cy="1154201"/>
+          </a:xfrm>
+          <a:prstGeom prst="bentConnector4">
+            <a:avLst>
+              <a:gd name="adj1" fmla="val -61798"/>
+              <a:gd name="adj2" fmla="val 66690"/>
+            </a:avLst>
+          </a:prstGeom>
+          <a:ln w="38100">
+            <a:tailEnd type="triangle"/>
+          </a:ln>
+        </p:spPr>
+        <p:style>
+          <a:lnRef idx="3">
+            <a:schemeClr val="accent4"/>
+          </a:lnRef>
+          <a:fillRef idx="0">
+            <a:schemeClr val="accent4"/>
+          </a:fillRef>
+          <a:effectRef idx="2">
+            <a:schemeClr val="accent4"/>
+          </a:effectRef>
+          <a:fontRef idx="minor">
+            <a:schemeClr val="tx1"/>
+          </a:fontRef>
+        </p:style>
+      </p:cxnSp>
+      <p:sp>
+        <p:nvSpPr>
+          <p:cNvPr id="14" name="Oval 13">
+            <a:extLst>
+              <a:ext uri="{FF2B5EF4-FFF2-40B4-BE49-F238E27FC236}">
+                <a16:creationId xmlns:a16="http://schemas.microsoft.com/office/drawing/2014/main" id="{ADA3C0C0-3FA0-3A80-D6D0-ED5BB74C9B27}"/>
+              </a:ext>
+            </a:extLst>
+          </p:cNvPr>
+          <p:cNvSpPr/>
+          <p:nvPr/>
+        </p:nvSpPr>
+        <p:spPr>
+          <a:xfrm>
+            <a:off x="5599112" y="3657600"/>
+            <a:ext cx="1333500" cy="577850"/>
+          </a:xfrm>
+          <a:prstGeom prst="ellipse">
+            <a:avLst/>
+          </a:prstGeom>
+        </p:spPr>
+        <p:style>
+          <a:lnRef idx="1">
+            <a:schemeClr val="accent1"/>
+          </a:lnRef>
+          <a:fillRef idx="2">
+            <a:schemeClr val="accent1"/>
+          </a:fillRef>
+          <a:effectRef idx="1">
+            <a:schemeClr val="accent1"/>
+          </a:effectRef>
+          <a:fontRef idx="minor">
+            <a:schemeClr val="dk1"/>
+          </a:fontRef>
+        </p:style>
+        <p:txBody>
+          <a:bodyPr rtlCol="0" anchor="ctr"/>
+          <a:lstStyle/>
+          <a:p>
+            <a:pPr algn="ctr"/>
+            <a:r>
+              <a:rPr lang="en-US" dirty="0"/>
+              <a:t>Sample</a:t>
+            </a:r>
+            <a:endParaRPr lang="en-IL" dirty="0"/>
+          </a:p>
+        </p:txBody>
+      </p:sp>
+      <p:cxnSp>
+        <p:nvCxnSpPr>
+          <p:cNvPr id="15" name="Straight Arrow Connector 14">
+            <a:extLst>
+              <a:ext uri="{FF2B5EF4-FFF2-40B4-BE49-F238E27FC236}">
+                <a16:creationId xmlns:a16="http://schemas.microsoft.com/office/drawing/2014/main" id="{B56914A4-B16E-F89C-4D82-0E4E324B5835}"/>
+              </a:ext>
+            </a:extLst>
+          </p:cNvPr>
+          <p:cNvCxnSpPr>
+            <a:cxnSpLocks/>
+            <a:stCxn id="5" idx="6"/>
+            <a:endCxn id="14" idx="2"/>
+          </p:cNvCxnSpPr>
+          <p:nvPr/>
+        </p:nvCxnSpPr>
+        <p:spPr>
+          <a:xfrm>
+            <a:off x="4114800" y="3946525"/>
+            <a:ext cx="1484312" cy="0"/>
+          </a:xfrm>
+          <a:prstGeom prst="straightConnector1">
+            <a:avLst/>
+          </a:prstGeom>
+          <a:ln w="38100" cap="flat" cmpd="sng" algn="ctr">
+            <a:solidFill>
+              <a:schemeClr val="accent5"/>
+            </a:solidFill>
+            <a:prstDash val="solid"/>
+            <a:round/>
+            <a:headEnd type="none" w="med" len="med"/>
+            <a:tailEnd type="arrow" w="med" len="med"/>
+          </a:ln>
+        </p:spPr>
+        <p:style>
+          <a:lnRef idx="0">
+            <a:scrgbClr r="0" g="0" b="0"/>
+          </a:lnRef>
+          <a:fillRef idx="0">
+            <a:scrgbClr r="0" g="0" b="0"/>
+          </a:fillRef>
+          <a:effectRef idx="0">
+            <a:scrgbClr r="0" g="0" b="0"/>
+          </a:effectRef>
+          <a:fontRef idx="minor">
+            <a:schemeClr val="tx1"/>
+          </a:fontRef>
+        </p:style>
+      </p:cxnSp>
+      <p:sp>
+        <p:nvSpPr>
+          <p:cNvPr id="33" name="Oval 32">
+            <a:extLst>
+              <a:ext uri="{FF2B5EF4-FFF2-40B4-BE49-F238E27FC236}">
+                <a16:creationId xmlns:a16="http://schemas.microsoft.com/office/drawing/2014/main" id="{307180CE-788C-60C0-8120-5BFD52E2CDE3}"/>
+              </a:ext>
+            </a:extLst>
+          </p:cNvPr>
+          <p:cNvSpPr/>
+          <p:nvPr/>
+        </p:nvSpPr>
+        <p:spPr>
+          <a:xfrm>
+            <a:off x="5424487" y="2204244"/>
+            <a:ext cx="1682750" cy="939800"/>
+          </a:xfrm>
+          <a:prstGeom prst="ellipse">
+            <a:avLst/>
+          </a:prstGeom>
+        </p:spPr>
+        <p:style>
+          <a:lnRef idx="1">
+            <a:schemeClr val="accent4"/>
+          </a:lnRef>
+          <a:fillRef idx="2">
+            <a:schemeClr val="accent4"/>
+          </a:fillRef>
+          <a:effectRef idx="1">
+            <a:schemeClr val="accent4"/>
+          </a:effectRef>
+          <a:fontRef idx="minor">
+            <a:schemeClr val="dk1"/>
+          </a:fontRef>
+        </p:style>
+        <p:txBody>
+          <a:bodyPr rtlCol="0" anchor="ctr"/>
+          <a:lstStyle/>
+          <a:p>
+            <a:pPr algn="ctr"/>
+            <a:r>
+              <a:rPr lang="en-US" sz="1600" dirty="0"/>
+              <a:t>Diagnostics</a:t>
+            </a:r>
+            <a:endParaRPr lang="en-IL" sz="1600" dirty="0"/>
+          </a:p>
+        </p:txBody>
+      </p:sp>
+      <p:cxnSp>
+        <p:nvCxnSpPr>
+          <p:cNvPr id="34" name="Straight Arrow Connector 33">
+            <a:extLst>
+              <a:ext uri="{FF2B5EF4-FFF2-40B4-BE49-F238E27FC236}">
+                <a16:creationId xmlns:a16="http://schemas.microsoft.com/office/drawing/2014/main" id="{186DC6E5-A525-5832-1F9A-7FEB0CB54539}"/>
+              </a:ext>
+            </a:extLst>
+          </p:cNvPr>
+          <p:cNvCxnSpPr>
+            <a:cxnSpLocks/>
+            <a:stCxn id="14" idx="0"/>
+            <a:endCxn id="33" idx="4"/>
+          </p:cNvCxnSpPr>
+          <p:nvPr/>
+        </p:nvCxnSpPr>
+        <p:spPr>
+          <a:xfrm flipV="1">
+            <a:off x="6265862" y="3144044"/>
+            <a:ext cx="0" cy="513556"/>
+          </a:xfrm>
+          <a:prstGeom prst="straightConnector1">
+            <a:avLst/>
+          </a:prstGeom>
+          <a:ln w="38100" cap="flat" cmpd="sng" algn="ctr">
+            <a:solidFill>
+              <a:srgbClr val="FFC000"/>
+            </a:solidFill>
+            <a:prstDash val="solid"/>
+            <a:round/>
+            <a:headEnd type="none" w="med" len="med"/>
+            <a:tailEnd type="arrow" w="med" len="med"/>
+          </a:ln>
+        </p:spPr>
+        <p:style>
+          <a:lnRef idx="0">
+            <a:scrgbClr r="0" g="0" b="0"/>
+          </a:lnRef>
+          <a:fillRef idx="0">
+            <a:scrgbClr r="0" g="0" b="0"/>
+          </a:fillRef>
+          <a:effectRef idx="0">
+            <a:scrgbClr r="0" g="0" b="0"/>
+          </a:effectRef>
+          <a:fontRef idx="minor">
+            <a:schemeClr val="tx1"/>
+          </a:fontRef>
+        </p:style>
+      </p:cxnSp>
+      <p:cxnSp>
+        <p:nvCxnSpPr>
+          <p:cNvPr id="37" name="Connector: Elbow 36">
+            <a:extLst>
+              <a:ext uri="{FF2B5EF4-FFF2-40B4-BE49-F238E27FC236}">
+                <a16:creationId xmlns:a16="http://schemas.microsoft.com/office/drawing/2014/main" id="{DAE20C8A-2FA0-E5CA-4F71-F8DED009C89E}"/>
+              </a:ext>
+            </a:extLst>
+          </p:cNvPr>
+          <p:cNvCxnSpPr>
+            <a:cxnSpLocks/>
+            <a:stCxn id="33" idx="2"/>
+            <a:endCxn id="14" idx="1"/>
+          </p:cNvCxnSpPr>
+          <p:nvPr/>
+        </p:nvCxnSpPr>
+        <p:spPr>
+          <a:xfrm rot="10800000" flipH="1" flipV="1">
+            <a:off x="5424487" y="2674144"/>
+            <a:ext cx="369912" cy="1068080"/>
+          </a:xfrm>
+          <a:prstGeom prst="bentConnector4">
+            <a:avLst>
+              <a:gd name="adj1" fmla="val -61798"/>
+              <a:gd name="adj2" fmla="val 68036"/>
+            </a:avLst>
+          </a:prstGeom>
+          <a:ln w="38100">
+            <a:tailEnd type="triangle"/>
+          </a:ln>
+        </p:spPr>
+        <p:style>
+          <a:lnRef idx="3">
+            <a:schemeClr val="accent4"/>
+          </a:lnRef>
+          <a:fillRef idx="0">
+            <a:schemeClr val="accent4"/>
+          </a:fillRef>
+          <a:effectRef idx="2">
+            <a:schemeClr val="accent4"/>
+          </a:effectRef>
+          <a:fontRef idx="minor">
+            <a:schemeClr val="tx1"/>
+          </a:fontRef>
+        </p:style>
+      </p:cxnSp>
+      <p:cxnSp>
+        <p:nvCxnSpPr>
+          <p:cNvPr id="40" name="Connector: Elbow 39">
+            <a:extLst>
+              <a:ext uri="{FF2B5EF4-FFF2-40B4-BE49-F238E27FC236}">
+                <a16:creationId xmlns:a16="http://schemas.microsoft.com/office/drawing/2014/main" id="{26825B8E-31D5-77AB-FF8B-B4C7E233B187}"/>
+              </a:ext>
+            </a:extLst>
+          </p:cNvPr>
+          <p:cNvCxnSpPr>
+            <a:cxnSpLocks/>
+            <a:stCxn id="33" idx="2"/>
+            <a:endCxn id="5" idx="7"/>
+          </p:cNvCxnSpPr>
+          <p:nvPr/>
+        </p:nvCxnSpPr>
+        <p:spPr>
+          <a:xfrm rot="10800000" flipV="1">
+            <a:off x="3919513" y="2674144"/>
+            <a:ext cx="1504974" cy="1068080"/>
+          </a:xfrm>
+          <a:prstGeom prst="bentConnector2">
+            <a:avLst/>
+          </a:prstGeom>
+          <a:ln w="38100">
+            <a:tailEnd type="triangle"/>
+          </a:ln>
+        </p:spPr>
+        <p:style>
+          <a:lnRef idx="3">
+            <a:schemeClr val="accent4"/>
+          </a:lnRef>
+          <a:fillRef idx="0">
+            <a:schemeClr val="accent4"/>
+          </a:fillRef>
+          <a:effectRef idx="2">
+            <a:schemeClr val="accent4"/>
+          </a:effectRef>
+          <a:fontRef idx="minor">
+            <a:schemeClr val="tx1"/>
+          </a:fontRef>
+        </p:style>
+      </p:cxnSp>
+      <p:sp>
+        <p:nvSpPr>
+          <p:cNvPr id="61" name="Oval 60">
+            <a:extLst>
+              <a:ext uri="{FF2B5EF4-FFF2-40B4-BE49-F238E27FC236}">
+                <a16:creationId xmlns:a16="http://schemas.microsoft.com/office/drawing/2014/main" id="{B5D8D4A4-16EF-26DA-7582-D455CBC62CC4}"/>
+              </a:ext>
+            </a:extLst>
+          </p:cNvPr>
+          <p:cNvSpPr/>
+          <p:nvPr/>
+        </p:nvSpPr>
+        <p:spPr>
+          <a:xfrm>
+            <a:off x="5424487" y="4682727"/>
+            <a:ext cx="1682750" cy="939800"/>
+          </a:xfrm>
+          <a:prstGeom prst="ellipse">
+            <a:avLst/>
+          </a:prstGeom>
+        </p:spPr>
+        <p:style>
+          <a:lnRef idx="1">
+            <a:schemeClr val="accent4"/>
+          </a:lnRef>
+          <a:fillRef idx="2">
+            <a:schemeClr val="accent4"/>
+          </a:fillRef>
+          <a:effectRef idx="1">
+            <a:schemeClr val="accent4"/>
+          </a:effectRef>
+          <a:fontRef idx="minor">
+            <a:schemeClr val="dk1"/>
+          </a:fontRef>
+        </p:style>
+        <p:txBody>
+          <a:bodyPr rtlCol="0" anchor="ctr"/>
+          <a:lstStyle/>
+          <a:p>
+            <a:pPr algn="ctr"/>
+            <a:r>
+              <a:rPr lang="en-US" sz="1600" dirty="0"/>
+              <a:t>Posterior predictive sampling</a:t>
+            </a:r>
+            <a:endParaRPr lang="en-IL" sz="1600" dirty="0"/>
+          </a:p>
+        </p:txBody>
+      </p:sp>
+      <p:cxnSp>
+        <p:nvCxnSpPr>
+          <p:cNvPr id="64" name="Straight Arrow Connector 63">
+            <a:extLst>
+              <a:ext uri="{FF2B5EF4-FFF2-40B4-BE49-F238E27FC236}">
+                <a16:creationId xmlns:a16="http://schemas.microsoft.com/office/drawing/2014/main" id="{597350F7-F78A-8B0C-1A11-C1AEC8AB6466}"/>
+              </a:ext>
+            </a:extLst>
+          </p:cNvPr>
+          <p:cNvCxnSpPr>
+            <a:cxnSpLocks/>
+            <a:stCxn id="14" idx="4"/>
+            <a:endCxn id="61" idx="0"/>
+          </p:cNvCxnSpPr>
+          <p:nvPr/>
+        </p:nvCxnSpPr>
+        <p:spPr>
+          <a:xfrm>
+            <a:off x="6265862" y="4235450"/>
+            <a:ext cx="0" cy="447277"/>
+          </a:xfrm>
+          <a:prstGeom prst="straightConnector1">
+            <a:avLst/>
+          </a:prstGeom>
+          <a:ln w="38100" cap="flat" cmpd="sng" algn="ctr">
+            <a:solidFill>
+              <a:srgbClr val="FFC000"/>
+            </a:solidFill>
+            <a:prstDash val="solid"/>
+            <a:round/>
+            <a:headEnd type="none" w="med" len="med"/>
+            <a:tailEnd type="arrow" w="med" len="med"/>
+          </a:ln>
+        </p:spPr>
+        <p:style>
+          <a:lnRef idx="0">
+            <a:scrgbClr r="0" g="0" b="0"/>
+          </a:lnRef>
+          <a:fillRef idx="0">
+            <a:scrgbClr r="0" g="0" b="0"/>
+          </a:fillRef>
+          <a:effectRef idx="0">
+            <a:scrgbClr r="0" g="0" b="0"/>
+          </a:effectRef>
+          <a:fontRef idx="minor">
+            <a:schemeClr val="tx1"/>
+          </a:fontRef>
+        </p:style>
+      </p:cxnSp>
+      <p:cxnSp>
+        <p:nvCxnSpPr>
+          <p:cNvPr id="67" name="Connector: Elbow 66">
+            <a:extLst>
+              <a:ext uri="{FF2B5EF4-FFF2-40B4-BE49-F238E27FC236}">
+                <a16:creationId xmlns:a16="http://schemas.microsoft.com/office/drawing/2014/main" id="{45F9E525-C400-0867-05E2-7A37506788B1}"/>
+              </a:ext>
+            </a:extLst>
+          </p:cNvPr>
+          <p:cNvCxnSpPr>
+            <a:cxnSpLocks/>
+            <a:stCxn id="61" idx="1"/>
+            <a:endCxn id="5" idx="5"/>
+          </p:cNvCxnSpPr>
+          <p:nvPr/>
+        </p:nvCxnSpPr>
+        <p:spPr>
+          <a:xfrm rot="16200000" flipV="1">
+            <a:off x="4460451" y="3609888"/>
+            <a:ext cx="669532" cy="1751407"/>
+          </a:xfrm>
+          <a:prstGeom prst="bentConnector3">
+            <a:avLst>
+              <a:gd name="adj1" fmla="val 50000"/>
+            </a:avLst>
+          </a:prstGeom>
+          <a:ln w="38100">
+            <a:tailEnd type="triangle"/>
+          </a:ln>
+        </p:spPr>
+        <p:style>
+          <a:lnRef idx="3">
+            <a:schemeClr val="accent4"/>
+          </a:lnRef>
+          <a:fillRef idx="0">
+            <a:schemeClr val="accent4"/>
+          </a:fillRef>
+          <a:effectRef idx="2">
+            <a:schemeClr val="accent4"/>
+          </a:effectRef>
+          <a:fontRef idx="minor">
+            <a:schemeClr val="tx1"/>
+          </a:fontRef>
+        </p:style>
+      </p:cxnSp>
+      <p:sp>
+        <p:nvSpPr>
+          <p:cNvPr id="71" name="Oval 70">
+            <a:extLst>
+              <a:ext uri="{FF2B5EF4-FFF2-40B4-BE49-F238E27FC236}">
+                <a16:creationId xmlns:a16="http://schemas.microsoft.com/office/drawing/2014/main" id="{D52ABAAD-34D8-6892-3644-FD26B3CFDB87}"/>
+              </a:ext>
+            </a:extLst>
+          </p:cNvPr>
+          <p:cNvSpPr/>
+          <p:nvPr/>
+        </p:nvSpPr>
+        <p:spPr>
+          <a:xfrm>
+            <a:off x="7821612" y="3657600"/>
+            <a:ext cx="1538288" cy="577850"/>
+          </a:xfrm>
+          <a:prstGeom prst="ellipse">
+            <a:avLst/>
+          </a:prstGeom>
+        </p:spPr>
+        <p:style>
+          <a:lnRef idx="1">
+            <a:schemeClr val="accent1"/>
+          </a:lnRef>
+          <a:fillRef idx="2">
+            <a:schemeClr val="accent1"/>
+          </a:fillRef>
+          <a:effectRef idx="1">
+            <a:schemeClr val="accent1"/>
+          </a:effectRef>
+          <a:fontRef idx="minor">
+            <a:schemeClr val="dk1"/>
+          </a:fontRef>
+        </p:style>
+        <p:txBody>
+          <a:bodyPr rtlCol="0" anchor="ctr"/>
+          <a:lstStyle/>
+          <a:p>
+            <a:pPr algn="ctr"/>
+            <a:r>
+              <a:rPr lang="en-US" dirty="0"/>
+              <a:t>Posterior</a:t>
+            </a:r>
+            <a:endParaRPr lang="en-IL" dirty="0"/>
+          </a:p>
+        </p:txBody>
+      </p:sp>
+      <p:cxnSp>
+        <p:nvCxnSpPr>
+          <p:cNvPr id="72" name="Straight Arrow Connector 71">
+            <a:extLst>
+              <a:ext uri="{FF2B5EF4-FFF2-40B4-BE49-F238E27FC236}">
+                <a16:creationId xmlns:a16="http://schemas.microsoft.com/office/drawing/2014/main" id="{0A0DB7D4-726A-23E9-6B68-8038BDB4C88F}"/>
+              </a:ext>
+            </a:extLst>
+          </p:cNvPr>
+          <p:cNvCxnSpPr>
+            <a:cxnSpLocks/>
+            <a:stCxn id="14" idx="6"/>
+            <a:endCxn id="71" idx="2"/>
+          </p:cNvCxnSpPr>
+          <p:nvPr/>
+        </p:nvCxnSpPr>
+        <p:spPr>
+          <a:xfrm>
+            <a:off x="6932612" y="3946525"/>
+            <a:ext cx="889000" cy="0"/>
+          </a:xfrm>
+          <a:prstGeom prst="straightConnector1">
+            <a:avLst/>
+          </a:prstGeom>
+          <a:ln w="38100" cap="flat" cmpd="sng" algn="ctr">
+            <a:solidFill>
+              <a:schemeClr val="accent5"/>
+            </a:solidFill>
+            <a:prstDash val="solid"/>
+            <a:round/>
+            <a:headEnd type="none" w="med" len="med"/>
+            <a:tailEnd type="arrow" w="med" len="med"/>
+          </a:ln>
+        </p:spPr>
+        <p:style>
+          <a:lnRef idx="0">
+            <a:scrgbClr r="0" g="0" b="0"/>
+          </a:lnRef>
+          <a:fillRef idx="0">
+            <a:scrgbClr r="0" g="0" b="0"/>
+          </a:fillRef>
+          <a:effectRef idx="0">
+            <a:scrgbClr r="0" g="0" b="0"/>
+          </a:effectRef>
+          <a:fontRef idx="minor">
+            <a:schemeClr val="tx1"/>
+          </a:fontRef>
+        </p:style>
+      </p:cxnSp>
+      <p:sp>
+        <p:nvSpPr>
+          <p:cNvPr id="75" name="Oval 74">
+            <a:extLst>
+              <a:ext uri="{FF2B5EF4-FFF2-40B4-BE49-F238E27FC236}">
+                <a16:creationId xmlns:a16="http://schemas.microsoft.com/office/drawing/2014/main" id="{202C5C57-EDAA-CA10-50A7-92F7621E3C02}"/>
+              </a:ext>
+            </a:extLst>
+          </p:cNvPr>
+          <p:cNvSpPr/>
+          <p:nvPr/>
+        </p:nvSpPr>
+        <p:spPr>
+          <a:xfrm>
+            <a:off x="10037762" y="3657600"/>
+            <a:ext cx="1538288" cy="577850"/>
+          </a:xfrm>
+          <a:prstGeom prst="ellipse">
+            <a:avLst/>
+          </a:prstGeom>
+        </p:spPr>
+        <p:style>
+          <a:lnRef idx="1">
+            <a:schemeClr val="accent1"/>
+          </a:lnRef>
+          <a:fillRef idx="2">
+            <a:schemeClr val="accent1"/>
+          </a:fillRef>
+          <a:effectRef idx="1">
+            <a:schemeClr val="accent1"/>
+          </a:effectRef>
+          <a:fontRef idx="minor">
+            <a:schemeClr val="dk1"/>
+          </a:fontRef>
+        </p:style>
+        <p:txBody>
+          <a:bodyPr rtlCol="0" anchor="ctr"/>
+          <a:lstStyle/>
+          <a:p>
+            <a:pPr algn="ctr"/>
+            <a:r>
+              <a:rPr lang="en-US" dirty="0"/>
+              <a:t>Inference</a:t>
+            </a:r>
+            <a:endParaRPr lang="en-IL" dirty="0"/>
+          </a:p>
+        </p:txBody>
+      </p:sp>
+      <p:cxnSp>
+        <p:nvCxnSpPr>
+          <p:cNvPr id="76" name="Straight Arrow Connector 75">
+            <a:extLst>
+              <a:ext uri="{FF2B5EF4-FFF2-40B4-BE49-F238E27FC236}">
+                <a16:creationId xmlns:a16="http://schemas.microsoft.com/office/drawing/2014/main" id="{90F13EF1-F3B8-6559-4B55-1633DD62C151}"/>
+              </a:ext>
+            </a:extLst>
+          </p:cNvPr>
+          <p:cNvCxnSpPr>
+            <a:cxnSpLocks/>
+            <a:stCxn id="71" idx="6"/>
+            <a:endCxn id="75" idx="2"/>
+          </p:cNvCxnSpPr>
+          <p:nvPr/>
+        </p:nvCxnSpPr>
+        <p:spPr>
+          <a:xfrm>
+            <a:off x="9359900" y="3946525"/>
+            <a:ext cx="677862" cy="0"/>
+          </a:xfrm>
+          <a:prstGeom prst="straightConnector1">
+            <a:avLst/>
+          </a:prstGeom>
+          <a:ln w="38100" cap="flat" cmpd="sng" algn="ctr">
+            <a:solidFill>
+              <a:schemeClr val="accent5"/>
+            </a:solidFill>
+            <a:prstDash val="solid"/>
+            <a:round/>
+            <a:headEnd type="none" w="med" len="med"/>
+            <a:tailEnd type="arrow" w="med" len="med"/>
+          </a:ln>
+        </p:spPr>
+        <p:style>
+          <a:lnRef idx="0">
+            <a:scrgbClr r="0" g="0" b="0"/>
+          </a:lnRef>
+          <a:fillRef idx="0">
+            <a:scrgbClr r="0" g="0" b="0"/>
+          </a:fillRef>
+          <a:effectRef idx="0">
+            <a:scrgbClr r="0" g="0" b="0"/>
+          </a:effectRef>
+          <a:fontRef idx="minor">
+            <a:schemeClr val="tx1"/>
+          </a:fontRef>
+        </p:style>
+      </p:cxnSp>
+      <p:cxnSp>
+        <p:nvCxnSpPr>
+          <p:cNvPr id="3" name="Straight Arrow Connector 2">
+            <a:extLst>
+              <a:ext uri="{FF2B5EF4-FFF2-40B4-BE49-F238E27FC236}">
+                <a16:creationId xmlns:a16="http://schemas.microsoft.com/office/drawing/2014/main" id="{29B5E8A1-D7F8-C7B7-9113-55EB34E9F753}"/>
+              </a:ext>
+            </a:extLst>
+          </p:cNvPr>
+          <p:cNvCxnSpPr>
+            <a:cxnSpLocks/>
+            <a:stCxn id="71" idx="0"/>
+            <a:endCxn id="5" idx="0"/>
+          </p:cNvCxnSpPr>
+          <p:nvPr/>
+        </p:nvCxnSpPr>
+        <p:spPr>
+          <a:xfrm rot="16200000" flipV="1">
+            <a:off x="6019403" y="1086247"/>
+            <a:ext cx="12700" cy="5142706"/>
+          </a:xfrm>
+          <a:prstGeom prst="bentConnector3">
+            <a:avLst>
+              <a:gd name="adj1" fmla="val 14018181"/>
+            </a:avLst>
+          </a:prstGeom>
+          <a:ln w="38100" cap="flat" cmpd="sng" algn="ctr">
+            <a:solidFill>
+              <a:schemeClr val="accent5"/>
+            </a:solidFill>
+            <a:prstDash val="solid"/>
+            <a:round/>
+            <a:headEnd type="none" w="med" len="med"/>
+            <a:tailEnd type="arrow" w="med" len="med"/>
+          </a:ln>
+        </p:spPr>
+        <p:style>
+          <a:lnRef idx="0">
+            <a:scrgbClr r="0" g="0" b="0"/>
+          </a:lnRef>
+          <a:fillRef idx="0">
+            <a:scrgbClr r="0" g="0" b="0"/>
+          </a:fillRef>
+          <a:effectRef idx="0">
+            <a:scrgbClr r="0" g="0" b="0"/>
+          </a:effectRef>
+          <a:fontRef idx="minor">
+            <a:schemeClr val="tx1"/>
+          </a:fontRef>
+        </p:style>
+      </p:cxnSp>
+    </p:spTree>
+    <p:extLst>
+      <p:ext uri="{BB962C8B-B14F-4D97-AF65-F5344CB8AC3E}">
+        <p14:creationId xmlns:p14="http://schemas.microsoft.com/office/powerpoint/2010/main" val="1167434674"/>
+      </p:ext>
+    </p:extLst>
+  </p:cSld>
+  <p:clrMapOvr>
+    <a:masterClrMapping/>
+  </p:clrMapOvr>
+  <p:timing>
+    <p:tnLst>
+      <p:par>
+        <p:cTn id="1" dur="indefinite" restart="never" nodeType="tmRoot">
+          <p:childTnLst>
+            <p:seq concurrent="1" nextAc="seek">
+              <p:cTn id="2" dur="indefinite" nodeType="mainSeq">
+                <p:childTnLst>
+                  <p:par>
+                    <p:cTn id="3" fill="hold">
+                      <p:stCondLst>
+                        <p:cond delay="indefinite"/>
+                      </p:stCondLst>
+                      <p:childTnLst>
+                        <p:par>
+                          <p:cTn id="4" fill="hold">
+                            <p:stCondLst>
+                              <p:cond delay="0"/>
+                            </p:stCondLst>
+                            <p:childTnLst>
+                              <p:par>
+                                <p:cTn id="5" presetID="1" presetClass="entr" presetSubtype="0" fill="hold" nodeType="clickEffect">
+                                  <p:stCondLst>
+                                    <p:cond delay="0"/>
+                                  </p:stCondLst>
+                                  <p:childTnLst>
+                                    <p:set>
+                                      <p:cBhvr>
+                                        <p:cTn id="6" dur="1" fill="hold">
+                                          <p:stCondLst>
+                                            <p:cond delay="0"/>
+                                          </p:stCondLst>
+                                        </p:cTn>
+                                        <p:tgtEl>
+                                          <p:spTgt spid="9"/>
+                                        </p:tgtEl>
+                                        <p:attrNameLst>
+                                          <p:attrName>style.visibility</p:attrName>
+                                        </p:attrNameLst>
+                                      </p:cBhvr>
+                                      <p:to>
+                                        <p:strVal val="visible"/>
+                                      </p:to>
+                                    </p:set>
+                                  </p:childTnLst>
+                                </p:cTn>
+                              </p:par>
+                              <p:par>
+                                <p:cTn id="7" presetID="1" presetClass="entr" presetSubtype="0" fill="hold" grpId="0" nodeType="withEffect">
+                                  <p:stCondLst>
+                                    <p:cond delay="0"/>
+                                  </p:stCondLst>
+                                  <p:childTnLst>
+                                    <p:set>
+                                      <p:cBhvr>
+                                        <p:cTn id="8" dur="1" fill="hold">
+                                          <p:stCondLst>
+                                            <p:cond delay="0"/>
+                                          </p:stCondLst>
+                                        </p:cTn>
+                                        <p:tgtEl>
+                                          <p:spTgt spid="8"/>
+                                        </p:tgtEl>
+                                        <p:attrNameLst>
+                                          <p:attrName>style.visibility</p:attrName>
+                                        </p:attrNameLst>
+                                      </p:cBhvr>
+                                      <p:to>
+                                        <p:strVal val="visible"/>
+                                      </p:to>
+                                    </p:set>
+                                  </p:childTnLst>
+                                </p:cTn>
+                              </p:par>
+                            </p:childTnLst>
+                          </p:cTn>
+                        </p:par>
+                      </p:childTnLst>
+                    </p:cTn>
+                  </p:par>
+                  <p:par>
+                    <p:cTn id="9" fill="hold">
+                      <p:stCondLst>
+                        <p:cond delay="indefinite"/>
+                      </p:stCondLst>
+                      <p:childTnLst>
+                        <p:par>
+                          <p:cTn id="10" fill="hold">
+                            <p:stCondLst>
+                              <p:cond delay="0"/>
+                            </p:stCondLst>
+                            <p:childTnLst>
+                              <p:par>
+                                <p:cTn id="11" presetID="1" presetClass="entr" presetSubtype="0" fill="hold" nodeType="clickEffect">
+                                  <p:stCondLst>
+                                    <p:cond delay="0"/>
+                                  </p:stCondLst>
+                                  <p:childTnLst>
+                                    <p:set>
+                                      <p:cBhvr>
+                                        <p:cTn id="12" dur="1" fill="hold">
+                                          <p:stCondLst>
+                                            <p:cond delay="0"/>
+                                          </p:stCondLst>
+                                        </p:cTn>
+                                        <p:tgtEl>
+                                          <p:spTgt spid="13"/>
+                                        </p:tgtEl>
+                                        <p:attrNameLst>
+                                          <p:attrName>style.visibility</p:attrName>
+                                        </p:attrNameLst>
+                                      </p:cBhvr>
+                                      <p:to>
+                                        <p:strVal val="visible"/>
+                                      </p:to>
+                                    </p:set>
+                                  </p:childTnLst>
+                                </p:cTn>
+                              </p:par>
+                            </p:childTnLst>
+                          </p:cTn>
+                        </p:par>
+                      </p:childTnLst>
+                    </p:cTn>
+                  </p:par>
+                  <p:par>
+                    <p:cTn id="13" fill="hold">
+                      <p:stCondLst>
+                        <p:cond delay="indefinite"/>
+                      </p:stCondLst>
+                      <p:childTnLst>
+                        <p:par>
+                          <p:cTn id="14" fill="hold">
+                            <p:stCondLst>
+                              <p:cond delay="0"/>
+                            </p:stCondLst>
+                            <p:childTnLst>
+                              <p:par>
+                                <p:cTn id="15" presetID="1" presetClass="entr" presetSubtype="0" fill="hold" nodeType="clickEffect">
+                                  <p:stCondLst>
+                                    <p:cond delay="0"/>
+                                  </p:stCondLst>
+                                  <p:childTnLst>
+                                    <p:set>
+                                      <p:cBhvr>
+                                        <p:cTn id="16" dur="1" fill="hold">
+                                          <p:stCondLst>
+                                            <p:cond delay="0"/>
+                                          </p:stCondLst>
+                                        </p:cTn>
+                                        <p:tgtEl>
+                                          <p:spTgt spid="34"/>
+                                        </p:tgtEl>
+                                        <p:attrNameLst>
+                                          <p:attrName>style.visibility</p:attrName>
+                                        </p:attrNameLst>
+                                      </p:cBhvr>
+                                      <p:to>
+                                        <p:strVal val="visible"/>
+                                      </p:to>
+                                    </p:set>
+                                  </p:childTnLst>
+                                </p:cTn>
+                              </p:par>
+                              <p:par>
+                                <p:cTn id="17" presetID="1" presetClass="entr" presetSubtype="0" fill="hold" grpId="0" nodeType="withEffect">
+                                  <p:stCondLst>
+                                    <p:cond delay="0"/>
+                                  </p:stCondLst>
+                                  <p:childTnLst>
+                                    <p:set>
+                                      <p:cBhvr>
+                                        <p:cTn id="18" dur="1" fill="hold">
+                                          <p:stCondLst>
+                                            <p:cond delay="0"/>
+                                          </p:stCondLst>
+                                        </p:cTn>
+                                        <p:tgtEl>
+                                          <p:spTgt spid="33"/>
+                                        </p:tgtEl>
+                                        <p:attrNameLst>
+                                          <p:attrName>style.visibility</p:attrName>
+                                        </p:attrNameLst>
+                                      </p:cBhvr>
+                                      <p:to>
+                                        <p:strVal val="visible"/>
+                                      </p:to>
+                                    </p:set>
+                                  </p:childTnLst>
+                                </p:cTn>
+                              </p:par>
+                            </p:childTnLst>
+                          </p:cTn>
+                        </p:par>
+                      </p:childTnLst>
+                    </p:cTn>
+                  </p:par>
+                  <p:par>
+                    <p:cTn id="19" fill="hold">
+                      <p:stCondLst>
+                        <p:cond delay="indefinite"/>
+                      </p:stCondLst>
+                      <p:childTnLst>
+                        <p:par>
+                          <p:cTn id="20" fill="hold">
+                            <p:stCondLst>
+                              <p:cond delay="0"/>
+                            </p:stCondLst>
+                            <p:childTnLst>
+                              <p:par>
+                                <p:cTn id="21" presetID="1" presetClass="entr" presetSubtype="0" fill="hold" nodeType="clickEffect">
+                                  <p:stCondLst>
+                                    <p:cond delay="0"/>
+                                  </p:stCondLst>
+                                  <p:childTnLst>
+                                    <p:set>
+                                      <p:cBhvr>
+                                        <p:cTn id="22" dur="1" fill="hold">
+                                          <p:stCondLst>
+                                            <p:cond delay="0"/>
+                                          </p:stCondLst>
+                                        </p:cTn>
+                                        <p:tgtEl>
+                                          <p:spTgt spid="37"/>
+                                        </p:tgtEl>
+                                        <p:attrNameLst>
+                                          <p:attrName>style.visibility</p:attrName>
+                                        </p:attrNameLst>
+                                      </p:cBhvr>
+                                      <p:to>
+                                        <p:strVal val="visible"/>
+                                      </p:to>
+                                    </p:set>
+                                  </p:childTnLst>
+                                </p:cTn>
+                              </p:par>
+                            </p:childTnLst>
+                          </p:cTn>
+                        </p:par>
+                      </p:childTnLst>
+                    </p:cTn>
+                  </p:par>
+                  <p:par>
+                    <p:cTn id="23" fill="hold">
+                      <p:stCondLst>
+                        <p:cond delay="indefinite"/>
+                      </p:stCondLst>
+                      <p:childTnLst>
+                        <p:par>
+                          <p:cTn id="24" fill="hold">
+                            <p:stCondLst>
+                              <p:cond delay="0"/>
+                            </p:stCondLst>
+                            <p:childTnLst>
+                              <p:par>
+                                <p:cTn id="25" presetID="1" presetClass="entr" presetSubtype="0" fill="hold" nodeType="clickEffect">
+                                  <p:stCondLst>
+                                    <p:cond delay="0"/>
+                                  </p:stCondLst>
+                                  <p:childTnLst>
+                                    <p:set>
+                                      <p:cBhvr>
+                                        <p:cTn id="26" dur="1" fill="hold">
+                                          <p:stCondLst>
+                                            <p:cond delay="0"/>
+                                          </p:stCondLst>
+                                        </p:cTn>
+                                        <p:tgtEl>
+                                          <p:spTgt spid="40"/>
+                                        </p:tgtEl>
+                                        <p:attrNameLst>
+                                          <p:attrName>style.visibility</p:attrName>
+                                        </p:attrNameLst>
+                                      </p:cBhvr>
+                                      <p:to>
+                                        <p:strVal val="visible"/>
+                                      </p:to>
+                                    </p:set>
+                                  </p:childTnLst>
+                                </p:cTn>
+                              </p:par>
+                            </p:childTnLst>
+                          </p:cTn>
+                        </p:par>
+                      </p:childTnLst>
+                    </p:cTn>
+                  </p:par>
+                  <p:par>
+                    <p:cTn id="27" fill="hold">
+                      <p:stCondLst>
+                        <p:cond delay="indefinite"/>
+                      </p:stCondLst>
+                      <p:childTnLst>
+                        <p:par>
+                          <p:cTn id="28" fill="hold">
+                            <p:stCondLst>
+                              <p:cond delay="0"/>
+                            </p:stCondLst>
+                            <p:childTnLst>
+                              <p:par>
+                                <p:cTn id="29" presetID="1" presetClass="entr" presetSubtype="0" fill="hold" nodeType="clickEffect">
+                                  <p:stCondLst>
+                                    <p:cond delay="0"/>
+                                  </p:stCondLst>
+                                  <p:childTnLst>
+                                    <p:set>
+                                      <p:cBhvr>
+                                        <p:cTn id="30" dur="1" fill="hold">
+                                          <p:stCondLst>
+                                            <p:cond delay="0"/>
+                                          </p:stCondLst>
+                                        </p:cTn>
+                                        <p:tgtEl>
+                                          <p:spTgt spid="64"/>
+                                        </p:tgtEl>
+                                        <p:attrNameLst>
+                                          <p:attrName>style.visibility</p:attrName>
+                                        </p:attrNameLst>
+                                      </p:cBhvr>
+                                      <p:to>
+                                        <p:strVal val="visible"/>
+                                      </p:to>
+                                    </p:set>
+                                  </p:childTnLst>
+                                </p:cTn>
+                              </p:par>
+                              <p:par>
+                                <p:cTn id="31" presetID="1" presetClass="entr" presetSubtype="0" fill="hold" grpId="0" nodeType="withEffect">
+                                  <p:stCondLst>
+                                    <p:cond delay="0"/>
+                                  </p:stCondLst>
+                                  <p:childTnLst>
+                                    <p:set>
+                                      <p:cBhvr>
+                                        <p:cTn id="32" dur="1" fill="hold">
+                                          <p:stCondLst>
+                                            <p:cond delay="0"/>
+                                          </p:stCondLst>
+                                        </p:cTn>
+                                        <p:tgtEl>
+                                          <p:spTgt spid="61"/>
+                                        </p:tgtEl>
+                                        <p:attrNameLst>
+                                          <p:attrName>style.visibility</p:attrName>
+                                        </p:attrNameLst>
+                                      </p:cBhvr>
+                                      <p:to>
+                                        <p:strVal val="visible"/>
+                                      </p:to>
+                                    </p:set>
+                                  </p:childTnLst>
+                                </p:cTn>
+                              </p:par>
+                            </p:childTnLst>
+                          </p:cTn>
+                        </p:par>
+                      </p:childTnLst>
+                    </p:cTn>
+                  </p:par>
+                  <p:par>
+                    <p:cTn id="33" fill="hold">
+                      <p:stCondLst>
+                        <p:cond delay="indefinite"/>
+                      </p:stCondLst>
+                      <p:childTnLst>
+                        <p:par>
+                          <p:cTn id="34" fill="hold">
+                            <p:stCondLst>
+                              <p:cond delay="0"/>
+                            </p:stCondLst>
+                            <p:childTnLst>
+                              <p:par>
+                                <p:cTn id="35" presetID="1" presetClass="entr" presetSubtype="0" fill="hold" nodeType="clickEffect">
+                                  <p:stCondLst>
+                                    <p:cond delay="0"/>
+                                  </p:stCondLst>
+                                  <p:childTnLst>
+                                    <p:set>
+                                      <p:cBhvr>
+                                        <p:cTn id="36" dur="1" fill="hold">
+                                          <p:stCondLst>
+                                            <p:cond delay="0"/>
+                                          </p:stCondLst>
+                                        </p:cTn>
+                                        <p:tgtEl>
+                                          <p:spTgt spid="67"/>
+                                        </p:tgtEl>
+                                        <p:attrNameLst>
+                                          <p:attrName>style.visibility</p:attrName>
+                                        </p:attrNameLst>
+                                      </p:cBhvr>
+                                      <p:to>
+                                        <p:strVal val="visible"/>
+                                      </p:to>
+                                    </p:set>
+                                  </p:childTnLst>
+                                </p:cTn>
+                              </p:par>
+                            </p:childTnLst>
+                          </p:cTn>
+                        </p:par>
+                      </p:childTnLst>
+                    </p:cTn>
+                  </p:par>
+                  <p:par>
+                    <p:cTn id="37" fill="hold">
+                      <p:stCondLst>
+                        <p:cond delay="indefinite"/>
+                      </p:stCondLst>
+                      <p:childTnLst>
+                        <p:par>
+                          <p:cTn id="38" fill="hold">
+                            <p:stCondLst>
+                              <p:cond delay="0"/>
+                            </p:stCondLst>
+                            <p:childTnLst>
+                              <p:par>
+                                <p:cTn id="39" presetID="1" presetClass="entr" presetSubtype="0" fill="hold" nodeType="clickEffect">
+                                  <p:stCondLst>
+                                    <p:cond delay="0"/>
+                                  </p:stCondLst>
+                                  <p:childTnLst>
+                                    <p:set>
+                                      <p:cBhvr>
+                                        <p:cTn id="40" dur="1" fill="hold">
+                                          <p:stCondLst>
+                                            <p:cond delay="0"/>
+                                          </p:stCondLst>
+                                        </p:cTn>
+                                        <p:tgtEl>
+                                          <p:spTgt spid="3"/>
+                                        </p:tgtEl>
+                                        <p:attrNameLst>
+                                          <p:attrName>style.visibility</p:attrName>
+                                        </p:attrNameLst>
+                                      </p:cBhvr>
+                                      <p:to>
+                                        <p:strVal val="visible"/>
+                                      </p:to>
+                                    </p:set>
+                                  </p:childTnLst>
+                                </p:cTn>
+                              </p:par>
+                            </p:childTnLst>
+                          </p:cTn>
+                        </p:par>
+                      </p:childTnLst>
+                    </p:cTn>
+                  </p:par>
+                </p:childTnLst>
+              </p:cTn>
+              <p:prevCondLst>
+                <p:cond evt="onPrev" delay="0">
+                  <p:tgtEl>
+                    <p:sldTgt/>
+                  </p:tgtEl>
+                </p:cond>
+              </p:prevCondLst>
+              <p:nextCondLst>
+                <p:cond evt="onNext" delay="0">
+                  <p:tgtEl>
+                    <p:sldTgt/>
+                  </p:tgtEl>
+                </p:cond>
+              </p:nextCondLst>
+            </p:seq>
+          </p:childTnLst>
+        </p:cTn>
+      </p:par>
+    </p:tnLst>
+    <p:bldLst>
+      <p:bldP spid="8" grpId="0" animBg="1"/>
+      <p:bldP spid="33" grpId="0" animBg="1"/>
+      <p:bldP spid="61" grpId="0" animBg="1"/>
+    </p:bldLst>
+  </p:timing>
+</p:sld>
+</file>
+
+<file path=ppt/slides/slide32.xml><?xml version="1.0" encoding="utf-8"?>
+<p:sld xmlns:a="http://schemas.openxmlformats.org/drawingml/2006/main" xmlns:r="http://schemas.openxmlformats.org/officeDocument/2006/relationships" xmlns:p="http://schemas.openxmlformats.org/presentationml/2006/main">
+  <p:cSld>
+    <p:spTree>
+      <p:nvGrpSpPr>
+        <p:cNvPr id="1" name=""/>
+        <p:cNvGrpSpPr/>
+        <p:nvPr/>
+      </p:nvGrpSpPr>
+      <p:grpSpPr>
+        <a:xfrm>
+          <a:off x="0" y="0"/>
+          <a:ext cx="0" cy="0"/>
+          <a:chOff x="0" y="0"/>
+          <a:chExt cx="0" cy="0"/>
+        </a:xfrm>
+      </p:grpSpPr>
+      <p:sp>
+        <p:nvSpPr>
+          <p:cNvPr id="2" name="Title 1">
+            <a:extLst>
+              <a:ext uri="{FF2B5EF4-FFF2-40B4-BE49-F238E27FC236}">
+                <a16:creationId xmlns:a16="http://schemas.microsoft.com/office/drawing/2014/main" id="{759EF741-630D-5941-95F8-AA03D2B83C58}"/>
+              </a:ext>
+            </a:extLst>
+          </p:cNvPr>
+          <p:cNvSpPr>
+            <a:spLocks noGrp="1"/>
+          </p:cNvSpPr>
+          <p:nvPr>
+            <p:ph type="title"/>
+          </p:nvPr>
+        </p:nvSpPr>
+        <p:spPr>
+          <a:xfrm>
+            <a:off x="838200" y="365126"/>
+            <a:ext cx="10515600" cy="773210"/>
+          </a:xfrm>
+        </p:spPr>
+        <p:txBody>
+          <a:bodyPr/>
+          <a:lstStyle/>
+          <a:p>
+            <a:r>
+              <a:rPr lang="en-US" dirty="0"/>
+              <a:t>The steps in the Bayesian workflow</a:t>
+            </a:r>
+            <a:endParaRPr lang="en-IL" dirty="0"/>
+          </a:p>
+        </p:txBody>
+      </p:sp>
+      <p:graphicFrame>
+        <p:nvGraphicFramePr>
+          <p:cNvPr id="3" name="Table 2">
+            <a:extLst>
+              <a:ext uri="{FF2B5EF4-FFF2-40B4-BE49-F238E27FC236}">
+                <a16:creationId xmlns:a16="http://schemas.microsoft.com/office/drawing/2014/main" id="{81123E9F-1C9C-35F8-C246-E40E0EDF1DF6}"/>
+              </a:ext>
+            </a:extLst>
+          </p:cNvPr>
+          <p:cNvGraphicFramePr>
+            <a:graphicFrameLocks noGrp="1"/>
+          </p:cNvGraphicFramePr>
+          <p:nvPr>
+            <p:extLst>
+              <p:ext uri="{D42A27DB-BD31-4B8C-83A1-F6EECF244321}">
+                <p14:modId xmlns:p14="http://schemas.microsoft.com/office/powerpoint/2010/main" val="404460199"/>
+              </p:ext>
+            </p:extLst>
+          </p:nvPr>
+        </p:nvGraphicFramePr>
+        <p:xfrm>
+          <a:off x="1780074" y="1423138"/>
+          <a:ext cx="8127999" cy="4668520"/>
+        </p:xfrm>
+        <a:graphic>
+          <a:graphicData uri="http://schemas.openxmlformats.org/drawingml/2006/table">
+            <a:tbl>
+              <a:tblPr firstRow="1" bandRow="1">
+                <a:tableStyleId>{5C22544A-7EE6-4342-B048-85BDC9FD1C3A}</a:tableStyleId>
+              </a:tblPr>
+              <a:tblGrid>
+                <a:gridCol w="2709333">
+                  <a:extLst>
+                    <a:ext uri="{9D8B030D-6E8A-4147-A177-3AD203B41FA5}">
+                      <a16:colId xmlns:a16="http://schemas.microsoft.com/office/drawing/2014/main" val="2702016802"/>
+                    </a:ext>
+                  </a:extLst>
+                </a:gridCol>
+                <a:gridCol w="2709333">
+                  <a:extLst>
+                    <a:ext uri="{9D8B030D-6E8A-4147-A177-3AD203B41FA5}">
+                      <a16:colId xmlns:a16="http://schemas.microsoft.com/office/drawing/2014/main" val="3712434539"/>
+                    </a:ext>
+                  </a:extLst>
+                </a:gridCol>
+                <a:gridCol w="2709333">
+                  <a:extLst>
+                    <a:ext uri="{9D8B030D-6E8A-4147-A177-3AD203B41FA5}">
+                      <a16:colId xmlns:a16="http://schemas.microsoft.com/office/drawing/2014/main" val="1488085743"/>
+                    </a:ext>
+                  </a:extLst>
+                </a:gridCol>
+              </a:tblGrid>
+              <a:tr h="370840">
+                <a:tc>
+                  <a:txBody>
+                    <a:bodyPr/>
+                    <a:lstStyle/>
+                    <a:p>
+                      <a:r>
+                        <a:rPr lang="en-US" dirty="0"/>
+                        <a:t>Step</a:t>
+                      </a:r>
+                      <a:endParaRPr lang="en-IL" dirty="0"/>
+                    </a:p>
+                  </a:txBody>
+                  <a:tcPr/>
+                </a:tc>
+                <a:tc>
+                  <a:txBody>
+                    <a:bodyPr/>
+                    <a:lstStyle/>
+                    <a:p>
+                      <a:r>
+                        <a:rPr lang="en-US" dirty="0"/>
+                        <a:t>Test</a:t>
+                      </a:r>
+                      <a:endParaRPr lang="en-IL" dirty="0"/>
+                    </a:p>
+                  </a:txBody>
+                  <a:tcPr/>
+                </a:tc>
+                <a:tc>
+                  <a:txBody>
+                    <a:bodyPr/>
+                    <a:lstStyle/>
+                    <a:p>
+                      <a:r>
+                        <a:rPr lang="en-US" dirty="0"/>
+                        <a:t>Solutions</a:t>
+                      </a:r>
+                      <a:endParaRPr lang="en-IL" dirty="0"/>
+                    </a:p>
+                  </a:txBody>
+                  <a:tcPr/>
+                </a:tc>
+                <a:extLst>
+                  <a:ext uri="{0D108BD9-81ED-4DB2-BD59-A6C34878D82A}">
+                    <a16:rowId xmlns:a16="http://schemas.microsoft.com/office/drawing/2014/main" val="1117751211"/>
+                  </a:ext>
+                </a:extLst>
+              </a:tr>
+              <a:tr h="370840">
+                <a:tc>
+                  <a:txBody>
+                    <a:bodyPr/>
+                    <a:lstStyle/>
+                    <a:p>
+                      <a:r>
+                        <a:rPr lang="en-US" dirty="0"/>
+                        <a:t>Data collection</a:t>
+                      </a:r>
+                      <a:endParaRPr lang="en-IL" dirty="0"/>
+                    </a:p>
+                  </a:txBody>
+                  <a:tcPr/>
+                </a:tc>
+                <a:tc>
+                  <a:txBody>
+                    <a:bodyPr/>
+                    <a:lstStyle/>
+                    <a:p>
+                      <a:r>
+                        <a:rPr lang="en-US" dirty="0"/>
+                        <a:t>Data validation procedures</a:t>
+                      </a:r>
+                      <a:endParaRPr lang="en-IL" dirty="0"/>
+                    </a:p>
+                  </a:txBody>
+                  <a:tcPr/>
+                </a:tc>
+                <a:tc>
+                  <a:txBody>
+                    <a:bodyPr/>
+                    <a:lstStyle/>
+                    <a:p>
+                      <a:r>
+                        <a:rPr lang="en-US" dirty="0"/>
+                        <a:t>Improve methodology</a:t>
+                      </a:r>
+                    </a:p>
+                    <a:p>
+                      <a:r>
+                        <a:rPr lang="en-US" dirty="0"/>
+                        <a:t>Develop protocols</a:t>
+                      </a:r>
+                    </a:p>
+                    <a:p>
+                      <a:r>
+                        <a:rPr lang="en-US" dirty="0"/>
+                        <a:t>Document processes</a:t>
+                      </a:r>
+                      <a:endParaRPr lang="en-IL" dirty="0"/>
+                    </a:p>
+                  </a:txBody>
+                  <a:tcPr/>
+                </a:tc>
+                <a:extLst>
+                  <a:ext uri="{0D108BD9-81ED-4DB2-BD59-A6C34878D82A}">
+                    <a16:rowId xmlns:a16="http://schemas.microsoft.com/office/drawing/2014/main" val="4205362151"/>
+                  </a:ext>
+                </a:extLst>
+              </a:tr>
+              <a:tr h="370840">
+                <a:tc>
+                  <a:txBody>
+                    <a:bodyPr/>
+                    <a:lstStyle/>
+                    <a:p>
+                      <a:r>
+                        <a:rPr lang="en-US" dirty="0"/>
+                        <a:t>Propose model</a:t>
+                      </a:r>
+                      <a:endParaRPr lang="en-IL" dirty="0"/>
+                    </a:p>
+                  </a:txBody>
+                  <a:tcPr/>
+                </a:tc>
+                <a:tc>
+                  <a:txBody>
+                    <a:bodyPr/>
+                    <a:lstStyle/>
+                    <a:p>
+                      <a:r>
+                        <a:rPr lang="en-US" dirty="0"/>
+                        <a:t>Generate graph</a:t>
+                      </a:r>
+                    </a:p>
+                    <a:p>
+                      <a:r>
+                        <a:rPr lang="en-US" dirty="0"/>
+                        <a:t>Take sample</a:t>
+                      </a:r>
+                      <a:endParaRPr lang="en-IL" dirty="0"/>
+                    </a:p>
+                  </a:txBody>
+                  <a:tcPr/>
+                </a:tc>
+                <a:tc>
+                  <a:txBody>
+                    <a:bodyPr/>
+                    <a:lstStyle/>
+                    <a:p>
+                      <a:r>
+                        <a:rPr lang="en-US" dirty="0"/>
+                        <a:t>Test dimensions</a:t>
+                      </a:r>
+                    </a:p>
+                    <a:p>
+                      <a:r>
+                        <a:rPr lang="en-US" dirty="0"/>
+                        <a:t>Debug</a:t>
+                      </a:r>
+                    </a:p>
+                  </a:txBody>
+                  <a:tcPr/>
+                </a:tc>
+                <a:extLst>
+                  <a:ext uri="{0D108BD9-81ED-4DB2-BD59-A6C34878D82A}">
+                    <a16:rowId xmlns:a16="http://schemas.microsoft.com/office/drawing/2014/main" val="3941173045"/>
+                  </a:ext>
+                </a:extLst>
+              </a:tr>
+              <a:tr h="370840">
+                <a:tc>
+                  <a:txBody>
+                    <a:bodyPr/>
+                    <a:lstStyle/>
+                    <a:p>
+                      <a:r>
+                        <a:rPr lang="en-US" dirty="0"/>
+                        <a:t>Sample prior predictive</a:t>
+                      </a:r>
+                      <a:endParaRPr lang="en-IL" dirty="0"/>
+                    </a:p>
+                  </a:txBody>
+                  <a:tcPr/>
+                </a:tc>
+                <a:tc>
+                  <a:txBody>
+                    <a:bodyPr/>
+                    <a:lstStyle/>
+                    <a:p>
+                      <a:r>
+                        <a:rPr lang="en-US" dirty="0"/>
+                        <a:t>Prior predictive plots</a:t>
+                      </a:r>
+                      <a:endParaRPr lang="en-IL" dirty="0"/>
+                    </a:p>
+                  </a:txBody>
+                  <a:tcPr/>
+                </a:tc>
+                <a:tc>
+                  <a:txBody>
+                    <a:bodyPr/>
+                    <a:lstStyle/>
+                    <a:p>
+                      <a:r>
+                        <a:rPr lang="en-US" dirty="0"/>
+                        <a:t>Simplify model</a:t>
+                      </a:r>
+                    </a:p>
+                    <a:p>
+                      <a:r>
+                        <a:rPr lang="en-US" dirty="0"/>
+                        <a:t>Change priors</a:t>
+                      </a:r>
+                      <a:endParaRPr lang="en-IL" dirty="0"/>
+                    </a:p>
+                  </a:txBody>
+                  <a:tcPr/>
+                </a:tc>
+                <a:extLst>
+                  <a:ext uri="{0D108BD9-81ED-4DB2-BD59-A6C34878D82A}">
+                    <a16:rowId xmlns:a16="http://schemas.microsoft.com/office/drawing/2014/main" val="3746617486"/>
+                  </a:ext>
+                </a:extLst>
+              </a:tr>
+              <a:tr h="370840">
+                <a:tc>
+                  <a:txBody>
+                    <a:bodyPr/>
+                    <a:lstStyle/>
+                    <a:p>
+                      <a:r>
+                        <a:rPr lang="en-US" dirty="0"/>
+                        <a:t>Sample posterior</a:t>
+                      </a:r>
+                      <a:endParaRPr lang="en-IL" dirty="0"/>
+                    </a:p>
+                  </a:txBody>
+                  <a:tcPr/>
+                </a:tc>
+                <a:tc>
+                  <a:txBody>
+                    <a:bodyPr/>
+                    <a:lstStyle/>
+                    <a:p>
+                      <a:r>
+                        <a:rPr lang="en-US" dirty="0"/>
+                        <a:t>Trace plots</a:t>
+                      </a:r>
+                    </a:p>
+                    <a:p>
+                      <a:r>
+                        <a:rPr lang="en-US" dirty="0" err="1"/>
+                        <a:t>Rhat</a:t>
+                      </a:r>
+                      <a:endParaRPr lang="en-US" dirty="0"/>
+                    </a:p>
+                    <a:p>
+                      <a:r>
+                        <a:rPr lang="en-US" dirty="0"/>
+                        <a:t>ESS</a:t>
+                      </a:r>
+                    </a:p>
+                    <a:p>
+                      <a:r>
+                        <a:rPr lang="en-US" dirty="0"/>
+                        <a:t>MCSE</a:t>
+                      </a:r>
+                    </a:p>
+                    <a:p>
+                      <a:r>
+                        <a:rPr lang="en-US" dirty="0"/>
+                        <a:t>Divergences</a:t>
+                      </a:r>
+                      <a:endParaRPr lang="en-IL" dirty="0"/>
+                    </a:p>
+                  </a:txBody>
+                  <a:tcPr/>
+                </a:tc>
+                <a:tc>
+                  <a:txBody>
+                    <a:bodyPr/>
+                    <a:lstStyle/>
+                    <a:p>
+                      <a:r>
+                        <a:rPr lang="en-US" dirty="0"/>
+                        <a:t>Improve sampling</a:t>
+                      </a:r>
+                    </a:p>
+                    <a:p>
+                      <a:r>
+                        <a:rPr lang="en-US" dirty="0"/>
+                        <a:t>Change initialization</a:t>
+                      </a:r>
+                    </a:p>
+                    <a:p>
+                      <a:r>
+                        <a:rPr lang="en-US" dirty="0" err="1"/>
+                        <a:t>Reparameterize</a:t>
+                      </a:r>
+                      <a:r>
+                        <a:rPr lang="en-US" dirty="0"/>
+                        <a:t> model</a:t>
+                      </a:r>
+                    </a:p>
+                    <a:p>
+                      <a:r>
+                        <a:rPr lang="en-US" dirty="0"/>
+                        <a:t>Simplify model</a:t>
+                      </a:r>
+                    </a:p>
+                    <a:p>
+                      <a:r>
+                        <a:rPr lang="en-US" dirty="0"/>
+                        <a:t>Change priors</a:t>
+                      </a:r>
+                    </a:p>
+                  </a:txBody>
+                  <a:tcPr/>
+                </a:tc>
+                <a:extLst>
+                  <a:ext uri="{0D108BD9-81ED-4DB2-BD59-A6C34878D82A}">
+                    <a16:rowId xmlns:a16="http://schemas.microsoft.com/office/drawing/2014/main" val="2768281724"/>
+                  </a:ext>
+                </a:extLst>
+              </a:tr>
+              <a:tr h="370840">
+                <a:tc>
+                  <a:txBody>
+                    <a:bodyPr/>
+                    <a:lstStyle/>
+                    <a:p>
+                      <a:r>
+                        <a:rPr lang="en-US" dirty="0"/>
+                        <a:t>Sample posterior predictive</a:t>
+                      </a:r>
+                      <a:endParaRPr lang="en-IL" dirty="0"/>
+                    </a:p>
+                  </a:txBody>
+                  <a:tcPr/>
+                </a:tc>
+                <a:tc>
+                  <a:txBody>
+                    <a:bodyPr/>
+                    <a:lstStyle/>
+                    <a:p>
+                      <a:r>
+                        <a:rPr lang="en-US" dirty="0"/>
+                        <a:t>Posterior predictive plots</a:t>
+                      </a:r>
+                    </a:p>
+                    <a:p>
+                      <a:r>
+                        <a:rPr lang="en-US" dirty="0"/>
+                        <a:t>Bayesian p values</a:t>
+                      </a:r>
+                      <a:endParaRPr lang="en-IL" dirty="0"/>
+                    </a:p>
+                  </a:txBody>
+                  <a:tcPr/>
+                </a:tc>
+                <a:tc>
+                  <a:txBody>
+                    <a:bodyPr/>
+                    <a:lstStyle/>
+                    <a:p>
+                      <a:r>
+                        <a:rPr lang="en-US" dirty="0"/>
+                        <a:t>Change model</a:t>
+                      </a:r>
+                    </a:p>
+                  </a:txBody>
+                  <a:tcPr/>
+                </a:tc>
+                <a:extLst>
+                  <a:ext uri="{0D108BD9-81ED-4DB2-BD59-A6C34878D82A}">
+                    <a16:rowId xmlns:a16="http://schemas.microsoft.com/office/drawing/2014/main" val="2694278950"/>
+                  </a:ext>
+                </a:extLst>
+              </a:tr>
+            </a:tbl>
+          </a:graphicData>
+        </a:graphic>
+      </p:graphicFrame>
+    </p:spTree>
+    <p:extLst>
+      <p:ext uri="{BB962C8B-B14F-4D97-AF65-F5344CB8AC3E}">
+        <p14:creationId xmlns:p14="http://schemas.microsoft.com/office/powerpoint/2010/main" val="1029138836"/>
+      </p:ext>
+    </p:extLst>
+  </p:cSld>
+  <p:clrMapOvr>
+    <a:masterClrMapping/>
+  </p:clrMapOvr>
+</p:sld>
+</file>
+
+<file path=ppt/slides/slide33.xml><?xml version="1.0" encoding="utf-8"?>
+<p:sld xmlns:a="http://schemas.openxmlformats.org/drawingml/2006/main" xmlns:r="http://schemas.openxmlformats.org/officeDocument/2006/relationships" xmlns:p="http://schemas.openxmlformats.org/presentationml/2006/main">
+  <p:cSld>
+    <p:spTree>
+      <p:nvGrpSpPr>
+        <p:cNvPr id="1" name=""/>
+        <p:cNvGrpSpPr/>
+        <p:nvPr/>
+      </p:nvGrpSpPr>
+      <p:grpSpPr>
+        <a:xfrm>
+          <a:off x="0" y="0"/>
+          <a:ext cx="0" cy="0"/>
+          <a:chOff x="0" y="0"/>
+          <a:chExt cx="0" cy="0"/>
+        </a:xfrm>
+      </p:grpSpPr>
+      <p:sp>
+        <p:nvSpPr>
+          <p:cNvPr id="2" name="Title 1">
+            <a:extLst>
+              <a:ext uri="{FF2B5EF4-FFF2-40B4-BE49-F238E27FC236}">
+                <a16:creationId xmlns:a16="http://schemas.microsoft.com/office/drawing/2014/main" id="{2185A990-8C31-C743-8D0C-CD650A64CA35}"/>
+              </a:ext>
+            </a:extLst>
+          </p:cNvPr>
+          <p:cNvSpPr>
+            <a:spLocks noGrp="1"/>
+          </p:cNvSpPr>
+          <p:nvPr>
+            <p:ph type="title"/>
+          </p:nvPr>
+        </p:nvSpPr>
+        <p:spPr/>
+        <p:txBody>
+          <a:bodyPr/>
+          <a:lstStyle/>
+          <a:p>
+            <a:r>
+              <a:rPr lang="en-US" dirty="0"/>
+              <a:t>The prior predictive check</a:t>
+            </a:r>
+            <a:endParaRPr lang="en-IL" dirty="0"/>
+          </a:p>
+        </p:txBody>
+      </p:sp>
+      <p:sp>
+        <p:nvSpPr>
+          <p:cNvPr id="4" name="Content Placeholder 3">
+            <a:extLst>
+              <a:ext uri="{FF2B5EF4-FFF2-40B4-BE49-F238E27FC236}">
+                <a16:creationId xmlns:a16="http://schemas.microsoft.com/office/drawing/2014/main" id="{F815937B-6554-124B-8AD7-4F29B71FB02E}"/>
+              </a:ext>
+            </a:extLst>
+          </p:cNvPr>
+          <p:cNvSpPr>
+            <a:spLocks noGrp="1"/>
+          </p:cNvSpPr>
+          <p:nvPr>
+            <p:ph idx="1"/>
+          </p:nvPr>
+        </p:nvSpPr>
+        <p:spPr>
+          <a:xfrm>
+            <a:off x="838200" y="1825625"/>
+            <a:ext cx="5329335" cy="4351338"/>
+          </a:xfrm>
+        </p:spPr>
+        <p:txBody>
+          <a:bodyPr/>
+          <a:lstStyle/>
+          <a:p>
+            <a:r>
+              <a:rPr lang="en-US" dirty="0"/>
+              <a:t>We can go back and do prior predictive checks </a:t>
+            </a:r>
+          </a:p>
+          <a:p>
+            <a:pPr lvl="1"/>
+            <a:r>
+              <a:rPr lang="en-US" dirty="0"/>
+              <a:t>Or check the diagnostics</a:t>
+            </a:r>
+          </a:p>
+          <a:p>
+            <a:r>
+              <a:rPr lang="en-US" dirty="0"/>
+              <a:t>We see the problem is in the model structure</a:t>
+            </a:r>
+            <a:endParaRPr lang="en-IL" dirty="0"/>
+          </a:p>
+        </p:txBody>
+      </p:sp>
+      <p:pic>
+        <p:nvPicPr>
+          <p:cNvPr id="3" name="Picture 2">
+            <a:extLst>
+              <a:ext uri="{FF2B5EF4-FFF2-40B4-BE49-F238E27FC236}">
+                <a16:creationId xmlns:a16="http://schemas.microsoft.com/office/drawing/2014/main" id="{D839D1C9-B374-0EFE-E302-DDEE1BDBB602}"/>
+              </a:ext>
+            </a:extLst>
+          </p:cNvPr>
+          <p:cNvPicPr>
+            <a:picLocks noChangeAspect="1"/>
+          </p:cNvPicPr>
+          <p:nvPr/>
+        </p:nvPicPr>
+        <p:blipFill>
+          <a:blip r:embed="rId2"/>
+          <a:stretch>
+            <a:fillRect/>
+          </a:stretch>
+        </p:blipFill>
+        <p:spPr>
+          <a:xfrm>
+            <a:off x="6550090" y="1926573"/>
+            <a:ext cx="4405895" cy="4369840"/>
+          </a:xfrm>
+          <a:prstGeom prst="rect">
+            <a:avLst/>
+          </a:prstGeom>
+        </p:spPr>
+      </p:pic>
+    </p:spTree>
+    <p:extLst>
+      <p:ext uri="{BB962C8B-B14F-4D97-AF65-F5344CB8AC3E}">
+        <p14:creationId xmlns:p14="http://schemas.microsoft.com/office/powerpoint/2010/main" val="1680804253"/>
+      </p:ext>
+    </p:extLst>
+  </p:cSld>
+  <p:clrMapOvr>
+    <a:masterClrMapping/>
+  </p:clrMapOvr>
+</p:sld>
+</file>
+
+<file path=ppt/slides/slide34.xml><?xml version="1.0" encoding="utf-8"?>
+<p:sld xmlns:a="http://schemas.openxmlformats.org/drawingml/2006/main" xmlns:r="http://schemas.openxmlformats.org/officeDocument/2006/relationships" xmlns:p="http://schemas.openxmlformats.org/presentationml/2006/main">
+  <p:cSld>
+    <p:spTree>
+      <p:nvGrpSpPr>
+        <p:cNvPr id="1" name=""/>
+        <p:cNvGrpSpPr/>
+        <p:nvPr/>
+      </p:nvGrpSpPr>
+      <p:grpSpPr>
+        <a:xfrm>
+          <a:off x="0" y="0"/>
+          <a:ext cx="0" cy="0"/>
+          <a:chOff x="0" y="0"/>
+          <a:chExt cx="0" cy="0"/>
+        </a:xfrm>
+      </p:grpSpPr>
+      <p:sp>
+        <p:nvSpPr>
+          <p:cNvPr id="2" name="Title 1">
+            <a:extLst>
+              <a:ext uri="{FF2B5EF4-FFF2-40B4-BE49-F238E27FC236}">
                 <a16:creationId xmlns:a16="http://schemas.microsoft.com/office/drawing/2014/main" id="{54D9F712-CAA6-BF28-F2DD-26316D862357}"/>
               </a:ext>
             </a:extLst>
@@ -16906,7 +19048,7 @@
 </p:sld>
 </file>
 
-<file path=ppt/slides/slide32.xml><?xml version="1.0" encoding="utf-8"?>
+<file path=ppt/slides/slide35.xml><?xml version="1.0" encoding="utf-8"?>
 <p:sld xmlns:a="http://schemas.openxmlformats.org/drawingml/2006/main" xmlns:r="http://schemas.openxmlformats.org/officeDocument/2006/relationships" xmlns:p="http://schemas.openxmlformats.org/presentationml/2006/main">
   <p:cSld>
     <p:spTree>
@@ -17235,7 +19377,7 @@
 </p:sld>
 </file>
 
-<file path=ppt/slides/slide33.xml><?xml version="1.0" encoding="utf-8"?>
+<file path=ppt/slides/slide36.xml><?xml version="1.0" encoding="utf-8"?>
 <p:sld xmlns:a="http://schemas.openxmlformats.org/drawingml/2006/main" xmlns:r="http://schemas.openxmlformats.org/officeDocument/2006/relationships" xmlns:p="http://schemas.openxmlformats.org/presentationml/2006/main">
   <p:cSld>
     <p:spTree>
@@ -17398,7 +19540,7 @@
 </p:sld>
 </file>
 
-<file path=ppt/slides/slide34.xml><?xml version="1.0" encoding="utf-8"?>
+<file path=ppt/slides/slide37.xml><?xml version="1.0" encoding="utf-8"?>
 <p:sld xmlns:a="http://schemas.openxmlformats.org/drawingml/2006/main" xmlns:r="http://schemas.openxmlformats.org/officeDocument/2006/relationships" xmlns:p="http://schemas.openxmlformats.org/presentationml/2006/main">
   <p:cSld>
     <p:spTree>
@@ -17486,8 +19628,8 @@
           </a:p>
         </p:txBody>
       </p:sp>
-      <mc:AlternateContent xmlns:mc="http://schemas.openxmlformats.org/markup-compatibility/2006">
-        <mc:Choice xmlns:a14="http://schemas.microsoft.com/office/drawing/2010/main" Requires="a14">
+      <mc:AlternateContent xmlns:mc="http://schemas.openxmlformats.org/markup-compatibility/2006" xmlns:a14="http://schemas.microsoft.com/office/drawing/2010/main">
+        <mc:Choice Requires="a14">
           <p:graphicFrame>
             <p:nvGraphicFramePr>
               <p:cNvPr id="9" name="Table 8">
@@ -17877,7 +20019,7 @@
             </a:graphic>
           </p:graphicFrame>
         </mc:Choice>
-        <mc:Fallback>
+        <mc:Fallback xmlns="">
           <p:graphicFrame>
             <p:nvGraphicFramePr>
               <p:cNvPr id="9" name="Table 8">
@@ -18245,7 +20387,7 @@
 </p:sld>
 </file>
 
-<file path=ppt/slides/slide35.xml><?xml version="1.0" encoding="utf-8"?>
+<file path=ppt/slides/slide38.xml><?xml version="1.0" encoding="utf-8"?>
 <p:sld xmlns:a="http://schemas.openxmlformats.org/drawingml/2006/main" xmlns:r="http://schemas.openxmlformats.org/officeDocument/2006/relationships" xmlns:p="http://schemas.openxmlformats.org/presentationml/2006/main">
   <p:cSld>
     <p:spTree>
@@ -18409,7 +20551,7 @@
 </p:sld>
 </file>
 
-<file path=ppt/slides/slide36.xml><?xml version="1.0" encoding="utf-8"?>
+<file path=ppt/slides/slide39.xml><?xml version="1.0" encoding="utf-8"?>
 <p:sld xmlns:a="http://schemas.openxmlformats.org/drawingml/2006/main" xmlns:r="http://schemas.openxmlformats.org/officeDocument/2006/relationships" xmlns:p="http://schemas.openxmlformats.org/presentationml/2006/main">
   <p:cSld>
     <p:spTree>
@@ -19894,217 +22036,6 @@
     <p:extLst>
       <p:ext uri="{BB962C8B-B14F-4D97-AF65-F5344CB8AC3E}">
         <p14:creationId xmlns:p14="http://schemas.microsoft.com/office/powerpoint/2010/main" val="509930756"/>
-      </p:ext>
-    </p:extLst>
-  </p:cSld>
-  <p:clrMapOvr>
-    <a:masterClrMapping/>
-  </p:clrMapOvr>
-</p:sld>
-</file>
-
-<file path=ppt/slides/slide37.xml><?xml version="1.0" encoding="utf-8"?>
-<p:sld xmlns:a="http://schemas.openxmlformats.org/drawingml/2006/main" xmlns:r="http://schemas.openxmlformats.org/officeDocument/2006/relationships" xmlns:p="http://schemas.openxmlformats.org/presentationml/2006/main">
-  <p:cSld>
-    <p:spTree>
-      <p:nvGrpSpPr>
-        <p:cNvPr id="1" name=""/>
-        <p:cNvGrpSpPr/>
-        <p:nvPr/>
-      </p:nvGrpSpPr>
-      <p:grpSpPr>
-        <a:xfrm>
-          <a:off x="0" y="0"/>
-          <a:ext cx="0" cy="0"/>
-          <a:chOff x="0" y="0"/>
-          <a:chExt cx="0" cy="0"/>
-        </a:xfrm>
-      </p:grpSpPr>
-      <p:sp>
-        <p:nvSpPr>
-          <p:cNvPr id="2" name="Title 1">
-            <a:extLst>
-              <a:ext uri="{FF2B5EF4-FFF2-40B4-BE49-F238E27FC236}">
-                <a16:creationId xmlns:a16="http://schemas.microsoft.com/office/drawing/2014/main" id="{0FF24907-5B58-8E83-9A00-A87589509D6D}"/>
-              </a:ext>
-            </a:extLst>
-          </p:cNvPr>
-          <p:cNvSpPr>
-            <a:spLocks noGrp="1"/>
-          </p:cNvSpPr>
-          <p:nvPr>
-            <p:ph type="title"/>
-          </p:nvPr>
-        </p:nvSpPr>
-        <p:spPr/>
-        <p:txBody>
-          <a:bodyPr/>
-          <a:lstStyle/>
-          <a:p>
-            <a:endParaRPr lang="he-IL"/>
-          </a:p>
-        </p:txBody>
-      </p:sp>
-      <p:pic>
-        <p:nvPicPr>
-          <p:cNvPr id="3" name="Picture 2">
-            <a:extLst>
-              <a:ext uri="{FF2B5EF4-FFF2-40B4-BE49-F238E27FC236}">
-                <a16:creationId xmlns:a16="http://schemas.microsoft.com/office/drawing/2014/main" id="{6994D758-EABC-9859-B110-C3DA307C129F}"/>
-              </a:ext>
-            </a:extLst>
-          </p:cNvPr>
-          <p:cNvPicPr>
-            <a:picLocks noChangeAspect="1"/>
-          </p:cNvPicPr>
-          <p:nvPr/>
-        </p:nvPicPr>
-        <p:blipFill>
-          <a:blip r:embed="rId2"/>
-          <a:stretch>
-            <a:fillRect/>
-          </a:stretch>
-        </p:blipFill>
-        <p:spPr>
-          <a:xfrm>
-            <a:off x="914399" y="2007279"/>
-            <a:ext cx="10238509" cy="4215856"/>
-          </a:xfrm>
-          <a:prstGeom prst="rect">
-            <a:avLst/>
-          </a:prstGeom>
-        </p:spPr>
-      </p:pic>
-    </p:spTree>
-    <p:extLst>
-      <p:ext uri="{BB962C8B-B14F-4D97-AF65-F5344CB8AC3E}">
-        <p14:creationId xmlns:p14="http://schemas.microsoft.com/office/powerpoint/2010/main" val="1266911267"/>
-      </p:ext>
-    </p:extLst>
-  </p:cSld>
-  <p:clrMapOvr>
-    <a:masterClrMapping/>
-  </p:clrMapOvr>
-</p:sld>
-</file>
-
-<file path=ppt/slides/slide38.xml><?xml version="1.0" encoding="utf-8"?>
-<p:sld xmlns:a="http://schemas.openxmlformats.org/drawingml/2006/main" xmlns:r="http://schemas.openxmlformats.org/officeDocument/2006/relationships" xmlns:p="http://schemas.openxmlformats.org/presentationml/2006/main">
-  <p:cSld>
-    <p:spTree>
-      <p:nvGrpSpPr>
-        <p:cNvPr id="1" name=""/>
-        <p:cNvGrpSpPr/>
-        <p:nvPr/>
-      </p:nvGrpSpPr>
-      <p:grpSpPr>
-        <a:xfrm>
-          <a:off x="0" y="0"/>
-          <a:ext cx="0" cy="0"/>
-          <a:chOff x="0" y="0"/>
-          <a:chExt cx="0" cy="0"/>
-        </a:xfrm>
-      </p:grpSpPr>
-      <p:sp>
-        <p:nvSpPr>
-          <p:cNvPr id="2" name="Title 1">
-            <a:extLst>
-              <a:ext uri="{FF2B5EF4-FFF2-40B4-BE49-F238E27FC236}">
-                <a16:creationId xmlns:a16="http://schemas.microsoft.com/office/drawing/2014/main" id="{8D231D11-F073-2ADE-4CD9-95F3E88ED327}"/>
-              </a:ext>
-            </a:extLst>
-          </p:cNvPr>
-          <p:cNvSpPr>
-            <a:spLocks noGrp="1"/>
-          </p:cNvSpPr>
-          <p:nvPr>
-            <p:ph type="title"/>
-          </p:nvPr>
-        </p:nvSpPr>
-        <p:spPr/>
-        <p:txBody>
-          <a:bodyPr/>
-          <a:lstStyle/>
-          <a:p>
-            <a:r>
-              <a:rPr lang="en-US" dirty="0"/>
-              <a:t>Posterior </a:t>
-            </a:r>
-            <a:r>
-              <a:rPr lang="en-US" dirty="0" err="1"/>
-              <a:t>predictives</a:t>
-            </a:r>
-            <a:r>
-              <a:rPr lang="en-US" dirty="0"/>
-              <a:t> comparison</a:t>
-            </a:r>
-            <a:endParaRPr lang="he-IL" dirty="0"/>
-          </a:p>
-        </p:txBody>
-      </p:sp>
-    </p:spTree>
-    <p:extLst>
-      <p:ext uri="{BB962C8B-B14F-4D97-AF65-F5344CB8AC3E}">
-        <p14:creationId xmlns:p14="http://schemas.microsoft.com/office/powerpoint/2010/main" val="1309673304"/>
-      </p:ext>
-    </p:extLst>
-  </p:cSld>
-  <p:clrMapOvr>
-    <a:masterClrMapping/>
-  </p:clrMapOvr>
-</p:sld>
-</file>
-
-<file path=ppt/slides/slide39.xml><?xml version="1.0" encoding="utf-8"?>
-<p:sld xmlns:a="http://schemas.openxmlformats.org/drawingml/2006/main" xmlns:r="http://schemas.openxmlformats.org/officeDocument/2006/relationships" xmlns:p="http://schemas.openxmlformats.org/presentationml/2006/main">
-  <p:cSld>
-    <p:spTree>
-      <p:nvGrpSpPr>
-        <p:cNvPr id="1" name=""/>
-        <p:cNvGrpSpPr/>
-        <p:nvPr/>
-      </p:nvGrpSpPr>
-      <p:grpSpPr>
-        <a:xfrm>
-          <a:off x="0" y="0"/>
-          <a:ext cx="0" cy="0"/>
-          <a:chOff x="0" y="0"/>
-          <a:chExt cx="0" cy="0"/>
-        </a:xfrm>
-      </p:grpSpPr>
-      <p:sp>
-        <p:nvSpPr>
-          <p:cNvPr id="2" name="Title 1">
-            <a:extLst>
-              <a:ext uri="{FF2B5EF4-FFF2-40B4-BE49-F238E27FC236}">
-                <a16:creationId xmlns:a16="http://schemas.microsoft.com/office/drawing/2014/main" id="{0C91F4B6-9062-9D98-BE88-F1086A70C222}"/>
-              </a:ext>
-            </a:extLst>
-          </p:cNvPr>
-          <p:cNvSpPr>
-            <a:spLocks noGrp="1"/>
-          </p:cNvSpPr>
-          <p:nvPr>
-            <p:ph type="title"/>
-          </p:nvPr>
-        </p:nvSpPr>
-        <p:spPr/>
-        <p:txBody>
-          <a:bodyPr/>
-          <a:lstStyle/>
-          <a:p>
-            <a:r>
-              <a:rPr lang="en-US" dirty="0"/>
-              <a:t>Robust regression</a:t>
-            </a:r>
-            <a:endParaRPr lang="he-IL" dirty="0"/>
-          </a:p>
-        </p:txBody>
-      </p:sp>
-    </p:spTree>
-    <p:extLst>
-      <p:ext uri="{BB962C8B-B14F-4D97-AF65-F5344CB8AC3E}">
-        <p14:creationId xmlns:p14="http://schemas.microsoft.com/office/powerpoint/2010/main" val="2458408805"/>
       </p:ext>
     </p:extLst>
   </p:cSld>
@@ -20523,6 +22454,321 @@
 </file>
 
 <file path=ppt/slides/slide40.xml><?xml version="1.0" encoding="utf-8"?>
+<p:sld xmlns:a="http://schemas.openxmlformats.org/drawingml/2006/main" xmlns:r="http://schemas.openxmlformats.org/officeDocument/2006/relationships" xmlns:p="http://schemas.openxmlformats.org/presentationml/2006/main">
+  <p:cSld>
+    <p:spTree>
+      <p:nvGrpSpPr>
+        <p:cNvPr id="1" name=""/>
+        <p:cNvGrpSpPr/>
+        <p:nvPr/>
+      </p:nvGrpSpPr>
+      <p:grpSpPr>
+        <a:xfrm>
+          <a:off x="0" y="0"/>
+          <a:ext cx="0" cy="0"/>
+          <a:chOff x="0" y="0"/>
+          <a:chExt cx="0" cy="0"/>
+        </a:xfrm>
+      </p:grpSpPr>
+      <p:sp>
+        <p:nvSpPr>
+          <p:cNvPr id="2" name="Title 1">
+            <a:extLst>
+              <a:ext uri="{FF2B5EF4-FFF2-40B4-BE49-F238E27FC236}">
+                <a16:creationId xmlns:a16="http://schemas.microsoft.com/office/drawing/2014/main" id="{0FF24907-5B58-8E83-9A00-A87589509D6D}"/>
+              </a:ext>
+            </a:extLst>
+          </p:cNvPr>
+          <p:cNvSpPr>
+            <a:spLocks noGrp="1"/>
+          </p:cNvSpPr>
+          <p:nvPr>
+            <p:ph type="title"/>
+          </p:nvPr>
+        </p:nvSpPr>
+        <p:spPr/>
+        <p:txBody>
+          <a:bodyPr/>
+          <a:lstStyle/>
+          <a:p>
+            <a:endParaRPr lang="he-IL"/>
+          </a:p>
+        </p:txBody>
+      </p:sp>
+      <p:pic>
+        <p:nvPicPr>
+          <p:cNvPr id="3" name="Picture 2">
+            <a:extLst>
+              <a:ext uri="{FF2B5EF4-FFF2-40B4-BE49-F238E27FC236}">
+                <a16:creationId xmlns:a16="http://schemas.microsoft.com/office/drawing/2014/main" id="{6994D758-EABC-9859-B110-C3DA307C129F}"/>
+              </a:ext>
+            </a:extLst>
+          </p:cNvPr>
+          <p:cNvPicPr>
+            <a:picLocks noChangeAspect="1"/>
+          </p:cNvPicPr>
+          <p:nvPr/>
+        </p:nvPicPr>
+        <p:blipFill>
+          <a:blip r:embed="rId2"/>
+          <a:stretch>
+            <a:fillRect/>
+          </a:stretch>
+        </p:blipFill>
+        <p:spPr>
+          <a:xfrm>
+            <a:off x="914399" y="2007279"/>
+            <a:ext cx="10238509" cy="4215856"/>
+          </a:xfrm>
+          <a:prstGeom prst="rect">
+            <a:avLst/>
+          </a:prstGeom>
+        </p:spPr>
+      </p:pic>
+    </p:spTree>
+    <p:extLst>
+      <p:ext uri="{BB962C8B-B14F-4D97-AF65-F5344CB8AC3E}">
+        <p14:creationId xmlns:p14="http://schemas.microsoft.com/office/powerpoint/2010/main" val="1266911267"/>
+      </p:ext>
+    </p:extLst>
+  </p:cSld>
+  <p:clrMapOvr>
+    <a:masterClrMapping/>
+  </p:clrMapOvr>
+</p:sld>
+</file>
+
+<file path=ppt/slides/slide41.xml><?xml version="1.0" encoding="utf-8"?>
+<p:sld xmlns:a="http://schemas.openxmlformats.org/drawingml/2006/main" xmlns:r="http://schemas.openxmlformats.org/officeDocument/2006/relationships" xmlns:p="http://schemas.openxmlformats.org/presentationml/2006/main">
+  <p:cSld>
+    <p:spTree>
+      <p:nvGrpSpPr>
+        <p:cNvPr id="1" name=""/>
+        <p:cNvGrpSpPr/>
+        <p:nvPr/>
+      </p:nvGrpSpPr>
+      <p:grpSpPr>
+        <a:xfrm>
+          <a:off x="0" y="0"/>
+          <a:ext cx="0" cy="0"/>
+          <a:chOff x="0" y="0"/>
+          <a:chExt cx="0" cy="0"/>
+        </a:xfrm>
+      </p:grpSpPr>
+      <p:sp>
+        <p:nvSpPr>
+          <p:cNvPr id="2" name="Title 1">
+            <a:extLst>
+              <a:ext uri="{FF2B5EF4-FFF2-40B4-BE49-F238E27FC236}">
+                <a16:creationId xmlns:a16="http://schemas.microsoft.com/office/drawing/2014/main" id="{8D231D11-F073-2ADE-4CD9-95F3E88ED327}"/>
+              </a:ext>
+            </a:extLst>
+          </p:cNvPr>
+          <p:cNvSpPr>
+            <a:spLocks noGrp="1"/>
+          </p:cNvSpPr>
+          <p:nvPr>
+            <p:ph type="title"/>
+          </p:nvPr>
+        </p:nvSpPr>
+        <p:spPr/>
+        <p:txBody>
+          <a:bodyPr/>
+          <a:lstStyle/>
+          <a:p>
+            <a:r>
+              <a:rPr lang="en-US" dirty="0"/>
+              <a:t>Posterior </a:t>
+            </a:r>
+            <a:r>
+              <a:rPr lang="en-US" dirty="0" err="1"/>
+              <a:t>predictives</a:t>
+            </a:r>
+            <a:r>
+              <a:rPr lang="en-US" dirty="0"/>
+              <a:t> comparison</a:t>
+            </a:r>
+            <a:endParaRPr lang="he-IL" dirty="0"/>
+          </a:p>
+        </p:txBody>
+      </p:sp>
+      <p:pic>
+        <p:nvPicPr>
+          <p:cNvPr id="3" name="Picture 2">
+            <a:extLst>
+              <a:ext uri="{FF2B5EF4-FFF2-40B4-BE49-F238E27FC236}">
+                <a16:creationId xmlns:a16="http://schemas.microsoft.com/office/drawing/2014/main" id="{52E4EF33-9559-4834-0AB5-061E67FDC711}"/>
+              </a:ext>
+            </a:extLst>
+          </p:cNvPr>
+          <p:cNvPicPr>
+            <a:picLocks noChangeAspect="1"/>
+          </p:cNvPicPr>
+          <p:nvPr/>
+        </p:nvPicPr>
+        <p:blipFill>
+          <a:blip r:embed="rId2"/>
+          <a:stretch>
+            <a:fillRect/>
+          </a:stretch>
+        </p:blipFill>
+        <p:spPr>
+          <a:xfrm>
+            <a:off x="1268963" y="1794111"/>
+            <a:ext cx="9850016" cy="4191790"/>
+          </a:xfrm>
+          <a:prstGeom prst="rect">
+            <a:avLst/>
+          </a:prstGeom>
+        </p:spPr>
+      </p:pic>
+    </p:spTree>
+    <p:extLst>
+      <p:ext uri="{BB962C8B-B14F-4D97-AF65-F5344CB8AC3E}">
+        <p14:creationId xmlns:p14="http://schemas.microsoft.com/office/powerpoint/2010/main" val="1309673304"/>
+      </p:ext>
+    </p:extLst>
+  </p:cSld>
+  <p:clrMapOvr>
+    <a:masterClrMapping/>
+  </p:clrMapOvr>
+</p:sld>
+</file>
+
+<file path=ppt/slides/slide42.xml><?xml version="1.0" encoding="utf-8"?>
+<p:sld xmlns:a="http://schemas.openxmlformats.org/drawingml/2006/main" xmlns:r="http://schemas.openxmlformats.org/officeDocument/2006/relationships" xmlns:p="http://schemas.openxmlformats.org/presentationml/2006/main">
+  <p:cSld>
+    <p:spTree>
+      <p:nvGrpSpPr>
+        <p:cNvPr id="1" name=""/>
+        <p:cNvGrpSpPr/>
+        <p:nvPr/>
+      </p:nvGrpSpPr>
+      <p:grpSpPr>
+        <a:xfrm>
+          <a:off x="0" y="0"/>
+          <a:ext cx="0" cy="0"/>
+          <a:chOff x="0" y="0"/>
+          <a:chExt cx="0" cy="0"/>
+        </a:xfrm>
+      </p:grpSpPr>
+      <p:sp>
+        <p:nvSpPr>
+          <p:cNvPr id="2" name="Title 1">
+            <a:extLst>
+              <a:ext uri="{FF2B5EF4-FFF2-40B4-BE49-F238E27FC236}">
+                <a16:creationId xmlns:a16="http://schemas.microsoft.com/office/drawing/2014/main" id="{0C91F4B6-9062-9D98-BE88-F1086A70C222}"/>
+              </a:ext>
+            </a:extLst>
+          </p:cNvPr>
+          <p:cNvSpPr>
+            <a:spLocks noGrp="1"/>
+          </p:cNvSpPr>
+          <p:nvPr>
+            <p:ph type="title"/>
+          </p:nvPr>
+        </p:nvSpPr>
+        <p:spPr/>
+        <p:txBody>
+          <a:bodyPr/>
+          <a:lstStyle/>
+          <a:p>
+            <a:r>
+              <a:rPr lang="en-US" dirty="0"/>
+              <a:t>Anscombe’s quartet</a:t>
+            </a:r>
+            <a:endParaRPr lang="he-IL" dirty="0"/>
+          </a:p>
+        </p:txBody>
+      </p:sp>
+      <p:sp>
+        <p:nvSpPr>
+          <p:cNvPr id="4" name="Content Placeholder 3">
+            <a:extLst>
+              <a:ext uri="{FF2B5EF4-FFF2-40B4-BE49-F238E27FC236}">
+                <a16:creationId xmlns:a16="http://schemas.microsoft.com/office/drawing/2014/main" id="{15BC10F0-9078-C72C-E4D6-297FD251A70B}"/>
+              </a:ext>
+            </a:extLst>
+          </p:cNvPr>
+          <p:cNvSpPr>
+            <a:spLocks noGrp="1"/>
+          </p:cNvSpPr>
+          <p:nvPr>
+            <p:ph idx="1"/>
+          </p:nvPr>
+        </p:nvSpPr>
+        <p:spPr>
+          <a:xfrm>
+            <a:off x="838200" y="1825625"/>
+            <a:ext cx="4018280" cy="4351338"/>
+          </a:xfrm>
+        </p:spPr>
+        <p:txBody>
+          <a:bodyPr/>
+          <a:lstStyle/>
+          <a:p>
+            <a:r>
+              <a:rPr lang="en-US" dirty="0"/>
+              <a:t>Published in 1973</a:t>
+            </a:r>
+          </a:p>
+          <a:p>
+            <a:r>
+              <a:rPr lang="en-US" dirty="0"/>
+              <a:t>A normal model will treat all of these </a:t>
+            </a:r>
+            <a:r>
+              <a:rPr lang="en-US"/>
+              <a:t>the same</a:t>
+            </a:r>
+            <a:endParaRPr lang="en-IL" dirty="0"/>
+          </a:p>
+        </p:txBody>
+      </p:sp>
+      <p:pic>
+        <p:nvPicPr>
+          <p:cNvPr id="3" name="Picture 2">
+            <a:extLst>
+              <a:ext uri="{FF2B5EF4-FFF2-40B4-BE49-F238E27FC236}">
+                <a16:creationId xmlns:a16="http://schemas.microsoft.com/office/drawing/2014/main" id="{D45C8DBC-D13C-5FEA-2674-A7DE862ACA5F}"/>
+              </a:ext>
+            </a:extLst>
+          </p:cNvPr>
+          <p:cNvPicPr>
+            <a:picLocks noChangeAspect="1"/>
+          </p:cNvPicPr>
+          <p:nvPr/>
+        </p:nvPicPr>
+        <p:blipFill>
+          <a:blip r:embed="rId2"/>
+          <a:stretch>
+            <a:fillRect/>
+          </a:stretch>
+        </p:blipFill>
+        <p:spPr>
+          <a:xfrm>
+            <a:off x="5085184" y="1476579"/>
+            <a:ext cx="6805838" cy="5082841"/>
+          </a:xfrm>
+          <a:prstGeom prst="rect">
+            <a:avLst/>
+          </a:prstGeom>
+        </p:spPr>
+      </p:pic>
+    </p:spTree>
+    <p:extLst>
+      <p:ext uri="{BB962C8B-B14F-4D97-AF65-F5344CB8AC3E}">
+        <p14:creationId xmlns:p14="http://schemas.microsoft.com/office/powerpoint/2010/main" val="2458408805"/>
+      </p:ext>
+    </p:extLst>
+  </p:cSld>
+  <p:clrMapOvr>
+    <a:masterClrMapping/>
+  </p:clrMapOvr>
+</p:sld>
+</file>
+
+<file path=ppt/slides/slide43.xml><?xml version="1.0" encoding="utf-8"?>
 <p:sld xmlns:a="http://schemas.openxmlformats.org/drawingml/2006/main" xmlns:r="http://schemas.openxmlformats.org/officeDocument/2006/relationships" xmlns:p="http://schemas.openxmlformats.org/presentationml/2006/main">
   <p:cSld>
     <p:spTree>
